--- a/Documentation/DiapoProg3/PresentationProg3.pptx
+++ b/Documentation/DiapoProg3/PresentationProg3.pptx
@@ -5,7 +5,7 @@
     <p:sldMasterId id="2147483648" r:id="rId1"/>
   </p:sldMasterIdLst>
   <p:notesMasterIdLst>
-    <p:notesMasterId r:id="rId14"/>
+    <p:notesMasterId r:id="rId15"/>
   </p:notesMasterIdLst>
   <p:sldIdLst>
     <p:sldId id="256" r:id="rId2"/>
@@ -17,9 +17,10 @@
     <p:sldId id="262" r:id="rId8"/>
     <p:sldId id="263" r:id="rId9"/>
     <p:sldId id="265" r:id="rId10"/>
-    <p:sldId id="266" r:id="rId11"/>
-    <p:sldId id="267" r:id="rId12"/>
-    <p:sldId id="268" r:id="rId13"/>
+    <p:sldId id="269" r:id="rId11"/>
+    <p:sldId id="266" r:id="rId12"/>
+    <p:sldId id="267" r:id="rId13"/>
+    <p:sldId id="268" r:id="rId14"/>
   </p:sldIdLst>
   <p:sldSz cx="9144000" cy="6858000" type="screen4x3"/>
   <p:notesSz cx="6858000" cy="9144000"/>
@@ -203,7 +204,7 @@
           <a:p>
             <a:fld id="{590AB086-9098-4FF0-889C-4660684A76AF}" type="datetimeFigureOut">
               <a:rPr lang="fr-FR" smtClean="0"/>
-              <a:t>11/02/2014</a:t>
+              <a:t>12/02/2014</a:t>
             </a:fld>
             <a:endParaRPr lang="fr-FR"/>
           </a:p>
@@ -736,7 +737,7 @@
           <a:p>
             <a:fld id="{C902A2D5-3413-48DE-8ECE-1C9F6F60C7B6}" type="datetime1">
               <a:rPr lang="fr-FR" smtClean="0"/>
-              <a:t>11/02/2014</a:t>
+              <a:t>12/02/2014</a:t>
             </a:fld>
             <a:endParaRPr lang="fr-BE"/>
           </a:p>
@@ -905,7 +906,7 @@
           <a:p>
             <a:fld id="{71C392D7-94FE-419D-BC9A-92D04AC65958}" type="datetime1">
               <a:rPr lang="fr-FR" smtClean="0"/>
-              <a:t>11/02/2014</a:t>
+              <a:t>12/02/2014</a:t>
             </a:fld>
             <a:endParaRPr lang="fr-BE"/>
           </a:p>
@@ -1084,7 +1085,7 @@
           <a:p>
             <a:fld id="{BC9C2D57-6320-420E-BC0B-FB96B1240827}" type="datetime1">
               <a:rPr lang="fr-FR" smtClean="0"/>
-              <a:t>11/02/2014</a:t>
+              <a:t>12/02/2014</a:t>
             </a:fld>
             <a:endParaRPr lang="fr-BE"/>
           </a:p>
@@ -1253,7 +1254,7 @@
           <a:p>
             <a:fld id="{A9A568EF-5B02-43D3-99A2-8E755C9E955B}" type="datetime1">
               <a:rPr lang="fr-FR" smtClean="0"/>
-              <a:t>11/02/2014</a:t>
+              <a:t>12/02/2014</a:t>
             </a:fld>
             <a:endParaRPr lang="fr-BE"/>
           </a:p>
@@ -1498,7 +1499,7 @@
           <a:p>
             <a:fld id="{32634D8A-A9F9-4825-A4DC-9BEC228D81F1}" type="datetime1">
               <a:rPr lang="fr-FR" smtClean="0"/>
-              <a:t>11/02/2014</a:t>
+              <a:t>12/02/2014</a:t>
             </a:fld>
             <a:endParaRPr lang="fr-BE"/>
           </a:p>
@@ -1785,7 +1786,7 @@
           <a:p>
             <a:fld id="{C6F4CAAA-F27E-4521-B17A-E23914568578}" type="datetime1">
               <a:rPr lang="fr-FR" smtClean="0"/>
-              <a:t>11/02/2014</a:t>
+              <a:t>12/02/2014</a:t>
             </a:fld>
             <a:endParaRPr lang="fr-BE"/>
           </a:p>
@@ -2206,7 +2207,7 @@
           <a:p>
             <a:fld id="{7D5FA12D-4B2C-451E-B245-5BBAB23B1D8E}" type="datetime1">
               <a:rPr lang="fr-FR" smtClean="0"/>
-              <a:t>11/02/2014</a:t>
+              <a:t>12/02/2014</a:t>
             </a:fld>
             <a:endParaRPr lang="fr-BE"/>
           </a:p>
@@ -2323,7 +2324,7 @@
           <a:p>
             <a:fld id="{03C308EC-7FA5-48A1-AC31-27C0B68E5FC1}" type="datetime1">
               <a:rPr lang="fr-FR" smtClean="0"/>
-              <a:t>11/02/2014</a:t>
+              <a:t>12/02/2014</a:t>
             </a:fld>
             <a:endParaRPr lang="fr-BE"/>
           </a:p>
@@ -2417,7 +2418,7 @@
           <a:p>
             <a:fld id="{FA6D7DC9-B261-4760-859C-335352DA4003}" type="datetime1">
               <a:rPr lang="fr-FR" smtClean="0"/>
-              <a:t>11/02/2014</a:t>
+              <a:t>12/02/2014</a:t>
             </a:fld>
             <a:endParaRPr lang="fr-BE"/>
           </a:p>
@@ -2693,7 +2694,7 @@
           <a:p>
             <a:fld id="{E655F826-0647-479B-95C0-75DA0751992E}" type="datetime1">
               <a:rPr lang="fr-FR" smtClean="0"/>
-              <a:t>11/02/2014</a:t>
+              <a:t>12/02/2014</a:t>
             </a:fld>
             <a:endParaRPr lang="fr-BE"/>
           </a:p>
@@ -2945,7 +2946,7 @@
           <a:p>
             <a:fld id="{18F1E8EA-B5CD-4FB2-B3EB-3F67E8EEAEDA}" type="datetime1">
               <a:rPr lang="fr-FR" smtClean="0"/>
-              <a:t>11/02/2014</a:t>
+              <a:t>12/02/2014</a:t>
             </a:fld>
             <a:endParaRPr lang="fr-BE"/>
           </a:p>
@@ -3189,7 +3190,7 @@
           <a:p>
             <a:fld id="{88E02C3B-D3D9-43B7-9A8A-C03EC265FE24}" type="datetime1">
               <a:rPr lang="fr-FR" smtClean="0"/>
-              <a:t>11/02/2014</a:t>
+              <a:t>12/02/2014</a:t>
             </a:fld>
             <a:endParaRPr lang="fr-BE"/>
           </a:p>
@@ -3804,7 +3805,7 @@
           <a:p>
             <a:r>
               <a:rPr lang="fr-FR" dirty="0" smtClean="0"/>
-              <a:t>Model Vue Contrôleur</a:t>
+              <a:t>Réalisation</a:t>
             </a:r>
             <a:endParaRPr lang="fr-FR" dirty="0"/>
           </a:p>
@@ -3820,12 +3821,37 @@
             <p:ph type="subTitle" idx="1"/>
           </p:nvPr>
         </p:nvSpPr>
-        <p:spPr/>
+        <p:spPr>
+          <a:xfrm>
+            <a:off x="1371600" y="1772816"/>
+            <a:ext cx="6400800" cy="1752600"/>
+          </a:xfrm>
+        </p:spPr>
         <p:txBody>
           <a:bodyPr/>
           <a:lstStyle/>
           <a:p>
-            <a:endParaRPr lang="fr-FR" dirty="0"/>
+            <a:r>
+              <a:rPr lang="fr-FR" dirty="0" smtClean="0">
+                <a:solidFill>
+                  <a:schemeClr val="tx1"/>
+                </a:solidFill>
+              </a:rPr>
+              <a:t>La base Derby </a:t>
+            </a:r>
+            <a:r>
+              <a:rPr lang="fr-FR" dirty="0" err="1" smtClean="0">
+                <a:solidFill>
+                  <a:schemeClr val="tx1"/>
+                </a:solidFill>
+              </a:rPr>
+              <a:t>Assoc</a:t>
+            </a:r>
+            <a:endParaRPr lang="fr-FR" dirty="0">
+              <a:solidFill>
+                <a:schemeClr val="tx1"/>
+              </a:solidFill>
+            </a:endParaRPr>
           </a:p>
         </p:txBody>
       </p:sp>
@@ -3985,7 +4011,7 @@
                   <a:schemeClr val="tx1"/>
                 </a:solidFill>
               </a:rPr>
-              <a:t>-Matérielle et logiciel -Réalisation </a:t>
+              <a:t>-Matérielle et logiciel </a:t>
             </a:r>
             <a:r>
               <a:rPr lang="fr-FR" sz="1200" dirty="0" smtClean="0">
@@ -3993,7 +4019,7 @@
                   <a:schemeClr val="bg1"/>
                 </a:solidFill>
               </a:rPr>
-              <a:t>-Model Vue Contrôleur </a:t>
+              <a:t>-Réalisation </a:t>
             </a:r>
             <a:r>
               <a:rPr lang="fr-FR" sz="1200" dirty="0" smtClean="0">
@@ -4001,7 +4027,7 @@
                   <a:schemeClr val="tx1"/>
                 </a:solidFill>
               </a:rPr>
-              <a:t>-Avantages / inconvénients -Améliorations possibles</a:t>
+              <a:t>-Model Vue Contrôleur -Avantages / inconvénients -Améliorations possibles</a:t>
             </a:r>
             <a:endParaRPr lang="fr-FR" sz="1200" dirty="0">
               <a:solidFill>
@@ -4011,10 +4037,1201 @@
           </a:p>
         </p:txBody>
       </p:sp>
+      <p:graphicFrame>
+        <p:nvGraphicFramePr>
+          <p:cNvPr id="4" name="Tableau 3"/>
+          <p:cNvGraphicFramePr>
+            <a:graphicFrameLocks noGrp="1"/>
+          </p:cNvGraphicFramePr>
+          <p:nvPr>
+            <p:extLst>
+              <p:ext uri="{D42A27DB-BD31-4B8C-83A1-F6EECF244321}">
+                <p14:modId xmlns:p14="http://schemas.microsoft.com/office/powerpoint/2010/main" val="3440566806"/>
+              </p:ext>
+            </p:extLst>
+          </p:nvPr>
+        </p:nvGraphicFramePr>
+        <p:xfrm>
+          <a:off x="102970" y="2564904"/>
+          <a:ext cx="2520280" cy="2952330"/>
+        </p:xfrm>
+        <a:graphic>
+          <a:graphicData uri="http://schemas.openxmlformats.org/drawingml/2006/table">
+            <a:tbl>
+              <a:tblPr firstRow="1" bandRow="1">
+                <a:tableStyleId>{5C22544A-7EE6-4342-B048-85BDC9FD1C3A}</a:tableStyleId>
+              </a:tblPr>
+              <a:tblGrid>
+                <a:gridCol w="867638"/>
+                <a:gridCol w="1652642"/>
+              </a:tblGrid>
+              <a:tr h="373546">
+                <a:tc gridSpan="2">
+                  <a:txBody>
+                    <a:bodyPr/>
+                    <a:lstStyle/>
+                    <a:p>
+                      <a:r>
+                        <a:rPr lang="fr-FR" dirty="0" smtClean="0"/>
+                        <a:t>ADHERENT</a:t>
+                      </a:r>
+                      <a:endParaRPr lang="fr-FR" dirty="0"/>
+                    </a:p>
+                  </a:txBody>
+                  <a:tcPr/>
+                </a:tc>
+                <a:tc hMerge="1">
+                  <a:txBody>
+                    <a:bodyPr/>
+                    <a:lstStyle/>
+                    <a:p>
+                      <a:endParaRPr lang="fr-FR" dirty="0"/>
+                    </a:p>
+                  </a:txBody>
+                  <a:tcPr/>
+                </a:tc>
+              </a:tr>
+              <a:tr h="322348">
+                <a:tc>
+                  <a:txBody>
+                    <a:bodyPr/>
+                    <a:lstStyle/>
+                    <a:p>
+                      <a:r>
+                        <a:rPr lang="fr-FR" sz="1200" dirty="0" smtClean="0"/>
+                        <a:t>ID_ADH</a:t>
+                      </a:r>
+                      <a:endParaRPr lang="fr-FR" sz="1200" dirty="0"/>
+                    </a:p>
+                  </a:txBody>
+                  <a:tcPr>
+                    <a:solidFill>
+                      <a:srgbClr val="FFC000"/>
+                    </a:solidFill>
+                  </a:tcPr>
+                </a:tc>
+                <a:tc>
+                  <a:txBody>
+                    <a:bodyPr/>
+                    <a:lstStyle/>
+                    <a:p>
+                      <a:r>
+                        <a:rPr lang="fr-FR" sz="1200" dirty="0" smtClean="0"/>
+                        <a:t>CHAR(20) NOT NULL PK</a:t>
+                      </a:r>
+                      <a:endParaRPr lang="fr-FR" sz="1200" dirty="0"/>
+                    </a:p>
+                  </a:txBody>
+                  <a:tcPr>
+                    <a:solidFill>
+                      <a:srgbClr val="FFC000"/>
+                    </a:solidFill>
+                  </a:tcPr>
+                </a:tc>
+              </a:tr>
+              <a:tr h="322348">
+                <a:tc>
+                  <a:txBody>
+                    <a:bodyPr/>
+                    <a:lstStyle/>
+                    <a:p>
+                      <a:r>
+                        <a:rPr lang="fr-FR" sz="1200" dirty="0" smtClean="0"/>
+                        <a:t>MDP</a:t>
+                      </a:r>
+                      <a:endParaRPr lang="fr-FR" sz="1200" dirty="0"/>
+                    </a:p>
+                  </a:txBody>
+                  <a:tcPr/>
+                </a:tc>
+                <a:tc>
+                  <a:txBody>
+                    <a:bodyPr/>
+                    <a:lstStyle/>
+                    <a:p>
+                      <a:pPr marL="0" marR="0" indent="0" algn="l" defTabSz="914400" rtl="0" eaLnBrk="1" fontAlgn="auto" latinLnBrk="0" hangingPunct="1">
+                        <a:lnSpc>
+                          <a:spcPct val="100000"/>
+                        </a:lnSpc>
+                        <a:spcBef>
+                          <a:spcPts val="0"/>
+                        </a:spcBef>
+                        <a:spcAft>
+                          <a:spcPts val="0"/>
+                        </a:spcAft>
+                        <a:buClrTx/>
+                        <a:buSzTx/>
+                        <a:buFontTx/>
+                        <a:buNone/>
+                        <a:tabLst/>
+                        <a:defRPr/>
+                      </a:pPr>
+                      <a:r>
+                        <a:rPr lang="fr-FR" sz="1200" dirty="0" smtClean="0"/>
+                        <a:t>CHAR(20) NOT NULL</a:t>
+                      </a:r>
+                    </a:p>
+                  </a:txBody>
+                  <a:tcPr/>
+                </a:tc>
+              </a:tr>
+              <a:tr h="322348">
+                <a:tc>
+                  <a:txBody>
+                    <a:bodyPr/>
+                    <a:lstStyle/>
+                    <a:p>
+                      <a:r>
+                        <a:rPr lang="fr-FR" sz="1200" dirty="0" smtClean="0"/>
+                        <a:t>NOM</a:t>
+                      </a:r>
+                      <a:endParaRPr lang="fr-FR" sz="1200" dirty="0"/>
+                    </a:p>
+                  </a:txBody>
+                  <a:tcPr/>
+                </a:tc>
+                <a:tc>
+                  <a:txBody>
+                    <a:bodyPr/>
+                    <a:lstStyle/>
+                    <a:p>
+                      <a:pPr marL="0" marR="0" indent="0" algn="l" defTabSz="914400" rtl="0" eaLnBrk="1" fontAlgn="auto" latinLnBrk="0" hangingPunct="1">
+                        <a:lnSpc>
+                          <a:spcPct val="100000"/>
+                        </a:lnSpc>
+                        <a:spcBef>
+                          <a:spcPts val="0"/>
+                        </a:spcBef>
+                        <a:spcAft>
+                          <a:spcPts val="0"/>
+                        </a:spcAft>
+                        <a:buClrTx/>
+                        <a:buSzTx/>
+                        <a:buFontTx/>
+                        <a:buNone/>
+                        <a:tabLst/>
+                        <a:defRPr/>
+                      </a:pPr>
+                      <a:r>
+                        <a:rPr lang="fr-FR" sz="1200" dirty="0" smtClean="0"/>
+                        <a:t>CHAR(20) NOT NULL</a:t>
+                      </a:r>
+                    </a:p>
+                  </a:txBody>
+                  <a:tcPr/>
+                </a:tc>
+              </a:tr>
+              <a:tr h="322348">
+                <a:tc>
+                  <a:txBody>
+                    <a:bodyPr/>
+                    <a:lstStyle/>
+                    <a:p>
+                      <a:r>
+                        <a:rPr lang="fr-FR" sz="1200" dirty="0" smtClean="0"/>
+                        <a:t>PRENOM</a:t>
+                      </a:r>
+                      <a:endParaRPr lang="fr-FR" sz="1200" dirty="0"/>
+                    </a:p>
+                  </a:txBody>
+                  <a:tcPr/>
+                </a:tc>
+                <a:tc>
+                  <a:txBody>
+                    <a:bodyPr/>
+                    <a:lstStyle/>
+                    <a:p>
+                      <a:pPr marL="0" marR="0" indent="0" algn="l" defTabSz="914400" rtl="0" eaLnBrk="1" fontAlgn="auto" latinLnBrk="0" hangingPunct="1">
+                        <a:lnSpc>
+                          <a:spcPct val="100000"/>
+                        </a:lnSpc>
+                        <a:spcBef>
+                          <a:spcPts val="0"/>
+                        </a:spcBef>
+                        <a:spcAft>
+                          <a:spcPts val="0"/>
+                        </a:spcAft>
+                        <a:buClrTx/>
+                        <a:buSzTx/>
+                        <a:buFontTx/>
+                        <a:buNone/>
+                        <a:tabLst/>
+                        <a:defRPr/>
+                      </a:pPr>
+                      <a:r>
+                        <a:rPr lang="fr-FR" sz="1200" dirty="0" smtClean="0"/>
+                        <a:t>CHAR(20) NOT NULL</a:t>
+                      </a:r>
+                    </a:p>
+                  </a:txBody>
+                  <a:tcPr/>
+                </a:tc>
+              </a:tr>
+              <a:tr h="322348">
+                <a:tc>
+                  <a:txBody>
+                    <a:bodyPr/>
+                    <a:lstStyle/>
+                    <a:p>
+                      <a:r>
+                        <a:rPr lang="fr-FR" sz="1200" dirty="0" smtClean="0"/>
+                        <a:t>ADRESSE</a:t>
+                      </a:r>
+                      <a:endParaRPr lang="fr-FR" sz="1200" dirty="0"/>
+                    </a:p>
+                  </a:txBody>
+                  <a:tcPr/>
+                </a:tc>
+                <a:tc>
+                  <a:txBody>
+                    <a:bodyPr/>
+                    <a:lstStyle/>
+                    <a:p>
+                      <a:pPr marL="0" marR="0" indent="0" algn="l" defTabSz="914400" rtl="0" eaLnBrk="1" fontAlgn="auto" latinLnBrk="0" hangingPunct="1">
+                        <a:lnSpc>
+                          <a:spcPct val="100000"/>
+                        </a:lnSpc>
+                        <a:spcBef>
+                          <a:spcPts val="0"/>
+                        </a:spcBef>
+                        <a:spcAft>
+                          <a:spcPts val="0"/>
+                        </a:spcAft>
+                        <a:buClrTx/>
+                        <a:buSzTx/>
+                        <a:buFontTx/>
+                        <a:buNone/>
+                        <a:tabLst/>
+                        <a:defRPr/>
+                      </a:pPr>
+                      <a:r>
+                        <a:rPr lang="fr-FR" sz="1200" dirty="0" smtClean="0"/>
+                        <a:t>CHAR(20) NOT NULL</a:t>
+                      </a:r>
+                    </a:p>
+                  </a:txBody>
+                  <a:tcPr/>
+                </a:tc>
+              </a:tr>
+              <a:tr h="322348">
+                <a:tc>
+                  <a:txBody>
+                    <a:bodyPr/>
+                    <a:lstStyle/>
+                    <a:p>
+                      <a:r>
+                        <a:rPr lang="fr-FR" sz="1200" dirty="0" smtClean="0"/>
+                        <a:t>CP</a:t>
+                      </a:r>
+                      <a:endParaRPr lang="fr-FR" sz="1200" dirty="0"/>
+                    </a:p>
+                  </a:txBody>
+                  <a:tcPr/>
+                </a:tc>
+                <a:tc>
+                  <a:txBody>
+                    <a:bodyPr/>
+                    <a:lstStyle/>
+                    <a:p>
+                      <a:pPr marL="0" marR="0" indent="0" algn="l" defTabSz="914400" rtl="0" eaLnBrk="1" fontAlgn="auto" latinLnBrk="0" hangingPunct="1">
+                        <a:lnSpc>
+                          <a:spcPct val="100000"/>
+                        </a:lnSpc>
+                        <a:spcBef>
+                          <a:spcPts val="0"/>
+                        </a:spcBef>
+                        <a:spcAft>
+                          <a:spcPts val="0"/>
+                        </a:spcAft>
+                        <a:buClrTx/>
+                        <a:buSzTx/>
+                        <a:buFontTx/>
+                        <a:buNone/>
+                        <a:tabLst/>
+                        <a:defRPr/>
+                      </a:pPr>
+                      <a:r>
+                        <a:rPr lang="fr-FR" sz="1200" dirty="0" smtClean="0"/>
+                        <a:t>CHAR(20) NOT NULL</a:t>
+                      </a:r>
+                    </a:p>
+                  </a:txBody>
+                  <a:tcPr/>
+                </a:tc>
+              </a:tr>
+              <a:tr h="322348">
+                <a:tc>
+                  <a:txBody>
+                    <a:bodyPr/>
+                    <a:lstStyle/>
+                    <a:p>
+                      <a:r>
+                        <a:rPr lang="fr-FR" sz="1200" dirty="0" smtClean="0"/>
+                        <a:t>VILLE</a:t>
+                      </a:r>
+                      <a:endParaRPr lang="fr-FR" sz="1200" dirty="0"/>
+                    </a:p>
+                  </a:txBody>
+                  <a:tcPr/>
+                </a:tc>
+                <a:tc>
+                  <a:txBody>
+                    <a:bodyPr/>
+                    <a:lstStyle/>
+                    <a:p>
+                      <a:pPr marL="0" marR="0" indent="0" algn="l" defTabSz="914400" rtl="0" eaLnBrk="1" fontAlgn="auto" latinLnBrk="0" hangingPunct="1">
+                        <a:lnSpc>
+                          <a:spcPct val="100000"/>
+                        </a:lnSpc>
+                        <a:spcBef>
+                          <a:spcPts val="0"/>
+                        </a:spcBef>
+                        <a:spcAft>
+                          <a:spcPts val="0"/>
+                        </a:spcAft>
+                        <a:buClrTx/>
+                        <a:buSzTx/>
+                        <a:buFontTx/>
+                        <a:buNone/>
+                        <a:tabLst/>
+                        <a:defRPr/>
+                      </a:pPr>
+                      <a:r>
+                        <a:rPr lang="fr-FR" sz="1200" dirty="0" smtClean="0"/>
+                        <a:t>CHAR(20) NOT NULL</a:t>
+                      </a:r>
+                    </a:p>
+                  </a:txBody>
+                  <a:tcPr/>
+                </a:tc>
+              </a:tr>
+              <a:tr h="322348">
+                <a:tc>
+                  <a:txBody>
+                    <a:bodyPr/>
+                    <a:lstStyle/>
+                    <a:p>
+                      <a:r>
+                        <a:rPr lang="fr-FR" sz="1200" dirty="0" smtClean="0"/>
+                        <a:t>PAYS</a:t>
+                      </a:r>
+                      <a:endParaRPr lang="fr-FR" sz="1200" dirty="0"/>
+                    </a:p>
+                  </a:txBody>
+                  <a:tcPr/>
+                </a:tc>
+                <a:tc>
+                  <a:txBody>
+                    <a:bodyPr/>
+                    <a:lstStyle/>
+                    <a:p>
+                      <a:pPr marL="0" marR="0" indent="0" algn="l" defTabSz="914400" rtl="0" eaLnBrk="1" fontAlgn="auto" latinLnBrk="0" hangingPunct="1">
+                        <a:lnSpc>
+                          <a:spcPct val="100000"/>
+                        </a:lnSpc>
+                        <a:spcBef>
+                          <a:spcPts val="0"/>
+                        </a:spcBef>
+                        <a:spcAft>
+                          <a:spcPts val="0"/>
+                        </a:spcAft>
+                        <a:buClrTx/>
+                        <a:buSzTx/>
+                        <a:buFontTx/>
+                        <a:buNone/>
+                        <a:tabLst/>
+                        <a:defRPr/>
+                      </a:pPr>
+                      <a:r>
+                        <a:rPr lang="fr-FR" sz="1200" dirty="0" smtClean="0"/>
+                        <a:t>CHAR(20) NOT NULL</a:t>
+                      </a:r>
+                    </a:p>
+                  </a:txBody>
+                  <a:tcPr/>
+                </a:tc>
+              </a:tr>
+            </a:tbl>
+          </a:graphicData>
+        </a:graphic>
+      </p:graphicFrame>
+      <p:graphicFrame>
+        <p:nvGraphicFramePr>
+          <p:cNvPr id="13" name="Tableau 12"/>
+          <p:cNvGraphicFramePr>
+            <a:graphicFrameLocks noGrp="1"/>
+          </p:cNvGraphicFramePr>
+          <p:nvPr>
+            <p:extLst>
+              <p:ext uri="{D42A27DB-BD31-4B8C-83A1-F6EECF244321}">
+                <p14:modId xmlns:p14="http://schemas.microsoft.com/office/powerpoint/2010/main" val="2018490485"/>
+              </p:ext>
+            </p:extLst>
+          </p:nvPr>
+        </p:nvGraphicFramePr>
+        <p:xfrm>
+          <a:off x="6660232" y="2564904"/>
+          <a:ext cx="2376264" cy="1790004"/>
+        </p:xfrm>
+        <a:graphic>
+          <a:graphicData uri="http://schemas.openxmlformats.org/drawingml/2006/table">
+            <a:tbl>
+              <a:tblPr firstRow="1" bandRow="1">
+                <a:tableStyleId>{5C22544A-7EE6-4342-B048-85BDC9FD1C3A}</a:tableStyleId>
+              </a:tblPr>
+              <a:tblGrid>
+                <a:gridCol w="867638"/>
+                <a:gridCol w="1508626"/>
+              </a:tblGrid>
+              <a:tr h="301538">
+                <a:tc gridSpan="2">
+                  <a:txBody>
+                    <a:bodyPr/>
+                    <a:lstStyle/>
+                    <a:p>
+                      <a:r>
+                        <a:rPr lang="fr-FR" dirty="0" smtClean="0"/>
+                        <a:t>CATALOGUE</a:t>
+                      </a:r>
+                      <a:endParaRPr lang="fr-FR" dirty="0"/>
+                    </a:p>
+                  </a:txBody>
+                  <a:tcPr/>
+                </a:tc>
+                <a:tc hMerge="1">
+                  <a:txBody>
+                    <a:bodyPr/>
+                    <a:lstStyle/>
+                    <a:p>
+                      <a:endParaRPr lang="fr-FR" dirty="0"/>
+                    </a:p>
+                  </a:txBody>
+                  <a:tcPr/>
+                </a:tc>
+              </a:tr>
+              <a:tr h="322348">
+                <a:tc>
+                  <a:txBody>
+                    <a:bodyPr/>
+                    <a:lstStyle/>
+                    <a:p>
+                      <a:r>
+                        <a:rPr lang="fr-FR" sz="1200" dirty="0" smtClean="0"/>
+                        <a:t>CODE</a:t>
+                      </a:r>
+                      <a:endParaRPr lang="fr-FR" sz="1200" dirty="0"/>
+                    </a:p>
+                  </a:txBody>
+                  <a:tcPr>
+                    <a:solidFill>
+                      <a:srgbClr val="92D050"/>
+                    </a:solidFill>
+                  </a:tcPr>
+                </a:tc>
+                <a:tc>
+                  <a:txBody>
+                    <a:bodyPr/>
+                    <a:lstStyle/>
+                    <a:p>
+                      <a:pPr marL="0" marR="0" indent="0" algn="l" defTabSz="914400" rtl="0" eaLnBrk="1" fontAlgn="auto" latinLnBrk="0" hangingPunct="1">
+                        <a:lnSpc>
+                          <a:spcPct val="100000"/>
+                        </a:lnSpc>
+                        <a:spcBef>
+                          <a:spcPts val="0"/>
+                        </a:spcBef>
+                        <a:spcAft>
+                          <a:spcPts val="0"/>
+                        </a:spcAft>
+                        <a:buClrTx/>
+                        <a:buSzTx/>
+                        <a:buFontTx/>
+                        <a:buNone/>
+                        <a:tabLst/>
+                        <a:defRPr/>
+                      </a:pPr>
+                      <a:r>
+                        <a:rPr lang="fr-FR" sz="1200" dirty="0" smtClean="0"/>
+                        <a:t>INTEGER NOT NULL </a:t>
+                      </a:r>
+                      <a:r>
+                        <a:rPr lang="fr-FR" sz="1200" dirty="0" smtClean="0"/>
+                        <a:t>PK</a:t>
+                      </a:r>
+                      <a:r>
+                        <a:rPr lang="fr-FR" sz="1200" baseline="0" dirty="0" smtClean="0"/>
+                        <a:t> </a:t>
+                      </a:r>
+                      <a:r>
+                        <a:rPr lang="fr-FR" sz="1200" dirty="0" smtClean="0"/>
+                        <a:t>Auto </a:t>
+                      </a:r>
+                      <a:r>
+                        <a:rPr lang="fr-FR" sz="1200" dirty="0" err="1" smtClean="0"/>
+                        <a:t>Generated</a:t>
+                      </a:r>
+                      <a:endParaRPr lang="fr-FR" sz="1200" dirty="0"/>
+                    </a:p>
+                  </a:txBody>
+                  <a:tcPr>
+                    <a:solidFill>
+                      <a:srgbClr val="92D050"/>
+                    </a:solidFill>
+                  </a:tcPr>
+                </a:tc>
+              </a:tr>
+              <a:tr h="322348">
+                <a:tc>
+                  <a:txBody>
+                    <a:bodyPr/>
+                    <a:lstStyle/>
+                    <a:p>
+                      <a:r>
+                        <a:rPr lang="fr-FR" sz="1200" dirty="0" smtClean="0"/>
+                        <a:t>NOM</a:t>
+                      </a:r>
+                      <a:endParaRPr lang="fr-FR" sz="1200" dirty="0"/>
+                    </a:p>
+                  </a:txBody>
+                  <a:tcPr/>
+                </a:tc>
+                <a:tc>
+                  <a:txBody>
+                    <a:bodyPr/>
+                    <a:lstStyle/>
+                    <a:p>
+                      <a:pPr marL="0" marR="0" indent="0" algn="l" defTabSz="914400" rtl="0" eaLnBrk="1" fontAlgn="auto" latinLnBrk="0" hangingPunct="1">
+                        <a:lnSpc>
+                          <a:spcPct val="100000"/>
+                        </a:lnSpc>
+                        <a:spcBef>
+                          <a:spcPts val="0"/>
+                        </a:spcBef>
+                        <a:spcAft>
+                          <a:spcPts val="0"/>
+                        </a:spcAft>
+                        <a:buClrTx/>
+                        <a:buSzTx/>
+                        <a:buFontTx/>
+                        <a:buNone/>
+                        <a:tabLst/>
+                        <a:defRPr/>
+                      </a:pPr>
+                      <a:r>
+                        <a:rPr lang="fr-FR" sz="1200" dirty="0" smtClean="0"/>
+                        <a:t>CHAR(20) NOT NULL</a:t>
+                      </a:r>
+                    </a:p>
+                  </a:txBody>
+                  <a:tcPr/>
+                </a:tc>
+              </a:tr>
+              <a:tr h="322348">
+                <a:tc>
+                  <a:txBody>
+                    <a:bodyPr/>
+                    <a:lstStyle/>
+                    <a:p>
+                      <a:r>
+                        <a:rPr lang="fr-FR" sz="1200" dirty="0" smtClean="0"/>
+                        <a:t>PRIX</a:t>
+                      </a:r>
+                      <a:endParaRPr lang="fr-FR" sz="1200" dirty="0"/>
+                    </a:p>
+                  </a:txBody>
+                  <a:tcPr/>
+                </a:tc>
+                <a:tc>
+                  <a:txBody>
+                    <a:bodyPr/>
+                    <a:lstStyle/>
+                    <a:p>
+                      <a:pPr marL="0" marR="0" indent="0" algn="l" defTabSz="914400" rtl="0" eaLnBrk="1" fontAlgn="auto" latinLnBrk="0" hangingPunct="1">
+                        <a:lnSpc>
+                          <a:spcPct val="100000"/>
+                        </a:lnSpc>
+                        <a:spcBef>
+                          <a:spcPts val="0"/>
+                        </a:spcBef>
+                        <a:spcAft>
+                          <a:spcPts val="0"/>
+                        </a:spcAft>
+                        <a:buClrTx/>
+                        <a:buSzTx/>
+                        <a:buFontTx/>
+                        <a:buNone/>
+                        <a:tabLst/>
+                        <a:defRPr/>
+                      </a:pPr>
+                      <a:r>
+                        <a:rPr lang="fr-FR" sz="1200" dirty="0" smtClean="0"/>
+                        <a:t>DOUBLE NOT NULL</a:t>
+                      </a:r>
+                    </a:p>
+                  </a:txBody>
+                  <a:tcPr/>
+                </a:tc>
+              </a:tr>
+              <a:tr h="322348">
+                <a:tc>
+                  <a:txBody>
+                    <a:bodyPr/>
+                    <a:lstStyle/>
+                    <a:p>
+                      <a:r>
+                        <a:rPr lang="fr-FR" sz="1200" dirty="0" smtClean="0"/>
+                        <a:t>STOCK</a:t>
+                      </a:r>
+                      <a:endParaRPr lang="fr-FR" sz="1200" dirty="0"/>
+                    </a:p>
+                  </a:txBody>
+                  <a:tcPr/>
+                </a:tc>
+                <a:tc>
+                  <a:txBody>
+                    <a:bodyPr/>
+                    <a:lstStyle/>
+                    <a:p>
+                      <a:pPr marL="0" marR="0" indent="0" algn="l" defTabSz="914400" rtl="0" eaLnBrk="1" fontAlgn="auto" latinLnBrk="0" hangingPunct="1">
+                        <a:lnSpc>
+                          <a:spcPct val="100000"/>
+                        </a:lnSpc>
+                        <a:spcBef>
+                          <a:spcPts val="0"/>
+                        </a:spcBef>
+                        <a:spcAft>
+                          <a:spcPts val="0"/>
+                        </a:spcAft>
+                        <a:buClrTx/>
+                        <a:buSzTx/>
+                        <a:buFontTx/>
+                        <a:buNone/>
+                        <a:tabLst/>
+                        <a:defRPr/>
+                      </a:pPr>
+                      <a:r>
+                        <a:rPr lang="fr-FR" sz="1200" dirty="0" smtClean="0"/>
+                        <a:t>INTEGERNOT NULL</a:t>
+                      </a:r>
+                    </a:p>
+                  </a:txBody>
+                  <a:tcPr/>
+                </a:tc>
+              </a:tr>
+            </a:tbl>
+          </a:graphicData>
+        </a:graphic>
+      </p:graphicFrame>
+      <p:graphicFrame>
+        <p:nvGraphicFramePr>
+          <p:cNvPr id="14" name="Tableau 13"/>
+          <p:cNvGraphicFramePr>
+            <a:graphicFrameLocks noGrp="1"/>
+          </p:cNvGraphicFramePr>
+          <p:nvPr>
+            <p:extLst>
+              <p:ext uri="{D42A27DB-BD31-4B8C-83A1-F6EECF244321}">
+                <p14:modId xmlns:p14="http://schemas.microsoft.com/office/powerpoint/2010/main" val="947339632"/>
+              </p:ext>
+            </p:extLst>
+          </p:nvPr>
+        </p:nvGraphicFramePr>
+        <p:xfrm>
+          <a:off x="3203848" y="2564904"/>
+          <a:ext cx="2952328" cy="2764834"/>
+        </p:xfrm>
+        <a:graphic>
+          <a:graphicData uri="http://schemas.openxmlformats.org/drawingml/2006/table">
+            <a:tbl>
+              <a:tblPr firstRow="1" bandRow="1">
+                <a:tableStyleId>{5C22544A-7EE6-4342-B048-85BDC9FD1C3A}</a:tableStyleId>
+              </a:tblPr>
+              <a:tblGrid>
+                <a:gridCol w="1440160"/>
+                <a:gridCol w="1512168"/>
+              </a:tblGrid>
+              <a:tr h="373546">
+                <a:tc gridSpan="2">
+                  <a:txBody>
+                    <a:bodyPr/>
+                    <a:lstStyle/>
+                    <a:p>
+                      <a:r>
+                        <a:rPr lang="fr-FR" dirty="0" smtClean="0"/>
+                        <a:t>COMMANDE</a:t>
+                      </a:r>
+                      <a:endParaRPr lang="fr-FR" dirty="0"/>
+                    </a:p>
+                  </a:txBody>
+                  <a:tcPr/>
+                </a:tc>
+                <a:tc hMerge="1">
+                  <a:txBody>
+                    <a:bodyPr/>
+                    <a:lstStyle/>
+                    <a:p>
+                      <a:endParaRPr lang="fr-FR" dirty="0"/>
+                    </a:p>
+                  </a:txBody>
+                  <a:tcPr/>
+                </a:tc>
+              </a:tr>
+              <a:tr h="322348">
+                <a:tc>
+                  <a:txBody>
+                    <a:bodyPr/>
+                    <a:lstStyle/>
+                    <a:p>
+                      <a:r>
+                        <a:rPr lang="fr-FR" sz="1200" dirty="0" smtClean="0"/>
+                        <a:t>ID</a:t>
+                      </a:r>
+                      <a:endParaRPr lang="fr-FR" sz="1200" dirty="0"/>
+                    </a:p>
+                  </a:txBody>
+                  <a:tcPr/>
+                </a:tc>
+                <a:tc>
+                  <a:txBody>
+                    <a:bodyPr/>
+                    <a:lstStyle/>
+                    <a:p>
+                      <a:r>
+                        <a:rPr lang="fr-FR" sz="1200" dirty="0" smtClean="0"/>
+                        <a:t>CHAR(20) NOT NULL</a:t>
+                      </a:r>
+                    </a:p>
+                    <a:p>
+                      <a:pPr marL="0" marR="0" indent="0" algn="l" defTabSz="914400" rtl="0" eaLnBrk="1" fontAlgn="auto" latinLnBrk="0" hangingPunct="1">
+                        <a:lnSpc>
+                          <a:spcPct val="100000"/>
+                        </a:lnSpc>
+                        <a:spcBef>
+                          <a:spcPts val="0"/>
+                        </a:spcBef>
+                        <a:spcAft>
+                          <a:spcPts val="0"/>
+                        </a:spcAft>
+                        <a:buClrTx/>
+                        <a:buSzTx/>
+                        <a:buFontTx/>
+                        <a:buNone/>
+                        <a:tabLst/>
+                        <a:defRPr/>
+                      </a:pPr>
+                      <a:r>
+                        <a:rPr lang="fr-FR" sz="1200" dirty="0" smtClean="0"/>
+                        <a:t>PK</a:t>
+                      </a:r>
+                      <a:r>
+                        <a:rPr lang="fr-FR" sz="1200" baseline="0" dirty="0" smtClean="0"/>
+                        <a:t> </a:t>
+                      </a:r>
+                      <a:r>
+                        <a:rPr lang="fr-FR" sz="1200" dirty="0" smtClean="0"/>
+                        <a:t>Auto </a:t>
+                      </a:r>
+                      <a:r>
+                        <a:rPr lang="fr-FR" sz="1200" dirty="0" err="1" smtClean="0"/>
+                        <a:t>Generated</a:t>
+                      </a:r>
+                      <a:endParaRPr lang="fr-FR" sz="1200" dirty="0" smtClean="0"/>
+                    </a:p>
+                  </a:txBody>
+                  <a:tcPr/>
+                </a:tc>
+              </a:tr>
+              <a:tr h="322348">
+                <a:tc>
+                  <a:txBody>
+                    <a:bodyPr/>
+                    <a:lstStyle/>
+                    <a:p>
+                      <a:r>
+                        <a:rPr lang="fr-FR" sz="1200" dirty="0" smtClean="0"/>
+                        <a:t>CODE</a:t>
+                      </a:r>
+                      <a:endParaRPr lang="fr-FR" sz="1200" dirty="0"/>
+                    </a:p>
+                  </a:txBody>
+                  <a:tcPr/>
+                </a:tc>
+                <a:tc>
+                  <a:txBody>
+                    <a:bodyPr/>
+                    <a:lstStyle/>
+                    <a:p>
+                      <a:pPr marL="0" marR="0" indent="0" algn="l" defTabSz="914400" rtl="0" eaLnBrk="1" fontAlgn="auto" latinLnBrk="0" hangingPunct="1">
+                        <a:lnSpc>
+                          <a:spcPct val="100000"/>
+                        </a:lnSpc>
+                        <a:spcBef>
+                          <a:spcPts val="0"/>
+                        </a:spcBef>
+                        <a:spcAft>
+                          <a:spcPts val="0"/>
+                        </a:spcAft>
+                        <a:buClrTx/>
+                        <a:buSzTx/>
+                        <a:buFontTx/>
+                        <a:buNone/>
+                        <a:tabLst/>
+                        <a:defRPr/>
+                      </a:pPr>
+                      <a:r>
+                        <a:rPr lang="fr-FR" sz="1200" dirty="0" smtClean="0"/>
+                        <a:t>INTEGER</a:t>
+                      </a:r>
+                      <a:r>
+                        <a:rPr lang="fr-FR" sz="1200" baseline="0" dirty="0" smtClean="0"/>
+                        <a:t> </a:t>
+                      </a:r>
+                      <a:r>
+                        <a:rPr lang="fr-FR" sz="1200" dirty="0" smtClean="0"/>
+                        <a:t>NOT NULL</a:t>
+                      </a:r>
+                    </a:p>
+                  </a:txBody>
+                  <a:tcPr/>
+                </a:tc>
+              </a:tr>
+              <a:tr h="322348">
+                <a:tc>
+                  <a:txBody>
+                    <a:bodyPr/>
+                    <a:lstStyle/>
+                    <a:p>
+                      <a:r>
+                        <a:rPr lang="fr-FR" sz="1200" dirty="0" smtClean="0"/>
+                        <a:t>ID_ADH</a:t>
+                      </a:r>
+                      <a:endParaRPr lang="fr-FR" sz="1200" dirty="0"/>
+                    </a:p>
+                  </a:txBody>
+                  <a:tcPr/>
+                </a:tc>
+                <a:tc>
+                  <a:txBody>
+                    <a:bodyPr/>
+                    <a:lstStyle/>
+                    <a:p>
+                      <a:pPr marL="0" marR="0" indent="0" algn="l" defTabSz="914400" rtl="0" eaLnBrk="1" fontAlgn="auto" latinLnBrk="0" hangingPunct="1">
+                        <a:lnSpc>
+                          <a:spcPct val="100000"/>
+                        </a:lnSpc>
+                        <a:spcBef>
+                          <a:spcPts val="0"/>
+                        </a:spcBef>
+                        <a:spcAft>
+                          <a:spcPts val="0"/>
+                        </a:spcAft>
+                        <a:buClrTx/>
+                        <a:buSzTx/>
+                        <a:buFontTx/>
+                        <a:buNone/>
+                        <a:tabLst/>
+                        <a:defRPr/>
+                      </a:pPr>
+                      <a:r>
+                        <a:rPr lang="fr-FR" sz="1200" dirty="0" smtClean="0"/>
+                        <a:t>CHAR(20) NOT NULL</a:t>
+                      </a:r>
+                    </a:p>
+                  </a:txBody>
+                  <a:tcPr/>
+                </a:tc>
+              </a:tr>
+              <a:tr h="322348">
+                <a:tc>
+                  <a:txBody>
+                    <a:bodyPr/>
+                    <a:lstStyle/>
+                    <a:p>
+                      <a:r>
+                        <a:rPr lang="fr-FR" sz="1200" dirty="0" smtClean="0"/>
+                        <a:t>QUANTITE</a:t>
+                      </a:r>
+                      <a:endParaRPr lang="fr-FR" sz="1200" dirty="0"/>
+                    </a:p>
+                  </a:txBody>
+                  <a:tcPr/>
+                </a:tc>
+                <a:tc>
+                  <a:txBody>
+                    <a:bodyPr/>
+                    <a:lstStyle/>
+                    <a:p>
+                      <a:pPr marL="0" marR="0" indent="0" algn="l" defTabSz="914400" rtl="0" eaLnBrk="1" fontAlgn="auto" latinLnBrk="0" hangingPunct="1">
+                        <a:lnSpc>
+                          <a:spcPct val="100000"/>
+                        </a:lnSpc>
+                        <a:spcBef>
+                          <a:spcPts val="0"/>
+                        </a:spcBef>
+                        <a:spcAft>
+                          <a:spcPts val="0"/>
+                        </a:spcAft>
+                        <a:buClrTx/>
+                        <a:buSzTx/>
+                        <a:buFontTx/>
+                        <a:buNone/>
+                        <a:tabLst/>
+                        <a:defRPr/>
+                      </a:pPr>
+                      <a:r>
+                        <a:rPr lang="fr-FR" sz="1200" dirty="0" smtClean="0"/>
+                        <a:t>INTEGER NOT NULL</a:t>
+                      </a:r>
+                    </a:p>
+                  </a:txBody>
+                  <a:tcPr/>
+                </a:tc>
+              </a:tr>
+              <a:tr h="322348">
+                <a:tc>
+                  <a:txBody>
+                    <a:bodyPr/>
+                    <a:lstStyle/>
+                    <a:p>
+                      <a:r>
+                        <a:rPr lang="fr-FR" sz="1200" dirty="0" smtClean="0"/>
+                        <a:t>DATE_COMMANDE</a:t>
+                      </a:r>
+                      <a:endParaRPr lang="fr-FR" sz="1200" dirty="0"/>
+                    </a:p>
+                  </a:txBody>
+                  <a:tcPr/>
+                </a:tc>
+                <a:tc>
+                  <a:txBody>
+                    <a:bodyPr/>
+                    <a:lstStyle/>
+                    <a:p>
+                      <a:pPr marL="0" marR="0" indent="0" algn="l" defTabSz="914400" rtl="0" eaLnBrk="1" fontAlgn="auto" latinLnBrk="0" hangingPunct="1">
+                        <a:lnSpc>
+                          <a:spcPct val="100000"/>
+                        </a:lnSpc>
+                        <a:spcBef>
+                          <a:spcPts val="0"/>
+                        </a:spcBef>
+                        <a:spcAft>
+                          <a:spcPts val="0"/>
+                        </a:spcAft>
+                        <a:buClrTx/>
+                        <a:buSzTx/>
+                        <a:buFontTx/>
+                        <a:buNone/>
+                        <a:tabLst/>
+                        <a:defRPr/>
+                      </a:pPr>
+                      <a:r>
+                        <a:rPr lang="fr-FR" sz="1200" dirty="0" smtClean="0"/>
+                        <a:t>DATENOT NULL</a:t>
+                      </a:r>
+                    </a:p>
+                  </a:txBody>
+                  <a:tcPr/>
+                </a:tc>
+              </a:tr>
+              <a:tr h="322348">
+                <a:tc>
+                  <a:txBody>
+                    <a:bodyPr/>
+                    <a:lstStyle/>
+                    <a:p>
+                      <a:r>
+                        <a:rPr lang="fr-FR" sz="1200" kern="1200" dirty="0" smtClean="0"/>
+                        <a:t>ID_ADH_FK</a:t>
+                      </a:r>
+                      <a:endParaRPr lang="fr-FR" sz="1200" dirty="0"/>
+                    </a:p>
+                  </a:txBody>
+                  <a:tcPr>
+                    <a:solidFill>
+                      <a:srgbClr val="FFC000"/>
+                    </a:solidFill>
+                  </a:tcPr>
+                </a:tc>
+                <a:tc>
+                  <a:txBody>
+                    <a:bodyPr/>
+                    <a:lstStyle/>
+                    <a:p>
+                      <a:pPr marL="0" marR="0" indent="0" algn="l" defTabSz="914400" rtl="0" eaLnBrk="1" fontAlgn="auto" latinLnBrk="0" hangingPunct="1">
+                        <a:lnSpc>
+                          <a:spcPct val="100000"/>
+                        </a:lnSpc>
+                        <a:spcBef>
+                          <a:spcPts val="0"/>
+                        </a:spcBef>
+                        <a:spcAft>
+                          <a:spcPts val="0"/>
+                        </a:spcAft>
+                        <a:buClrTx/>
+                        <a:buSzTx/>
+                        <a:buFontTx/>
+                        <a:buNone/>
+                        <a:tabLst/>
+                        <a:defRPr/>
+                      </a:pPr>
+                      <a:r>
+                        <a:rPr lang="fr-FR" sz="1200" dirty="0" smtClean="0"/>
+                        <a:t>FOREIGN</a:t>
+                      </a:r>
+                      <a:r>
+                        <a:rPr lang="fr-FR" sz="1200" baseline="0" dirty="0" smtClean="0"/>
+                        <a:t> KEY</a:t>
+                      </a:r>
+                      <a:endParaRPr lang="fr-FR" sz="1200" dirty="0" smtClean="0"/>
+                    </a:p>
+                  </a:txBody>
+                  <a:tcPr>
+                    <a:solidFill>
+                      <a:srgbClr val="FFC000"/>
+                    </a:solidFill>
+                  </a:tcPr>
+                </a:tc>
+              </a:tr>
+              <a:tr h="322348">
+                <a:tc>
+                  <a:txBody>
+                    <a:bodyPr/>
+                    <a:lstStyle/>
+                    <a:p>
+                      <a:r>
+                        <a:rPr lang="fr-FR" sz="1200" kern="1200" dirty="0" smtClean="0">
+                          <a:solidFill>
+                            <a:schemeClr val="dk1"/>
+                          </a:solidFill>
+                          <a:latin typeface="+mn-lt"/>
+                          <a:ea typeface="+mn-ea"/>
+                          <a:cs typeface="+mn-cs"/>
+                        </a:rPr>
+                        <a:t>CODE_FK</a:t>
+                      </a:r>
+                      <a:endParaRPr lang="fr-FR" sz="1200" dirty="0"/>
+                    </a:p>
+                  </a:txBody>
+                  <a:tcPr>
+                    <a:solidFill>
+                      <a:srgbClr val="92D050"/>
+                    </a:solidFill>
+                  </a:tcPr>
+                </a:tc>
+                <a:tc>
+                  <a:txBody>
+                    <a:bodyPr/>
+                    <a:lstStyle/>
+                    <a:p>
+                      <a:pPr marL="0" marR="0" indent="0" algn="l" defTabSz="914400" rtl="0" eaLnBrk="1" fontAlgn="auto" latinLnBrk="0" hangingPunct="1">
+                        <a:lnSpc>
+                          <a:spcPct val="100000"/>
+                        </a:lnSpc>
+                        <a:spcBef>
+                          <a:spcPts val="0"/>
+                        </a:spcBef>
+                        <a:spcAft>
+                          <a:spcPts val="0"/>
+                        </a:spcAft>
+                        <a:buClrTx/>
+                        <a:buSzTx/>
+                        <a:buFontTx/>
+                        <a:buNone/>
+                        <a:tabLst/>
+                        <a:defRPr/>
+                      </a:pPr>
+                      <a:r>
+                        <a:rPr lang="fr-FR" sz="1200" dirty="0" smtClean="0"/>
+                        <a:t>FOREIGN</a:t>
+                      </a:r>
+                      <a:r>
+                        <a:rPr lang="fr-FR" sz="1200" baseline="0" dirty="0" smtClean="0"/>
+                        <a:t> KEY</a:t>
+                      </a:r>
+                      <a:endParaRPr lang="fr-FR" sz="1200" dirty="0" smtClean="0"/>
+                    </a:p>
+                  </a:txBody>
+                  <a:tcPr>
+                    <a:solidFill>
+                      <a:srgbClr val="92D050"/>
+                    </a:solidFill>
+                  </a:tcPr>
+                </a:tc>
+              </a:tr>
+            </a:tbl>
+          </a:graphicData>
+        </a:graphic>
+      </p:graphicFrame>
+      <p:cxnSp>
+        <p:nvCxnSpPr>
+          <p:cNvPr id="28" name="Connecteur droit avec flèche 27"/>
+          <p:cNvCxnSpPr/>
+          <p:nvPr/>
+        </p:nvCxnSpPr>
+        <p:spPr>
+          <a:xfrm flipH="1" flipV="1">
+            <a:off x="2627784" y="3068960"/>
+            <a:ext cx="576064" cy="1800200"/>
+          </a:xfrm>
+          <a:prstGeom prst="straightConnector1">
+            <a:avLst/>
+          </a:prstGeom>
+          <a:ln>
+            <a:tailEnd type="arrow"/>
+          </a:ln>
+        </p:spPr>
+        <p:style>
+          <a:lnRef idx="3">
+            <a:schemeClr val="accent2"/>
+          </a:lnRef>
+          <a:fillRef idx="0">
+            <a:schemeClr val="accent2"/>
+          </a:fillRef>
+          <a:effectRef idx="2">
+            <a:schemeClr val="accent2"/>
+          </a:effectRef>
+          <a:fontRef idx="minor">
+            <a:schemeClr val="tx1"/>
+          </a:fontRef>
+        </p:style>
+      </p:cxnSp>
+      <p:cxnSp>
+        <p:nvCxnSpPr>
+          <p:cNvPr id="30" name="Connecteur droit avec flèche 29"/>
+          <p:cNvCxnSpPr/>
+          <p:nvPr/>
+        </p:nvCxnSpPr>
+        <p:spPr>
+          <a:xfrm flipV="1">
+            <a:off x="6156176" y="3068960"/>
+            <a:ext cx="504056" cy="2088232"/>
+          </a:xfrm>
+          <a:prstGeom prst="straightConnector1">
+            <a:avLst/>
+          </a:prstGeom>
+          <a:ln>
+            <a:tailEnd type="arrow"/>
+          </a:ln>
+        </p:spPr>
+        <p:style>
+          <a:lnRef idx="3">
+            <a:schemeClr val="accent2"/>
+          </a:lnRef>
+          <a:fillRef idx="0">
+            <a:schemeClr val="accent2"/>
+          </a:fillRef>
+          <a:effectRef idx="2">
+            <a:schemeClr val="accent2"/>
+          </a:effectRef>
+          <a:fontRef idx="minor">
+            <a:schemeClr val="tx1"/>
+          </a:fontRef>
+        </p:style>
+      </p:cxnSp>
     </p:spTree>
     <p:extLst>
       <p:ext uri="{BB962C8B-B14F-4D97-AF65-F5344CB8AC3E}">
-        <p14:creationId xmlns:p14="http://schemas.microsoft.com/office/powerpoint/2010/main" val="218983957"/>
+        <p14:creationId xmlns:p14="http://schemas.microsoft.com/office/powerpoint/2010/main" val="2127289285"/>
       </p:ext>
     </p:extLst>
   </p:cSld>
@@ -4070,27 +5287,8 @@
           <a:p>
             <a:r>
               <a:rPr lang="fr-FR" dirty="0" smtClean="0"/>
-              <a:t>Avantages / Inconvénients</a:t>
-            </a:r>
-            <a:endParaRPr lang="fr-FR" dirty="0"/>
-          </a:p>
-        </p:txBody>
-      </p:sp>
-      <p:sp>
-        <p:nvSpPr>
-          <p:cNvPr id="3" name="Sous-titre 2"/>
-          <p:cNvSpPr>
-            <a:spLocks noGrp="1"/>
-          </p:cNvSpPr>
-          <p:nvPr>
-            <p:ph type="subTitle" idx="1"/>
-          </p:nvPr>
-        </p:nvSpPr>
-        <p:spPr/>
-        <p:txBody>
-          <a:bodyPr/>
-          <a:lstStyle/>
-          <a:p>
+              <a:t>Model Vue Contrôleur</a:t>
+            </a:r>
             <a:endParaRPr lang="fr-FR" dirty="0"/>
           </a:p>
         </p:txBody>
@@ -4251,7 +5449,7 @@
                   <a:schemeClr val="tx1"/>
                 </a:solidFill>
               </a:rPr>
-              <a:t>-Matérielle et logiciel -Réalisation -Model Vue Contrôleur </a:t>
+              <a:t>-Matérielle et logiciel -Réalisation </a:t>
             </a:r>
             <a:r>
               <a:rPr lang="fr-FR" sz="1200" dirty="0" smtClean="0">
@@ -4259,7 +5457,7 @@
                   <a:schemeClr val="bg1"/>
                 </a:solidFill>
               </a:rPr>
-              <a:t>-Avantages / inconvénients </a:t>
+              <a:t>-Model Vue Contrôleur </a:t>
             </a:r>
             <a:r>
               <a:rPr lang="fr-FR" sz="1200" dirty="0" smtClean="0">
@@ -4267,13 +5465,734 @@
                   <a:schemeClr val="tx1"/>
                 </a:solidFill>
               </a:rPr>
-              <a:t>-Améliorations possibles</a:t>
+              <a:t>-Avantages / inconvénients -Améliorations possibles</a:t>
             </a:r>
             <a:endParaRPr lang="fr-FR" sz="1200" dirty="0">
               <a:solidFill>
                 <a:schemeClr val="tx1"/>
               </a:solidFill>
             </a:endParaRPr>
+          </a:p>
+        </p:txBody>
+      </p:sp>
+      <p:sp>
+        <p:nvSpPr>
+          <p:cNvPr id="4" name="Rectangle 3"/>
+          <p:cNvSpPr/>
+          <p:nvPr/>
+        </p:nvSpPr>
+        <p:spPr>
+          <a:xfrm>
+            <a:off x="647564" y="2564904"/>
+            <a:ext cx="1908212" cy="2376264"/>
+          </a:xfrm>
+          <a:prstGeom prst="rect">
+            <a:avLst/>
+          </a:prstGeom>
+        </p:spPr>
+        <p:style>
+          <a:lnRef idx="2">
+            <a:schemeClr val="accent1">
+              <a:shade val="50000"/>
+            </a:schemeClr>
+          </a:lnRef>
+          <a:fillRef idx="1">
+            <a:schemeClr val="accent1"/>
+          </a:fillRef>
+          <a:effectRef idx="0">
+            <a:schemeClr val="accent1"/>
+          </a:effectRef>
+          <a:fontRef idx="minor">
+            <a:schemeClr val="lt1"/>
+          </a:fontRef>
+        </p:style>
+        <p:txBody>
+          <a:bodyPr rtlCol="0" anchor="ctr"/>
+          <a:lstStyle/>
+          <a:p>
+            <a:pPr algn="ctr"/>
+            <a:r>
+              <a:rPr lang="fr-FR" dirty="0" smtClean="0"/>
+              <a:t>Model</a:t>
+            </a:r>
+          </a:p>
+          <a:p>
+            <a:pPr algn="ctr"/>
+            <a:endParaRPr lang="fr-FR" dirty="0"/>
+          </a:p>
+          <a:p>
+            <a:pPr algn="ctr"/>
+            <a:endParaRPr lang="fr-FR" dirty="0" smtClean="0"/>
+          </a:p>
+          <a:p>
+            <a:pPr algn="ctr"/>
+            <a:endParaRPr lang="fr-FR" dirty="0"/>
+          </a:p>
+          <a:p>
+            <a:pPr algn="ctr"/>
+            <a:endParaRPr lang="fr-FR" dirty="0" smtClean="0"/>
+          </a:p>
+          <a:p>
+            <a:pPr algn="ctr"/>
+            <a:endParaRPr lang="fr-FR" dirty="0"/>
+          </a:p>
+          <a:p>
+            <a:pPr algn="ctr"/>
+            <a:endParaRPr lang="fr-FR" dirty="0" smtClean="0"/>
+          </a:p>
+          <a:p>
+            <a:pPr algn="ctr"/>
+            <a:endParaRPr lang="fr-FR" dirty="0"/>
+          </a:p>
+        </p:txBody>
+      </p:sp>
+      <p:sp>
+        <p:nvSpPr>
+          <p:cNvPr id="13" name="Rectangle 12"/>
+          <p:cNvSpPr/>
+          <p:nvPr/>
+        </p:nvSpPr>
+        <p:spPr>
+          <a:xfrm>
+            <a:off x="3419872" y="2564904"/>
+            <a:ext cx="1908212" cy="2376264"/>
+          </a:xfrm>
+          <a:prstGeom prst="rect">
+            <a:avLst/>
+          </a:prstGeom>
+        </p:spPr>
+        <p:style>
+          <a:lnRef idx="2">
+            <a:schemeClr val="accent1">
+              <a:shade val="50000"/>
+            </a:schemeClr>
+          </a:lnRef>
+          <a:fillRef idx="1">
+            <a:schemeClr val="accent1"/>
+          </a:fillRef>
+          <a:effectRef idx="0">
+            <a:schemeClr val="accent1"/>
+          </a:effectRef>
+          <a:fontRef idx="minor">
+            <a:schemeClr val="lt1"/>
+          </a:fontRef>
+        </p:style>
+        <p:txBody>
+          <a:bodyPr rtlCol="0" anchor="ctr"/>
+          <a:lstStyle/>
+          <a:p>
+            <a:pPr algn="ctr"/>
+            <a:r>
+              <a:rPr lang="fr-FR" dirty="0" smtClean="0"/>
+              <a:t>Contrôleur</a:t>
+            </a:r>
+          </a:p>
+          <a:p>
+            <a:pPr algn="ctr"/>
+            <a:endParaRPr lang="fr-FR" dirty="0"/>
+          </a:p>
+          <a:p>
+            <a:pPr algn="ctr"/>
+            <a:endParaRPr lang="fr-FR" dirty="0" smtClean="0"/>
+          </a:p>
+          <a:p>
+            <a:pPr algn="ctr"/>
+            <a:endParaRPr lang="fr-FR" dirty="0"/>
+          </a:p>
+          <a:p>
+            <a:pPr algn="ctr"/>
+            <a:endParaRPr lang="fr-FR" dirty="0" smtClean="0"/>
+          </a:p>
+          <a:p>
+            <a:pPr algn="ctr"/>
+            <a:endParaRPr lang="fr-FR" dirty="0"/>
+          </a:p>
+          <a:p>
+            <a:pPr algn="ctr"/>
+            <a:endParaRPr lang="fr-FR" dirty="0" smtClean="0"/>
+          </a:p>
+          <a:p>
+            <a:pPr algn="ctr"/>
+            <a:endParaRPr lang="fr-FR" dirty="0"/>
+          </a:p>
+        </p:txBody>
+      </p:sp>
+      <p:sp>
+        <p:nvSpPr>
+          <p:cNvPr id="14" name="Rectangle 13"/>
+          <p:cNvSpPr/>
+          <p:nvPr/>
+        </p:nvSpPr>
+        <p:spPr>
+          <a:xfrm>
+            <a:off x="6372200" y="2564904"/>
+            <a:ext cx="1908212" cy="2376264"/>
+          </a:xfrm>
+          <a:prstGeom prst="rect">
+            <a:avLst/>
+          </a:prstGeom>
+        </p:spPr>
+        <p:style>
+          <a:lnRef idx="2">
+            <a:schemeClr val="accent1">
+              <a:shade val="50000"/>
+            </a:schemeClr>
+          </a:lnRef>
+          <a:fillRef idx="1">
+            <a:schemeClr val="accent1"/>
+          </a:fillRef>
+          <a:effectRef idx="0">
+            <a:schemeClr val="accent1"/>
+          </a:effectRef>
+          <a:fontRef idx="minor">
+            <a:schemeClr val="lt1"/>
+          </a:fontRef>
+        </p:style>
+        <p:txBody>
+          <a:bodyPr rtlCol="0" anchor="ctr"/>
+          <a:lstStyle/>
+          <a:p>
+            <a:pPr algn="ctr"/>
+            <a:r>
+              <a:rPr lang="fr-FR" dirty="0" smtClean="0"/>
+              <a:t>Vue</a:t>
+            </a:r>
+          </a:p>
+          <a:p>
+            <a:pPr algn="ctr"/>
+            <a:r>
+              <a:rPr lang="fr-FR" dirty="0" smtClean="0"/>
+              <a:t>TomCat7</a:t>
+            </a:r>
+          </a:p>
+          <a:p>
+            <a:pPr algn="ctr"/>
+            <a:endParaRPr lang="fr-FR" dirty="0" smtClean="0"/>
+          </a:p>
+          <a:p>
+            <a:pPr algn="ctr"/>
+            <a:endParaRPr lang="fr-FR" dirty="0"/>
+          </a:p>
+          <a:p>
+            <a:pPr algn="ctr"/>
+            <a:r>
+              <a:rPr lang="fr-FR" dirty="0" smtClean="0"/>
+              <a:t>IHM</a:t>
+            </a:r>
+          </a:p>
+          <a:p>
+            <a:pPr algn="ctr"/>
+            <a:endParaRPr lang="fr-FR" dirty="0"/>
+          </a:p>
+          <a:p>
+            <a:pPr algn="ctr"/>
+            <a:endParaRPr lang="fr-FR" dirty="0" smtClean="0"/>
+          </a:p>
+          <a:p>
+            <a:pPr algn="ctr"/>
+            <a:endParaRPr lang="fr-FR" dirty="0"/>
+          </a:p>
+        </p:txBody>
+      </p:sp>
+      <p:sp>
+        <p:nvSpPr>
+          <p:cNvPr id="5" name="Rectangle à coins arrondis 4"/>
+          <p:cNvSpPr/>
+          <p:nvPr/>
+        </p:nvSpPr>
+        <p:spPr>
+          <a:xfrm>
+            <a:off x="827584" y="2996952"/>
+            <a:ext cx="1584176" cy="360040"/>
+          </a:xfrm>
+          <a:prstGeom prst="roundRect">
+            <a:avLst/>
+          </a:prstGeom>
+        </p:spPr>
+        <p:style>
+          <a:lnRef idx="3">
+            <a:schemeClr val="lt1"/>
+          </a:lnRef>
+          <a:fillRef idx="1">
+            <a:schemeClr val="accent1"/>
+          </a:fillRef>
+          <a:effectRef idx="1">
+            <a:schemeClr val="accent1"/>
+          </a:effectRef>
+          <a:fontRef idx="minor">
+            <a:schemeClr val="lt1"/>
+          </a:fontRef>
+        </p:style>
+        <p:txBody>
+          <a:bodyPr rtlCol="0" anchor="ctr"/>
+          <a:lstStyle/>
+          <a:p>
+            <a:pPr algn="ctr"/>
+            <a:r>
+              <a:rPr lang="fr-FR" dirty="0" err="1" smtClean="0"/>
+              <a:t>Adherent</a:t>
+            </a:r>
+            <a:endParaRPr lang="fr-FR" dirty="0"/>
+          </a:p>
+        </p:txBody>
+      </p:sp>
+      <p:sp>
+        <p:nvSpPr>
+          <p:cNvPr id="15" name="Rectangle à coins arrondis 14"/>
+          <p:cNvSpPr/>
+          <p:nvPr/>
+        </p:nvSpPr>
+        <p:spPr>
+          <a:xfrm>
+            <a:off x="827584" y="3509392"/>
+            <a:ext cx="1584176" cy="360040"/>
+          </a:xfrm>
+          <a:prstGeom prst="roundRect">
+            <a:avLst/>
+          </a:prstGeom>
+        </p:spPr>
+        <p:style>
+          <a:lnRef idx="3">
+            <a:schemeClr val="lt1"/>
+          </a:lnRef>
+          <a:fillRef idx="1">
+            <a:schemeClr val="accent1"/>
+          </a:fillRef>
+          <a:effectRef idx="1">
+            <a:schemeClr val="accent1"/>
+          </a:effectRef>
+          <a:fontRef idx="minor">
+            <a:schemeClr val="lt1"/>
+          </a:fontRef>
+        </p:style>
+        <p:txBody>
+          <a:bodyPr rtlCol="0" anchor="ctr"/>
+          <a:lstStyle/>
+          <a:p>
+            <a:pPr algn="ctr"/>
+            <a:r>
+              <a:rPr lang="fr-FR" dirty="0" smtClean="0"/>
+              <a:t>Article</a:t>
+            </a:r>
+            <a:endParaRPr lang="fr-FR" dirty="0"/>
+          </a:p>
+        </p:txBody>
+      </p:sp>
+      <p:sp>
+        <p:nvSpPr>
+          <p:cNvPr id="16" name="Rectangle à coins arrondis 15"/>
+          <p:cNvSpPr/>
+          <p:nvPr/>
+        </p:nvSpPr>
+        <p:spPr>
+          <a:xfrm>
+            <a:off x="827584" y="4005064"/>
+            <a:ext cx="1584176" cy="360040"/>
+          </a:xfrm>
+          <a:prstGeom prst="roundRect">
+            <a:avLst/>
+          </a:prstGeom>
+        </p:spPr>
+        <p:style>
+          <a:lnRef idx="3">
+            <a:schemeClr val="lt1"/>
+          </a:lnRef>
+          <a:fillRef idx="1">
+            <a:schemeClr val="accent1"/>
+          </a:fillRef>
+          <a:effectRef idx="1">
+            <a:schemeClr val="accent1"/>
+          </a:effectRef>
+          <a:fontRef idx="minor">
+            <a:schemeClr val="lt1"/>
+          </a:fontRef>
+        </p:style>
+        <p:txBody>
+          <a:bodyPr rtlCol="0" anchor="ctr"/>
+          <a:lstStyle/>
+          <a:p>
+            <a:pPr algn="ctr"/>
+            <a:r>
+              <a:rPr lang="fr-FR" dirty="0" smtClean="0"/>
+              <a:t>Commande</a:t>
+            </a:r>
+            <a:endParaRPr lang="fr-FR" dirty="0"/>
+          </a:p>
+        </p:txBody>
+      </p:sp>
+      <p:sp>
+        <p:nvSpPr>
+          <p:cNvPr id="17" name="Rectangle à coins arrondis 16"/>
+          <p:cNvSpPr/>
+          <p:nvPr/>
+        </p:nvSpPr>
+        <p:spPr>
+          <a:xfrm>
+            <a:off x="3599892" y="2996952"/>
+            <a:ext cx="1584176" cy="360040"/>
+          </a:xfrm>
+          <a:prstGeom prst="roundRect">
+            <a:avLst/>
+          </a:prstGeom>
+        </p:spPr>
+        <p:style>
+          <a:lnRef idx="3">
+            <a:schemeClr val="lt1"/>
+          </a:lnRef>
+          <a:fillRef idx="1">
+            <a:schemeClr val="accent1"/>
+          </a:fillRef>
+          <a:effectRef idx="1">
+            <a:schemeClr val="accent1"/>
+          </a:effectRef>
+          <a:fontRef idx="minor">
+            <a:schemeClr val="lt1"/>
+          </a:fontRef>
+        </p:style>
+        <p:txBody>
+          <a:bodyPr rtlCol="0" anchor="ctr"/>
+          <a:lstStyle/>
+          <a:p>
+            <a:pPr algn="ctr"/>
+            <a:r>
+              <a:rPr lang="fr-FR" sz="1400" dirty="0" err="1" smtClean="0"/>
+              <a:t>AdherentService</a:t>
+            </a:r>
+            <a:endParaRPr lang="fr-FR" sz="1400" dirty="0"/>
+          </a:p>
+        </p:txBody>
+      </p:sp>
+      <p:sp>
+        <p:nvSpPr>
+          <p:cNvPr id="18" name="Rectangle à coins arrondis 17"/>
+          <p:cNvSpPr/>
+          <p:nvPr/>
+        </p:nvSpPr>
+        <p:spPr>
+          <a:xfrm>
+            <a:off x="3599892" y="3508824"/>
+            <a:ext cx="1584176" cy="360040"/>
+          </a:xfrm>
+          <a:prstGeom prst="roundRect">
+            <a:avLst/>
+          </a:prstGeom>
+        </p:spPr>
+        <p:style>
+          <a:lnRef idx="3">
+            <a:schemeClr val="lt1"/>
+          </a:lnRef>
+          <a:fillRef idx="1">
+            <a:schemeClr val="accent1"/>
+          </a:fillRef>
+          <a:effectRef idx="1">
+            <a:schemeClr val="accent1"/>
+          </a:effectRef>
+          <a:fontRef idx="minor">
+            <a:schemeClr val="lt1"/>
+          </a:fontRef>
+        </p:style>
+        <p:txBody>
+          <a:bodyPr rtlCol="0" anchor="ctr"/>
+          <a:lstStyle/>
+          <a:p>
+            <a:pPr algn="ctr"/>
+            <a:r>
+              <a:rPr lang="fr-FR" sz="1400" dirty="0" err="1" smtClean="0"/>
+              <a:t>ArticleService</a:t>
+            </a:r>
+            <a:endParaRPr lang="fr-FR" sz="1400" dirty="0"/>
+          </a:p>
+        </p:txBody>
+      </p:sp>
+      <p:sp>
+        <p:nvSpPr>
+          <p:cNvPr id="19" name="Rectangle à coins arrondis 18"/>
+          <p:cNvSpPr/>
+          <p:nvPr/>
+        </p:nvSpPr>
+        <p:spPr>
+          <a:xfrm>
+            <a:off x="3599892" y="4005064"/>
+            <a:ext cx="1584176" cy="360040"/>
+          </a:xfrm>
+          <a:prstGeom prst="roundRect">
+            <a:avLst/>
+          </a:prstGeom>
+        </p:spPr>
+        <p:style>
+          <a:lnRef idx="3">
+            <a:schemeClr val="lt1"/>
+          </a:lnRef>
+          <a:fillRef idx="1">
+            <a:schemeClr val="accent1"/>
+          </a:fillRef>
+          <a:effectRef idx="1">
+            <a:schemeClr val="accent1"/>
+          </a:effectRef>
+          <a:fontRef idx="minor">
+            <a:schemeClr val="lt1"/>
+          </a:fontRef>
+        </p:style>
+        <p:txBody>
+          <a:bodyPr rtlCol="0" anchor="ctr"/>
+          <a:lstStyle/>
+          <a:p>
+            <a:pPr algn="ctr"/>
+            <a:r>
+              <a:rPr lang="fr-FR" sz="1400" dirty="0" err="1" smtClean="0"/>
+              <a:t>CommandeService</a:t>
+            </a:r>
+            <a:endParaRPr lang="fr-FR" sz="1400" dirty="0"/>
+          </a:p>
+        </p:txBody>
+      </p:sp>
+      <p:pic>
+        <p:nvPicPr>
+          <p:cNvPr id="20" name="Image 19"/>
+          <p:cNvPicPr>
+            <a:picLocks noChangeAspect="1"/>
+          </p:cNvPicPr>
+          <p:nvPr/>
+        </p:nvPicPr>
+        <p:blipFill>
+          <a:blip r:embed="rId3" cstate="print">
+            <a:extLst>
+              <a:ext uri="{28A0092B-C50C-407E-A947-70E740481C1C}">
+                <a14:useLocalDpi xmlns:a14="http://schemas.microsoft.com/office/drawing/2010/main" val="0"/>
+              </a:ext>
+            </a:extLst>
+          </a:blip>
+          <a:stretch>
+            <a:fillRect/>
+          </a:stretch>
+        </p:blipFill>
+        <p:spPr>
+          <a:xfrm>
+            <a:off x="3923928" y="5445224"/>
+            <a:ext cx="792088" cy="763360"/>
+          </a:xfrm>
+          <a:prstGeom prst="rect">
+            <a:avLst/>
+          </a:prstGeom>
+        </p:spPr>
+      </p:pic>
+      <p:cxnSp>
+        <p:nvCxnSpPr>
+          <p:cNvPr id="7" name="Connecteur droit avec flèche 6"/>
+          <p:cNvCxnSpPr>
+            <a:endCxn id="13" idx="2"/>
+          </p:cNvCxnSpPr>
+          <p:nvPr/>
+        </p:nvCxnSpPr>
+        <p:spPr>
+          <a:xfrm flipH="1" flipV="1">
+            <a:off x="4373978" y="4941168"/>
+            <a:ext cx="18002" cy="648072"/>
+          </a:xfrm>
+          <a:prstGeom prst="straightConnector1">
+            <a:avLst/>
+          </a:prstGeom>
+          <a:ln>
+            <a:headEnd type="arrow"/>
+            <a:tailEnd type="arrow"/>
+          </a:ln>
+        </p:spPr>
+        <p:style>
+          <a:lnRef idx="2">
+            <a:schemeClr val="dk1"/>
+          </a:lnRef>
+          <a:fillRef idx="0">
+            <a:schemeClr val="dk1"/>
+          </a:fillRef>
+          <a:effectRef idx="1">
+            <a:schemeClr val="dk1"/>
+          </a:effectRef>
+          <a:fontRef idx="minor">
+            <a:schemeClr val="tx1"/>
+          </a:fontRef>
+        </p:style>
+      </p:cxnSp>
+      <p:cxnSp>
+        <p:nvCxnSpPr>
+          <p:cNvPr id="21" name="Connecteur droit avec flèche 20"/>
+          <p:cNvCxnSpPr>
+            <a:stCxn id="5" idx="3"/>
+            <a:endCxn id="17" idx="1"/>
+          </p:cNvCxnSpPr>
+          <p:nvPr/>
+        </p:nvCxnSpPr>
+        <p:spPr>
+          <a:xfrm>
+            <a:off x="2411760" y="3176972"/>
+            <a:ext cx="1188132" cy="0"/>
+          </a:xfrm>
+          <a:prstGeom prst="straightConnector1">
+            <a:avLst/>
+          </a:prstGeom>
+          <a:ln>
+            <a:headEnd type="arrow"/>
+            <a:tailEnd type="arrow"/>
+          </a:ln>
+        </p:spPr>
+        <p:style>
+          <a:lnRef idx="2">
+            <a:schemeClr val="dk1"/>
+          </a:lnRef>
+          <a:fillRef idx="0">
+            <a:schemeClr val="dk1"/>
+          </a:fillRef>
+          <a:effectRef idx="1">
+            <a:schemeClr val="dk1"/>
+          </a:effectRef>
+          <a:fontRef idx="minor">
+            <a:schemeClr val="tx1"/>
+          </a:fontRef>
+        </p:style>
+      </p:cxnSp>
+      <p:cxnSp>
+        <p:nvCxnSpPr>
+          <p:cNvPr id="22" name="Connecteur droit avec flèche 21"/>
+          <p:cNvCxnSpPr/>
+          <p:nvPr/>
+        </p:nvCxnSpPr>
+        <p:spPr>
+          <a:xfrm>
+            <a:off x="2411760" y="3689412"/>
+            <a:ext cx="1188132" cy="0"/>
+          </a:xfrm>
+          <a:prstGeom prst="straightConnector1">
+            <a:avLst/>
+          </a:prstGeom>
+          <a:ln>
+            <a:headEnd type="arrow"/>
+            <a:tailEnd type="arrow"/>
+          </a:ln>
+        </p:spPr>
+        <p:style>
+          <a:lnRef idx="2">
+            <a:schemeClr val="dk1"/>
+          </a:lnRef>
+          <a:fillRef idx="0">
+            <a:schemeClr val="dk1"/>
+          </a:fillRef>
+          <a:effectRef idx="1">
+            <a:schemeClr val="dk1"/>
+          </a:effectRef>
+          <a:fontRef idx="minor">
+            <a:schemeClr val="tx1"/>
+          </a:fontRef>
+        </p:style>
+      </p:cxnSp>
+      <p:cxnSp>
+        <p:nvCxnSpPr>
+          <p:cNvPr id="23" name="Connecteur droit avec flèche 22"/>
+          <p:cNvCxnSpPr/>
+          <p:nvPr/>
+        </p:nvCxnSpPr>
+        <p:spPr>
+          <a:xfrm>
+            <a:off x="2415306" y="4185084"/>
+            <a:ext cx="1188132" cy="0"/>
+          </a:xfrm>
+          <a:prstGeom prst="straightConnector1">
+            <a:avLst/>
+          </a:prstGeom>
+          <a:ln>
+            <a:headEnd type="arrow"/>
+            <a:tailEnd type="arrow"/>
+          </a:ln>
+        </p:spPr>
+        <p:style>
+          <a:lnRef idx="2">
+            <a:schemeClr val="dk1"/>
+          </a:lnRef>
+          <a:fillRef idx="0">
+            <a:schemeClr val="dk1"/>
+          </a:fillRef>
+          <a:effectRef idx="1">
+            <a:schemeClr val="dk1"/>
+          </a:effectRef>
+          <a:fontRef idx="minor">
+            <a:schemeClr val="tx1"/>
+          </a:fontRef>
+        </p:style>
+      </p:cxnSp>
+      <p:cxnSp>
+        <p:nvCxnSpPr>
+          <p:cNvPr id="24" name="Connecteur droit avec flèche 23"/>
+          <p:cNvCxnSpPr>
+            <a:stCxn id="13" idx="3"/>
+            <a:endCxn id="14" idx="1"/>
+          </p:cNvCxnSpPr>
+          <p:nvPr/>
+        </p:nvCxnSpPr>
+        <p:spPr>
+          <a:xfrm>
+            <a:off x="5328084" y="3753036"/>
+            <a:ext cx="1044116" cy="0"/>
+          </a:xfrm>
+          <a:prstGeom prst="straightConnector1">
+            <a:avLst/>
+          </a:prstGeom>
+          <a:ln>
+            <a:headEnd type="arrow"/>
+            <a:tailEnd type="arrow"/>
+          </a:ln>
+        </p:spPr>
+        <p:style>
+          <a:lnRef idx="2">
+            <a:schemeClr val="dk1"/>
+          </a:lnRef>
+          <a:fillRef idx="0">
+            <a:schemeClr val="dk1"/>
+          </a:fillRef>
+          <a:effectRef idx="1">
+            <a:schemeClr val="dk1"/>
+          </a:effectRef>
+          <a:fontRef idx="minor">
+            <a:schemeClr val="tx1"/>
+          </a:fontRef>
+        </p:style>
+      </p:cxnSp>
+      <p:sp>
+        <p:nvSpPr>
+          <p:cNvPr id="29" name="Rectangle à coins arrondis 28"/>
+          <p:cNvSpPr/>
+          <p:nvPr/>
+        </p:nvSpPr>
+        <p:spPr>
+          <a:xfrm>
+            <a:off x="6660232" y="3356992"/>
+            <a:ext cx="1296144" cy="1224136"/>
+          </a:xfrm>
+          <a:prstGeom prst="roundRect">
+            <a:avLst/>
+          </a:prstGeom>
+        </p:spPr>
+        <p:style>
+          <a:lnRef idx="1">
+            <a:schemeClr val="accent1"/>
+          </a:lnRef>
+          <a:fillRef idx="2">
+            <a:schemeClr val="accent1"/>
+          </a:fillRef>
+          <a:effectRef idx="1">
+            <a:schemeClr val="accent1"/>
+          </a:effectRef>
+          <a:fontRef idx="minor">
+            <a:schemeClr val="dk1"/>
+          </a:fontRef>
+        </p:style>
+        <p:txBody>
+          <a:bodyPr rtlCol="0" anchor="ctr"/>
+          <a:lstStyle/>
+          <a:p>
+            <a:pPr algn="ctr"/>
+            <a:r>
+              <a:rPr lang="fr-FR" dirty="0" smtClean="0"/>
+              <a:t>IHM</a:t>
+            </a:r>
+            <a:endParaRPr lang="fr-FR" dirty="0"/>
           </a:p>
         </p:txBody>
       </p:sp>
@@ -4336,7 +6255,7 @@
           <a:p>
             <a:r>
               <a:rPr lang="fr-FR" dirty="0" smtClean="0"/>
-              <a:t>Améliorations possibles</a:t>
+              <a:t>Avantages / Inconvénients</a:t>
             </a:r>
             <a:endParaRPr lang="fr-FR" dirty="0"/>
           </a:p>
@@ -4424,6 +6343,272 @@
                 </a:solidFill>
               </a:rPr>
               <a:t>12</a:t>
+            </a:fld>
+            <a:endParaRPr lang="fr-BE" dirty="0">
+              <a:solidFill>
+                <a:schemeClr val="tx1"/>
+              </a:solidFill>
+            </a:endParaRPr>
+          </a:p>
+        </p:txBody>
+      </p:sp>
+      <p:pic>
+        <p:nvPicPr>
+          <p:cNvPr id="11" name="Image 10"/>
+          <p:cNvPicPr>
+            <a:picLocks noChangeAspect="1"/>
+          </p:cNvPicPr>
+          <p:nvPr/>
+        </p:nvPicPr>
+        <p:blipFill>
+          <a:blip r:embed="rId2">
+            <a:extLst>
+              <a:ext uri="{28A0092B-C50C-407E-A947-70E740481C1C}">
+                <a14:useLocalDpi xmlns:a14="http://schemas.microsoft.com/office/drawing/2010/main" val="0"/>
+              </a:ext>
+            </a:extLst>
+          </a:blip>
+          <a:stretch>
+            <a:fillRect/>
+          </a:stretch>
+        </p:blipFill>
+        <p:spPr>
+          <a:xfrm>
+            <a:off x="107504" y="133118"/>
+            <a:ext cx="1080120" cy="469618"/>
+          </a:xfrm>
+          <a:prstGeom prst="rect">
+            <a:avLst/>
+          </a:prstGeom>
+        </p:spPr>
+      </p:pic>
+      <p:sp>
+        <p:nvSpPr>
+          <p:cNvPr id="12" name="Rogner un rectangle avec un coin diagonal 11"/>
+          <p:cNvSpPr/>
+          <p:nvPr/>
+        </p:nvSpPr>
+        <p:spPr>
+          <a:xfrm>
+            <a:off x="1259632" y="0"/>
+            <a:ext cx="7848872" cy="512676"/>
+          </a:xfrm>
+          <a:prstGeom prst="snip2DiagRect">
+            <a:avLst>
+              <a:gd name="adj1" fmla="val 24520"/>
+              <a:gd name="adj2" fmla="val 23038"/>
+            </a:avLst>
+          </a:prstGeom>
+        </p:spPr>
+        <p:style>
+          <a:lnRef idx="0">
+            <a:schemeClr val="accent5"/>
+          </a:lnRef>
+          <a:fillRef idx="3">
+            <a:schemeClr val="accent5"/>
+          </a:fillRef>
+          <a:effectRef idx="3">
+            <a:schemeClr val="accent5"/>
+          </a:effectRef>
+          <a:fontRef idx="minor">
+            <a:schemeClr val="lt1"/>
+          </a:fontRef>
+        </p:style>
+        <p:txBody>
+          <a:bodyPr rtlCol="0" anchor="ctr"/>
+          <a:lstStyle/>
+          <a:p>
+            <a:pPr algn="ctr"/>
+            <a:r>
+              <a:rPr lang="fr-FR" sz="1200" dirty="0" smtClean="0">
+                <a:solidFill>
+                  <a:schemeClr val="tx1"/>
+                </a:solidFill>
+              </a:rPr>
+              <a:t>-Principe de fonctionnement -Architecture -Services de l’application -Diagramme des cas d’utilisation</a:t>
+            </a:r>
+          </a:p>
+          <a:p>
+            <a:pPr algn="ctr"/>
+            <a:r>
+              <a:rPr lang="fr-FR" sz="1200" dirty="0" smtClean="0">
+                <a:solidFill>
+                  <a:schemeClr val="tx1"/>
+                </a:solidFill>
+              </a:rPr>
+              <a:t>-Matérielle et logiciel -Réalisation -Model Vue Contrôleur </a:t>
+            </a:r>
+            <a:r>
+              <a:rPr lang="fr-FR" sz="1200" dirty="0" smtClean="0">
+                <a:solidFill>
+                  <a:schemeClr val="bg1"/>
+                </a:solidFill>
+              </a:rPr>
+              <a:t>-Avantages / inconvénients </a:t>
+            </a:r>
+            <a:r>
+              <a:rPr lang="fr-FR" sz="1200" dirty="0" smtClean="0">
+                <a:solidFill>
+                  <a:schemeClr val="tx1"/>
+                </a:solidFill>
+              </a:rPr>
+              <a:t>-Améliorations possibles</a:t>
+            </a:r>
+            <a:endParaRPr lang="fr-FR" sz="1200" dirty="0">
+              <a:solidFill>
+                <a:schemeClr val="tx1"/>
+              </a:solidFill>
+            </a:endParaRPr>
+          </a:p>
+        </p:txBody>
+      </p:sp>
+    </p:spTree>
+    <p:extLst>
+      <p:ext uri="{BB962C8B-B14F-4D97-AF65-F5344CB8AC3E}">
+        <p14:creationId xmlns:p14="http://schemas.microsoft.com/office/powerpoint/2010/main" val="218983957"/>
+      </p:ext>
+    </p:extLst>
+  </p:cSld>
+  <p:clrMapOvr>
+    <a:masterClrMapping/>
+  </p:clrMapOvr>
+  <p:timing>
+    <p:tnLst>
+      <p:par>
+        <p:cTn id="1" dur="indefinite" restart="never" nodeType="tmRoot"/>
+      </p:par>
+    </p:tnLst>
+  </p:timing>
+</p:sld>
+</file>
+
+<file path=ppt/slides/slide13.xml><?xml version="1.0" encoding="utf-8"?>
+<p:sld xmlns:a="http://schemas.openxmlformats.org/drawingml/2006/main" xmlns:r="http://schemas.openxmlformats.org/officeDocument/2006/relationships" xmlns:p="http://schemas.openxmlformats.org/presentationml/2006/main">
+  <p:cSld>
+    <p:spTree>
+      <p:nvGrpSpPr>
+        <p:cNvPr id="1" name=""/>
+        <p:cNvGrpSpPr/>
+        <p:nvPr/>
+      </p:nvGrpSpPr>
+      <p:grpSpPr>
+        <a:xfrm>
+          <a:off x="0" y="0"/>
+          <a:ext cx="0" cy="0"/>
+          <a:chOff x="0" y="0"/>
+          <a:chExt cx="0" cy="0"/>
+        </a:xfrm>
+      </p:grpSpPr>
+      <p:sp>
+        <p:nvSpPr>
+          <p:cNvPr id="2" name="Titre 1"/>
+          <p:cNvSpPr>
+            <a:spLocks noGrp="1"/>
+          </p:cNvSpPr>
+          <p:nvPr>
+            <p:ph type="ctrTitle"/>
+          </p:nvPr>
+        </p:nvSpPr>
+        <p:spPr>
+          <a:xfrm>
+            <a:off x="685800" y="806847"/>
+            <a:ext cx="7772400" cy="1470025"/>
+          </a:xfrm>
+        </p:spPr>
+        <p:txBody>
+          <a:bodyPr/>
+          <a:lstStyle/>
+          <a:p>
+            <a:r>
+              <a:rPr lang="fr-FR" dirty="0" smtClean="0"/>
+              <a:t>Améliorations possibles</a:t>
+            </a:r>
+            <a:endParaRPr lang="fr-FR" dirty="0"/>
+          </a:p>
+        </p:txBody>
+      </p:sp>
+      <p:sp>
+        <p:nvSpPr>
+          <p:cNvPr id="3" name="Sous-titre 2"/>
+          <p:cNvSpPr>
+            <a:spLocks noGrp="1"/>
+          </p:cNvSpPr>
+          <p:nvPr>
+            <p:ph type="subTitle" idx="1"/>
+          </p:nvPr>
+        </p:nvSpPr>
+        <p:spPr/>
+        <p:txBody>
+          <a:bodyPr/>
+          <a:lstStyle/>
+          <a:p>
+            <a:endParaRPr lang="fr-FR" dirty="0"/>
+          </a:p>
+        </p:txBody>
+      </p:sp>
+      <p:sp>
+        <p:nvSpPr>
+          <p:cNvPr id="9" name="Espace réservé du pied de page 8"/>
+          <p:cNvSpPr>
+            <a:spLocks noGrp="1"/>
+          </p:cNvSpPr>
+          <p:nvPr>
+            <p:ph type="ftr" sz="quarter" idx="11"/>
+          </p:nvPr>
+        </p:nvSpPr>
+        <p:spPr>
+          <a:xfrm>
+            <a:off x="2843808" y="6356350"/>
+            <a:ext cx="3456384" cy="365125"/>
+          </a:xfrm>
+        </p:spPr>
+        <p:txBody>
+          <a:bodyPr/>
+          <a:lstStyle/>
+          <a:p>
+            <a:r>
+              <a:rPr lang="fr-FR" dirty="0" smtClean="0">
+                <a:solidFill>
+                  <a:schemeClr val="tx1"/>
+                </a:solidFill>
+              </a:rPr>
+              <a:t>Université de Nantes, Licence Professionnelle SIL</a:t>
+            </a:r>
+            <a:endParaRPr lang="fr-BE" dirty="0">
+              <a:solidFill>
+                <a:schemeClr val="tx1"/>
+              </a:solidFill>
+            </a:endParaRPr>
+          </a:p>
+        </p:txBody>
+      </p:sp>
+      <p:sp>
+        <p:nvSpPr>
+          <p:cNvPr id="10" name="Espace réservé du numéro de diapositive 9"/>
+          <p:cNvSpPr>
+            <a:spLocks noGrp="1"/>
+          </p:cNvSpPr>
+          <p:nvPr>
+            <p:ph type="sldNum" sz="quarter" idx="12"/>
+          </p:nvPr>
+        </p:nvSpPr>
+        <p:spPr>
+          <a:xfrm>
+            <a:off x="6553200" y="6356350"/>
+            <a:ext cx="2133600" cy="365125"/>
+          </a:xfrm>
+        </p:spPr>
+        <p:txBody>
+          <a:bodyPr/>
+          <a:lstStyle/>
+          <a:p>
+            <a:fld id="{CF4668DC-857F-487D-BFFA-8C0CA5037977}" type="slidenum">
+              <a:rPr lang="fr-BE" smtClean="0">
+                <a:solidFill>
+                  <a:schemeClr val="tx1"/>
+                </a:solidFill>
+              </a:rPr>
+              <a:t>13</a:t>
             </a:fld>
             <a:endParaRPr lang="fr-BE" dirty="0">
               <a:solidFill>

--- a/Documentation/DiapoProg3/PresentationProg3.pptx
+++ b/Documentation/DiapoProg3/PresentationProg3.pptx
@@ -5,7 +5,7 @@
     <p:sldMasterId id="2147483648" r:id="rId1"/>
   </p:sldMasterIdLst>
   <p:notesMasterIdLst>
-    <p:notesMasterId r:id="rId15"/>
+    <p:notesMasterId r:id="rId14"/>
   </p:notesMasterIdLst>
   <p:sldIdLst>
     <p:sldId id="256" r:id="rId2"/>
@@ -16,11 +16,10 @@
     <p:sldId id="261" r:id="rId7"/>
     <p:sldId id="262" r:id="rId8"/>
     <p:sldId id="263" r:id="rId9"/>
-    <p:sldId id="265" r:id="rId10"/>
-    <p:sldId id="269" r:id="rId11"/>
-    <p:sldId id="266" r:id="rId12"/>
-    <p:sldId id="267" r:id="rId13"/>
-    <p:sldId id="268" r:id="rId14"/>
+    <p:sldId id="269" r:id="rId10"/>
+    <p:sldId id="266" r:id="rId11"/>
+    <p:sldId id="267" r:id="rId12"/>
+    <p:sldId id="268" r:id="rId13"/>
   </p:sldIdLst>
   <p:sldSz cx="9144000" cy="6858000" type="screen4x3"/>
   <p:notesSz cx="6858000" cy="9144000"/>
@@ -3805,7 +3804,7 @@
           <a:p>
             <a:r>
               <a:rPr lang="fr-FR" dirty="0" smtClean="0"/>
-              <a:t>Réalisation</a:t>
+              <a:t>Model Vue Contrôleur</a:t>
             </a:r>
             <a:endParaRPr lang="fr-FR" dirty="0"/>
           </a:p>
@@ -3813,6 +3812,972 @@
       </p:sp>
       <p:sp>
         <p:nvSpPr>
+          <p:cNvPr id="9" name="Espace réservé du pied de page 8"/>
+          <p:cNvSpPr>
+            <a:spLocks noGrp="1"/>
+          </p:cNvSpPr>
+          <p:nvPr>
+            <p:ph type="ftr" sz="quarter" idx="11"/>
+          </p:nvPr>
+        </p:nvSpPr>
+        <p:spPr>
+          <a:xfrm>
+            <a:off x="2843808" y="6356350"/>
+            <a:ext cx="3456384" cy="365125"/>
+          </a:xfrm>
+        </p:spPr>
+        <p:txBody>
+          <a:bodyPr/>
+          <a:lstStyle/>
+          <a:p>
+            <a:r>
+              <a:rPr lang="fr-FR" dirty="0" smtClean="0">
+                <a:solidFill>
+                  <a:schemeClr val="tx1"/>
+                </a:solidFill>
+              </a:rPr>
+              <a:t>Université de Nantes, Licence Professionnelle SIL</a:t>
+            </a:r>
+            <a:endParaRPr lang="fr-BE" dirty="0">
+              <a:solidFill>
+                <a:schemeClr val="tx1"/>
+              </a:solidFill>
+            </a:endParaRPr>
+          </a:p>
+        </p:txBody>
+      </p:sp>
+      <p:sp>
+        <p:nvSpPr>
+          <p:cNvPr id="10" name="Espace réservé du numéro de diapositive 9"/>
+          <p:cNvSpPr>
+            <a:spLocks noGrp="1"/>
+          </p:cNvSpPr>
+          <p:nvPr>
+            <p:ph type="sldNum" sz="quarter" idx="12"/>
+          </p:nvPr>
+        </p:nvSpPr>
+        <p:spPr>
+          <a:xfrm>
+            <a:off x="6553200" y="6356350"/>
+            <a:ext cx="2133600" cy="365125"/>
+          </a:xfrm>
+        </p:spPr>
+        <p:txBody>
+          <a:bodyPr/>
+          <a:lstStyle/>
+          <a:p>
+            <a:fld id="{CF4668DC-857F-487D-BFFA-8C0CA5037977}" type="slidenum">
+              <a:rPr lang="fr-BE" smtClean="0">
+                <a:solidFill>
+                  <a:schemeClr val="tx1"/>
+                </a:solidFill>
+              </a:rPr>
+              <a:t>10</a:t>
+            </a:fld>
+            <a:endParaRPr lang="fr-BE" dirty="0">
+              <a:solidFill>
+                <a:schemeClr val="tx1"/>
+              </a:solidFill>
+            </a:endParaRPr>
+          </a:p>
+        </p:txBody>
+      </p:sp>
+      <p:pic>
+        <p:nvPicPr>
+          <p:cNvPr id="11" name="Image 10"/>
+          <p:cNvPicPr>
+            <a:picLocks noChangeAspect="1"/>
+          </p:cNvPicPr>
+          <p:nvPr/>
+        </p:nvPicPr>
+        <p:blipFill>
+          <a:blip r:embed="rId2">
+            <a:extLst>
+              <a:ext uri="{28A0092B-C50C-407E-A947-70E740481C1C}">
+                <a14:useLocalDpi xmlns:a14="http://schemas.microsoft.com/office/drawing/2010/main" val="0"/>
+              </a:ext>
+            </a:extLst>
+          </a:blip>
+          <a:stretch>
+            <a:fillRect/>
+          </a:stretch>
+        </p:blipFill>
+        <p:spPr>
+          <a:xfrm>
+            <a:off x="107504" y="133118"/>
+            <a:ext cx="1080120" cy="469618"/>
+          </a:xfrm>
+          <a:prstGeom prst="rect">
+            <a:avLst/>
+          </a:prstGeom>
+        </p:spPr>
+      </p:pic>
+      <p:sp>
+        <p:nvSpPr>
+          <p:cNvPr id="12" name="Rogner un rectangle avec un coin diagonal 11"/>
+          <p:cNvSpPr/>
+          <p:nvPr/>
+        </p:nvSpPr>
+        <p:spPr>
+          <a:xfrm>
+            <a:off x="1259632" y="0"/>
+            <a:ext cx="7848872" cy="512676"/>
+          </a:xfrm>
+          <a:prstGeom prst="snip2DiagRect">
+            <a:avLst>
+              <a:gd name="adj1" fmla="val 24520"/>
+              <a:gd name="adj2" fmla="val 23038"/>
+            </a:avLst>
+          </a:prstGeom>
+        </p:spPr>
+        <p:style>
+          <a:lnRef idx="0">
+            <a:schemeClr val="accent5"/>
+          </a:lnRef>
+          <a:fillRef idx="3">
+            <a:schemeClr val="accent5"/>
+          </a:fillRef>
+          <a:effectRef idx="3">
+            <a:schemeClr val="accent5"/>
+          </a:effectRef>
+          <a:fontRef idx="minor">
+            <a:schemeClr val="lt1"/>
+          </a:fontRef>
+        </p:style>
+        <p:txBody>
+          <a:bodyPr rtlCol="0" anchor="ctr"/>
+          <a:lstStyle/>
+          <a:p>
+            <a:pPr algn="ctr"/>
+            <a:r>
+              <a:rPr lang="fr-FR" sz="1200" dirty="0" smtClean="0">
+                <a:solidFill>
+                  <a:schemeClr val="tx1"/>
+                </a:solidFill>
+              </a:rPr>
+              <a:t>-Principe de fonctionnement -Architecture -Services de l’application -Diagramme des cas d’utilisation</a:t>
+            </a:r>
+          </a:p>
+          <a:p>
+            <a:pPr algn="ctr"/>
+            <a:r>
+              <a:rPr lang="fr-FR" sz="1200" dirty="0" smtClean="0">
+                <a:solidFill>
+                  <a:schemeClr val="tx1"/>
+                </a:solidFill>
+              </a:rPr>
+              <a:t>-Matérielle et logiciel -Réalisation </a:t>
+            </a:r>
+            <a:r>
+              <a:rPr lang="fr-FR" sz="1200" dirty="0" smtClean="0">
+                <a:solidFill>
+                  <a:schemeClr val="bg1"/>
+                </a:solidFill>
+              </a:rPr>
+              <a:t>-Model Vue Contrôleur </a:t>
+            </a:r>
+            <a:r>
+              <a:rPr lang="fr-FR" sz="1200" dirty="0" smtClean="0">
+                <a:solidFill>
+                  <a:schemeClr val="tx1"/>
+                </a:solidFill>
+              </a:rPr>
+              <a:t>-Avantages / inconvénients -Améliorations possibles</a:t>
+            </a:r>
+            <a:endParaRPr lang="fr-FR" sz="1200" dirty="0">
+              <a:solidFill>
+                <a:schemeClr val="tx1"/>
+              </a:solidFill>
+            </a:endParaRPr>
+          </a:p>
+        </p:txBody>
+      </p:sp>
+      <p:sp>
+        <p:nvSpPr>
+          <p:cNvPr id="4" name="Rectangle 3"/>
+          <p:cNvSpPr/>
+          <p:nvPr/>
+        </p:nvSpPr>
+        <p:spPr>
+          <a:xfrm>
+            <a:off x="647564" y="2564904"/>
+            <a:ext cx="1908212" cy="2376264"/>
+          </a:xfrm>
+          <a:prstGeom prst="rect">
+            <a:avLst/>
+          </a:prstGeom>
+        </p:spPr>
+        <p:style>
+          <a:lnRef idx="2">
+            <a:schemeClr val="accent1">
+              <a:shade val="50000"/>
+            </a:schemeClr>
+          </a:lnRef>
+          <a:fillRef idx="1">
+            <a:schemeClr val="accent1"/>
+          </a:fillRef>
+          <a:effectRef idx="0">
+            <a:schemeClr val="accent1"/>
+          </a:effectRef>
+          <a:fontRef idx="minor">
+            <a:schemeClr val="lt1"/>
+          </a:fontRef>
+        </p:style>
+        <p:txBody>
+          <a:bodyPr rtlCol="0" anchor="ctr"/>
+          <a:lstStyle/>
+          <a:p>
+            <a:pPr algn="ctr"/>
+            <a:r>
+              <a:rPr lang="fr-FR" dirty="0" smtClean="0"/>
+              <a:t>Model</a:t>
+            </a:r>
+          </a:p>
+          <a:p>
+            <a:pPr algn="ctr"/>
+            <a:endParaRPr lang="fr-FR" dirty="0"/>
+          </a:p>
+          <a:p>
+            <a:pPr algn="ctr"/>
+            <a:endParaRPr lang="fr-FR" dirty="0" smtClean="0"/>
+          </a:p>
+          <a:p>
+            <a:pPr algn="ctr"/>
+            <a:endParaRPr lang="fr-FR" dirty="0"/>
+          </a:p>
+          <a:p>
+            <a:pPr algn="ctr"/>
+            <a:endParaRPr lang="fr-FR" dirty="0" smtClean="0"/>
+          </a:p>
+          <a:p>
+            <a:pPr algn="ctr"/>
+            <a:endParaRPr lang="fr-FR" dirty="0"/>
+          </a:p>
+          <a:p>
+            <a:pPr algn="ctr"/>
+            <a:endParaRPr lang="fr-FR" dirty="0" smtClean="0"/>
+          </a:p>
+          <a:p>
+            <a:pPr algn="ctr"/>
+            <a:endParaRPr lang="fr-FR" dirty="0"/>
+          </a:p>
+        </p:txBody>
+      </p:sp>
+      <p:sp>
+        <p:nvSpPr>
+          <p:cNvPr id="13" name="Rectangle 12"/>
+          <p:cNvSpPr/>
+          <p:nvPr/>
+        </p:nvSpPr>
+        <p:spPr>
+          <a:xfrm>
+            <a:off x="3419872" y="2564904"/>
+            <a:ext cx="1908212" cy="2376264"/>
+          </a:xfrm>
+          <a:prstGeom prst="rect">
+            <a:avLst/>
+          </a:prstGeom>
+        </p:spPr>
+        <p:style>
+          <a:lnRef idx="2">
+            <a:schemeClr val="accent1">
+              <a:shade val="50000"/>
+            </a:schemeClr>
+          </a:lnRef>
+          <a:fillRef idx="1">
+            <a:schemeClr val="accent1"/>
+          </a:fillRef>
+          <a:effectRef idx="0">
+            <a:schemeClr val="accent1"/>
+          </a:effectRef>
+          <a:fontRef idx="minor">
+            <a:schemeClr val="lt1"/>
+          </a:fontRef>
+        </p:style>
+        <p:txBody>
+          <a:bodyPr rtlCol="0" anchor="ctr"/>
+          <a:lstStyle/>
+          <a:p>
+            <a:pPr algn="ctr"/>
+            <a:r>
+              <a:rPr lang="fr-FR" dirty="0" smtClean="0"/>
+              <a:t>Contrôleur</a:t>
+            </a:r>
+          </a:p>
+          <a:p>
+            <a:pPr algn="ctr"/>
+            <a:endParaRPr lang="fr-FR" dirty="0"/>
+          </a:p>
+          <a:p>
+            <a:pPr algn="ctr"/>
+            <a:endParaRPr lang="fr-FR" dirty="0" smtClean="0"/>
+          </a:p>
+          <a:p>
+            <a:pPr algn="ctr"/>
+            <a:endParaRPr lang="fr-FR" dirty="0"/>
+          </a:p>
+          <a:p>
+            <a:pPr algn="ctr"/>
+            <a:endParaRPr lang="fr-FR" dirty="0" smtClean="0"/>
+          </a:p>
+          <a:p>
+            <a:pPr algn="ctr"/>
+            <a:endParaRPr lang="fr-FR" dirty="0"/>
+          </a:p>
+          <a:p>
+            <a:pPr algn="ctr"/>
+            <a:endParaRPr lang="fr-FR" dirty="0" smtClean="0"/>
+          </a:p>
+          <a:p>
+            <a:pPr algn="ctr"/>
+            <a:endParaRPr lang="fr-FR" dirty="0"/>
+          </a:p>
+        </p:txBody>
+      </p:sp>
+      <p:sp>
+        <p:nvSpPr>
+          <p:cNvPr id="14" name="Rectangle 13"/>
+          <p:cNvSpPr/>
+          <p:nvPr/>
+        </p:nvSpPr>
+        <p:spPr>
+          <a:xfrm>
+            <a:off x="6372200" y="2564904"/>
+            <a:ext cx="1908212" cy="2376264"/>
+          </a:xfrm>
+          <a:prstGeom prst="rect">
+            <a:avLst/>
+          </a:prstGeom>
+        </p:spPr>
+        <p:style>
+          <a:lnRef idx="2">
+            <a:schemeClr val="accent1">
+              <a:shade val="50000"/>
+            </a:schemeClr>
+          </a:lnRef>
+          <a:fillRef idx="1">
+            <a:schemeClr val="accent1"/>
+          </a:fillRef>
+          <a:effectRef idx="0">
+            <a:schemeClr val="accent1"/>
+          </a:effectRef>
+          <a:fontRef idx="minor">
+            <a:schemeClr val="lt1"/>
+          </a:fontRef>
+        </p:style>
+        <p:txBody>
+          <a:bodyPr rtlCol="0" anchor="ctr"/>
+          <a:lstStyle/>
+          <a:p>
+            <a:pPr algn="ctr"/>
+            <a:r>
+              <a:rPr lang="fr-FR" dirty="0" smtClean="0"/>
+              <a:t>Vue</a:t>
+            </a:r>
+          </a:p>
+          <a:p>
+            <a:pPr algn="ctr"/>
+            <a:r>
+              <a:rPr lang="fr-FR" dirty="0" smtClean="0"/>
+              <a:t>TomCat7</a:t>
+            </a:r>
+          </a:p>
+          <a:p>
+            <a:pPr algn="ctr"/>
+            <a:endParaRPr lang="fr-FR" dirty="0" smtClean="0"/>
+          </a:p>
+          <a:p>
+            <a:pPr algn="ctr"/>
+            <a:endParaRPr lang="fr-FR" dirty="0"/>
+          </a:p>
+          <a:p>
+            <a:pPr algn="ctr"/>
+            <a:r>
+              <a:rPr lang="fr-FR" dirty="0" smtClean="0"/>
+              <a:t>IHM</a:t>
+            </a:r>
+          </a:p>
+          <a:p>
+            <a:pPr algn="ctr"/>
+            <a:endParaRPr lang="fr-FR" dirty="0"/>
+          </a:p>
+          <a:p>
+            <a:pPr algn="ctr"/>
+            <a:endParaRPr lang="fr-FR" dirty="0" smtClean="0"/>
+          </a:p>
+          <a:p>
+            <a:pPr algn="ctr"/>
+            <a:endParaRPr lang="fr-FR" dirty="0"/>
+          </a:p>
+        </p:txBody>
+      </p:sp>
+      <p:sp>
+        <p:nvSpPr>
+          <p:cNvPr id="5" name="Rectangle à coins arrondis 4"/>
+          <p:cNvSpPr/>
+          <p:nvPr/>
+        </p:nvSpPr>
+        <p:spPr>
+          <a:xfrm>
+            <a:off x="827584" y="2996952"/>
+            <a:ext cx="1584176" cy="360040"/>
+          </a:xfrm>
+          <a:prstGeom prst="roundRect">
+            <a:avLst/>
+          </a:prstGeom>
+        </p:spPr>
+        <p:style>
+          <a:lnRef idx="3">
+            <a:schemeClr val="lt1"/>
+          </a:lnRef>
+          <a:fillRef idx="1">
+            <a:schemeClr val="accent1"/>
+          </a:fillRef>
+          <a:effectRef idx="1">
+            <a:schemeClr val="accent1"/>
+          </a:effectRef>
+          <a:fontRef idx="minor">
+            <a:schemeClr val="lt1"/>
+          </a:fontRef>
+        </p:style>
+        <p:txBody>
+          <a:bodyPr rtlCol="0" anchor="ctr"/>
+          <a:lstStyle/>
+          <a:p>
+            <a:pPr algn="ctr"/>
+            <a:r>
+              <a:rPr lang="fr-FR" dirty="0" err="1" smtClean="0"/>
+              <a:t>Adherent</a:t>
+            </a:r>
+            <a:endParaRPr lang="fr-FR" dirty="0"/>
+          </a:p>
+        </p:txBody>
+      </p:sp>
+      <p:sp>
+        <p:nvSpPr>
+          <p:cNvPr id="15" name="Rectangle à coins arrondis 14"/>
+          <p:cNvSpPr/>
+          <p:nvPr/>
+        </p:nvSpPr>
+        <p:spPr>
+          <a:xfrm>
+            <a:off x="827584" y="3509392"/>
+            <a:ext cx="1584176" cy="360040"/>
+          </a:xfrm>
+          <a:prstGeom prst="roundRect">
+            <a:avLst/>
+          </a:prstGeom>
+        </p:spPr>
+        <p:style>
+          <a:lnRef idx="3">
+            <a:schemeClr val="lt1"/>
+          </a:lnRef>
+          <a:fillRef idx="1">
+            <a:schemeClr val="accent1"/>
+          </a:fillRef>
+          <a:effectRef idx="1">
+            <a:schemeClr val="accent1"/>
+          </a:effectRef>
+          <a:fontRef idx="minor">
+            <a:schemeClr val="lt1"/>
+          </a:fontRef>
+        </p:style>
+        <p:txBody>
+          <a:bodyPr rtlCol="0" anchor="ctr"/>
+          <a:lstStyle/>
+          <a:p>
+            <a:pPr algn="ctr"/>
+            <a:r>
+              <a:rPr lang="fr-FR" dirty="0" smtClean="0"/>
+              <a:t>Article</a:t>
+            </a:r>
+            <a:endParaRPr lang="fr-FR" dirty="0"/>
+          </a:p>
+        </p:txBody>
+      </p:sp>
+      <p:sp>
+        <p:nvSpPr>
+          <p:cNvPr id="16" name="Rectangle à coins arrondis 15"/>
+          <p:cNvSpPr/>
+          <p:nvPr/>
+        </p:nvSpPr>
+        <p:spPr>
+          <a:xfrm>
+            <a:off x="827584" y="4005064"/>
+            <a:ext cx="1584176" cy="360040"/>
+          </a:xfrm>
+          <a:prstGeom prst="roundRect">
+            <a:avLst/>
+          </a:prstGeom>
+        </p:spPr>
+        <p:style>
+          <a:lnRef idx="3">
+            <a:schemeClr val="lt1"/>
+          </a:lnRef>
+          <a:fillRef idx="1">
+            <a:schemeClr val="accent1"/>
+          </a:fillRef>
+          <a:effectRef idx="1">
+            <a:schemeClr val="accent1"/>
+          </a:effectRef>
+          <a:fontRef idx="minor">
+            <a:schemeClr val="lt1"/>
+          </a:fontRef>
+        </p:style>
+        <p:txBody>
+          <a:bodyPr rtlCol="0" anchor="ctr"/>
+          <a:lstStyle/>
+          <a:p>
+            <a:pPr algn="ctr"/>
+            <a:r>
+              <a:rPr lang="fr-FR" dirty="0" smtClean="0"/>
+              <a:t>Commande</a:t>
+            </a:r>
+            <a:endParaRPr lang="fr-FR" dirty="0"/>
+          </a:p>
+        </p:txBody>
+      </p:sp>
+      <p:sp>
+        <p:nvSpPr>
+          <p:cNvPr id="17" name="Rectangle à coins arrondis 16"/>
+          <p:cNvSpPr/>
+          <p:nvPr/>
+        </p:nvSpPr>
+        <p:spPr>
+          <a:xfrm>
+            <a:off x="3599892" y="2996952"/>
+            <a:ext cx="1584176" cy="360040"/>
+          </a:xfrm>
+          <a:prstGeom prst="roundRect">
+            <a:avLst/>
+          </a:prstGeom>
+        </p:spPr>
+        <p:style>
+          <a:lnRef idx="3">
+            <a:schemeClr val="lt1"/>
+          </a:lnRef>
+          <a:fillRef idx="1">
+            <a:schemeClr val="accent1"/>
+          </a:fillRef>
+          <a:effectRef idx="1">
+            <a:schemeClr val="accent1"/>
+          </a:effectRef>
+          <a:fontRef idx="minor">
+            <a:schemeClr val="lt1"/>
+          </a:fontRef>
+        </p:style>
+        <p:txBody>
+          <a:bodyPr rtlCol="0" anchor="ctr"/>
+          <a:lstStyle/>
+          <a:p>
+            <a:pPr algn="ctr"/>
+            <a:r>
+              <a:rPr lang="fr-FR" sz="1400" dirty="0" err="1" smtClean="0"/>
+              <a:t>AdherentService</a:t>
+            </a:r>
+            <a:endParaRPr lang="fr-FR" sz="1400" dirty="0"/>
+          </a:p>
+        </p:txBody>
+      </p:sp>
+      <p:sp>
+        <p:nvSpPr>
+          <p:cNvPr id="18" name="Rectangle à coins arrondis 17"/>
+          <p:cNvSpPr/>
+          <p:nvPr/>
+        </p:nvSpPr>
+        <p:spPr>
+          <a:xfrm>
+            <a:off x="3599892" y="3508824"/>
+            <a:ext cx="1584176" cy="360040"/>
+          </a:xfrm>
+          <a:prstGeom prst="roundRect">
+            <a:avLst/>
+          </a:prstGeom>
+        </p:spPr>
+        <p:style>
+          <a:lnRef idx="3">
+            <a:schemeClr val="lt1"/>
+          </a:lnRef>
+          <a:fillRef idx="1">
+            <a:schemeClr val="accent1"/>
+          </a:fillRef>
+          <a:effectRef idx="1">
+            <a:schemeClr val="accent1"/>
+          </a:effectRef>
+          <a:fontRef idx="minor">
+            <a:schemeClr val="lt1"/>
+          </a:fontRef>
+        </p:style>
+        <p:txBody>
+          <a:bodyPr rtlCol="0" anchor="ctr"/>
+          <a:lstStyle/>
+          <a:p>
+            <a:pPr algn="ctr"/>
+            <a:r>
+              <a:rPr lang="fr-FR" sz="1400" dirty="0" err="1" smtClean="0"/>
+              <a:t>ArticleService</a:t>
+            </a:r>
+            <a:endParaRPr lang="fr-FR" sz="1400" dirty="0"/>
+          </a:p>
+        </p:txBody>
+      </p:sp>
+      <p:sp>
+        <p:nvSpPr>
+          <p:cNvPr id="19" name="Rectangle à coins arrondis 18"/>
+          <p:cNvSpPr/>
+          <p:nvPr/>
+        </p:nvSpPr>
+        <p:spPr>
+          <a:xfrm>
+            <a:off x="3599892" y="4005064"/>
+            <a:ext cx="1584176" cy="360040"/>
+          </a:xfrm>
+          <a:prstGeom prst="roundRect">
+            <a:avLst/>
+          </a:prstGeom>
+        </p:spPr>
+        <p:style>
+          <a:lnRef idx="3">
+            <a:schemeClr val="lt1"/>
+          </a:lnRef>
+          <a:fillRef idx="1">
+            <a:schemeClr val="accent1"/>
+          </a:fillRef>
+          <a:effectRef idx="1">
+            <a:schemeClr val="accent1"/>
+          </a:effectRef>
+          <a:fontRef idx="minor">
+            <a:schemeClr val="lt1"/>
+          </a:fontRef>
+        </p:style>
+        <p:txBody>
+          <a:bodyPr rtlCol="0" anchor="ctr"/>
+          <a:lstStyle/>
+          <a:p>
+            <a:pPr algn="ctr"/>
+            <a:r>
+              <a:rPr lang="fr-FR" sz="1400" dirty="0" err="1" smtClean="0"/>
+              <a:t>CommandeService</a:t>
+            </a:r>
+            <a:endParaRPr lang="fr-FR" sz="1400" dirty="0"/>
+          </a:p>
+        </p:txBody>
+      </p:sp>
+      <p:pic>
+        <p:nvPicPr>
+          <p:cNvPr id="20" name="Image 19"/>
+          <p:cNvPicPr>
+            <a:picLocks noChangeAspect="1"/>
+          </p:cNvPicPr>
+          <p:nvPr/>
+        </p:nvPicPr>
+        <p:blipFill>
+          <a:blip r:embed="rId3" cstate="print">
+            <a:extLst>
+              <a:ext uri="{28A0092B-C50C-407E-A947-70E740481C1C}">
+                <a14:useLocalDpi xmlns:a14="http://schemas.microsoft.com/office/drawing/2010/main" val="0"/>
+              </a:ext>
+            </a:extLst>
+          </a:blip>
+          <a:stretch>
+            <a:fillRect/>
+          </a:stretch>
+        </p:blipFill>
+        <p:spPr>
+          <a:xfrm>
+            <a:off x="1083097" y="5445224"/>
+            <a:ext cx="896615" cy="864096"/>
+          </a:xfrm>
+          <a:prstGeom prst="rect">
+            <a:avLst/>
+          </a:prstGeom>
+        </p:spPr>
+      </p:pic>
+      <p:cxnSp>
+        <p:nvCxnSpPr>
+          <p:cNvPr id="7" name="Connecteur droit avec flèche 6"/>
+          <p:cNvCxnSpPr/>
+          <p:nvPr/>
+        </p:nvCxnSpPr>
+        <p:spPr>
+          <a:xfrm flipH="1" flipV="1">
+            <a:off x="1592669" y="4941168"/>
+            <a:ext cx="18002" cy="648072"/>
+          </a:xfrm>
+          <a:prstGeom prst="straightConnector1">
+            <a:avLst/>
+          </a:prstGeom>
+          <a:ln>
+            <a:headEnd type="arrow"/>
+            <a:tailEnd type="arrow"/>
+          </a:ln>
+        </p:spPr>
+        <p:style>
+          <a:lnRef idx="2">
+            <a:schemeClr val="dk1"/>
+          </a:lnRef>
+          <a:fillRef idx="0">
+            <a:schemeClr val="dk1"/>
+          </a:fillRef>
+          <a:effectRef idx="1">
+            <a:schemeClr val="dk1"/>
+          </a:effectRef>
+          <a:fontRef idx="minor">
+            <a:schemeClr val="tx1"/>
+          </a:fontRef>
+        </p:style>
+      </p:cxnSp>
+      <p:cxnSp>
+        <p:nvCxnSpPr>
+          <p:cNvPr id="21" name="Connecteur droit avec flèche 20"/>
+          <p:cNvCxnSpPr>
+            <a:stCxn id="5" idx="3"/>
+            <a:endCxn id="17" idx="1"/>
+          </p:cNvCxnSpPr>
+          <p:nvPr/>
+        </p:nvCxnSpPr>
+        <p:spPr>
+          <a:xfrm>
+            <a:off x="2411760" y="3176972"/>
+            <a:ext cx="1188132" cy="0"/>
+          </a:xfrm>
+          <a:prstGeom prst="straightConnector1">
+            <a:avLst/>
+          </a:prstGeom>
+          <a:ln>
+            <a:headEnd type="arrow"/>
+            <a:tailEnd type="arrow"/>
+          </a:ln>
+        </p:spPr>
+        <p:style>
+          <a:lnRef idx="2">
+            <a:schemeClr val="dk1"/>
+          </a:lnRef>
+          <a:fillRef idx="0">
+            <a:schemeClr val="dk1"/>
+          </a:fillRef>
+          <a:effectRef idx="1">
+            <a:schemeClr val="dk1"/>
+          </a:effectRef>
+          <a:fontRef idx="minor">
+            <a:schemeClr val="tx1"/>
+          </a:fontRef>
+        </p:style>
+      </p:cxnSp>
+      <p:cxnSp>
+        <p:nvCxnSpPr>
+          <p:cNvPr id="22" name="Connecteur droit avec flèche 21"/>
+          <p:cNvCxnSpPr/>
+          <p:nvPr/>
+        </p:nvCxnSpPr>
+        <p:spPr>
+          <a:xfrm>
+            <a:off x="2411760" y="3689412"/>
+            <a:ext cx="1188132" cy="0"/>
+          </a:xfrm>
+          <a:prstGeom prst="straightConnector1">
+            <a:avLst/>
+          </a:prstGeom>
+          <a:ln>
+            <a:headEnd type="arrow"/>
+            <a:tailEnd type="arrow"/>
+          </a:ln>
+        </p:spPr>
+        <p:style>
+          <a:lnRef idx="2">
+            <a:schemeClr val="dk1"/>
+          </a:lnRef>
+          <a:fillRef idx="0">
+            <a:schemeClr val="dk1"/>
+          </a:fillRef>
+          <a:effectRef idx="1">
+            <a:schemeClr val="dk1"/>
+          </a:effectRef>
+          <a:fontRef idx="minor">
+            <a:schemeClr val="tx1"/>
+          </a:fontRef>
+        </p:style>
+      </p:cxnSp>
+      <p:cxnSp>
+        <p:nvCxnSpPr>
+          <p:cNvPr id="23" name="Connecteur droit avec flèche 22"/>
+          <p:cNvCxnSpPr/>
+          <p:nvPr/>
+        </p:nvCxnSpPr>
+        <p:spPr>
+          <a:xfrm>
+            <a:off x="2415306" y="4185084"/>
+            <a:ext cx="1188132" cy="0"/>
+          </a:xfrm>
+          <a:prstGeom prst="straightConnector1">
+            <a:avLst/>
+          </a:prstGeom>
+          <a:ln>
+            <a:headEnd type="arrow"/>
+            <a:tailEnd type="arrow"/>
+          </a:ln>
+        </p:spPr>
+        <p:style>
+          <a:lnRef idx="2">
+            <a:schemeClr val="dk1"/>
+          </a:lnRef>
+          <a:fillRef idx="0">
+            <a:schemeClr val="dk1"/>
+          </a:fillRef>
+          <a:effectRef idx="1">
+            <a:schemeClr val="dk1"/>
+          </a:effectRef>
+          <a:fontRef idx="minor">
+            <a:schemeClr val="tx1"/>
+          </a:fontRef>
+        </p:style>
+      </p:cxnSp>
+      <p:cxnSp>
+        <p:nvCxnSpPr>
+          <p:cNvPr id="24" name="Connecteur droit avec flèche 23"/>
+          <p:cNvCxnSpPr>
+            <a:stCxn id="13" idx="3"/>
+            <a:endCxn id="14" idx="1"/>
+          </p:cNvCxnSpPr>
+          <p:nvPr/>
+        </p:nvCxnSpPr>
+        <p:spPr>
+          <a:xfrm>
+            <a:off x="5328084" y="3753036"/>
+            <a:ext cx="1044116" cy="0"/>
+          </a:xfrm>
+          <a:prstGeom prst="straightConnector1">
+            <a:avLst/>
+          </a:prstGeom>
+          <a:ln>
+            <a:headEnd type="arrow"/>
+            <a:tailEnd type="arrow"/>
+          </a:ln>
+        </p:spPr>
+        <p:style>
+          <a:lnRef idx="2">
+            <a:schemeClr val="dk1"/>
+          </a:lnRef>
+          <a:fillRef idx="0">
+            <a:schemeClr val="dk1"/>
+          </a:fillRef>
+          <a:effectRef idx="1">
+            <a:schemeClr val="dk1"/>
+          </a:effectRef>
+          <a:fontRef idx="minor">
+            <a:schemeClr val="tx1"/>
+          </a:fontRef>
+        </p:style>
+      </p:cxnSp>
+      <p:sp>
+        <p:nvSpPr>
+          <p:cNvPr id="29" name="Rectangle à coins arrondis 28"/>
+          <p:cNvSpPr/>
+          <p:nvPr/>
+        </p:nvSpPr>
+        <p:spPr>
+          <a:xfrm>
+            <a:off x="6660232" y="3356992"/>
+            <a:ext cx="1296144" cy="1224136"/>
+          </a:xfrm>
+          <a:prstGeom prst="roundRect">
+            <a:avLst/>
+          </a:prstGeom>
+        </p:spPr>
+        <p:style>
+          <a:lnRef idx="1">
+            <a:schemeClr val="accent1"/>
+          </a:lnRef>
+          <a:fillRef idx="2">
+            <a:schemeClr val="accent1"/>
+          </a:fillRef>
+          <a:effectRef idx="1">
+            <a:schemeClr val="accent1"/>
+          </a:effectRef>
+          <a:fontRef idx="minor">
+            <a:schemeClr val="dk1"/>
+          </a:fontRef>
+        </p:style>
+        <p:txBody>
+          <a:bodyPr rtlCol="0" anchor="ctr"/>
+          <a:lstStyle/>
+          <a:p>
+            <a:pPr algn="ctr"/>
+            <a:r>
+              <a:rPr lang="fr-FR" dirty="0" smtClean="0"/>
+              <a:t>IHM</a:t>
+            </a:r>
+            <a:endParaRPr lang="fr-FR" dirty="0"/>
+          </a:p>
+        </p:txBody>
+      </p:sp>
+    </p:spTree>
+    <p:extLst>
+      <p:ext uri="{BB962C8B-B14F-4D97-AF65-F5344CB8AC3E}">
+        <p14:creationId xmlns:p14="http://schemas.microsoft.com/office/powerpoint/2010/main" val="218983957"/>
+      </p:ext>
+    </p:extLst>
+  </p:cSld>
+  <p:clrMapOvr>
+    <a:masterClrMapping/>
+  </p:clrMapOvr>
+  <p:timing>
+    <p:tnLst>
+      <p:par>
+        <p:cTn id="1" dur="indefinite" restart="never" nodeType="tmRoot"/>
+      </p:par>
+    </p:tnLst>
+  </p:timing>
+</p:sld>
+</file>
+
+<file path=ppt/slides/slide11.xml><?xml version="1.0" encoding="utf-8"?>
+<p:sld xmlns:a="http://schemas.openxmlformats.org/drawingml/2006/main" xmlns:r="http://schemas.openxmlformats.org/officeDocument/2006/relationships" xmlns:p="http://schemas.openxmlformats.org/presentationml/2006/main">
+  <p:cSld>
+    <p:spTree>
+      <p:nvGrpSpPr>
+        <p:cNvPr id="1" name=""/>
+        <p:cNvGrpSpPr/>
+        <p:nvPr/>
+      </p:nvGrpSpPr>
+      <p:grpSpPr>
+        <a:xfrm>
+          <a:off x="0" y="0"/>
+          <a:ext cx="0" cy="0"/>
+          <a:chOff x="0" y="0"/>
+          <a:chExt cx="0" cy="0"/>
+        </a:xfrm>
+      </p:grpSpPr>
+      <p:sp>
+        <p:nvSpPr>
+          <p:cNvPr id="2" name="Titre 1"/>
+          <p:cNvSpPr>
+            <a:spLocks noGrp="1"/>
+          </p:cNvSpPr>
+          <p:nvPr>
+            <p:ph type="ctrTitle"/>
+          </p:nvPr>
+        </p:nvSpPr>
+        <p:spPr>
+          <a:xfrm>
+            <a:off x="685800" y="806847"/>
+            <a:ext cx="7772400" cy="1470025"/>
+          </a:xfrm>
+        </p:spPr>
+        <p:txBody>
+          <a:bodyPr/>
+          <a:lstStyle/>
+          <a:p>
+            <a:r>
+              <a:rPr lang="fr-FR" dirty="0" smtClean="0"/>
+              <a:t>Avantages / Inconvénients</a:t>
+            </a:r>
+            <a:endParaRPr lang="fr-FR" dirty="0"/>
+          </a:p>
+        </p:txBody>
+      </p:sp>
+      <p:sp>
+        <p:nvSpPr>
           <p:cNvPr id="3" name="Sous-titre 2"/>
           <p:cNvSpPr>
             <a:spLocks noGrp="1"/>
@@ -3821,31 +4786,625 @@
             <p:ph type="subTitle" idx="1"/>
           </p:nvPr>
         </p:nvSpPr>
-        <p:spPr>
-          <a:xfrm>
-            <a:off x="1371600" y="1772816"/>
-            <a:ext cx="6400800" cy="1752600"/>
-          </a:xfrm>
-        </p:spPr>
+        <p:spPr/>
         <p:txBody>
           <a:bodyPr/>
           <a:lstStyle/>
           <a:p>
+            <a:endParaRPr lang="fr-FR" dirty="0"/>
+          </a:p>
+        </p:txBody>
+      </p:sp>
+      <p:sp>
+        <p:nvSpPr>
+          <p:cNvPr id="9" name="Espace réservé du pied de page 8"/>
+          <p:cNvSpPr>
+            <a:spLocks noGrp="1"/>
+          </p:cNvSpPr>
+          <p:nvPr>
+            <p:ph type="ftr" sz="quarter" idx="11"/>
+          </p:nvPr>
+        </p:nvSpPr>
+        <p:spPr>
+          <a:xfrm>
+            <a:off x="2843808" y="6356350"/>
+            <a:ext cx="3456384" cy="365125"/>
+          </a:xfrm>
+        </p:spPr>
+        <p:txBody>
+          <a:bodyPr/>
+          <a:lstStyle/>
+          <a:p>
             <a:r>
               <a:rPr lang="fr-FR" dirty="0" smtClean="0">
                 <a:solidFill>
                   <a:schemeClr val="tx1"/>
                 </a:solidFill>
               </a:rPr>
-              <a:t>La base Derby </a:t>
-            </a:r>
-            <a:r>
-              <a:rPr lang="fr-FR" dirty="0" err="1" smtClean="0">
+              <a:t>Université de Nantes, Licence Professionnelle SIL</a:t>
+            </a:r>
+            <a:endParaRPr lang="fr-BE" dirty="0">
+              <a:solidFill>
+                <a:schemeClr val="tx1"/>
+              </a:solidFill>
+            </a:endParaRPr>
+          </a:p>
+        </p:txBody>
+      </p:sp>
+      <p:sp>
+        <p:nvSpPr>
+          <p:cNvPr id="10" name="Espace réservé du numéro de diapositive 9"/>
+          <p:cNvSpPr>
+            <a:spLocks noGrp="1"/>
+          </p:cNvSpPr>
+          <p:nvPr>
+            <p:ph type="sldNum" sz="quarter" idx="12"/>
+          </p:nvPr>
+        </p:nvSpPr>
+        <p:spPr>
+          <a:xfrm>
+            <a:off x="6553200" y="6356350"/>
+            <a:ext cx="2133600" cy="365125"/>
+          </a:xfrm>
+        </p:spPr>
+        <p:txBody>
+          <a:bodyPr/>
+          <a:lstStyle/>
+          <a:p>
+            <a:fld id="{CF4668DC-857F-487D-BFFA-8C0CA5037977}" type="slidenum">
+              <a:rPr lang="fr-BE" smtClean="0">
                 <a:solidFill>
                   <a:schemeClr val="tx1"/>
                 </a:solidFill>
               </a:rPr>
-              <a:t>Assoc</a:t>
+              <a:t>11</a:t>
+            </a:fld>
+            <a:endParaRPr lang="fr-BE" dirty="0">
+              <a:solidFill>
+                <a:schemeClr val="tx1"/>
+              </a:solidFill>
+            </a:endParaRPr>
+          </a:p>
+        </p:txBody>
+      </p:sp>
+      <p:pic>
+        <p:nvPicPr>
+          <p:cNvPr id="11" name="Image 10"/>
+          <p:cNvPicPr>
+            <a:picLocks noChangeAspect="1"/>
+          </p:cNvPicPr>
+          <p:nvPr/>
+        </p:nvPicPr>
+        <p:blipFill>
+          <a:blip r:embed="rId2">
+            <a:extLst>
+              <a:ext uri="{28A0092B-C50C-407E-A947-70E740481C1C}">
+                <a14:useLocalDpi xmlns:a14="http://schemas.microsoft.com/office/drawing/2010/main" val="0"/>
+              </a:ext>
+            </a:extLst>
+          </a:blip>
+          <a:stretch>
+            <a:fillRect/>
+          </a:stretch>
+        </p:blipFill>
+        <p:spPr>
+          <a:xfrm>
+            <a:off x="107504" y="133118"/>
+            <a:ext cx="1080120" cy="469618"/>
+          </a:xfrm>
+          <a:prstGeom prst="rect">
+            <a:avLst/>
+          </a:prstGeom>
+        </p:spPr>
+      </p:pic>
+      <p:sp>
+        <p:nvSpPr>
+          <p:cNvPr id="12" name="Rogner un rectangle avec un coin diagonal 11"/>
+          <p:cNvSpPr/>
+          <p:nvPr/>
+        </p:nvSpPr>
+        <p:spPr>
+          <a:xfrm>
+            <a:off x="1259632" y="0"/>
+            <a:ext cx="7848872" cy="512676"/>
+          </a:xfrm>
+          <a:prstGeom prst="snip2DiagRect">
+            <a:avLst>
+              <a:gd name="adj1" fmla="val 24520"/>
+              <a:gd name="adj2" fmla="val 23038"/>
+            </a:avLst>
+          </a:prstGeom>
+        </p:spPr>
+        <p:style>
+          <a:lnRef idx="0">
+            <a:schemeClr val="accent5"/>
+          </a:lnRef>
+          <a:fillRef idx="3">
+            <a:schemeClr val="accent5"/>
+          </a:fillRef>
+          <a:effectRef idx="3">
+            <a:schemeClr val="accent5"/>
+          </a:effectRef>
+          <a:fontRef idx="minor">
+            <a:schemeClr val="lt1"/>
+          </a:fontRef>
+        </p:style>
+        <p:txBody>
+          <a:bodyPr rtlCol="0" anchor="ctr"/>
+          <a:lstStyle/>
+          <a:p>
+            <a:pPr algn="ctr"/>
+            <a:r>
+              <a:rPr lang="fr-FR" sz="1200" dirty="0" smtClean="0">
+                <a:solidFill>
+                  <a:schemeClr val="tx1"/>
+                </a:solidFill>
+              </a:rPr>
+              <a:t>-Principe de fonctionnement -Architecture -Services de l’application -Diagramme des cas d’utilisation</a:t>
+            </a:r>
+          </a:p>
+          <a:p>
+            <a:pPr algn="ctr"/>
+            <a:r>
+              <a:rPr lang="fr-FR" sz="1200" dirty="0" smtClean="0">
+                <a:solidFill>
+                  <a:schemeClr val="tx1"/>
+                </a:solidFill>
+              </a:rPr>
+              <a:t>-Matérielle et logiciel -Réalisation -Model Vue Contrôleur </a:t>
+            </a:r>
+            <a:r>
+              <a:rPr lang="fr-FR" sz="1200" dirty="0" smtClean="0">
+                <a:solidFill>
+                  <a:schemeClr val="bg1"/>
+                </a:solidFill>
+              </a:rPr>
+              <a:t>-Avantages / inconvénients </a:t>
+            </a:r>
+            <a:r>
+              <a:rPr lang="fr-FR" sz="1200" dirty="0" smtClean="0">
+                <a:solidFill>
+                  <a:schemeClr val="tx1"/>
+                </a:solidFill>
+              </a:rPr>
+              <a:t>-Améliorations possibles</a:t>
+            </a:r>
+            <a:endParaRPr lang="fr-FR" sz="1200" dirty="0">
+              <a:solidFill>
+                <a:schemeClr val="tx1"/>
+              </a:solidFill>
+            </a:endParaRPr>
+          </a:p>
+        </p:txBody>
+      </p:sp>
+    </p:spTree>
+    <p:extLst>
+      <p:ext uri="{BB962C8B-B14F-4D97-AF65-F5344CB8AC3E}">
+        <p14:creationId xmlns:p14="http://schemas.microsoft.com/office/powerpoint/2010/main" val="218983957"/>
+      </p:ext>
+    </p:extLst>
+  </p:cSld>
+  <p:clrMapOvr>
+    <a:masterClrMapping/>
+  </p:clrMapOvr>
+  <p:timing>
+    <p:tnLst>
+      <p:par>
+        <p:cTn id="1" dur="indefinite" restart="never" nodeType="tmRoot"/>
+      </p:par>
+    </p:tnLst>
+  </p:timing>
+</p:sld>
+</file>
+
+<file path=ppt/slides/slide12.xml><?xml version="1.0" encoding="utf-8"?>
+<p:sld xmlns:a="http://schemas.openxmlformats.org/drawingml/2006/main" xmlns:r="http://schemas.openxmlformats.org/officeDocument/2006/relationships" xmlns:p="http://schemas.openxmlformats.org/presentationml/2006/main">
+  <p:cSld>
+    <p:spTree>
+      <p:nvGrpSpPr>
+        <p:cNvPr id="1" name=""/>
+        <p:cNvGrpSpPr/>
+        <p:nvPr/>
+      </p:nvGrpSpPr>
+      <p:grpSpPr>
+        <a:xfrm>
+          <a:off x="0" y="0"/>
+          <a:ext cx="0" cy="0"/>
+          <a:chOff x="0" y="0"/>
+          <a:chExt cx="0" cy="0"/>
+        </a:xfrm>
+      </p:grpSpPr>
+      <p:sp>
+        <p:nvSpPr>
+          <p:cNvPr id="2" name="Titre 1"/>
+          <p:cNvSpPr>
+            <a:spLocks noGrp="1"/>
+          </p:cNvSpPr>
+          <p:nvPr>
+            <p:ph type="ctrTitle"/>
+          </p:nvPr>
+        </p:nvSpPr>
+        <p:spPr>
+          <a:xfrm>
+            <a:off x="685800" y="806847"/>
+            <a:ext cx="7772400" cy="1470025"/>
+          </a:xfrm>
+        </p:spPr>
+        <p:txBody>
+          <a:bodyPr/>
+          <a:lstStyle/>
+          <a:p>
+            <a:r>
+              <a:rPr lang="fr-FR" dirty="0" smtClean="0"/>
+              <a:t>Améliorations possibles</a:t>
+            </a:r>
+            <a:endParaRPr lang="fr-FR" dirty="0"/>
+          </a:p>
+        </p:txBody>
+      </p:sp>
+      <p:sp>
+        <p:nvSpPr>
+          <p:cNvPr id="3" name="Sous-titre 2"/>
+          <p:cNvSpPr>
+            <a:spLocks noGrp="1"/>
+          </p:cNvSpPr>
+          <p:nvPr>
+            <p:ph type="subTitle" idx="1"/>
+          </p:nvPr>
+        </p:nvSpPr>
+        <p:spPr/>
+        <p:txBody>
+          <a:bodyPr/>
+          <a:lstStyle/>
+          <a:p>
+            <a:endParaRPr lang="fr-FR" dirty="0"/>
+          </a:p>
+        </p:txBody>
+      </p:sp>
+      <p:sp>
+        <p:nvSpPr>
+          <p:cNvPr id="9" name="Espace réservé du pied de page 8"/>
+          <p:cNvSpPr>
+            <a:spLocks noGrp="1"/>
+          </p:cNvSpPr>
+          <p:nvPr>
+            <p:ph type="ftr" sz="quarter" idx="11"/>
+          </p:nvPr>
+        </p:nvSpPr>
+        <p:spPr>
+          <a:xfrm>
+            <a:off x="2843808" y="6356350"/>
+            <a:ext cx="3456384" cy="365125"/>
+          </a:xfrm>
+        </p:spPr>
+        <p:txBody>
+          <a:bodyPr/>
+          <a:lstStyle/>
+          <a:p>
+            <a:r>
+              <a:rPr lang="fr-FR" dirty="0" smtClean="0">
+                <a:solidFill>
+                  <a:schemeClr val="tx1"/>
+                </a:solidFill>
+              </a:rPr>
+              <a:t>Université de Nantes, Licence Professionnelle SIL</a:t>
+            </a:r>
+            <a:endParaRPr lang="fr-BE" dirty="0">
+              <a:solidFill>
+                <a:schemeClr val="tx1"/>
+              </a:solidFill>
+            </a:endParaRPr>
+          </a:p>
+        </p:txBody>
+      </p:sp>
+      <p:sp>
+        <p:nvSpPr>
+          <p:cNvPr id="10" name="Espace réservé du numéro de diapositive 9"/>
+          <p:cNvSpPr>
+            <a:spLocks noGrp="1"/>
+          </p:cNvSpPr>
+          <p:nvPr>
+            <p:ph type="sldNum" sz="quarter" idx="12"/>
+          </p:nvPr>
+        </p:nvSpPr>
+        <p:spPr>
+          <a:xfrm>
+            <a:off x="6553200" y="6356350"/>
+            <a:ext cx="2133600" cy="365125"/>
+          </a:xfrm>
+        </p:spPr>
+        <p:txBody>
+          <a:bodyPr/>
+          <a:lstStyle/>
+          <a:p>
+            <a:fld id="{CF4668DC-857F-487D-BFFA-8C0CA5037977}" type="slidenum">
+              <a:rPr lang="fr-BE" smtClean="0">
+                <a:solidFill>
+                  <a:schemeClr val="tx1"/>
+                </a:solidFill>
+              </a:rPr>
+              <a:t>12</a:t>
+            </a:fld>
+            <a:endParaRPr lang="fr-BE" dirty="0">
+              <a:solidFill>
+                <a:schemeClr val="tx1"/>
+              </a:solidFill>
+            </a:endParaRPr>
+          </a:p>
+        </p:txBody>
+      </p:sp>
+      <p:pic>
+        <p:nvPicPr>
+          <p:cNvPr id="11" name="Image 10"/>
+          <p:cNvPicPr>
+            <a:picLocks noChangeAspect="1"/>
+          </p:cNvPicPr>
+          <p:nvPr/>
+        </p:nvPicPr>
+        <p:blipFill>
+          <a:blip r:embed="rId2">
+            <a:extLst>
+              <a:ext uri="{28A0092B-C50C-407E-A947-70E740481C1C}">
+                <a14:useLocalDpi xmlns:a14="http://schemas.microsoft.com/office/drawing/2010/main" val="0"/>
+              </a:ext>
+            </a:extLst>
+          </a:blip>
+          <a:stretch>
+            <a:fillRect/>
+          </a:stretch>
+        </p:blipFill>
+        <p:spPr>
+          <a:xfrm>
+            <a:off x="107504" y="133118"/>
+            <a:ext cx="1080120" cy="469618"/>
+          </a:xfrm>
+          <a:prstGeom prst="rect">
+            <a:avLst/>
+          </a:prstGeom>
+        </p:spPr>
+      </p:pic>
+      <p:sp>
+        <p:nvSpPr>
+          <p:cNvPr id="12" name="Rogner un rectangle avec un coin diagonal 11"/>
+          <p:cNvSpPr/>
+          <p:nvPr/>
+        </p:nvSpPr>
+        <p:spPr>
+          <a:xfrm>
+            <a:off x="1259632" y="0"/>
+            <a:ext cx="7848872" cy="512676"/>
+          </a:xfrm>
+          <a:prstGeom prst="snip2DiagRect">
+            <a:avLst>
+              <a:gd name="adj1" fmla="val 24520"/>
+              <a:gd name="adj2" fmla="val 23038"/>
+            </a:avLst>
+          </a:prstGeom>
+        </p:spPr>
+        <p:style>
+          <a:lnRef idx="0">
+            <a:schemeClr val="accent5"/>
+          </a:lnRef>
+          <a:fillRef idx="3">
+            <a:schemeClr val="accent5"/>
+          </a:fillRef>
+          <a:effectRef idx="3">
+            <a:schemeClr val="accent5"/>
+          </a:effectRef>
+          <a:fontRef idx="minor">
+            <a:schemeClr val="lt1"/>
+          </a:fontRef>
+        </p:style>
+        <p:txBody>
+          <a:bodyPr rtlCol="0" anchor="ctr"/>
+          <a:lstStyle/>
+          <a:p>
+            <a:pPr algn="ctr"/>
+            <a:r>
+              <a:rPr lang="fr-FR" sz="1200" dirty="0" smtClean="0">
+                <a:solidFill>
+                  <a:schemeClr val="tx1"/>
+                </a:solidFill>
+              </a:rPr>
+              <a:t>-Principe de fonctionnement -Architecture -Services de l’application -Diagramme des cas d’utilisation</a:t>
+            </a:r>
+          </a:p>
+          <a:p>
+            <a:pPr algn="ctr"/>
+            <a:r>
+              <a:rPr lang="fr-FR" sz="1200" dirty="0" smtClean="0">
+                <a:solidFill>
+                  <a:schemeClr val="tx1"/>
+                </a:solidFill>
+              </a:rPr>
+              <a:t>-Matérielle et logiciel -Réalisation -Model Vue Contrôleur -Avantages / inconvénients </a:t>
+            </a:r>
+            <a:r>
+              <a:rPr lang="fr-FR" sz="1200" dirty="0" smtClean="0">
+                <a:solidFill>
+                  <a:schemeClr val="bg1"/>
+                </a:solidFill>
+              </a:rPr>
+              <a:t>-Améliorations possibles</a:t>
+            </a:r>
+            <a:endParaRPr lang="fr-FR" sz="1200" dirty="0">
+              <a:solidFill>
+                <a:schemeClr val="bg1"/>
+              </a:solidFill>
+            </a:endParaRPr>
+          </a:p>
+        </p:txBody>
+      </p:sp>
+    </p:spTree>
+    <p:extLst>
+      <p:ext uri="{BB962C8B-B14F-4D97-AF65-F5344CB8AC3E}">
+        <p14:creationId xmlns:p14="http://schemas.microsoft.com/office/powerpoint/2010/main" val="218983957"/>
+      </p:ext>
+    </p:extLst>
+  </p:cSld>
+  <p:clrMapOvr>
+    <a:masterClrMapping/>
+  </p:clrMapOvr>
+  <p:timing>
+    <p:tnLst>
+      <p:par>
+        <p:cTn id="1" dur="indefinite" restart="never" nodeType="tmRoot"/>
+      </p:par>
+    </p:tnLst>
+  </p:timing>
+</p:sld>
+</file>
+
+<file path=ppt/slides/slide2.xml><?xml version="1.0" encoding="utf-8"?>
+<p:sld xmlns:a="http://schemas.openxmlformats.org/drawingml/2006/main" xmlns:r="http://schemas.openxmlformats.org/officeDocument/2006/relationships" xmlns:p="http://schemas.openxmlformats.org/presentationml/2006/main">
+  <p:cSld>
+    <p:spTree>
+      <p:nvGrpSpPr>
+        <p:cNvPr id="1" name=""/>
+        <p:cNvGrpSpPr/>
+        <p:nvPr/>
+      </p:nvGrpSpPr>
+      <p:grpSpPr>
+        <a:xfrm>
+          <a:off x="0" y="0"/>
+          <a:ext cx="0" cy="0"/>
+          <a:chOff x="0" y="0"/>
+          <a:chExt cx="0" cy="0"/>
+        </a:xfrm>
+      </p:grpSpPr>
+      <p:sp>
+        <p:nvSpPr>
+          <p:cNvPr id="2" name="Titre 1"/>
+          <p:cNvSpPr>
+            <a:spLocks noGrp="1"/>
+          </p:cNvSpPr>
+          <p:nvPr>
+            <p:ph type="ctrTitle"/>
+          </p:nvPr>
+        </p:nvSpPr>
+        <p:spPr>
+          <a:xfrm>
+            <a:off x="685800" y="836712"/>
+            <a:ext cx="7772400" cy="1470025"/>
+          </a:xfrm>
+        </p:spPr>
+        <p:txBody>
+          <a:bodyPr/>
+          <a:lstStyle/>
+          <a:p>
+            <a:r>
+              <a:rPr lang="fr-FR" dirty="0" smtClean="0"/>
+              <a:t>Introduction</a:t>
+            </a:r>
+            <a:endParaRPr lang="fr-FR" dirty="0"/>
+          </a:p>
+        </p:txBody>
+      </p:sp>
+      <p:sp>
+        <p:nvSpPr>
+          <p:cNvPr id="3" name="Sous-titre 2"/>
+          <p:cNvSpPr>
+            <a:spLocks noGrp="1"/>
+          </p:cNvSpPr>
+          <p:nvPr>
+            <p:ph type="subTitle" idx="1"/>
+          </p:nvPr>
+        </p:nvSpPr>
+        <p:spPr>
+          <a:xfrm>
+            <a:off x="1371600" y="3094112"/>
+            <a:ext cx="6400800" cy="1487016"/>
+          </a:xfrm>
+        </p:spPr>
+        <p:txBody>
+          <a:bodyPr>
+            <a:normAutofit fontScale="55000" lnSpcReduction="20000"/>
+          </a:bodyPr>
+          <a:lstStyle/>
+          <a:p>
+            <a:r>
+              <a:rPr lang="fr-FR" dirty="0" smtClean="0">
+                <a:solidFill>
+                  <a:schemeClr val="tx1"/>
+                </a:solidFill>
+              </a:rPr>
+              <a:t>Le projet consiste à réaliser le site </a:t>
+            </a:r>
+            <a:r>
+              <a:rPr lang="fr-FR" dirty="0">
+                <a:solidFill>
+                  <a:schemeClr val="tx1"/>
+                </a:solidFill>
+              </a:rPr>
+              <a:t>web d’une </a:t>
+            </a:r>
+            <a:r>
+              <a:rPr lang="fr-FR" dirty="0" smtClean="0">
+                <a:solidFill>
+                  <a:schemeClr val="tx1"/>
+                </a:solidFill>
+              </a:rPr>
+              <a:t>association.</a:t>
+            </a:r>
+          </a:p>
+          <a:p>
+            <a:r>
+              <a:rPr lang="fr-FR" dirty="0" smtClean="0">
+                <a:solidFill>
+                  <a:schemeClr val="tx1"/>
+                </a:solidFill>
+              </a:rPr>
+              <a:t>Ce site permet aux clients d’adhérer </a:t>
+            </a:r>
+            <a:r>
+              <a:rPr lang="fr-FR" dirty="0">
+                <a:solidFill>
+                  <a:schemeClr val="tx1"/>
+                </a:solidFill>
+              </a:rPr>
+              <a:t>à l’association en remplissant un formulaire </a:t>
+            </a:r>
+          </a:p>
+          <a:p>
+            <a:r>
+              <a:rPr lang="fr-FR" dirty="0" smtClean="0">
+                <a:solidFill>
+                  <a:schemeClr val="tx1"/>
+                </a:solidFill>
+              </a:rPr>
+              <a:t>Avec leurs login et mot </a:t>
+            </a:r>
+            <a:r>
+              <a:rPr lang="fr-FR" dirty="0">
+                <a:solidFill>
+                  <a:schemeClr val="tx1"/>
+                </a:solidFill>
+              </a:rPr>
+              <a:t>de passe </a:t>
+            </a:r>
+            <a:r>
+              <a:rPr lang="fr-FR" dirty="0" smtClean="0">
+                <a:solidFill>
+                  <a:schemeClr val="tx1"/>
+                </a:solidFill>
+              </a:rPr>
+              <a:t>les </a:t>
+            </a:r>
+            <a:r>
+              <a:rPr lang="fr-FR" dirty="0">
+                <a:solidFill>
+                  <a:schemeClr val="tx1"/>
+                </a:solidFill>
+              </a:rPr>
+              <a:t>clients peuvent </a:t>
+            </a:r>
+            <a:r>
+              <a:rPr lang="fr-FR" dirty="0" smtClean="0">
+                <a:solidFill>
+                  <a:schemeClr val="tx1"/>
+                </a:solidFill>
+              </a:rPr>
+              <a:t>se connecter </a:t>
             </a:r>
             <a:endParaRPr lang="fr-FR" dirty="0">
               <a:solidFill>
@@ -3853,36 +5412,78 @@
               </a:solidFill>
             </a:endParaRPr>
           </a:p>
-        </p:txBody>
-      </p:sp>
-      <p:sp>
-        <p:nvSpPr>
-          <p:cNvPr id="9" name="Espace réservé du pied de page 8"/>
-          <p:cNvSpPr>
-            <a:spLocks noGrp="1"/>
-          </p:cNvSpPr>
-          <p:nvPr>
-            <p:ph type="ftr" sz="quarter" idx="11"/>
-          </p:nvPr>
-        </p:nvSpPr>
-        <p:spPr>
-          <a:xfrm>
-            <a:off x="2843808" y="6356350"/>
-            <a:ext cx="3456384" cy="365125"/>
-          </a:xfrm>
-        </p:spPr>
+          <a:p>
+            <a:r>
+              <a:rPr lang="fr-FR" dirty="0" smtClean="0">
+                <a:solidFill>
+                  <a:schemeClr val="tx1"/>
+                </a:solidFill>
+              </a:rPr>
+              <a:t>et commander </a:t>
+            </a:r>
+            <a:r>
+              <a:rPr lang="fr-FR" dirty="0">
+                <a:solidFill>
+                  <a:schemeClr val="tx1"/>
+                </a:solidFill>
+              </a:rPr>
+              <a:t>des </a:t>
+            </a:r>
+            <a:r>
+              <a:rPr lang="fr-FR" dirty="0" smtClean="0">
+                <a:solidFill>
+                  <a:schemeClr val="tx1"/>
+                </a:solidFill>
+              </a:rPr>
+              <a:t>articles qui sont </a:t>
+            </a:r>
+            <a:r>
+              <a:rPr lang="fr-FR" dirty="0">
+                <a:solidFill>
+                  <a:schemeClr val="tx1"/>
+                </a:solidFill>
+              </a:rPr>
+              <a:t>proposés par </a:t>
+            </a:r>
+            <a:r>
+              <a:rPr lang="fr-FR" dirty="0" smtClean="0">
+                <a:solidFill>
+                  <a:schemeClr val="tx1"/>
+                </a:solidFill>
+              </a:rPr>
+              <a:t>l’association.</a:t>
+            </a:r>
+            <a:endParaRPr lang="fr-FR" dirty="0">
+              <a:solidFill>
+                <a:schemeClr val="tx1"/>
+              </a:solidFill>
+            </a:endParaRPr>
+          </a:p>
+        </p:txBody>
+      </p:sp>
+      <p:sp>
+        <p:nvSpPr>
+          <p:cNvPr id="10" name="Espace réservé du numéro de diapositive 9"/>
+          <p:cNvSpPr>
+            <a:spLocks noGrp="1"/>
+          </p:cNvSpPr>
+          <p:nvPr>
+            <p:ph type="sldNum" sz="quarter" idx="12"/>
+          </p:nvPr>
+        </p:nvSpPr>
+        <p:spPr/>
         <p:txBody>
           <a:bodyPr/>
           <a:lstStyle/>
           <a:p>
-            <a:r>
-              <a:rPr lang="fr-FR" dirty="0" smtClean="0">
+            <a:fld id="{CF4668DC-857F-487D-BFFA-8C0CA5037977}" type="slidenum">
+              <a:rPr lang="fr-BE" smtClean="0">
                 <a:solidFill>
                   <a:schemeClr val="tx1"/>
                 </a:solidFill>
               </a:rPr>
-              <a:t>Université de Nantes, Licence Professionnelle SIL</a:t>
-            </a:r>
+              <a:t>2</a:t>
+            </a:fld>
             <a:endParaRPr lang="fr-BE" dirty="0">
               <a:solidFill>
                 <a:schemeClr val="tx1"/>
@@ -3893,7 +5494,346 @@
       </p:sp>
       <p:sp>
         <p:nvSpPr>
-          <p:cNvPr id="10" name="Espace réservé du numéro de diapositive 9"/>
+          <p:cNvPr id="11" name="Espace réservé du pied de page 8"/>
+          <p:cNvSpPr>
+            <a:spLocks noGrp="1"/>
+          </p:cNvSpPr>
+          <p:nvPr>
+            <p:ph type="ftr" sz="quarter" idx="11"/>
+          </p:nvPr>
+        </p:nvSpPr>
+        <p:spPr>
+          <a:xfrm>
+            <a:off x="2843808" y="6356350"/>
+            <a:ext cx="3456384" cy="365125"/>
+          </a:xfrm>
+        </p:spPr>
+        <p:txBody>
+          <a:bodyPr/>
+          <a:lstStyle/>
+          <a:p>
+            <a:r>
+              <a:rPr lang="fr-FR" dirty="0" smtClean="0">
+                <a:solidFill>
+                  <a:schemeClr val="tx1"/>
+                </a:solidFill>
+              </a:rPr>
+              <a:t>Université de Nantes, Licence Professionnelle SIL</a:t>
+            </a:r>
+            <a:endParaRPr lang="fr-BE" dirty="0">
+              <a:solidFill>
+                <a:schemeClr val="tx1"/>
+              </a:solidFill>
+            </a:endParaRPr>
+          </a:p>
+        </p:txBody>
+      </p:sp>
+      <p:pic>
+        <p:nvPicPr>
+          <p:cNvPr id="12" name="Image 11"/>
+          <p:cNvPicPr>
+            <a:picLocks noChangeAspect="1"/>
+          </p:cNvPicPr>
+          <p:nvPr/>
+        </p:nvPicPr>
+        <p:blipFill>
+          <a:blip r:embed="rId2">
+            <a:extLst>
+              <a:ext uri="{28A0092B-C50C-407E-A947-70E740481C1C}">
+                <a14:useLocalDpi xmlns:a14="http://schemas.microsoft.com/office/drawing/2010/main" val="0"/>
+              </a:ext>
+            </a:extLst>
+          </a:blip>
+          <a:stretch>
+            <a:fillRect/>
+          </a:stretch>
+        </p:blipFill>
+        <p:spPr>
+          <a:xfrm>
+            <a:off x="107504" y="133118"/>
+            <a:ext cx="1080120" cy="469618"/>
+          </a:xfrm>
+          <a:prstGeom prst="rect">
+            <a:avLst/>
+          </a:prstGeom>
+        </p:spPr>
+      </p:pic>
+    </p:spTree>
+    <p:extLst>
+      <p:ext uri="{BB962C8B-B14F-4D97-AF65-F5344CB8AC3E}">
+        <p14:creationId xmlns:p14="http://schemas.microsoft.com/office/powerpoint/2010/main" val="2995508724"/>
+      </p:ext>
+    </p:extLst>
+  </p:cSld>
+  <p:clrMapOvr>
+    <a:masterClrMapping/>
+  </p:clrMapOvr>
+  <p:timing>
+    <p:tnLst>
+      <p:par>
+        <p:cTn id="1" dur="indefinite" restart="never" nodeType="tmRoot"/>
+      </p:par>
+    </p:tnLst>
+  </p:timing>
+</p:sld>
+</file>
+
+<file path=ppt/slides/slide3.xml><?xml version="1.0" encoding="utf-8"?>
+<p:sld xmlns:a="http://schemas.openxmlformats.org/drawingml/2006/main" xmlns:r="http://schemas.openxmlformats.org/officeDocument/2006/relationships" xmlns:p="http://schemas.openxmlformats.org/presentationml/2006/main">
+  <p:cSld>
+    <p:spTree>
+      <p:nvGrpSpPr>
+        <p:cNvPr id="1" name=""/>
+        <p:cNvGrpSpPr/>
+        <p:nvPr/>
+      </p:nvGrpSpPr>
+      <p:grpSpPr>
+        <a:xfrm>
+          <a:off x="0" y="0"/>
+          <a:ext cx="0" cy="0"/>
+          <a:chOff x="0" y="0"/>
+          <a:chExt cx="0" cy="0"/>
+        </a:xfrm>
+      </p:grpSpPr>
+      <p:sp>
+        <p:nvSpPr>
+          <p:cNvPr id="2" name="Titre 1"/>
+          <p:cNvSpPr>
+            <a:spLocks noGrp="1"/>
+          </p:cNvSpPr>
+          <p:nvPr>
+            <p:ph type="ctrTitle"/>
+          </p:nvPr>
+        </p:nvSpPr>
+        <p:spPr>
+          <a:xfrm>
+            <a:off x="685800" y="836712"/>
+            <a:ext cx="7772400" cy="1470025"/>
+          </a:xfrm>
+        </p:spPr>
+        <p:txBody>
+          <a:bodyPr/>
+          <a:lstStyle/>
+          <a:p>
+            <a:r>
+              <a:rPr lang="fr-FR" dirty="0" smtClean="0"/>
+              <a:t>Sommaire</a:t>
+            </a:r>
+            <a:endParaRPr lang="fr-FR" dirty="0"/>
+          </a:p>
+        </p:txBody>
+      </p:sp>
+      <p:sp>
+        <p:nvSpPr>
+          <p:cNvPr id="3" name="Sous-titre 2"/>
+          <p:cNvSpPr>
+            <a:spLocks noGrp="1"/>
+          </p:cNvSpPr>
+          <p:nvPr>
+            <p:ph type="subTitle" idx="1"/>
+          </p:nvPr>
+        </p:nvSpPr>
+        <p:spPr>
+          <a:xfrm>
+            <a:off x="2235696" y="2492896"/>
+            <a:ext cx="5216624" cy="3600400"/>
+          </a:xfrm>
+        </p:spPr>
+        <p:txBody>
+          <a:bodyPr>
+            <a:normAutofit fontScale="77500" lnSpcReduction="20000"/>
+          </a:bodyPr>
+          <a:lstStyle/>
+          <a:p>
+            <a:pPr marL="514350" indent="-514350" algn="l">
+              <a:buFont typeface="+mj-lt"/>
+              <a:buAutoNum type="arabicParenR"/>
+            </a:pPr>
+            <a:r>
+              <a:rPr lang="fr-FR" dirty="0" smtClean="0">
+                <a:solidFill>
+                  <a:schemeClr val="tx1"/>
+                </a:solidFill>
+              </a:rPr>
+              <a:t>Principe de fonctionnement</a:t>
+            </a:r>
+          </a:p>
+          <a:p>
+            <a:pPr marL="514350" indent="-514350" algn="l">
+              <a:buFont typeface="+mj-lt"/>
+              <a:buAutoNum type="arabicParenR"/>
+            </a:pPr>
+            <a:r>
+              <a:rPr lang="fr-FR" dirty="0" smtClean="0">
+                <a:solidFill>
+                  <a:schemeClr val="tx1"/>
+                </a:solidFill>
+              </a:rPr>
+              <a:t>Architecture</a:t>
+            </a:r>
+          </a:p>
+          <a:p>
+            <a:pPr marL="514350" indent="-514350" algn="l">
+              <a:buFont typeface="+mj-lt"/>
+              <a:buAutoNum type="arabicParenR"/>
+            </a:pPr>
+            <a:r>
+              <a:rPr lang="fr-FR" dirty="0" smtClean="0">
+                <a:solidFill>
+                  <a:schemeClr val="tx1"/>
+                </a:solidFill>
+              </a:rPr>
+              <a:t>Services de l’application</a:t>
+            </a:r>
+          </a:p>
+          <a:p>
+            <a:pPr marL="514350" indent="-514350" algn="l">
+              <a:buFont typeface="+mj-lt"/>
+              <a:buAutoNum type="arabicParenR"/>
+            </a:pPr>
+            <a:r>
+              <a:rPr lang="fr-FR" dirty="0" smtClean="0">
+                <a:solidFill>
+                  <a:schemeClr val="tx1"/>
+                </a:solidFill>
+              </a:rPr>
+              <a:t>Diagramme des cas d’utilisation</a:t>
+            </a:r>
+          </a:p>
+          <a:p>
+            <a:pPr marL="514350" indent="-514350" algn="l">
+              <a:buFont typeface="+mj-lt"/>
+              <a:buAutoNum type="arabicParenR"/>
+            </a:pPr>
+            <a:r>
+              <a:rPr lang="fr-FR" dirty="0" smtClean="0">
+                <a:solidFill>
+                  <a:schemeClr val="tx1"/>
+                </a:solidFill>
+              </a:rPr>
+              <a:t>Matérielle et logiciel</a:t>
+            </a:r>
+          </a:p>
+          <a:p>
+            <a:pPr marL="514350" indent="-514350" algn="l">
+              <a:buFont typeface="+mj-lt"/>
+              <a:buAutoNum type="arabicParenR"/>
+            </a:pPr>
+            <a:r>
+              <a:rPr lang="fr-FR" dirty="0">
+                <a:solidFill>
+                  <a:schemeClr val="tx1"/>
+                </a:solidFill>
+              </a:rPr>
+              <a:t>R</a:t>
+            </a:r>
+            <a:r>
+              <a:rPr lang="fr-FR" dirty="0" smtClean="0">
+                <a:solidFill>
+                  <a:schemeClr val="tx1"/>
+                </a:solidFill>
+              </a:rPr>
+              <a:t>éalisation</a:t>
+            </a:r>
+          </a:p>
+          <a:p>
+            <a:pPr marL="514350" indent="-514350" algn="l">
+              <a:buFont typeface="+mj-lt"/>
+              <a:buAutoNum type="arabicParenR"/>
+            </a:pPr>
+            <a:r>
+              <a:rPr lang="fr-FR" dirty="0" smtClean="0">
+                <a:solidFill>
+                  <a:schemeClr val="tx1"/>
+                </a:solidFill>
+              </a:rPr>
+              <a:t>Model Vue Contrôleur</a:t>
+            </a:r>
+          </a:p>
+          <a:p>
+            <a:pPr marL="514350" indent="-514350" algn="l">
+              <a:buFont typeface="+mj-lt"/>
+              <a:buAutoNum type="arabicParenR"/>
+            </a:pPr>
+            <a:r>
+              <a:rPr lang="fr-FR" dirty="0" smtClean="0">
+                <a:solidFill>
+                  <a:schemeClr val="tx1"/>
+                </a:solidFill>
+              </a:rPr>
+              <a:t>Avantages </a:t>
+            </a:r>
+            <a:r>
+              <a:rPr lang="fr-FR" dirty="0" smtClean="0">
+                <a:solidFill>
+                  <a:schemeClr val="tx1"/>
+                </a:solidFill>
+                <a:sym typeface="Wingdings" panose="05000000000000000000" pitchFamily="2" charset="2"/>
+              </a:rPr>
+              <a:t>/ Inconvénients</a:t>
+            </a:r>
+          </a:p>
+          <a:p>
+            <a:pPr marL="514350" indent="-514350" algn="l">
+              <a:buFont typeface="+mj-lt"/>
+              <a:buAutoNum type="arabicParenR"/>
+            </a:pPr>
+            <a:r>
+              <a:rPr lang="fr-FR" dirty="0" smtClean="0">
+                <a:solidFill>
+                  <a:schemeClr val="tx1"/>
+                </a:solidFill>
+                <a:sym typeface="Wingdings" panose="05000000000000000000" pitchFamily="2" charset="2"/>
+              </a:rPr>
+              <a:t>Améliorations possibles</a:t>
+            </a:r>
+            <a:endParaRPr lang="fr-FR" dirty="0">
+              <a:solidFill>
+                <a:schemeClr val="tx1"/>
+              </a:solidFill>
+            </a:endParaRPr>
+          </a:p>
+        </p:txBody>
+      </p:sp>
+      <p:sp>
+        <p:nvSpPr>
+          <p:cNvPr id="12" name="Espace réservé du pied de page 8"/>
+          <p:cNvSpPr>
+            <a:spLocks noGrp="1"/>
+          </p:cNvSpPr>
+          <p:nvPr>
+            <p:ph type="ftr" sz="quarter" idx="11"/>
+          </p:nvPr>
+        </p:nvSpPr>
+        <p:spPr>
+          <a:xfrm>
+            <a:off x="2843808" y="6356350"/>
+            <a:ext cx="3456384" cy="365125"/>
+          </a:xfrm>
+        </p:spPr>
+        <p:txBody>
+          <a:bodyPr/>
+          <a:lstStyle/>
+          <a:p>
+            <a:r>
+              <a:rPr lang="fr-FR" dirty="0" smtClean="0">
+                <a:solidFill>
+                  <a:schemeClr val="tx1"/>
+                </a:solidFill>
+              </a:rPr>
+              <a:t>Université de Nantes, Licence Professionnelle SIL</a:t>
+            </a:r>
+            <a:endParaRPr lang="fr-BE" dirty="0">
+              <a:solidFill>
+                <a:schemeClr val="tx1"/>
+              </a:solidFill>
+            </a:endParaRPr>
+          </a:p>
+        </p:txBody>
+      </p:sp>
+      <p:sp>
+        <p:nvSpPr>
+          <p:cNvPr id="13" name="Espace réservé du numéro de diapositive 9"/>
           <p:cNvSpPr>
             <a:spLocks noGrp="1"/>
           </p:cNvSpPr>
@@ -3917,7 +5857,3247 @@
                   <a:schemeClr val="tx1"/>
                 </a:solidFill>
               </a:rPr>
-              <a:t>10</a:t>
+              <a:t>3</a:t>
+            </a:fld>
+            <a:endParaRPr lang="fr-BE" dirty="0">
+              <a:solidFill>
+                <a:schemeClr val="tx1"/>
+              </a:solidFill>
+            </a:endParaRPr>
+          </a:p>
+        </p:txBody>
+      </p:sp>
+      <p:pic>
+        <p:nvPicPr>
+          <p:cNvPr id="14" name="Image 13"/>
+          <p:cNvPicPr>
+            <a:picLocks noChangeAspect="1"/>
+          </p:cNvPicPr>
+          <p:nvPr/>
+        </p:nvPicPr>
+        <p:blipFill>
+          <a:blip r:embed="rId2">
+            <a:extLst>
+              <a:ext uri="{28A0092B-C50C-407E-A947-70E740481C1C}">
+                <a14:useLocalDpi xmlns:a14="http://schemas.microsoft.com/office/drawing/2010/main" val="0"/>
+              </a:ext>
+            </a:extLst>
+          </a:blip>
+          <a:stretch>
+            <a:fillRect/>
+          </a:stretch>
+        </p:blipFill>
+        <p:spPr>
+          <a:xfrm>
+            <a:off x="107504" y="133118"/>
+            <a:ext cx="1080120" cy="469618"/>
+          </a:xfrm>
+          <a:prstGeom prst="rect">
+            <a:avLst/>
+          </a:prstGeom>
+        </p:spPr>
+      </p:pic>
+    </p:spTree>
+    <p:extLst>
+      <p:ext uri="{BB962C8B-B14F-4D97-AF65-F5344CB8AC3E}">
+        <p14:creationId xmlns:p14="http://schemas.microsoft.com/office/powerpoint/2010/main" val="2995508724"/>
+      </p:ext>
+    </p:extLst>
+  </p:cSld>
+  <p:clrMapOvr>
+    <a:masterClrMapping/>
+  </p:clrMapOvr>
+  <p:timing>
+    <p:tnLst>
+      <p:par>
+        <p:cTn id="1" dur="indefinite" restart="never" nodeType="tmRoot"/>
+      </p:par>
+    </p:tnLst>
+  </p:timing>
+</p:sld>
+</file>
+
+<file path=ppt/slides/slide4.xml><?xml version="1.0" encoding="utf-8"?>
+<p:sld xmlns:a="http://schemas.openxmlformats.org/drawingml/2006/main" xmlns:r="http://schemas.openxmlformats.org/officeDocument/2006/relationships" xmlns:p="http://schemas.openxmlformats.org/presentationml/2006/main">
+  <p:cSld>
+    <p:spTree>
+      <p:nvGrpSpPr>
+        <p:cNvPr id="1" name=""/>
+        <p:cNvGrpSpPr/>
+        <p:nvPr/>
+      </p:nvGrpSpPr>
+      <p:grpSpPr>
+        <a:xfrm>
+          <a:off x="0" y="0"/>
+          <a:ext cx="0" cy="0"/>
+          <a:chOff x="0" y="0"/>
+          <a:chExt cx="0" cy="0"/>
+        </a:xfrm>
+      </p:grpSpPr>
+      <p:sp>
+        <p:nvSpPr>
+          <p:cNvPr id="2" name="Titre 1"/>
+          <p:cNvSpPr>
+            <a:spLocks noGrp="1"/>
+          </p:cNvSpPr>
+          <p:nvPr>
+            <p:ph type="ctrTitle"/>
+          </p:nvPr>
+        </p:nvSpPr>
+        <p:spPr>
+          <a:xfrm>
+            <a:off x="685800" y="836712"/>
+            <a:ext cx="7772400" cy="1470025"/>
+          </a:xfrm>
+        </p:spPr>
+        <p:txBody>
+          <a:bodyPr/>
+          <a:lstStyle/>
+          <a:p>
+            <a:r>
+              <a:rPr lang="fr-FR" dirty="0" smtClean="0"/>
+              <a:t>Principe de fonctionnement</a:t>
+            </a:r>
+            <a:endParaRPr lang="fr-FR" dirty="0"/>
+          </a:p>
+        </p:txBody>
+      </p:sp>
+      <p:sp>
+        <p:nvSpPr>
+          <p:cNvPr id="3" name="Sous-titre 2"/>
+          <p:cNvSpPr>
+            <a:spLocks noGrp="1"/>
+          </p:cNvSpPr>
+          <p:nvPr>
+            <p:ph type="subTitle" idx="1"/>
+          </p:nvPr>
+        </p:nvSpPr>
+        <p:spPr>
+          <a:xfrm>
+            <a:off x="1371600" y="2708920"/>
+            <a:ext cx="6400800" cy="2592288"/>
+          </a:xfrm>
+        </p:spPr>
+        <p:txBody>
+          <a:bodyPr>
+            <a:normAutofit/>
+          </a:bodyPr>
+          <a:lstStyle/>
+          <a:p>
+            <a:pPr marL="514350" indent="-514350" algn="l">
+              <a:buFont typeface="+mj-lt"/>
+              <a:buAutoNum type="arabicPeriod"/>
+            </a:pPr>
+            <a:r>
+              <a:rPr lang="fr-FR" sz="2800" dirty="0" smtClean="0">
+                <a:solidFill>
+                  <a:schemeClr val="tx1"/>
+                </a:solidFill>
+              </a:rPr>
+              <a:t>Rediriger automatiquement vers la page d’authentification</a:t>
+            </a:r>
+          </a:p>
+          <a:p>
+            <a:pPr marL="514350" indent="-514350" algn="l">
+              <a:buFont typeface="+mj-lt"/>
+              <a:buAutoNum type="arabicPeriod"/>
+            </a:pPr>
+            <a:r>
+              <a:rPr lang="fr-FR" sz="2800" dirty="0" smtClean="0">
+                <a:solidFill>
+                  <a:schemeClr val="tx1"/>
+                </a:solidFill>
+              </a:rPr>
+              <a:t>Création d’un compte</a:t>
+            </a:r>
+          </a:p>
+          <a:p>
+            <a:pPr marL="514350" indent="-514350" algn="l">
+              <a:buFont typeface="+mj-lt"/>
+              <a:buAutoNum type="arabicPeriod"/>
+            </a:pPr>
+            <a:r>
+              <a:rPr lang="fr-FR" sz="2800" dirty="0">
+                <a:solidFill>
+                  <a:schemeClr val="tx1"/>
+                </a:solidFill>
+              </a:rPr>
+              <a:t>C</a:t>
+            </a:r>
+            <a:r>
+              <a:rPr lang="fr-FR" sz="2800" dirty="0" smtClean="0">
+                <a:solidFill>
+                  <a:schemeClr val="tx1"/>
+                </a:solidFill>
+              </a:rPr>
+              <a:t>ommander </a:t>
+            </a:r>
+            <a:r>
+              <a:rPr lang="fr-FR" sz="2800" dirty="0" smtClean="0">
+                <a:solidFill>
+                  <a:schemeClr val="tx1"/>
+                </a:solidFill>
+              </a:rPr>
+              <a:t>des articles</a:t>
+            </a:r>
+          </a:p>
+          <a:p>
+            <a:pPr marL="514350" indent="-514350" algn="l">
+              <a:buFont typeface="+mj-lt"/>
+              <a:buAutoNum type="arabicPeriod"/>
+            </a:pPr>
+            <a:r>
+              <a:rPr lang="fr-FR" sz="2800" dirty="0" smtClean="0">
+                <a:solidFill>
+                  <a:schemeClr val="tx1"/>
+                </a:solidFill>
+              </a:rPr>
+              <a:t>Voir le suivis de sa commande</a:t>
+            </a:r>
+            <a:endParaRPr lang="fr-FR" sz="2800" dirty="0">
+              <a:solidFill>
+                <a:schemeClr val="tx1"/>
+              </a:solidFill>
+            </a:endParaRPr>
+          </a:p>
+        </p:txBody>
+      </p:sp>
+      <p:sp>
+        <p:nvSpPr>
+          <p:cNvPr id="11" name="Espace réservé du pied de page 8"/>
+          <p:cNvSpPr>
+            <a:spLocks noGrp="1"/>
+          </p:cNvSpPr>
+          <p:nvPr>
+            <p:ph type="ftr" sz="quarter" idx="11"/>
+          </p:nvPr>
+        </p:nvSpPr>
+        <p:spPr>
+          <a:xfrm>
+            <a:off x="2843808" y="6356350"/>
+            <a:ext cx="3456384" cy="365125"/>
+          </a:xfrm>
+        </p:spPr>
+        <p:txBody>
+          <a:bodyPr/>
+          <a:lstStyle/>
+          <a:p>
+            <a:r>
+              <a:rPr lang="fr-FR" dirty="0" smtClean="0">
+                <a:solidFill>
+                  <a:schemeClr val="tx1"/>
+                </a:solidFill>
+              </a:rPr>
+              <a:t>Université de Nantes, Licence Professionnelle SIL</a:t>
+            </a:r>
+            <a:endParaRPr lang="fr-BE" dirty="0">
+              <a:solidFill>
+                <a:schemeClr val="tx1"/>
+              </a:solidFill>
+            </a:endParaRPr>
+          </a:p>
+        </p:txBody>
+      </p:sp>
+      <p:sp>
+        <p:nvSpPr>
+          <p:cNvPr id="12" name="Espace réservé du numéro de diapositive 9"/>
+          <p:cNvSpPr>
+            <a:spLocks noGrp="1"/>
+          </p:cNvSpPr>
+          <p:nvPr>
+            <p:ph type="sldNum" sz="quarter" idx="12"/>
+          </p:nvPr>
+        </p:nvSpPr>
+        <p:spPr>
+          <a:xfrm>
+            <a:off x="6553200" y="6356350"/>
+            <a:ext cx="2133600" cy="365125"/>
+          </a:xfrm>
+        </p:spPr>
+        <p:txBody>
+          <a:bodyPr/>
+          <a:lstStyle/>
+          <a:p>
+            <a:fld id="{CF4668DC-857F-487D-BFFA-8C0CA5037977}" type="slidenum">
+              <a:rPr lang="fr-BE" smtClean="0">
+                <a:solidFill>
+                  <a:schemeClr val="tx1"/>
+                </a:solidFill>
+              </a:rPr>
+              <a:t>4</a:t>
+            </a:fld>
+            <a:endParaRPr lang="fr-BE" dirty="0">
+              <a:solidFill>
+                <a:schemeClr val="tx1"/>
+              </a:solidFill>
+            </a:endParaRPr>
+          </a:p>
+        </p:txBody>
+      </p:sp>
+      <p:pic>
+        <p:nvPicPr>
+          <p:cNvPr id="13" name="Image 12"/>
+          <p:cNvPicPr>
+            <a:picLocks noChangeAspect="1"/>
+          </p:cNvPicPr>
+          <p:nvPr/>
+        </p:nvPicPr>
+        <p:blipFill>
+          <a:blip r:embed="rId2">
+            <a:extLst>
+              <a:ext uri="{28A0092B-C50C-407E-A947-70E740481C1C}">
+                <a14:useLocalDpi xmlns:a14="http://schemas.microsoft.com/office/drawing/2010/main" val="0"/>
+              </a:ext>
+            </a:extLst>
+          </a:blip>
+          <a:stretch>
+            <a:fillRect/>
+          </a:stretch>
+        </p:blipFill>
+        <p:spPr>
+          <a:xfrm>
+            <a:off x="107504" y="133118"/>
+            <a:ext cx="1080120" cy="469618"/>
+          </a:xfrm>
+          <a:prstGeom prst="rect">
+            <a:avLst/>
+          </a:prstGeom>
+        </p:spPr>
+      </p:pic>
+      <p:sp>
+        <p:nvSpPr>
+          <p:cNvPr id="14" name="Rogner un rectangle avec un coin diagonal 13"/>
+          <p:cNvSpPr/>
+          <p:nvPr/>
+        </p:nvSpPr>
+        <p:spPr>
+          <a:xfrm>
+            <a:off x="1259632" y="0"/>
+            <a:ext cx="7848872" cy="512676"/>
+          </a:xfrm>
+          <a:prstGeom prst="snip2DiagRect">
+            <a:avLst>
+              <a:gd name="adj1" fmla="val 24520"/>
+              <a:gd name="adj2" fmla="val 23038"/>
+            </a:avLst>
+          </a:prstGeom>
+        </p:spPr>
+        <p:style>
+          <a:lnRef idx="0">
+            <a:schemeClr val="accent5"/>
+          </a:lnRef>
+          <a:fillRef idx="3">
+            <a:schemeClr val="accent5"/>
+          </a:fillRef>
+          <a:effectRef idx="3">
+            <a:schemeClr val="accent5"/>
+          </a:effectRef>
+          <a:fontRef idx="minor">
+            <a:schemeClr val="lt1"/>
+          </a:fontRef>
+        </p:style>
+        <p:txBody>
+          <a:bodyPr rtlCol="0" anchor="ctr"/>
+          <a:lstStyle/>
+          <a:p>
+            <a:pPr algn="ctr"/>
+            <a:r>
+              <a:rPr lang="fr-FR" sz="1200" dirty="0" smtClean="0">
+                <a:solidFill>
+                  <a:schemeClr val="bg1"/>
+                </a:solidFill>
+              </a:rPr>
+              <a:t>-Principe de fonctionnement </a:t>
+            </a:r>
+            <a:r>
+              <a:rPr lang="fr-FR" sz="1200" dirty="0" smtClean="0">
+                <a:solidFill>
+                  <a:schemeClr val="tx1"/>
+                </a:solidFill>
+              </a:rPr>
+              <a:t>-Architecture -Services de l’application -Diagramme des cas d’utilisation</a:t>
+            </a:r>
+          </a:p>
+          <a:p>
+            <a:pPr algn="ctr"/>
+            <a:r>
+              <a:rPr lang="fr-FR" sz="1200" dirty="0" smtClean="0">
+                <a:solidFill>
+                  <a:schemeClr val="tx1"/>
+                </a:solidFill>
+              </a:rPr>
+              <a:t>-Matérielle et logiciel -Réalisation -Model Vue Contrôleur -Avantages / inconvénients -Améliorations possibles</a:t>
+            </a:r>
+            <a:endParaRPr lang="fr-FR" sz="1200" dirty="0">
+              <a:solidFill>
+                <a:schemeClr val="tx1"/>
+              </a:solidFill>
+            </a:endParaRPr>
+          </a:p>
+        </p:txBody>
+      </p:sp>
+    </p:spTree>
+    <p:extLst>
+      <p:ext uri="{BB962C8B-B14F-4D97-AF65-F5344CB8AC3E}">
+        <p14:creationId xmlns:p14="http://schemas.microsoft.com/office/powerpoint/2010/main" val="2995508724"/>
+      </p:ext>
+    </p:extLst>
+  </p:cSld>
+  <p:clrMapOvr>
+    <a:masterClrMapping/>
+  </p:clrMapOvr>
+  <p:timing>
+    <p:tnLst>
+      <p:par>
+        <p:cTn id="1" dur="indefinite" restart="never" nodeType="tmRoot"/>
+      </p:par>
+    </p:tnLst>
+  </p:timing>
+</p:sld>
+</file>
+
+<file path=ppt/slides/slide5.xml><?xml version="1.0" encoding="utf-8"?>
+<p:sld xmlns:a="http://schemas.openxmlformats.org/drawingml/2006/main" xmlns:r="http://schemas.openxmlformats.org/officeDocument/2006/relationships" xmlns:p="http://schemas.openxmlformats.org/presentationml/2006/main">
+  <p:cSld>
+    <p:spTree>
+      <p:nvGrpSpPr>
+        <p:cNvPr id="1" name=""/>
+        <p:cNvGrpSpPr/>
+        <p:nvPr/>
+      </p:nvGrpSpPr>
+      <p:grpSpPr>
+        <a:xfrm>
+          <a:off x="0" y="0"/>
+          <a:ext cx="0" cy="0"/>
+          <a:chOff x="0" y="0"/>
+          <a:chExt cx="0" cy="0"/>
+        </a:xfrm>
+      </p:grpSpPr>
+      <p:sp>
+        <p:nvSpPr>
+          <p:cNvPr id="5" name="Rectangle 4"/>
+          <p:cNvSpPr/>
+          <p:nvPr/>
+        </p:nvSpPr>
+        <p:spPr>
+          <a:xfrm>
+            <a:off x="3604230" y="2420889"/>
+            <a:ext cx="4825415" cy="2880321"/>
+          </a:xfrm>
+          <a:prstGeom prst="rect">
+            <a:avLst/>
+          </a:prstGeom>
+        </p:spPr>
+        <p:style>
+          <a:lnRef idx="3">
+            <a:schemeClr val="lt1"/>
+          </a:lnRef>
+          <a:fillRef idx="1">
+            <a:schemeClr val="accent2"/>
+          </a:fillRef>
+          <a:effectRef idx="1">
+            <a:schemeClr val="accent2"/>
+          </a:effectRef>
+          <a:fontRef idx="minor">
+            <a:schemeClr val="lt1"/>
+          </a:fontRef>
+        </p:style>
+        <p:txBody>
+          <a:bodyPr rtlCol="0" anchor="ctr"/>
+          <a:lstStyle/>
+          <a:p>
+            <a:pPr algn="ctr"/>
+            <a:endParaRPr lang="fr-FR"/>
+          </a:p>
+        </p:txBody>
+      </p:sp>
+      <p:sp>
+        <p:nvSpPr>
+          <p:cNvPr id="2" name="Titre 1"/>
+          <p:cNvSpPr>
+            <a:spLocks noGrp="1"/>
+          </p:cNvSpPr>
+          <p:nvPr>
+            <p:ph type="ctrTitle"/>
+          </p:nvPr>
+        </p:nvSpPr>
+        <p:spPr>
+          <a:xfrm>
+            <a:off x="685800" y="836712"/>
+            <a:ext cx="7772400" cy="1470025"/>
+          </a:xfrm>
+        </p:spPr>
+        <p:txBody>
+          <a:bodyPr/>
+          <a:lstStyle/>
+          <a:p>
+            <a:r>
+              <a:rPr lang="fr-FR" dirty="0" smtClean="0"/>
+              <a:t>Architecture</a:t>
+            </a:r>
+            <a:endParaRPr lang="fr-FR" dirty="0"/>
+          </a:p>
+        </p:txBody>
+      </p:sp>
+      <p:pic>
+        <p:nvPicPr>
+          <p:cNvPr id="6" name="Image 5"/>
+          <p:cNvPicPr>
+            <a:picLocks noChangeAspect="1"/>
+          </p:cNvPicPr>
+          <p:nvPr/>
+        </p:nvPicPr>
+        <p:blipFill>
+          <a:blip r:embed="rId2">
+            <a:extLst>
+              <a:ext uri="{28A0092B-C50C-407E-A947-70E740481C1C}">
+                <a14:useLocalDpi xmlns:a14="http://schemas.microsoft.com/office/drawing/2010/main" val="0"/>
+              </a:ext>
+            </a:extLst>
+          </a:blip>
+          <a:stretch>
+            <a:fillRect/>
+          </a:stretch>
+        </p:blipFill>
+        <p:spPr>
+          <a:xfrm>
+            <a:off x="6300192" y="2996952"/>
+            <a:ext cx="1985437" cy="1913429"/>
+          </a:xfrm>
+          <a:prstGeom prst="rect">
+            <a:avLst/>
+          </a:prstGeom>
+        </p:spPr>
+      </p:pic>
+      <p:sp>
+        <p:nvSpPr>
+          <p:cNvPr id="12" name="Espace réservé du pied de page 8"/>
+          <p:cNvSpPr>
+            <a:spLocks noGrp="1"/>
+          </p:cNvSpPr>
+          <p:nvPr>
+            <p:ph type="ftr" sz="quarter" idx="11"/>
+          </p:nvPr>
+        </p:nvSpPr>
+        <p:spPr>
+          <a:xfrm>
+            <a:off x="2843808" y="6356350"/>
+            <a:ext cx="3456384" cy="365125"/>
+          </a:xfrm>
+        </p:spPr>
+        <p:txBody>
+          <a:bodyPr/>
+          <a:lstStyle/>
+          <a:p>
+            <a:r>
+              <a:rPr lang="fr-FR" dirty="0" smtClean="0">
+                <a:solidFill>
+                  <a:schemeClr val="tx1"/>
+                </a:solidFill>
+              </a:rPr>
+              <a:t>Université de Nantes, Licence Professionnelle SIL</a:t>
+            </a:r>
+            <a:endParaRPr lang="fr-BE" dirty="0">
+              <a:solidFill>
+                <a:schemeClr val="tx1"/>
+              </a:solidFill>
+            </a:endParaRPr>
+          </a:p>
+        </p:txBody>
+      </p:sp>
+      <p:sp>
+        <p:nvSpPr>
+          <p:cNvPr id="13" name="Espace réservé du numéro de diapositive 9"/>
+          <p:cNvSpPr>
+            <a:spLocks noGrp="1"/>
+          </p:cNvSpPr>
+          <p:nvPr>
+            <p:ph type="sldNum" sz="quarter" idx="12"/>
+          </p:nvPr>
+        </p:nvSpPr>
+        <p:spPr>
+          <a:xfrm>
+            <a:off x="6553200" y="6356350"/>
+            <a:ext cx="2133600" cy="365125"/>
+          </a:xfrm>
+        </p:spPr>
+        <p:txBody>
+          <a:bodyPr/>
+          <a:lstStyle/>
+          <a:p>
+            <a:fld id="{CF4668DC-857F-487D-BFFA-8C0CA5037977}" type="slidenum">
+              <a:rPr lang="fr-BE" smtClean="0">
+                <a:solidFill>
+                  <a:schemeClr val="tx1"/>
+                </a:solidFill>
+              </a:rPr>
+              <a:t>5</a:t>
+            </a:fld>
+            <a:endParaRPr lang="fr-BE" dirty="0">
+              <a:solidFill>
+                <a:schemeClr val="tx1"/>
+              </a:solidFill>
+            </a:endParaRPr>
+          </a:p>
+        </p:txBody>
+      </p:sp>
+      <p:pic>
+        <p:nvPicPr>
+          <p:cNvPr id="14" name="Image 13"/>
+          <p:cNvPicPr>
+            <a:picLocks noChangeAspect="1"/>
+          </p:cNvPicPr>
+          <p:nvPr/>
+        </p:nvPicPr>
+        <p:blipFill>
+          <a:blip r:embed="rId3">
+            <a:extLst>
+              <a:ext uri="{28A0092B-C50C-407E-A947-70E740481C1C}">
+                <a14:useLocalDpi xmlns:a14="http://schemas.microsoft.com/office/drawing/2010/main" val="0"/>
+              </a:ext>
+            </a:extLst>
+          </a:blip>
+          <a:stretch>
+            <a:fillRect/>
+          </a:stretch>
+        </p:blipFill>
+        <p:spPr>
+          <a:xfrm>
+            <a:off x="107504" y="133118"/>
+            <a:ext cx="1080120" cy="469618"/>
+          </a:xfrm>
+          <a:prstGeom prst="rect">
+            <a:avLst/>
+          </a:prstGeom>
+        </p:spPr>
+      </p:pic>
+      <p:sp>
+        <p:nvSpPr>
+          <p:cNvPr id="15" name="Rogner un rectangle avec un coin diagonal 14"/>
+          <p:cNvSpPr/>
+          <p:nvPr/>
+        </p:nvSpPr>
+        <p:spPr>
+          <a:xfrm>
+            <a:off x="1259632" y="0"/>
+            <a:ext cx="7848872" cy="512676"/>
+          </a:xfrm>
+          <a:prstGeom prst="snip2DiagRect">
+            <a:avLst>
+              <a:gd name="adj1" fmla="val 24520"/>
+              <a:gd name="adj2" fmla="val 23038"/>
+            </a:avLst>
+          </a:prstGeom>
+        </p:spPr>
+        <p:style>
+          <a:lnRef idx="0">
+            <a:schemeClr val="accent5"/>
+          </a:lnRef>
+          <a:fillRef idx="3">
+            <a:schemeClr val="accent5"/>
+          </a:fillRef>
+          <a:effectRef idx="3">
+            <a:schemeClr val="accent5"/>
+          </a:effectRef>
+          <a:fontRef idx="minor">
+            <a:schemeClr val="lt1"/>
+          </a:fontRef>
+        </p:style>
+        <p:txBody>
+          <a:bodyPr rtlCol="0" anchor="ctr"/>
+          <a:lstStyle/>
+          <a:p>
+            <a:pPr algn="ctr"/>
+            <a:r>
+              <a:rPr lang="fr-FR" sz="1200" dirty="0" smtClean="0">
+                <a:solidFill>
+                  <a:schemeClr val="tx1"/>
+                </a:solidFill>
+              </a:rPr>
+              <a:t>-Principe de fonctionnement </a:t>
+            </a:r>
+            <a:r>
+              <a:rPr lang="fr-FR" sz="1200" dirty="0" smtClean="0">
+                <a:solidFill>
+                  <a:schemeClr val="bg1"/>
+                </a:solidFill>
+              </a:rPr>
+              <a:t>-Architecture </a:t>
+            </a:r>
+            <a:r>
+              <a:rPr lang="fr-FR" sz="1200" dirty="0" smtClean="0">
+                <a:solidFill>
+                  <a:schemeClr val="tx1"/>
+                </a:solidFill>
+              </a:rPr>
+              <a:t>-Services de l’application -Diagramme des cas d’utilisation</a:t>
+            </a:r>
+          </a:p>
+          <a:p>
+            <a:pPr algn="ctr"/>
+            <a:r>
+              <a:rPr lang="fr-FR" sz="1200" dirty="0" smtClean="0">
+                <a:solidFill>
+                  <a:schemeClr val="tx1"/>
+                </a:solidFill>
+              </a:rPr>
+              <a:t>-Matérielle et logiciel -Réalisation -Model Vue Contrôleur -Avantages / inconvénients -Améliorations possibles</a:t>
+            </a:r>
+            <a:endParaRPr lang="fr-FR" sz="1200" dirty="0">
+              <a:solidFill>
+                <a:schemeClr val="tx1"/>
+              </a:solidFill>
+            </a:endParaRPr>
+          </a:p>
+        </p:txBody>
+      </p:sp>
+      <p:sp>
+        <p:nvSpPr>
+          <p:cNvPr id="3" name="ZoneTexte 2"/>
+          <p:cNvSpPr txBox="1"/>
+          <p:nvPr/>
+        </p:nvSpPr>
+        <p:spPr>
+          <a:xfrm>
+            <a:off x="6660232" y="2613379"/>
+            <a:ext cx="1071447" cy="369332"/>
+          </a:xfrm>
+          <a:prstGeom prst="rect">
+            <a:avLst/>
+          </a:prstGeom>
+          <a:noFill/>
+        </p:spPr>
+        <p:txBody>
+          <a:bodyPr wrap="none" rtlCol="0">
+            <a:spAutoFit/>
+          </a:bodyPr>
+          <a:lstStyle/>
+          <a:p>
+            <a:r>
+              <a:rPr lang="fr-FR" dirty="0" err="1" smtClean="0"/>
+              <a:t>Localhost</a:t>
+            </a:r>
+            <a:endParaRPr lang="fr-FR" dirty="0"/>
+          </a:p>
+        </p:txBody>
+      </p:sp>
+      <p:sp>
+        <p:nvSpPr>
+          <p:cNvPr id="4" name="Trapèze 3"/>
+          <p:cNvSpPr/>
+          <p:nvPr/>
+        </p:nvSpPr>
+        <p:spPr>
+          <a:xfrm rot="16200000" flipH="1">
+            <a:off x="1891871" y="3588851"/>
+            <a:ext cx="2880320" cy="544397"/>
+          </a:xfrm>
+          <a:prstGeom prst="trapezoid">
+            <a:avLst>
+              <a:gd name="adj" fmla="val 208344"/>
+            </a:avLst>
+          </a:prstGeom>
+        </p:spPr>
+        <p:style>
+          <a:lnRef idx="2">
+            <a:schemeClr val="accent2">
+              <a:shade val="50000"/>
+            </a:schemeClr>
+          </a:lnRef>
+          <a:fillRef idx="1">
+            <a:schemeClr val="accent2"/>
+          </a:fillRef>
+          <a:effectRef idx="0">
+            <a:schemeClr val="accent2"/>
+          </a:effectRef>
+          <a:fontRef idx="minor">
+            <a:schemeClr val="lt1"/>
+          </a:fontRef>
+        </p:style>
+        <p:txBody>
+          <a:bodyPr rtlCol="0" anchor="ctr"/>
+          <a:lstStyle/>
+          <a:p>
+            <a:pPr algn="ctr"/>
+            <a:endParaRPr lang="fr-FR"/>
+          </a:p>
+        </p:txBody>
+      </p:sp>
+      <p:pic>
+        <p:nvPicPr>
+          <p:cNvPr id="11" name="Image 10"/>
+          <p:cNvPicPr>
+            <a:picLocks noChangeAspect="1"/>
+          </p:cNvPicPr>
+          <p:nvPr/>
+        </p:nvPicPr>
+        <p:blipFill>
+          <a:blip r:embed="rId4">
+            <a:extLst>
+              <a:ext uri="{28A0092B-C50C-407E-A947-70E740481C1C}">
+                <a14:useLocalDpi xmlns:a14="http://schemas.microsoft.com/office/drawing/2010/main" val="0"/>
+              </a:ext>
+            </a:extLst>
+          </a:blip>
+          <a:stretch>
+            <a:fillRect/>
+          </a:stretch>
+        </p:blipFill>
+        <p:spPr>
+          <a:xfrm>
+            <a:off x="107504" y="2613379"/>
+            <a:ext cx="3174603" cy="2577778"/>
+          </a:xfrm>
+          <a:prstGeom prst="rect">
+            <a:avLst/>
+          </a:prstGeom>
+        </p:spPr>
+      </p:pic>
+      <p:sp>
+        <p:nvSpPr>
+          <p:cNvPr id="7" name="Rectangle 6"/>
+          <p:cNvSpPr/>
+          <p:nvPr/>
+        </p:nvSpPr>
+        <p:spPr>
+          <a:xfrm>
+            <a:off x="3840858" y="2613379"/>
+            <a:ext cx="2309033" cy="2524791"/>
+          </a:xfrm>
+          <a:prstGeom prst="rect">
+            <a:avLst/>
+          </a:prstGeom>
+        </p:spPr>
+        <p:style>
+          <a:lnRef idx="3">
+            <a:schemeClr val="lt1"/>
+          </a:lnRef>
+          <a:fillRef idx="1">
+            <a:schemeClr val="accent2"/>
+          </a:fillRef>
+          <a:effectRef idx="1">
+            <a:schemeClr val="accent2"/>
+          </a:effectRef>
+          <a:fontRef idx="minor">
+            <a:schemeClr val="lt1"/>
+          </a:fontRef>
+        </p:style>
+        <p:txBody>
+          <a:bodyPr rtlCol="0" anchor="ctr"/>
+          <a:lstStyle/>
+          <a:p>
+            <a:pPr algn="ctr"/>
+            <a:r>
+              <a:rPr lang="fr-FR" dirty="0" smtClean="0"/>
+              <a:t>Application java</a:t>
+            </a:r>
+          </a:p>
+          <a:p>
+            <a:pPr algn="ctr"/>
+            <a:endParaRPr lang="fr-FR" dirty="0"/>
+          </a:p>
+          <a:p>
+            <a:pPr algn="ctr"/>
+            <a:endParaRPr lang="fr-FR" dirty="0" smtClean="0"/>
+          </a:p>
+          <a:p>
+            <a:pPr algn="ctr"/>
+            <a:endParaRPr lang="fr-FR" dirty="0"/>
+          </a:p>
+          <a:p>
+            <a:pPr algn="ctr"/>
+            <a:endParaRPr lang="fr-FR" dirty="0" smtClean="0"/>
+          </a:p>
+          <a:p>
+            <a:pPr algn="ctr"/>
+            <a:endParaRPr lang="fr-FR" dirty="0"/>
+          </a:p>
+          <a:p>
+            <a:pPr algn="ctr"/>
+            <a:endParaRPr lang="fr-FR" dirty="0" smtClean="0"/>
+          </a:p>
+          <a:p>
+            <a:pPr algn="ctr"/>
+            <a:endParaRPr lang="fr-FR" dirty="0"/>
+          </a:p>
+        </p:txBody>
+      </p:sp>
+      <p:sp>
+        <p:nvSpPr>
+          <p:cNvPr id="10" name="Organigramme : Document 9"/>
+          <p:cNvSpPr/>
+          <p:nvPr/>
+        </p:nvSpPr>
+        <p:spPr>
+          <a:xfrm>
+            <a:off x="4139952" y="4149080"/>
+            <a:ext cx="1728192" cy="761301"/>
+          </a:xfrm>
+          <a:prstGeom prst="flowChartDocument">
+            <a:avLst/>
+          </a:prstGeom>
+        </p:spPr>
+        <p:style>
+          <a:lnRef idx="2">
+            <a:schemeClr val="accent6">
+              <a:shade val="50000"/>
+            </a:schemeClr>
+          </a:lnRef>
+          <a:fillRef idx="1">
+            <a:schemeClr val="accent6"/>
+          </a:fillRef>
+          <a:effectRef idx="0">
+            <a:schemeClr val="accent6"/>
+          </a:effectRef>
+          <a:fontRef idx="minor">
+            <a:schemeClr val="lt1"/>
+          </a:fontRef>
+        </p:style>
+        <p:txBody>
+          <a:bodyPr rtlCol="0" anchor="ctr"/>
+          <a:lstStyle/>
+          <a:p>
+            <a:pPr algn="ctr"/>
+            <a:r>
+              <a:rPr lang="fr-FR" sz="1400" dirty="0" err="1" smtClean="0"/>
+              <a:t>Percesistance</a:t>
+            </a:r>
+            <a:endParaRPr lang="fr-FR" sz="1400" dirty="0" smtClean="0"/>
+          </a:p>
+          <a:p>
+            <a:pPr algn="ctr"/>
+            <a:r>
+              <a:rPr lang="fr-FR" sz="1400" dirty="0" smtClean="0"/>
+              <a:t>(</a:t>
+            </a:r>
+            <a:r>
+              <a:rPr lang="fr-FR" sz="1400" dirty="0" err="1" smtClean="0"/>
+              <a:t>Model+Contrôleur</a:t>
+            </a:r>
+            <a:r>
+              <a:rPr lang="fr-FR" sz="1400" dirty="0" smtClean="0"/>
+              <a:t>)</a:t>
+            </a:r>
+            <a:endParaRPr lang="fr-FR" sz="1400" dirty="0"/>
+          </a:p>
+        </p:txBody>
+      </p:sp>
+      <p:sp>
+        <p:nvSpPr>
+          <p:cNvPr id="16" name="Organigramme : Document 15"/>
+          <p:cNvSpPr/>
+          <p:nvPr/>
+        </p:nvSpPr>
+        <p:spPr>
+          <a:xfrm>
+            <a:off x="4347302" y="3254195"/>
+            <a:ext cx="1296144" cy="648073"/>
+          </a:xfrm>
+          <a:prstGeom prst="flowChartDocument">
+            <a:avLst/>
+          </a:prstGeom>
+        </p:spPr>
+        <p:style>
+          <a:lnRef idx="2">
+            <a:schemeClr val="accent6">
+              <a:shade val="50000"/>
+            </a:schemeClr>
+          </a:lnRef>
+          <a:fillRef idx="1">
+            <a:schemeClr val="accent6"/>
+          </a:fillRef>
+          <a:effectRef idx="0">
+            <a:schemeClr val="accent6"/>
+          </a:effectRef>
+          <a:fontRef idx="minor">
+            <a:schemeClr val="lt1"/>
+          </a:fontRef>
+        </p:style>
+        <p:txBody>
+          <a:bodyPr rtlCol="0" anchor="ctr"/>
+          <a:lstStyle/>
+          <a:p>
+            <a:pPr algn="ctr"/>
+            <a:r>
+              <a:rPr lang="fr-FR" sz="1400" dirty="0" err="1" smtClean="0"/>
+              <a:t>Presentation</a:t>
+            </a:r>
+            <a:endParaRPr lang="fr-FR" sz="1400" dirty="0" smtClean="0"/>
+          </a:p>
+          <a:p>
+            <a:pPr algn="ctr"/>
+            <a:r>
+              <a:rPr lang="fr-FR" sz="1400" dirty="0" smtClean="0"/>
+              <a:t>(vue)</a:t>
+            </a:r>
+            <a:endParaRPr lang="fr-FR" sz="1400" dirty="0"/>
+          </a:p>
+        </p:txBody>
+      </p:sp>
+    </p:spTree>
+    <p:extLst>
+      <p:ext uri="{BB962C8B-B14F-4D97-AF65-F5344CB8AC3E}">
+        <p14:creationId xmlns:p14="http://schemas.microsoft.com/office/powerpoint/2010/main" val="4068298962"/>
+      </p:ext>
+    </p:extLst>
+  </p:cSld>
+  <p:clrMapOvr>
+    <a:masterClrMapping/>
+  </p:clrMapOvr>
+  <p:timing>
+    <p:tnLst>
+      <p:par>
+        <p:cTn id="1" dur="indefinite" restart="never" nodeType="tmRoot"/>
+      </p:par>
+    </p:tnLst>
+  </p:timing>
+</p:sld>
+</file>
+
+<file path=ppt/slides/slide6.xml><?xml version="1.0" encoding="utf-8"?>
+<p:sld xmlns:a="http://schemas.openxmlformats.org/drawingml/2006/main" xmlns:r="http://schemas.openxmlformats.org/officeDocument/2006/relationships" xmlns:p="http://schemas.openxmlformats.org/presentationml/2006/main">
+  <p:cSld>
+    <p:spTree>
+      <p:nvGrpSpPr>
+        <p:cNvPr id="1" name=""/>
+        <p:cNvGrpSpPr/>
+        <p:nvPr/>
+      </p:nvGrpSpPr>
+      <p:grpSpPr>
+        <a:xfrm>
+          <a:off x="0" y="0"/>
+          <a:ext cx="0" cy="0"/>
+          <a:chOff x="0" y="0"/>
+          <a:chExt cx="0" cy="0"/>
+        </a:xfrm>
+      </p:grpSpPr>
+      <p:sp>
+        <p:nvSpPr>
+          <p:cNvPr id="2" name="Titre 1"/>
+          <p:cNvSpPr>
+            <a:spLocks noGrp="1"/>
+          </p:cNvSpPr>
+          <p:nvPr>
+            <p:ph type="ctrTitle"/>
+          </p:nvPr>
+        </p:nvSpPr>
+        <p:spPr>
+          <a:xfrm>
+            <a:off x="685800" y="836712"/>
+            <a:ext cx="7772400" cy="1470025"/>
+          </a:xfrm>
+        </p:spPr>
+        <p:txBody>
+          <a:bodyPr/>
+          <a:lstStyle/>
+          <a:p>
+            <a:r>
+              <a:rPr lang="fr-FR" dirty="0" smtClean="0"/>
+              <a:t>Services de l’application</a:t>
+            </a:r>
+            <a:endParaRPr lang="fr-FR" dirty="0"/>
+          </a:p>
+        </p:txBody>
+      </p:sp>
+      <p:sp>
+        <p:nvSpPr>
+          <p:cNvPr id="9" name="Espace réservé du pied de page 8"/>
+          <p:cNvSpPr>
+            <a:spLocks noGrp="1"/>
+          </p:cNvSpPr>
+          <p:nvPr>
+            <p:ph type="ftr" sz="quarter" idx="11"/>
+          </p:nvPr>
+        </p:nvSpPr>
+        <p:spPr>
+          <a:xfrm>
+            <a:off x="2843808" y="6356350"/>
+            <a:ext cx="3456384" cy="365125"/>
+          </a:xfrm>
+        </p:spPr>
+        <p:txBody>
+          <a:bodyPr/>
+          <a:lstStyle/>
+          <a:p>
+            <a:r>
+              <a:rPr lang="fr-FR" dirty="0" smtClean="0">
+                <a:solidFill>
+                  <a:schemeClr val="tx1"/>
+                </a:solidFill>
+              </a:rPr>
+              <a:t>Université de Nantes, Licence Professionnelle SIL</a:t>
+            </a:r>
+            <a:endParaRPr lang="fr-BE" dirty="0">
+              <a:solidFill>
+                <a:schemeClr val="tx1"/>
+              </a:solidFill>
+            </a:endParaRPr>
+          </a:p>
+        </p:txBody>
+      </p:sp>
+      <p:sp>
+        <p:nvSpPr>
+          <p:cNvPr id="10" name="Espace réservé du numéro de diapositive 9"/>
+          <p:cNvSpPr>
+            <a:spLocks noGrp="1"/>
+          </p:cNvSpPr>
+          <p:nvPr>
+            <p:ph type="sldNum" sz="quarter" idx="12"/>
+          </p:nvPr>
+        </p:nvSpPr>
+        <p:spPr>
+          <a:xfrm>
+            <a:off x="6553200" y="6356350"/>
+            <a:ext cx="2133600" cy="365125"/>
+          </a:xfrm>
+        </p:spPr>
+        <p:txBody>
+          <a:bodyPr/>
+          <a:lstStyle/>
+          <a:p>
+            <a:fld id="{CF4668DC-857F-487D-BFFA-8C0CA5037977}" type="slidenum">
+              <a:rPr lang="fr-BE" smtClean="0">
+                <a:solidFill>
+                  <a:schemeClr val="tx1"/>
+                </a:solidFill>
+              </a:rPr>
+              <a:t>6</a:t>
+            </a:fld>
+            <a:endParaRPr lang="fr-BE" dirty="0">
+              <a:solidFill>
+                <a:schemeClr val="tx1"/>
+              </a:solidFill>
+            </a:endParaRPr>
+          </a:p>
+        </p:txBody>
+      </p:sp>
+      <p:pic>
+        <p:nvPicPr>
+          <p:cNvPr id="11" name="Image 10"/>
+          <p:cNvPicPr>
+            <a:picLocks noChangeAspect="1"/>
+          </p:cNvPicPr>
+          <p:nvPr/>
+        </p:nvPicPr>
+        <p:blipFill>
+          <a:blip r:embed="rId2">
+            <a:extLst>
+              <a:ext uri="{28A0092B-C50C-407E-A947-70E740481C1C}">
+                <a14:useLocalDpi xmlns:a14="http://schemas.microsoft.com/office/drawing/2010/main" val="0"/>
+              </a:ext>
+            </a:extLst>
+          </a:blip>
+          <a:stretch>
+            <a:fillRect/>
+          </a:stretch>
+        </p:blipFill>
+        <p:spPr>
+          <a:xfrm>
+            <a:off x="107504" y="133118"/>
+            <a:ext cx="1080120" cy="469618"/>
+          </a:xfrm>
+          <a:prstGeom prst="rect">
+            <a:avLst/>
+          </a:prstGeom>
+        </p:spPr>
+      </p:pic>
+      <p:sp>
+        <p:nvSpPr>
+          <p:cNvPr id="12" name="Rogner un rectangle avec un coin diagonal 11"/>
+          <p:cNvSpPr/>
+          <p:nvPr/>
+        </p:nvSpPr>
+        <p:spPr>
+          <a:xfrm>
+            <a:off x="1259632" y="0"/>
+            <a:ext cx="7848872" cy="512676"/>
+          </a:xfrm>
+          <a:prstGeom prst="snip2DiagRect">
+            <a:avLst>
+              <a:gd name="adj1" fmla="val 24520"/>
+              <a:gd name="adj2" fmla="val 23038"/>
+            </a:avLst>
+          </a:prstGeom>
+        </p:spPr>
+        <p:style>
+          <a:lnRef idx="0">
+            <a:schemeClr val="accent5"/>
+          </a:lnRef>
+          <a:fillRef idx="3">
+            <a:schemeClr val="accent5"/>
+          </a:fillRef>
+          <a:effectRef idx="3">
+            <a:schemeClr val="accent5"/>
+          </a:effectRef>
+          <a:fontRef idx="minor">
+            <a:schemeClr val="lt1"/>
+          </a:fontRef>
+        </p:style>
+        <p:txBody>
+          <a:bodyPr rtlCol="0" anchor="ctr"/>
+          <a:lstStyle/>
+          <a:p>
+            <a:pPr algn="ctr"/>
+            <a:r>
+              <a:rPr lang="fr-FR" sz="1200" dirty="0" smtClean="0">
+                <a:solidFill>
+                  <a:schemeClr val="tx1"/>
+                </a:solidFill>
+              </a:rPr>
+              <a:t>-Principe de fonctionnement -Architecture </a:t>
+            </a:r>
+            <a:r>
+              <a:rPr lang="fr-FR" sz="1200" dirty="0" smtClean="0">
+                <a:solidFill>
+                  <a:schemeClr val="bg1"/>
+                </a:solidFill>
+              </a:rPr>
+              <a:t>-Services de l’application </a:t>
+            </a:r>
+            <a:r>
+              <a:rPr lang="fr-FR" sz="1200" dirty="0" smtClean="0">
+                <a:solidFill>
+                  <a:schemeClr val="tx1"/>
+                </a:solidFill>
+              </a:rPr>
+              <a:t>-Diagramme des cas d’utilisation</a:t>
+            </a:r>
+          </a:p>
+          <a:p>
+            <a:pPr algn="ctr"/>
+            <a:r>
+              <a:rPr lang="fr-FR" sz="1200" dirty="0" smtClean="0">
+                <a:solidFill>
+                  <a:schemeClr val="tx1"/>
+                </a:solidFill>
+              </a:rPr>
+              <a:t>-Matérielle et logiciel -Réalisation -Model Vue Contrôleur -Avantages / inconvénients -Améliorations possibles</a:t>
+            </a:r>
+            <a:endParaRPr lang="fr-FR" sz="1200" dirty="0">
+              <a:solidFill>
+                <a:schemeClr val="tx1"/>
+              </a:solidFill>
+            </a:endParaRPr>
+          </a:p>
+        </p:txBody>
+      </p:sp>
+      <p:graphicFrame>
+        <p:nvGraphicFramePr>
+          <p:cNvPr id="4" name="Tableau 3"/>
+          <p:cNvGraphicFramePr>
+            <a:graphicFrameLocks noGrp="1"/>
+          </p:cNvGraphicFramePr>
+          <p:nvPr>
+            <p:extLst>
+              <p:ext uri="{D42A27DB-BD31-4B8C-83A1-F6EECF244321}">
+                <p14:modId xmlns:p14="http://schemas.microsoft.com/office/powerpoint/2010/main" val="865558860"/>
+              </p:ext>
+            </p:extLst>
+          </p:nvPr>
+        </p:nvGraphicFramePr>
+        <p:xfrm>
+          <a:off x="251520" y="2276872"/>
+          <a:ext cx="8712968" cy="3749040"/>
+        </p:xfrm>
+        <a:graphic>
+          <a:graphicData uri="http://schemas.openxmlformats.org/drawingml/2006/table">
+            <a:tbl>
+              <a:tblPr firstRow="1" bandRow="1">
+                <a:tableStyleId>{69CF1AB2-1976-4502-BF36-3FF5EA218861}</a:tableStyleId>
+              </a:tblPr>
+              <a:tblGrid>
+                <a:gridCol w="4356484"/>
+                <a:gridCol w="4356484"/>
+              </a:tblGrid>
+              <a:tr h="370840">
+                <a:tc>
+                  <a:txBody>
+                    <a:bodyPr/>
+                    <a:lstStyle/>
+                    <a:p>
+                      <a:r>
+                        <a:rPr lang="fr-FR" b="0" dirty="0" smtClean="0"/>
+                        <a:t>Inscription</a:t>
+                      </a:r>
+                      <a:endParaRPr lang="fr-FR" b="0" dirty="0"/>
+                    </a:p>
+                  </a:txBody>
+                  <a:tcPr/>
+                </a:tc>
+                <a:tc>
+                  <a:txBody>
+                    <a:bodyPr/>
+                    <a:lstStyle/>
+                    <a:p>
+                      <a:r>
+                        <a:rPr lang="fr-FR" b="0" dirty="0" smtClean="0"/>
+                        <a:t>Si</a:t>
+                      </a:r>
+                      <a:r>
+                        <a:rPr lang="fr-FR" b="0" baseline="0" dirty="0" smtClean="0"/>
+                        <a:t> un adhérent n’a pas de compte il doit obligatoirement s’inscrire en remplissant un formulaire</a:t>
+                      </a:r>
+                      <a:endParaRPr lang="fr-FR" b="0" dirty="0"/>
+                    </a:p>
+                  </a:txBody>
+                  <a:tcPr/>
+                </a:tc>
+              </a:tr>
+              <a:tr h="370840">
+                <a:tc>
+                  <a:txBody>
+                    <a:bodyPr/>
+                    <a:lstStyle/>
+                    <a:p>
+                      <a:r>
+                        <a:rPr lang="fr-FR" dirty="0" smtClean="0"/>
+                        <a:t>Authentification</a:t>
+                      </a:r>
+                      <a:endParaRPr lang="fr-FR" dirty="0"/>
+                    </a:p>
+                  </a:txBody>
+                  <a:tcPr/>
+                </a:tc>
+                <a:tc>
+                  <a:txBody>
+                    <a:bodyPr/>
+                    <a:lstStyle/>
+                    <a:p>
+                      <a:r>
+                        <a:rPr lang="fr-FR" dirty="0" smtClean="0"/>
+                        <a:t>Pour se connecter l’adhérent doit rentrer son login et mot de passe. C’est la seul façon d’accéder aux</a:t>
+                      </a:r>
+                      <a:r>
+                        <a:rPr lang="fr-FR" baseline="0" dirty="0" smtClean="0"/>
+                        <a:t> services d’achat.</a:t>
+                      </a:r>
+                      <a:endParaRPr lang="fr-FR" dirty="0"/>
+                    </a:p>
+                  </a:txBody>
+                  <a:tcPr/>
+                </a:tc>
+              </a:tr>
+              <a:tr h="370840">
+                <a:tc>
+                  <a:txBody>
+                    <a:bodyPr/>
+                    <a:lstStyle/>
+                    <a:p>
+                      <a:r>
+                        <a:rPr lang="fr-FR" dirty="0" smtClean="0"/>
+                        <a:t>Affichage des articles</a:t>
+                      </a:r>
+                      <a:endParaRPr lang="fr-FR" dirty="0"/>
+                    </a:p>
+                  </a:txBody>
+                  <a:tcPr/>
+                </a:tc>
+                <a:tc>
+                  <a:txBody>
+                    <a:bodyPr/>
+                    <a:lstStyle/>
+                    <a:p>
+                      <a:r>
+                        <a:rPr lang="fr-FR" dirty="0" smtClean="0"/>
+                        <a:t>Liste tout les articles contenues dans la base, avec leur nom,</a:t>
+                      </a:r>
+                      <a:r>
+                        <a:rPr lang="fr-FR" baseline="0" dirty="0" smtClean="0"/>
+                        <a:t> prix et le nombre disponible.</a:t>
+                      </a:r>
+                      <a:endParaRPr lang="fr-FR" dirty="0"/>
+                    </a:p>
+                  </a:txBody>
+                  <a:tcPr/>
+                </a:tc>
+              </a:tr>
+              <a:tr h="370840">
+                <a:tc>
+                  <a:txBody>
+                    <a:bodyPr/>
+                    <a:lstStyle/>
+                    <a:p>
+                      <a:r>
+                        <a:rPr lang="fr-FR" dirty="0" smtClean="0"/>
+                        <a:t>Achat d’un</a:t>
+                      </a:r>
+                      <a:r>
+                        <a:rPr lang="fr-FR" baseline="0" dirty="0" smtClean="0"/>
+                        <a:t> ou plusieurs articles</a:t>
+                      </a:r>
+                      <a:endParaRPr lang="fr-FR" dirty="0"/>
+                    </a:p>
+                  </a:txBody>
+                  <a:tcPr/>
+                </a:tc>
+                <a:tc>
+                  <a:txBody>
+                    <a:bodyPr/>
+                    <a:lstStyle/>
+                    <a:p>
+                      <a:r>
+                        <a:rPr lang="fr-FR" dirty="0" smtClean="0"/>
+                        <a:t>Créer une commande</a:t>
+                      </a:r>
+                      <a:r>
+                        <a:rPr lang="fr-FR" baseline="0" dirty="0" smtClean="0"/>
+                        <a:t> à la date courante en fonction des articles sélectionnés.</a:t>
+                      </a:r>
+                      <a:endParaRPr lang="fr-FR" dirty="0"/>
+                    </a:p>
+                  </a:txBody>
+                  <a:tcPr/>
+                </a:tc>
+              </a:tr>
+              <a:tr h="370840">
+                <a:tc>
+                  <a:txBody>
+                    <a:bodyPr/>
+                    <a:lstStyle/>
+                    <a:p>
+                      <a:r>
+                        <a:rPr lang="fr-FR" dirty="0" smtClean="0"/>
+                        <a:t>Suivis</a:t>
+                      </a:r>
+                      <a:r>
+                        <a:rPr lang="fr-FR" baseline="0" dirty="0" smtClean="0"/>
+                        <a:t> des commandes</a:t>
+                      </a:r>
+                      <a:endParaRPr lang="fr-FR" dirty="0"/>
+                    </a:p>
+                  </a:txBody>
+                  <a:tcPr/>
+                </a:tc>
+                <a:tc>
+                  <a:txBody>
+                    <a:bodyPr/>
+                    <a:lstStyle/>
+                    <a:p>
+                      <a:r>
+                        <a:rPr lang="fr-FR" dirty="0" smtClean="0"/>
+                        <a:t>Affichage de toute les commandes de l’adhérent.</a:t>
+                      </a:r>
+                      <a:endParaRPr lang="fr-FR" dirty="0"/>
+                    </a:p>
+                  </a:txBody>
+                  <a:tcPr/>
+                </a:tc>
+              </a:tr>
+            </a:tbl>
+          </a:graphicData>
+        </a:graphic>
+      </p:graphicFrame>
+    </p:spTree>
+    <p:extLst>
+      <p:ext uri="{BB962C8B-B14F-4D97-AF65-F5344CB8AC3E}">
+        <p14:creationId xmlns:p14="http://schemas.microsoft.com/office/powerpoint/2010/main" val="891250711"/>
+      </p:ext>
+    </p:extLst>
+  </p:cSld>
+  <p:clrMapOvr>
+    <a:masterClrMapping/>
+  </p:clrMapOvr>
+  <p:timing>
+    <p:tnLst>
+      <p:par>
+        <p:cTn id="1" dur="indefinite" restart="never" nodeType="tmRoot"/>
+      </p:par>
+    </p:tnLst>
+  </p:timing>
+</p:sld>
+</file>
+
+<file path=ppt/slides/slide7.xml><?xml version="1.0" encoding="utf-8"?>
+<p:sld xmlns:a="http://schemas.openxmlformats.org/drawingml/2006/main" xmlns:r="http://schemas.openxmlformats.org/officeDocument/2006/relationships" xmlns:p="http://schemas.openxmlformats.org/presentationml/2006/main">
+  <p:cSld>
+    <p:spTree>
+      <p:nvGrpSpPr>
+        <p:cNvPr id="1" name=""/>
+        <p:cNvGrpSpPr/>
+        <p:nvPr/>
+      </p:nvGrpSpPr>
+      <p:grpSpPr>
+        <a:xfrm>
+          <a:off x="0" y="0"/>
+          <a:ext cx="0" cy="0"/>
+          <a:chOff x="0" y="0"/>
+          <a:chExt cx="0" cy="0"/>
+        </a:xfrm>
+      </p:grpSpPr>
+      <p:sp>
+        <p:nvSpPr>
+          <p:cNvPr id="65" name="Rectangle à coins arrondis 64"/>
+          <p:cNvSpPr/>
+          <p:nvPr/>
+        </p:nvSpPr>
+        <p:spPr>
+          <a:xfrm>
+            <a:off x="2555776" y="4104893"/>
+            <a:ext cx="5104184" cy="2245077"/>
+          </a:xfrm>
+          <a:prstGeom prst="roundRect">
+            <a:avLst/>
+          </a:prstGeom>
+        </p:spPr>
+        <p:style>
+          <a:lnRef idx="3">
+            <a:schemeClr val="lt1"/>
+          </a:lnRef>
+          <a:fillRef idx="1">
+            <a:schemeClr val="accent5"/>
+          </a:fillRef>
+          <a:effectRef idx="1">
+            <a:schemeClr val="accent5"/>
+          </a:effectRef>
+          <a:fontRef idx="minor">
+            <a:schemeClr val="lt1"/>
+          </a:fontRef>
+        </p:style>
+        <p:txBody>
+          <a:bodyPr rtlCol="0" anchor="ctr"/>
+          <a:lstStyle/>
+          <a:p>
+            <a:pPr algn="ctr"/>
+            <a:endParaRPr lang="fr-FR"/>
+          </a:p>
+        </p:txBody>
+      </p:sp>
+      <p:sp>
+        <p:nvSpPr>
+          <p:cNvPr id="2" name="Titre 1"/>
+          <p:cNvSpPr>
+            <a:spLocks noGrp="1"/>
+          </p:cNvSpPr>
+          <p:nvPr>
+            <p:ph type="ctrTitle"/>
+          </p:nvPr>
+        </p:nvSpPr>
+        <p:spPr>
+          <a:xfrm>
+            <a:off x="685800" y="836712"/>
+            <a:ext cx="7772400" cy="1470025"/>
+          </a:xfrm>
+        </p:spPr>
+        <p:txBody>
+          <a:bodyPr/>
+          <a:lstStyle/>
+          <a:p>
+            <a:r>
+              <a:rPr lang="fr-FR" dirty="0" smtClean="0"/>
+              <a:t>Diagramme des cas d’utilisation</a:t>
+            </a:r>
+            <a:endParaRPr lang="fr-FR" dirty="0"/>
+          </a:p>
+        </p:txBody>
+      </p:sp>
+      <p:sp>
+        <p:nvSpPr>
+          <p:cNvPr id="9" name="Espace réservé du pied de page 8"/>
+          <p:cNvSpPr>
+            <a:spLocks noGrp="1"/>
+          </p:cNvSpPr>
+          <p:nvPr>
+            <p:ph type="ftr" sz="quarter" idx="11"/>
+          </p:nvPr>
+        </p:nvSpPr>
+        <p:spPr>
+          <a:xfrm>
+            <a:off x="2843808" y="6356350"/>
+            <a:ext cx="3456384" cy="365125"/>
+          </a:xfrm>
+        </p:spPr>
+        <p:txBody>
+          <a:bodyPr/>
+          <a:lstStyle/>
+          <a:p>
+            <a:r>
+              <a:rPr lang="fr-FR" dirty="0" smtClean="0">
+                <a:solidFill>
+                  <a:schemeClr val="tx1"/>
+                </a:solidFill>
+              </a:rPr>
+              <a:t>Université de Nantes, Licence Professionnelle SIL</a:t>
+            </a:r>
+            <a:endParaRPr lang="fr-BE" dirty="0">
+              <a:solidFill>
+                <a:schemeClr val="tx1"/>
+              </a:solidFill>
+            </a:endParaRPr>
+          </a:p>
+        </p:txBody>
+      </p:sp>
+      <p:sp>
+        <p:nvSpPr>
+          <p:cNvPr id="10" name="Espace réservé du numéro de diapositive 9"/>
+          <p:cNvSpPr>
+            <a:spLocks noGrp="1"/>
+          </p:cNvSpPr>
+          <p:nvPr>
+            <p:ph type="sldNum" sz="quarter" idx="12"/>
+          </p:nvPr>
+        </p:nvSpPr>
+        <p:spPr>
+          <a:xfrm>
+            <a:off x="6553200" y="6356350"/>
+            <a:ext cx="2133600" cy="365125"/>
+          </a:xfrm>
+        </p:spPr>
+        <p:txBody>
+          <a:bodyPr/>
+          <a:lstStyle/>
+          <a:p>
+            <a:fld id="{CF4668DC-857F-487D-BFFA-8C0CA5037977}" type="slidenum">
+              <a:rPr lang="fr-BE" smtClean="0">
+                <a:solidFill>
+                  <a:schemeClr val="tx1"/>
+                </a:solidFill>
+              </a:rPr>
+              <a:t>7</a:t>
+            </a:fld>
+            <a:endParaRPr lang="fr-BE" dirty="0">
+              <a:solidFill>
+                <a:schemeClr val="tx1"/>
+              </a:solidFill>
+            </a:endParaRPr>
+          </a:p>
+        </p:txBody>
+      </p:sp>
+      <p:pic>
+        <p:nvPicPr>
+          <p:cNvPr id="11" name="Image 10"/>
+          <p:cNvPicPr>
+            <a:picLocks noChangeAspect="1"/>
+          </p:cNvPicPr>
+          <p:nvPr/>
+        </p:nvPicPr>
+        <p:blipFill>
+          <a:blip r:embed="rId2">
+            <a:extLst>
+              <a:ext uri="{28A0092B-C50C-407E-A947-70E740481C1C}">
+                <a14:useLocalDpi xmlns:a14="http://schemas.microsoft.com/office/drawing/2010/main" val="0"/>
+              </a:ext>
+            </a:extLst>
+          </a:blip>
+          <a:stretch>
+            <a:fillRect/>
+          </a:stretch>
+        </p:blipFill>
+        <p:spPr>
+          <a:xfrm>
+            <a:off x="107504" y="133118"/>
+            <a:ext cx="1080120" cy="469618"/>
+          </a:xfrm>
+          <a:prstGeom prst="rect">
+            <a:avLst/>
+          </a:prstGeom>
+        </p:spPr>
+      </p:pic>
+      <p:sp>
+        <p:nvSpPr>
+          <p:cNvPr id="12" name="Rogner un rectangle avec un coin diagonal 11"/>
+          <p:cNvSpPr/>
+          <p:nvPr/>
+        </p:nvSpPr>
+        <p:spPr>
+          <a:xfrm>
+            <a:off x="1259632" y="0"/>
+            <a:ext cx="7848872" cy="512676"/>
+          </a:xfrm>
+          <a:prstGeom prst="snip2DiagRect">
+            <a:avLst>
+              <a:gd name="adj1" fmla="val 24520"/>
+              <a:gd name="adj2" fmla="val 23038"/>
+            </a:avLst>
+          </a:prstGeom>
+        </p:spPr>
+        <p:style>
+          <a:lnRef idx="0">
+            <a:schemeClr val="accent5"/>
+          </a:lnRef>
+          <a:fillRef idx="3">
+            <a:schemeClr val="accent5"/>
+          </a:fillRef>
+          <a:effectRef idx="3">
+            <a:schemeClr val="accent5"/>
+          </a:effectRef>
+          <a:fontRef idx="minor">
+            <a:schemeClr val="lt1"/>
+          </a:fontRef>
+        </p:style>
+        <p:txBody>
+          <a:bodyPr rtlCol="0" anchor="ctr"/>
+          <a:lstStyle/>
+          <a:p>
+            <a:pPr algn="ctr"/>
+            <a:r>
+              <a:rPr lang="fr-FR" sz="1200" dirty="0" smtClean="0">
+                <a:solidFill>
+                  <a:schemeClr val="tx1"/>
+                </a:solidFill>
+              </a:rPr>
+              <a:t>-Principe de fonctionnement -Architecture -Services de l’application </a:t>
+            </a:r>
+            <a:r>
+              <a:rPr lang="fr-FR" sz="1200" dirty="0" smtClean="0">
+                <a:solidFill>
+                  <a:schemeClr val="bg1"/>
+                </a:solidFill>
+              </a:rPr>
+              <a:t>-Diagramme des cas d’utilisation</a:t>
+            </a:r>
+          </a:p>
+          <a:p>
+            <a:pPr algn="ctr"/>
+            <a:r>
+              <a:rPr lang="fr-FR" sz="1200" dirty="0" smtClean="0">
+                <a:solidFill>
+                  <a:schemeClr val="tx1"/>
+                </a:solidFill>
+              </a:rPr>
+              <a:t>-Matérielle et logiciel -Réalisation -Model Vue Contrôleur -Avantages / inconvénients -Améliorations possibles</a:t>
+            </a:r>
+            <a:endParaRPr lang="fr-FR" sz="1200" dirty="0">
+              <a:solidFill>
+                <a:schemeClr val="tx1"/>
+              </a:solidFill>
+            </a:endParaRPr>
+          </a:p>
+        </p:txBody>
+      </p:sp>
+      <p:grpSp>
+        <p:nvGrpSpPr>
+          <p:cNvPr id="18" name="Groupe 17"/>
+          <p:cNvGrpSpPr/>
+          <p:nvPr/>
+        </p:nvGrpSpPr>
+        <p:grpSpPr>
+          <a:xfrm>
+            <a:off x="1028232" y="2665482"/>
+            <a:ext cx="576064" cy="1368152"/>
+            <a:chOff x="395536" y="2492896"/>
+            <a:chExt cx="576064" cy="1368152"/>
+          </a:xfrm>
+        </p:grpSpPr>
+        <p:sp>
+          <p:nvSpPr>
+            <p:cNvPr id="4" name="Émoticône 3"/>
+            <p:cNvSpPr/>
+            <p:nvPr/>
+          </p:nvSpPr>
+          <p:spPr>
+            <a:xfrm>
+              <a:off x="467544" y="2492896"/>
+              <a:ext cx="360040" cy="360040"/>
+            </a:xfrm>
+            <a:prstGeom prst="smileyFace">
+              <a:avLst/>
+            </a:prstGeom>
+          </p:spPr>
+          <p:style>
+            <a:lnRef idx="1">
+              <a:schemeClr val="accent6"/>
+            </a:lnRef>
+            <a:fillRef idx="2">
+              <a:schemeClr val="accent6"/>
+            </a:fillRef>
+            <a:effectRef idx="1">
+              <a:schemeClr val="accent6"/>
+            </a:effectRef>
+            <a:fontRef idx="minor">
+              <a:schemeClr val="dk1"/>
+            </a:fontRef>
+          </p:style>
+          <p:txBody>
+            <a:bodyPr rtlCol="0" anchor="ctr"/>
+            <a:lstStyle/>
+            <a:p>
+              <a:pPr algn="ctr"/>
+              <a:endParaRPr lang="fr-FR"/>
+            </a:p>
+          </p:txBody>
+        </p:sp>
+        <p:cxnSp>
+          <p:nvCxnSpPr>
+            <p:cNvPr id="6" name="Connecteur droit 5"/>
+            <p:cNvCxnSpPr>
+              <a:stCxn id="4" idx="4"/>
+            </p:cNvCxnSpPr>
+            <p:nvPr/>
+          </p:nvCxnSpPr>
+          <p:spPr>
+            <a:xfrm>
+              <a:off x="647564" y="2852936"/>
+              <a:ext cx="0" cy="504056"/>
+            </a:xfrm>
+            <a:prstGeom prst="line">
+              <a:avLst/>
+            </a:prstGeom>
+          </p:spPr>
+          <p:style>
+            <a:lnRef idx="2">
+              <a:schemeClr val="accent6"/>
+            </a:lnRef>
+            <a:fillRef idx="0">
+              <a:schemeClr val="accent6"/>
+            </a:fillRef>
+            <a:effectRef idx="1">
+              <a:schemeClr val="accent6"/>
+            </a:effectRef>
+            <a:fontRef idx="minor">
+              <a:schemeClr val="tx1"/>
+            </a:fontRef>
+          </p:style>
+        </p:cxnSp>
+        <p:cxnSp>
+          <p:nvCxnSpPr>
+            <p:cNvPr id="13" name="Connecteur droit 12"/>
+            <p:cNvCxnSpPr/>
+            <p:nvPr/>
+          </p:nvCxnSpPr>
+          <p:spPr>
+            <a:xfrm flipH="1">
+              <a:off x="395536" y="3356992"/>
+              <a:ext cx="252028" cy="504056"/>
+            </a:xfrm>
+            <a:prstGeom prst="line">
+              <a:avLst/>
+            </a:prstGeom>
+          </p:spPr>
+          <p:style>
+            <a:lnRef idx="2">
+              <a:schemeClr val="accent6"/>
+            </a:lnRef>
+            <a:fillRef idx="0">
+              <a:schemeClr val="accent6"/>
+            </a:fillRef>
+            <a:effectRef idx="1">
+              <a:schemeClr val="accent6"/>
+            </a:effectRef>
+            <a:fontRef idx="minor">
+              <a:schemeClr val="tx1"/>
+            </a:fontRef>
+          </p:style>
+        </p:cxnSp>
+        <p:cxnSp>
+          <p:nvCxnSpPr>
+            <p:cNvPr id="14" name="Connecteur droit 13"/>
+            <p:cNvCxnSpPr/>
+            <p:nvPr/>
+          </p:nvCxnSpPr>
+          <p:spPr>
+            <a:xfrm>
+              <a:off x="647564" y="3356992"/>
+              <a:ext cx="180020" cy="504056"/>
+            </a:xfrm>
+            <a:prstGeom prst="line">
+              <a:avLst/>
+            </a:prstGeom>
+          </p:spPr>
+          <p:style>
+            <a:lnRef idx="2">
+              <a:schemeClr val="accent6"/>
+            </a:lnRef>
+            <a:fillRef idx="0">
+              <a:schemeClr val="accent6"/>
+            </a:fillRef>
+            <a:effectRef idx="1">
+              <a:schemeClr val="accent6"/>
+            </a:effectRef>
+            <a:fontRef idx="minor">
+              <a:schemeClr val="tx1"/>
+            </a:fontRef>
+          </p:style>
+        </p:cxnSp>
+        <p:cxnSp>
+          <p:nvCxnSpPr>
+            <p:cNvPr id="15" name="Connecteur droit 14"/>
+            <p:cNvCxnSpPr/>
+            <p:nvPr/>
+          </p:nvCxnSpPr>
+          <p:spPr>
+            <a:xfrm>
+              <a:off x="395536" y="3081732"/>
+              <a:ext cx="576064" cy="0"/>
+            </a:xfrm>
+            <a:prstGeom prst="line">
+              <a:avLst/>
+            </a:prstGeom>
+          </p:spPr>
+          <p:style>
+            <a:lnRef idx="2">
+              <a:schemeClr val="accent6"/>
+            </a:lnRef>
+            <a:fillRef idx="0">
+              <a:schemeClr val="accent6"/>
+            </a:fillRef>
+            <a:effectRef idx="1">
+              <a:schemeClr val="accent6"/>
+            </a:effectRef>
+            <a:fontRef idx="minor">
+              <a:schemeClr val="tx1"/>
+            </a:fontRef>
+          </p:style>
+        </p:cxnSp>
+      </p:grpSp>
+      <p:sp>
+        <p:nvSpPr>
+          <p:cNvPr id="19" name="Rectangle à coins arrondis 18"/>
+          <p:cNvSpPr/>
+          <p:nvPr/>
+        </p:nvSpPr>
+        <p:spPr>
+          <a:xfrm>
+            <a:off x="2339752" y="3025522"/>
+            <a:ext cx="1656184" cy="504056"/>
+          </a:xfrm>
+          <a:prstGeom prst="roundRect">
+            <a:avLst/>
+          </a:prstGeom>
+        </p:spPr>
+        <p:style>
+          <a:lnRef idx="2">
+            <a:schemeClr val="accent6"/>
+          </a:lnRef>
+          <a:fillRef idx="1">
+            <a:schemeClr val="lt1"/>
+          </a:fillRef>
+          <a:effectRef idx="0">
+            <a:schemeClr val="accent6"/>
+          </a:effectRef>
+          <a:fontRef idx="minor">
+            <a:schemeClr val="dk1"/>
+          </a:fontRef>
+        </p:style>
+        <p:txBody>
+          <a:bodyPr rtlCol="0" anchor="ctr"/>
+          <a:lstStyle/>
+          <a:p>
+            <a:pPr algn="ctr"/>
+            <a:r>
+              <a:rPr lang="fr-FR" dirty="0" smtClean="0"/>
+              <a:t>Inscription</a:t>
+            </a:r>
+            <a:endParaRPr lang="fr-FR" dirty="0"/>
+          </a:p>
+        </p:txBody>
+      </p:sp>
+      <p:sp>
+        <p:nvSpPr>
+          <p:cNvPr id="21" name="Rectangle à coins arrondis 20"/>
+          <p:cNvSpPr/>
+          <p:nvPr/>
+        </p:nvSpPr>
+        <p:spPr>
+          <a:xfrm>
+            <a:off x="5724128" y="2452968"/>
+            <a:ext cx="1935832" cy="504056"/>
+          </a:xfrm>
+          <a:prstGeom prst="roundRect">
+            <a:avLst/>
+          </a:prstGeom>
+        </p:spPr>
+        <p:style>
+          <a:lnRef idx="2">
+            <a:schemeClr val="accent6"/>
+          </a:lnRef>
+          <a:fillRef idx="1">
+            <a:schemeClr val="lt1"/>
+          </a:fillRef>
+          <a:effectRef idx="0">
+            <a:schemeClr val="accent6"/>
+          </a:effectRef>
+          <a:fontRef idx="minor">
+            <a:schemeClr val="dk1"/>
+          </a:fontRef>
+        </p:style>
+        <p:txBody>
+          <a:bodyPr rtlCol="0" anchor="ctr"/>
+          <a:lstStyle/>
+          <a:p>
+            <a:pPr algn="ctr"/>
+            <a:r>
+              <a:rPr lang="fr-FR" dirty="0" smtClean="0"/>
+              <a:t>Authentification</a:t>
+            </a:r>
+            <a:endParaRPr lang="fr-FR" dirty="0"/>
+          </a:p>
+        </p:txBody>
+      </p:sp>
+      <p:sp>
+        <p:nvSpPr>
+          <p:cNvPr id="22" name="Rectangle à coins arrondis 21"/>
+          <p:cNvSpPr/>
+          <p:nvPr/>
+        </p:nvSpPr>
+        <p:spPr>
+          <a:xfrm>
+            <a:off x="2735707" y="5661248"/>
+            <a:ext cx="1935832" cy="504056"/>
+          </a:xfrm>
+          <a:prstGeom prst="roundRect">
+            <a:avLst/>
+          </a:prstGeom>
+        </p:spPr>
+        <p:style>
+          <a:lnRef idx="2">
+            <a:schemeClr val="accent6"/>
+          </a:lnRef>
+          <a:fillRef idx="1">
+            <a:schemeClr val="lt1"/>
+          </a:fillRef>
+          <a:effectRef idx="0">
+            <a:schemeClr val="accent6"/>
+          </a:effectRef>
+          <a:fontRef idx="minor">
+            <a:schemeClr val="dk1"/>
+          </a:fontRef>
+        </p:style>
+        <p:txBody>
+          <a:bodyPr rtlCol="0" anchor="ctr"/>
+          <a:lstStyle/>
+          <a:p>
+            <a:pPr algn="ctr"/>
+            <a:r>
+              <a:rPr lang="fr-FR" dirty="0" smtClean="0"/>
+              <a:t>Visualiser ses commandes</a:t>
+            </a:r>
+            <a:endParaRPr lang="fr-FR" dirty="0"/>
+          </a:p>
+        </p:txBody>
+      </p:sp>
+      <p:sp>
+        <p:nvSpPr>
+          <p:cNvPr id="23" name="Rectangle à coins arrondis 22"/>
+          <p:cNvSpPr/>
+          <p:nvPr/>
+        </p:nvSpPr>
+        <p:spPr>
+          <a:xfrm>
+            <a:off x="5599181" y="5061952"/>
+            <a:ext cx="1935832" cy="504056"/>
+          </a:xfrm>
+          <a:prstGeom prst="roundRect">
+            <a:avLst/>
+          </a:prstGeom>
+        </p:spPr>
+        <p:style>
+          <a:lnRef idx="2">
+            <a:schemeClr val="accent6"/>
+          </a:lnRef>
+          <a:fillRef idx="1">
+            <a:schemeClr val="lt1"/>
+          </a:fillRef>
+          <a:effectRef idx="0">
+            <a:schemeClr val="accent6"/>
+          </a:effectRef>
+          <a:fontRef idx="minor">
+            <a:schemeClr val="dk1"/>
+          </a:fontRef>
+        </p:style>
+        <p:txBody>
+          <a:bodyPr rtlCol="0" anchor="ctr"/>
+          <a:lstStyle/>
+          <a:p>
+            <a:pPr algn="ctr"/>
+            <a:r>
+              <a:rPr lang="fr-FR" dirty="0" smtClean="0"/>
+              <a:t>Acheter un ou plusieurs articles</a:t>
+            </a:r>
+            <a:endParaRPr lang="fr-FR" dirty="0"/>
+          </a:p>
+        </p:txBody>
+      </p:sp>
+      <p:sp>
+        <p:nvSpPr>
+          <p:cNvPr id="24" name="Rectangle à coins arrondis 23"/>
+          <p:cNvSpPr/>
+          <p:nvPr/>
+        </p:nvSpPr>
+        <p:spPr>
+          <a:xfrm>
+            <a:off x="2751702" y="4221088"/>
+            <a:ext cx="1935832" cy="504056"/>
+          </a:xfrm>
+          <a:prstGeom prst="roundRect">
+            <a:avLst/>
+          </a:prstGeom>
+        </p:spPr>
+        <p:style>
+          <a:lnRef idx="2">
+            <a:schemeClr val="accent6"/>
+          </a:lnRef>
+          <a:fillRef idx="1">
+            <a:schemeClr val="lt1"/>
+          </a:fillRef>
+          <a:effectRef idx="0">
+            <a:schemeClr val="accent6"/>
+          </a:effectRef>
+          <a:fontRef idx="minor">
+            <a:schemeClr val="dk1"/>
+          </a:fontRef>
+        </p:style>
+        <p:txBody>
+          <a:bodyPr rtlCol="0" anchor="ctr"/>
+          <a:lstStyle/>
+          <a:p>
+            <a:pPr algn="ctr"/>
+            <a:r>
+              <a:rPr lang="fr-FR" dirty="0" smtClean="0"/>
+              <a:t>Afficher les Article</a:t>
+            </a:r>
+            <a:endParaRPr lang="fr-FR" dirty="0"/>
+          </a:p>
+        </p:txBody>
+      </p:sp>
+      <p:sp>
+        <p:nvSpPr>
+          <p:cNvPr id="25" name="Rectangle 24"/>
+          <p:cNvSpPr/>
+          <p:nvPr/>
+        </p:nvSpPr>
+        <p:spPr>
+          <a:xfrm>
+            <a:off x="917276" y="2335664"/>
+            <a:ext cx="725968" cy="369332"/>
+          </a:xfrm>
+          <a:prstGeom prst="rect">
+            <a:avLst/>
+          </a:prstGeom>
+        </p:spPr>
+        <p:txBody>
+          <a:bodyPr wrap="none">
+            <a:spAutoFit/>
+          </a:bodyPr>
+          <a:lstStyle/>
+          <a:p>
+            <a:r>
+              <a:rPr lang="fr-FR" dirty="0" smtClean="0"/>
+              <a:t>Client</a:t>
+            </a:r>
+            <a:endParaRPr lang="fr-FR" dirty="0"/>
+          </a:p>
+        </p:txBody>
+      </p:sp>
+      <p:grpSp>
+        <p:nvGrpSpPr>
+          <p:cNvPr id="26" name="Groupe 25"/>
+          <p:cNvGrpSpPr/>
+          <p:nvPr/>
+        </p:nvGrpSpPr>
+        <p:grpSpPr>
+          <a:xfrm>
+            <a:off x="992228" y="4725144"/>
+            <a:ext cx="576064" cy="1368152"/>
+            <a:chOff x="395536" y="2492896"/>
+            <a:chExt cx="576064" cy="1368152"/>
+          </a:xfrm>
+        </p:grpSpPr>
+        <p:sp>
+          <p:nvSpPr>
+            <p:cNvPr id="27" name="Émoticône 26"/>
+            <p:cNvSpPr/>
+            <p:nvPr/>
+          </p:nvSpPr>
+          <p:spPr>
+            <a:xfrm>
+              <a:off x="467544" y="2492896"/>
+              <a:ext cx="360040" cy="360040"/>
+            </a:xfrm>
+            <a:prstGeom prst="smileyFace">
+              <a:avLst/>
+            </a:prstGeom>
+          </p:spPr>
+          <p:style>
+            <a:lnRef idx="1">
+              <a:schemeClr val="accent6"/>
+            </a:lnRef>
+            <a:fillRef idx="2">
+              <a:schemeClr val="accent6"/>
+            </a:fillRef>
+            <a:effectRef idx="1">
+              <a:schemeClr val="accent6"/>
+            </a:effectRef>
+            <a:fontRef idx="minor">
+              <a:schemeClr val="dk1"/>
+            </a:fontRef>
+          </p:style>
+          <p:txBody>
+            <a:bodyPr rtlCol="0" anchor="ctr"/>
+            <a:lstStyle/>
+            <a:p>
+              <a:pPr algn="ctr"/>
+              <a:endParaRPr lang="fr-FR"/>
+            </a:p>
+          </p:txBody>
+        </p:sp>
+        <p:cxnSp>
+          <p:nvCxnSpPr>
+            <p:cNvPr id="28" name="Connecteur droit 27"/>
+            <p:cNvCxnSpPr>
+              <a:stCxn id="27" idx="4"/>
+            </p:cNvCxnSpPr>
+            <p:nvPr/>
+          </p:nvCxnSpPr>
+          <p:spPr>
+            <a:xfrm>
+              <a:off x="647564" y="2852936"/>
+              <a:ext cx="0" cy="504056"/>
+            </a:xfrm>
+            <a:prstGeom prst="line">
+              <a:avLst/>
+            </a:prstGeom>
+          </p:spPr>
+          <p:style>
+            <a:lnRef idx="2">
+              <a:schemeClr val="accent6"/>
+            </a:lnRef>
+            <a:fillRef idx="0">
+              <a:schemeClr val="accent6"/>
+            </a:fillRef>
+            <a:effectRef idx="1">
+              <a:schemeClr val="accent6"/>
+            </a:effectRef>
+            <a:fontRef idx="minor">
+              <a:schemeClr val="tx1"/>
+            </a:fontRef>
+          </p:style>
+        </p:cxnSp>
+        <p:cxnSp>
+          <p:nvCxnSpPr>
+            <p:cNvPr id="29" name="Connecteur droit 28"/>
+            <p:cNvCxnSpPr/>
+            <p:nvPr/>
+          </p:nvCxnSpPr>
+          <p:spPr>
+            <a:xfrm flipH="1">
+              <a:off x="395536" y="3356992"/>
+              <a:ext cx="252028" cy="504056"/>
+            </a:xfrm>
+            <a:prstGeom prst="line">
+              <a:avLst/>
+            </a:prstGeom>
+          </p:spPr>
+          <p:style>
+            <a:lnRef idx="2">
+              <a:schemeClr val="accent6"/>
+            </a:lnRef>
+            <a:fillRef idx="0">
+              <a:schemeClr val="accent6"/>
+            </a:fillRef>
+            <a:effectRef idx="1">
+              <a:schemeClr val="accent6"/>
+            </a:effectRef>
+            <a:fontRef idx="minor">
+              <a:schemeClr val="tx1"/>
+            </a:fontRef>
+          </p:style>
+        </p:cxnSp>
+        <p:cxnSp>
+          <p:nvCxnSpPr>
+            <p:cNvPr id="30" name="Connecteur droit 29"/>
+            <p:cNvCxnSpPr/>
+            <p:nvPr/>
+          </p:nvCxnSpPr>
+          <p:spPr>
+            <a:xfrm>
+              <a:off x="647564" y="3356992"/>
+              <a:ext cx="180020" cy="504056"/>
+            </a:xfrm>
+            <a:prstGeom prst="line">
+              <a:avLst/>
+            </a:prstGeom>
+          </p:spPr>
+          <p:style>
+            <a:lnRef idx="2">
+              <a:schemeClr val="accent6"/>
+            </a:lnRef>
+            <a:fillRef idx="0">
+              <a:schemeClr val="accent6"/>
+            </a:fillRef>
+            <a:effectRef idx="1">
+              <a:schemeClr val="accent6"/>
+            </a:effectRef>
+            <a:fontRef idx="minor">
+              <a:schemeClr val="tx1"/>
+            </a:fontRef>
+          </p:style>
+        </p:cxnSp>
+        <p:cxnSp>
+          <p:nvCxnSpPr>
+            <p:cNvPr id="31" name="Connecteur droit 30"/>
+            <p:cNvCxnSpPr/>
+            <p:nvPr/>
+          </p:nvCxnSpPr>
+          <p:spPr>
+            <a:xfrm>
+              <a:off x="395536" y="3081732"/>
+              <a:ext cx="576064" cy="0"/>
+            </a:xfrm>
+            <a:prstGeom prst="line">
+              <a:avLst/>
+            </a:prstGeom>
+          </p:spPr>
+          <p:style>
+            <a:lnRef idx="2">
+              <a:schemeClr val="accent6"/>
+            </a:lnRef>
+            <a:fillRef idx="0">
+              <a:schemeClr val="accent6"/>
+            </a:fillRef>
+            <a:effectRef idx="1">
+              <a:schemeClr val="accent6"/>
+            </a:effectRef>
+            <a:fontRef idx="minor">
+              <a:schemeClr val="tx1"/>
+            </a:fontRef>
+          </p:style>
+        </p:cxnSp>
+      </p:grpSp>
+      <p:sp>
+        <p:nvSpPr>
+          <p:cNvPr id="32" name="Rectangle 31"/>
+          <p:cNvSpPr/>
+          <p:nvPr/>
+        </p:nvSpPr>
+        <p:spPr>
+          <a:xfrm>
+            <a:off x="697691" y="6165304"/>
+            <a:ext cx="1065997" cy="369332"/>
+          </a:xfrm>
+          <a:prstGeom prst="rect">
+            <a:avLst/>
+          </a:prstGeom>
+        </p:spPr>
+        <p:txBody>
+          <a:bodyPr wrap="none">
+            <a:spAutoFit/>
+          </a:bodyPr>
+          <a:lstStyle/>
+          <a:p>
+            <a:r>
+              <a:rPr lang="fr-FR" dirty="0" smtClean="0"/>
+              <a:t>Adhérent</a:t>
+            </a:r>
+            <a:endParaRPr lang="fr-FR" dirty="0"/>
+          </a:p>
+        </p:txBody>
+      </p:sp>
+      <p:cxnSp>
+        <p:nvCxnSpPr>
+          <p:cNvPr id="34" name="Connecteur droit avec flèche 33"/>
+          <p:cNvCxnSpPr/>
+          <p:nvPr/>
+        </p:nvCxnSpPr>
+        <p:spPr>
+          <a:xfrm flipV="1">
+            <a:off x="1244256" y="4077072"/>
+            <a:ext cx="15376" cy="549776"/>
+          </a:xfrm>
+          <a:prstGeom prst="straightConnector1">
+            <a:avLst/>
+          </a:prstGeom>
+          <a:ln>
+            <a:tailEnd type="arrow"/>
+          </a:ln>
+        </p:spPr>
+        <p:style>
+          <a:lnRef idx="2">
+            <a:schemeClr val="dk1"/>
+          </a:lnRef>
+          <a:fillRef idx="0">
+            <a:schemeClr val="dk1"/>
+          </a:fillRef>
+          <a:effectRef idx="1">
+            <a:schemeClr val="dk1"/>
+          </a:effectRef>
+          <a:fontRef idx="minor">
+            <a:schemeClr val="tx1"/>
+          </a:fontRef>
+        </p:style>
+      </p:cxnSp>
+      <p:sp>
+        <p:nvSpPr>
+          <p:cNvPr id="35" name="Triangle isocèle 34"/>
+          <p:cNvSpPr/>
+          <p:nvPr/>
+        </p:nvSpPr>
+        <p:spPr>
+          <a:xfrm>
+            <a:off x="1115616" y="3988698"/>
+            <a:ext cx="270030" cy="232390"/>
+          </a:xfrm>
+          <a:prstGeom prst="triangle">
+            <a:avLst/>
+          </a:prstGeom>
+        </p:spPr>
+        <p:style>
+          <a:lnRef idx="2">
+            <a:schemeClr val="dk1"/>
+          </a:lnRef>
+          <a:fillRef idx="1">
+            <a:schemeClr val="lt1"/>
+          </a:fillRef>
+          <a:effectRef idx="0">
+            <a:schemeClr val="dk1"/>
+          </a:effectRef>
+          <a:fontRef idx="minor">
+            <a:schemeClr val="dk1"/>
+          </a:fontRef>
+        </p:style>
+        <p:txBody>
+          <a:bodyPr rtlCol="0" anchor="ctr"/>
+          <a:lstStyle/>
+          <a:p>
+            <a:pPr algn="ctr"/>
+            <a:endParaRPr lang="fr-FR"/>
+          </a:p>
+        </p:txBody>
+      </p:sp>
+      <p:cxnSp>
+        <p:nvCxnSpPr>
+          <p:cNvPr id="37" name="Connecteur droit avec flèche 36"/>
+          <p:cNvCxnSpPr>
+            <a:endCxn id="19" idx="1"/>
+          </p:cNvCxnSpPr>
+          <p:nvPr/>
+        </p:nvCxnSpPr>
+        <p:spPr>
+          <a:xfrm>
+            <a:off x="1643244" y="3277550"/>
+            <a:ext cx="696508" cy="0"/>
+          </a:xfrm>
+          <a:prstGeom prst="straightConnector1">
+            <a:avLst/>
+          </a:prstGeom>
+          <a:ln>
+            <a:tailEnd type="arrow"/>
+          </a:ln>
+        </p:spPr>
+        <p:style>
+          <a:lnRef idx="2">
+            <a:schemeClr val="dk1"/>
+          </a:lnRef>
+          <a:fillRef idx="0">
+            <a:schemeClr val="dk1"/>
+          </a:fillRef>
+          <a:effectRef idx="1">
+            <a:schemeClr val="dk1"/>
+          </a:effectRef>
+          <a:fontRef idx="minor">
+            <a:schemeClr val="tx1"/>
+          </a:fontRef>
+        </p:style>
+      </p:cxnSp>
+      <p:cxnSp>
+        <p:nvCxnSpPr>
+          <p:cNvPr id="38" name="Connecteur droit avec flèche 37"/>
+          <p:cNvCxnSpPr/>
+          <p:nvPr/>
+        </p:nvCxnSpPr>
+        <p:spPr>
+          <a:xfrm>
+            <a:off x="1604296" y="5337212"/>
+            <a:ext cx="1147406" cy="612068"/>
+          </a:xfrm>
+          <a:prstGeom prst="straightConnector1">
+            <a:avLst/>
+          </a:prstGeom>
+          <a:ln>
+            <a:tailEnd type="arrow"/>
+          </a:ln>
+        </p:spPr>
+        <p:style>
+          <a:lnRef idx="2">
+            <a:schemeClr val="dk1"/>
+          </a:lnRef>
+          <a:fillRef idx="0">
+            <a:schemeClr val="dk1"/>
+          </a:fillRef>
+          <a:effectRef idx="1">
+            <a:schemeClr val="dk1"/>
+          </a:effectRef>
+          <a:fontRef idx="minor">
+            <a:schemeClr val="tx1"/>
+          </a:fontRef>
+        </p:style>
+      </p:cxnSp>
+      <p:cxnSp>
+        <p:nvCxnSpPr>
+          <p:cNvPr id="39" name="Connecteur droit avec flèche 38"/>
+          <p:cNvCxnSpPr>
+            <a:stCxn id="24" idx="3"/>
+          </p:cNvCxnSpPr>
+          <p:nvPr/>
+        </p:nvCxnSpPr>
+        <p:spPr>
+          <a:xfrm>
+            <a:off x="4687534" y="4473116"/>
+            <a:ext cx="892578" cy="840864"/>
+          </a:xfrm>
+          <a:prstGeom prst="straightConnector1">
+            <a:avLst/>
+          </a:prstGeom>
+          <a:ln>
+            <a:prstDash val="dash"/>
+            <a:tailEnd type="arrow"/>
+          </a:ln>
+        </p:spPr>
+        <p:style>
+          <a:lnRef idx="2">
+            <a:schemeClr val="dk1"/>
+          </a:lnRef>
+          <a:fillRef idx="0">
+            <a:schemeClr val="dk1"/>
+          </a:fillRef>
+          <a:effectRef idx="1">
+            <a:schemeClr val="dk1"/>
+          </a:effectRef>
+          <a:fontRef idx="minor">
+            <a:schemeClr val="tx1"/>
+          </a:fontRef>
+        </p:style>
+      </p:cxnSp>
+      <p:cxnSp>
+        <p:nvCxnSpPr>
+          <p:cNvPr id="41" name="Connecteur droit avec flèche 40"/>
+          <p:cNvCxnSpPr>
+            <a:stCxn id="65" idx="0"/>
+          </p:cNvCxnSpPr>
+          <p:nvPr/>
+        </p:nvCxnSpPr>
+        <p:spPr>
+          <a:xfrm flipV="1">
+            <a:off x="5107868" y="2978558"/>
+            <a:ext cx="1647603" cy="1126335"/>
+          </a:xfrm>
+          <a:prstGeom prst="straightConnector1">
+            <a:avLst/>
+          </a:prstGeom>
+          <a:ln>
+            <a:prstDash val="dash"/>
+            <a:tailEnd type="arrow"/>
+          </a:ln>
+        </p:spPr>
+        <p:style>
+          <a:lnRef idx="2">
+            <a:schemeClr val="dk1"/>
+          </a:lnRef>
+          <a:fillRef idx="0">
+            <a:schemeClr val="dk1"/>
+          </a:fillRef>
+          <a:effectRef idx="1">
+            <a:schemeClr val="dk1"/>
+          </a:effectRef>
+          <a:fontRef idx="minor">
+            <a:schemeClr val="tx1"/>
+          </a:fontRef>
+        </p:style>
+      </p:cxnSp>
+      <p:sp>
+        <p:nvSpPr>
+          <p:cNvPr id="46" name="ZoneTexte 45"/>
+          <p:cNvSpPr txBox="1"/>
+          <p:nvPr/>
+        </p:nvSpPr>
+        <p:spPr>
+          <a:xfrm>
+            <a:off x="4912177" y="4486069"/>
+            <a:ext cx="830227" cy="369332"/>
+          </a:xfrm>
+          <a:prstGeom prst="rect">
+            <a:avLst/>
+          </a:prstGeom>
+          <a:noFill/>
+        </p:spPr>
+        <p:txBody>
+          <a:bodyPr wrap="none" rtlCol="0">
+            <a:spAutoFit/>
+          </a:bodyPr>
+          <a:lstStyle/>
+          <a:p>
+            <a:r>
+              <a:rPr lang="fr-FR" dirty="0" err="1" smtClean="0"/>
+              <a:t>extend</a:t>
+            </a:r>
+            <a:endParaRPr lang="fr-FR" dirty="0"/>
+          </a:p>
+        </p:txBody>
+      </p:sp>
+      <p:sp>
+        <p:nvSpPr>
+          <p:cNvPr id="47" name="ZoneTexte 46"/>
+          <p:cNvSpPr txBox="1"/>
+          <p:nvPr/>
+        </p:nvSpPr>
+        <p:spPr>
+          <a:xfrm>
+            <a:off x="5107868" y="3210188"/>
+            <a:ext cx="869149" cy="369332"/>
+          </a:xfrm>
+          <a:prstGeom prst="rect">
+            <a:avLst/>
+          </a:prstGeom>
+          <a:noFill/>
+        </p:spPr>
+        <p:txBody>
+          <a:bodyPr wrap="none" rtlCol="0">
+            <a:spAutoFit/>
+          </a:bodyPr>
+          <a:lstStyle/>
+          <a:p>
+            <a:r>
+              <a:rPr lang="fr-FR" dirty="0" err="1" smtClean="0"/>
+              <a:t>include</a:t>
+            </a:r>
+            <a:endParaRPr lang="fr-FR" dirty="0"/>
+          </a:p>
+        </p:txBody>
+      </p:sp>
+      <p:sp>
+        <p:nvSpPr>
+          <p:cNvPr id="48" name="Rectangle 47"/>
+          <p:cNvSpPr/>
+          <p:nvPr/>
+        </p:nvSpPr>
+        <p:spPr>
+          <a:xfrm>
+            <a:off x="2339752" y="1988840"/>
+            <a:ext cx="1863824" cy="856662"/>
+          </a:xfrm>
+          <a:prstGeom prst="wedgeRectCallout">
+            <a:avLst/>
+          </a:prstGeom>
+        </p:spPr>
+        <p:style>
+          <a:lnRef idx="2">
+            <a:schemeClr val="accent5">
+              <a:shade val="50000"/>
+            </a:schemeClr>
+          </a:lnRef>
+          <a:fillRef idx="1">
+            <a:schemeClr val="accent5"/>
+          </a:fillRef>
+          <a:effectRef idx="0">
+            <a:schemeClr val="accent5"/>
+          </a:effectRef>
+          <a:fontRef idx="minor">
+            <a:schemeClr val="lt1"/>
+          </a:fontRef>
+        </p:style>
+        <p:txBody>
+          <a:bodyPr rtlCol="0" anchor="ctr"/>
+          <a:lstStyle/>
+          <a:p>
+            <a:pPr algn="ctr"/>
+            <a:r>
+              <a:rPr lang="fr-FR" dirty="0" smtClean="0"/>
+              <a:t>Le client devient alors un adhérent.</a:t>
+            </a:r>
+            <a:endParaRPr lang="fr-FR" dirty="0"/>
+          </a:p>
+        </p:txBody>
+      </p:sp>
+      <p:cxnSp>
+        <p:nvCxnSpPr>
+          <p:cNvPr id="50" name="Connecteur droit avec flèche 49"/>
+          <p:cNvCxnSpPr/>
+          <p:nvPr/>
+        </p:nvCxnSpPr>
+        <p:spPr>
+          <a:xfrm flipV="1">
+            <a:off x="1643244" y="4748232"/>
+            <a:ext cx="1108458" cy="588980"/>
+          </a:xfrm>
+          <a:prstGeom prst="straightConnector1">
+            <a:avLst/>
+          </a:prstGeom>
+          <a:ln>
+            <a:tailEnd type="arrow"/>
+          </a:ln>
+        </p:spPr>
+        <p:style>
+          <a:lnRef idx="2">
+            <a:schemeClr val="dk1"/>
+          </a:lnRef>
+          <a:fillRef idx="0">
+            <a:schemeClr val="dk1"/>
+          </a:fillRef>
+          <a:effectRef idx="1">
+            <a:schemeClr val="dk1"/>
+          </a:effectRef>
+          <a:fontRef idx="minor">
+            <a:schemeClr val="tx1"/>
+          </a:fontRef>
+        </p:style>
+      </p:cxnSp>
+    </p:spTree>
+    <p:extLst>
+      <p:ext uri="{BB962C8B-B14F-4D97-AF65-F5344CB8AC3E}">
+        <p14:creationId xmlns:p14="http://schemas.microsoft.com/office/powerpoint/2010/main" val="757506834"/>
+      </p:ext>
+    </p:extLst>
+  </p:cSld>
+  <p:clrMapOvr>
+    <a:masterClrMapping/>
+  </p:clrMapOvr>
+  <p:timing>
+    <p:tnLst>
+      <p:par>
+        <p:cTn id="1" dur="indefinite" restart="never" nodeType="tmRoot"/>
+      </p:par>
+    </p:tnLst>
+  </p:timing>
+</p:sld>
+</file>
+
+<file path=ppt/slides/slide8.xml><?xml version="1.0" encoding="utf-8"?>
+<p:sld xmlns:a="http://schemas.openxmlformats.org/drawingml/2006/main" xmlns:r="http://schemas.openxmlformats.org/officeDocument/2006/relationships" xmlns:p="http://schemas.openxmlformats.org/presentationml/2006/main">
+  <p:cSld>
+    <p:spTree>
+      <p:nvGrpSpPr>
+        <p:cNvPr id="1" name=""/>
+        <p:cNvGrpSpPr/>
+        <p:nvPr/>
+      </p:nvGrpSpPr>
+      <p:grpSpPr>
+        <a:xfrm>
+          <a:off x="0" y="0"/>
+          <a:ext cx="0" cy="0"/>
+          <a:chOff x="0" y="0"/>
+          <a:chExt cx="0" cy="0"/>
+        </a:xfrm>
+      </p:grpSpPr>
+      <p:sp>
+        <p:nvSpPr>
+          <p:cNvPr id="2" name="Titre 1"/>
+          <p:cNvSpPr>
+            <a:spLocks noGrp="1"/>
+          </p:cNvSpPr>
+          <p:nvPr>
+            <p:ph type="ctrTitle"/>
+          </p:nvPr>
+        </p:nvSpPr>
+        <p:spPr>
+          <a:xfrm>
+            <a:off x="685800" y="806847"/>
+            <a:ext cx="7772400" cy="1470025"/>
+          </a:xfrm>
+        </p:spPr>
+        <p:txBody>
+          <a:bodyPr/>
+          <a:lstStyle/>
+          <a:p>
+            <a:r>
+              <a:rPr lang="fr-FR" dirty="0" smtClean="0"/>
+              <a:t>Matérielle et logiciel</a:t>
+            </a:r>
+            <a:endParaRPr lang="fr-FR" dirty="0"/>
+          </a:p>
+        </p:txBody>
+      </p:sp>
+      <p:sp>
+        <p:nvSpPr>
+          <p:cNvPr id="3" name="Sous-titre 2"/>
+          <p:cNvSpPr>
+            <a:spLocks noGrp="1"/>
+          </p:cNvSpPr>
+          <p:nvPr>
+            <p:ph type="subTitle" idx="1"/>
+          </p:nvPr>
+        </p:nvSpPr>
+        <p:spPr>
+          <a:xfrm>
+            <a:off x="1371600" y="2348880"/>
+            <a:ext cx="6400800" cy="3289920"/>
+          </a:xfrm>
+        </p:spPr>
+        <p:txBody>
+          <a:bodyPr>
+            <a:normAutofit/>
+          </a:bodyPr>
+          <a:lstStyle/>
+          <a:p>
+            <a:r>
+              <a:rPr lang="fr-FR" dirty="0" smtClean="0">
+                <a:solidFill>
+                  <a:schemeClr val="tx1"/>
+                </a:solidFill>
+              </a:rPr>
+              <a:t>Une machine serveur/client</a:t>
+            </a:r>
+          </a:p>
+          <a:p>
+            <a:endParaRPr lang="fr-FR" dirty="0" smtClean="0">
+              <a:solidFill>
+                <a:schemeClr val="tx1"/>
+              </a:solidFill>
+            </a:endParaRPr>
+          </a:p>
+          <a:p>
+            <a:r>
+              <a:rPr lang="fr-FR" dirty="0" smtClean="0">
+                <a:solidFill>
+                  <a:schemeClr val="tx1"/>
+                </a:solidFill>
+              </a:rPr>
+              <a:t>Eclipse</a:t>
+            </a:r>
+          </a:p>
+          <a:p>
+            <a:endParaRPr lang="fr-FR" dirty="0" smtClean="0">
+              <a:solidFill>
+                <a:schemeClr val="tx1"/>
+              </a:solidFill>
+            </a:endParaRPr>
+          </a:p>
+          <a:p>
+            <a:r>
+              <a:rPr lang="fr-FR" dirty="0" smtClean="0">
+                <a:solidFill>
+                  <a:schemeClr val="tx1"/>
+                </a:solidFill>
+              </a:rPr>
+              <a:t>Base Derby</a:t>
+            </a:r>
+          </a:p>
+        </p:txBody>
+      </p:sp>
+      <p:sp>
+        <p:nvSpPr>
+          <p:cNvPr id="9" name="Espace réservé du pied de page 8"/>
+          <p:cNvSpPr>
+            <a:spLocks noGrp="1"/>
+          </p:cNvSpPr>
+          <p:nvPr>
+            <p:ph type="ftr" sz="quarter" idx="11"/>
+          </p:nvPr>
+        </p:nvSpPr>
+        <p:spPr>
+          <a:xfrm>
+            <a:off x="2843808" y="6356350"/>
+            <a:ext cx="3456384" cy="365125"/>
+          </a:xfrm>
+        </p:spPr>
+        <p:txBody>
+          <a:bodyPr/>
+          <a:lstStyle/>
+          <a:p>
+            <a:r>
+              <a:rPr lang="fr-FR" dirty="0" smtClean="0">
+                <a:solidFill>
+                  <a:schemeClr val="tx1"/>
+                </a:solidFill>
+              </a:rPr>
+              <a:t>Université de Nantes, Licence Professionnelle SIL</a:t>
+            </a:r>
+            <a:endParaRPr lang="fr-BE" dirty="0">
+              <a:solidFill>
+                <a:schemeClr val="tx1"/>
+              </a:solidFill>
+            </a:endParaRPr>
+          </a:p>
+        </p:txBody>
+      </p:sp>
+      <p:sp>
+        <p:nvSpPr>
+          <p:cNvPr id="10" name="Espace réservé du numéro de diapositive 9"/>
+          <p:cNvSpPr>
+            <a:spLocks noGrp="1"/>
+          </p:cNvSpPr>
+          <p:nvPr>
+            <p:ph type="sldNum" sz="quarter" idx="12"/>
+          </p:nvPr>
+        </p:nvSpPr>
+        <p:spPr>
+          <a:xfrm>
+            <a:off x="6553200" y="6356350"/>
+            <a:ext cx="2133600" cy="365125"/>
+          </a:xfrm>
+        </p:spPr>
+        <p:txBody>
+          <a:bodyPr/>
+          <a:lstStyle/>
+          <a:p>
+            <a:fld id="{CF4668DC-857F-487D-BFFA-8C0CA5037977}" type="slidenum">
+              <a:rPr lang="fr-BE" smtClean="0">
+                <a:solidFill>
+                  <a:schemeClr val="tx1"/>
+                </a:solidFill>
+              </a:rPr>
+              <a:t>8</a:t>
+            </a:fld>
+            <a:endParaRPr lang="fr-BE" dirty="0">
+              <a:solidFill>
+                <a:schemeClr val="tx1"/>
+              </a:solidFill>
+            </a:endParaRPr>
+          </a:p>
+        </p:txBody>
+      </p:sp>
+      <p:pic>
+        <p:nvPicPr>
+          <p:cNvPr id="11" name="Image 10"/>
+          <p:cNvPicPr>
+            <a:picLocks noChangeAspect="1"/>
+          </p:cNvPicPr>
+          <p:nvPr/>
+        </p:nvPicPr>
+        <p:blipFill>
+          <a:blip r:embed="rId2">
+            <a:extLst>
+              <a:ext uri="{28A0092B-C50C-407E-A947-70E740481C1C}">
+                <a14:useLocalDpi xmlns:a14="http://schemas.microsoft.com/office/drawing/2010/main" val="0"/>
+              </a:ext>
+            </a:extLst>
+          </a:blip>
+          <a:stretch>
+            <a:fillRect/>
+          </a:stretch>
+        </p:blipFill>
+        <p:spPr>
+          <a:xfrm>
+            <a:off x="107504" y="133118"/>
+            <a:ext cx="1080120" cy="469618"/>
+          </a:xfrm>
+          <a:prstGeom prst="rect">
+            <a:avLst/>
+          </a:prstGeom>
+        </p:spPr>
+      </p:pic>
+      <p:sp>
+        <p:nvSpPr>
+          <p:cNvPr id="12" name="Rogner un rectangle avec un coin diagonal 11"/>
+          <p:cNvSpPr/>
+          <p:nvPr/>
+        </p:nvSpPr>
+        <p:spPr>
+          <a:xfrm>
+            <a:off x="1259632" y="0"/>
+            <a:ext cx="7848872" cy="512676"/>
+          </a:xfrm>
+          <a:prstGeom prst="snip2DiagRect">
+            <a:avLst>
+              <a:gd name="adj1" fmla="val 24520"/>
+              <a:gd name="adj2" fmla="val 23038"/>
+            </a:avLst>
+          </a:prstGeom>
+        </p:spPr>
+        <p:style>
+          <a:lnRef idx="0">
+            <a:schemeClr val="accent5"/>
+          </a:lnRef>
+          <a:fillRef idx="3">
+            <a:schemeClr val="accent5"/>
+          </a:fillRef>
+          <a:effectRef idx="3">
+            <a:schemeClr val="accent5"/>
+          </a:effectRef>
+          <a:fontRef idx="minor">
+            <a:schemeClr val="lt1"/>
+          </a:fontRef>
+        </p:style>
+        <p:txBody>
+          <a:bodyPr rtlCol="0" anchor="ctr"/>
+          <a:lstStyle/>
+          <a:p>
+            <a:pPr algn="ctr"/>
+            <a:r>
+              <a:rPr lang="fr-FR" sz="1200" dirty="0" smtClean="0">
+                <a:solidFill>
+                  <a:schemeClr val="tx1"/>
+                </a:solidFill>
+              </a:rPr>
+              <a:t>-Principe de fonctionnement -Architecture -Services de l’application -Diagramme des cas d’utilisation</a:t>
+            </a:r>
+          </a:p>
+          <a:p>
+            <a:pPr algn="ctr"/>
+            <a:r>
+              <a:rPr lang="fr-FR" sz="1200" dirty="0" smtClean="0">
+                <a:solidFill>
+                  <a:schemeClr val="bg1"/>
+                </a:solidFill>
+              </a:rPr>
+              <a:t>-Matérielle et logiciel </a:t>
+            </a:r>
+            <a:r>
+              <a:rPr lang="fr-FR" sz="1200" dirty="0" smtClean="0">
+                <a:solidFill>
+                  <a:schemeClr val="tx1"/>
+                </a:solidFill>
+              </a:rPr>
+              <a:t>-Réalisation -Model Vue Contrôleur -Avantages / inconvénients -Améliorations possibles</a:t>
+            </a:r>
+            <a:endParaRPr lang="fr-FR" sz="1200" dirty="0">
+              <a:solidFill>
+                <a:schemeClr val="tx1"/>
+              </a:solidFill>
+            </a:endParaRPr>
+          </a:p>
+        </p:txBody>
+      </p:sp>
+      <p:pic>
+        <p:nvPicPr>
+          <p:cNvPr id="8" name="Image 7"/>
+          <p:cNvPicPr>
+            <a:picLocks noChangeAspect="1"/>
+          </p:cNvPicPr>
+          <p:nvPr/>
+        </p:nvPicPr>
+        <p:blipFill>
+          <a:blip r:embed="rId3" cstate="print">
+            <a:extLst>
+              <a:ext uri="{28A0092B-C50C-407E-A947-70E740481C1C}">
+                <a14:useLocalDpi xmlns:a14="http://schemas.microsoft.com/office/drawing/2010/main" val="0"/>
+              </a:ext>
+            </a:extLst>
+          </a:blip>
+          <a:stretch>
+            <a:fillRect/>
+          </a:stretch>
+        </p:blipFill>
+        <p:spPr>
+          <a:xfrm>
+            <a:off x="7092280" y="4640540"/>
+            <a:ext cx="896615" cy="864096"/>
+          </a:xfrm>
+          <a:prstGeom prst="rect">
+            <a:avLst/>
+          </a:prstGeom>
+        </p:spPr>
+      </p:pic>
+      <p:pic>
+        <p:nvPicPr>
+          <p:cNvPr id="4" name="Image 3"/>
+          <p:cNvPicPr>
+            <a:picLocks noChangeAspect="1"/>
+          </p:cNvPicPr>
+          <p:nvPr/>
+        </p:nvPicPr>
+        <p:blipFill>
+          <a:blip r:embed="rId4" cstate="print">
+            <a:extLst>
+              <a:ext uri="{28A0092B-C50C-407E-A947-70E740481C1C}">
+                <a14:useLocalDpi xmlns:a14="http://schemas.microsoft.com/office/drawing/2010/main" val="0"/>
+              </a:ext>
+            </a:extLst>
+          </a:blip>
+          <a:stretch>
+            <a:fillRect/>
+          </a:stretch>
+        </p:blipFill>
+        <p:spPr>
+          <a:xfrm>
+            <a:off x="7092280" y="3386205"/>
+            <a:ext cx="874530" cy="874530"/>
+          </a:xfrm>
+          <a:prstGeom prst="rect">
+            <a:avLst/>
+          </a:prstGeom>
+        </p:spPr>
+      </p:pic>
+      <p:pic>
+        <p:nvPicPr>
+          <p:cNvPr id="13" name="Image 12"/>
+          <p:cNvPicPr>
+            <a:picLocks noChangeAspect="1"/>
+          </p:cNvPicPr>
+          <p:nvPr/>
+        </p:nvPicPr>
+        <p:blipFill>
+          <a:blip r:embed="rId5">
+            <a:extLst>
+              <a:ext uri="{28A0092B-C50C-407E-A947-70E740481C1C}">
+                <a14:useLocalDpi xmlns:a14="http://schemas.microsoft.com/office/drawing/2010/main" val="0"/>
+              </a:ext>
+            </a:extLst>
+          </a:blip>
+          <a:stretch>
+            <a:fillRect/>
+          </a:stretch>
+        </p:blipFill>
+        <p:spPr>
+          <a:xfrm>
+            <a:off x="6953481" y="2204864"/>
+            <a:ext cx="1152128" cy="935528"/>
+          </a:xfrm>
+          <a:prstGeom prst="rect">
+            <a:avLst/>
+          </a:prstGeom>
+        </p:spPr>
+      </p:pic>
+    </p:spTree>
+    <p:extLst>
+      <p:ext uri="{BB962C8B-B14F-4D97-AF65-F5344CB8AC3E}">
+        <p14:creationId xmlns:p14="http://schemas.microsoft.com/office/powerpoint/2010/main" val="2125529175"/>
+      </p:ext>
+    </p:extLst>
+  </p:cSld>
+  <p:clrMapOvr>
+    <a:masterClrMapping/>
+  </p:clrMapOvr>
+  <p:timing>
+    <p:tnLst>
+      <p:par>
+        <p:cTn id="1" dur="indefinite" restart="never" nodeType="tmRoot"/>
+      </p:par>
+    </p:tnLst>
+  </p:timing>
+</p:sld>
+</file>
+
+<file path=ppt/slides/slide9.xml><?xml version="1.0" encoding="utf-8"?>
+<p:sld xmlns:a="http://schemas.openxmlformats.org/drawingml/2006/main" xmlns:r="http://schemas.openxmlformats.org/officeDocument/2006/relationships" xmlns:p="http://schemas.openxmlformats.org/presentationml/2006/main">
+  <p:cSld>
+    <p:spTree>
+      <p:nvGrpSpPr>
+        <p:cNvPr id="1" name=""/>
+        <p:cNvGrpSpPr/>
+        <p:nvPr/>
+      </p:nvGrpSpPr>
+      <p:grpSpPr>
+        <a:xfrm>
+          <a:off x="0" y="0"/>
+          <a:ext cx="0" cy="0"/>
+          <a:chOff x="0" y="0"/>
+          <a:chExt cx="0" cy="0"/>
+        </a:xfrm>
+      </p:grpSpPr>
+      <p:sp>
+        <p:nvSpPr>
+          <p:cNvPr id="2" name="Titre 1"/>
+          <p:cNvSpPr>
+            <a:spLocks noGrp="1"/>
+          </p:cNvSpPr>
+          <p:nvPr>
+            <p:ph type="ctrTitle"/>
+          </p:nvPr>
+        </p:nvSpPr>
+        <p:spPr>
+          <a:xfrm>
+            <a:off x="685800" y="806847"/>
+            <a:ext cx="7772400" cy="1470025"/>
+          </a:xfrm>
+        </p:spPr>
+        <p:txBody>
+          <a:bodyPr/>
+          <a:lstStyle/>
+          <a:p>
+            <a:r>
+              <a:rPr lang="fr-FR" dirty="0" smtClean="0"/>
+              <a:t>Réalisation</a:t>
+            </a:r>
+            <a:endParaRPr lang="fr-FR" dirty="0"/>
+          </a:p>
+        </p:txBody>
+      </p:sp>
+      <p:sp>
+        <p:nvSpPr>
+          <p:cNvPr id="3" name="Sous-titre 2"/>
+          <p:cNvSpPr>
+            <a:spLocks noGrp="1"/>
+          </p:cNvSpPr>
+          <p:nvPr>
+            <p:ph type="subTitle" idx="1"/>
+          </p:nvPr>
+        </p:nvSpPr>
+        <p:spPr>
+          <a:xfrm>
+            <a:off x="1371600" y="1772816"/>
+            <a:ext cx="6400800" cy="1752600"/>
+          </a:xfrm>
+        </p:spPr>
+        <p:txBody>
+          <a:bodyPr/>
+          <a:lstStyle/>
+          <a:p>
+            <a:r>
+              <a:rPr lang="fr-FR" dirty="0" smtClean="0">
+                <a:solidFill>
+                  <a:schemeClr val="tx1"/>
+                </a:solidFill>
+              </a:rPr>
+              <a:t>La base Derby </a:t>
+            </a:r>
+            <a:r>
+              <a:rPr lang="fr-FR" dirty="0" err="1" smtClean="0">
+                <a:solidFill>
+                  <a:schemeClr val="tx1"/>
+                </a:solidFill>
+              </a:rPr>
+              <a:t>Assoc</a:t>
+            </a:r>
+            <a:endParaRPr lang="fr-FR" dirty="0">
+              <a:solidFill>
+                <a:schemeClr val="tx1"/>
+              </a:solidFill>
+            </a:endParaRPr>
+          </a:p>
+        </p:txBody>
+      </p:sp>
+      <p:sp>
+        <p:nvSpPr>
+          <p:cNvPr id="9" name="Espace réservé du pied de page 8"/>
+          <p:cNvSpPr>
+            <a:spLocks noGrp="1"/>
+          </p:cNvSpPr>
+          <p:nvPr>
+            <p:ph type="ftr" sz="quarter" idx="11"/>
+          </p:nvPr>
+        </p:nvSpPr>
+        <p:spPr>
+          <a:xfrm>
+            <a:off x="2843808" y="6356350"/>
+            <a:ext cx="3456384" cy="365125"/>
+          </a:xfrm>
+        </p:spPr>
+        <p:txBody>
+          <a:bodyPr/>
+          <a:lstStyle/>
+          <a:p>
+            <a:r>
+              <a:rPr lang="fr-FR" dirty="0" smtClean="0">
+                <a:solidFill>
+                  <a:schemeClr val="tx1"/>
+                </a:solidFill>
+              </a:rPr>
+              <a:t>Université de Nantes, Licence Professionnelle SIL</a:t>
+            </a:r>
+            <a:endParaRPr lang="fr-BE" dirty="0">
+              <a:solidFill>
+                <a:schemeClr val="tx1"/>
+              </a:solidFill>
+            </a:endParaRPr>
+          </a:p>
+        </p:txBody>
+      </p:sp>
+      <p:sp>
+        <p:nvSpPr>
+          <p:cNvPr id="10" name="Espace réservé du numéro de diapositive 9"/>
+          <p:cNvSpPr>
+            <a:spLocks noGrp="1"/>
+          </p:cNvSpPr>
+          <p:nvPr>
+            <p:ph type="sldNum" sz="quarter" idx="12"/>
+          </p:nvPr>
+        </p:nvSpPr>
+        <p:spPr>
+          <a:xfrm>
+            <a:off x="6553200" y="6356350"/>
+            <a:ext cx="2133600" cy="365125"/>
+          </a:xfrm>
+        </p:spPr>
+        <p:txBody>
+          <a:bodyPr/>
+          <a:lstStyle/>
+          <a:p>
+            <a:fld id="{CF4668DC-857F-487D-BFFA-8C0CA5037977}" type="slidenum">
+              <a:rPr lang="fr-BE" smtClean="0">
+                <a:solidFill>
+                  <a:schemeClr val="tx1"/>
+                </a:solidFill>
+              </a:rPr>
+              <a:t>9</a:t>
             </a:fld>
             <a:endParaRPr lang="fr-BE" dirty="0">
               <a:solidFill>
@@ -5232,3854 +10412,6 @@
     <p:extLst>
       <p:ext uri="{BB962C8B-B14F-4D97-AF65-F5344CB8AC3E}">
         <p14:creationId xmlns:p14="http://schemas.microsoft.com/office/powerpoint/2010/main" val="2127289285"/>
-      </p:ext>
-    </p:extLst>
-  </p:cSld>
-  <p:clrMapOvr>
-    <a:masterClrMapping/>
-  </p:clrMapOvr>
-  <p:timing>
-    <p:tnLst>
-      <p:par>
-        <p:cTn id="1" dur="indefinite" restart="never" nodeType="tmRoot"/>
-      </p:par>
-    </p:tnLst>
-  </p:timing>
-</p:sld>
-</file>
-
-<file path=ppt/slides/slide11.xml><?xml version="1.0" encoding="utf-8"?>
-<p:sld xmlns:a="http://schemas.openxmlformats.org/drawingml/2006/main" xmlns:r="http://schemas.openxmlformats.org/officeDocument/2006/relationships" xmlns:p="http://schemas.openxmlformats.org/presentationml/2006/main">
-  <p:cSld>
-    <p:spTree>
-      <p:nvGrpSpPr>
-        <p:cNvPr id="1" name=""/>
-        <p:cNvGrpSpPr/>
-        <p:nvPr/>
-      </p:nvGrpSpPr>
-      <p:grpSpPr>
-        <a:xfrm>
-          <a:off x="0" y="0"/>
-          <a:ext cx="0" cy="0"/>
-          <a:chOff x="0" y="0"/>
-          <a:chExt cx="0" cy="0"/>
-        </a:xfrm>
-      </p:grpSpPr>
-      <p:sp>
-        <p:nvSpPr>
-          <p:cNvPr id="2" name="Titre 1"/>
-          <p:cNvSpPr>
-            <a:spLocks noGrp="1"/>
-          </p:cNvSpPr>
-          <p:nvPr>
-            <p:ph type="ctrTitle"/>
-          </p:nvPr>
-        </p:nvSpPr>
-        <p:spPr>
-          <a:xfrm>
-            <a:off x="685800" y="806847"/>
-            <a:ext cx="7772400" cy="1470025"/>
-          </a:xfrm>
-        </p:spPr>
-        <p:txBody>
-          <a:bodyPr/>
-          <a:lstStyle/>
-          <a:p>
-            <a:r>
-              <a:rPr lang="fr-FR" dirty="0" smtClean="0"/>
-              <a:t>Model Vue Contrôleur</a:t>
-            </a:r>
-            <a:endParaRPr lang="fr-FR" dirty="0"/>
-          </a:p>
-        </p:txBody>
-      </p:sp>
-      <p:sp>
-        <p:nvSpPr>
-          <p:cNvPr id="9" name="Espace réservé du pied de page 8"/>
-          <p:cNvSpPr>
-            <a:spLocks noGrp="1"/>
-          </p:cNvSpPr>
-          <p:nvPr>
-            <p:ph type="ftr" sz="quarter" idx="11"/>
-          </p:nvPr>
-        </p:nvSpPr>
-        <p:spPr>
-          <a:xfrm>
-            <a:off x="2843808" y="6356350"/>
-            <a:ext cx="3456384" cy="365125"/>
-          </a:xfrm>
-        </p:spPr>
-        <p:txBody>
-          <a:bodyPr/>
-          <a:lstStyle/>
-          <a:p>
-            <a:r>
-              <a:rPr lang="fr-FR" dirty="0" smtClean="0">
-                <a:solidFill>
-                  <a:schemeClr val="tx1"/>
-                </a:solidFill>
-              </a:rPr>
-              <a:t>Université de Nantes, Licence Professionnelle SIL</a:t>
-            </a:r>
-            <a:endParaRPr lang="fr-BE" dirty="0">
-              <a:solidFill>
-                <a:schemeClr val="tx1"/>
-              </a:solidFill>
-            </a:endParaRPr>
-          </a:p>
-        </p:txBody>
-      </p:sp>
-      <p:sp>
-        <p:nvSpPr>
-          <p:cNvPr id="10" name="Espace réservé du numéro de diapositive 9"/>
-          <p:cNvSpPr>
-            <a:spLocks noGrp="1"/>
-          </p:cNvSpPr>
-          <p:nvPr>
-            <p:ph type="sldNum" sz="quarter" idx="12"/>
-          </p:nvPr>
-        </p:nvSpPr>
-        <p:spPr>
-          <a:xfrm>
-            <a:off x="6553200" y="6356350"/>
-            <a:ext cx="2133600" cy="365125"/>
-          </a:xfrm>
-        </p:spPr>
-        <p:txBody>
-          <a:bodyPr/>
-          <a:lstStyle/>
-          <a:p>
-            <a:fld id="{CF4668DC-857F-487D-BFFA-8C0CA5037977}" type="slidenum">
-              <a:rPr lang="fr-BE" smtClean="0">
-                <a:solidFill>
-                  <a:schemeClr val="tx1"/>
-                </a:solidFill>
-              </a:rPr>
-              <a:t>11</a:t>
-            </a:fld>
-            <a:endParaRPr lang="fr-BE" dirty="0">
-              <a:solidFill>
-                <a:schemeClr val="tx1"/>
-              </a:solidFill>
-            </a:endParaRPr>
-          </a:p>
-        </p:txBody>
-      </p:sp>
-      <p:pic>
-        <p:nvPicPr>
-          <p:cNvPr id="11" name="Image 10"/>
-          <p:cNvPicPr>
-            <a:picLocks noChangeAspect="1"/>
-          </p:cNvPicPr>
-          <p:nvPr/>
-        </p:nvPicPr>
-        <p:blipFill>
-          <a:blip r:embed="rId2">
-            <a:extLst>
-              <a:ext uri="{28A0092B-C50C-407E-A947-70E740481C1C}">
-                <a14:useLocalDpi xmlns:a14="http://schemas.microsoft.com/office/drawing/2010/main" val="0"/>
-              </a:ext>
-            </a:extLst>
-          </a:blip>
-          <a:stretch>
-            <a:fillRect/>
-          </a:stretch>
-        </p:blipFill>
-        <p:spPr>
-          <a:xfrm>
-            <a:off x="107504" y="133118"/>
-            <a:ext cx="1080120" cy="469618"/>
-          </a:xfrm>
-          <a:prstGeom prst="rect">
-            <a:avLst/>
-          </a:prstGeom>
-        </p:spPr>
-      </p:pic>
-      <p:sp>
-        <p:nvSpPr>
-          <p:cNvPr id="12" name="Rogner un rectangle avec un coin diagonal 11"/>
-          <p:cNvSpPr/>
-          <p:nvPr/>
-        </p:nvSpPr>
-        <p:spPr>
-          <a:xfrm>
-            <a:off x="1259632" y="0"/>
-            <a:ext cx="7848872" cy="512676"/>
-          </a:xfrm>
-          <a:prstGeom prst="snip2DiagRect">
-            <a:avLst>
-              <a:gd name="adj1" fmla="val 24520"/>
-              <a:gd name="adj2" fmla="val 23038"/>
-            </a:avLst>
-          </a:prstGeom>
-        </p:spPr>
-        <p:style>
-          <a:lnRef idx="0">
-            <a:schemeClr val="accent5"/>
-          </a:lnRef>
-          <a:fillRef idx="3">
-            <a:schemeClr val="accent5"/>
-          </a:fillRef>
-          <a:effectRef idx="3">
-            <a:schemeClr val="accent5"/>
-          </a:effectRef>
-          <a:fontRef idx="minor">
-            <a:schemeClr val="lt1"/>
-          </a:fontRef>
-        </p:style>
-        <p:txBody>
-          <a:bodyPr rtlCol="0" anchor="ctr"/>
-          <a:lstStyle/>
-          <a:p>
-            <a:pPr algn="ctr"/>
-            <a:r>
-              <a:rPr lang="fr-FR" sz="1200" dirty="0" smtClean="0">
-                <a:solidFill>
-                  <a:schemeClr val="tx1"/>
-                </a:solidFill>
-              </a:rPr>
-              <a:t>-Principe de fonctionnement -Architecture -Services de l’application -Diagramme des cas d’utilisation</a:t>
-            </a:r>
-          </a:p>
-          <a:p>
-            <a:pPr algn="ctr"/>
-            <a:r>
-              <a:rPr lang="fr-FR" sz="1200" dirty="0" smtClean="0">
-                <a:solidFill>
-                  <a:schemeClr val="tx1"/>
-                </a:solidFill>
-              </a:rPr>
-              <a:t>-Matérielle et logiciel -Réalisation </a:t>
-            </a:r>
-            <a:r>
-              <a:rPr lang="fr-FR" sz="1200" dirty="0" smtClean="0">
-                <a:solidFill>
-                  <a:schemeClr val="bg1"/>
-                </a:solidFill>
-              </a:rPr>
-              <a:t>-Model Vue Contrôleur </a:t>
-            </a:r>
-            <a:r>
-              <a:rPr lang="fr-FR" sz="1200" dirty="0" smtClean="0">
-                <a:solidFill>
-                  <a:schemeClr val="tx1"/>
-                </a:solidFill>
-              </a:rPr>
-              <a:t>-Avantages / inconvénients -Améliorations possibles</a:t>
-            </a:r>
-            <a:endParaRPr lang="fr-FR" sz="1200" dirty="0">
-              <a:solidFill>
-                <a:schemeClr val="tx1"/>
-              </a:solidFill>
-            </a:endParaRPr>
-          </a:p>
-        </p:txBody>
-      </p:sp>
-      <p:sp>
-        <p:nvSpPr>
-          <p:cNvPr id="4" name="Rectangle 3"/>
-          <p:cNvSpPr/>
-          <p:nvPr/>
-        </p:nvSpPr>
-        <p:spPr>
-          <a:xfrm>
-            <a:off x="647564" y="2564904"/>
-            <a:ext cx="1908212" cy="2376264"/>
-          </a:xfrm>
-          <a:prstGeom prst="rect">
-            <a:avLst/>
-          </a:prstGeom>
-        </p:spPr>
-        <p:style>
-          <a:lnRef idx="2">
-            <a:schemeClr val="accent1">
-              <a:shade val="50000"/>
-            </a:schemeClr>
-          </a:lnRef>
-          <a:fillRef idx="1">
-            <a:schemeClr val="accent1"/>
-          </a:fillRef>
-          <a:effectRef idx="0">
-            <a:schemeClr val="accent1"/>
-          </a:effectRef>
-          <a:fontRef idx="minor">
-            <a:schemeClr val="lt1"/>
-          </a:fontRef>
-        </p:style>
-        <p:txBody>
-          <a:bodyPr rtlCol="0" anchor="ctr"/>
-          <a:lstStyle/>
-          <a:p>
-            <a:pPr algn="ctr"/>
-            <a:r>
-              <a:rPr lang="fr-FR" dirty="0" smtClean="0"/>
-              <a:t>Model</a:t>
-            </a:r>
-          </a:p>
-          <a:p>
-            <a:pPr algn="ctr"/>
-            <a:endParaRPr lang="fr-FR" dirty="0"/>
-          </a:p>
-          <a:p>
-            <a:pPr algn="ctr"/>
-            <a:endParaRPr lang="fr-FR" dirty="0" smtClean="0"/>
-          </a:p>
-          <a:p>
-            <a:pPr algn="ctr"/>
-            <a:endParaRPr lang="fr-FR" dirty="0"/>
-          </a:p>
-          <a:p>
-            <a:pPr algn="ctr"/>
-            <a:endParaRPr lang="fr-FR" dirty="0" smtClean="0"/>
-          </a:p>
-          <a:p>
-            <a:pPr algn="ctr"/>
-            <a:endParaRPr lang="fr-FR" dirty="0"/>
-          </a:p>
-          <a:p>
-            <a:pPr algn="ctr"/>
-            <a:endParaRPr lang="fr-FR" dirty="0" smtClean="0"/>
-          </a:p>
-          <a:p>
-            <a:pPr algn="ctr"/>
-            <a:endParaRPr lang="fr-FR" dirty="0"/>
-          </a:p>
-        </p:txBody>
-      </p:sp>
-      <p:sp>
-        <p:nvSpPr>
-          <p:cNvPr id="13" name="Rectangle 12"/>
-          <p:cNvSpPr/>
-          <p:nvPr/>
-        </p:nvSpPr>
-        <p:spPr>
-          <a:xfrm>
-            <a:off x="3419872" y="2564904"/>
-            <a:ext cx="1908212" cy="2376264"/>
-          </a:xfrm>
-          <a:prstGeom prst="rect">
-            <a:avLst/>
-          </a:prstGeom>
-        </p:spPr>
-        <p:style>
-          <a:lnRef idx="2">
-            <a:schemeClr val="accent1">
-              <a:shade val="50000"/>
-            </a:schemeClr>
-          </a:lnRef>
-          <a:fillRef idx="1">
-            <a:schemeClr val="accent1"/>
-          </a:fillRef>
-          <a:effectRef idx="0">
-            <a:schemeClr val="accent1"/>
-          </a:effectRef>
-          <a:fontRef idx="minor">
-            <a:schemeClr val="lt1"/>
-          </a:fontRef>
-        </p:style>
-        <p:txBody>
-          <a:bodyPr rtlCol="0" anchor="ctr"/>
-          <a:lstStyle/>
-          <a:p>
-            <a:pPr algn="ctr"/>
-            <a:r>
-              <a:rPr lang="fr-FR" dirty="0" smtClean="0"/>
-              <a:t>Contrôleur</a:t>
-            </a:r>
-          </a:p>
-          <a:p>
-            <a:pPr algn="ctr"/>
-            <a:endParaRPr lang="fr-FR" dirty="0"/>
-          </a:p>
-          <a:p>
-            <a:pPr algn="ctr"/>
-            <a:endParaRPr lang="fr-FR" dirty="0" smtClean="0"/>
-          </a:p>
-          <a:p>
-            <a:pPr algn="ctr"/>
-            <a:endParaRPr lang="fr-FR" dirty="0"/>
-          </a:p>
-          <a:p>
-            <a:pPr algn="ctr"/>
-            <a:endParaRPr lang="fr-FR" dirty="0" smtClean="0"/>
-          </a:p>
-          <a:p>
-            <a:pPr algn="ctr"/>
-            <a:endParaRPr lang="fr-FR" dirty="0"/>
-          </a:p>
-          <a:p>
-            <a:pPr algn="ctr"/>
-            <a:endParaRPr lang="fr-FR" dirty="0" smtClean="0"/>
-          </a:p>
-          <a:p>
-            <a:pPr algn="ctr"/>
-            <a:endParaRPr lang="fr-FR" dirty="0"/>
-          </a:p>
-        </p:txBody>
-      </p:sp>
-      <p:sp>
-        <p:nvSpPr>
-          <p:cNvPr id="14" name="Rectangle 13"/>
-          <p:cNvSpPr/>
-          <p:nvPr/>
-        </p:nvSpPr>
-        <p:spPr>
-          <a:xfrm>
-            <a:off x="6372200" y="2564904"/>
-            <a:ext cx="1908212" cy="2376264"/>
-          </a:xfrm>
-          <a:prstGeom prst="rect">
-            <a:avLst/>
-          </a:prstGeom>
-        </p:spPr>
-        <p:style>
-          <a:lnRef idx="2">
-            <a:schemeClr val="accent1">
-              <a:shade val="50000"/>
-            </a:schemeClr>
-          </a:lnRef>
-          <a:fillRef idx="1">
-            <a:schemeClr val="accent1"/>
-          </a:fillRef>
-          <a:effectRef idx="0">
-            <a:schemeClr val="accent1"/>
-          </a:effectRef>
-          <a:fontRef idx="minor">
-            <a:schemeClr val="lt1"/>
-          </a:fontRef>
-        </p:style>
-        <p:txBody>
-          <a:bodyPr rtlCol="0" anchor="ctr"/>
-          <a:lstStyle/>
-          <a:p>
-            <a:pPr algn="ctr"/>
-            <a:r>
-              <a:rPr lang="fr-FR" dirty="0" smtClean="0"/>
-              <a:t>Vue</a:t>
-            </a:r>
-          </a:p>
-          <a:p>
-            <a:pPr algn="ctr"/>
-            <a:r>
-              <a:rPr lang="fr-FR" dirty="0" smtClean="0"/>
-              <a:t>TomCat7</a:t>
-            </a:r>
-          </a:p>
-          <a:p>
-            <a:pPr algn="ctr"/>
-            <a:endParaRPr lang="fr-FR" dirty="0" smtClean="0"/>
-          </a:p>
-          <a:p>
-            <a:pPr algn="ctr"/>
-            <a:endParaRPr lang="fr-FR" dirty="0"/>
-          </a:p>
-          <a:p>
-            <a:pPr algn="ctr"/>
-            <a:r>
-              <a:rPr lang="fr-FR" dirty="0" smtClean="0"/>
-              <a:t>IHM</a:t>
-            </a:r>
-          </a:p>
-          <a:p>
-            <a:pPr algn="ctr"/>
-            <a:endParaRPr lang="fr-FR" dirty="0"/>
-          </a:p>
-          <a:p>
-            <a:pPr algn="ctr"/>
-            <a:endParaRPr lang="fr-FR" dirty="0" smtClean="0"/>
-          </a:p>
-          <a:p>
-            <a:pPr algn="ctr"/>
-            <a:endParaRPr lang="fr-FR" dirty="0"/>
-          </a:p>
-        </p:txBody>
-      </p:sp>
-      <p:sp>
-        <p:nvSpPr>
-          <p:cNvPr id="5" name="Rectangle à coins arrondis 4"/>
-          <p:cNvSpPr/>
-          <p:nvPr/>
-        </p:nvSpPr>
-        <p:spPr>
-          <a:xfrm>
-            <a:off x="827584" y="2996952"/>
-            <a:ext cx="1584176" cy="360040"/>
-          </a:xfrm>
-          <a:prstGeom prst="roundRect">
-            <a:avLst/>
-          </a:prstGeom>
-        </p:spPr>
-        <p:style>
-          <a:lnRef idx="3">
-            <a:schemeClr val="lt1"/>
-          </a:lnRef>
-          <a:fillRef idx="1">
-            <a:schemeClr val="accent1"/>
-          </a:fillRef>
-          <a:effectRef idx="1">
-            <a:schemeClr val="accent1"/>
-          </a:effectRef>
-          <a:fontRef idx="minor">
-            <a:schemeClr val="lt1"/>
-          </a:fontRef>
-        </p:style>
-        <p:txBody>
-          <a:bodyPr rtlCol="0" anchor="ctr"/>
-          <a:lstStyle/>
-          <a:p>
-            <a:pPr algn="ctr"/>
-            <a:r>
-              <a:rPr lang="fr-FR" dirty="0" err="1" smtClean="0"/>
-              <a:t>Adherent</a:t>
-            </a:r>
-            <a:endParaRPr lang="fr-FR" dirty="0"/>
-          </a:p>
-        </p:txBody>
-      </p:sp>
-      <p:sp>
-        <p:nvSpPr>
-          <p:cNvPr id="15" name="Rectangle à coins arrondis 14"/>
-          <p:cNvSpPr/>
-          <p:nvPr/>
-        </p:nvSpPr>
-        <p:spPr>
-          <a:xfrm>
-            <a:off x="827584" y="3509392"/>
-            <a:ext cx="1584176" cy="360040"/>
-          </a:xfrm>
-          <a:prstGeom prst="roundRect">
-            <a:avLst/>
-          </a:prstGeom>
-        </p:spPr>
-        <p:style>
-          <a:lnRef idx="3">
-            <a:schemeClr val="lt1"/>
-          </a:lnRef>
-          <a:fillRef idx="1">
-            <a:schemeClr val="accent1"/>
-          </a:fillRef>
-          <a:effectRef idx="1">
-            <a:schemeClr val="accent1"/>
-          </a:effectRef>
-          <a:fontRef idx="minor">
-            <a:schemeClr val="lt1"/>
-          </a:fontRef>
-        </p:style>
-        <p:txBody>
-          <a:bodyPr rtlCol="0" anchor="ctr"/>
-          <a:lstStyle/>
-          <a:p>
-            <a:pPr algn="ctr"/>
-            <a:r>
-              <a:rPr lang="fr-FR" dirty="0" smtClean="0"/>
-              <a:t>Article</a:t>
-            </a:r>
-            <a:endParaRPr lang="fr-FR" dirty="0"/>
-          </a:p>
-        </p:txBody>
-      </p:sp>
-      <p:sp>
-        <p:nvSpPr>
-          <p:cNvPr id="16" name="Rectangle à coins arrondis 15"/>
-          <p:cNvSpPr/>
-          <p:nvPr/>
-        </p:nvSpPr>
-        <p:spPr>
-          <a:xfrm>
-            <a:off x="827584" y="4005064"/>
-            <a:ext cx="1584176" cy="360040"/>
-          </a:xfrm>
-          <a:prstGeom prst="roundRect">
-            <a:avLst/>
-          </a:prstGeom>
-        </p:spPr>
-        <p:style>
-          <a:lnRef idx="3">
-            <a:schemeClr val="lt1"/>
-          </a:lnRef>
-          <a:fillRef idx="1">
-            <a:schemeClr val="accent1"/>
-          </a:fillRef>
-          <a:effectRef idx="1">
-            <a:schemeClr val="accent1"/>
-          </a:effectRef>
-          <a:fontRef idx="minor">
-            <a:schemeClr val="lt1"/>
-          </a:fontRef>
-        </p:style>
-        <p:txBody>
-          <a:bodyPr rtlCol="0" anchor="ctr"/>
-          <a:lstStyle/>
-          <a:p>
-            <a:pPr algn="ctr"/>
-            <a:r>
-              <a:rPr lang="fr-FR" dirty="0" smtClean="0"/>
-              <a:t>Commande</a:t>
-            </a:r>
-            <a:endParaRPr lang="fr-FR" dirty="0"/>
-          </a:p>
-        </p:txBody>
-      </p:sp>
-      <p:sp>
-        <p:nvSpPr>
-          <p:cNvPr id="17" name="Rectangle à coins arrondis 16"/>
-          <p:cNvSpPr/>
-          <p:nvPr/>
-        </p:nvSpPr>
-        <p:spPr>
-          <a:xfrm>
-            <a:off x="3599892" y="2996952"/>
-            <a:ext cx="1584176" cy="360040"/>
-          </a:xfrm>
-          <a:prstGeom prst="roundRect">
-            <a:avLst/>
-          </a:prstGeom>
-        </p:spPr>
-        <p:style>
-          <a:lnRef idx="3">
-            <a:schemeClr val="lt1"/>
-          </a:lnRef>
-          <a:fillRef idx="1">
-            <a:schemeClr val="accent1"/>
-          </a:fillRef>
-          <a:effectRef idx="1">
-            <a:schemeClr val="accent1"/>
-          </a:effectRef>
-          <a:fontRef idx="minor">
-            <a:schemeClr val="lt1"/>
-          </a:fontRef>
-        </p:style>
-        <p:txBody>
-          <a:bodyPr rtlCol="0" anchor="ctr"/>
-          <a:lstStyle/>
-          <a:p>
-            <a:pPr algn="ctr"/>
-            <a:r>
-              <a:rPr lang="fr-FR" sz="1400" dirty="0" err="1" smtClean="0"/>
-              <a:t>AdherentService</a:t>
-            </a:r>
-            <a:endParaRPr lang="fr-FR" sz="1400" dirty="0"/>
-          </a:p>
-        </p:txBody>
-      </p:sp>
-      <p:sp>
-        <p:nvSpPr>
-          <p:cNvPr id="18" name="Rectangle à coins arrondis 17"/>
-          <p:cNvSpPr/>
-          <p:nvPr/>
-        </p:nvSpPr>
-        <p:spPr>
-          <a:xfrm>
-            <a:off x="3599892" y="3508824"/>
-            <a:ext cx="1584176" cy="360040"/>
-          </a:xfrm>
-          <a:prstGeom prst="roundRect">
-            <a:avLst/>
-          </a:prstGeom>
-        </p:spPr>
-        <p:style>
-          <a:lnRef idx="3">
-            <a:schemeClr val="lt1"/>
-          </a:lnRef>
-          <a:fillRef idx="1">
-            <a:schemeClr val="accent1"/>
-          </a:fillRef>
-          <a:effectRef idx="1">
-            <a:schemeClr val="accent1"/>
-          </a:effectRef>
-          <a:fontRef idx="minor">
-            <a:schemeClr val="lt1"/>
-          </a:fontRef>
-        </p:style>
-        <p:txBody>
-          <a:bodyPr rtlCol="0" anchor="ctr"/>
-          <a:lstStyle/>
-          <a:p>
-            <a:pPr algn="ctr"/>
-            <a:r>
-              <a:rPr lang="fr-FR" sz="1400" dirty="0" err="1" smtClean="0"/>
-              <a:t>ArticleService</a:t>
-            </a:r>
-            <a:endParaRPr lang="fr-FR" sz="1400" dirty="0"/>
-          </a:p>
-        </p:txBody>
-      </p:sp>
-      <p:sp>
-        <p:nvSpPr>
-          <p:cNvPr id="19" name="Rectangle à coins arrondis 18"/>
-          <p:cNvSpPr/>
-          <p:nvPr/>
-        </p:nvSpPr>
-        <p:spPr>
-          <a:xfrm>
-            <a:off x="3599892" y="4005064"/>
-            <a:ext cx="1584176" cy="360040"/>
-          </a:xfrm>
-          <a:prstGeom prst="roundRect">
-            <a:avLst/>
-          </a:prstGeom>
-        </p:spPr>
-        <p:style>
-          <a:lnRef idx="3">
-            <a:schemeClr val="lt1"/>
-          </a:lnRef>
-          <a:fillRef idx="1">
-            <a:schemeClr val="accent1"/>
-          </a:fillRef>
-          <a:effectRef idx="1">
-            <a:schemeClr val="accent1"/>
-          </a:effectRef>
-          <a:fontRef idx="minor">
-            <a:schemeClr val="lt1"/>
-          </a:fontRef>
-        </p:style>
-        <p:txBody>
-          <a:bodyPr rtlCol="0" anchor="ctr"/>
-          <a:lstStyle/>
-          <a:p>
-            <a:pPr algn="ctr"/>
-            <a:r>
-              <a:rPr lang="fr-FR" sz="1400" dirty="0" err="1" smtClean="0"/>
-              <a:t>CommandeService</a:t>
-            </a:r>
-            <a:endParaRPr lang="fr-FR" sz="1400" dirty="0"/>
-          </a:p>
-        </p:txBody>
-      </p:sp>
-      <p:pic>
-        <p:nvPicPr>
-          <p:cNvPr id="20" name="Image 19"/>
-          <p:cNvPicPr>
-            <a:picLocks noChangeAspect="1"/>
-          </p:cNvPicPr>
-          <p:nvPr/>
-        </p:nvPicPr>
-        <p:blipFill>
-          <a:blip r:embed="rId3" cstate="print">
-            <a:extLst>
-              <a:ext uri="{28A0092B-C50C-407E-A947-70E740481C1C}">
-                <a14:useLocalDpi xmlns:a14="http://schemas.microsoft.com/office/drawing/2010/main" val="0"/>
-              </a:ext>
-            </a:extLst>
-          </a:blip>
-          <a:stretch>
-            <a:fillRect/>
-          </a:stretch>
-        </p:blipFill>
-        <p:spPr>
-          <a:xfrm>
-            <a:off x="3923928" y="5445224"/>
-            <a:ext cx="792088" cy="763360"/>
-          </a:xfrm>
-          <a:prstGeom prst="rect">
-            <a:avLst/>
-          </a:prstGeom>
-        </p:spPr>
-      </p:pic>
-      <p:cxnSp>
-        <p:nvCxnSpPr>
-          <p:cNvPr id="7" name="Connecteur droit avec flèche 6"/>
-          <p:cNvCxnSpPr>
-            <a:endCxn id="13" idx="2"/>
-          </p:cNvCxnSpPr>
-          <p:nvPr/>
-        </p:nvCxnSpPr>
-        <p:spPr>
-          <a:xfrm flipH="1" flipV="1">
-            <a:off x="4373978" y="4941168"/>
-            <a:ext cx="18002" cy="648072"/>
-          </a:xfrm>
-          <a:prstGeom prst="straightConnector1">
-            <a:avLst/>
-          </a:prstGeom>
-          <a:ln>
-            <a:headEnd type="arrow"/>
-            <a:tailEnd type="arrow"/>
-          </a:ln>
-        </p:spPr>
-        <p:style>
-          <a:lnRef idx="2">
-            <a:schemeClr val="dk1"/>
-          </a:lnRef>
-          <a:fillRef idx="0">
-            <a:schemeClr val="dk1"/>
-          </a:fillRef>
-          <a:effectRef idx="1">
-            <a:schemeClr val="dk1"/>
-          </a:effectRef>
-          <a:fontRef idx="minor">
-            <a:schemeClr val="tx1"/>
-          </a:fontRef>
-        </p:style>
-      </p:cxnSp>
-      <p:cxnSp>
-        <p:nvCxnSpPr>
-          <p:cNvPr id="21" name="Connecteur droit avec flèche 20"/>
-          <p:cNvCxnSpPr>
-            <a:stCxn id="5" idx="3"/>
-            <a:endCxn id="17" idx="1"/>
-          </p:cNvCxnSpPr>
-          <p:nvPr/>
-        </p:nvCxnSpPr>
-        <p:spPr>
-          <a:xfrm>
-            <a:off x="2411760" y="3176972"/>
-            <a:ext cx="1188132" cy="0"/>
-          </a:xfrm>
-          <a:prstGeom prst="straightConnector1">
-            <a:avLst/>
-          </a:prstGeom>
-          <a:ln>
-            <a:headEnd type="arrow"/>
-            <a:tailEnd type="arrow"/>
-          </a:ln>
-        </p:spPr>
-        <p:style>
-          <a:lnRef idx="2">
-            <a:schemeClr val="dk1"/>
-          </a:lnRef>
-          <a:fillRef idx="0">
-            <a:schemeClr val="dk1"/>
-          </a:fillRef>
-          <a:effectRef idx="1">
-            <a:schemeClr val="dk1"/>
-          </a:effectRef>
-          <a:fontRef idx="minor">
-            <a:schemeClr val="tx1"/>
-          </a:fontRef>
-        </p:style>
-      </p:cxnSp>
-      <p:cxnSp>
-        <p:nvCxnSpPr>
-          <p:cNvPr id="22" name="Connecteur droit avec flèche 21"/>
-          <p:cNvCxnSpPr/>
-          <p:nvPr/>
-        </p:nvCxnSpPr>
-        <p:spPr>
-          <a:xfrm>
-            <a:off x="2411760" y="3689412"/>
-            <a:ext cx="1188132" cy="0"/>
-          </a:xfrm>
-          <a:prstGeom prst="straightConnector1">
-            <a:avLst/>
-          </a:prstGeom>
-          <a:ln>
-            <a:headEnd type="arrow"/>
-            <a:tailEnd type="arrow"/>
-          </a:ln>
-        </p:spPr>
-        <p:style>
-          <a:lnRef idx="2">
-            <a:schemeClr val="dk1"/>
-          </a:lnRef>
-          <a:fillRef idx="0">
-            <a:schemeClr val="dk1"/>
-          </a:fillRef>
-          <a:effectRef idx="1">
-            <a:schemeClr val="dk1"/>
-          </a:effectRef>
-          <a:fontRef idx="minor">
-            <a:schemeClr val="tx1"/>
-          </a:fontRef>
-        </p:style>
-      </p:cxnSp>
-      <p:cxnSp>
-        <p:nvCxnSpPr>
-          <p:cNvPr id="23" name="Connecteur droit avec flèche 22"/>
-          <p:cNvCxnSpPr/>
-          <p:nvPr/>
-        </p:nvCxnSpPr>
-        <p:spPr>
-          <a:xfrm>
-            <a:off x="2415306" y="4185084"/>
-            <a:ext cx="1188132" cy="0"/>
-          </a:xfrm>
-          <a:prstGeom prst="straightConnector1">
-            <a:avLst/>
-          </a:prstGeom>
-          <a:ln>
-            <a:headEnd type="arrow"/>
-            <a:tailEnd type="arrow"/>
-          </a:ln>
-        </p:spPr>
-        <p:style>
-          <a:lnRef idx="2">
-            <a:schemeClr val="dk1"/>
-          </a:lnRef>
-          <a:fillRef idx="0">
-            <a:schemeClr val="dk1"/>
-          </a:fillRef>
-          <a:effectRef idx="1">
-            <a:schemeClr val="dk1"/>
-          </a:effectRef>
-          <a:fontRef idx="minor">
-            <a:schemeClr val="tx1"/>
-          </a:fontRef>
-        </p:style>
-      </p:cxnSp>
-      <p:cxnSp>
-        <p:nvCxnSpPr>
-          <p:cNvPr id="24" name="Connecteur droit avec flèche 23"/>
-          <p:cNvCxnSpPr>
-            <a:stCxn id="13" idx="3"/>
-            <a:endCxn id="14" idx="1"/>
-          </p:cNvCxnSpPr>
-          <p:nvPr/>
-        </p:nvCxnSpPr>
-        <p:spPr>
-          <a:xfrm>
-            <a:off x="5328084" y="3753036"/>
-            <a:ext cx="1044116" cy="0"/>
-          </a:xfrm>
-          <a:prstGeom prst="straightConnector1">
-            <a:avLst/>
-          </a:prstGeom>
-          <a:ln>
-            <a:headEnd type="arrow"/>
-            <a:tailEnd type="arrow"/>
-          </a:ln>
-        </p:spPr>
-        <p:style>
-          <a:lnRef idx="2">
-            <a:schemeClr val="dk1"/>
-          </a:lnRef>
-          <a:fillRef idx="0">
-            <a:schemeClr val="dk1"/>
-          </a:fillRef>
-          <a:effectRef idx="1">
-            <a:schemeClr val="dk1"/>
-          </a:effectRef>
-          <a:fontRef idx="minor">
-            <a:schemeClr val="tx1"/>
-          </a:fontRef>
-        </p:style>
-      </p:cxnSp>
-      <p:sp>
-        <p:nvSpPr>
-          <p:cNvPr id="29" name="Rectangle à coins arrondis 28"/>
-          <p:cNvSpPr/>
-          <p:nvPr/>
-        </p:nvSpPr>
-        <p:spPr>
-          <a:xfrm>
-            <a:off x="6660232" y="3356992"/>
-            <a:ext cx="1296144" cy="1224136"/>
-          </a:xfrm>
-          <a:prstGeom prst="roundRect">
-            <a:avLst/>
-          </a:prstGeom>
-        </p:spPr>
-        <p:style>
-          <a:lnRef idx="1">
-            <a:schemeClr val="accent1"/>
-          </a:lnRef>
-          <a:fillRef idx="2">
-            <a:schemeClr val="accent1"/>
-          </a:fillRef>
-          <a:effectRef idx="1">
-            <a:schemeClr val="accent1"/>
-          </a:effectRef>
-          <a:fontRef idx="minor">
-            <a:schemeClr val="dk1"/>
-          </a:fontRef>
-        </p:style>
-        <p:txBody>
-          <a:bodyPr rtlCol="0" anchor="ctr"/>
-          <a:lstStyle/>
-          <a:p>
-            <a:pPr algn="ctr"/>
-            <a:r>
-              <a:rPr lang="fr-FR" dirty="0" smtClean="0"/>
-              <a:t>IHM</a:t>
-            </a:r>
-            <a:endParaRPr lang="fr-FR" dirty="0"/>
-          </a:p>
-        </p:txBody>
-      </p:sp>
-    </p:spTree>
-    <p:extLst>
-      <p:ext uri="{BB962C8B-B14F-4D97-AF65-F5344CB8AC3E}">
-        <p14:creationId xmlns:p14="http://schemas.microsoft.com/office/powerpoint/2010/main" val="218983957"/>
-      </p:ext>
-    </p:extLst>
-  </p:cSld>
-  <p:clrMapOvr>
-    <a:masterClrMapping/>
-  </p:clrMapOvr>
-  <p:timing>
-    <p:tnLst>
-      <p:par>
-        <p:cTn id="1" dur="indefinite" restart="never" nodeType="tmRoot"/>
-      </p:par>
-    </p:tnLst>
-  </p:timing>
-</p:sld>
-</file>
-
-<file path=ppt/slides/slide12.xml><?xml version="1.0" encoding="utf-8"?>
-<p:sld xmlns:a="http://schemas.openxmlformats.org/drawingml/2006/main" xmlns:r="http://schemas.openxmlformats.org/officeDocument/2006/relationships" xmlns:p="http://schemas.openxmlformats.org/presentationml/2006/main">
-  <p:cSld>
-    <p:spTree>
-      <p:nvGrpSpPr>
-        <p:cNvPr id="1" name=""/>
-        <p:cNvGrpSpPr/>
-        <p:nvPr/>
-      </p:nvGrpSpPr>
-      <p:grpSpPr>
-        <a:xfrm>
-          <a:off x="0" y="0"/>
-          <a:ext cx="0" cy="0"/>
-          <a:chOff x="0" y="0"/>
-          <a:chExt cx="0" cy="0"/>
-        </a:xfrm>
-      </p:grpSpPr>
-      <p:sp>
-        <p:nvSpPr>
-          <p:cNvPr id="2" name="Titre 1"/>
-          <p:cNvSpPr>
-            <a:spLocks noGrp="1"/>
-          </p:cNvSpPr>
-          <p:nvPr>
-            <p:ph type="ctrTitle"/>
-          </p:nvPr>
-        </p:nvSpPr>
-        <p:spPr>
-          <a:xfrm>
-            <a:off x="685800" y="806847"/>
-            <a:ext cx="7772400" cy="1470025"/>
-          </a:xfrm>
-        </p:spPr>
-        <p:txBody>
-          <a:bodyPr/>
-          <a:lstStyle/>
-          <a:p>
-            <a:r>
-              <a:rPr lang="fr-FR" dirty="0" smtClean="0"/>
-              <a:t>Avantages / Inconvénients</a:t>
-            </a:r>
-            <a:endParaRPr lang="fr-FR" dirty="0"/>
-          </a:p>
-        </p:txBody>
-      </p:sp>
-      <p:sp>
-        <p:nvSpPr>
-          <p:cNvPr id="3" name="Sous-titre 2"/>
-          <p:cNvSpPr>
-            <a:spLocks noGrp="1"/>
-          </p:cNvSpPr>
-          <p:nvPr>
-            <p:ph type="subTitle" idx="1"/>
-          </p:nvPr>
-        </p:nvSpPr>
-        <p:spPr/>
-        <p:txBody>
-          <a:bodyPr/>
-          <a:lstStyle/>
-          <a:p>
-            <a:endParaRPr lang="fr-FR" dirty="0"/>
-          </a:p>
-        </p:txBody>
-      </p:sp>
-      <p:sp>
-        <p:nvSpPr>
-          <p:cNvPr id="9" name="Espace réservé du pied de page 8"/>
-          <p:cNvSpPr>
-            <a:spLocks noGrp="1"/>
-          </p:cNvSpPr>
-          <p:nvPr>
-            <p:ph type="ftr" sz="quarter" idx="11"/>
-          </p:nvPr>
-        </p:nvSpPr>
-        <p:spPr>
-          <a:xfrm>
-            <a:off x="2843808" y="6356350"/>
-            <a:ext cx="3456384" cy="365125"/>
-          </a:xfrm>
-        </p:spPr>
-        <p:txBody>
-          <a:bodyPr/>
-          <a:lstStyle/>
-          <a:p>
-            <a:r>
-              <a:rPr lang="fr-FR" dirty="0" smtClean="0">
-                <a:solidFill>
-                  <a:schemeClr val="tx1"/>
-                </a:solidFill>
-              </a:rPr>
-              <a:t>Université de Nantes, Licence Professionnelle SIL</a:t>
-            </a:r>
-            <a:endParaRPr lang="fr-BE" dirty="0">
-              <a:solidFill>
-                <a:schemeClr val="tx1"/>
-              </a:solidFill>
-            </a:endParaRPr>
-          </a:p>
-        </p:txBody>
-      </p:sp>
-      <p:sp>
-        <p:nvSpPr>
-          <p:cNvPr id="10" name="Espace réservé du numéro de diapositive 9"/>
-          <p:cNvSpPr>
-            <a:spLocks noGrp="1"/>
-          </p:cNvSpPr>
-          <p:nvPr>
-            <p:ph type="sldNum" sz="quarter" idx="12"/>
-          </p:nvPr>
-        </p:nvSpPr>
-        <p:spPr>
-          <a:xfrm>
-            <a:off x="6553200" y="6356350"/>
-            <a:ext cx="2133600" cy="365125"/>
-          </a:xfrm>
-        </p:spPr>
-        <p:txBody>
-          <a:bodyPr/>
-          <a:lstStyle/>
-          <a:p>
-            <a:fld id="{CF4668DC-857F-487D-BFFA-8C0CA5037977}" type="slidenum">
-              <a:rPr lang="fr-BE" smtClean="0">
-                <a:solidFill>
-                  <a:schemeClr val="tx1"/>
-                </a:solidFill>
-              </a:rPr>
-              <a:t>12</a:t>
-            </a:fld>
-            <a:endParaRPr lang="fr-BE" dirty="0">
-              <a:solidFill>
-                <a:schemeClr val="tx1"/>
-              </a:solidFill>
-            </a:endParaRPr>
-          </a:p>
-        </p:txBody>
-      </p:sp>
-      <p:pic>
-        <p:nvPicPr>
-          <p:cNvPr id="11" name="Image 10"/>
-          <p:cNvPicPr>
-            <a:picLocks noChangeAspect="1"/>
-          </p:cNvPicPr>
-          <p:nvPr/>
-        </p:nvPicPr>
-        <p:blipFill>
-          <a:blip r:embed="rId2">
-            <a:extLst>
-              <a:ext uri="{28A0092B-C50C-407E-A947-70E740481C1C}">
-                <a14:useLocalDpi xmlns:a14="http://schemas.microsoft.com/office/drawing/2010/main" val="0"/>
-              </a:ext>
-            </a:extLst>
-          </a:blip>
-          <a:stretch>
-            <a:fillRect/>
-          </a:stretch>
-        </p:blipFill>
-        <p:spPr>
-          <a:xfrm>
-            <a:off x="107504" y="133118"/>
-            <a:ext cx="1080120" cy="469618"/>
-          </a:xfrm>
-          <a:prstGeom prst="rect">
-            <a:avLst/>
-          </a:prstGeom>
-        </p:spPr>
-      </p:pic>
-      <p:sp>
-        <p:nvSpPr>
-          <p:cNvPr id="12" name="Rogner un rectangle avec un coin diagonal 11"/>
-          <p:cNvSpPr/>
-          <p:nvPr/>
-        </p:nvSpPr>
-        <p:spPr>
-          <a:xfrm>
-            <a:off x="1259632" y="0"/>
-            <a:ext cx="7848872" cy="512676"/>
-          </a:xfrm>
-          <a:prstGeom prst="snip2DiagRect">
-            <a:avLst>
-              <a:gd name="adj1" fmla="val 24520"/>
-              <a:gd name="adj2" fmla="val 23038"/>
-            </a:avLst>
-          </a:prstGeom>
-        </p:spPr>
-        <p:style>
-          <a:lnRef idx="0">
-            <a:schemeClr val="accent5"/>
-          </a:lnRef>
-          <a:fillRef idx="3">
-            <a:schemeClr val="accent5"/>
-          </a:fillRef>
-          <a:effectRef idx="3">
-            <a:schemeClr val="accent5"/>
-          </a:effectRef>
-          <a:fontRef idx="minor">
-            <a:schemeClr val="lt1"/>
-          </a:fontRef>
-        </p:style>
-        <p:txBody>
-          <a:bodyPr rtlCol="0" anchor="ctr"/>
-          <a:lstStyle/>
-          <a:p>
-            <a:pPr algn="ctr"/>
-            <a:r>
-              <a:rPr lang="fr-FR" sz="1200" dirty="0" smtClean="0">
-                <a:solidFill>
-                  <a:schemeClr val="tx1"/>
-                </a:solidFill>
-              </a:rPr>
-              <a:t>-Principe de fonctionnement -Architecture -Services de l’application -Diagramme des cas d’utilisation</a:t>
-            </a:r>
-          </a:p>
-          <a:p>
-            <a:pPr algn="ctr"/>
-            <a:r>
-              <a:rPr lang="fr-FR" sz="1200" dirty="0" smtClean="0">
-                <a:solidFill>
-                  <a:schemeClr val="tx1"/>
-                </a:solidFill>
-              </a:rPr>
-              <a:t>-Matérielle et logiciel -Réalisation -Model Vue Contrôleur </a:t>
-            </a:r>
-            <a:r>
-              <a:rPr lang="fr-FR" sz="1200" dirty="0" smtClean="0">
-                <a:solidFill>
-                  <a:schemeClr val="bg1"/>
-                </a:solidFill>
-              </a:rPr>
-              <a:t>-Avantages / inconvénients </a:t>
-            </a:r>
-            <a:r>
-              <a:rPr lang="fr-FR" sz="1200" dirty="0" smtClean="0">
-                <a:solidFill>
-                  <a:schemeClr val="tx1"/>
-                </a:solidFill>
-              </a:rPr>
-              <a:t>-Améliorations possibles</a:t>
-            </a:r>
-            <a:endParaRPr lang="fr-FR" sz="1200" dirty="0">
-              <a:solidFill>
-                <a:schemeClr val="tx1"/>
-              </a:solidFill>
-            </a:endParaRPr>
-          </a:p>
-        </p:txBody>
-      </p:sp>
-    </p:spTree>
-    <p:extLst>
-      <p:ext uri="{BB962C8B-B14F-4D97-AF65-F5344CB8AC3E}">
-        <p14:creationId xmlns:p14="http://schemas.microsoft.com/office/powerpoint/2010/main" val="218983957"/>
-      </p:ext>
-    </p:extLst>
-  </p:cSld>
-  <p:clrMapOvr>
-    <a:masterClrMapping/>
-  </p:clrMapOvr>
-  <p:timing>
-    <p:tnLst>
-      <p:par>
-        <p:cTn id="1" dur="indefinite" restart="never" nodeType="tmRoot"/>
-      </p:par>
-    </p:tnLst>
-  </p:timing>
-</p:sld>
-</file>
-
-<file path=ppt/slides/slide13.xml><?xml version="1.0" encoding="utf-8"?>
-<p:sld xmlns:a="http://schemas.openxmlformats.org/drawingml/2006/main" xmlns:r="http://schemas.openxmlformats.org/officeDocument/2006/relationships" xmlns:p="http://schemas.openxmlformats.org/presentationml/2006/main">
-  <p:cSld>
-    <p:spTree>
-      <p:nvGrpSpPr>
-        <p:cNvPr id="1" name=""/>
-        <p:cNvGrpSpPr/>
-        <p:nvPr/>
-      </p:nvGrpSpPr>
-      <p:grpSpPr>
-        <a:xfrm>
-          <a:off x="0" y="0"/>
-          <a:ext cx="0" cy="0"/>
-          <a:chOff x="0" y="0"/>
-          <a:chExt cx="0" cy="0"/>
-        </a:xfrm>
-      </p:grpSpPr>
-      <p:sp>
-        <p:nvSpPr>
-          <p:cNvPr id="2" name="Titre 1"/>
-          <p:cNvSpPr>
-            <a:spLocks noGrp="1"/>
-          </p:cNvSpPr>
-          <p:nvPr>
-            <p:ph type="ctrTitle"/>
-          </p:nvPr>
-        </p:nvSpPr>
-        <p:spPr>
-          <a:xfrm>
-            <a:off x="685800" y="806847"/>
-            <a:ext cx="7772400" cy="1470025"/>
-          </a:xfrm>
-        </p:spPr>
-        <p:txBody>
-          <a:bodyPr/>
-          <a:lstStyle/>
-          <a:p>
-            <a:r>
-              <a:rPr lang="fr-FR" dirty="0" smtClean="0"/>
-              <a:t>Améliorations possibles</a:t>
-            </a:r>
-            <a:endParaRPr lang="fr-FR" dirty="0"/>
-          </a:p>
-        </p:txBody>
-      </p:sp>
-      <p:sp>
-        <p:nvSpPr>
-          <p:cNvPr id="3" name="Sous-titre 2"/>
-          <p:cNvSpPr>
-            <a:spLocks noGrp="1"/>
-          </p:cNvSpPr>
-          <p:nvPr>
-            <p:ph type="subTitle" idx="1"/>
-          </p:nvPr>
-        </p:nvSpPr>
-        <p:spPr/>
-        <p:txBody>
-          <a:bodyPr/>
-          <a:lstStyle/>
-          <a:p>
-            <a:endParaRPr lang="fr-FR" dirty="0"/>
-          </a:p>
-        </p:txBody>
-      </p:sp>
-      <p:sp>
-        <p:nvSpPr>
-          <p:cNvPr id="9" name="Espace réservé du pied de page 8"/>
-          <p:cNvSpPr>
-            <a:spLocks noGrp="1"/>
-          </p:cNvSpPr>
-          <p:nvPr>
-            <p:ph type="ftr" sz="quarter" idx="11"/>
-          </p:nvPr>
-        </p:nvSpPr>
-        <p:spPr>
-          <a:xfrm>
-            <a:off x="2843808" y="6356350"/>
-            <a:ext cx="3456384" cy="365125"/>
-          </a:xfrm>
-        </p:spPr>
-        <p:txBody>
-          <a:bodyPr/>
-          <a:lstStyle/>
-          <a:p>
-            <a:r>
-              <a:rPr lang="fr-FR" dirty="0" smtClean="0">
-                <a:solidFill>
-                  <a:schemeClr val="tx1"/>
-                </a:solidFill>
-              </a:rPr>
-              <a:t>Université de Nantes, Licence Professionnelle SIL</a:t>
-            </a:r>
-            <a:endParaRPr lang="fr-BE" dirty="0">
-              <a:solidFill>
-                <a:schemeClr val="tx1"/>
-              </a:solidFill>
-            </a:endParaRPr>
-          </a:p>
-        </p:txBody>
-      </p:sp>
-      <p:sp>
-        <p:nvSpPr>
-          <p:cNvPr id="10" name="Espace réservé du numéro de diapositive 9"/>
-          <p:cNvSpPr>
-            <a:spLocks noGrp="1"/>
-          </p:cNvSpPr>
-          <p:nvPr>
-            <p:ph type="sldNum" sz="quarter" idx="12"/>
-          </p:nvPr>
-        </p:nvSpPr>
-        <p:spPr>
-          <a:xfrm>
-            <a:off x="6553200" y="6356350"/>
-            <a:ext cx="2133600" cy="365125"/>
-          </a:xfrm>
-        </p:spPr>
-        <p:txBody>
-          <a:bodyPr/>
-          <a:lstStyle/>
-          <a:p>
-            <a:fld id="{CF4668DC-857F-487D-BFFA-8C0CA5037977}" type="slidenum">
-              <a:rPr lang="fr-BE" smtClean="0">
-                <a:solidFill>
-                  <a:schemeClr val="tx1"/>
-                </a:solidFill>
-              </a:rPr>
-              <a:t>13</a:t>
-            </a:fld>
-            <a:endParaRPr lang="fr-BE" dirty="0">
-              <a:solidFill>
-                <a:schemeClr val="tx1"/>
-              </a:solidFill>
-            </a:endParaRPr>
-          </a:p>
-        </p:txBody>
-      </p:sp>
-      <p:pic>
-        <p:nvPicPr>
-          <p:cNvPr id="11" name="Image 10"/>
-          <p:cNvPicPr>
-            <a:picLocks noChangeAspect="1"/>
-          </p:cNvPicPr>
-          <p:nvPr/>
-        </p:nvPicPr>
-        <p:blipFill>
-          <a:blip r:embed="rId2">
-            <a:extLst>
-              <a:ext uri="{28A0092B-C50C-407E-A947-70E740481C1C}">
-                <a14:useLocalDpi xmlns:a14="http://schemas.microsoft.com/office/drawing/2010/main" val="0"/>
-              </a:ext>
-            </a:extLst>
-          </a:blip>
-          <a:stretch>
-            <a:fillRect/>
-          </a:stretch>
-        </p:blipFill>
-        <p:spPr>
-          <a:xfrm>
-            <a:off x="107504" y="133118"/>
-            <a:ext cx="1080120" cy="469618"/>
-          </a:xfrm>
-          <a:prstGeom prst="rect">
-            <a:avLst/>
-          </a:prstGeom>
-        </p:spPr>
-      </p:pic>
-      <p:sp>
-        <p:nvSpPr>
-          <p:cNvPr id="12" name="Rogner un rectangle avec un coin diagonal 11"/>
-          <p:cNvSpPr/>
-          <p:nvPr/>
-        </p:nvSpPr>
-        <p:spPr>
-          <a:xfrm>
-            <a:off x="1259632" y="0"/>
-            <a:ext cx="7848872" cy="512676"/>
-          </a:xfrm>
-          <a:prstGeom prst="snip2DiagRect">
-            <a:avLst>
-              <a:gd name="adj1" fmla="val 24520"/>
-              <a:gd name="adj2" fmla="val 23038"/>
-            </a:avLst>
-          </a:prstGeom>
-        </p:spPr>
-        <p:style>
-          <a:lnRef idx="0">
-            <a:schemeClr val="accent5"/>
-          </a:lnRef>
-          <a:fillRef idx="3">
-            <a:schemeClr val="accent5"/>
-          </a:fillRef>
-          <a:effectRef idx="3">
-            <a:schemeClr val="accent5"/>
-          </a:effectRef>
-          <a:fontRef idx="minor">
-            <a:schemeClr val="lt1"/>
-          </a:fontRef>
-        </p:style>
-        <p:txBody>
-          <a:bodyPr rtlCol="0" anchor="ctr"/>
-          <a:lstStyle/>
-          <a:p>
-            <a:pPr algn="ctr"/>
-            <a:r>
-              <a:rPr lang="fr-FR" sz="1200" dirty="0" smtClean="0">
-                <a:solidFill>
-                  <a:schemeClr val="tx1"/>
-                </a:solidFill>
-              </a:rPr>
-              <a:t>-Principe de fonctionnement -Architecture -Services de l’application -Diagramme des cas d’utilisation</a:t>
-            </a:r>
-          </a:p>
-          <a:p>
-            <a:pPr algn="ctr"/>
-            <a:r>
-              <a:rPr lang="fr-FR" sz="1200" dirty="0" smtClean="0">
-                <a:solidFill>
-                  <a:schemeClr val="tx1"/>
-                </a:solidFill>
-              </a:rPr>
-              <a:t>-Matérielle et logiciel -Réalisation -Model Vue Contrôleur -Avantages / inconvénients </a:t>
-            </a:r>
-            <a:r>
-              <a:rPr lang="fr-FR" sz="1200" dirty="0" smtClean="0">
-                <a:solidFill>
-                  <a:schemeClr val="bg1"/>
-                </a:solidFill>
-              </a:rPr>
-              <a:t>-Améliorations possibles</a:t>
-            </a:r>
-            <a:endParaRPr lang="fr-FR" sz="1200" dirty="0">
-              <a:solidFill>
-                <a:schemeClr val="bg1"/>
-              </a:solidFill>
-            </a:endParaRPr>
-          </a:p>
-        </p:txBody>
-      </p:sp>
-    </p:spTree>
-    <p:extLst>
-      <p:ext uri="{BB962C8B-B14F-4D97-AF65-F5344CB8AC3E}">
-        <p14:creationId xmlns:p14="http://schemas.microsoft.com/office/powerpoint/2010/main" val="218983957"/>
-      </p:ext>
-    </p:extLst>
-  </p:cSld>
-  <p:clrMapOvr>
-    <a:masterClrMapping/>
-  </p:clrMapOvr>
-  <p:timing>
-    <p:tnLst>
-      <p:par>
-        <p:cTn id="1" dur="indefinite" restart="never" nodeType="tmRoot"/>
-      </p:par>
-    </p:tnLst>
-  </p:timing>
-</p:sld>
-</file>
-
-<file path=ppt/slides/slide2.xml><?xml version="1.0" encoding="utf-8"?>
-<p:sld xmlns:a="http://schemas.openxmlformats.org/drawingml/2006/main" xmlns:r="http://schemas.openxmlformats.org/officeDocument/2006/relationships" xmlns:p="http://schemas.openxmlformats.org/presentationml/2006/main">
-  <p:cSld>
-    <p:spTree>
-      <p:nvGrpSpPr>
-        <p:cNvPr id="1" name=""/>
-        <p:cNvGrpSpPr/>
-        <p:nvPr/>
-      </p:nvGrpSpPr>
-      <p:grpSpPr>
-        <a:xfrm>
-          <a:off x="0" y="0"/>
-          <a:ext cx="0" cy="0"/>
-          <a:chOff x="0" y="0"/>
-          <a:chExt cx="0" cy="0"/>
-        </a:xfrm>
-      </p:grpSpPr>
-      <p:sp>
-        <p:nvSpPr>
-          <p:cNvPr id="2" name="Titre 1"/>
-          <p:cNvSpPr>
-            <a:spLocks noGrp="1"/>
-          </p:cNvSpPr>
-          <p:nvPr>
-            <p:ph type="ctrTitle"/>
-          </p:nvPr>
-        </p:nvSpPr>
-        <p:spPr>
-          <a:xfrm>
-            <a:off x="685800" y="836712"/>
-            <a:ext cx="7772400" cy="1470025"/>
-          </a:xfrm>
-        </p:spPr>
-        <p:txBody>
-          <a:bodyPr/>
-          <a:lstStyle/>
-          <a:p>
-            <a:r>
-              <a:rPr lang="fr-FR" dirty="0" smtClean="0"/>
-              <a:t>Introduction</a:t>
-            </a:r>
-            <a:endParaRPr lang="fr-FR" dirty="0"/>
-          </a:p>
-        </p:txBody>
-      </p:sp>
-      <p:sp>
-        <p:nvSpPr>
-          <p:cNvPr id="3" name="Sous-titre 2"/>
-          <p:cNvSpPr>
-            <a:spLocks noGrp="1"/>
-          </p:cNvSpPr>
-          <p:nvPr>
-            <p:ph type="subTitle" idx="1"/>
-          </p:nvPr>
-        </p:nvSpPr>
-        <p:spPr>
-          <a:xfrm>
-            <a:off x="1371600" y="3094112"/>
-            <a:ext cx="6400800" cy="1487016"/>
-          </a:xfrm>
-        </p:spPr>
-        <p:txBody>
-          <a:bodyPr>
-            <a:normAutofit fontScale="55000" lnSpcReduction="20000"/>
-          </a:bodyPr>
-          <a:lstStyle/>
-          <a:p>
-            <a:r>
-              <a:rPr lang="fr-FR" dirty="0" smtClean="0">
-                <a:solidFill>
-                  <a:schemeClr val="tx1"/>
-                </a:solidFill>
-              </a:rPr>
-              <a:t>Le projet consiste à réaliser le site </a:t>
-            </a:r>
-            <a:r>
-              <a:rPr lang="fr-FR" dirty="0">
-                <a:solidFill>
-                  <a:schemeClr val="tx1"/>
-                </a:solidFill>
-              </a:rPr>
-              <a:t>web d’une </a:t>
-            </a:r>
-            <a:r>
-              <a:rPr lang="fr-FR" dirty="0" smtClean="0">
-                <a:solidFill>
-                  <a:schemeClr val="tx1"/>
-                </a:solidFill>
-              </a:rPr>
-              <a:t>association.</a:t>
-            </a:r>
-          </a:p>
-          <a:p>
-            <a:r>
-              <a:rPr lang="fr-FR" dirty="0" smtClean="0">
-                <a:solidFill>
-                  <a:schemeClr val="tx1"/>
-                </a:solidFill>
-              </a:rPr>
-              <a:t>Ce site permet aux clients d’adhérer </a:t>
-            </a:r>
-            <a:r>
-              <a:rPr lang="fr-FR" dirty="0">
-                <a:solidFill>
-                  <a:schemeClr val="tx1"/>
-                </a:solidFill>
-              </a:rPr>
-              <a:t>à l’association en remplissant un formulaire </a:t>
-            </a:r>
-          </a:p>
-          <a:p>
-            <a:r>
-              <a:rPr lang="fr-FR" dirty="0" smtClean="0">
-                <a:solidFill>
-                  <a:schemeClr val="tx1"/>
-                </a:solidFill>
-              </a:rPr>
-              <a:t>Avec leurs login et mot </a:t>
-            </a:r>
-            <a:r>
-              <a:rPr lang="fr-FR" dirty="0">
-                <a:solidFill>
-                  <a:schemeClr val="tx1"/>
-                </a:solidFill>
-              </a:rPr>
-              <a:t>de passe </a:t>
-            </a:r>
-            <a:r>
-              <a:rPr lang="fr-FR" dirty="0" smtClean="0">
-                <a:solidFill>
-                  <a:schemeClr val="tx1"/>
-                </a:solidFill>
-              </a:rPr>
-              <a:t>les </a:t>
-            </a:r>
-            <a:r>
-              <a:rPr lang="fr-FR" dirty="0">
-                <a:solidFill>
-                  <a:schemeClr val="tx1"/>
-                </a:solidFill>
-              </a:rPr>
-              <a:t>clients peuvent </a:t>
-            </a:r>
-            <a:r>
-              <a:rPr lang="fr-FR" dirty="0" smtClean="0">
-                <a:solidFill>
-                  <a:schemeClr val="tx1"/>
-                </a:solidFill>
-              </a:rPr>
-              <a:t>se connecter </a:t>
-            </a:r>
-            <a:endParaRPr lang="fr-FR" dirty="0">
-              <a:solidFill>
-                <a:schemeClr val="tx1"/>
-              </a:solidFill>
-            </a:endParaRPr>
-          </a:p>
-          <a:p>
-            <a:r>
-              <a:rPr lang="fr-FR" dirty="0" smtClean="0">
-                <a:solidFill>
-                  <a:schemeClr val="tx1"/>
-                </a:solidFill>
-              </a:rPr>
-              <a:t>et commander </a:t>
-            </a:r>
-            <a:r>
-              <a:rPr lang="fr-FR" dirty="0">
-                <a:solidFill>
-                  <a:schemeClr val="tx1"/>
-                </a:solidFill>
-              </a:rPr>
-              <a:t>des </a:t>
-            </a:r>
-            <a:r>
-              <a:rPr lang="fr-FR" dirty="0" smtClean="0">
-                <a:solidFill>
-                  <a:schemeClr val="tx1"/>
-                </a:solidFill>
-              </a:rPr>
-              <a:t>articles qui sont </a:t>
-            </a:r>
-            <a:r>
-              <a:rPr lang="fr-FR" dirty="0">
-                <a:solidFill>
-                  <a:schemeClr val="tx1"/>
-                </a:solidFill>
-              </a:rPr>
-              <a:t>proposés par </a:t>
-            </a:r>
-            <a:r>
-              <a:rPr lang="fr-FR" dirty="0" smtClean="0">
-                <a:solidFill>
-                  <a:schemeClr val="tx1"/>
-                </a:solidFill>
-              </a:rPr>
-              <a:t>l’association.</a:t>
-            </a:r>
-            <a:endParaRPr lang="fr-FR" dirty="0">
-              <a:solidFill>
-                <a:schemeClr val="tx1"/>
-              </a:solidFill>
-            </a:endParaRPr>
-          </a:p>
-        </p:txBody>
-      </p:sp>
-      <p:sp>
-        <p:nvSpPr>
-          <p:cNvPr id="10" name="Espace réservé du numéro de diapositive 9"/>
-          <p:cNvSpPr>
-            <a:spLocks noGrp="1"/>
-          </p:cNvSpPr>
-          <p:nvPr>
-            <p:ph type="sldNum" sz="quarter" idx="12"/>
-          </p:nvPr>
-        </p:nvSpPr>
-        <p:spPr/>
-        <p:txBody>
-          <a:bodyPr/>
-          <a:lstStyle/>
-          <a:p>
-            <a:fld id="{CF4668DC-857F-487D-BFFA-8C0CA5037977}" type="slidenum">
-              <a:rPr lang="fr-BE" smtClean="0">
-                <a:solidFill>
-                  <a:schemeClr val="tx1"/>
-                </a:solidFill>
-              </a:rPr>
-              <a:t>2</a:t>
-            </a:fld>
-            <a:endParaRPr lang="fr-BE" dirty="0">
-              <a:solidFill>
-                <a:schemeClr val="tx1"/>
-              </a:solidFill>
-            </a:endParaRPr>
-          </a:p>
-        </p:txBody>
-      </p:sp>
-      <p:sp>
-        <p:nvSpPr>
-          <p:cNvPr id="11" name="Espace réservé du pied de page 8"/>
-          <p:cNvSpPr>
-            <a:spLocks noGrp="1"/>
-          </p:cNvSpPr>
-          <p:nvPr>
-            <p:ph type="ftr" sz="quarter" idx="11"/>
-          </p:nvPr>
-        </p:nvSpPr>
-        <p:spPr>
-          <a:xfrm>
-            <a:off x="2843808" y="6356350"/>
-            <a:ext cx="3456384" cy="365125"/>
-          </a:xfrm>
-        </p:spPr>
-        <p:txBody>
-          <a:bodyPr/>
-          <a:lstStyle/>
-          <a:p>
-            <a:r>
-              <a:rPr lang="fr-FR" dirty="0" smtClean="0">
-                <a:solidFill>
-                  <a:schemeClr val="tx1"/>
-                </a:solidFill>
-              </a:rPr>
-              <a:t>Université de Nantes, Licence Professionnelle SIL</a:t>
-            </a:r>
-            <a:endParaRPr lang="fr-BE" dirty="0">
-              <a:solidFill>
-                <a:schemeClr val="tx1"/>
-              </a:solidFill>
-            </a:endParaRPr>
-          </a:p>
-        </p:txBody>
-      </p:sp>
-      <p:pic>
-        <p:nvPicPr>
-          <p:cNvPr id="12" name="Image 11"/>
-          <p:cNvPicPr>
-            <a:picLocks noChangeAspect="1"/>
-          </p:cNvPicPr>
-          <p:nvPr/>
-        </p:nvPicPr>
-        <p:blipFill>
-          <a:blip r:embed="rId2">
-            <a:extLst>
-              <a:ext uri="{28A0092B-C50C-407E-A947-70E740481C1C}">
-                <a14:useLocalDpi xmlns:a14="http://schemas.microsoft.com/office/drawing/2010/main" val="0"/>
-              </a:ext>
-            </a:extLst>
-          </a:blip>
-          <a:stretch>
-            <a:fillRect/>
-          </a:stretch>
-        </p:blipFill>
-        <p:spPr>
-          <a:xfrm>
-            <a:off x="107504" y="133118"/>
-            <a:ext cx="1080120" cy="469618"/>
-          </a:xfrm>
-          <a:prstGeom prst="rect">
-            <a:avLst/>
-          </a:prstGeom>
-        </p:spPr>
-      </p:pic>
-    </p:spTree>
-    <p:extLst>
-      <p:ext uri="{BB962C8B-B14F-4D97-AF65-F5344CB8AC3E}">
-        <p14:creationId xmlns:p14="http://schemas.microsoft.com/office/powerpoint/2010/main" val="2995508724"/>
-      </p:ext>
-    </p:extLst>
-  </p:cSld>
-  <p:clrMapOvr>
-    <a:masterClrMapping/>
-  </p:clrMapOvr>
-  <p:timing>
-    <p:tnLst>
-      <p:par>
-        <p:cTn id="1" dur="indefinite" restart="never" nodeType="tmRoot"/>
-      </p:par>
-    </p:tnLst>
-  </p:timing>
-</p:sld>
-</file>
-
-<file path=ppt/slides/slide3.xml><?xml version="1.0" encoding="utf-8"?>
-<p:sld xmlns:a="http://schemas.openxmlformats.org/drawingml/2006/main" xmlns:r="http://schemas.openxmlformats.org/officeDocument/2006/relationships" xmlns:p="http://schemas.openxmlformats.org/presentationml/2006/main">
-  <p:cSld>
-    <p:spTree>
-      <p:nvGrpSpPr>
-        <p:cNvPr id="1" name=""/>
-        <p:cNvGrpSpPr/>
-        <p:nvPr/>
-      </p:nvGrpSpPr>
-      <p:grpSpPr>
-        <a:xfrm>
-          <a:off x="0" y="0"/>
-          <a:ext cx="0" cy="0"/>
-          <a:chOff x="0" y="0"/>
-          <a:chExt cx="0" cy="0"/>
-        </a:xfrm>
-      </p:grpSpPr>
-      <p:sp>
-        <p:nvSpPr>
-          <p:cNvPr id="2" name="Titre 1"/>
-          <p:cNvSpPr>
-            <a:spLocks noGrp="1"/>
-          </p:cNvSpPr>
-          <p:nvPr>
-            <p:ph type="ctrTitle"/>
-          </p:nvPr>
-        </p:nvSpPr>
-        <p:spPr>
-          <a:xfrm>
-            <a:off x="685800" y="836712"/>
-            <a:ext cx="7772400" cy="1470025"/>
-          </a:xfrm>
-        </p:spPr>
-        <p:txBody>
-          <a:bodyPr/>
-          <a:lstStyle/>
-          <a:p>
-            <a:r>
-              <a:rPr lang="fr-FR" dirty="0" smtClean="0"/>
-              <a:t>Sommaire</a:t>
-            </a:r>
-            <a:endParaRPr lang="fr-FR" dirty="0"/>
-          </a:p>
-        </p:txBody>
-      </p:sp>
-      <p:sp>
-        <p:nvSpPr>
-          <p:cNvPr id="3" name="Sous-titre 2"/>
-          <p:cNvSpPr>
-            <a:spLocks noGrp="1"/>
-          </p:cNvSpPr>
-          <p:nvPr>
-            <p:ph type="subTitle" idx="1"/>
-          </p:nvPr>
-        </p:nvSpPr>
-        <p:spPr>
-          <a:xfrm>
-            <a:off x="2235696" y="2492896"/>
-            <a:ext cx="5216624" cy="3600400"/>
-          </a:xfrm>
-        </p:spPr>
-        <p:txBody>
-          <a:bodyPr>
-            <a:normAutofit fontScale="77500" lnSpcReduction="20000"/>
-          </a:bodyPr>
-          <a:lstStyle/>
-          <a:p>
-            <a:pPr marL="514350" indent="-514350" algn="l">
-              <a:buFont typeface="+mj-lt"/>
-              <a:buAutoNum type="arabicParenR"/>
-            </a:pPr>
-            <a:r>
-              <a:rPr lang="fr-FR" dirty="0" smtClean="0">
-                <a:solidFill>
-                  <a:schemeClr val="tx1"/>
-                </a:solidFill>
-              </a:rPr>
-              <a:t>Principe de fonctionnement</a:t>
-            </a:r>
-          </a:p>
-          <a:p>
-            <a:pPr marL="514350" indent="-514350" algn="l">
-              <a:buFont typeface="+mj-lt"/>
-              <a:buAutoNum type="arabicParenR"/>
-            </a:pPr>
-            <a:r>
-              <a:rPr lang="fr-FR" dirty="0" smtClean="0">
-                <a:solidFill>
-                  <a:schemeClr val="tx1"/>
-                </a:solidFill>
-              </a:rPr>
-              <a:t>Architecture</a:t>
-            </a:r>
-          </a:p>
-          <a:p>
-            <a:pPr marL="514350" indent="-514350" algn="l">
-              <a:buFont typeface="+mj-lt"/>
-              <a:buAutoNum type="arabicParenR"/>
-            </a:pPr>
-            <a:r>
-              <a:rPr lang="fr-FR" dirty="0" smtClean="0">
-                <a:solidFill>
-                  <a:schemeClr val="tx1"/>
-                </a:solidFill>
-              </a:rPr>
-              <a:t>Services de l’application</a:t>
-            </a:r>
-          </a:p>
-          <a:p>
-            <a:pPr marL="514350" indent="-514350" algn="l">
-              <a:buFont typeface="+mj-lt"/>
-              <a:buAutoNum type="arabicParenR"/>
-            </a:pPr>
-            <a:r>
-              <a:rPr lang="fr-FR" dirty="0" smtClean="0">
-                <a:solidFill>
-                  <a:schemeClr val="tx1"/>
-                </a:solidFill>
-              </a:rPr>
-              <a:t>Diagramme des cas d’utilisation</a:t>
-            </a:r>
-          </a:p>
-          <a:p>
-            <a:pPr marL="514350" indent="-514350" algn="l">
-              <a:buFont typeface="+mj-lt"/>
-              <a:buAutoNum type="arabicParenR"/>
-            </a:pPr>
-            <a:r>
-              <a:rPr lang="fr-FR" dirty="0" smtClean="0">
-                <a:solidFill>
-                  <a:schemeClr val="tx1"/>
-                </a:solidFill>
-              </a:rPr>
-              <a:t>Matérielle et logiciel</a:t>
-            </a:r>
-          </a:p>
-          <a:p>
-            <a:pPr marL="514350" indent="-514350" algn="l">
-              <a:buFont typeface="+mj-lt"/>
-              <a:buAutoNum type="arabicParenR"/>
-            </a:pPr>
-            <a:r>
-              <a:rPr lang="fr-FR" dirty="0">
-                <a:solidFill>
-                  <a:schemeClr val="tx1"/>
-                </a:solidFill>
-              </a:rPr>
-              <a:t>R</a:t>
-            </a:r>
-            <a:r>
-              <a:rPr lang="fr-FR" dirty="0" smtClean="0">
-                <a:solidFill>
-                  <a:schemeClr val="tx1"/>
-                </a:solidFill>
-              </a:rPr>
-              <a:t>éalisation</a:t>
-            </a:r>
-          </a:p>
-          <a:p>
-            <a:pPr marL="514350" indent="-514350" algn="l">
-              <a:buFont typeface="+mj-lt"/>
-              <a:buAutoNum type="arabicParenR"/>
-            </a:pPr>
-            <a:r>
-              <a:rPr lang="fr-FR" dirty="0" smtClean="0">
-                <a:solidFill>
-                  <a:schemeClr val="tx1"/>
-                </a:solidFill>
-              </a:rPr>
-              <a:t>Model Vue Contrôleur</a:t>
-            </a:r>
-          </a:p>
-          <a:p>
-            <a:pPr marL="514350" indent="-514350" algn="l">
-              <a:buFont typeface="+mj-lt"/>
-              <a:buAutoNum type="arabicParenR"/>
-            </a:pPr>
-            <a:r>
-              <a:rPr lang="fr-FR" dirty="0" smtClean="0">
-                <a:solidFill>
-                  <a:schemeClr val="tx1"/>
-                </a:solidFill>
-              </a:rPr>
-              <a:t>Avantages </a:t>
-            </a:r>
-            <a:r>
-              <a:rPr lang="fr-FR" dirty="0" smtClean="0">
-                <a:solidFill>
-                  <a:schemeClr val="tx1"/>
-                </a:solidFill>
-                <a:sym typeface="Wingdings" panose="05000000000000000000" pitchFamily="2" charset="2"/>
-              </a:rPr>
-              <a:t>/ Inconvénients</a:t>
-            </a:r>
-          </a:p>
-          <a:p>
-            <a:pPr marL="514350" indent="-514350" algn="l">
-              <a:buFont typeface="+mj-lt"/>
-              <a:buAutoNum type="arabicParenR"/>
-            </a:pPr>
-            <a:r>
-              <a:rPr lang="fr-FR" dirty="0" smtClean="0">
-                <a:solidFill>
-                  <a:schemeClr val="tx1"/>
-                </a:solidFill>
-                <a:sym typeface="Wingdings" panose="05000000000000000000" pitchFamily="2" charset="2"/>
-              </a:rPr>
-              <a:t>Améliorations possibles</a:t>
-            </a:r>
-            <a:endParaRPr lang="fr-FR" dirty="0">
-              <a:solidFill>
-                <a:schemeClr val="tx1"/>
-              </a:solidFill>
-            </a:endParaRPr>
-          </a:p>
-        </p:txBody>
-      </p:sp>
-      <p:sp>
-        <p:nvSpPr>
-          <p:cNvPr id="12" name="Espace réservé du pied de page 8"/>
-          <p:cNvSpPr>
-            <a:spLocks noGrp="1"/>
-          </p:cNvSpPr>
-          <p:nvPr>
-            <p:ph type="ftr" sz="quarter" idx="11"/>
-          </p:nvPr>
-        </p:nvSpPr>
-        <p:spPr>
-          <a:xfrm>
-            <a:off x="2843808" y="6356350"/>
-            <a:ext cx="3456384" cy="365125"/>
-          </a:xfrm>
-        </p:spPr>
-        <p:txBody>
-          <a:bodyPr/>
-          <a:lstStyle/>
-          <a:p>
-            <a:r>
-              <a:rPr lang="fr-FR" dirty="0" smtClean="0">
-                <a:solidFill>
-                  <a:schemeClr val="tx1"/>
-                </a:solidFill>
-              </a:rPr>
-              <a:t>Université de Nantes, Licence Professionnelle SIL</a:t>
-            </a:r>
-            <a:endParaRPr lang="fr-BE" dirty="0">
-              <a:solidFill>
-                <a:schemeClr val="tx1"/>
-              </a:solidFill>
-            </a:endParaRPr>
-          </a:p>
-        </p:txBody>
-      </p:sp>
-      <p:sp>
-        <p:nvSpPr>
-          <p:cNvPr id="13" name="Espace réservé du numéro de diapositive 9"/>
-          <p:cNvSpPr>
-            <a:spLocks noGrp="1"/>
-          </p:cNvSpPr>
-          <p:nvPr>
-            <p:ph type="sldNum" sz="quarter" idx="12"/>
-          </p:nvPr>
-        </p:nvSpPr>
-        <p:spPr>
-          <a:xfrm>
-            <a:off x="6553200" y="6356350"/>
-            <a:ext cx="2133600" cy="365125"/>
-          </a:xfrm>
-        </p:spPr>
-        <p:txBody>
-          <a:bodyPr/>
-          <a:lstStyle/>
-          <a:p>
-            <a:fld id="{CF4668DC-857F-487D-BFFA-8C0CA5037977}" type="slidenum">
-              <a:rPr lang="fr-BE" smtClean="0">
-                <a:solidFill>
-                  <a:schemeClr val="tx1"/>
-                </a:solidFill>
-              </a:rPr>
-              <a:t>3</a:t>
-            </a:fld>
-            <a:endParaRPr lang="fr-BE" dirty="0">
-              <a:solidFill>
-                <a:schemeClr val="tx1"/>
-              </a:solidFill>
-            </a:endParaRPr>
-          </a:p>
-        </p:txBody>
-      </p:sp>
-      <p:pic>
-        <p:nvPicPr>
-          <p:cNvPr id="14" name="Image 13"/>
-          <p:cNvPicPr>
-            <a:picLocks noChangeAspect="1"/>
-          </p:cNvPicPr>
-          <p:nvPr/>
-        </p:nvPicPr>
-        <p:blipFill>
-          <a:blip r:embed="rId2">
-            <a:extLst>
-              <a:ext uri="{28A0092B-C50C-407E-A947-70E740481C1C}">
-                <a14:useLocalDpi xmlns:a14="http://schemas.microsoft.com/office/drawing/2010/main" val="0"/>
-              </a:ext>
-            </a:extLst>
-          </a:blip>
-          <a:stretch>
-            <a:fillRect/>
-          </a:stretch>
-        </p:blipFill>
-        <p:spPr>
-          <a:xfrm>
-            <a:off x="107504" y="133118"/>
-            <a:ext cx="1080120" cy="469618"/>
-          </a:xfrm>
-          <a:prstGeom prst="rect">
-            <a:avLst/>
-          </a:prstGeom>
-        </p:spPr>
-      </p:pic>
-    </p:spTree>
-    <p:extLst>
-      <p:ext uri="{BB962C8B-B14F-4D97-AF65-F5344CB8AC3E}">
-        <p14:creationId xmlns:p14="http://schemas.microsoft.com/office/powerpoint/2010/main" val="2995508724"/>
-      </p:ext>
-    </p:extLst>
-  </p:cSld>
-  <p:clrMapOvr>
-    <a:masterClrMapping/>
-  </p:clrMapOvr>
-  <p:timing>
-    <p:tnLst>
-      <p:par>
-        <p:cTn id="1" dur="indefinite" restart="never" nodeType="tmRoot"/>
-      </p:par>
-    </p:tnLst>
-  </p:timing>
-</p:sld>
-</file>
-
-<file path=ppt/slides/slide4.xml><?xml version="1.0" encoding="utf-8"?>
-<p:sld xmlns:a="http://schemas.openxmlformats.org/drawingml/2006/main" xmlns:r="http://schemas.openxmlformats.org/officeDocument/2006/relationships" xmlns:p="http://schemas.openxmlformats.org/presentationml/2006/main">
-  <p:cSld>
-    <p:spTree>
-      <p:nvGrpSpPr>
-        <p:cNvPr id="1" name=""/>
-        <p:cNvGrpSpPr/>
-        <p:nvPr/>
-      </p:nvGrpSpPr>
-      <p:grpSpPr>
-        <a:xfrm>
-          <a:off x="0" y="0"/>
-          <a:ext cx="0" cy="0"/>
-          <a:chOff x="0" y="0"/>
-          <a:chExt cx="0" cy="0"/>
-        </a:xfrm>
-      </p:grpSpPr>
-      <p:sp>
-        <p:nvSpPr>
-          <p:cNvPr id="2" name="Titre 1"/>
-          <p:cNvSpPr>
-            <a:spLocks noGrp="1"/>
-          </p:cNvSpPr>
-          <p:nvPr>
-            <p:ph type="ctrTitle"/>
-          </p:nvPr>
-        </p:nvSpPr>
-        <p:spPr>
-          <a:xfrm>
-            <a:off x="685800" y="836712"/>
-            <a:ext cx="7772400" cy="1470025"/>
-          </a:xfrm>
-        </p:spPr>
-        <p:txBody>
-          <a:bodyPr/>
-          <a:lstStyle/>
-          <a:p>
-            <a:r>
-              <a:rPr lang="fr-FR" dirty="0" smtClean="0"/>
-              <a:t>Principe de fonctionnement</a:t>
-            </a:r>
-            <a:endParaRPr lang="fr-FR" dirty="0"/>
-          </a:p>
-        </p:txBody>
-      </p:sp>
-      <p:sp>
-        <p:nvSpPr>
-          <p:cNvPr id="3" name="Sous-titre 2"/>
-          <p:cNvSpPr>
-            <a:spLocks noGrp="1"/>
-          </p:cNvSpPr>
-          <p:nvPr>
-            <p:ph type="subTitle" idx="1"/>
-          </p:nvPr>
-        </p:nvSpPr>
-        <p:spPr>
-          <a:xfrm>
-            <a:off x="1371600" y="2708920"/>
-            <a:ext cx="6400800" cy="2592288"/>
-          </a:xfrm>
-        </p:spPr>
-        <p:txBody>
-          <a:bodyPr>
-            <a:normAutofit/>
-          </a:bodyPr>
-          <a:lstStyle/>
-          <a:p>
-            <a:pPr marL="457200" indent="-457200" algn="l">
-              <a:buFont typeface="Arial" panose="020B0604020202020204" pitchFamily="34" charset="0"/>
-              <a:buChar char="•"/>
-            </a:pPr>
-            <a:r>
-              <a:rPr lang="fr-FR" sz="2800" dirty="0" smtClean="0">
-                <a:solidFill>
-                  <a:schemeClr val="tx1"/>
-                </a:solidFill>
-              </a:rPr>
-              <a:t>Rediriger automatiquement vers la page d’authentification</a:t>
-            </a:r>
-          </a:p>
-          <a:p>
-            <a:pPr marL="457200" indent="-457200" algn="l">
-              <a:buFont typeface="Arial" panose="020B0604020202020204" pitchFamily="34" charset="0"/>
-              <a:buChar char="•"/>
-            </a:pPr>
-            <a:r>
-              <a:rPr lang="fr-FR" sz="2800" dirty="0" smtClean="0">
-                <a:solidFill>
-                  <a:schemeClr val="tx1"/>
-                </a:solidFill>
-              </a:rPr>
-              <a:t>Création d’un compte</a:t>
-            </a:r>
-          </a:p>
-          <a:p>
-            <a:pPr marL="457200" indent="-457200" algn="l">
-              <a:buFont typeface="Arial" panose="020B0604020202020204" pitchFamily="34" charset="0"/>
-              <a:buChar char="•"/>
-            </a:pPr>
-            <a:r>
-              <a:rPr lang="fr-FR" sz="2800" dirty="0">
-                <a:solidFill>
-                  <a:schemeClr val="tx1"/>
-                </a:solidFill>
-              </a:rPr>
-              <a:t>C</a:t>
-            </a:r>
-            <a:r>
-              <a:rPr lang="fr-FR" sz="2800" dirty="0" smtClean="0">
-                <a:solidFill>
-                  <a:schemeClr val="tx1"/>
-                </a:solidFill>
-              </a:rPr>
-              <a:t>ommander des articles</a:t>
-            </a:r>
-          </a:p>
-          <a:p>
-            <a:pPr marL="457200" indent="-457200" algn="l">
-              <a:buFont typeface="Arial" panose="020B0604020202020204" pitchFamily="34" charset="0"/>
-              <a:buChar char="•"/>
-            </a:pPr>
-            <a:r>
-              <a:rPr lang="fr-FR" sz="2800" dirty="0">
-                <a:solidFill>
-                  <a:schemeClr val="tx1"/>
-                </a:solidFill>
-              </a:rPr>
-              <a:t>E</a:t>
-            </a:r>
-            <a:r>
-              <a:rPr lang="fr-FR" sz="2800" dirty="0" smtClean="0">
-                <a:solidFill>
-                  <a:schemeClr val="tx1"/>
-                </a:solidFill>
-              </a:rPr>
-              <a:t>diter son profil</a:t>
-            </a:r>
-            <a:endParaRPr lang="fr-FR" sz="2800" dirty="0">
-              <a:solidFill>
-                <a:schemeClr val="tx1"/>
-              </a:solidFill>
-            </a:endParaRPr>
-          </a:p>
-        </p:txBody>
-      </p:sp>
-      <p:sp>
-        <p:nvSpPr>
-          <p:cNvPr id="11" name="Espace réservé du pied de page 8"/>
-          <p:cNvSpPr>
-            <a:spLocks noGrp="1"/>
-          </p:cNvSpPr>
-          <p:nvPr>
-            <p:ph type="ftr" sz="quarter" idx="11"/>
-          </p:nvPr>
-        </p:nvSpPr>
-        <p:spPr>
-          <a:xfrm>
-            <a:off x="2843808" y="6356350"/>
-            <a:ext cx="3456384" cy="365125"/>
-          </a:xfrm>
-        </p:spPr>
-        <p:txBody>
-          <a:bodyPr/>
-          <a:lstStyle/>
-          <a:p>
-            <a:r>
-              <a:rPr lang="fr-FR" dirty="0" smtClean="0">
-                <a:solidFill>
-                  <a:schemeClr val="tx1"/>
-                </a:solidFill>
-              </a:rPr>
-              <a:t>Université de Nantes, Licence Professionnelle SIL</a:t>
-            </a:r>
-            <a:endParaRPr lang="fr-BE" dirty="0">
-              <a:solidFill>
-                <a:schemeClr val="tx1"/>
-              </a:solidFill>
-            </a:endParaRPr>
-          </a:p>
-        </p:txBody>
-      </p:sp>
-      <p:sp>
-        <p:nvSpPr>
-          <p:cNvPr id="12" name="Espace réservé du numéro de diapositive 9"/>
-          <p:cNvSpPr>
-            <a:spLocks noGrp="1"/>
-          </p:cNvSpPr>
-          <p:nvPr>
-            <p:ph type="sldNum" sz="quarter" idx="12"/>
-          </p:nvPr>
-        </p:nvSpPr>
-        <p:spPr>
-          <a:xfrm>
-            <a:off x="6553200" y="6356350"/>
-            <a:ext cx="2133600" cy="365125"/>
-          </a:xfrm>
-        </p:spPr>
-        <p:txBody>
-          <a:bodyPr/>
-          <a:lstStyle/>
-          <a:p>
-            <a:fld id="{CF4668DC-857F-487D-BFFA-8C0CA5037977}" type="slidenum">
-              <a:rPr lang="fr-BE" smtClean="0">
-                <a:solidFill>
-                  <a:schemeClr val="tx1"/>
-                </a:solidFill>
-              </a:rPr>
-              <a:t>4</a:t>
-            </a:fld>
-            <a:endParaRPr lang="fr-BE" dirty="0">
-              <a:solidFill>
-                <a:schemeClr val="tx1"/>
-              </a:solidFill>
-            </a:endParaRPr>
-          </a:p>
-        </p:txBody>
-      </p:sp>
-      <p:pic>
-        <p:nvPicPr>
-          <p:cNvPr id="13" name="Image 12"/>
-          <p:cNvPicPr>
-            <a:picLocks noChangeAspect="1"/>
-          </p:cNvPicPr>
-          <p:nvPr/>
-        </p:nvPicPr>
-        <p:blipFill>
-          <a:blip r:embed="rId2">
-            <a:extLst>
-              <a:ext uri="{28A0092B-C50C-407E-A947-70E740481C1C}">
-                <a14:useLocalDpi xmlns:a14="http://schemas.microsoft.com/office/drawing/2010/main" val="0"/>
-              </a:ext>
-            </a:extLst>
-          </a:blip>
-          <a:stretch>
-            <a:fillRect/>
-          </a:stretch>
-        </p:blipFill>
-        <p:spPr>
-          <a:xfrm>
-            <a:off x="107504" y="133118"/>
-            <a:ext cx="1080120" cy="469618"/>
-          </a:xfrm>
-          <a:prstGeom prst="rect">
-            <a:avLst/>
-          </a:prstGeom>
-        </p:spPr>
-      </p:pic>
-      <p:sp>
-        <p:nvSpPr>
-          <p:cNvPr id="14" name="Rogner un rectangle avec un coin diagonal 13"/>
-          <p:cNvSpPr/>
-          <p:nvPr/>
-        </p:nvSpPr>
-        <p:spPr>
-          <a:xfrm>
-            <a:off x="1259632" y="0"/>
-            <a:ext cx="7848872" cy="512676"/>
-          </a:xfrm>
-          <a:prstGeom prst="snip2DiagRect">
-            <a:avLst>
-              <a:gd name="adj1" fmla="val 24520"/>
-              <a:gd name="adj2" fmla="val 23038"/>
-            </a:avLst>
-          </a:prstGeom>
-        </p:spPr>
-        <p:style>
-          <a:lnRef idx="0">
-            <a:schemeClr val="accent5"/>
-          </a:lnRef>
-          <a:fillRef idx="3">
-            <a:schemeClr val="accent5"/>
-          </a:fillRef>
-          <a:effectRef idx="3">
-            <a:schemeClr val="accent5"/>
-          </a:effectRef>
-          <a:fontRef idx="minor">
-            <a:schemeClr val="lt1"/>
-          </a:fontRef>
-        </p:style>
-        <p:txBody>
-          <a:bodyPr rtlCol="0" anchor="ctr"/>
-          <a:lstStyle/>
-          <a:p>
-            <a:pPr algn="ctr"/>
-            <a:r>
-              <a:rPr lang="fr-FR" sz="1200" dirty="0" smtClean="0">
-                <a:solidFill>
-                  <a:schemeClr val="bg1"/>
-                </a:solidFill>
-              </a:rPr>
-              <a:t>-Principe de fonctionnement </a:t>
-            </a:r>
-            <a:r>
-              <a:rPr lang="fr-FR" sz="1200" dirty="0" smtClean="0">
-                <a:solidFill>
-                  <a:schemeClr val="tx1"/>
-                </a:solidFill>
-              </a:rPr>
-              <a:t>-Architecture -Services de l’application -Diagramme des cas d’utilisation</a:t>
-            </a:r>
-          </a:p>
-          <a:p>
-            <a:pPr algn="ctr"/>
-            <a:r>
-              <a:rPr lang="fr-FR" sz="1200" dirty="0" smtClean="0">
-                <a:solidFill>
-                  <a:schemeClr val="tx1"/>
-                </a:solidFill>
-              </a:rPr>
-              <a:t>-Matérielle et logiciel -Réalisation -Model Vue Contrôleur -Avantages / inconvénients -Améliorations possibles</a:t>
-            </a:r>
-            <a:endParaRPr lang="fr-FR" sz="1200" dirty="0">
-              <a:solidFill>
-                <a:schemeClr val="tx1"/>
-              </a:solidFill>
-            </a:endParaRPr>
-          </a:p>
-        </p:txBody>
-      </p:sp>
-    </p:spTree>
-    <p:extLst>
-      <p:ext uri="{BB962C8B-B14F-4D97-AF65-F5344CB8AC3E}">
-        <p14:creationId xmlns:p14="http://schemas.microsoft.com/office/powerpoint/2010/main" val="2995508724"/>
-      </p:ext>
-    </p:extLst>
-  </p:cSld>
-  <p:clrMapOvr>
-    <a:masterClrMapping/>
-  </p:clrMapOvr>
-  <p:timing>
-    <p:tnLst>
-      <p:par>
-        <p:cTn id="1" dur="indefinite" restart="never" nodeType="tmRoot"/>
-      </p:par>
-    </p:tnLst>
-  </p:timing>
-</p:sld>
-</file>
-
-<file path=ppt/slides/slide5.xml><?xml version="1.0" encoding="utf-8"?>
-<p:sld xmlns:a="http://schemas.openxmlformats.org/drawingml/2006/main" xmlns:r="http://schemas.openxmlformats.org/officeDocument/2006/relationships" xmlns:p="http://schemas.openxmlformats.org/presentationml/2006/main">
-  <p:cSld>
-    <p:spTree>
-      <p:nvGrpSpPr>
-        <p:cNvPr id="1" name=""/>
-        <p:cNvGrpSpPr/>
-        <p:nvPr/>
-      </p:nvGrpSpPr>
-      <p:grpSpPr>
-        <a:xfrm>
-          <a:off x="0" y="0"/>
-          <a:ext cx="0" cy="0"/>
-          <a:chOff x="0" y="0"/>
-          <a:chExt cx="0" cy="0"/>
-        </a:xfrm>
-      </p:grpSpPr>
-      <p:sp>
-        <p:nvSpPr>
-          <p:cNvPr id="2" name="Titre 1"/>
-          <p:cNvSpPr>
-            <a:spLocks noGrp="1"/>
-          </p:cNvSpPr>
-          <p:nvPr>
-            <p:ph type="ctrTitle"/>
-          </p:nvPr>
-        </p:nvSpPr>
-        <p:spPr>
-          <a:xfrm>
-            <a:off x="685800" y="836712"/>
-            <a:ext cx="7772400" cy="1470025"/>
-          </a:xfrm>
-        </p:spPr>
-        <p:txBody>
-          <a:bodyPr/>
-          <a:lstStyle/>
-          <a:p>
-            <a:r>
-              <a:rPr lang="fr-FR" dirty="0" smtClean="0"/>
-              <a:t>Architecture</a:t>
-            </a:r>
-            <a:endParaRPr lang="fr-FR" dirty="0"/>
-          </a:p>
-        </p:txBody>
-      </p:sp>
-      <p:pic>
-        <p:nvPicPr>
-          <p:cNvPr id="6" name="Image 5"/>
-          <p:cNvPicPr>
-            <a:picLocks noChangeAspect="1"/>
-          </p:cNvPicPr>
-          <p:nvPr/>
-        </p:nvPicPr>
-        <p:blipFill>
-          <a:blip r:embed="rId2">
-            <a:extLst>
-              <a:ext uri="{28A0092B-C50C-407E-A947-70E740481C1C}">
-                <a14:useLocalDpi xmlns:a14="http://schemas.microsoft.com/office/drawing/2010/main" val="0"/>
-              </a:ext>
-            </a:extLst>
-          </a:blip>
-          <a:stretch>
-            <a:fillRect/>
-          </a:stretch>
-        </p:blipFill>
-        <p:spPr>
-          <a:xfrm>
-            <a:off x="6444208" y="2996952"/>
-            <a:ext cx="1985437" cy="1913429"/>
-          </a:xfrm>
-          <a:prstGeom prst="rect">
-            <a:avLst/>
-          </a:prstGeom>
-        </p:spPr>
-      </p:pic>
-      <p:pic>
-        <p:nvPicPr>
-          <p:cNvPr id="8" name="Image 7"/>
-          <p:cNvPicPr>
-            <a:picLocks noChangeAspect="1"/>
-          </p:cNvPicPr>
-          <p:nvPr/>
-        </p:nvPicPr>
-        <p:blipFill>
-          <a:blip r:embed="rId3">
-            <a:extLst>
-              <a:ext uri="{28A0092B-C50C-407E-A947-70E740481C1C}">
-                <a14:useLocalDpi xmlns:a14="http://schemas.microsoft.com/office/drawing/2010/main" val="0"/>
-              </a:ext>
-            </a:extLst>
-          </a:blip>
-          <a:stretch>
-            <a:fillRect/>
-          </a:stretch>
-        </p:blipFill>
-        <p:spPr>
-          <a:xfrm>
-            <a:off x="539552" y="2613379"/>
-            <a:ext cx="3174603" cy="2577778"/>
-          </a:xfrm>
-          <a:prstGeom prst="rect">
-            <a:avLst/>
-          </a:prstGeom>
-        </p:spPr>
-      </p:pic>
-      <p:sp>
-        <p:nvSpPr>
-          <p:cNvPr id="12" name="Espace réservé du pied de page 8"/>
-          <p:cNvSpPr>
-            <a:spLocks noGrp="1"/>
-          </p:cNvSpPr>
-          <p:nvPr>
-            <p:ph type="ftr" sz="quarter" idx="11"/>
-          </p:nvPr>
-        </p:nvSpPr>
-        <p:spPr>
-          <a:xfrm>
-            <a:off x="2843808" y="6356350"/>
-            <a:ext cx="3456384" cy="365125"/>
-          </a:xfrm>
-        </p:spPr>
-        <p:txBody>
-          <a:bodyPr/>
-          <a:lstStyle/>
-          <a:p>
-            <a:r>
-              <a:rPr lang="fr-FR" dirty="0" smtClean="0">
-                <a:solidFill>
-                  <a:schemeClr val="tx1"/>
-                </a:solidFill>
-              </a:rPr>
-              <a:t>Université de Nantes, Licence Professionnelle SIL</a:t>
-            </a:r>
-            <a:endParaRPr lang="fr-BE" dirty="0">
-              <a:solidFill>
-                <a:schemeClr val="tx1"/>
-              </a:solidFill>
-            </a:endParaRPr>
-          </a:p>
-        </p:txBody>
-      </p:sp>
-      <p:sp>
-        <p:nvSpPr>
-          <p:cNvPr id="13" name="Espace réservé du numéro de diapositive 9"/>
-          <p:cNvSpPr>
-            <a:spLocks noGrp="1"/>
-          </p:cNvSpPr>
-          <p:nvPr>
-            <p:ph type="sldNum" sz="quarter" idx="12"/>
-          </p:nvPr>
-        </p:nvSpPr>
-        <p:spPr>
-          <a:xfrm>
-            <a:off x="6553200" y="6356350"/>
-            <a:ext cx="2133600" cy="365125"/>
-          </a:xfrm>
-        </p:spPr>
-        <p:txBody>
-          <a:bodyPr/>
-          <a:lstStyle/>
-          <a:p>
-            <a:fld id="{CF4668DC-857F-487D-BFFA-8C0CA5037977}" type="slidenum">
-              <a:rPr lang="fr-BE" smtClean="0">
-                <a:solidFill>
-                  <a:schemeClr val="tx1"/>
-                </a:solidFill>
-              </a:rPr>
-              <a:t>5</a:t>
-            </a:fld>
-            <a:endParaRPr lang="fr-BE" dirty="0">
-              <a:solidFill>
-                <a:schemeClr val="tx1"/>
-              </a:solidFill>
-            </a:endParaRPr>
-          </a:p>
-        </p:txBody>
-      </p:sp>
-      <p:pic>
-        <p:nvPicPr>
-          <p:cNvPr id="14" name="Image 13"/>
-          <p:cNvPicPr>
-            <a:picLocks noChangeAspect="1"/>
-          </p:cNvPicPr>
-          <p:nvPr/>
-        </p:nvPicPr>
-        <p:blipFill>
-          <a:blip r:embed="rId4">
-            <a:extLst>
-              <a:ext uri="{28A0092B-C50C-407E-A947-70E740481C1C}">
-                <a14:useLocalDpi xmlns:a14="http://schemas.microsoft.com/office/drawing/2010/main" val="0"/>
-              </a:ext>
-            </a:extLst>
-          </a:blip>
-          <a:stretch>
-            <a:fillRect/>
-          </a:stretch>
-        </p:blipFill>
-        <p:spPr>
-          <a:xfrm>
-            <a:off x="107504" y="133118"/>
-            <a:ext cx="1080120" cy="469618"/>
-          </a:xfrm>
-          <a:prstGeom prst="rect">
-            <a:avLst/>
-          </a:prstGeom>
-        </p:spPr>
-      </p:pic>
-      <p:sp>
-        <p:nvSpPr>
-          <p:cNvPr id="15" name="Rogner un rectangle avec un coin diagonal 14"/>
-          <p:cNvSpPr/>
-          <p:nvPr/>
-        </p:nvSpPr>
-        <p:spPr>
-          <a:xfrm>
-            <a:off x="1259632" y="0"/>
-            <a:ext cx="7848872" cy="512676"/>
-          </a:xfrm>
-          <a:prstGeom prst="snip2DiagRect">
-            <a:avLst>
-              <a:gd name="adj1" fmla="val 24520"/>
-              <a:gd name="adj2" fmla="val 23038"/>
-            </a:avLst>
-          </a:prstGeom>
-        </p:spPr>
-        <p:style>
-          <a:lnRef idx="0">
-            <a:schemeClr val="accent5"/>
-          </a:lnRef>
-          <a:fillRef idx="3">
-            <a:schemeClr val="accent5"/>
-          </a:fillRef>
-          <a:effectRef idx="3">
-            <a:schemeClr val="accent5"/>
-          </a:effectRef>
-          <a:fontRef idx="minor">
-            <a:schemeClr val="lt1"/>
-          </a:fontRef>
-        </p:style>
-        <p:txBody>
-          <a:bodyPr rtlCol="0" anchor="ctr"/>
-          <a:lstStyle/>
-          <a:p>
-            <a:pPr algn="ctr"/>
-            <a:r>
-              <a:rPr lang="fr-FR" sz="1200" dirty="0" smtClean="0">
-                <a:solidFill>
-                  <a:schemeClr val="tx1"/>
-                </a:solidFill>
-              </a:rPr>
-              <a:t>-Principe de fonctionnement </a:t>
-            </a:r>
-            <a:r>
-              <a:rPr lang="fr-FR" sz="1200" dirty="0" smtClean="0">
-                <a:solidFill>
-                  <a:schemeClr val="bg1"/>
-                </a:solidFill>
-              </a:rPr>
-              <a:t>-Architecture </a:t>
-            </a:r>
-            <a:r>
-              <a:rPr lang="fr-FR" sz="1200" dirty="0" smtClean="0">
-                <a:solidFill>
-                  <a:schemeClr val="tx1"/>
-                </a:solidFill>
-              </a:rPr>
-              <a:t>-Services de l’application -Diagramme des cas d’utilisation</a:t>
-            </a:r>
-          </a:p>
-          <a:p>
-            <a:pPr algn="ctr"/>
-            <a:r>
-              <a:rPr lang="fr-FR" sz="1200" dirty="0" smtClean="0">
-                <a:solidFill>
-                  <a:schemeClr val="tx1"/>
-                </a:solidFill>
-              </a:rPr>
-              <a:t>-Matérielle et logiciel -Réalisation -Model Vue Contrôleur -Avantages / inconvénients -Améliorations possibles</a:t>
-            </a:r>
-            <a:endParaRPr lang="fr-FR" sz="1200" dirty="0">
-              <a:solidFill>
-                <a:schemeClr val="tx1"/>
-              </a:solidFill>
-            </a:endParaRPr>
-          </a:p>
-        </p:txBody>
-      </p:sp>
-    </p:spTree>
-    <p:extLst>
-      <p:ext uri="{BB962C8B-B14F-4D97-AF65-F5344CB8AC3E}">
-        <p14:creationId xmlns:p14="http://schemas.microsoft.com/office/powerpoint/2010/main" val="4068298962"/>
-      </p:ext>
-    </p:extLst>
-  </p:cSld>
-  <p:clrMapOvr>
-    <a:masterClrMapping/>
-  </p:clrMapOvr>
-  <p:timing>
-    <p:tnLst>
-      <p:par>
-        <p:cTn id="1" dur="indefinite" restart="never" nodeType="tmRoot"/>
-      </p:par>
-    </p:tnLst>
-  </p:timing>
-</p:sld>
-</file>
-
-<file path=ppt/slides/slide6.xml><?xml version="1.0" encoding="utf-8"?>
-<p:sld xmlns:a="http://schemas.openxmlformats.org/drawingml/2006/main" xmlns:r="http://schemas.openxmlformats.org/officeDocument/2006/relationships" xmlns:p="http://schemas.openxmlformats.org/presentationml/2006/main">
-  <p:cSld>
-    <p:spTree>
-      <p:nvGrpSpPr>
-        <p:cNvPr id="1" name=""/>
-        <p:cNvGrpSpPr/>
-        <p:nvPr/>
-      </p:nvGrpSpPr>
-      <p:grpSpPr>
-        <a:xfrm>
-          <a:off x="0" y="0"/>
-          <a:ext cx="0" cy="0"/>
-          <a:chOff x="0" y="0"/>
-          <a:chExt cx="0" cy="0"/>
-        </a:xfrm>
-      </p:grpSpPr>
-      <p:sp>
-        <p:nvSpPr>
-          <p:cNvPr id="2" name="Titre 1"/>
-          <p:cNvSpPr>
-            <a:spLocks noGrp="1"/>
-          </p:cNvSpPr>
-          <p:nvPr>
-            <p:ph type="ctrTitle"/>
-          </p:nvPr>
-        </p:nvSpPr>
-        <p:spPr>
-          <a:xfrm>
-            <a:off x="685800" y="836712"/>
-            <a:ext cx="7772400" cy="1470025"/>
-          </a:xfrm>
-        </p:spPr>
-        <p:txBody>
-          <a:bodyPr/>
-          <a:lstStyle/>
-          <a:p>
-            <a:r>
-              <a:rPr lang="fr-FR" dirty="0" smtClean="0"/>
-              <a:t>Services de l’application</a:t>
-            </a:r>
-            <a:endParaRPr lang="fr-FR" dirty="0"/>
-          </a:p>
-        </p:txBody>
-      </p:sp>
-      <p:sp>
-        <p:nvSpPr>
-          <p:cNvPr id="3" name="Sous-titre 2"/>
-          <p:cNvSpPr>
-            <a:spLocks noGrp="1"/>
-          </p:cNvSpPr>
-          <p:nvPr>
-            <p:ph type="subTitle" idx="1"/>
-          </p:nvPr>
-        </p:nvSpPr>
-        <p:spPr/>
-        <p:txBody>
-          <a:bodyPr/>
-          <a:lstStyle/>
-          <a:p>
-            <a:endParaRPr lang="fr-FR" dirty="0"/>
-          </a:p>
-        </p:txBody>
-      </p:sp>
-      <p:sp>
-        <p:nvSpPr>
-          <p:cNvPr id="9" name="Espace réservé du pied de page 8"/>
-          <p:cNvSpPr>
-            <a:spLocks noGrp="1"/>
-          </p:cNvSpPr>
-          <p:nvPr>
-            <p:ph type="ftr" sz="quarter" idx="11"/>
-          </p:nvPr>
-        </p:nvSpPr>
-        <p:spPr>
-          <a:xfrm>
-            <a:off x="2843808" y="6356350"/>
-            <a:ext cx="3456384" cy="365125"/>
-          </a:xfrm>
-        </p:spPr>
-        <p:txBody>
-          <a:bodyPr/>
-          <a:lstStyle/>
-          <a:p>
-            <a:r>
-              <a:rPr lang="fr-FR" dirty="0" smtClean="0">
-                <a:solidFill>
-                  <a:schemeClr val="tx1"/>
-                </a:solidFill>
-              </a:rPr>
-              <a:t>Université de Nantes, Licence Professionnelle SIL</a:t>
-            </a:r>
-            <a:endParaRPr lang="fr-BE" dirty="0">
-              <a:solidFill>
-                <a:schemeClr val="tx1"/>
-              </a:solidFill>
-            </a:endParaRPr>
-          </a:p>
-        </p:txBody>
-      </p:sp>
-      <p:sp>
-        <p:nvSpPr>
-          <p:cNvPr id="10" name="Espace réservé du numéro de diapositive 9"/>
-          <p:cNvSpPr>
-            <a:spLocks noGrp="1"/>
-          </p:cNvSpPr>
-          <p:nvPr>
-            <p:ph type="sldNum" sz="quarter" idx="12"/>
-          </p:nvPr>
-        </p:nvSpPr>
-        <p:spPr>
-          <a:xfrm>
-            <a:off x="6553200" y="6356350"/>
-            <a:ext cx="2133600" cy="365125"/>
-          </a:xfrm>
-        </p:spPr>
-        <p:txBody>
-          <a:bodyPr/>
-          <a:lstStyle/>
-          <a:p>
-            <a:fld id="{CF4668DC-857F-487D-BFFA-8C0CA5037977}" type="slidenum">
-              <a:rPr lang="fr-BE" smtClean="0">
-                <a:solidFill>
-                  <a:schemeClr val="tx1"/>
-                </a:solidFill>
-              </a:rPr>
-              <a:t>6</a:t>
-            </a:fld>
-            <a:endParaRPr lang="fr-BE" dirty="0">
-              <a:solidFill>
-                <a:schemeClr val="tx1"/>
-              </a:solidFill>
-            </a:endParaRPr>
-          </a:p>
-        </p:txBody>
-      </p:sp>
-      <p:pic>
-        <p:nvPicPr>
-          <p:cNvPr id="11" name="Image 10"/>
-          <p:cNvPicPr>
-            <a:picLocks noChangeAspect="1"/>
-          </p:cNvPicPr>
-          <p:nvPr/>
-        </p:nvPicPr>
-        <p:blipFill>
-          <a:blip r:embed="rId2">
-            <a:extLst>
-              <a:ext uri="{28A0092B-C50C-407E-A947-70E740481C1C}">
-                <a14:useLocalDpi xmlns:a14="http://schemas.microsoft.com/office/drawing/2010/main" val="0"/>
-              </a:ext>
-            </a:extLst>
-          </a:blip>
-          <a:stretch>
-            <a:fillRect/>
-          </a:stretch>
-        </p:blipFill>
-        <p:spPr>
-          <a:xfrm>
-            <a:off x="107504" y="133118"/>
-            <a:ext cx="1080120" cy="469618"/>
-          </a:xfrm>
-          <a:prstGeom prst="rect">
-            <a:avLst/>
-          </a:prstGeom>
-        </p:spPr>
-      </p:pic>
-      <p:sp>
-        <p:nvSpPr>
-          <p:cNvPr id="12" name="Rogner un rectangle avec un coin diagonal 11"/>
-          <p:cNvSpPr/>
-          <p:nvPr/>
-        </p:nvSpPr>
-        <p:spPr>
-          <a:xfrm>
-            <a:off x="1259632" y="0"/>
-            <a:ext cx="7848872" cy="512676"/>
-          </a:xfrm>
-          <a:prstGeom prst="snip2DiagRect">
-            <a:avLst>
-              <a:gd name="adj1" fmla="val 24520"/>
-              <a:gd name="adj2" fmla="val 23038"/>
-            </a:avLst>
-          </a:prstGeom>
-        </p:spPr>
-        <p:style>
-          <a:lnRef idx="0">
-            <a:schemeClr val="accent5"/>
-          </a:lnRef>
-          <a:fillRef idx="3">
-            <a:schemeClr val="accent5"/>
-          </a:fillRef>
-          <a:effectRef idx="3">
-            <a:schemeClr val="accent5"/>
-          </a:effectRef>
-          <a:fontRef idx="minor">
-            <a:schemeClr val="lt1"/>
-          </a:fontRef>
-        </p:style>
-        <p:txBody>
-          <a:bodyPr rtlCol="0" anchor="ctr"/>
-          <a:lstStyle/>
-          <a:p>
-            <a:pPr algn="ctr"/>
-            <a:r>
-              <a:rPr lang="fr-FR" sz="1200" dirty="0" smtClean="0">
-                <a:solidFill>
-                  <a:schemeClr val="tx1"/>
-                </a:solidFill>
-              </a:rPr>
-              <a:t>-Principe de fonctionnement -Architecture </a:t>
-            </a:r>
-            <a:r>
-              <a:rPr lang="fr-FR" sz="1200" dirty="0" smtClean="0">
-                <a:solidFill>
-                  <a:schemeClr val="bg1"/>
-                </a:solidFill>
-              </a:rPr>
-              <a:t>-Services de l’application </a:t>
-            </a:r>
-            <a:r>
-              <a:rPr lang="fr-FR" sz="1200" dirty="0" smtClean="0">
-                <a:solidFill>
-                  <a:schemeClr val="tx1"/>
-                </a:solidFill>
-              </a:rPr>
-              <a:t>-Diagramme des cas d’utilisation</a:t>
-            </a:r>
-          </a:p>
-          <a:p>
-            <a:pPr algn="ctr"/>
-            <a:r>
-              <a:rPr lang="fr-FR" sz="1200" dirty="0" smtClean="0">
-                <a:solidFill>
-                  <a:schemeClr val="tx1"/>
-                </a:solidFill>
-              </a:rPr>
-              <a:t>-Matérielle et logiciel -Réalisation -Model Vue Contrôleur -Avantages / inconvénients -Améliorations possibles</a:t>
-            </a:r>
-            <a:endParaRPr lang="fr-FR" sz="1200" dirty="0">
-              <a:solidFill>
-                <a:schemeClr val="tx1"/>
-              </a:solidFill>
-            </a:endParaRPr>
-          </a:p>
-        </p:txBody>
-      </p:sp>
-    </p:spTree>
-    <p:extLst>
-      <p:ext uri="{BB962C8B-B14F-4D97-AF65-F5344CB8AC3E}">
-        <p14:creationId xmlns:p14="http://schemas.microsoft.com/office/powerpoint/2010/main" val="891250711"/>
-      </p:ext>
-    </p:extLst>
-  </p:cSld>
-  <p:clrMapOvr>
-    <a:masterClrMapping/>
-  </p:clrMapOvr>
-  <p:timing>
-    <p:tnLst>
-      <p:par>
-        <p:cTn id="1" dur="indefinite" restart="never" nodeType="tmRoot"/>
-      </p:par>
-    </p:tnLst>
-  </p:timing>
-</p:sld>
-</file>
-
-<file path=ppt/slides/slide7.xml><?xml version="1.0" encoding="utf-8"?>
-<p:sld xmlns:a="http://schemas.openxmlformats.org/drawingml/2006/main" xmlns:r="http://schemas.openxmlformats.org/officeDocument/2006/relationships" xmlns:p="http://schemas.openxmlformats.org/presentationml/2006/main">
-  <p:cSld>
-    <p:spTree>
-      <p:nvGrpSpPr>
-        <p:cNvPr id="1" name=""/>
-        <p:cNvGrpSpPr/>
-        <p:nvPr/>
-      </p:nvGrpSpPr>
-      <p:grpSpPr>
-        <a:xfrm>
-          <a:off x="0" y="0"/>
-          <a:ext cx="0" cy="0"/>
-          <a:chOff x="0" y="0"/>
-          <a:chExt cx="0" cy="0"/>
-        </a:xfrm>
-      </p:grpSpPr>
-      <p:sp>
-        <p:nvSpPr>
-          <p:cNvPr id="2" name="Titre 1"/>
-          <p:cNvSpPr>
-            <a:spLocks noGrp="1"/>
-          </p:cNvSpPr>
-          <p:nvPr>
-            <p:ph type="ctrTitle"/>
-          </p:nvPr>
-        </p:nvSpPr>
-        <p:spPr>
-          <a:xfrm>
-            <a:off x="685800" y="836712"/>
-            <a:ext cx="7772400" cy="1470025"/>
-          </a:xfrm>
-        </p:spPr>
-        <p:txBody>
-          <a:bodyPr/>
-          <a:lstStyle/>
-          <a:p>
-            <a:r>
-              <a:rPr lang="fr-FR" dirty="0" smtClean="0"/>
-              <a:t>Diagramme des cas d’utilisation</a:t>
-            </a:r>
-            <a:endParaRPr lang="fr-FR" dirty="0"/>
-          </a:p>
-        </p:txBody>
-      </p:sp>
-      <p:sp>
-        <p:nvSpPr>
-          <p:cNvPr id="3" name="Sous-titre 2"/>
-          <p:cNvSpPr>
-            <a:spLocks noGrp="1"/>
-          </p:cNvSpPr>
-          <p:nvPr>
-            <p:ph type="subTitle" idx="1"/>
-          </p:nvPr>
-        </p:nvSpPr>
-        <p:spPr/>
-        <p:txBody>
-          <a:bodyPr/>
-          <a:lstStyle/>
-          <a:p>
-            <a:endParaRPr lang="fr-FR" dirty="0"/>
-          </a:p>
-        </p:txBody>
-      </p:sp>
-      <p:sp>
-        <p:nvSpPr>
-          <p:cNvPr id="9" name="Espace réservé du pied de page 8"/>
-          <p:cNvSpPr>
-            <a:spLocks noGrp="1"/>
-          </p:cNvSpPr>
-          <p:nvPr>
-            <p:ph type="ftr" sz="quarter" idx="11"/>
-          </p:nvPr>
-        </p:nvSpPr>
-        <p:spPr>
-          <a:xfrm>
-            <a:off x="2843808" y="6356350"/>
-            <a:ext cx="3456384" cy="365125"/>
-          </a:xfrm>
-        </p:spPr>
-        <p:txBody>
-          <a:bodyPr/>
-          <a:lstStyle/>
-          <a:p>
-            <a:r>
-              <a:rPr lang="fr-FR" dirty="0" smtClean="0">
-                <a:solidFill>
-                  <a:schemeClr val="tx1"/>
-                </a:solidFill>
-              </a:rPr>
-              <a:t>Université de Nantes, Licence Professionnelle SIL</a:t>
-            </a:r>
-            <a:endParaRPr lang="fr-BE" dirty="0">
-              <a:solidFill>
-                <a:schemeClr val="tx1"/>
-              </a:solidFill>
-            </a:endParaRPr>
-          </a:p>
-        </p:txBody>
-      </p:sp>
-      <p:sp>
-        <p:nvSpPr>
-          <p:cNvPr id="10" name="Espace réservé du numéro de diapositive 9"/>
-          <p:cNvSpPr>
-            <a:spLocks noGrp="1"/>
-          </p:cNvSpPr>
-          <p:nvPr>
-            <p:ph type="sldNum" sz="quarter" idx="12"/>
-          </p:nvPr>
-        </p:nvSpPr>
-        <p:spPr>
-          <a:xfrm>
-            <a:off x="6553200" y="6356350"/>
-            <a:ext cx="2133600" cy="365125"/>
-          </a:xfrm>
-        </p:spPr>
-        <p:txBody>
-          <a:bodyPr/>
-          <a:lstStyle/>
-          <a:p>
-            <a:fld id="{CF4668DC-857F-487D-BFFA-8C0CA5037977}" type="slidenum">
-              <a:rPr lang="fr-BE" smtClean="0">
-                <a:solidFill>
-                  <a:schemeClr val="tx1"/>
-                </a:solidFill>
-              </a:rPr>
-              <a:t>7</a:t>
-            </a:fld>
-            <a:endParaRPr lang="fr-BE" dirty="0">
-              <a:solidFill>
-                <a:schemeClr val="tx1"/>
-              </a:solidFill>
-            </a:endParaRPr>
-          </a:p>
-        </p:txBody>
-      </p:sp>
-      <p:pic>
-        <p:nvPicPr>
-          <p:cNvPr id="11" name="Image 10"/>
-          <p:cNvPicPr>
-            <a:picLocks noChangeAspect="1"/>
-          </p:cNvPicPr>
-          <p:nvPr/>
-        </p:nvPicPr>
-        <p:blipFill>
-          <a:blip r:embed="rId2">
-            <a:extLst>
-              <a:ext uri="{28A0092B-C50C-407E-A947-70E740481C1C}">
-                <a14:useLocalDpi xmlns:a14="http://schemas.microsoft.com/office/drawing/2010/main" val="0"/>
-              </a:ext>
-            </a:extLst>
-          </a:blip>
-          <a:stretch>
-            <a:fillRect/>
-          </a:stretch>
-        </p:blipFill>
-        <p:spPr>
-          <a:xfrm>
-            <a:off x="107504" y="133118"/>
-            <a:ext cx="1080120" cy="469618"/>
-          </a:xfrm>
-          <a:prstGeom prst="rect">
-            <a:avLst/>
-          </a:prstGeom>
-        </p:spPr>
-      </p:pic>
-      <p:sp>
-        <p:nvSpPr>
-          <p:cNvPr id="12" name="Rogner un rectangle avec un coin diagonal 11"/>
-          <p:cNvSpPr/>
-          <p:nvPr/>
-        </p:nvSpPr>
-        <p:spPr>
-          <a:xfrm>
-            <a:off x="1259632" y="0"/>
-            <a:ext cx="7848872" cy="512676"/>
-          </a:xfrm>
-          <a:prstGeom prst="snip2DiagRect">
-            <a:avLst>
-              <a:gd name="adj1" fmla="val 24520"/>
-              <a:gd name="adj2" fmla="val 23038"/>
-            </a:avLst>
-          </a:prstGeom>
-        </p:spPr>
-        <p:style>
-          <a:lnRef idx="0">
-            <a:schemeClr val="accent5"/>
-          </a:lnRef>
-          <a:fillRef idx="3">
-            <a:schemeClr val="accent5"/>
-          </a:fillRef>
-          <a:effectRef idx="3">
-            <a:schemeClr val="accent5"/>
-          </a:effectRef>
-          <a:fontRef idx="minor">
-            <a:schemeClr val="lt1"/>
-          </a:fontRef>
-        </p:style>
-        <p:txBody>
-          <a:bodyPr rtlCol="0" anchor="ctr"/>
-          <a:lstStyle/>
-          <a:p>
-            <a:pPr algn="ctr"/>
-            <a:r>
-              <a:rPr lang="fr-FR" sz="1200" dirty="0" smtClean="0">
-                <a:solidFill>
-                  <a:schemeClr val="tx1"/>
-                </a:solidFill>
-              </a:rPr>
-              <a:t>-Principe de fonctionnement -Architecture -Services de l’application </a:t>
-            </a:r>
-            <a:r>
-              <a:rPr lang="fr-FR" sz="1200" dirty="0" smtClean="0">
-                <a:solidFill>
-                  <a:schemeClr val="bg1"/>
-                </a:solidFill>
-              </a:rPr>
-              <a:t>-Diagramme des cas d’utilisation</a:t>
-            </a:r>
-          </a:p>
-          <a:p>
-            <a:pPr algn="ctr"/>
-            <a:r>
-              <a:rPr lang="fr-FR" sz="1200" dirty="0" smtClean="0">
-                <a:solidFill>
-                  <a:schemeClr val="tx1"/>
-                </a:solidFill>
-              </a:rPr>
-              <a:t>-Matérielle et logiciel -Réalisation -Model Vue Contrôleur -Avantages / inconvénients -Améliorations possibles</a:t>
-            </a:r>
-            <a:endParaRPr lang="fr-FR" sz="1200" dirty="0">
-              <a:solidFill>
-                <a:schemeClr val="tx1"/>
-              </a:solidFill>
-            </a:endParaRPr>
-          </a:p>
-        </p:txBody>
-      </p:sp>
-    </p:spTree>
-    <p:extLst>
-      <p:ext uri="{BB962C8B-B14F-4D97-AF65-F5344CB8AC3E}">
-        <p14:creationId xmlns:p14="http://schemas.microsoft.com/office/powerpoint/2010/main" val="757506834"/>
-      </p:ext>
-    </p:extLst>
-  </p:cSld>
-  <p:clrMapOvr>
-    <a:masterClrMapping/>
-  </p:clrMapOvr>
-  <p:timing>
-    <p:tnLst>
-      <p:par>
-        <p:cTn id="1" dur="indefinite" restart="never" nodeType="tmRoot"/>
-      </p:par>
-    </p:tnLst>
-  </p:timing>
-</p:sld>
-</file>
-
-<file path=ppt/slides/slide8.xml><?xml version="1.0" encoding="utf-8"?>
-<p:sld xmlns:a="http://schemas.openxmlformats.org/drawingml/2006/main" xmlns:r="http://schemas.openxmlformats.org/officeDocument/2006/relationships" xmlns:p="http://schemas.openxmlformats.org/presentationml/2006/main">
-  <p:cSld>
-    <p:spTree>
-      <p:nvGrpSpPr>
-        <p:cNvPr id="1" name=""/>
-        <p:cNvGrpSpPr/>
-        <p:nvPr/>
-      </p:nvGrpSpPr>
-      <p:grpSpPr>
-        <a:xfrm>
-          <a:off x="0" y="0"/>
-          <a:ext cx="0" cy="0"/>
-          <a:chOff x="0" y="0"/>
-          <a:chExt cx="0" cy="0"/>
-        </a:xfrm>
-      </p:grpSpPr>
-      <p:sp>
-        <p:nvSpPr>
-          <p:cNvPr id="2" name="Titre 1"/>
-          <p:cNvSpPr>
-            <a:spLocks noGrp="1"/>
-          </p:cNvSpPr>
-          <p:nvPr>
-            <p:ph type="ctrTitle"/>
-          </p:nvPr>
-        </p:nvSpPr>
-        <p:spPr>
-          <a:xfrm>
-            <a:off x="685800" y="806847"/>
-            <a:ext cx="7772400" cy="1470025"/>
-          </a:xfrm>
-        </p:spPr>
-        <p:txBody>
-          <a:bodyPr/>
-          <a:lstStyle/>
-          <a:p>
-            <a:r>
-              <a:rPr lang="fr-FR" dirty="0" smtClean="0"/>
-              <a:t>Matérielle et logiciel</a:t>
-            </a:r>
-            <a:endParaRPr lang="fr-FR" dirty="0"/>
-          </a:p>
-        </p:txBody>
-      </p:sp>
-      <p:sp>
-        <p:nvSpPr>
-          <p:cNvPr id="3" name="Sous-titre 2"/>
-          <p:cNvSpPr>
-            <a:spLocks noGrp="1"/>
-          </p:cNvSpPr>
-          <p:nvPr>
-            <p:ph type="subTitle" idx="1"/>
-          </p:nvPr>
-        </p:nvSpPr>
-        <p:spPr/>
-        <p:txBody>
-          <a:bodyPr/>
-          <a:lstStyle/>
-          <a:p>
-            <a:endParaRPr lang="fr-FR" dirty="0"/>
-          </a:p>
-        </p:txBody>
-      </p:sp>
-      <p:sp>
-        <p:nvSpPr>
-          <p:cNvPr id="9" name="Espace réservé du pied de page 8"/>
-          <p:cNvSpPr>
-            <a:spLocks noGrp="1"/>
-          </p:cNvSpPr>
-          <p:nvPr>
-            <p:ph type="ftr" sz="quarter" idx="11"/>
-          </p:nvPr>
-        </p:nvSpPr>
-        <p:spPr>
-          <a:xfrm>
-            <a:off x="2843808" y="6356350"/>
-            <a:ext cx="3456384" cy="365125"/>
-          </a:xfrm>
-        </p:spPr>
-        <p:txBody>
-          <a:bodyPr/>
-          <a:lstStyle/>
-          <a:p>
-            <a:r>
-              <a:rPr lang="fr-FR" dirty="0" smtClean="0">
-                <a:solidFill>
-                  <a:schemeClr val="tx1"/>
-                </a:solidFill>
-              </a:rPr>
-              <a:t>Université de Nantes, Licence Professionnelle SIL</a:t>
-            </a:r>
-            <a:endParaRPr lang="fr-BE" dirty="0">
-              <a:solidFill>
-                <a:schemeClr val="tx1"/>
-              </a:solidFill>
-            </a:endParaRPr>
-          </a:p>
-        </p:txBody>
-      </p:sp>
-      <p:sp>
-        <p:nvSpPr>
-          <p:cNvPr id="10" name="Espace réservé du numéro de diapositive 9"/>
-          <p:cNvSpPr>
-            <a:spLocks noGrp="1"/>
-          </p:cNvSpPr>
-          <p:nvPr>
-            <p:ph type="sldNum" sz="quarter" idx="12"/>
-          </p:nvPr>
-        </p:nvSpPr>
-        <p:spPr>
-          <a:xfrm>
-            <a:off x="6553200" y="6356350"/>
-            <a:ext cx="2133600" cy="365125"/>
-          </a:xfrm>
-        </p:spPr>
-        <p:txBody>
-          <a:bodyPr/>
-          <a:lstStyle/>
-          <a:p>
-            <a:fld id="{CF4668DC-857F-487D-BFFA-8C0CA5037977}" type="slidenum">
-              <a:rPr lang="fr-BE" smtClean="0">
-                <a:solidFill>
-                  <a:schemeClr val="tx1"/>
-                </a:solidFill>
-              </a:rPr>
-              <a:t>8</a:t>
-            </a:fld>
-            <a:endParaRPr lang="fr-BE" dirty="0">
-              <a:solidFill>
-                <a:schemeClr val="tx1"/>
-              </a:solidFill>
-            </a:endParaRPr>
-          </a:p>
-        </p:txBody>
-      </p:sp>
-      <p:pic>
-        <p:nvPicPr>
-          <p:cNvPr id="11" name="Image 10"/>
-          <p:cNvPicPr>
-            <a:picLocks noChangeAspect="1"/>
-          </p:cNvPicPr>
-          <p:nvPr/>
-        </p:nvPicPr>
-        <p:blipFill>
-          <a:blip r:embed="rId2">
-            <a:extLst>
-              <a:ext uri="{28A0092B-C50C-407E-A947-70E740481C1C}">
-                <a14:useLocalDpi xmlns:a14="http://schemas.microsoft.com/office/drawing/2010/main" val="0"/>
-              </a:ext>
-            </a:extLst>
-          </a:blip>
-          <a:stretch>
-            <a:fillRect/>
-          </a:stretch>
-        </p:blipFill>
-        <p:spPr>
-          <a:xfrm>
-            <a:off x="107504" y="133118"/>
-            <a:ext cx="1080120" cy="469618"/>
-          </a:xfrm>
-          <a:prstGeom prst="rect">
-            <a:avLst/>
-          </a:prstGeom>
-        </p:spPr>
-      </p:pic>
-      <p:sp>
-        <p:nvSpPr>
-          <p:cNvPr id="12" name="Rogner un rectangle avec un coin diagonal 11"/>
-          <p:cNvSpPr/>
-          <p:nvPr/>
-        </p:nvSpPr>
-        <p:spPr>
-          <a:xfrm>
-            <a:off x="1259632" y="0"/>
-            <a:ext cx="7848872" cy="512676"/>
-          </a:xfrm>
-          <a:prstGeom prst="snip2DiagRect">
-            <a:avLst>
-              <a:gd name="adj1" fmla="val 24520"/>
-              <a:gd name="adj2" fmla="val 23038"/>
-            </a:avLst>
-          </a:prstGeom>
-        </p:spPr>
-        <p:style>
-          <a:lnRef idx="0">
-            <a:schemeClr val="accent5"/>
-          </a:lnRef>
-          <a:fillRef idx="3">
-            <a:schemeClr val="accent5"/>
-          </a:fillRef>
-          <a:effectRef idx="3">
-            <a:schemeClr val="accent5"/>
-          </a:effectRef>
-          <a:fontRef idx="minor">
-            <a:schemeClr val="lt1"/>
-          </a:fontRef>
-        </p:style>
-        <p:txBody>
-          <a:bodyPr rtlCol="0" anchor="ctr"/>
-          <a:lstStyle/>
-          <a:p>
-            <a:pPr algn="ctr"/>
-            <a:r>
-              <a:rPr lang="fr-FR" sz="1200" dirty="0" smtClean="0">
-                <a:solidFill>
-                  <a:schemeClr val="tx1"/>
-                </a:solidFill>
-              </a:rPr>
-              <a:t>-Principe de fonctionnement -Architecture -Services de l’application -Diagramme des cas d’utilisation</a:t>
-            </a:r>
-          </a:p>
-          <a:p>
-            <a:pPr algn="ctr"/>
-            <a:r>
-              <a:rPr lang="fr-FR" sz="1200" dirty="0" smtClean="0">
-                <a:solidFill>
-                  <a:schemeClr val="bg1"/>
-                </a:solidFill>
-              </a:rPr>
-              <a:t>-Matérielle et logiciel </a:t>
-            </a:r>
-            <a:r>
-              <a:rPr lang="fr-FR" sz="1200" dirty="0" smtClean="0">
-                <a:solidFill>
-                  <a:schemeClr val="tx1"/>
-                </a:solidFill>
-              </a:rPr>
-              <a:t>-Réalisation -Model Vue Contrôleur -Avantages / inconvénients -Améliorations possibles</a:t>
-            </a:r>
-            <a:endParaRPr lang="fr-FR" sz="1200" dirty="0">
-              <a:solidFill>
-                <a:schemeClr val="tx1"/>
-              </a:solidFill>
-            </a:endParaRPr>
-          </a:p>
-        </p:txBody>
-      </p:sp>
-    </p:spTree>
-    <p:extLst>
-      <p:ext uri="{BB962C8B-B14F-4D97-AF65-F5344CB8AC3E}">
-        <p14:creationId xmlns:p14="http://schemas.microsoft.com/office/powerpoint/2010/main" val="2125529175"/>
-      </p:ext>
-    </p:extLst>
-  </p:cSld>
-  <p:clrMapOvr>
-    <a:masterClrMapping/>
-  </p:clrMapOvr>
-  <p:timing>
-    <p:tnLst>
-      <p:par>
-        <p:cTn id="1" dur="indefinite" restart="never" nodeType="tmRoot"/>
-      </p:par>
-    </p:tnLst>
-  </p:timing>
-</p:sld>
-</file>
-
-<file path=ppt/slides/slide9.xml><?xml version="1.0" encoding="utf-8"?>
-<p:sld xmlns:a="http://schemas.openxmlformats.org/drawingml/2006/main" xmlns:r="http://schemas.openxmlformats.org/officeDocument/2006/relationships" xmlns:p="http://schemas.openxmlformats.org/presentationml/2006/main">
-  <p:cSld>
-    <p:spTree>
-      <p:nvGrpSpPr>
-        <p:cNvPr id="1" name=""/>
-        <p:cNvGrpSpPr/>
-        <p:nvPr/>
-      </p:nvGrpSpPr>
-      <p:grpSpPr>
-        <a:xfrm>
-          <a:off x="0" y="0"/>
-          <a:ext cx="0" cy="0"/>
-          <a:chOff x="0" y="0"/>
-          <a:chExt cx="0" cy="0"/>
-        </a:xfrm>
-      </p:grpSpPr>
-      <p:sp>
-        <p:nvSpPr>
-          <p:cNvPr id="2" name="Titre 1"/>
-          <p:cNvSpPr>
-            <a:spLocks noGrp="1"/>
-          </p:cNvSpPr>
-          <p:nvPr>
-            <p:ph type="ctrTitle"/>
-          </p:nvPr>
-        </p:nvSpPr>
-        <p:spPr>
-          <a:xfrm>
-            <a:off x="685800" y="806847"/>
-            <a:ext cx="7772400" cy="1470025"/>
-          </a:xfrm>
-        </p:spPr>
-        <p:txBody>
-          <a:bodyPr/>
-          <a:lstStyle/>
-          <a:p>
-            <a:r>
-              <a:rPr lang="fr-FR" dirty="0" smtClean="0"/>
-              <a:t>Réalisation</a:t>
-            </a:r>
-            <a:endParaRPr lang="fr-FR" dirty="0"/>
-          </a:p>
-        </p:txBody>
-      </p:sp>
-      <p:sp>
-        <p:nvSpPr>
-          <p:cNvPr id="3" name="Sous-titre 2"/>
-          <p:cNvSpPr>
-            <a:spLocks noGrp="1"/>
-          </p:cNvSpPr>
-          <p:nvPr>
-            <p:ph type="subTitle" idx="1"/>
-          </p:nvPr>
-        </p:nvSpPr>
-        <p:spPr/>
-        <p:txBody>
-          <a:bodyPr/>
-          <a:lstStyle/>
-          <a:p>
-            <a:endParaRPr lang="fr-FR" dirty="0"/>
-          </a:p>
-        </p:txBody>
-      </p:sp>
-      <p:sp>
-        <p:nvSpPr>
-          <p:cNvPr id="9" name="Espace réservé du pied de page 8"/>
-          <p:cNvSpPr>
-            <a:spLocks noGrp="1"/>
-          </p:cNvSpPr>
-          <p:nvPr>
-            <p:ph type="ftr" sz="quarter" idx="11"/>
-          </p:nvPr>
-        </p:nvSpPr>
-        <p:spPr>
-          <a:xfrm>
-            <a:off x="2843808" y="6356350"/>
-            <a:ext cx="3456384" cy="365125"/>
-          </a:xfrm>
-        </p:spPr>
-        <p:txBody>
-          <a:bodyPr/>
-          <a:lstStyle/>
-          <a:p>
-            <a:r>
-              <a:rPr lang="fr-FR" dirty="0" smtClean="0">
-                <a:solidFill>
-                  <a:schemeClr val="tx1"/>
-                </a:solidFill>
-              </a:rPr>
-              <a:t>Université de Nantes, Licence Professionnelle SIL</a:t>
-            </a:r>
-            <a:endParaRPr lang="fr-BE" dirty="0">
-              <a:solidFill>
-                <a:schemeClr val="tx1"/>
-              </a:solidFill>
-            </a:endParaRPr>
-          </a:p>
-        </p:txBody>
-      </p:sp>
-      <p:sp>
-        <p:nvSpPr>
-          <p:cNvPr id="10" name="Espace réservé du numéro de diapositive 9"/>
-          <p:cNvSpPr>
-            <a:spLocks noGrp="1"/>
-          </p:cNvSpPr>
-          <p:nvPr>
-            <p:ph type="sldNum" sz="quarter" idx="12"/>
-          </p:nvPr>
-        </p:nvSpPr>
-        <p:spPr>
-          <a:xfrm>
-            <a:off x="6553200" y="6356350"/>
-            <a:ext cx="2133600" cy="365125"/>
-          </a:xfrm>
-        </p:spPr>
-        <p:txBody>
-          <a:bodyPr/>
-          <a:lstStyle/>
-          <a:p>
-            <a:fld id="{CF4668DC-857F-487D-BFFA-8C0CA5037977}" type="slidenum">
-              <a:rPr lang="fr-BE" smtClean="0">
-                <a:solidFill>
-                  <a:schemeClr val="tx1"/>
-                </a:solidFill>
-              </a:rPr>
-              <a:t>9</a:t>
-            </a:fld>
-            <a:endParaRPr lang="fr-BE" dirty="0">
-              <a:solidFill>
-                <a:schemeClr val="tx1"/>
-              </a:solidFill>
-            </a:endParaRPr>
-          </a:p>
-        </p:txBody>
-      </p:sp>
-      <p:pic>
-        <p:nvPicPr>
-          <p:cNvPr id="11" name="Image 10"/>
-          <p:cNvPicPr>
-            <a:picLocks noChangeAspect="1"/>
-          </p:cNvPicPr>
-          <p:nvPr/>
-        </p:nvPicPr>
-        <p:blipFill>
-          <a:blip r:embed="rId2">
-            <a:extLst>
-              <a:ext uri="{28A0092B-C50C-407E-A947-70E740481C1C}">
-                <a14:useLocalDpi xmlns:a14="http://schemas.microsoft.com/office/drawing/2010/main" val="0"/>
-              </a:ext>
-            </a:extLst>
-          </a:blip>
-          <a:stretch>
-            <a:fillRect/>
-          </a:stretch>
-        </p:blipFill>
-        <p:spPr>
-          <a:xfrm>
-            <a:off x="107504" y="133118"/>
-            <a:ext cx="1080120" cy="469618"/>
-          </a:xfrm>
-          <a:prstGeom prst="rect">
-            <a:avLst/>
-          </a:prstGeom>
-        </p:spPr>
-      </p:pic>
-      <p:sp>
-        <p:nvSpPr>
-          <p:cNvPr id="12" name="Rogner un rectangle avec un coin diagonal 11"/>
-          <p:cNvSpPr/>
-          <p:nvPr/>
-        </p:nvSpPr>
-        <p:spPr>
-          <a:xfrm>
-            <a:off x="1259632" y="0"/>
-            <a:ext cx="7848872" cy="512676"/>
-          </a:xfrm>
-          <a:prstGeom prst="snip2DiagRect">
-            <a:avLst>
-              <a:gd name="adj1" fmla="val 24520"/>
-              <a:gd name="adj2" fmla="val 23038"/>
-            </a:avLst>
-          </a:prstGeom>
-        </p:spPr>
-        <p:style>
-          <a:lnRef idx="0">
-            <a:schemeClr val="accent5"/>
-          </a:lnRef>
-          <a:fillRef idx="3">
-            <a:schemeClr val="accent5"/>
-          </a:fillRef>
-          <a:effectRef idx="3">
-            <a:schemeClr val="accent5"/>
-          </a:effectRef>
-          <a:fontRef idx="minor">
-            <a:schemeClr val="lt1"/>
-          </a:fontRef>
-        </p:style>
-        <p:txBody>
-          <a:bodyPr rtlCol="0" anchor="ctr"/>
-          <a:lstStyle/>
-          <a:p>
-            <a:pPr algn="ctr"/>
-            <a:r>
-              <a:rPr lang="fr-FR" sz="1200" dirty="0" smtClean="0">
-                <a:solidFill>
-                  <a:schemeClr val="tx1"/>
-                </a:solidFill>
-              </a:rPr>
-              <a:t>-Principe de fonctionnement -Architecture -Services de l’application -Diagramme des cas d’utilisation</a:t>
-            </a:r>
-          </a:p>
-          <a:p>
-            <a:pPr algn="ctr"/>
-            <a:r>
-              <a:rPr lang="fr-FR" sz="1200" dirty="0" smtClean="0">
-                <a:solidFill>
-                  <a:schemeClr val="tx1"/>
-                </a:solidFill>
-              </a:rPr>
-              <a:t>-Matérielle et logiciel </a:t>
-            </a:r>
-            <a:r>
-              <a:rPr lang="fr-FR" sz="1200" dirty="0" smtClean="0">
-                <a:solidFill>
-                  <a:schemeClr val="bg1"/>
-                </a:solidFill>
-              </a:rPr>
-              <a:t>-Réalisation </a:t>
-            </a:r>
-            <a:r>
-              <a:rPr lang="fr-FR" sz="1200" dirty="0" smtClean="0">
-                <a:solidFill>
-                  <a:schemeClr val="tx1"/>
-                </a:solidFill>
-              </a:rPr>
-              <a:t>-Model Vue Contrôleur -Avantages / inconvénients -Améliorations possibles</a:t>
-            </a:r>
-            <a:endParaRPr lang="fr-FR" sz="1200" dirty="0">
-              <a:solidFill>
-                <a:schemeClr val="tx1"/>
-              </a:solidFill>
-            </a:endParaRPr>
-          </a:p>
-        </p:txBody>
-      </p:sp>
-    </p:spTree>
-    <p:extLst>
-      <p:ext uri="{BB962C8B-B14F-4D97-AF65-F5344CB8AC3E}">
-        <p14:creationId xmlns:p14="http://schemas.microsoft.com/office/powerpoint/2010/main" val="331998068"/>
       </p:ext>
     </p:extLst>
   </p:cSld>

--- a/Documentation/DiapoProg3/PresentationProg3.pptx
+++ b/Documentation/DiapoProg3/PresentationProg3.pptx
@@ -4786,12 +4786,64 @@
             <p:ph type="subTitle" idx="1"/>
           </p:nvPr>
         </p:nvSpPr>
-        <p:spPr/>
-        <p:txBody>
-          <a:bodyPr/>
-          <a:lstStyle/>
-          <a:p>
-            <a:endParaRPr lang="fr-FR" dirty="0"/>
+        <p:spPr>
+          <a:xfrm>
+            <a:off x="1371600" y="2276872"/>
+            <a:ext cx="6400800" cy="3361928"/>
+          </a:xfrm>
+        </p:spPr>
+        <p:txBody>
+          <a:bodyPr>
+            <a:normAutofit/>
+          </a:bodyPr>
+          <a:lstStyle/>
+          <a:p>
+            <a:r>
+              <a:rPr lang="fr-FR" dirty="0" smtClean="0">
+                <a:solidFill>
+                  <a:schemeClr val="tx1"/>
+                </a:solidFill>
+              </a:rPr>
+              <a:t>Structurée, facilement modifiable</a:t>
+            </a:r>
+            <a:r>
+              <a:rPr lang="fr-FR" dirty="0" smtClean="0">
+                <a:solidFill>
+                  <a:schemeClr val="tx1"/>
+                </a:solidFill>
+              </a:rPr>
+              <a:t> et testable.</a:t>
+            </a:r>
+            <a:endParaRPr lang="fr-FR" dirty="0" smtClean="0">
+              <a:solidFill>
+                <a:schemeClr val="tx1"/>
+              </a:solidFill>
+            </a:endParaRPr>
+          </a:p>
+          <a:p>
+            <a:r>
+              <a:rPr lang="fr-FR" dirty="0" smtClean="0">
+                <a:solidFill>
+                  <a:schemeClr val="tx1"/>
+                </a:solidFill>
+              </a:rPr>
+              <a:t>Ne permet pas la multi-connexion à la base de donnée</a:t>
+            </a:r>
+          </a:p>
+          <a:p>
+            <a:r>
+              <a:rPr lang="fr-FR" dirty="0" smtClean="0">
+                <a:solidFill>
+                  <a:schemeClr val="tx1"/>
+                </a:solidFill>
+              </a:rPr>
+              <a:t>Supporte peut de clients</a:t>
+            </a:r>
+            <a:endParaRPr lang="fr-FR" dirty="0">
+              <a:solidFill>
+                <a:schemeClr val="tx1"/>
+              </a:solidFill>
+            </a:endParaRPr>
           </a:p>
         </p:txBody>
       </p:sp>
@@ -5054,10 +5106,50 @@
         </p:nvSpPr>
         <p:spPr/>
         <p:txBody>
-          <a:bodyPr/>
-          <a:lstStyle/>
-          <a:p>
-            <a:endParaRPr lang="fr-FR" dirty="0"/>
+          <a:bodyPr>
+            <a:normAutofit/>
+          </a:bodyPr>
+          <a:lstStyle/>
+          <a:p>
+            <a:r>
+              <a:rPr lang="fr-FR" dirty="0" smtClean="0">
+                <a:solidFill>
+                  <a:schemeClr val="tx1"/>
+                </a:solidFill>
+              </a:rPr>
+              <a:t>Externaliser la partie Contrôleur/model en services wso2</a:t>
+            </a:r>
+          </a:p>
+          <a:p>
+            <a:r>
+              <a:rPr lang="fr-FR" dirty="0" smtClean="0">
+                <a:solidFill>
+                  <a:schemeClr val="tx1"/>
+                </a:solidFill>
+              </a:rPr>
+              <a:t>Utiliser </a:t>
+            </a:r>
+            <a:r>
+              <a:rPr lang="fr-FR" smtClean="0">
+                <a:solidFill>
+                  <a:schemeClr val="tx1"/>
+                </a:solidFill>
+              </a:rPr>
+              <a:t>Mysql</a:t>
+            </a:r>
+            <a:r>
+              <a:rPr lang="fr-FR" dirty="0" smtClean="0">
+                <a:solidFill>
+                  <a:schemeClr val="tx1"/>
+                </a:solidFill>
+              </a:rPr>
+              <a:t> comme SGBD.</a:t>
+            </a:r>
+            <a:endParaRPr lang="fr-FR" dirty="0">
+              <a:solidFill>
+                <a:schemeClr val="tx1"/>
+              </a:solidFill>
+            </a:endParaRPr>
           </a:p>
         </p:txBody>
       </p:sp>

--- a/Documentation/DiapoProg3/PresentationProg3.pptx
+++ b/Documentation/DiapoProg3/PresentationProg3.pptx
@@ -5130,7 +5130,7 @@
               <a:t>Utiliser </a:t>
             </a:r>
             <a:r>
-              <a:rPr lang="fr-FR" smtClean="0">
+              <a:rPr lang="fr-FR" dirty="0" err="1" smtClean="0">
                 <a:solidFill>
                   <a:schemeClr val="tx1"/>
                 </a:solidFill>

--- a/Documentation/DiapoProg3/PresentationProg3.pptx
+++ b/Documentation/DiapoProg3/PresentationProg3.pptx
@@ -5,7 +5,7 @@
     <p:sldMasterId id="2147483648" r:id="rId1"/>
   </p:sldMasterIdLst>
   <p:notesMasterIdLst>
-    <p:notesMasterId r:id="rId14"/>
+    <p:notesMasterId r:id="rId19"/>
   </p:notesMasterIdLst>
   <p:sldIdLst>
     <p:sldId id="256" r:id="rId2"/>
@@ -17,9 +17,14 @@
     <p:sldId id="262" r:id="rId8"/>
     <p:sldId id="263" r:id="rId9"/>
     <p:sldId id="269" r:id="rId10"/>
-    <p:sldId id="266" r:id="rId11"/>
-    <p:sldId id="267" r:id="rId12"/>
-    <p:sldId id="268" r:id="rId13"/>
+    <p:sldId id="270" r:id="rId11"/>
+    <p:sldId id="271" r:id="rId12"/>
+    <p:sldId id="272" r:id="rId13"/>
+    <p:sldId id="273" r:id="rId14"/>
+    <p:sldId id="274" r:id="rId15"/>
+    <p:sldId id="266" r:id="rId16"/>
+    <p:sldId id="267" r:id="rId17"/>
+    <p:sldId id="268" r:id="rId18"/>
   </p:sldIdLst>
   <p:sldSz cx="9144000" cy="6858000" type="screen4x3"/>
   <p:notesSz cx="6858000" cy="9144000"/>
@@ -203,7 +208,7 @@
           <a:p>
             <a:fld id="{590AB086-9098-4FF0-889C-4660684A76AF}" type="datetimeFigureOut">
               <a:rPr lang="fr-FR" smtClean="0"/>
-              <a:t>12/02/2014</a:t>
+              <a:t>13/02/2014</a:t>
             </a:fld>
             <a:endParaRPr lang="fr-FR"/>
           </a:p>
@@ -736,7 +741,7 @@
           <a:p>
             <a:fld id="{C902A2D5-3413-48DE-8ECE-1C9F6F60C7B6}" type="datetime1">
               <a:rPr lang="fr-FR" smtClean="0"/>
-              <a:t>12/02/2014</a:t>
+              <a:t>13/02/2014</a:t>
             </a:fld>
             <a:endParaRPr lang="fr-BE"/>
           </a:p>
@@ -905,7 +910,7 @@
           <a:p>
             <a:fld id="{71C392D7-94FE-419D-BC9A-92D04AC65958}" type="datetime1">
               <a:rPr lang="fr-FR" smtClean="0"/>
-              <a:t>12/02/2014</a:t>
+              <a:t>13/02/2014</a:t>
             </a:fld>
             <a:endParaRPr lang="fr-BE"/>
           </a:p>
@@ -1084,7 +1089,7 @@
           <a:p>
             <a:fld id="{BC9C2D57-6320-420E-BC0B-FB96B1240827}" type="datetime1">
               <a:rPr lang="fr-FR" smtClean="0"/>
-              <a:t>12/02/2014</a:t>
+              <a:t>13/02/2014</a:t>
             </a:fld>
             <a:endParaRPr lang="fr-BE"/>
           </a:p>
@@ -1253,7 +1258,7 @@
           <a:p>
             <a:fld id="{A9A568EF-5B02-43D3-99A2-8E755C9E955B}" type="datetime1">
               <a:rPr lang="fr-FR" smtClean="0"/>
-              <a:t>12/02/2014</a:t>
+              <a:t>13/02/2014</a:t>
             </a:fld>
             <a:endParaRPr lang="fr-BE"/>
           </a:p>
@@ -1498,7 +1503,7 @@
           <a:p>
             <a:fld id="{32634D8A-A9F9-4825-A4DC-9BEC228D81F1}" type="datetime1">
               <a:rPr lang="fr-FR" smtClean="0"/>
-              <a:t>12/02/2014</a:t>
+              <a:t>13/02/2014</a:t>
             </a:fld>
             <a:endParaRPr lang="fr-BE"/>
           </a:p>
@@ -1785,7 +1790,7 @@
           <a:p>
             <a:fld id="{C6F4CAAA-F27E-4521-B17A-E23914568578}" type="datetime1">
               <a:rPr lang="fr-FR" smtClean="0"/>
-              <a:t>12/02/2014</a:t>
+              <a:t>13/02/2014</a:t>
             </a:fld>
             <a:endParaRPr lang="fr-BE"/>
           </a:p>
@@ -2206,7 +2211,7 @@
           <a:p>
             <a:fld id="{7D5FA12D-4B2C-451E-B245-5BBAB23B1D8E}" type="datetime1">
               <a:rPr lang="fr-FR" smtClean="0"/>
-              <a:t>12/02/2014</a:t>
+              <a:t>13/02/2014</a:t>
             </a:fld>
             <a:endParaRPr lang="fr-BE"/>
           </a:p>
@@ -2323,7 +2328,7 @@
           <a:p>
             <a:fld id="{03C308EC-7FA5-48A1-AC31-27C0B68E5FC1}" type="datetime1">
               <a:rPr lang="fr-FR" smtClean="0"/>
-              <a:t>12/02/2014</a:t>
+              <a:t>13/02/2014</a:t>
             </a:fld>
             <a:endParaRPr lang="fr-BE"/>
           </a:p>
@@ -2417,7 +2422,7 @@
           <a:p>
             <a:fld id="{FA6D7DC9-B261-4760-859C-335352DA4003}" type="datetime1">
               <a:rPr lang="fr-FR" smtClean="0"/>
-              <a:t>12/02/2014</a:t>
+              <a:t>13/02/2014</a:t>
             </a:fld>
             <a:endParaRPr lang="fr-BE"/>
           </a:p>
@@ -2693,7 +2698,7 @@
           <a:p>
             <a:fld id="{E655F826-0647-479B-95C0-75DA0751992E}" type="datetime1">
               <a:rPr lang="fr-FR" smtClean="0"/>
-              <a:t>12/02/2014</a:t>
+              <a:t>13/02/2014</a:t>
             </a:fld>
             <a:endParaRPr lang="fr-BE"/>
           </a:p>
@@ -2945,7 +2950,7 @@
           <a:p>
             <a:fld id="{18F1E8EA-B5CD-4FB2-B3EB-3F67E8EEAEDA}" type="datetime1">
               <a:rPr lang="fr-FR" smtClean="0"/>
-              <a:t>12/02/2014</a:t>
+              <a:t>13/02/2014</a:t>
             </a:fld>
             <a:endParaRPr lang="fr-BE"/>
           </a:p>
@@ -3189,7 +3194,7 @@
           <a:p>
             <a:fld id="{88E02C3B-D3D9-43B7-9A8A-C03EC265FE24}" type="datetime1">
               <a:rPr lang="fr-FR" smtClean="0"/>
-              <a:t>12/02/2014</a:t>
+              <a:t>13/02/2014</a:t>
             </a:fld>
             <a:endParaRPr lang="fr-BE"/>
           </a:p>
@@ -3804,9 +3809,45 @@
           <a:p>
             <a:r>
               <a:rPr lang="fr-FR" dirty="0" smtClean="0"/>
-              <a:t>Model Vue Contrôleur</a:t>
+              <a:t>Réalisation</a:t>
             </a:r>
             <a:endParaRPr lang="fr-FR" dirty="0"/>
+          </a:p>
+        </p:txBody>
+      </p:sp>
+      <p:sp>
+        <p:nvSpPr>
+          <p:cNvPr id="3" name="Sous-titre 2"/>
+          <p:cNvSpPr>
+            <a:spLocks noGrp="1"/>
+          </p:cNvSpPr>
+          <p:nvPr>
+            <p:ph type="subTitle" idx="1"/>
+          </p:nvPr>
+        </p:nvSpPr>
+        <p:spPr>
+          <a:xfrm>
+            <a:off x="1371600" y="1772816"/>
+            <a:ext cx="6400800" cy="1752600"/>
+          </a:xfrm>
+        </p:spPr>
+        <p:txBody>
+          <a:bodyPr/>
+          <a:lstStyle/>
+          <a:p>
+            <a:r>
+              <a:rPr lang="fr-FR" dirty="0" smtClean="0">
+                <a:solidFill>
+                  <a:schemeClr val="tx1"/>
+                </a:solidFill>
+              </a:rPr>
+              <a:t>Une table =&gt; un model</a:t>
+            </a:r>
+            <a:endParaRPr lang="fr-FR" dirty="0">
+              <a:solidFill>
+                <a:schemeClr val="tx1"/>
+              </a:solidFill>
+            </a:endParaRPr>
           </a:p>
         </p:txBody>
       </p:sp>
@@ -3966,7 +4007,7 @@
                   <a:schemeClr val="tx1"/>
                 </a:solidFill>
               </a:rPr>
-              <a:t>-Matérielle et logiciel -Réalisation </a:t>
+              <a:t>-Matérielle et logiciel </a:t>
             </a:r>
             <a:r>
               <a:rPr lang="fr-FR" sz="1200" dirty="0" smtClean="0">
@@ -3974,7 +4015,7 @@
                   <a:schemeClr val="bg1"/>
                 </a:solidFill>
               </a:rPr>
-              <a:t>-Model Vue Contrôleur </a:t>
+              <a:t>-Réalisation </a:t>
             </a:r>
             <a:r>
               <a:rPr lang="fr-FR" sz="1200" dirty="0" smtClean="0">
@@ -3982,7 +4023,7 @@
                   <a:schemeClr val="tx1"/>
                 </a:solidFill>
               </a:rPr>
-              <a:t>-Avantages / inconvénients -Améliorations possibles</a:t>
+              <a:t>-Model Vue Contrôleur -Avantages / inconvénients -Améliorations possibles</a:t>
             </a:r>
             <a:endParaRPr lang="fr-FR" sz="1200" dirty="0">
               <a:solidFill>
@@ -3992,237 +4033,476 @@
           </a:p>
         </p:txBody>
       </p:sp>
-      <p:sp>
-        <p:nvSpPr>
-          <p:cNvPr id="4" name="Rectangle 3"/>
-          <p:cNvSpPr/>
+      <p:graphicFrame>
+        <p:nvGraphicFramePr>
+          <p:cNvPr id="4" name="Tableau 3"/>
+          <p:cNvGraphicFramePr>
+            <a:graphicFrameLocks noGrp="1"/>
+          </p:cNvGraphicFramePr>
+          <p:nvPr>
+            <p:extLst>
+              <p:ext uri="{D42A27DB-BD31-4B8C-83A1-F6EECF244321}">
+                <p14:modId xmlns:p14="http://schemas.microsoft.com/office/powerpoint/2010/main" val="2936690287"/>
+              </p:ext>
+            </p:extLst>
+          </p:nvPr>
+        </p:nvGraphicFramePr>
+        <p:xfrm>
+          <a:off x="1619672" y="2564904"/>
+          <a:ext cx="2520280" cy="2952330"/>
+        </p:xfrm>
+        <a:graphic>
+          <a:graphicData uri="http://schemas.openxmlformats.org/drawingml/2006/table">
+            <a:tbl>
+              <a:tblPr firstRow="1" bandRow="1">
+                <a:tableStyleId>{5C22544A-7EE6-4342-B048-85BDC9FD1C3A}</a:tableStyleId>
+              </a:tblPr>
+              <a:tblGrid>
+                <a:gridCol w="867638"/>
+                <a:gridCol w="1652642"/>
+              </a:tblGrid>
+              <a:tr h="373546">
+                <a:tc gridSpan="2">
+                  <a:txBody>
+                    <a:bodyPr/>
+                    <a:lstStyle/>
+                    <a:p>
+                      <a:r>
+                        <a:rPr lang="fr-FR" dirty="0" smtClean="0"/>
+                        <a:t>ADHERENT</a:t>
+                      </a:r>
+                      <a:endParaRPr lang="fr-FR" dirty="0"/>
+                    </a:p>
+                  </a:txBody>
+                  <a:tcPr/>
+                </a:tc>
+                <a:tc hMerge="1">
+                  <a:txBody>
+                    <a:bodyPr/>
+                    <a:lstStyle/>
+                    <a:p>
+                      <a:endParaRPr lang="fr-FR" dirty="0"/>
+                    </a:p>
+                  </a:txBody>
+                  <a:tcPr/>
+                </a:tc>
+              </a:tr>
+              <a:tr h="322348">
+                <a:tc>
+                  <a:txBody>
+                    <a:bodyPr/>
+                    <a:lstStyle/>
+                    <a:p>
+                      <a:r>
+                        <a:rPr lang="fr-FR" sz="1200" dirty="0" smtClean="0"/>
+                        <a:t>ID_ADH</a:t>
+                      </a:r>
+                      <a:endParaRPr lang="fr-FR" sz="1200" dirty="0"/>
+                    </a:p>
+                  </a:txBody>
+                  <a:tcPr>
+                    <a:solidFill>
+                      <a:srgbClr val="FFC000"/>
+                    </a:solidFill>
+                  </a:tcPr>
+                </a:tc>
+                <a:tc>
+                  <a:txBody>
+                    <a:bodyPr/>
+                    <a:lstStyle/>
+                    <a:p>
+                      <a:r>
+                        <a:rPr lang="fr-FR" sz="1200" dirty="0" smtClean="0"/>
+                        <a:t>CHAR(20) NOT NULL PK</a:t>
+                      </a:r>
+                      <a:endParaRPr lang="fr-FR" sz="1200" dirty="0"/>
+                    </a:p>
+                  </a:txBody>
+                  <a:tcPr>
+                    <a:solidFill>
+                      <a:srgbClr val="FFC000"/>
+                    </a:solidFill>
+                  </a:tcPr>
+                </a:tc>
+              </a:tr>
+              <a:tr h="322348">
+                <a:tc>
+                  <a:txBody>
+                    <a:bodyPr/>
+                    <a:lstStyle/>
+                    <a:p>
+                      <a:r>
+                        <a:rPr lang="fr-FR" sz="1200" dirty="0" smtClean="0"/>
+                        <a:t>MDP</a:t>
+                      </a:r>
+                      <a:endParaRPr lang="fr-FR" sz="1200" dirty="0"/>
+                    </a:p>
+                  </a:txBody>
+                  <a:tcPr/>
+                </a:tc>
+                <a:tc>
+                  <a:txBody>
+                    <a:bodyPr/>
+                    <a:lstStyle/>
+                    <a:p>
+                      <a:pPr marL="0" marR="0" indent="0" algn="l" defTabSz="914400" rtl="0" eaLnBrk="1" fontAlgn="auto" latinLnBrk="0" hangingPunct="1">
+                        <a:lnSpc>
+                          <a:spcPct val="100000"/>
+                        </a:lnSpc>
+                        <a:spcBef>
+                          <a:spcPts val="0"/>
+                        </a:spcBef>
+                        <a:spcAft>
+                          <a:spcPts val="0"/>
+                        </a:spcAft>
+                        <a:buClrTx/>
+                        <a:buSzTx/>
+                        <a:buFontTx/>
+                        <a:buNone/>
+                        <a:tabLst/>
+                        <a:defRPr/>
+                      </a:pPr>
+                      <a:r>
+                        <a:rPr lang="fr-FR" sz="1200" dirty="0" smtClean="0"/>
+                        <a:t>CHAR(20) NOT NULL</a:t>
+                      </a:r>
+                    </a:p>
+                  </a:txBody>
+                  <a:tcPr/>
+                </a:tc>
+              </a:tr>
+              <a:tr h="322348">
+                <a:tc>
+                  <a:txBody>
+                    <a:bodyPr/>
+                    <a:lstStyle/>
+                    <a:p>
+                      <a:r>
+                        <a:rPr lang="fr-FR" sz="1200" dirty="0" smtClean="0"/>
+                        <a:t>NOM</a:t>
+                      </a:r>
+                      <a:endParaRPr lang="fr-FR" sz="1200" dirty="0"/>
+                    </a:p>
+                  </a:txBody>
+                  <a:tcPr/>
+                </a:tc>
+                <a:tc>
+                  <a:txBody>
+                    <a:bodyPr/>
+                    <a:lstStyle/>
+                    <a:p>
+                      <a:pPr marL="0" marR="0" indent="0" algn="l" defTabSz="914400" rtl="0" eaLnBrk="1" fontAlgn="auto" latinLnBrk="0" hangingPunct="1">
+                        <a:lnSpc>
+                          <a:spcPct val="100000"/>
+                        </a:lnSpc>
+                        <a:spcBef>
+                          <a:spcPts val="0"/>
+                        </a:spcBef>
+                        <a:spcAft>
+                          <a:spcPts val="0"/>
+                        </a:spcAft>
+                        <a:buClrTx/>
+                        <a:buSzTx/>
+                        <a:buFontTx/>
+                        <a:buNone/>
+                        <a:tabLst/>
+                        <a:defRPr/>
+                      </a:pPr>
+                      <a:r>
+                        <a:rPr lang="fr-FR" sz="1200" dirty="0" smtClean="0"/>
+                        <a:t>CHAR(20) NOT NULL</a:t>
+                      </a:r>
+                    </a:p>
+                  </a:txBody>
+                  <a:tcPr/>
+                </a:tc>
+              </a:tr>
+              <a:tr h="322348">
+                <a:tc>
+                  <a:txBody>
+                    <a:bodyPr/>
+                    <a:lstStyle/>
+                    <a:p>
+                      <a:r>
+                        <a:rPr lang="fr-FR" sz="1200" dirty="0" smtClean="0"/>
+                        <a:t>PRENOM</a:t>
+                      </a:r>
+                      <a:endParaRPr lang="fr-FR" sz="1200" dirty="0"/>
+                    </a:p>
+                  </a:txBody>
+                  <a:tcPr/>
+                </a:tc>
+                <a:tc>
+                  <a:txBody>
+                    <a:bodyPr/>
+                    <a:lstStyle/>
+                    <a:p>
+                      <a:pPr marL="0" marR="0" indent="0" algn="l" defTabSz="914400" rtl="0" eaLnBrk="1" fontAlgn="auto" latinLnBrk="0" hangingPunct="1">
+                        <a:lnSpc>
+                          <a:spcPct val="100000"/>
+                        </a:lnSpc>
+                        <a:spcBef>
+                          <a:spcPts val="0"/>
+                        </a:spcBef>
+                        <a:spcAft>
+                          <a:spcPts val="0"/>
+                        </a:spcAft>
+                        <a:buClrTx/>
+                        <a:buSzTx/>
+                        <a:buFontTx/>
+                        <a:buNone/>
+                        <a:tabLst/>
+                        <a:defRPr/>
+                      </a:pPr>
+                      <a:r>
+                        <a:rPr lang="fr-FR" sz="1200" dirty="0" smtClean="0"/>
+                        <a:t>CHAR(20) NOT NULL</a:t>
+                      </a:r>
+                    </a:p>
+                  </a:txBody>
+                  <a:tcPr/>
+                </a:tc>
+              </a:tr>
+              <a:tr h="322348">
+                <a:tc>
+                  <a:txBody>
+                    <a:bodyPr/>
+                    <a:lstStyle/>
+                    <a:p>
+                      <a:r>
+                        <a:rPr lang="fr-FR" sz="1200" dirty="0" smtClean="0"/>
+                        <a:t>ADRESSE</a:t>
+                      </a:r>
+                      <a:endParaRPr lang="fr-FR" sz="1200" dirty="0"/>
+                    </a:p>
+                  </a:txBody>
+                  <a:tcPr/>
+                </a:tc>
+                <a:tc>
+                  <a:txBody>
+                    <a:bodyPr/>
+                    <a:lstStyle/>
+                    <a:p>
+                      <a:pPr marL="0" marR="0" indent="0" algn="l" defTabSz="914400" rtl="0" eaLnBrk="1" fontAlgn="auto" latinLnBrk="0" hangingPunct="1">
+                        <a:lnSpc>
+                          <a:spcPct val="100000"/>
+                        </a:lnSpc>
+                        <a:spcBef>
+                          <a:spcPts val="0"/>
+                        </a:spcBef>
+                        <a:spcAft>
+                          <a:spcPts val="0"/>
+                        </a:spcAft>
+                        <a:buClrTx/>
+                        <a:buSzTx/>
+                        <a:buFontTx/>
+                        <a:buNone/>
+                        <a:tabLst/>
+                        <a:defRPr/>
+                      </a:pPr>
+                      <a:r>
+                        <a:rPr lang="fr-FR" sz="1200" dirty="0" smtClean="0"/>
+                        <a:t>CHAR(20) NOT NULL</a:t>
+                      </a:r>
+                    </a:p>
+                  </a:txBody>
+                  <a:tcPr/>
+                </a:tc>
+              </a:tr>
+              <a:tr h="322348">
+                <a:tc>
+                  <a:txBody>
+                    <a:bodyPr/>
+                    <a:lstStyle/>
+                    <a:p>
+                      <a:r>
+                        <a:rPr lang="fr-FR" sz="1200" dirty="0" smtClean="0"/>
+                        <a:t>CP</a:t>
+                      </a:r>
+                      <a:endParaRPr lang="fr-FR" sz="1200" dirty="0"/>
+                    </a:p>
+                  </a:txBody>
+                  <a:tcPr/>
+                </a:tc>
+                <a:tc>
+                  <a:txBody>
+                    <a:bodyPr/>
+                    <a:lstStyle/>
+                    <a:p>
+                      <a:pPr marL="0" marR="0" indent="0" algn="l" defTabSz="914400" rtl="0" eaLnBrk="1" fontAlgn="auto" latinLnBrk="0" hangingPunct="1">
+                        <a:lnSpc>
+                          <a:spcPct val="100000"/>
+                        </a:lnSpc>
+                        <a:spcBef>
+                          <a:spcPts val="0"/>
+                        </a:spcBef>
+                        <a:spcAft>
+                          <a:spcPts val="0"/>
+                        </a:spcAft>
+                        <a:buClrTx/>
+                        <a:buSzTx/>
+                        <a:buFontTx/>
+                        <a:buNone/>
+                        <a:tabLst/>
+                        <a:defRPr/>
+                      </a:pPr>
+                      <a:r>
+                        <a:rPr lang="fr-FR" sz="1200" dirty="0" smtClean="0"/>
+                        <a:t>CHAR(20) NOT NULL</a:t>
+                      </a:r>
+                    </a:p>
+                  </a:txBody>
+                  <a:tcPr/>
+                </a:tc>
+              </a:tr>
+              <a:tr h="322348">
+                <a:tc>
+                  <a:txBody>
+                    <a:bodyPr/>
+                    <a:lstStyle/>
+                    <a:p>
+                      <a:r>
+                        <a:rPr lang="fr-FR" sz="1200" dirty="0" smtClean="0"/>
+                        <a:t>VILLE</a:t>
+                      </a:r>
+                      <a:endParaRPr lang="fr-FR" sz="1200" dirty="0"/>
+                    </a:p>
+                  </a:txBody>
+                  <a:tcPr/>
+                </a:tc>
+                <a:tc>
+                  <a:txBody>
+                    <a:bodyPr/>
+                    <a:lstStyle/>
+                    <a:p>
+                      <a:pPr marL="0" marR="0" indent="0" algn="l" defTabSz="914400" rtl="0" eaLnBrk="1" fontAlgn="auto" latinLnBrk="0" hangingPunct="1">
+                        <a:lnSpc>
+                          <a:spcPct val="100000"/>
+                        </a:lnSpc>
+                        <a:spcBef>
+                          <a:spcPts val="0"/>
+                        </a:spcBef>
+                        <a:spcAft>
+                          <a:spcPts val="0"/>
+                        </a:spcAft>
+                        <a:buClrTx/>
+                        <a:buSzTx/>
+                        <a:buFontTx/>
+                        <a:buNone/>
+                        <a:tabLst/>
+                        <a:defRPr/>
+                      </a:pPr>
+                      <a:r>
+                        <a:rPr lang="fr-FR" sz="1200" dirty="0" smtClean="0"/>
+                        <a:t>CHAR(20) NOT NULL</a:t>
+                      </a:r>
+                    </a:p>
+                  </a:txBody>
+                  <a:tcPr/>
+                </a:tc>
+              </a:tr>
+              <a:tr h="322348">
+                <a:tc>
+                  <a:txBody>
+                    <a:bodyPr/>
+                    <a:lstStyle/>
+                    <a:p>
+                      <a:r>
+                        <a:rPr lang="fr-FR" sz="1200" dirty="0" smtClean="0"/>
+                        <a:t>PAYS</a:t>
+                      </a:r>
+                      <a:endParaRPr lang="fr-FR" sz="1200" dirty="0"/>
+                    </a:p>
+                  </a:txBody>
+                  <a:tcPr/>
+                </a:tc>
+                <a:tc>
+                  <a:txBody>
+                    <a:bodyPr/>
+                    <a:lstStyle/>
+                    <a:p>
+                      <a:pPr marL="0" marR="0" indent="0" algn="l" defTabSz="914400" rtl="0" eaLnBrk="1" fontAlgn="auto" latinLnBrk="0" hangingPunct="1">
+                        <a:lnSpc>
+                          <a:spcPct val="100000"/>
+                        </a:lnSpc>
+                        <a:spcBef>
+                          <a:spcPts val="0"/>
+                        </a:spcBef>
+                        <a:spcAft>
+                          <a:spcPts val="0"/>
+                        </a:spcAft>
+                        <a:buClrTx/>
+                        <a:buSzTx/>
+                        <a:buFontTx/>
+                        <a:buNone/>
+                        <a:tabLst/>
+                        <a:defRPr/>
+                      </a:pPr>
+                      <a:r>
+                        <a:rPr lang="fr-FR" sz="1200" dirty="0" smtClean="0"/>
+                        <a:t>CHAR(20) NOT NULL</a:t>
+                      </a:r>
+                    </a:p>
+                  </a:txBody>
+                  <a:tcPr/>
+                </a:tc>
+              </a:tr>
+            </a:tbl>
+          </a:graphicData>
+        </a:graphic>
+      </p:graphicFrame>
+      <p:pic>
+        <p:nvPicPr>
+          <p:cNvPr id="5" name="Image 4"/>
+          <p:cNvPicPr>
+            <a:picLocks noChangeAspect="1"/>
+          </p:cNvPicPr>
           <p:nvPr/>
-        </p:nvSpPr>
-        <p:spPr>
-          <a:xfrm>
-            <a:off x="647564" y="2564904"/>
-            <a:ext cx="1908212" cy="2376264"/>
+        </p:nvPicPr>
+        <p:blipFill>
+          <a:blip r:embed="rId3">
+            <a:extLst>
+              <a:ext uri="{28A0092B-C50C-407E-A947-70E740481C1C}">
+                <a14:useLocalDpi xmlns:a14="http://schemas.microsoft.com/office/drawing/2010/main" val="0"/>
+              </a:ext>
+            </a:extLst>
+          </a:blip>
+          <a:stretch>
+            <a:fillRect/>
+          </a:stretch>
+        </p:blipFill>
+        <p:spPr>
+          <a:xfrm>
+            <a:off x="5076056" y="2772528"/>
+            <a:ext cx="2048161" cy="2600688"/>
           </a:xfrm>
           <a:prstGeom prst="rect">
             <a:avLst/>
           </a:prstGeom>
-        </p:spPr>
-        <p:style>
-          <a:lnRef idx="2">
-            <a:schemeClr val="accent1">
-              <a:shade val="50000"/>
-            </a:schemeClr>
-          </a:lnRef>
-          <a:fillRef idx="1">
-            <a:schemeClr val="accent1"/>
-          </a:fillRef>
-          <a:effectRef idx="0">
-            <a:schemeClr val="accent1"/>
-          </a:effectRef>
-          <a:fontRef idx="minor">
-            <a:schemeClr val="lt1"/>
-          </a:fontRef>
-        </p:style>
-        <p:txBody>
-          <a:bodyPr rtlCol="0" anchor="ctr"/>
-          <a:lstStyle/>
-          <a:p>
-            <a:pPr algn="ctr"/>
-            <a:r>
-              <a:rPr lang="fr-FR" dirty="0" smtClean="0"/>
-              <a:t>Model</a:t>
-            </a:r>
-          </a:p>
-          <a:p>
-            <a:pPr algn="ctr"/>
-            <a:endParaRPr lang="fr-FR" dirty="0"/>
-          </a:p>
-          <a:p>
-            <a:pPr algn="ctr"/>
-            <a:endParaRPr lang="fr-FR" dirty="0" smtClean="0"/>
-          </a:p>
-          <a:p>
-            <a:pPr algn="ctr"/>
-            <a:endParaRPr lang="fr-FR" dirty="0"/>
-          </a:p>
-          <a:p>
-            <a:pPr algn="ctr"/>
-            <a:endParaRPr lang="fr-FR" dirty="0" smtClean="0"/>
-          </a:p>
-          <a:p>
-            <a:pPr algn="ctr"/>
-            <a:endParaRPr lang="fr-FR" dirty="0"/>
-          </a:p>
-          <a:p>
-            <a:pPr algn="ctr"/>
-            <a:endParaRPr lang="fr-FR" dirty="0" smtClean="0"/>
-          </a:p>
-          <a:p>
-            <a:pPr algn="ctr"/>
-            <a:endParaRPr lang="fr-FR" dirty="0"/>
-          </a:p>
-        </p:txBody>
-      </p:sp>
-      <p:sp>
-        <p:nvSpPr>
-          <p:cNvPr id="13" name="Rectangle 12"/>
+          <a:ln>
+            <a:noFill/>
+          </a:ln>
+          <a:effectLst>
+            <a:outerShdw blurRad="190500" algn="tl" rotWithShape="0">
+              <a:srgbClr val="000000">
+                <a:alpha val="70000"/>
+              </a:srgbClr>
+            </a:outerShdw>
+          </a:effectLst>
+        </p:spPr>
+      </p:pic>
+      <p:sp>
+        <p:nvSpPr>
+          <p:cNvPr id="8" name="Double flèche horizontale 7"/>
           <p:cNvSpPr/>
           <p:nvPr/>
         </p:nvSpPr>
         <p:spPr>
           <a:xfrm>
-            <a:off x="3419872" y="2564904"/>
-            <a:ext cx="1908212" cy="2376264"/>
-          </a:xfrm>
-          <a:prstGeom prst="rect">
-            <a:avLst/>
-          </a:prstGeom>
-        </p:spPr>
-        <p:style>
-          <a:lnRef idx="2">
-            <a:schemeClr val="accent1">
-              <a:shade val="50000"/>
-            </a:schemeClr>
-          </a:lnRef>
-          <a:fillRef idx="1">
-            <a:schemeClr val="accent1"/>
-          </a:fillRef>
-          <a:effectRef idx="0">
-            <a:schemeClr val="accent1"/>
-          </a:effectRef>
-          <a:fontRef idx="minor">
-            <a:schemeClr val="lt1"/>
-          </a:fontRef>
-        </p:style>
-        <p:txBody>
-          <a:bodyPr rtlCol="0" anchor="ctr"/>
-          <a:lstStyle/>
-          <a:p>
-            <a:pPr algn="ctr"/>
-            <a:r>
-              <a:rPr lang="fr-FR" dirty="0" smtClean="0"/>
-              <a:t>Contrôleur</a:t>
-            </a:r>
-          </a:p>
-          <a:p>
-            <a:pPr algn="ctr"/>
-            <a:endParaRPr lang="fr-FR" dirty="0"/>
-          </a:p>
-          <a:p>
-            <a:pPr algn="ctr"/>
-            <a:endParaRPr lang="fr-FR" dirty="0" smtClean="0"/>
-          </a:p>
-          <a:p>
-            <a:pPr algn="ctr"/>
-            <a:endParaRPr lang="fr-FR" dirty="0"/>
-          </a:p>
-          <a:p>
-            <a:pPr algn="ctr"/>
-            <a:endParaRPr lang="fr-FR" dirty="0" smtClean="0"/>
-          </a:p>
-          <a:p>
-            <a:pPr algn="ctr"/>
-            <a:endParaRPr lang="fr-FR" dirty="0"/>
-          </a:p>
-          <a:p>
-            <a:pPr algn="ctr"/>
-            <a:endParaRPr lang="fr-FR" dirty="0" smtClean="0"/>
-          </a:p>
-          <a:p>
-            <a:pPr algn="ctr"/>
-            <a:endParaRPr lang="fr-FR" dirty="0"/>
-          </a:p>
-        </p:txBody>
-      </p:sp>
-      <p:sp>
-        <p:nvSpPr>
-          <p:cNvPr id="14" name="Rectangle 13"/>
-          <p:cNvSpPr/>
-          <p:nvPr/>
-        </p:nvSpPr>
-        <p:spPr>
-          <a:xfrm>
-            <a:off x="6372200" y="2564904"/>
-            <a:ext cx="1908212" cy="2376264"/>
-          </a:xfrm>
-          <a:prstGeom prst="rect">
-            <a:avLst/>
-          </a:prstGeom>
-        </p:spPr>
-        <p:style>
-          <a:lnRef idx="2">
-            <a:schemeClr val="accent1">
-              <a:shade val="50000"/>
-            </a:schemeClr>
-          </a:lnRef>
-          <a:fillRef idx="1">
-            <a:schemeClr val="accent1"/>
-          </a:fillRef>
-          <a:effectRef idx="0">
-            <a:schemeClr val="accent1"/>
-          </a:effectRef>
-          <a:fontRef idx="minor">
-            <a:schemeClr val="lt1"/>
-          </a:fontRef>
-        </p:style>
-        <p:txBody>
-          <a:bodyPr rtlCol="0" anchor="ctr"/>
-          <a:lstStyle/>
-          <a:p>
-            <a:pPr algn="ctr"/>
-            <a:r>
-              <a:rPr lang="fr-FR" dirty="0" smtClean="0"/>
-              <a:t>Vue</a:t>
-            </a:r>
-          </a:p>
-          <a:p>
-            <a:pPr algn="ctr"/>
-            <a:r>
-              <a:rPr lang="fr-FR" dirty="0" smtClean="0"/>
-              <a:t>TomCat7</a:t>
-            </a:r>
-          </a:p>
-          <a:p>
-            <a:pPr algn="ctr"/>
-            <a:endParaRPr lang="fr-FR" dirty="0" smtClean="0"/>
-          </a:p>
-          <a:p>
-            <a:pPr algn="ctr"/>
-            <a:endParaRPr lang="fr-FR" dirty="0"/>
-          </a:p>
-          <a:p>
-            <a:pPr algn="ctr"/>
-            <a:r>
-              <a:rPr lang="fr-FR" dirty="0" smtClean="0"/>
-              <a:t>IHM</a:t>
-            </a:r>
-          </a:p>
-          <a:p>
-            <a:pPr algn="ctr"/>
-            <a:endParaRPr lang="fr-FR" dirty="0"/>
-          </a:p>
-          <a:p>
-            <a:pPr algn="ctr"/>
-            <a:endParaRPr lang="fr-FR" dirty="0" smtClean="0"/>
-          </a:p>
-          <a:p>
-            <a:pPr algn="ctr"/>
-            <a:endParaRPr lang="fr-FR" dirty="0"/>
-          </a:p>
-        </p:txBody>
-      </p:sp>
-      <p:sp>
-        <p:nvSpPr>
-          <p:cNvPr id="5" name="Rectangle à coins arrondis 4"/>
-          <p:cNvSpPr/>
-          <p:nvPr/>
-        </p:nvSpPr>
-        <p:spPr>
-          <a:xfrm>
-            <a:off x="827584" y="2996952"/>
-            <a:ext cx="1584176" cy="360040"/>
-          </a:xfrm>
-          <a:prstGeom prst="roundRect">
+            <a:off x="4139952" y="3861048"/>
+            <a:ext cx="900100" cy="432048"/>
+          </a:xfrm>
+          <a:prstGeom prst="leftRightArrow">
             <a:avLst/>
           </a:prstGeom>
         </p:spPr>
@@ -4245,476 +4525,14 @@
           <a:lstStyle/>
           <a:p>
             <a:pPr algn="ctr"/>
-            <a:r>
-              <a:rPr lang="fr-FR" dirty="0" err="1" smtClean="0"/>
-              <a:t>Adherent</a:t>
-            </a:r>
-            <a:endParaRPr lang="fr-FR" dirty="0"/>
-          </a:p>
-        </p:txBody>
-      </p:sp>
-      <p:sp>
-        <p:nvSpPr>
-          <p:cNvPr id="15" name="Rectangle à coins arrondis 14"/>
-          <p:cNvSpPr/>
-          <p:nvPr/>
-        </p:nvSpPr>
-        <p:spPr>
-          <a:xfrm>
-            <a:off x="827584" y="3509392"/>
-            <a:ext cx="1584176" cy="360040"/>
-          </a:xfrm>
-          <a:prstGeom prst="roundRect">
-            <a:avLst/>
-          </a:prstGeom>
-        </p:spPr>
-        <p:style>
-          <a:lnRef idx="3">
-            <a:schemeClr val="lt1"/>
-          </a:lnRef>
-          <a:fillRef idx="1">
-            <a:schemeClr val="accent1"/>
-          </a:fillRef>
-          <a:effectRef idx="1">
-            <a:schemeClr val="accent1"/>
-          </a:effectRef>
-          <a:fontRef idx="minor">
-            <a:schemeClr val="lt1"/>
-          </a:fontRef>
-        </p:style>
-        <p:txBody>
-          <a:bodyPr rtlCol="0" anchor="ctr"/>
-          <a:lstStyle/>
-          <a:p>
-            <a:pPr algn="ctr"/>
-            <a:r>
-              <a:rPr lang="fr-FR" dirty="0" smtClean="0"/>
-              <a:t>Article</a:t>
-            </a:r>
-            <a:endParaRPr lang="fr-FR" dirty="0"/>
-          </a:p>
-        </p:txBody>
-      </p:sp>
-      <p:sp>
-        <p:nvSpPr>
-          <p:cNvPr id="16" name="Rectangle à coins arrondis 15"/>
-          <p:cNvSpPr/>
-          <p:nvPr/>
-        </p:nvSpPr>
-        <p:spPr>
-          <a:xfrm>
-            <a:off x="827584" y="4005064"/>
-            <a:ext cx="1584176" cy="360040"/>
-          </a:xfrm>
-          <a:prstGeom prst="roundRect">
-            <a:avLst/>
-          </a:prstGeom>
-        </p:spPr>
-        <p:style>
-          <a:lnRef idx="3">
-            <a:schemeClr val="lt1"/>
-          </a:lnRef>
-          <a:fillRef idx="1">
-            <a:schemeClr val="accent1"/>
-          </a:fillRef>
-          <a:effectRef idx="1">
-            <a:schemeClr val="accent1"/>
-          </a:effectRef>
-          <a:fontRef idx="minor">
-            <a:schemeClr val="lt1"/>
-          </a:fontRef>
-        </p:style>
-        <p:txBody>
-          <a:bodyPr rtlCol="0" anchor="ctr"/>
-          <a:lstStyle/>
-          <a:p>
-            <a:pPr algn="ctr"/>
-            <a:r>
-              <a:rPr lang="fr-FR" dirty="0" smtClean="0"/>
-              <a:t>Commande</a:t>
-            </a:r>
-            <a:endParaRPr lang="fr-FR" dirty="0"/>
-          </a:p>
-        </p:txBody>
-      </p:sp>
-      <p:sp>
-        <p:nvSpPr>
-          <p:cNvPr id="17" name="Rectangle à coins arrondis 16"/>
-          <p:cNvSpPr/>
-          <p:nvPr/>
-        </p:nvSpPr>
-        <p:spPr>
-          <a:xfrm>
-            <a:off x="3599892" y="2996952"/>
-            <a:ext cx="1584176" cy="360040"/>
-          </a:xfrm>
-          <a:prstGeom prst="roundRect">
-            <a:avLst/>
-          </a:prstGeom>
-        </p:spPr>
-        <p:style>
-          <a:lnRef idx="3">
-            <a:schemeClr val="lt1"/>
-          </a:lnRef>
-          <a:fillRef idx="1">
-            <a:schemeClr val="accent1"/>
-          </a:fillRef>
-          <a:effectRef idx="1">
-            <a:schemeClr val="accent1"/>
-          </a:effectRef>
-          <a:fontRef idx="minor">
-            <a:schemeClr val="lt1"/>
-          </a:fontRef>
-        </p:style>
-        <p:txBody>
-          <a:bodyPr rtlCol="0" anchor="ctr"/>
-          <a:lstStyle/>
-          <a:p>
-            <a:pPr algn="ctr"/>
-            <a:r>
-              <a:rPr lang="fr-FR" sz="1400" dirty="0" err="1" smtClean="0"/>
-              <a:t>AdherentService</a:t>
-            </a:r>
-            <a:endParaRPr lang="fr-FR" sz="1400" dirty="0"/>
-          </a:p>
-        </p:txBody>
-      </p:sp>
-      <p:sp>
-        <p:nvSpPr>
-          <p:cNvPr id="18" name="Rectangle à coins arrondis 17"/>
-          <p:cNvSpPr/>
-          <p:nvPr/>
-        </p:nvSpPr>
-        <p:spPr>
-          <a:xfrm>
-            <a:off x="3599892" y="3508824"/>
-            <a:ext cx="1584176" cy="360040"/>
-          </a:xfrm>
-          <a:prstGeom prst="roundRect">
-            <a:avLst/>
-          </a:prstGeom>
-        </p:spPr>
-        <p:style>
-          <a:lnRef idx="3">
-            <a:schemeClr val="lt1"/>
-          </a:lnRef>
-          <a:fillRef idx="1">
-            <a:schemeClr val="accent1"/>
-          </a:fillRef>
-          <a:effectRef idx="1">
-            <a:schemeClr val="accent1"/>
-          </a:effectRef>
-          <a:fontRef idx="minor">
-            <a:schemeClr val="lt1"/>
-          </a:fontRef>
-        </p:style>
-        <p:txBody>
-          <a:bodyPr rtlCol="0" anchor="ctr"/>
-          <a:lstStyle/>
-          <a:p>
-            <a:pPr algn="ctr"/>
-            <a:r>
-              <a:rPr lang="fr-FR" sz="1400" dirty="0" err="1" smtClean="0"/>
-              <a:t>ArticleService</a:t>
-            </a:r>
-            <a:endParaRPr lang="fr-FR" sz="1400" dirty="0"/>
-          </a:p>
-        </p:txBody>
-      </p:sp>
-      <p:sp>
-        <p:nvSpPr>
-          <p:cNvPr id="19" name="Rectangle à coins arrondis 18"/>
-          <p:cNvSpPr/>
-          <p:nvPr/>
-        </p:nvSpPr>
-        <p:spPr>
-          <a:xfrm>
-            <a:off x="3599892" y="4005064"/>
-            <a:ext cx="1584176" cy="360040"/>
-          </a:xfrm>
-          <a:prstGeom prst="roundRect">
-            <a:avLst/>
-          </a:prstGeom>
-        </p:spPr>
-        <p:style>
-          <a:lnRef idx="3">
-            <a:schemeClr val="lt1"/>
-          </a:lnRef>
-          <a:fillRef idx="1">
-            <a:schemeClr val="accent1"/>
-          </a:fillRef>
-          <a:effectRef idx="1">
-            <a:schemeClr val="accent1"/>
-          </a:effectRef>
-          <a:fontRef idx="minor">
-            <a:schemeClr val="lt1"/>
-          </a:fontRef>
-        </p:style>
-        <p:txBody>
-          <a:bodyPr rtlCol="0" anchor="ctr"/>
-          <a:lstStyle/>
-          <a:p>
-            <a:pPr algn="ctr"/>
-            <a:r>
-              <a:rPr lang="fr-FR" sz="1400" dirty="0" err="1" smtClean="0"/>
-              <a:t>CommandeService</a:t>
-            </a:r>
-            <a:endParaRPr lang="fr-FR" sz="1400" dirty="0"/>
-          </a:p>
-        </p:txBody>
-      </p:sp>
-      <p:pic>
-        <p:nvPicPr>
-          <p:cNvPr id="20" name="Image 19"/>
-          <p:cNvPicPr>
-            <a:picLocks noChangeAspect="1"/>
-          </p:cNvPicPr>
-          <p:nvPr/>
-        </p:nvPicPr>
-        <p:blipFill>
-          <a:blip r:embed="rId3" cstate="print">
-            <a:extLst>
-              <a:ext uri="{28A0092B-C50C-407E-A947-70E740481C1C}">
-                <a14:useLocalDpi xmlns:a14="http://schemas.microsoft.com/office/drawing/2010/main" val="0"/>
-              </a:ext>
-            </a:extLst>
-          </a:blip>
-          <a:stretch>
-            <a:fillRect/>
-          </a:stretch>
-        </p:blipFill>
-        <p:spPr>
-          <a:xfrm>
-            <a:off x="1083097" y="5445224"/>
-            <a:ext cx="896615" cy="864096"/>
-          </a:xfrm>
-          <a:prstGeom prst="rect">
-            <a:avLst/>
-          </a:prstGeom>
-        </p:spPr>
-      </p:pic>
-      <p:cxnSp>
-        <p:nvCxnSpPr>
-          <p:cNvPr id="7" name="Connecteur droit avec flèche 6"/>
-          <p:cNvCxnSpPr/>
-          <p:nvPr/>
-        </p:nvCxnSpPr>
-        <p:spPr>
-          <a:xfrm flipH="1" flipV="1">
-            <a:off x="1592669" y="4941168"/>
-            <a:ext cx="18002" cy="648072"/>
-          </a:xfrm>
-          <a:prstGeom prst="straightConnector1">
-            <a:avLst/>
-          </a:prstGeom>
-          <a:ln>
-            <a:headEnd type="arrow"/>
-            <a:tailEnd type="arrow"/>
-          </a:ln>
-        </p:spPr>
-        <p:style>
-          <a:lnRef idx="2">
-            <a:schemeClr val="dk1"/>
-          </a:lnRef>
-          <a:fillRef idx="0">
-            <a:schemeClr val="dk1"/>
-          </a:fillRef>
-          <a:effectRef idx="1">
-            <a:schemeClr val="dk1"/>
-          </a:effectRef>
-          <a:fontRef idx="minor">
-            <a:schemeClr val="tx1"/>
-          </a:fontRef>
-        </p:style>
-      </p:cxnSp>
-      <p:cxnSp>
-        <p:nvCxnSpPr>
-          <p:cNvPr id="21" name="Connecteur droit avec flèche 20"/>
-          <p:cNvCxnSpPr>
-            <a:stCxn id="5" idx="3"/>
-            <a:endCxn id="17" idx="1"/>
-          </p:cNvCxnSpPr>
-          <p:nvPr/>
-        </p:nvCxnSpPr>
-        <p:spPr>
-          <a:xfrm>
-            <a:off x="2411760" y="3176972"/>
-            <a:ext cx="1188132" cy="0"/>
-          </a:xfrm>
-          <a:prstGeom prst="straightConnector1">
-            <a:avLst/>
-          </a:prstGeom>
-          <a:ln>
-            <a:headEnd type="arrow"/>
-            <a:tailEnd type="arrow"/>
-          </a:ln>
-        </p:spPr>
-        <p:style>
-          <a:lnRef idx="2">
-            <a:schemeClr val="dk1"/>
-          </a:lnRef>
-          <a:fillRef idx="0">
-            <a:schemeClr val="dk1"/>
-          </a:fillRef>
-          <a:effectRef idx="1">
-            <a:schemeClr val="dk1"/>
-          </a:effectRef>
-          <a:fontRef idx="minor">
-            <a:schemeClr val="tx1"/>
-          </a:fontRef>
-        </p:style>
-      </p:cxnSp>
-      <p:cxnSp>
-        <p:nvCxnSpPr>
-          <p:cNvPr id="22" name="Connecteur droit avec flèche 21"/>
-          <p:cNvCxnSpPr/>
-          <p:nvPr/>
-        </p:nvCxnSpPr>
-        <p:spPr>
-          <a:xfrm>
-            <a:off x="2411760" y="3689412"/>
-            <a:ext cx="1188132" cy="0"/>
-          </a:xfrm>
-          <a:prstGeom prst="straightConnector1">
-            <a:avLst/>
-          </a:prstGeom>
-          <a:ln>
-            <a:headEnd type="arrow"/>
-            <a:tailEnd type="arrow"/>
-          </a:ln>
-        </p:spPr>
-        <p:style>
-          <a:lnRef idx="2">
-            <a:schemeClr val="dk1"/>
-          </a:lnRef>
-          <a:fillRef idx="0">
-            <a:schemeClr val="dk1"/>
-          </a:fillRef>
-          <a:effectRef idx="1">
-            <a:schemeClr val="dk1"/>
-          </a:effectRef>
-          <a:fontRef idx="minor">
-            <a:schemeClr val="tx1"/>
-          </a:fontRef>
-        </p:style>
-      </p:cxnSp>
-      <p:cxnSp>
-        <p:nvCxnSpPr>
-          <p:cNvPr id="23" name="Connecteur droit avec flèche 22"/>
-          <p:cNvCxnSpPr/>
-          <p:nvPr/>
-        </p:nvCxnSpPr>
-        <p:spPr>
-          <a:xfrm>
-            <a:off x="2415306" y="4185084"/>
-            <a:ext cx="1188132" cy="0"/>
-          </a:xfrm>
-          <a:prstGeom prst="straightConnector1">
-            <a:avLst/>
-          </a:prstGeom>
-          <a:ln>
-            <a:headEnd type="arrow"/>
-            <a:tailEnd type="arrow"/>
-          </a:ln>
-        </p:spPr>
-        <p:style>
-          <a:lnRef idx="2">
-            <a:schemeClr val="dk1"/>
-          </a:lnRef>
-          <a:fillRef idx="0">
-            <a:schemeClr val="dk1"/>
-          </a:fillRef>
-          <a:effectRef idx="1">
-            <a:schemeClr val="dk1"/>
-          </a:effectRef>
-          <a:fontRef idx="minor">
-            <a:schemeClr val="tx1"/>
-          </a:fontRef>
-        </p:style>
-      </p:cxnSp>
-      <p:cxnSp>
-        <p:nvCxnSpPr>
-          <p:cNvPr id="24" name="Connecteur droit avec flèche 23"/>
-          <p:cNvCxnSpPr>
-            <a:stCxn id="13" idx="3"/>
-            <a:endCxn id="14" idx="1"/>
-          </p:cNvCxnSpPr>
-          <p:nvPr/>
-        </p:nvCxnSpPr>
-        <p:spPr>
-          <a:xfrm>
-            <a:off x="5328084" y="3753036"/>
-            <a:ext cx="1044116" cy="0"/>
-          </a:xfrm>
-          <a:prstGeom prst="straightConnector1">
-            <a:avLst/>
-          </a:prstGeom>
-          <a:ln>
-            <a:headEnd type="arrow"/>
-            <a:tailEnd type="arrow"/>
-          </a:ln>
-        </p:spPr>
-        <p:style>
-          <a:lnRef idx="2">
-            <a:schemeClr val="dk1"/>
-          </a:lnRef>
-          <a:fillRef idx="0">
-            <a:schemeClr val="dk1"/>
-          </a:fillRef>
-          <a:effectRef idx="1">
-            <a:schemeClr val="dk1"/>
-          </a:effectRef>
-          <a:fontRef idx="minor">
-            <a:schemeClr val="tx1"/>
-          </a:fontRef>
-        </p:style>
-      </p:cxnSp>
-      <p:sp>
-        <p:nvSpPr>
-          <p:cNvPr id="29" name="Rectangle à coins arrondis 28"/>
-          <p:cNvSpPr/>
-          <p:nvPr/>
-        </p:nvSpPr>
-        <p:spPr>
-          <a:xfrm>
-            <a:off x="6660232" y="3356992"/>
-            <a:ext cx="1296144" cy="1224136"/>
-          </a:xfrm>
-          <a:prstGeom prst="roundRect">
-            <a:avLst/>
-          </a:prstGeom>
-        </p:spPr>
-        <p:style>
-          <a:lnRef idx="1">
-            <a:schemeClr val="accent1"/>
-          </a:lnRef>
-          <a:fillRef idx="2">
-            <a:schemeClr val="accent1"/>
-          </a:fillRef>
-          <a:effectRef idx="1">
-            <a:schemeClr val="accent1"/>
-          </a:effectRef>
-          <a:fontRef idx="minor">
-            <a:schemeClr val="dk1"/>
-          </a:fontRef>
-        </p:style>
-        <p:txBody>
-          <a:bodyPr rtlCol="0" anchor="ctr"/>
-          <a:lstStyle/>
-          <a:p>
-            <a:pPr algn="ctr"/>
-            <a:r>
-              <a:rPr lang="fr-FR" dirty="0" smtClean="0"/>
-              <a:t>IHM</a:t>
-            </a:r>
-            <a:endParaRPr lang="fr-FR" dirty="0"/>
+            <a:endParaRPr lang="fr-FR"/>
           </a:p>
         </p:txBody>
       </p:sp>
     </p:spTree>
     <p:extLst>
       <p:ext uri="{BB962C8B-B14F-4D97-AF65-F5344CB8AC3E}">
-        <p14:creationId xmlns:p14="http://schemas.microsoft.com/office/powerpoint/2010/main" val="218983957"/>
+        <p14:creationId xmlns:p14="http://schemas.microsoft.com/office/powerpoint/2010/main" val="1490870934"/>
       </p:ext>
     </p:extLst>
   </p:cSld>
@@ -4770,7 +4588,7 @@
           <a:p>
             <a:r>
               <a:rPr lang="fr-FR" dirty="0" smtClean="0"/>
-              <a:t>Avantages / Inconvénients</a:t>
+              <a:t>Réalisation</a:t>
             </a:r>
             <a:endParaRPr lang="fr-FR" dirty="0"/>
           </a:p>
@@ -4788,14 +4606,12 @@
         </p:nvSpPr>
         <p:spPr>
           <a:xfrm>
-            <a:off x="1371600" y="2276872"/>
-            <a:ext cx="6400800" cy="3361928"/>
-          </a:xfrm>
-        </p:spPr>
-        <p:txBody>
-          <a:bodyPr>
-            <a:normAutofit/>
-          </a:bodyPr>
+            <a:off x="1371600" y="1772816"/>
+            <a:ext cx="6400800" cy="1752600"/>
+          </a:xfrm>
+        </p:spPr>
+        <p:txBody>
+          <a:bodyPr/>
           <a:lstStyle/>
           <a:p>
             <a:r>
@@ -4804,40 +4620,7 @@
                   <a:schemeClr val="tx1"/>
                 </a:solidFill>
               </a:rPr>
-              <a:t>Structurée, facilement modifiable</a:t>
-            </a:r>
-            <a:r>
-              <a:rPr lang="fr-FR" dirty="0" smtClean="0">
-                <a:solidFill>
-                  <a:schemeClr val="tx1"/>
-                </a:solidFill>
-              </a:rPr>
-              <a:t> et testable.</a:t>
-            </a:r>
-            <a:endParaRPr lang="fr-FR" dirty="0" smtClean="0">
-              <a:solidFill>
-                <a:schemeClr val="tx1"/>
-              </a:solidFill>
-            </a:endParaRPr>
-          </a:p>
-          <a:p>
-            <a:r>
-              <a:rPr lang="fr-FR" dirty="0" smtClean="0">
-                <a:solidFill>
-                  <a:schemeClr val="tx1"/>
-                </a:solidFill>
-              </a:rPr>
-              <a:t>Ne permet pas la multi-connexion à la base de donnée</a:t>
-            </a:r>
-          </a:p>
-          <a:p>
-            <a:r>
-              <a:rPr lang="fr-FR" dirty="0" smtClean="0">
-                <a:solidFill>
-                  <a:schemeClr val="tx1"/>
-                </a:solidFill>
-              </a:rPr>
-              <a:t>Supporte peut de clients</a:t>
+              <a:t>Une table =&gt; un model</a:t>
             </a:r>
             <a:endParaRPr lang="fr-FR" dirty="0">
               <a:solidFill>
@@ -5003,7 +4786,7 @@
                   <a:schemeClr val="tx1"/>
                 </a:solidFill>
               </a:rPr>
-              <a:t>-Matérielle et logiciel -Réalisation -Model Vue Contrôleur </a:t>
+              <a:t>-Matérielle et logiciel </a:t>
             </a:r>
             <a:r>
               <a:rPr lang="fr-FR" sz="1200" dirty="0" smtClean="0">
@@ -5011,7 +4794,7 @@
                   <a:schemeClr val="bg1"/>
                 </a:solidFill>
               </a:rPr>
-              <a:t>-Avantages / inconvénients </a:t>
+              <a:t>-Réalisation </a:t>
             </a:r>
             <a:r>
               <a:rPr lang="fr-FR" sz="1200" dirty="0" smtClean="0">
@@ -5019,7 +4802,7 @@
                   <a:schemeClr val="tx1"/>
                 </a:solidFill>
               </a:rPr>
-              <a:t>-Améliorations possibles</a:t>
+              <a:t>-Model Vue Contrôleur -Avantages / inconvénients -Améliorations possibles</a:t>
             </a:r>
             <a:endParaRPr lang="fr-FR" sz="1200" dirty="0">
               <a:solidFill>
@@ -5029,10 +4812,528 @@
           </a:p>
         </p:txBody>
       </p:sp>
+      <p:graphicFrame>
+        <p:nvGraphicFramePr>
+          <p:cNvPr id="14" name="Tableau 13"/>
+          <p:cNvGraphicFramePr>
+            <a:graphicFrameLocks noGrp="1"/>
+          </p:cNvGraphicFramePr>
+          <p:nvPr>
+            <p:extLst>
+              <p:ext uri="{D42A27DB-BD31-4B8C-83A1-F6EECF244321}">
+                <p14:modId xmlns:p14="http://schemas.microsoft.com/office/powerpoint/2010/main" val="1264312226"/>
+              </p:ext>
+            </p:extLst>
+          </p:nvPr>
+        </p:nvGraphicFramePr>
+        <p:xfrm>
+          <a:off x="1187624" y="2608382"/>
+          <a:ext cx="2952328" cy="2764834"/>
+        </p:xfrm>
+        <a:graphic>
+          <a:graphicData uri="http://schemas.openxmlformats.org/drawingml/2006/table">
+            <a:tbl>
+              <a:tblPr firstRow="1" bandRow="1">
+                <a:tableStyleId>{5C22544A-7EE6-4342-B048-85BDC9FD1C3A}</a:tableStyleId>
+              </a:tblPr>
+              <a:tblGrid>
+                <a:gridCol w="1440160"/>
+                <a:gridCol w="1512168"/>
+              </a:tblGrid>
+              <a:tr h="373546">
+                <a:tc gridSpan="2">
+                  <a:txBody>
+                    <a:bodyPr/>
+                    <a:lstStyle/>
+                    <a:p>
+                      <a:r>
+                        <a:rPr lang="fr-FR" dirty="0" smtClean="0"/>
+                        <a:t>COMMANDE</a:t>
+                      </a:r>
+                      <a:endParaRPr lang="fr-FR" dirty="0"/>
+                    </a:p>
+                  </a:txBody>
+                  <a:tcPr/>
+                </a:tc>
+                <a:tc hMerge="1">
+                  <a:txBody>
+                    <a:bodyPr/>
+                    <a:lstStyle/>
+                    <a:p>
+                      <a:endParaRPr lang="fr-FR" dirty="0"/>
+                    </a:p>
+                  </a:txBody>
+                  <a:tcPr/>
+                </a:tc>
+              </a:tr>
+              <a:tr h="322348">
+                <a:tc>
+                  <a:txBody>
+                    <a:bodyPr/>
+                    <a:lstStyle/>
+                    <a:p>
+                      <a:r>
+                        <a:rPr lang="fr-FR" sz="1200" dirty="0" smtClean="0"/>
+                        <a:t>ID</a:t>
+                      </a:r>
+                      <a:endParaRPr lang="fr-FR" sz="1200" dirty="0"/>
+                    </a:p>
+                  </a:txBody>
+                  <a:tcPr/>
+                </a:tc>
+                <a:tc>
+                  <a:txBody>
+                    <a:bodyPr/>
+                    <a:lstStyle/>
+                    <a:p>
+                      <a:r>
+                        <a:rPr lang="fr-FR" sz="1200" dirty="0" smtClean="0"/>
+                        <a:t>CHAR(20) NOT NULL</a:t>
+                      </a:r>
+                    </a:p>
+                    <a:p>
+                      <a:pPr marL="0" marR="0" indent="0" algn="l" defTabSz="914400" rtl="0" eaLnBrk="1" fontAlgn="auto" latinLnBrk="0" hangingPunct="1">
+                        <a:lnSpc>
+                          <a:spcPct val="100000"/>
+                        </a:lnSpc>
+                        <a:spcBef>
+                          <a:spcPts val="0"/>
+                        </a:spcBef>
+                        <a:spcAft>
+                          <a:spcPts val="0"/>
+                        </a:spcAft>
+                        <a:buClrTx/>
+                        <a:buSzTx/>
+                        <a:buFontTx/>
+                        <a:buNone/>
+                        <a:tabLst/>
+                        <a:defRPr/>
+                      </a:pPr>
+                      <a:r>
+                        <a:rPr lang="fr-FR" sz="1200" dirty="0" smtClean="0"/>
+                        <a:t>PK</a:t>
+                      </a:r>
+                      <a:r>
+                        <a:rPr lang="fr-FR" sz="1200" baseline="0" dirty="0" smtClean="0"/>
+                        <a:t> </a:t>
+                      </a:r>
+                      <a:r>
+                        <a:rPr lang="fr-FR" sz="1200" dirty="0" smtClean="0"/>
+                        <a:t>Auto </a:t>
+                      </a:r>
+                      <a:r>
+                        <a:rPr lang="fr-FR" sz="1200" dirty="0" err="1" smtClean="0"/>
+                        <a:t>Generated</a:t>
+                      </a:r>
+                      <a:endParaRPr lang="fr-FR" sz="1200" dirty="0" smtClean="0"/>
+                    </a:p>
+                  </a:txBody>
+                  <a:tcPr/>
+                </a:tc>
+              </a:tr>
+              <a:tr h="322348">
+                <a:tc>
+                  <a:txBody>
+                    <a:bodyPr/>
+                    <a:lstStyle/>
+                    <a:p>
+                      <a:r>
+                        <a:rPr lang="fr-FR" sz="1200" dirty="0" smtClean="0"/>
+                        <a:t>CODE</a:t>
+                      </a:r>
+                      <a:endParaRPr lang="fr-FR" sz="1200" dirty="0"/>
+                    </a:p>
+                  </a:txBody>
+                  <a:tcPr/>
+                </a:tc>
+                <a:tc>
+                  <a:txBody>
+                    <a:bodyPr/>
+                    <a:lstStyle/>
+                    <a:p>
+                      <a:pPr marL="0" marR="0" indent="0" algn="l" defTabSz="914400" rtl="0" eaLnBrk="1" fontAlgn="auto" latinLnBrk="0" hangingPunct="1">
+                        <a:lnSpc>
+                          <a:spcPct val="100000"/>
+                        </a:lnSpc>
+                        <a:spcBef>
+                          <a:spcPts val="0"/>
+                        </a:spcBef>
+                        <a:spcAft>
+                          <a:spcPts val="0"/>
+                        </a:spcAft>
+                        <a:buClrTx/>
+                        <a:buSzTx/>
+                        <a:buFontTx/>
+                        <a:buNone/>
+                        <a:tabLst/>
+                        <a:defRPr/>
+                      </a:pPr>
+                      <a:r>
+                        <a:rPr lang="fr-FR" sz="1200" dirty="0" smtClean="0"/>
+                        <a:t>INTEGER</a:t>
+                      </a:r>
+                      <a:r>
+                        <a:rPr lang="fr-FR" sz="1200" baseline="0" dirty="0" smtClean="0"/>
+                        <a:t> </a:t>
+                      </a:r>
+                      <a:r>
+                        <a:rPr lang="fr-FR" sz="1200" dirty="0" smtClean="0"/>
+                        <a:t>NOT NULL</a:t>
+                      </a:r>
+                    </a:p>
+                  </a:txBody>
+                  <a:tcPr/>
+                </a:tc>
+              </a:tr>
+              <a:tr h="322348">
+                <a:tc>
+                  <a:txBody>
+                    <a:bodyPr/>
+                    <a:lstStyle/>
+                    <a:p>
+                      <a:r>
+                        <a:rPr lang="fr-FR" sz="1200" dirty="0" smtClean="0"/>
+                        <a:t>ID_ADH</a:t>
+                      </a:r>
+                      <a:endParaRPr lang="fr-FR" sz="1200" dirty="0"/>
+                    </a:p>
+                  </a:txBody>
+                  <a:tcPr/>
+                </a:tc>
+                <a:tc>
+                  <a:txBody>
+                    <a:bodyPr/>
+                    <a:lstStyle/>
+                    <a:p>
+                      <a:pPr marL="0" marR="0" indent="0" algn="l" defTabSz="914400" rtl="0" eaLnBrk="1" fontAlgn="auto" latinLnBrk="0" hangingPunct="1">
+                        <a:lnSpc>
+                          <a:spcPct val="100000"/>
+                        </a:lnSpc>
+                        <a:spcBef>
+                          <a:spcPts val="0"/>
+                        </a:spcBef>
+                        <a:spcAft>
+                          <a:spcPts val="0"/>
+                        </a:spcAft>
+                        <a:buClrTx/>
+                        <a:buSzTx/>
+                        <a:buFontTx/>
+                        <a:buNone/>
+                        <a:tabLst/>
+                        <a:defRPr/>
+                      </a:pPr>
+                      <a:r>
+                        <a:rPr lang="fr-FR" sz="1200" dirty="0" smtClean="0"/>
+                        <a:t>CHAR(20) NOT NULL</a:t>
+                      </a:r>
+                    </a:p>
+                  </a:txBody>
+                  <a:tcPr/>
+                </a:tc>
+              </a:tr>
+              <a:tr h="322348">
+                <a:tc>
+                  <a:txBody>
+                    <a:bodyPr/>
+                    <a:lstStyle/>
+                    <a:p>
+                      <a:r>
+                        <a:rPr lang="fr-FR" sz="1200" dirty="0" smtClean="0"/>
+                        <a:t>QUANTITE</a:t>
+                      </a:r>
+                      <a:endParaRPr lang="fr-FR" sz="1200" dirty="0"/>
+                    </a:p>
+                  </a:txBody>
+                  <a:tcPr/>
+                </a:tc>
+                <a:tc>
+                  <a:txBody>
+                    <a:bodyPr/>
+                    <a:lstStyle/>
+                    <a:p>
+                      <a:pPr marL="0" marR="0" indent="0" algn="l" defTabSz="914400" rtl="0" eaLnBrk="1" fontAlgn="auto" latinLnBrk="0" hangingPunct="1">
+                        <a:lnSpc>
+                          <a:spcPct val="100000"/>
+                        </a:lnSpc>
+                        <a:spcBef>
+                          <a:spcPts val="0"/>
+                        </a:spcBef>
+                        <a:spcAft>
+                          <a:spcPts val="0"/>
+                        </a:spcAft>
+                        <a:buClrTx/>
+                        <a:buSzTx/>
+                        <a:buFontTx/>
+                        <a:buNone/>
+                        <a:tabLst/>
+                        <a:defRPr/>
+                      </a:pPr>
+                      <a:r>
+                        <a:rPr lang="fr-FR" sz="1200" dirty="0" smtClean="0"/>
+                        <a:t>INTEGER NOT NULL</a:t>
+                      </a:r>
+                    </a:p>
+                  </a:txBody>
+                  <a:tcPr/>
+                </a:tc>
+              </a:tr>
+              <a:tr h="322348">
+                <a:tc>
+                  <a:txBody>
+                    <a:bodyPr/>
+                    <a:lstStyle/>
+                    <a:p>
+                      <a:r>
+                        <a:rPr lang="fr-FR" sz="1200" dirty="0" smtClean="0"/>
+                        <a:t>DATE_COMMANDE</a:t>
+                      </a:r>
+                      <a:endParaRPr lang="fr-FR" sz="1200" dirty="0"/>
+                    </a:p>
+                  </a:txBody>
+                  <a:tcPr/>
+                </a:tc>
+                <a:tc>
+                  <a:txBody>
+                    <a:bodyPr/>
+                    <a:lstStyle/>
+                    <a:p>
+                      <a:pPr marL="0" marR="0" indent="0" algn="l" defTabSz="914400" rtl="0" eaLnBrk="1" fontAlgn="auto" latinLnBrk="0" hangingPunct="1">
+                        <a:lnSpc>
+                          <a:spcPct val="100000"/>
+                        </a:lnSpc>
+                        <a:spcBef>
+                          <a:spcPts val="0"/>
+                        </a:spcBef>
+                        <a:spcAft>
+                          <a:spcPts val="0"/>
+                        </a:spcAft>
+                        <a:buClrTx/>
+                        <a:buSzTx/>
+                        <a:buFontTx/>
+                        <a:buNone/>
+                        <a:tabLst/>
+                        <a:defRPr/>
+                      </a:pPr>
+                      <a:r>
+                        <a:rPr lang="fr-FR" sz="1200" dirty="0" smtClean="0"/>
+                        <a:t>DATENOT NULL</a:t>
+                      </a:r>
+                    </a:p>
+                  </a:txBody>
+                  <a:tcPr/>
+                </a:tc>
+              </a:tr>
+              <a:tr h="322348">
+                <a:tc>
+                  <a:txBody>
+                    <a:bodyPr/>
+                    <a:lstStyle/>
+                    <a:p>
+                      <a:r>
+                        <a:rPr lang="fr-FR" sz="1200" kern="1200" dirty="0" smtClean="0"/>
+                        <a:t>ID_ADH_FK</a:t>
+                      </a:r>
+                      <a:endParaRPr lang="fr-FR" sz="1200" dirty="0"/>
+                    </a:p>
+                  </a:txBody>
+                  <a:tcPr>
+                    <a:solidFill>
+                      <a:srgbClr val="FFC000"/>
+                    </a:solidFill>
+                  </a:tcPr>
+                </a:tc>
+                <a:tc>
+                  <a:txBody>
+                    <a:bodyPr/>
+                    <a:lstStyle/>
+                    <a:p>
+                      <a:pPr marL="0" marR="0" indent="0" algn="l" defTabSz="914400" rtl="0" eaLnBrk="1" fontAlgn="auto" latinLnBrk="0" hangingPunct="1">
+                        <a:lnSpc>
+                          <a:spcPct val="100000"/>
+                        </a:lnSpc>
+                        <a:spcBef>
+                          <a:spcPts val="0"/>
+                        </a:spcBef>
+                        <a:spcAft>
+                          <a:spcPts val="0"/>
+                        </a:spcAft>
+                        <a:buClrTx/>
+                        <a:buSzTx/>
+                        <a:buFontTx/>
+                        <a:buNone/>
+                        <a:tabLst/>
+                        <a:defRPr/>
+                      </a:pPr>
+                      <a:r>
+                        <a:rPr lang="fr-FR" sz="1200" dirty="0" smtClean="0"/>
+                        <a:t>FOREIGN</a:t>
+                      </a:r>
+                      <a:r>
+                        <a:rPr lang="fr-FR" sz="1200" baseline="0" dirty="0" smtClean="0"/>
+                        <a:t> KEY</a:t>
+                      </a:r>
+                      <a:endParaRPr lang="fr-FR" sz="1200" dirty="0" smtClean="0"/>
+                    </a:p>
+                  </a:txBody>
+                  <a:tcPr>
+                    <a:solidFill>
+                      <a:srgbClr val="FFC000"/>
+                    </a:solidFill>
+                  </a:tcPr>
+                </a:tc>
+              </a:tr>
+              <a:tr h="322348">
+                <a:tc>
+                  <a:txBody>
+                    <a:bodyPr/>
+                    <a:lstStyle/>
+                    <a:p>
+                      <a:r>
+                        <a:rPr lang="fr-FR" sz="1200" kern="1200" dirty="0" smtClean="0">
+                          <a:solidFill>
+                            <a:schemeClr val="dk1"/>
+                          </a:solidFill>
+                          <a:latin typeface="+mn-lt"/>
+                          <a:ea typeface="+mn-ea"/>
+                          <a:cs typeface="+mn-cs"/>
+                        </a:rPr>
+                        <a:t>CODE_FK</a:t>
+                      </a:r>
+                      <a:endParaRPr lang="fr-FR" sz="1200" dirty="0"/>
+                    </a:p>
+                  </a:txBody>
+                  <a:tcPr>
+                    <a:solidFill>
+                      <a:srgbClr val="92D050"/>
+                    </a:solidFill>
+                  </a:tcPr>
+                </a:tc>
+                <a:tc>
+                  <a:txBody>
+                    <a:bodyPr/>
+                    <a:lstStyle/>
+                    <a:p>
+                      <a:pPr marL="0" marR="0" indent="0" algn="l" defTabSz="914400" rtl="0" eaLnBrk="1" fontAlgn="auto" latinLnBrk="0" hangingPunct="1">
+                        <a:lnSpc>
+                          <a:spcPct val="100000"/>
+                        </a:lnSpc>
+                        <a:spcBef>
+                          <a:spcPts val="0"/>
+                        </a:spcBef>
+                        <a:spcAft>
+                          <a:spcPts val="0"/>
+                        </a:spcAft>
+                        <a:buClrTx/>
+                        <a:buSzTx/>
+                        <a:buFontTx/>
+                        <a:buNone/>
+                        <a:tabLst/>
+                        <a:defRPr/>
+                      </a:pPr>
+                      <a:r>
+                        <a:rPr lang="fr-FR" sz="1200" dirty="0" smtClean="0"/>
+                        <a:t>FOREIGN</a:t>
+                      </a:r>
+                      <a:r>
+                        <a:rPr lang="fr-FR" sz="1200" baseline="0" dirty="0" smtClean="0"/>
+                        <a:t> KEY</a:t>
+                      </a:r>
+                      <a:endParaRPr lang="fr-FR" sz="1200" dirty="0" smtClean="0"/>
+                    </a:p>
+                  </a:txBody>
+                  <a:tcPr>
+                    <a:solidFill>
+                      <a:srgbClr val="92D050"/>
+                    </a:solidFill>
+                  </a:tcPr>
+                </a:tc>
+              </a:tr>
+            </a:tbl>
+          </a:graphicData>
+        </a:graphic>
+      </p:graphicFrame>
+      <p:pic>
+        <p:nvPicPr>
+          <p:cNvPr id="7" name="Image 6"/>
+          <p:cNvPicPr>
+            <a:picLocks noChangeAspect="1"/>
+          </p:cNvPicPr>
+          <p:nvPr/>
+        </p:nvPicPr>
+        <p:blipFill>
+          <a:blip r:embed="rId3">
+            <a:extLst>
+              <a:ext uri="{28A0092B-C50C-407E-A947-70E740481C1C}">
+                <a14:useLocalDpi xmlns:a14="http://schemas.microsoft.com/office/drawing/2010/main" val="0"/>
+              </a:ext>
+            </a:extLst>
+          </a:blip>
+          <a:stretch>
+            <a:fillRect/>
+          </a:stretch>
+        </p:blipFill>
+        <p:spPr>
+          <a:xfrm>
+            <a:off x="5032074" y="3056076"/>
+            <a:ext cx="3572374" cy="2029108"/>
+          </a:xfrm>
+          <a:prstGeom prst="rect">
+            <a:avLst/>
+          </a:prstGeom>
+          <a:ln>
+            <a:noFill/>
+          </a:ln>
+          <a:effectLst>
+            <a:outerShdw blurRad="190500" algn="tl" rotWithShape="0">
+              <a:srgbClr val="000000">
+                <a:alpha val="70000"/>
+              </a:srgbClr>
+            </a:outerShdw>
+          </a:effectLst>
+        </p:spPr>
+      </p:pic>
+      <p:sp>
+        <p:nvSpPr>
+          <p:cNvPr id="15" name="Double flèche horizontale 14"/>
+          <p:cNvSpPr/>
+          <p:nvPr/>
+        </p:nvSpPr>
+        <p:spPr>
+          <a:xfrm>
+            <a:off x="4139952" y="3861048"/>
+            <a:ext cx="900100" cy="432048"/>
+          </a:xfrm>
+          <a:prstGeom prst="leftRightArrow">
+            <a:avLst/>
+          </a:prstGeom>
+        </p:spPr>
+        <p:style>
+          <a:lnRef idx="3">
+            <a:schemeClr val="lt1"/>
+          </a:lnRef>
+          <a:fillRef idx="1">
+            <a:schemeClr val="accent1"/>
+          </a:fillRef>
+          <a:effectRef idx="1">
+            <a:schemeClr val="accent1"/>
+          </a:effectRef>
+          <a:fontRef idx="minor">
+            <a:schemeClr val="lt1"/>
+          </a:fontRef>
+        </p:style>
+        <p:txBody>
+          <a:bodyPr rtlCol="0" anchor="ctr"/>
+          <a:lstStyle/>
+          <a:p>
+            <a:pPr algn="ctr"/>
+            <a:endParaRPr lang="fr-FR"/>
+          </a:p>
+        </p:txBody>
+      </p:sp>
     </p:spTree>
     <p:extLst>
       <p:ext uri="{BB962C8B-B14F-4D97-AF65-F5344CB8AC3E}">
-        <p14:creationId xmlns:p14="http://schemas.microsoft.com/office/powerpoint/2010/main" val="218983957"/>
+        <p14:creationId xmlns:p14="http://schemas.microsoft.com/office/powerpoint/2010/main" val="788829189"/>
       </p:ext>
     </p:extLst>
   </p:cSld>
@@ -5088,7 +5389,7 @@
           <a:p>
             <a:r>
               <a:rPr lang="fr-FR" dirty="0" smtClean="0"/>
-              <a:t>Améliorations possibles</a:t>
+              <a:t>Réalisation</a:t>
             </a:r>
             <a:endParaRPr lang="fr-FR" dirty="0"/>
           </a:p>
@@ -5104,11 +5405,14 @@
             <p:ph type="subTitle" idx="1"/>
           </p:nvPr>
         </p:nvSpPr>
-        <p:spPr/>
-        <p:txBody>
-          <a:bodyPr>
-            <a:normAutofit/>
-          </a:bodyPr>
+        <p:spPr>
+          <a:xfrm>
+            <a:off x="1371600" y="1772816"/>
+            <a:ext cx="6400800" cy="1752600"/>
+          </a:xfrm>
+        </p:spPr>
+        <p:txBody>
+          <a:bodyPr/>
           <a:lstStyle/>
           <a:p>
             <a:r>
@@ -5117,33 +5421,7 @@
                   <a:schemeClr val="tx1"/>
                 </a:solidFill>
               </a:rPr>
-              <a:t>Externaliser la partie Contrôleur/model en services wso2</a:t>
-            </a:r>
-          </a:p>
-          <a:p>
-            <a:r>
-              <a:rPr lang="fr-FR" dirty="0" smtClean="0">
-                <a:solidFill>
-                  <a:schemeClr val="tx1"/>
-                </a:solidFill>
-              </a:rPr>
-              <a:t>Utiliser </a:t>
-            </a:r>
-            <a:r>
-              <a:rPr lang="fr-FR" dirty="0" err="1" smtClean="0">
-                <a:solidFill>
-                  <a:schemeClr val="tx1"/>
-                </a:solidFill>
-              </a:rPr>
-              <a:t>Mysql</a:t>
-            </a:r>
-            <a:r>
-              <a:rPr lang="fr-FR" dirty="0" smtClean="0">
-                <a:solidFill>
-                  <a:schemeClr val="tx1"/>
-                </a:solidFill>
-              </a:rPr>
-              <a:t> comme SGBD.</a:t>
+              <a:t>Une table =&gt; un model</a:t>
             </a:r>
             <a:endParaRPr lang="fr-FR" dirty="0">
               <a:solidFill>
@@ -5216,6 +5494,3611 @@
                 </a:solidFill>
               </a:rPr>
               <a:t>12</a:t>
+            </a:fld>
+            <a:endParaRPr lang="fr-BE" dirty="0">
+              <a:solidFill>
+                <a:schemeClr val="tx1"/>
+              </a:solidFill>
+            </a:endParaRPr>
+          </a:p>
+        </p:txBody>
+      </p:sp>
+      <p:pic>
+        <p:nvPicPr>
+          <p:cNvPr id="11" name="Image 10"/>
+          <p:cNvPicPr>
+            <a:picLocks noChangeAspect="1"/>
+          </p:cNvPicPr>
+          <p:nvPr/>
+        </p:nvPicPr>
+        <p:blipFill>
+          <a:blip r:embed="rId2">
+            <a:extLst>
+              <a:ext uri="{28A0092B-C50C-407E-A947-70E740481C1C}">
+                <a14:useLocalDpi xmlns:a14="http://schemas.microsoft.com/office/drawing/2010/main" val="0"/>
+              </a:ext>
+            </a:extLst>
+          </a:blip>
+          <a:stretch>
+            <a:fillRect/>
+          </a:stretch>
+        </p:blipFill>
+        <p:spPr>
+          <a:xfrm>
+            <a:off x="107504" y="133118"/>
+            <a:ext cx="1080120" cy="469618"/>
+          </a:xfrm>
+          <a:prstGeom prst="rect">
+            <a:avLst/>
+          </a:prstGeom>
+        </p:spPr>
+      </p:pic>
+      <p:sp>
+        <p:nvSpPr>
+          <p:cNvPr id="12" name="Rogner un rectangle avec un coin diagonal 11"/>
+          <p:cNvSpPr/>
+          <p:nvPr/>
+        </p:nvSpPr>
+        <p:spPr>
+          <a:xfrm>
+            <a:off x="1259632" y="0"/>
+            <a:ext cx="7848872" cy="512676"/>
+          </a:xfrm>
+          <a:prstGeom prst="snip2DiagRect">
+            <a:avLst>
+              <a:gd name="adj1" fmla="val 24520"/>
+              <a:gd name="adj2" fmla="val 23038"/>
+            </a:avLst>
+          </a:prstGeom>
+        </p:spPr>
+        <p:style>
+          <a:lnRef idx="0">
+            <a:schemeClr val="accent5"/>
+          </a:lnRef>
+          <a:fillRef idx="3">
+            <a:schemeClr val="accent5"/>
+          </a:fillRef>
+          <a:effectRef idx="3">
+            <a:schemeClr val="accent5"/>
+          </a:effectRef>
+          <a:fontRef idx="minor">
+            <a:schemeClr val="lt1"/>
+          </a:fontRef>
+        </p:style>
+        <p:txBody>
+          <a:bodyPr rtlCol="0" anchor="ctr"/>
+          <a:lstStyle/>
+          <a:p>
+            <a:pPr algn="ctr"/>
+            <a:r>
+              <a:rPr lang="fr-FR" sz="1200" dirty="0" smtClean="0">
+                <a:solidFill>
+                  <a:schemeClr val="tx1"/>
+                </a:solidFill>
+              </a:rPr>
+              <a:t>-Principe de fonctionnement -Architecture -Services de l’application -Diagramme des cas d’utilisation</a:t>
+            </a:r>
+          </a:p>
+          <a:p>
+            <a:pPr algn="ctr"/>
+            <a:r>
+              <a:rPr lang="fr-FR" sz="1200" dirty="0" smtClean="0">
+                <a:solidFill>
+                  <a:schemeClr val="tx1"/>
+                </a:solidFill>
+              </a:rPr>
+              <a:t>-Matérielle et logiciel </a:t>
+            </a:r>
+            <a:r>
+              <a:rPr lang="fr-FR" sz="1200" dirty="0" smtClean="0">
+                <a:solidFill>
+                  <a:schemeClr val="bg1"/>
+                </a:solidFill>
+              </a:rPr>
+              <a:t>-Réalisation </a:t>
+            </a:r>
+            <a:r>
+              <a:rPr lang="fr-FR" sz="1200" dirty="0" smtClean="0">
+                <a:solidFill>
+                  <a:schemeClr val="tx1"/>
+                </a:solidFill>
+              </a:rPr>
+              <a:t>-Model Vue Contrôleur -Avantages / inconvénients -Améliorations possibles</a:t>
+            </a:r>
+            <a:endParaRPr lang="fr-FR" sz="1200" dirty="0">
+              <a:solidFill>
+                <a:schemeClr val="tx1"/>
+              </a:solidFill>
+            </a:endParaRPr>
+          </a:p>
+        </p:txBody>
+      </p:sp>
+      <p:graphicFrame>
+        <p:nvGraphicFramePr>
+          <p:cNvPr id="13" name="Tableau 12"/>
+          <p:cNvGraphicFramePr>
+            <a:graphicFrameLocks noGrp="1"/>
+          </p:cNvGraphicFramePr>
+          <p:nvPr>
+            <p:extLst>
+              <p:ext uri="{D42A27DB-BD31-4B8C-83A1-F6EECF244321}">
+                <p14:modId xmlns:p14="http://schemas.microsoft.com/office/powerpoint/2010/main" val="3221780390"/>
+              </p:ext>
+            </p:extLst>
+          </p:nvPr>
+        </p:nvGraphicFramePr>
+        <p:xfrm>
+          <a:off x="1691680" y="3079156"/>
+          <a:ext cx="2376264" cy="1790004"/>
+        </p:xfrm>
+        <a:graphic>
+          <a:graphicData uri="http://schemas.openxmlformats.org/drawingml/2006/table">
+            <a:tbl>
+              <a:tblPr firstRow="1" bandRow="1">
+                <a:tableStyleId>{5C22544A-7EE6-4342-B048-85BDC9FD1C3A}</a:tableStyleId>
+              </a:tblPr>
+              <a:tblGrid>
+                <a:gridCol w="867638"/>
+                <a:gridCol w="1508626"/>
+              </a:tblGrid>
+              <a:tr h="301538">
+                <a:tc gridSpan="2">
+                  <a:txBody>
+                    <a:bodyPr/>
+                    <a:lstStyle/>
+                    <a:p>
+                      <a:r>
+                        <a:rPr lang="fr-FR" dirty="0" smtClean="0"/>
+                        <a:t>CATALOGUE</a:t>
+                      </a:r>
+                      <a:endParaRPr lang="fr-FR" dirty="0"/>
+                    </a:p>
+                  </a:txBody>
+                  <a:tcPr/>
+                </a:tc>
+                <a:tc hMerge="1">
+                  <a:txBody>
+                    <a:bodyPr/>
+                    <a:lstStyle/>
+                    <a:p>
+                      <a:endParaRPr lang="fr-FR" dirty="0"/>
+                    </a:p>
+                  </a:txBody>
+                  <a:tcPr/>
+                </a:tc>
+              </a:tr>
+              <a:tr h="322348">
+                <a:tc>
+                  <a:txBody>
+                    <a:bodyPr/>
+                    <a:lstStyle/>
+                    <a:p>
+                      <a:r>
+                        <a:rPr lang="fr-FR" sz="1200" dirty="0" smtClean="0"/>
+                        <a:t>CODE</a:t>
+                      </a:r>
+                      <a:endParaRPr lang="fr-FR" sz="1200" dirty="0"/>
+                    </a:p>
+                  </a:txBody>
+                  <a:tcPr>
+                    <a:solidFill>
+                      <a:srgbClr val="92D050"/>
+                    </a:solidFill>
+                  </a:tcPr>
+                </a:tc>
+                <a:tc>
+                  <a:txBody>
+                    <a:bodyPr/>
+                    <a:lstStyle/>
+                    <a:p>
+                      <a:pPr marL="0" marR="0" indent="0" algn="l" defTabSz="914400" rtl="0" eaLnBrk="1" fontAlgn="auto" latinLnBrk="0" hangingPunct="1">
+                        <a:lnSpc>
+                          <a:spcPct val="100000"/>
+                        </a:lnSpc>
+                        <a:spcBef>
+                          <a:spcPts val="0"/>
+                        </a:spcBef>
+                        <a:spcAft>
+                          <a:spcPts val="0"/>
+                        </a:spcAft>
+                        <a:buClrTx/>
+                        <a:buSzTx/>
+                        <a:buFontTx/>
+                        <a:buNone/>
+                        <a:tabLst/>
+                        <a:defRPr/>
+                      </a:pPr>
+                      <a:r>
+                        <a:rPr lang="fr-FR" sz="1200" dirty="0" smtClean="0"/>
+                        <a:t>INTEGER NOT NULL PK</a:t>
+                      </a:r>
+                      <a:r>
+                        <a:rPr lang="fr-FR" sz="1200" baseline="0" dirty="0" smtClean="0"/>
+                        <a:t> </a:t>
+                      </a:r>
+                      <a:r>
+                        <a:rPr lang="fr-FR" sz="1200" dirty="0" smtClean="0"/>
+                        <a:t>Auto </a:t>
+                      </a:r>
+                      <a:r>
+                        <a:rPr lang="fr-FR" sz="1200" dirty="0" err="1" smtClean="0"/>
+                        <a:t>Generated</a:t>
+                      </a:r>
+                      <a:endParaRPr lang="fr-FR" sz="1200" dirty="0"/>
+                    </a:p>
+                  </a:txBody>
+                  <a:tcPr>
+                    <a:solidFill>
+                      <a:srgbClr val="92D050"/>
+                    </a:solidFill>
+                  </a:tcPr>
+                </a:tc>
+              </a:tr>
+              <a:tr h="322348">
+                <a:tc>
+                  <a:txBody>
+                    <a:bodyPr/>
+                    <a:lstStyle/>
+                    <a:p>
+                      <a:r>
+                        <a:rPr lang="fr-FR" sz="1200" dirty="0" smtClean="0"/>
+                        <a:t>NOM</a:t>
+                      </a:r>
+                      <a:endParaRPr lang="fr-FR" sz="1200" dirty="0"/>
+                    </a:p>
+                  </a:txBody>
+                  <a:tcPr/>
+                </a:tc>
+                <a:tc>
+                  <a:txBody>
+                    <a:bodyPr/>
+                    <a:lstStyle/>
+                    <a:p>
+                      <a:pPr marL="0" marR="0" indent="0" algn="l" defTabSz="914400" rtl="0" eaLnBrk="1" fontAlgn="auto" latinLnBrk="0" hangingPunct="1">
+                        <a:lnSpc>
+                          <a:spcPct val="100000"/>
+                        </a:lnSpc>
+                        <a:spcBef>
+                          <a:spcPts val="0"/>
+                        </a:spcBef>
+                        <a:spcAft>
+                          <a:spcPts val="0"/>
+                        </a:spcAft>
+                        <a:buClrTx/>
+                        <a:buSzTx/>
+                        <a:buFontTx/>
+                        <a:buNone/>
+                        <a:tabLst/>
+                        <a:defRPr/>
+                      </a:pPr>
+                      <a:r>
+                        <a:rPr lang="fr-FR" sz="1200" dirty="0" smtClean="0"/>
+                        <a:t>CHAR(20) NOT NULL</a:t>
+                      </a:r>
+                    </a:p>
+                  </a:txBody>
+                  <a:tcPr/>
+                </a:tc>
+              </a:tr>
+              <a:tr h="322348">
+                <a:tc>
+                  <a:txBody>
+                    <a:bodyPr/>
+                    <a:lstStyle/>
+                    <a:p>
+                      <a:r>
+                        <a:rPr lang="fr-FR" sz="1200" dirty="0" smtClean="0"/>
+                        <a:t>PRIX</a:t>
+                      </a:r>
+                      <a:endParaRPr lang="fr-FR" sz="1200" dirty="0"/>
+                    </a:p>
+                  </a:txBody>
+                  <a:tcPr/>
+                </a:tc>
+                <a:tc>
+                  <a:txBody>
+                    <a:bodyPr/>
+                    <a:lstStyle/>
+                    <a:p>
+                      <a:pPr marL="0" marR="0" indent="0" algn="l" defTabSz="914400" rtl="0" eaLnBrk="1" fontAlgn="auto" latinLnBrk="0" hangingPunct="1">
+                        <a:lnSpc>
+                          <a:spcPct val="100000"/>
+                        </a:lnSpc>
+                        <a:spcBef>
+                          <a:spcPts val="0"/>
+                        </a:spcBef>
+                        <a:spcAft>
+                          <a:spcPts val="0"/>
+                        </a:spcAft>
+                        <a:buClrTx/>
+                        <a:buSzTx/>
+                        <a:buFontTx/>
+                        <a:buNone/>
+                        <a:tabLst/>
+                        <a:defRPr/>
+                      </a:pPr>
+                      <a:r>
+                        <a:rPr lang="fr-FR" sz="1200" dirty="0" smtClean="0"/>
+                        <a:t>DOUBLE NOT NULL</a:t>
+                      </a:r>
+                    </a:p>
+                  </a:txBody>
+                  <a:tcPr/>
+                </a:tc>
+              </a:tr>
+              <a:tr h="322348">
+                <a:tc>
+                  <a:txBody>
+                    <a:bodyPr/>
+                    <a:lstStyle/>
+                    <a:p>
+                      <a:r>
+                        <a:rPr lang="fr-FR" sz="1200" dirty="0" smtClean="0"/>
+                        <a:t>STOCK</a:t>
+                      </a:r>
+                      <a:endParaRPr lang="fr-FR" sz="1200" dirty="0"/>
+                    </a:p>
+                  </a:txBody>
+                  <a:tcPr/>
+                </a:tc>
+                <a:tc>
+                  <a:txBody>
+                    <a:bodyPr/>
+                    <a:lstStyle/>
+                    <a:p>
+                      <a:pPr marL="0" marR="0" indent="0" algn="l" defTabSz="914400" rtl="0" eaLnBrk="1" fontAlgn="auto" latinLnBrk="0" hangingPunct="1">
+                        <a:lnSpc>
+                          <a:spcPct val="100000"/>
+                        </a:lnSpc>
+                        <a:spcBef>
+                          <a:spcPts val="0"/>
+                        </a:spcBef>
+                        <a:spcAft>
+                          <a:spcPts val="0"/>
+                        </a:spcAft>
+                        <a:buClrTx/>
+                        <a:buSzTx/>
+                        <a:buFontTx/>
+                        <a:buNone/>
+                        <a:tabLst/>
+                        <a:defRPr/>
+                      </a:pPr>
+                      <a:r>
+                        <a:rPr lang="fr-FR" sz="1200" dirty="0" smtClean="0"/>
+                        <a:t>INTEGERNOT NULL</a:t>
+                      </a:r>
+                    </a:p>
+                  </a:txBody>
+                  <a:tcPr/>
+                </a:tc>
+              </a:tr>
+            </a:tbl>
+          </a:graphicData>
+        </a:graphic>
+      </p:graphicFrame>
+      <p:pic>
+        <p:nvPicPr>
+          <p:cNvPr id="6" name="Image 5"/>
+          <p:cNvPicPr>
+            <a:picLocks noChangeAspect="1"/>
+          </p:cNvPicPr>
+          <p:nvPr/>
+        </p:nvPicPr>
+        <p:blipFill>
+          <a:blip r:embed="rId3">
+            <a:extLst>
+              <a:ext uri="{28A0092B-C50C-407E-A947-70E740481C1C}">
+                <a14:useLocalDpi xmlns:a14="http://schemas.microsoft.com/office/drawing/2010/main" val="0"/>
+              </a:ext>
+            </a:extLst>
+          </a:blip>
+          <a:stretch>
+            <a:fillRect/>
+          </a:stretch>
+        </p:blipFill>
+        <p:spPr>
+          <a:xfrm>
+            <a:off x="5051127" y="3212976"/>
+            <a:ext cx="3553321" cy="1781424"/>
+          </a:xfrm>
+          <a:prstGeom prst="rect">
+            <a:avLst/>
+          </a:prstGeom>
+          <a:ln>
+            <a:noFill/>
+          </a:ln>
+          <a:effectLst>
+            <a:outerShdw blurRad="190500" algn="tl" rotWithShape="0">
+              <a:srgbClr val="000000">
+                <a:alpha val="70000"/>
+              </a:srgbClr>
+            </a:outerShdw>
+          </a:effectLst>
+        </p:spPr>
+      </p:pic>
+      <p:sp>
+        <p:nvSpPr>
+          <p:cNvPr id="15" name="Double flèche horizontale 14"/>
+          <p:cNvSpPr/>
+          <p:nvPr/>
+        </p:nvSpPr>
+        <p:spPr>
+          <a:xfrm>
+            <a:off x="4139952" y="3861048"/>
+            <a:ext cx="900100" cy="432048"/>
+          </a:xfrm>
+          <a:prstGeom prst="leftRightArrow">
+            <a:avLst/>
+          </a:prstGeom>
+        </p:spPr>
+        <p:style>
+          <a:lnRef idx="3">
+            <a:schemeClr val="lt1"/>
+          </a:lnRef>
+          <a:fillRef idx="1">
+            <a:schemeClr val="accent1"/>
+          </a:fillRef>
+          <a:effectRef idx="1">
+            <a:schemeClr val="accent1"/>
+          </a:effectRef>
+          <a:fontRef idx="minor">
+            <a:schemeClr val="lt1"/>
+          </a:fontRef>
+        </p:style>
+        <p:txBody>
+          <a:bodyPr rtlCol="0" anchor="ctr"/>
+          <a:lstStyle/>
+          <a:p>
+            <a:pPr algn="ctr"/>
+            <a:endParaRPr lang="fr-FR"/>
+          </a:p>
+        </p:txBody>
+      </p:sp>
+    </p:spTree>
+    <p:extLst>
+      <p:ext uri="{BB962C8B-B14F-4D97-AF65-F5344CB8AC3E}">
+        <p14:creationId xmlns:p14="http://schemas.microsoft.com/office/powerpoint/2010/main" val="788829189"/>
+      </p:ext>
+    </p:extLst>
+  </p:cSld>
+  <p:clrMapOvr>
+    <a:masterClrMapping/>
+  </p:clrMapOvr>
+  <p:timing>
+    <p:tnLst>
+      <p:par>
+        <p:cTn id="1" dur="indefinite" restart="never" nodeType="tmRoot"/>
+      </p:par>
+    </p:tnLst>
+  </p:timing>
+</p:sld>
+</file>
+
+<file path=ppt/slides/slide13.xml><?xml version="1.0" encoding="utf-8"?>
+<p:sld xmlns:a="http://schemas.openxmlformats.org/drawingml/2006/main" xmlns:r="http://schemas.openxmlformats.org/officeDocument/2006/relationships" xmlns:p="http://schemas.openxmlformats.org/presentationml/2006/main">
+  <p:cSld>
+    <p:spTree>
+      <p:nvGrpSpPr>
+        <p:cNvPr id="1" name=""/>
+        <p:cNvGrpSpPr/>
+        <p:nvPr/>
+      </p:nvGrpSpPr>
+      <p:grpSpPr>
+        <a:xfrm>
+          <a:off x="0" y="0"/>
+          <a:ext cx="0" cy="0"/>
+          <a:chOff x="0" y="0"/>
+          <a:chExt cx="0" cy="0"/>
+        </a:xfrm>
+      </p:grpSpPr>
+      <p:sp>
+        <p:nvSpPr>
+          <p:cNvPr id="2" name="Titre 1"/>
+          <p:cNvSpPr>
+            <a:spLocks noGrp="1"/>
+          </p:cNvSpPr>
+          <p:nvPr>
+            <p:ph type="ctrTitle"/>
+          </p:nvPr>
+        </p:nvSpPr>
+        <p:spPr>
+          <a:xfrm>
+            <a:off x="685800" y="806847"/>
+            <a:ext cx="7772400" cy="1470025"/>
+          </a:xfrm>
+        </p:spPr>
+        <p:txBody>
+          <a:bodyPr/>
+          <a:lstStyle/>
+          <a:p>
+            <a:r>
+              <a:rPr lang="fr-FR" dirty="0" smtClean="0"/>
+              <a:t>Réalisation</a:t>
+            </a:r>
+            <a:endParaRPr lang="fr-FR" dirty="0"/>
+          </a:p>
+        </p:txBody>
+      </p:sp>
+      <p:sp>
+        <p:nvSpPr>
+          <p:cNvPr id="3" name="Sous-titre 2"/>
+          <p:cNvSpPr>
+            <a:spLocks noGrp="1"/>
+          </p:cNvSpPr>
+          <p:nvPr>
+            <p:ph type="subTitle" idx="1"/>
+          </p:nvPr>
+        </p:nvSpPr>
+        <p:spPr>
+          <a:xfrm>
+            <a:off x="1371600" y="1772816"/>
+            <a:ext cx="6400800" cy="1752600"/>
+          </a:xfrm>
+        </p:spPr>
+        <p:txBody>
+          <a:bodyPr/>
+          <a:lstStyle/>
+          <a:p>
+            <a:r>
+              <a:rPr lang="fr-FR" dirty="0" smtClean="0">
+                <a:solidFill>
+                  <a:schemeClr val="tx1"/>
+                </a:solidFill>
+              </a:rPr>
+              <a:t>Chaque model à son service(contrôleur)</a:t>
+            </a:r>
+            <a:endParaRPr lang="fr-FR" dirty="0">
+              <a:solidFill>
+                <a:schemeClr val="tx1"/>
+              </a:solidFill>
+            </a:endParaRPr>
+          </a:p>
+        </p:txBody>
+      </p:sp>
+      <p:sp>
+        <p:nvSpPr>
+          <p:cNvPr id="9" name="Espace réservé du pied de page 8"/>
+          <p:cNvSpPr>
+            <a:spLocks noGrp="1"/>
+          </p:cNvSpPr>
+          <p:nvPr>
+            <p:ph type="ftr" sz="quarter" idx="11"/>
+          </p:nvPr>
+        </p:nvSpPr>
+        <p:spPr>
+          <a:xfrm>
+            <a:off x="2843808" y="6356350"/>
+            <a:ext cx="3456384" cy="365125"/>
+          </a:xfrm>
+        </p:spPr>
+        <p:txBody>
+          <a:bodyPr/>
+          <a:lstStyle/>
+          <a:p>
+            <a:r>
+              <a:rPr lang="fr-FR" dirty="0" smtClean="0">
+                <a:solidFill>
+                  <a:schemeClr val="tx1"/>
+                </a:solidFill>
+              </a:rPr>
+              <a:t>Université de Nantes, Licence Professionnelle SIL</a:t>
+            </a:r>
+            <a:endParaRPr lang="fr-BE" dirty="0">
+              <a:solidFill>
+                <a:schemeClr val="tx1"/>
+              </a:solidFill>
+            </a:endParaRPr>
+          </a:p>
+        </p:txBody>
+      </p:sp>
+      <p:sp>
+        <p:nvSpPr>
+          <p:cNvPr id="10" name="Espace réservé du numéro de diapositive 9"/>
+          <p:cNvSpPr>
+            <a:spLocks noGrp="1"/>
+          </p:cNvSpPr>
+          <p:nvPr>
+            <p:ph type="sldNum" sz="quarter" idx="12"/>
+          </p:nvPr>
+        </p:nvSpPr>
+        <p:spPr>
+          <a:xfrm>
+            <a:off x="6553200" y="6356350"/>
+            <a:ext cx="2133600" cy="365125"/>
+          </a:xfrm>
+        </p:spPr>
+        <p:txBody>
+          <a:bodyPr/>
+          <a:lstStyle/>
+          <a:p>
+            <a:fld id="{CF4668DC-857F-487D-BFFA-8C0CA5037977}" type="slidenum">
+              <a:rPr lang="fr-BE" smtClean="0">
+                <a:solidFill>
+                  <a:schemeClr val="tx1"/>
+                </a:solidFill>
+              </a:rPr>
+              <a:t>13</a:t>
+            </a:fld>
+            <a:endParaRPr lang="fr-BE" dirty="0">
+              <a:solidFill>
+                <a:schemeClr val="tx1"/>
+              </a:solidFill>
+            </a:endParaRPr>
+          </a:p>
+        </p:txBody>
+      </p:sp>
+      <p:pic>
+        <p:nvPicPr>
+          <p:cNvPr id="11" name="Image 10"/>
+          <p:cNvPicPr>
+            <a:picLocks noChangeAspect="1"/>
+          </p:cNvPicPr>
+          <p:nvPr/>
+        </p:nvPicPr>
+        <p:blipFill>
+          <a:blip r:embed="rId2">
+            <a:extLst>
+              <a:ext uri="{28A0092B-C50C-407E-A947-70E740481C1C}">
+                <a14:useLocalDpi xmlns:a14="http://schemas.microsoft.com/office/drawing/2010/main" val="0"/>
+              </a:ext>
+            </a:extLst>
+          </a:blip>
+          <a:stretch>
+            <a:fillRect/>
+          </a:stretch>
+        </p:blipFill>
+        <p:spPr>
+          <a:xfrm>
+            <a:off x="107504" y="133118"/>
+            <a:ext cx="1080120" cy="469618"/>
+          </a:xfrm>
+          <a:prstGeom prst="rect">
+            <a:avLst/>
+          </a:prstGeom>
+        </p:spPr>
+      </p:pic>
+      <p:sp>
+        <p:nvSpPr>
+          <p:cNvPr id="12" name="Rogner un rectangle avec un coin diagonal 11"/>
+          <p:cNvSpPr/>
+          <p:nvPr/>
+        </p:nvSpPr>
+        <p:spPr>
+          <a:xfrm>
+            <a:off x="1259632" y="0"/>
+            <a:ext cx="7848872" cy="512676"/>
+          </a:xfrm>
+          <a:prstGeom prst="snip2DiagRect">
+            <a:avLst>
+              <a:gd name="adj1" fmla="val 24520"/>
+              <a:gd name="adj2" fmla="val 23038"/>
+            </a:avLst>
+          </a:prstGeom>
+        </p:spPr>
+        <p:style>
+          <a:lnRef idx="0">
+            <a:schemeClr val="accent5"/>
+          </a:lnRef>
+          <a:fillRef idx="3">
+            <a:schemeClr val="accent5"/>
+          </a:fillRef>
+          <a:effectRef idx="3">
+            <a:schemeClr val="accent5"/>
+          </a:effectRef>
+          <a:fontRef idx="minor">
+            <a:schemeClr val="lt1"/>
+          </a:fontRef>
+        </p:style>
+        <p:txBody>
+          <a:bodyPr rtlCol="0" anchor="ctr"/>
+          <a:lstStyle/>
+          <a:p>
+            <a:pPr algn="ctr"/>
+            <a:r>
+              <a:rPr lang="fr-FR" sz="1200" dirty="0" smtClean="0">
+                <a:solidFill>
+                  <a:schemeClr val="tx1"/>
+                </a:solidFill>
+              </a:rPr>
+              <a:t>-Principe de fonctionnement -Architecture -Services de l’application -Diagramme des cas d’utilisation</a:t>
+            </a:r>
+          </a:p>
+          <a:p>
+            <a:pPr algn="ctr"/>
+            <a:r>
+              <a:rPr lang="fr-FR" sz="1200" dirty="0" smtClean="0">
+                <a:solidFill>
+                  <a:schemeClr val="tx1"/>
+                </a:solidFill>
+              </a:rPr>
+              <a:t>-Matérielle et logiciel </a:t>
+            </a:r>
+            <a:r>
+              <a:rPr lang="fr-FR" sz="1200" dirty="0" smtClean="0">
+                <a:solidFill>
+                  <a:schemeClr val="bg1"/>
+                </a:solidFill>
+              </a:rPr>
+              <a:t>-Réalisation </a:t>
+            </a:r>
+            <a:r>
+              <a:rPr lang="fr-FR" sz="1200" dirty="0" smtClean="0">
+                <a:solidFill>
+                  <a:schemeClr val="tx1"/>
+                </a:solidFill>
+              </a:rPr>
+              <a:t>-Model Vue Contrôleur -Avantages / inconvénients -Améliorations possibles</a:t>
+            </a:r>
+            <a:endParaRPr lang="fr-FR" sz="1200" dirty="0">
+              <a:solidFill>
+                <a:schemeClr val="tx1"/>
+              </a:solidFill>
+            </a:endParaRPr>
+          </a:p>
+        </p:txBody>
+      </p:sp>
+      <p:pic>
+        <p:nvPicPr>
+          <p:cNvPr id="14" name="Image 13"/>
+          <p:cNvPicPr>
+            <a:picLocks noChangeAspect="1"/>
+          </p:cNvPicPr>
+          <p:nvPr/>
+        </p:nvPicPr>
+        <p:blipFill>
+          <a:blip r:embed="rId3">
+            <a:extLst>
+              <a:ext uri="{28A0092B-C50C-407E-A947-70E740481C1C}">
+                <a14:useLocalDpi xmlns:a14="http://schemas.microsoft.com/office/drawing/2010/main" val="0"/>
+              </a:ext>
+            </a:extLst>
+          </a:blip>
+          <a:stretch>
+            <a:fillRect/>
+          </a:stretch>
+        </p:blipFill>
+        <p:spPr>
+          <a:xfrm>
+            <a:off x="1043608" y="3140968"/>
+            <a:ext cx="2048161" cy="2600688"/>
+          </a:xfrm>
+          <a:prstGeom prst="rect">
+            <a:avLst/>
+          </a:prstGeom>
+          <a:ln>
+            <a:noFill/>
+          </a:ln>
+          <a:effectLst>
+            <a:outerShdw blurRad="190500" algn="tl" rotWithShape="0">
+              <a:srgbClr val="000000">
+                <a:alpha val="70000"/>
+              </a:srgbClr>
+            </a:outerShdw>
+          </a:effectLst>
+        </p:spPr>
+      </p:pic>
+      <p:graphicFrame>
+        <p:nvGraphicFramePr>
+          <p:cNvPr id="4" name="Tableau 3"/>
+          <p:cNvGraphicFramePr>
+            <a:graphicFrameLocks noGrp="1"/>
+          </p:cNvGraphicFramePr>
+          <p:nvPr>
+            <p:extLst>
+              <p:ext uri="{D42A27DB-BD31-4B8C-83A1-F6EECF244321}">
+                <p14:modId xmlns:p14="http://schemas.microsoft.com/office/powerpoint/2010/main" val="2441935167"/>
+              </p:ext>
+            </p:extLst>
+          </p:nvPr>
+        </p:nvGraphicFramePr>
+        <p:xfrm>
+          <a:off x="4067944" y="2947814"/>
+          <a:ext cx="3984104" cy="2966720"/>
+        </p:xfrm>
+        <a:graphic>
+          <a:graphicData uri="http://schemas.openxmlformats.org/drawingml/2006/table">
+            <a:tbl>
+              <a:tblPr firstRow="1" bandRow="1">
+                <a:tableStyleId>{69CF1AB2-1976-4502-BF36-3FF5EA218861}</a:tableStyleId>
+              </a:tblPr>
+              <a:tblGrid>
+                <a:gridCol w="3984104"/>
+              </a:tblGrid>
+              <a:tr h="370840">
+                <a:tc>
+                  <a:txBody>
+                    <a:bodyPr/>
+                    <a:lstStyle/>
+                    <a:p>
+                      <a:r>
+                        <a:rPr lang="fr-FR" sz="1800" b="1" kern="1200" dirty="0" smtClean="0">
+                          <a:solidFill>
+                            <a:srgbClr val="C00000"/>
+                          </a:solidFill>
+                          <a:latin typeface="+mn-lt"/>
+                          <a:ea typeface="+mn-ea"/>
+                          <a:cs typeface="+mn-cs"/>
+                        </a:rPr>
+                        <a:t>public</a:t>
+                      </a:r>
+                      <a:r>
+                        <a:rPr lang="fr-FR" sz="1800" b="0" kern="1200" dirty="0" smtClean="0">
+                          <a:solidFill>
+                            <a:schemeClr val="dk1"/>
+                          </a:solidFill>
+                          <a:latin typeface="+mn-lt"/>
+                          <a:ea typeface="+mn-ea"/>
+                          <a:cs typeface="+mn-cs"/>
+                        </a:rPr>
+                        <a:t> </a:t>
+                      </a:r>
+                      <a:r>
+                        <a:rPr lang="fr-FR" sz="1800" b="0" kern="1200" dirty="0" err="1" smtClean="0">
+                          <a:solidFill>
+                            <a:schemeClr val="dk1"/>
+                          </a:solidFill>
+                          <a:latin typeface="+mn-lt"/>
+                          <a:ea typeface="+mn-ea"/>
+                          <a:cs typeface="+mn-cs"/>
+                        </a:rPr>
+                        <a:t>Adherent</a:t>
+                      </a:r>
+                      <a:r>
+                        <a:rPr lang="fr-FR" sz="1800" b="0" kern="1200" dirty="0" smtClean="0">
+                          <a:solidFill>
+                            <a:schemeClr val="dk1"/>
+                          </a:solidFill>
+                          <a:latin typeface="+mn-lt"/>
+                          <a:ea typeface="+mn-ea"/>
+                          <a:cs typeface="+mn-cs"/>
+                        </a:rPr>
+                        <a:t> </a:t>
+                      </a:r>
+                      <a:r>
+                        <a:rPr lang="fr-FR" sz="1800" b="0" kern="1200" dirty="0" err="1" smtClean="0">
+                          <a:solidFill>
+                            <a:schemeClr val="dk1"/>
+                          </a:solidFill>
+                          <a:latin typeface="+mn-lt"/>
+                          <a:ea typeface="+mn-ea"/>
+                          <a:cs typeface="+mn-cs"/>
+                        </a:rPr>
+                        <a:t>find</a:t>
+                      </a:r>
+                      <a:r>
+                        <a:rPr lang="fr-FR" sz="1800" b="0" kern="1200" dirty="0" smtClean="0">
+                          <a:solidFill>
+                            <a:schemeClr val="dk1"/>
+                          </a:solidFill>
+                          <a:latin typeface="+mn-lt"/>
+                          <a:ea typeface="+mn-ea"/>
+                          <a:cs typeface="+mn-cs"/>
+                        </a:rPr>
+                        <a:t>(String id);</a:t>
+                      </a:r>
+                      <a:endParaRPr lang="fr-FR" b="0" dirty="0"/>
+                    </a:p>
+                  </a:txBody>
+                  <a:tcPr/>
+                </a:tc>
+              </a:tr>
+              <a:tr h="370840">
+                <a:tc>
+                  <a:txBody>
+                    <a:bodyPr/>
+                    <a:lstStyle/>
+                    <a:p>
+                      <a:r>
+                        <a:rPr lang="fr-FR" sz="1800" b="1" kern="1200" dirty="0" smtClean="0">
+                          <a:solidFill>
+                            <a:srgbClr val="C00000"/>
+                          </a:solidFill>
+                          <a:latin typeface="+mn-lt"/>
+                          <a:ea typeface="+mn-ea"/>
+                          <a:cs typeface="+mn-cs"/>
+                        </a:rPr>
+                        <a:t>public</a:t>
+                      </a:r>
+                      <a:r>
+                        <a:rPr lang="fr-FR" sz="1800" b="0" kern="1200" dirty="0" smtClean="0">
+                          <a:solidFill>
+                            <a:schemeClr val="dk1"/>
+                          </a:solidFill>
+                          <a:latin typeface="+mn-lt"/>
+                          <a:ea typeface="+mn-ea"/>
+                          <a:cs typeface="+mn-cs"/>
+                        </a:rPr>
+                        <a:t> </a:t>
+                      </a:r>
+                      <a:r>
+                        <a:rPr lang="fr-FR" sz="1800" b="1" kern="1200" dirty="0" err="1" smtClean="0">
+                          <a:solidFill>
+                            <a:srgbClr val="C00000"/>
+                          </a:solidFill>
+                          <a:latin typeface="+mn-lt"/>
+                          <a:ea typeface="+mn-ea"/>
+                          <a:cs typeface="+mn-cs"/>
+                        </a:rPr>
+                        <a:t>void</a:t>
+                      </a:r>
+                      <a:r>
+                        <a:rPr lang="fr-FR" sz="1800" b="1" kern="1200" dirty="0" smtClean="0">
+                          <a:solidFill>
+                            <a:srgbClr val="C00000"/>
+                          </a:solidFill>
+                          <a:latin typeface="+mn-lt"/>
+                          <a:ea typeface="+mn-ea"/>
+                          <a:cs typeface="+mn-cs"/>
+                        </a:rPr>
+                        <a:t> </a:t>
+                      </a:r>
+                      <a:r>
+                        <a:rPr lang="fr-FR" sz="1800" b="0" kern="1200" dirty="0" err="1" smtClean="0">
+                          <a:solidFill>
+                            <a:schemeClr val="dk1"/>
+                          </a:solidFill>
+                          <a:latin typeface="+mn-lt"/>
+                          <a:ea typeface="+mn-ea"/>
+                          <a:cs typeface="+mn-cs"/>
+                        </a:rPr>
+                        <a:t>delete</a:t>
+                      </a:r>
+                      <a:r>
+                        <a:rPr lang="fr-FR" sz="1800" b="0" kern="1200" dirty="0" smtClean="0">
+                          <a:solidFill>
+                            <a:schemeClr val="dk1"/>
+                          </a:solidFill>
+                          <a:latin typeface="+mn-lt"/>
+                          <a:ea typeface="+mn-ea"/>
+                          <a:cs typeface="+mn-cs"/>
+                        </a:rPr>
+                        <a:t>(String id);</a:t>
+                      </a:r>
+                      <a:endParaRPr lang="fr-FR" b="0" dirty="0"/>
+                    </a:p>
+                  </a:txBody>
+                  <a:tcPr/>
+                </a:tc>
+              </a:tr>
+              <a:tr h="370840">
+                <a:tc>
+                  <a:txBody>
+                    <a:bodyPr/>
+                    <a:lstStyle/>
+                    <a:p>
+                      <a:r>
+                        <a:rPr lang="fr-FR" sz="1800" b="1" kern="1200" dirty="0" smtClean="0">
+                          <a:solidFill>
+                            <a:srgbClr val="C00000"/>
+                          </a:solidFill>
+                          <a:latin typeface="+mn-lt"/>
+                          <a:ea typeface="+mn-ea"/>
+                          <a:cs typeface="+mn-cs"/>
+                        </a:rPr>
+                        <a:t>public</a:t>
+                      </a:r>
+                      <a:r>
+                        <a:rPr lang="fr-FR" sz="1800" b="0" kern="1200" dirty="0" smtClean="0">
+                          <a:solidFill>
+                            <a:schemeClr val="dk1"/>
+                          </a:solidFill>
+                          <a:latin typeface="+mn-lt"/>
+                          <a:ea typeface="+mn-ea"/>
+                          <a:cs typeface="+mn-cs"/>
+                        </a:rPr>
+                        <a:t> </a:t>
+                      </a:r>
+                      <a:r>
+                        <a:rPr lang="fr-FR" sz="1800" b="1" kern="1200" dirty="0" err="1" smtClean="0">
+                          <a:solidFill>
+                            <a:srgbClr val="C00000"/>
+                          </a:solidFill>
+                          <a:latin typeface="+mn-lt"/>
+                          <a:ea typeface="+mn-ea"/>
+                          <a:cs typeface="+mn-cs"/>
+                        </a:rPr>
+                        <a:t>void</a:t>
+                      </a:r>
+                      <a:r>
+                        <a:rPr lang="fr-FR" sz="1800" b="0" kern="1200" dirty="0" smtClean="0">
+                          <a:solidFill>
+                            <a:schemeClr val="dk1"/>
+                          </a:solidFill>
+                          <a:latin typeface="+mn-lt"/>
+                          <a:ea typeface="+mn-ea"/>
+                          <a:cs typeface="+mn-cs"/>
+                        </a:rPr>
+                        <a:t> </a:t>
+                      </a:r>
+                      <a:r>
+                        <a:rPr lang="fr-FR" sz="1800" b="0" kern="1200" dirty="0" err="1" smtClean="0">
+                          <a:solidFill>
+                            <a:schemeClr val="dk1"/>
+                          </a:solidFill>
+                          <a:latin typeface="+mn-lt"/>
+                          <a:ea typeface="+mn-ea"/>
+                          <a:cs typeface="+mn-cs"/>
+                        </a:rPr>
+                        <a:t>delete</a:t>
+                      </a:r>
+                      <a:r>
+                        <a:rPr lang="fr-FR" sz="1800" b="0" kern="1200" dirty="0" smtClean="0">
+                          <a:solidFill>
+                            <a:schemeClr val="dk1"/>
+                          </a:solidFill>
+                          <a:latin typeface="+mn-lt"/>
+                          <a:ea typeface="+mn-ea"/>
+                          <a:cs typeface="+mn-cs"/>
+                        </a:rPr>
+                        <a:t>(</a:t>
+                      </a:r>
+                      <a:r>
+                        <a:rPr lang="fr-FR" sz="1800" b="0" kern="1200" dirty="0" err="1" smtClean="0">
+                          <a:solidFill>
+                            <a:schemeClr val="dk1"/>
+                          </a:solidFill>
+                          <a:latin typeface="+mn-lt"/>
+                          <a:ea typeface="+mn-ea"/>
+                          <a:cs typeface="+mn-cs"/>
+                        </a:rPr>
+                        <a:t>Adherent</a:t>
+                      </a:r>
+                      <a:r>
+                        <a:rPr lang="fr-FR" sz="1800" b="0" kern="1200" dirty="0" smtClean="0">
+                          <a:solidFill>
+                            <a:schemeClr val="dk1"/>
+                          </a:solidFill>
+                          <a:latin typeface="+mn-lt"/>
+                          <a:ea typeface="+mn-ea"/>
+                          <a:cs typeface="+mn-cs"/>
+                        </a:rPr>
+                        <a:t> </a:t>
+                      </a:r>
+                      <a:r>
+                        <a:rPr lang="fr-FR" sz="1800" b="0" kern="1200" dirty="0" err="1" smtClean="0">
+                          <a:solidFill>
+                            <a:schemeClr val="dk1"/>
+                          </a:solidFill>
+                          <a:latin typeface="+mn-lt"/>
+                          <a:ea typeface="+mn-ea"/>
+                          <a:cs typeface="+mn-cs"/>
+                        </a:rPr>
+                        <a:t>adherent</a:t>
+                      </a:r>
+                      <a:r>
+                        <a:rPr lang="fr-FR" sz="1800" b="0" kern="1200" dirty="0" smtClean="0">
+                          <a:solidFill>
+                            <a:schemeClr val="dk1"/>
+                          </a:solidFill>
+                          <a:latin typeface="+mn-lt"/>
+                          <a:ea typeface="+mn-ea"/>
+                          <a:cs typeface="+mn-cs"/>
+                        </a:rPr>
+                        <a:t>);</a:t>
+                      </a:r>
+                      <a:endParaRPr lang="fr-FR" b="0" dirty="0"/>
+                    </a:p>
+                  </a:txBody>
+                  <a:tcPr/>
+                </a:tc>
+              </a:tr>
+              <a:tr h="370840">
+                <a:tc>
+                  <a:txBody>
+                    <a:bodyPr/>
+                    <a:lstStyle/>
+                    <a:p>
+                      <a:r>
+                        <a:rPr lang="fr-FR" sz="1800" b="1" kern="1200" dirty="0" smtClean="0">
+                          <a:solidFill>
+                            <a:srgbClr val="C00000"/>
+                          </a:solidFill>
+                          <a:latin typeface="+mn-lt"/>
+                          <a:ea typeface="+mn-ea"/>
+                          <a:cs typeface="+mn-cs"/>
+                        </a:rPr>
+                        <a:t>public </a:t>
+                      </a:r>
+                      <a:r>
+                        <a:rPr lang="fr-FR" sz="1800" b="1" kern="1200" dirty="0" err="1" smtClean="0">
+                          <a:solidFill>
+                            <a:srgbClr val="C00000"/>
+                          </a:solidFill>
+                          <a:latin typeface="+mn-lt"/>
+                          <a:ea typeface="+mn-ea"/>
+                          <a:cs typeface="+mn-cs"/>
+                        </a:rPr>
+                        <a:t>void</a:t>
+                      </a:r>
+                      <a:r>
+                        <a:rPr lang="fr-FR" sz="1800" b="0" kern="1200" dirty="0" smtClean="0">
+                          <a:solidFill>
+                            <a:schemeClr val="dk1"/>
+                          </a:solidFill>
+                          <a:latin typeface="+mn-lt"/>
+                          <a:ea typeface="+mn-ea"/>
+                          <a:cs typeface="+mn-cs"/>
+                        </a:rPr>
+                        <a:t> </a:t>
+                      </a:r>
+                      <a:r>
+                        <a:rPr lang="fr-FR" sz="1800" b="0" kern="1200" dirty="0" err="1" smtClean="0">
+                          <a:solidFill>
+                            <a:schemeClr val="dk1"/>
+                          </a:solidFill>
+                          <a:latin typeface="+mn-lt"/>
+                          <a:ea typeface="+mn-ea"/>
+                          <a:cs typeface="+mn-cs"/>
+                        </a:rPr>
+                        <a:t>create</a:t>
+                      </a:r>
+                      <a:r>
+                        <a:rPr lang="fr-FR" sz="1800" b="0" kern="1200" dirty="0" smtClean="0">
+                          <a:solidFill>
+                            <a:schemeClr val="dk1"/>
+                          </a:solidFill>
+                          <a:latin typeface="+mn-lt"/>
+                          <a:ea typeface="+mn-ea"/>
+                          <a:cs typeface="+mn-cs"/>
+                        </a:rPr>
+                        <a:t>(</a:t>
+                      </a:r>
+                      <a:r>
+                        <a:rPr lang="fr-FR" sz="1800" b="0" kern="1200" dirty="0" err="1" smtClean="0">
+                          <a:solidFill>
+                            <a:schemeClr val="dk1"/>
+                          </a:solidFill>
+                          <a:latin typeface="+mn-lt"/>
+                          <a:ea typeface="+mn-ea"/>
+                          <a:cs typeface="+mn-cs"/>
+                        </a:rPr>
+                        <a:t>Adherent</a:t>
+                      </a:r>
+                      <a:r>
+                        <a:rPr lang="fr-FR" sz="1800" b="0" kern="1200" dirty="0" smtClean="0">
+                          <a:solidFill>
+                            <a:schemeClr val="dk1"/>
+                          </a:solidFill>
+                          <a:latin typeface="+mn-lt"/>
+                          <a:ea typeface="+mn-ea"/>
+                          <a:cs typeface="+mn-cs"/>
+                        </a:rPr>
+                        <a:t> </a:t>
+                      </a:r>
+                      <a:r>
+                        <a:rPr lang="fr-FR" sz="1800" b="0" kern="1200" dirty="0" err="1" smtClean="0">
+                          <a:solidFill>
+                            <a:schemeClr val="dk1"/>
+                          </a:solidFill>
+                          <a:latin typeface="+mn-lt"/>
+                          <a:ea typeface="+mn-ea"/>
+                          <a:cs typeface="+mn-cs"/>
+                        </a:rPr>
+                        <a:t>adherent</a:t>
+                      </a:r>
+                      <a:r>
+                        <a:rPr lang="fr-FR" sz="1800" b="0" kern="1200" dirty="0" smtClean="0">
+                          <a:solidFill>
+                            <a:schemeClr val="dk1"/>
+                          </a:solidFill>
+                          <a:latin typeface="+mn-lt"/>
+                          <a:ea typeface="+mn-ea"/>
+                          <a:cs typeface="+mn-cs"/>
+                        </a:rPr>
+                        <a:t>);</a:t>
+                      </a:r>
+                      <a:endParaRPr lang="fr-FR" b="0" dirty="0"/>
+                    </a:p>
+                  </a:txBody>
+                  <a:tcPr/>
+                </a:tc>
+              </a:tr>
+              <a:tr h="370840">
+                <a:tc>
+                  <a:txBody>
+                    <a:bodyPr/>
+                    <a:lstStyle/>
+                    <a:p>
+                      <a:r>
+                        <a:rPr lang="fr-FR" sz="1800" b="1" kern="1200" dirty="0" smtClean="0">
+                          <a:solidFill>
+                            <a:srgbClr val="C00000"/>
+                          </a:solidFill>
+                          <a:latin typeface="+mn-lt"/>
+                          <a:ea typeface="+mn-ea"/>
+                          <a:cs typeface="+mn-cs"/>
+                        </a:rPr>
+                        <a:t>public</a:t>
+                      </a:r>
+                      <a:r>
+                        <a:rPr lang="fr-FR" sz="1800" b="0" kern="1200" dirty="0" smtClean="0">
+                          <a:solidFill>
+                            <a:schemeClr val="dk1"/>
+                          </a:solidFill>
+                          <a:latin typeface="+mn-lt"/>
+                          <a:ea typeface="+mn-ea"/>
+                          <a:cs typeface="+mn-cs"/>
+                        </a:rPr>
+                        <a:t> </a:t>
+                      </a:r>
+                      <a:r>
+                        <a:rPr lang="fr-FR" sz="1800" b="1" kern="1200" dirty="0" err="1" smtClean="0">
+                          <a:solidFill>
+                            <a:srgbClr val="C00000"/>
+                          </a:solidFill>
+                          <a:latin typeface="+mn-lt"/>
+                          <a:ea typeface="+mn-ea"/>
+                          <a:cs typeface="+mn-cs"/>
+                        </a:rPr>
+                        <a:t>void</a:t>
+                      </a:r>
+                      <a:r>
+                        <a:rPr lang="fr-FR" sz="1800" b="0" kern="1200" dirty="0" smtClean="0">
+                          <a:solidFill>
+                            <a:schemeClr val="dk1"/>
+                          </a:solidFill>
+                          <a:latin typeface="+mn-lt"/>
+                          <a:ea typeface="+mn-ea"/>
+                          <a:cs typeface="+mn-cs"/>
+                        </a:rPr>
+                        <a:t> update(</a:t>
+                      </a:r>
+                      <a:r>
+                        <a:rPr lang="fr-FR" sz="1800" b="0" kern="1200" dirty="0" err="1" smtClean="0">
+                          <a:solidFill>
+                            <a:schemeClr val="dk1"/>
+                          </a:solidFill>
+                          <a:latin typeface="+mn-lt"/>
+                          <a:ea typeface="+mn-ea"/>
+                          <a:cs typeface="+mn-cs"/>
+                        </a:rPr>
+                        <a:t>Adherent</a:t>
+                      </a:r>
+                      <a:r>
+                        <a:rPr lang="fr-FR" sz="1800" b="0" kern="1200" dirty="0" smtClean="0">
+                          <a:solidFill>
+                            <a:schemeClr val="dk1"/>
+                          </a:solidFill>
+                          <a:latin typeface="+mn-lt"/>
+                          <a:ea typeface="+mn-ea"/>
+                          <a:cs typeface="+mn-cs"/>
+                        </a:rPr>
+                        <a:t> </a:t>
+                      </a:r>
+                      <a:r>
+                        <a:rPr lang="fr-FR" sz="1800" b="0" kern="1200" dirty="0" err="1" smtClean="0">
+                          <a:solidFill>
+                            <a:schemeClr val="dk1"/>
+                          </a:solidFill>
+                          <a:latin typeface="+mn-lt"/>
+                          <a:ea typeface="+mn-ea"/>
+                          <a:cs typeface="+mn-cs"/>
+                        </a:rPr>
+                        <a:t>adherent</a:t>
+                      </a:r>
+                      <a:r>
+                        <a:rPr lang="fr-FR" sz="1800" b="0" kern="1200" dirty="0" smtClean="0">
+                          <a:solidFill>
+                            <a:schemeClr val="dk1"/>
+                          </a:solidFill>
+                          <a:latin typeface="+mn-lt"/>
+                          <a:ea typeface="+mn-ea"/>
+                          <a:cs typeface="+mn-cs"/>
+                        </a:rPr>
+                        <a:t>);</a:t>
+                      </a:r>
+                      <a:endParaRPr lang="fr-FR" b="0" dirty="0"/>
+                    </a:p>
+                  </a:txBody>
+                  <a:tcPr/>
+                </a:tc>
+              </a:tr>
+              <a:tr h="370840">
+                <a:tc>
+                  <a:txBody>
+                    <a:bodyPr/>
+                    <a:lstStyle/>
+                    <a:p>
+                      <a:r>
+                        <a:rPr lang="fr-FR" sz="1800" b="1" kern="1200" dirty="0" smtClean="0">
+                          <a:solidFill>
+                            <a:srgbClr val="C00000"/>
+                          </a:solidFill>
+                          <a:latin typeface="+mn-lt"/>
+                          <a:ea typeface="+mn-ea"/>
+                          <a:cs typeface="+mn-cs"/>
+                        </a:rPr>
+                        <a:t>public</a:t>
+                      </a:r>
+                      <a:r>
+                        <a:rPr lang="fr-FR" sz="1800" b="0" kern="1200" dirty="0" smtClean="0">
+                          <a:solidFill>
+                            <a:schemeClr val="dk1"/>
+                          </a:solidFill>
+                          <a:latin typeface="+mn-lt"/>
+                          <a:ea typeface="+mn-ea"/>
+                          <a:cs typeface="+mn-cs"/>
+                        </a:rPr>
+                        <a:t> </a:t>
+                      </a:r>
+                      <a:r>
+                        <a:rPr lang="fr-FR" sz="1800" b="1" kern="1200" dirty="0" err="1" smtClean="0">
+                          <a:solidFill>
+                            <a:srgbClr val="C00000"/>
+                          </a:solidFill>
+                          <a:latin typeface="+mn-lt"/>
+                          <a:ea typeface="+mn-ea"/>
+                          <a:cs typeface="+mn-cs"/>
+                        </a:rPr>
+                        <a:t>void</a:t>
+                      </a:r>
+                      <a:r>
+                        <a:rPr lang="fr-FR" sz="1800" b="0" kern="1200" dirty="0" smtClean="0">
+                          <a:solidFill>
+                            <a:schemeClr val="dk1"/>
+                          </a:solidFill>
+                          <a:latin typeface="+mn-lt"/>
+                          <a:ea typeface="+mn-ea"/>
+                          <a:cs typeface="+mn-cs"/>
+                        </a:rPr>
+                        <a:t> </a:t>
+                      </a:r>
+                      <a:r>
+                        <a:rPr lang="fr-FR" sz="1800" b="0" kern="1200" dirty="0" err="1" smtClean="0">
+                          <a:solidFill>
+                            <a:schemeClr val="dk1"/>
+                          </a:solidFill>
+                          <a:latin typeface="+mn-lt"/>
+                          <a:ea typeface="+mn-ea"/>
+                          <a:cs typeface="+mn-cs"/>
+                        </a:rPr>
+                        <a:t>closeConnection</a:t>
+                      </a:r>
+                      <a:r>
+                        <a:rPr lang="fr-FR" sz="1800" b="0" kern="1200" dirty="0" smtClean="0">
+                          <a:solidFill>
+                            <a:schemeClr val="dk1"/>
+                          </a:solidFill>
+                          <a:latin typeface="+mn-lt"/>
+                          <a:ea typeface="+mn-ea"/>
+                          <a:cs typeface="+mn-cs"/>
+                        </a:rPr>
+                        <a:t>();</a:t>
+                      </a:r>
+                      <a:endParaRPr lang="fr-FR" b="0" dirty="0"/>
+                    </a:p>
+                  </a:txBody>
+                  <a:tcPr/>
+                </a:tc>
+              </a:tr>
+              <a:tr h="370840">
+                <a:tc>
+                  <a:txBody>
+                    <a:bodyPr/>
+                    <a:lstStyle/>
+                    <a:p>
+                      <a:r>
+                        <a:rPr lang="fr-FR" sz="1800" b="1" kern="1200" dirty="0" smtClean="0">
+                          <a:solidFill>
+                            <a:srgbClr val="C00000"/>
+                          </a:solidFill>
+                          <a:latin typeface="+mn-lt"/>
+                          <a:ea typeface="+mn-ea"/>
+                          <a:cs typeface="+mn-cs"/>
+                        </a:rPr>
+                        <a:t>public</a:t>
+                      </a:r>
+                      <a:r>
+                        <a:rPr lang="fr-FR" sz="1800" b="0" kern="1200" dirty="0" smtClean="0">
+                          <a:solidFill>
+                            <a:schemeClr val="dk1"/>
+                          </a:solidFill>
+                          <a:latin typeface="+mn-lt"/>
+                          <a:ea typeface="+mn-ea"/>
+                          <a:cs typeface="+mn-cs"/>
+                        </a:rPr>
+                        <a:t> List&lt;</a:t>
+                      </a:r>
+                      <a:r>
+                        <a:rPr lang="fr-FR" sz="1800" b="0" kern="1200" dirty="0" err="1" smtClean="0">
+                          <a:solidFill>
+                            <a:schemeClr val="dk1"/>
+                          </a:solidFill>
+                          <a:latin typeface="+mn-lt"/>
+                          <a:ea typeface="+mn-ea"/>
+                          <a:cs typeface="+mn-cs"/>
+                        </a:rPr>
+                        <a:t>Adherent</a:t>
+                      </a:r>
+                      <a:r>
+                        <a:rPr lang="fr-FR" sz="1800" b="0" kern="1200" dirty="0" smtClean="0">
+                          <a:solidFill>
+                            <a:schemeClr val="dk1"/>
+                          </a:solidFill>
+                          <a:latin typeface="+mn-lt"/>
+                          <a:ea typeface="+mn-ea"/>
+                          <a:cs typeface="+mn-cs"/>
+                        </a:rPr>
+                        <a:t>&gt; </a:t>
+                      </a:r>
+                      <a:r>
+                        <a:rPr lang="fr-FR" sz="1800" b="0" kern="1200" dirty="0" err="1" smtClean="0">
+                          <a:solidFill>
+                            <a:schemeClr val="dk1"/>
+                          </a:solidFill>
+                          <a:latin typeface="+mn-lt"/>
+                          <a:ea typeface="+mn-ea"/>
+                          <a:cs typeface="+mn-cs"/>
+                        </a:rPr>
+                        <a:t>listAll</a:t>
+                      </a:r>
+                      <a:r>
+                        <a:rPr lang="fr-FR" sz="1800" b="0" kern="1200" dirty="0" smtClean="0">
+                          <a:solidFill>
+                            <a:schemeClr val="dk1"/>
+                          </a:solidFill>
+                          <a:latin typeface="+mn-lt"/>
+                          <a:ea typeface="+mn-ea"/>
+                          <a:cs typeface="+mn-cs"/>
+                        </a:rPr>
+                        <a:t>();</a:t>
+                      </a:r>
+                      <a:endParaRPr lang="fr-FR" b="0" dirty="0"/>
+                    </a:p>
+                  </a:txBody>
+                  <a:tcPr/>
+                </a:tc>
+              </a:tr>
+              <a:tr h="370840">
+                <a:tc>
+                  <a:txBody>
+                    <a:bodyPr/>
+                    <a:lstStyle/>
+                    <a:p>
+                      <a:r>
+                        <a:rPr lang="fr-FR" b="1" dirty="0" smtClean="0"/>
+                        <a:t>…</a:t>
+                      </a:r>
+                      <a:endParaRPr lang="fr-FR" b="1" dirty="0"/>
+                    </a:p>
+                  </a:txBody>
+                  <a:tcPr/>
+                </a:tc>
+              </a:tr>
+            </a:tbl>
+          </a:graphicData>
+        </a:graphic>
+      </p:graphicFrame>
+      <p:cxnSp>
+        <p:nvCxnSpPr>
+          <p:cNvPr id="7" name="Connecteur droit avec flèche 6"/>
+          <p:cNvCxnSpPr>
+            <a:stCxn id="14" idx="3"/>
+          </p:cNvCxnSpPr>
+          <p:nvPr/>
+        </p:nvCxnSpPr>
+        <p:spPr>
+          <a:xfrm>
+            <a:off x="3091769" y="4441312"/>
+            <a:ext cx="976175" cy="931904"/>
+          </a:xfrm>
+          <a:prstGeom prst="straightConnector1">
+            <a:avLst/>
+          </a:prstGeom>
+          <a:ln>
+            <a:headEnd type="arrow"/>
+            <a:tailEnd type="arrow"/>
+          </a:ln>
+        </p:spPr>
+        <p:style>
+          <a:lnRef idx="2">
+            <a:schemeClr val="accent2"/>
+          </a:lnRef>
+          <a:fillRef idx="0">
+            <a:schemeClr val="accent2"/>
+          </a:fillRef>
+          <a:effectRef idx="1">
+            <a:schemeClr val="accent2"/>
+          </a:effectRef>
+          <a:fontRef idx="minor">
+            <a:schemeClr val="tx1"/>
+          </a:fontRef>
+        </p:style>
+      </p:cxnSp>
+      <p:cxnSp>
+        <p:nvCxnSpPr>
+          <p:cNvPr id="15" name="Connecteur droit avec flèche 14"/>
+          <p:cNvCxnSpPr/>
+          <p:nvPr/>
+        </p:nvCxnSpPr>
+        <p:spPr>
+          <a:xfrm>
+            <a:off x="3091768" y="4441312"/>
+            <a:ext cx="976176" cy="571864"/>
+          </a:xfrm>
+          <a:prstGeom prst="straightConnector1">
+            <a:avLst/>
+          </a:prstGeom>
+          <a:ln>
+            <a:headEnd type="arrow"/>
+            <a:tailEnd type="arrow"/>
+          </a:ln>
+        </p:spPr>
+        <p:style>
+          <a:lnRef idx="2">
+            <a:schemeClr val="accent2"/>
+          </a:lnRef>
+          <a:fillRef idx="0">
+            <a:schemeClr val="accent2"/>
+          </a:fillRef>
+          <a:effectRef idx="1">
+            <a:schemeClr val="accent2"/>
+          </a:effectRef>
+          <a:fontRef idx="minor">
+            <a:schemeClr val="tx1"/>
+          </a:fontRef>
+        </p:style>
+      </p:cxnSp>
+      <p:cxnSp>
+        <p:nvCxnSpPr>
+          <p:cNvPr id="16" name="Connecteur droit avec flèche 15"/>
+          <p:cNvCxnSpPr/>
+          <p:nvPr/>
+        </p:nvCxnSpPr>
+        <p:spPr>
+          <a:xfrm>
+            <a:off x="3074984" y="4441312"/>
+            <a:ext cx="992960" cy="211824"/>
+          </a:xfrm>
+          <a:prstGeom prst="straightConnector1">
+            <a:avLst/>
+          </a:prstGeom>
+          <a:ln>
+            <a:headEnd type="arrow"/>
+            <a:tailEnd type="arrow"/>
+          </a:ln>
+        </p:spPr>
+        <p:style>
+          <a:lnRef idx="2">
+            <a:schemeClr val="accent2"/>
+          </a:lnRef>
+          <a:fillRef idx="0">
+            <a:schemeClr val="accent2"/>
+          </a:fillRef>
+          <a:effectRef idx="1">
+            <a:schemeClr val="accent2"/>
+          </a:effectRef>
+          <a:fontRef idx="minor">
+            <a:schemeClr val="tx1"/>
+          </a:fontRef>
+        </p:style>
+      </p:cxnSp>
+      <p:cxnSp>
+        <p:nvCxnSpPr>
+          <p:cNvPr id="18" name="Connecteur droit avec flèche 17"/>
+          <p:cNvCxnSpPr/>
+          <p:nvPr/>
+        </p:nvCxnSpPr>
+        <p:spPr>
+          <a:xfrm flipV="1">
+            <a:off x="3099781" y="4293096"/>
+            <a:ext cx="976175" cy="148216"/>
+          </a:xfrm>
+          <a:prstGeom prst="straightConnector1">
+            <a:avLst/>
+          </a:prstGeom>
+          <a:ln>
+            <a:headEnd type="arrow"/>
+            <a:tailEnd type="arrow"/>
+          </a:ln>
+        </p:spPr>
+        <p:style>
+          <a:lnRef idx="2">
+            <a:schemeClr val="accent2"/>
+          </a:lnRef>
+          <a:fillRef idx="0">
+            <a:schemeClr val="accent2"/>
+          </a:fillRef>
+          <a:effectRef idx="1">
+            <a:schemeClr val="accent2"/>
+          </a:effectRef>
+          <a:fontRef idx="minor">
+            <a:schemeClr val="tx1"/>
+          </a:fontRef>
+        </p:style>
+      </p:cxnSp>
+      <p:cxnSp>
+        <p:nvCxnSpPr>
+          <p:cNvPr id="20" name="Connecteur droit avec flèche 19"/>
+          <p:cNvCxnSpPr>
+            <a:stCxn id="14" idx="3"/>
+          </p:cNvCxnSpPr>
+          <p:nvPr/>
+        </p:nvCxnSpPr>
+        <p:spPr>
+          <a:xfrm flipV="1">
+            <a:off x="3091769" y="3861048"/>
+            <a:ext cx="976175" cy="580264"/>
+          </a:xfrm>
+          <a:prstGeom prst="straightConnector1">
+            <a:avLst/>
+          </a:prstGeom>
+          <a:ln>
+            <a:headEnd type="arrow"/>
+            <a:tailEnd type="arrow"/>
+          </a:ln>
+        </p:spPr>
+        <p:style>
+          <a:lnRef idx="2">
+            <a:schemeClr val="accent2"/>
+          </a:lnRef>
+          <a:fillRef idx="0">
+            <a:schemeClr val="accent2"/>
+          </a:fillRef>
+          <a:effectRef idx="1">
+            <a:schemeClr val="accent2"/>
+          </a:effectRef>
+          <a:fontRef idx="minor">
+            <a:schemeClr val="tx1"/>
+          </a:fontRef>
+        </p:style>
+      </p:cxnSp>
+      <p:cxnSp>
+        <p:nvCxnSpPr>
+          <p:cNvPr id="23" name="Connecteur droit avec flèche 22"/>
+          <p:cNvCxnSpPr/>
+          <p:nvPr/>
+        </p:nvCxnSpPr>
+        <p:spPr>
+          <a:xfrm flipV="1">
+            <a:off x="3083376" y="3501008"/>
+            <a:ext cx="992580" cy="940304"/>
+          </a:xfrm>
+          <a:prstGeom prst="straightConnector1">
+            <a:avLst/>
+          </a:prstGeom>
+          <a:ln>
+            <a:headEnd type="arrow"/>
+            <a:tailEnd type="arrow"/>
+          </a:ln>
+        </p:spPr>
+        <p:style>
+          <a:lnRef idx="2">
+            <a:schemeClr val="accent2"/>
+          </a:lnRef>
+          <a:fillRef idx="0">
+            <a:schemeClr val="accent2"/>
+          </a:fillRef>
+          <a:effectRef idx="1">
+            <a:schemeClr val="accent2"/>
+          </a:effectRef>
+          <a:fontRef idx="minor">
+            <a:schemeClr val="tx1"/>
+          </a:fontRef>
+        </p:style>
+      </p:cxnSp>
+      <p:cxnSp>
+        <p:nvCxnSpPr>
+          <p:cNvPr id="25" name="Connecteur droit avec flèche 24"/>
+          <p:cNvCxnSpPr/>
+          <p:nvPr/>
+        </p:nvCxnSpPr>
+        <p:spPr>
+          <a:xfrm flipV="1">
+            <a:off x="3099781" y="3140968"/>
+            <a:ext cx="976175" cy="1300344"/>
+          </a:xfrm>
+          <a:prstGeom prst="straightConnector1">
+            <a:avLst/>
+          </a:prstGeom>
+          <a:ln>
+            <a:headEnd type="arrow"/>
+            <a:tailEnd type="arrow"/>
+          </a:ln>
+        </p:spPr>
+        <p:style>
+          <a:lnRef idx="2">
+            <a:schemeClr val="accent2"/>
+          </a:lnRef>
+          <a:fillRef idx="0">
+            <a:schemeClr val="accent2"/>
+          </a:fillRef>
+          <a:effectRef idx="1">
+            <a:schemeClr val="accent2"/>
+          </a:effectRef>
+          <a:fontRef idx="minor">
+            <a:schemeClr val="tx1"/>
+          </a:fontRef>
+        </p:style>
+      </p:cxnSp>
+      <p:cxnSp>
+        <p:nvCxnSpPr>
+          <p:cNvPr id="27" name="Connecteur droit avec flèche 26"/>
+          <p:cNvCxnSpPr/>
+          <p:nvPr/>
+        </p:nvCxnSpPr>
+        <p:spPr>
+          <a:xfrm>
+            <a:off x="3074984" y="4480734"/>
+            <a:ext cx="1000972" cy="1260922"/>
+          </a:xfrm>
+          <a:prstGeom prst="straightConnector1">
+            <a:avLst/>
+          </a:prstGeom>
+          <a:ln>
+            <a:headEnd type="arrow"/>
+            <a:tailEnd type="arrow"/>
+          </a:ln>
+        </p:spPr>
+        <p:style>
+          <a:lnRef idx="2">
+            <a:schemeClr val="accent2"/>
+          </a:lnRef>
+          <a:fillRef idx="0">
+            <a:schemeClr val="accent2"/>
+          </a:fillRef>
+          <a:effectRef idx="1">
+            <a:schemeClr val="accent2"/>
+          </a:effectRef>
+          <a:fontRef idx="minor">
+            <a:schemeClr val="tx1"/>
+          </a:fontRef>
+        </p:style>
+      </p:cxnSp>
+    </p:spTree>
+    <p:extLst>
+      <p:ext uri="{BB962C8B-B14F-4D97-AF65-F5344CB8AC3E}">
+        <p14:creationId xmlns:p14="http://schemas.microsoft.com/office/powerpoint/2010/main" val="1459958192"/>
+      </p:ext>
+    </p:extLst>
+  </p:cSld>
+  <p:clrMapOvr>
+    <a:masterClrMapping/>
+  </p:clrMapOvr>
+  <p:timing>
+    <p:tnLst>
+      <p:par>
+        <p:cTn id="1" dur="indefinite" restart="never" nodeType="tmRoot"/>
+      </p:par>
+    </p:tnLst>
+  </p:timing>
+</p:sld>
+</file>
+
+<file path=ppt/slides/slide14.xml><?xml version="1.0" encoding="utf-8"?>
+<p:sld xmlns:a="http://schemas.openxmlformats.org/drawingml/2006/main" xmlns:r="http://schemas.openxmlformats.org/officeDocument/2006/relationships" xmlns:p="http://schemas.openxmlformats.org/presentationml/2006/main">
+  <p:cSld>
+    <p:spTree>
+      <p:nvGrpSpPr>
+        <p:cNvPr id="1" name=""/>
+        <p:cNvGrpSpPr/>
+        <p:nvPr/>
+      </p:nvGrpSpPr>
+      <p:grpSpPr>
+        <a:xfrm>
+          <a:off x="0" y="0"/>
+          <a:ext cx="0" cy="0"/>
+          <a:chOff x="0" y="0"/>
+          <a:chExt cx="0" cy="0"/>
+        </a:xfrm>
+      </p:grpSpPr>
+      <p:sp>
+        <p:nvSpPr>
+          <p:cNvPr id="2" name="Titre 1"/>
+          <p:cNvSpPr>
+            <a:spLocks noGrp="1"/>
+          </p:cNvSpPr>
+          <p:nvPr>
+            <p:ph type="ctrTitle"/>
+          </p:nvPr>
+        </p:nvSpPr>
+        <p:spPr>
+          <a:xfrm>
+            <a:off x="685800" y="806847"/>
+            <a:ext cx="7772400" cy="1470025"/>
+          </a:xfrm>
+        </p:spPr>
+        <p:txBody>
+          <a:bodyPr/>
+          <a:lstStyle/>
+          <a:p>
+            <a:r>
+              <a:rPr lang="fr-FR" dirty="0" smtClean="0"/>
+              <a:t>Réalisation</a:t>
+            </a:r>
+            <a:endParaRPr lang="fr-FR" dirty="0"/>
+          </a:p>
+        </p:txBody>
+      </p:sp>
+      <p:sp>
+        <p:nvSpPr>
+          <p:cNvPr id="3" name="Sous-titre 2"/>
+          <p:cNvSpPr>
+            <a:spLocks noGrp="1"/>
+          </p:cNvSpPr>
+          <p:nvPr>
+            <p:ph type="subTitle" idx="1"/>
+          </p:nvPr>
+        </p:nvSpPr>
+        <p:spPr>
+          <a:xfrm>
+            <a:off x="1371600" y="1772816"/>
+            <a:ext cx="6400800" cy="1752600"/>
+          </a:xfrm>
+        </p:spPr>
+        <p:txBody>
+          <a:bodyPr/>
+          <a:lstStyle/>
+          <a:p>
+            <a:r>
+              <a:rPr lang="fr-FR" dirty="0" smtClean="0">
+                <a:solidFill>
+                  <a:schemeClr val="tx1"/>
+                </a:solidFill>
+              </a:rPr>
+              <a:t>La vue</a:t>
+            </a:r>
+            <a:endParaRPr lang="fr-FR" dirty="0">
+              <a:solidFill>
+                <a:schemeClr val="tx1"/>
+              </a:solidFill>
+            </a:endParaRPr>
+          </a:p>
+        </p:txBody>
+      </p:sp>
+      <p:sp>
+        <p:nvSpPr>
+          <p:cNvPr id="9" name="Espace réservé du pied de page 8"/>
+          <p:cNvSpPr>
+            <a:spLocks noGrp="1"/>
+          </p:cNvSpPr>
+          <p:nvPr>
+            <p:ph type="ftr" sz="quarter" idx="11"/>
+          </p:nvPr>
+        </p:nvSpPr>
+        <p:spPr>
+          <a:xfrm>
+            <a:off x="2843808" y="6356350"/>
+            <a:ext cx="3456384" cy="365125"/>
+          </a:xfrm>
+        </p:spPr>
+        <p:txBody>
+          <a:bodyPr/>
+          <a:lstStyle/>
+          <a:p>
+            <a:r>
+              <a:rPr lang="fr-FR" dirty="0" smtClean="0">
+                <a:solidFill>
+                  <a:schemeClr val="tx1"/>
+                </a:solidFill>
+              </a:rPr>
+              <a:t>Université de Nantes, Licence Professionnelle SIL</a:t>
+            </a:r>
+            <a:endParaRPr lang="fr-BE" dirty="0">
+              <a:solidFill>
+                <a:schemeClr val="tx1"/>
+              </a:solidFill>
+            </a:endParaRPr>
+          </a:p>
+        </p:txBody>
+      </p:sp>
+      <p:sp>
+        <p:nvSpPr>
+          <p:cNvPr id="10" name="Espace réservé du numéro de diapositive 9"/>
+          <p:cNvSpPr>
+            <a:spLocks noGrp="1"/>
+          </p:cNvSpPr>
+          <p:nvPr>
+            <p:ph type="sldNum" sz="quarter" idx="12"/>
+          </p:nvPr>
+        </p:nvSpPr>
+        <p:spPr>
+          <a:xfrm>
+            <a:off x="6553200" y="6356350"/>
+            <a:ext cx="2133600" cy="365125"/>
+          </a:xfrm>
+        </p:spPr>
+        <p:txBody>
+          <a:bodyPr/>
+          <a:lstStyle/>
+          <a:p>
+            <a:fld id="{CF4668DC-857F-487D-BFFA-8C0CA5037977}" type="slidenum">
+              <a:rPr lang="fr-BE" smtClean="0">
+                <a:solidFill>
+                  <a:schemeClr val="tx1"/>
+                </a:solidFill>
+              </a:rPr>
+              <a:t>14</a:t>
+            </a:fld>
+            <a:endParaRPr lang="fr-BE" dirty="0">
+              <a:solidFill>
+                <a:schemeClr val="tx1"/>
+              </a:solidFill>
+            </a:endParaRPr>
+          </a:p>
+        </p:txBody>
+      </p:sp>
+      <p:pic>
+        <p:nvPicPr>
+          <p:cNvPr id="11" name="Image 10"/>
+          <p:cNvPicPr>
+            <a:picLocks noChangeAspect="1"/>
+          </p:cNvPicPr>
+          <p:nvPr/>
+        </p:nvPicPr>
+        <p:blipFill>
+          <a:blip r:embed="rId2">
+            <a:extLst>
+              <a:ext uri="{28A0092B-C50C-407E-A947-70E740481C1C}">
+                <a14:useLocalDpi xmlns:a14="http://schemas.microsoft.com/office/drawing/2010/main" val="0"/>
+              </a:ext>
+            </a:extLst>
+          </a:blip>
+          <a:stretch>
+            <a:fillRect/>
+          </a:stretch>
+        </p:blipFill>
+        <p:spPr>
+          <a:xfrm>
+            <a:off x="107504" y="133118"/>
+            <a:ext cx="1080120" cy="469618"/>
+          </a:xfrm>
+          <a:prstGeom prst="rect">
+            <a:avLst/>
+          </a:prstGeom>
+        </p:spPr>
+      </p:pic>
+      <p:sp>
+        <p:nvSpPr>
+          <p:cNvPr id="12" name="Rogner un rectangle avec un coin diagonal 11"/>
+          <p:cNvSpPr/>
+          <p:nvPr/>
+        </p:nvSpPr>
+        <p:spPr>
+          <a:xfrm>
+            <a:off x="1259632" y="0"/>
+            <a:ext cx="7848872" cy="512676"/>
+          </a:xfrm>
+          <a:prstGeom prst="snip2DiagRect">
+            <a:avLst>
+              <a:gd name="adj1" fmla="val 24520"/>
+              <a:gd name="adj2" fmla="val 23038"/>
+            </a:avLst>
+          </a:prstGeom>
+        </p:spPr>
+        <p:style>
+          <a:lnRef idx="0">
+            <a:schemeClr val="accent5"/>
+          </a:lnRef>
+          <a:fillRef idx="3">
+            <a:schemeClr val="accent5"/>
+          </a:fillRef>
+          <a:effectRef idx="3">
+            <a:schemeClr val="accent5"/>
+          </a:effectRef>
+          <a:fontRef idx="minor">
+            <a:schemeClr val="lt1"/>
+          </a:fontRef>
+        </p:style>
+        <p:txBody>
+          <a:bodyPr rtlCol="0" anchor="ctr"/>
+          <a:lstStyle/>
+          <a:p>
+            <a:pPr algn="ctr"/>
+            <a:r>
+              <a:rPr lang="fr-FR" sz="1200" dirty="0" smtClean="0">
+                <a:solidFill>
+                  <a:schemeClr val="tx1"/>
+                </a:solidFill>
+              </a:rPr>
+              <a:t>-Principe de fonctionnement -Architecture -Services de l’application -Diagramme des cas d’utilisation</a:t>
+            </a:r>
+          </a:p>
+          <a:p>
+            <a:pPr algn="ctr"/>
+            <a:r>
+              <a:rPr lang="fr-FR" sz="1200" dirty="0" smtClean="0">
+                <a:solidFill>
+                  <a:schemeClr val="tx1"/>
+                </a:solidFill>
+              </a:rPr>
+              <a:t>-Matérielle et logiciel </a:t>
+            </a:r>
+            <a:r>
+              <a:rPr lang="fr-FR" sz="1200" dirty="0" smtClean="0">
+                <a:solidFill>
+                  <a:schemeClr val="bg1"/>
+                </a:solidFill>
+              </a:rPr>
+              <a:t>-Réalisation </a:t>
+            </a:r>
+            <a:r>
+              <a:rPr lang="fr-FR" sz="1200" dirty="0" smtClean="0">
+                <a:solidFill>
+                  <a:schemeClr val="tx1"/>
+                </a:solidFill>
+              </a:rPr>
+              <a:t>-Model Vue Contrôleur -Avantages / inconvénients -Améliorations possibles</a:t>
+            </a:r>
+            <a:endParaRPr lang="fr-FR" sz="1200" dirty="0">
+              <a:solidFill>
+                <a:schemeClr val="tx1"/>
+              </a:solidFill>
+            </a:endParaRPr>
+          </a:p>
+        </p:txBody>
+      </p:sp>
+    </p:spTree>
+    <p:extLst>
+      <p:ext uri="{BB962C8B-B14F-4D97-AF65-F5344CB8AC3E}">
+        <p14:creationId xmlns:p14="http://schemas.microsoft.com/office/powerpoint/2010/main" val="3539891904"/>
+      </p:ext>
+    </p:extLst>
+  </p:cSld>
+  <p:clrMapOvr>
+    <a:masterClrMapping/>
+  </p:clrMapOvr>
+  <p:timing>
+    <p:tnLst>
+      <p:par>
+        <p:cTn id="1" dur="indefinite" restart="never" nodeType="tmRoot"/>
+      </p:par>
+    </p:tnLst>
+  </p:timing>
+</p:sld>
+</file>
+
+<file path=ppt/slides/slide15.xml><?xml version="1.0" encoding="utf-8"?>
+<p:sld xmlns:a="http://schemas.openxmlformats.org/drawingml/2006/main" xmlns:r="http://schemas.openxmlformats.org/officeDocument/2006/relationships" xmlns:p="http://schemas.openxmlformats.org/presentationml/2006/main">
+  <p:cSld>
+    <p:spTree>
+      <p:nvGrpSpPr>
+        <p:cNvPr id="1" name=""/>
+        <p:cNvGrpSpPr/>
+        <p:nvPr/>
+      </p:nvGrpSpPr>
+      <p:grpSpPr>
+        <a:xfrm>
+          <a:off x="0" y="0"/>
+          <a:ext cx="0" cy="0"/>
+          <a:chOff x="0" y="0"/>
+          <a:chExt cx="0" cy="0"/>
+        </a:xfrm>
+      </p:grpSpPr>
+      <p:sp>
+        <p:nvSpPr>
+          <p:cNvPr id="2" name="Titre 1"/>
+          <p:cNvSpPr>
+            <a:spLocks noGrp="1"/>
+          </p:cNvSpPr>
+          <p:nvPr>
+            <p:ph type="ctrTitle"/>
+          </p:nvPr>
+        </p:nvSpPr>
+        <p:spPr>
+          <a:xfrm>
+            <a:off x="685800" y="806847"/>
+            <a:ext cx="7772400" cy="1470025"/>
+          </a:xfrm>
+        </p:spPr>
+        <p:txBody>
+          <a:bodyPr/>
+          <a:lstStyle/>
+          <a:p>
+            <a:r>
+              <a:rPr lang="fr-FR" dirty="0" smtClean="0"/>
+              <a:t>Model Vue Contrôleur</a:t>
+            </a:r>
+            <a:endParaRPr lang="fr-FR" dirty="0"/>
+          </a:p>
+        </p:txBody>
+      </p:sp>
+      <p:sp>
+        <p:nvSpPr>
+          <p:cNvPr id="9" name="Espace réservé du pied de page 8"/>
+          <p:cNvSpPr>
+            <a:spLocks noGrp="1"/>
+          </p:cNvSpPr>
+          <p:nvPr>
+            <p:ph type="ftr" sz="quarter" idx="11"/>
+          </p:nvPr>
+        </p:nvSpPr>
+        <p:spPr>
+          <a:xfrm>
+            <a:off x="2843808" y="6356350"/>
+            <a:ext cx="3456384" cy="365125"/>
+          </a:xfrm>
+        </p:spPr>
+        <p:txBody>
+          <a:bodyPr/>
+          <a:lstStyle/>
+          <a:p>
+            <a:r>
+              <a:rPr lang="fr-FR" dirty="0" smtClean="0">
+                <a:solidFill>
+                  <a:schemeClr val="tx1"/>
+                </a:solidFill>
+              </a:rPr>
+              <a:t>Université de Nantes, Licence Professionnelle SIL</a:t>
+            </a:r>
+            <a:endParaRPr lang="fr-BE" dirty="0">
+              <a:solidFill>
+                <a:schemeClr val="tx1"/>
+              </a:solidFill>
+            </a:endParaRPr>
+          </a:p>
+        </p:txBody>
+      </p:sp>
+      <p:sp>
+        <p:nvSpPr>
+          <p:cNvPr id="10" name="Espace réservé du numéro de diapositive 9"/>
+          <p:cNvSpPr>
+            <a:spLocks noGrp="1"/>
+          </p:cNvSpPr>
+          <p:nvPr>
+            <p:ph type="sldNum" sz="quarter" idx="12"/>
+          </p:nvPr>
+        </p:nvSpPr>
+        <p:spPr>
+          <a:xfrm>
+            <a:off x="6553200" y="6356350"/>
+            <a:ext cx="2133600" cy="365125"/>
+          </a:xfrm>
+        </p:spPr>
+        <p:txBody>
+          <a:bodyPr/>
+          <a:lstStyle/>
+          <a:p>
+            <a:fld id="{CF4668DC-857F-487D-BFFA-8C0CA5037977}" type="slidenum">
+              <a:rPr lang="fr-BE" smtClean="0">
+                <a:solidFill>
+                  <a:schemeClr val="tx1"/>
+                </a:solidFill>
+              </a:rPr>
+              <a:t>15</a:t>
+            </a:fld>
+            <a:endParaRPr lang="fr-BE" dirty="0">
+              <a:solidFill>
+                <a:schemeClr val="tx1"/>
+              </a:solidFill>
+            </a:endParaRPr>
+          </a:p>
+        </p:txBody>
+      </p:sp>
+      <p:pic>
+        <p:nvPicPr>
+          <p:cNvPr id="11" name="Image 10"/>
+          <p:cNvPicPr>
+            <a:picLocks noChangeAspect="1"/>
+          </p:cNvPicPr>
+          <p:nvPr/>
+        </p:nvPicPr>
+        <p:blipFill>
+          <a:blip r:embed="rId2">
+            <a:extLst>
+              <a:ext uri="{28A0092B-C50C-407E-A947-70E740481C1C}">
+                <a14:useLocalDpi xmlns:a14="http://schemas.microsoft.com/office/drawing/2010/main" val="0"/>
+              </a:ext>
+            </a:extLst>
+          </a:blip>
+          <a:stretch>
+            <a:fillRect/>
+          </a:stretch>
+        </p:blipFill>
+        <p:spPr>
+          <a:xfrm>
+            <a:off x="107504" y="133118"/>
+            <a:ext cx="1080120" cy="469618"/>
+          </a:xfrm>
+          <a:prstGeom prst="rect">
+            <a:avLst/>
+          </a:prstGeom>
+        </p:spPr>
+      </p:pic>
+      <p:sp>
+        <p:nvSpPr>
+          <p:cNvPr id="12" name="Rogner un rectangle avec un coin diagonal 11"/>
+          <p:cNvSpPr/>
+          <p:nvPr/>
+        </p:nvSpPr>
+        <p:spPr>
+          <a:xfrm>
+            <a:off x="1259632" y="0"/>
+            <a:ext cx="7848872" cy="512676"/>
+          </a:xfrm>
+          <a:prstGeom prst="snip2DiagRect">
+            <a:avLst>
+              <a:gd name="adj1" fmla="val 24520"/>
+              <a:gd name="adj2" fmla="val 23038"/>
+            </a:avLst>
+          </a:prstGeom>
+        </p:spPr>
+        <p:style>
+          <a:lnRef idx="0">
+            <a:schemeClr val="accent5"/>
+          </a:lnRef>
+          <a:fillRef idx="3">
+            <a:schemeClr val="accent5"/>
+          </a:fillRef>
+          <a:effectRef idx="3">
+            <a:schemeClr val="accent5"/>
+          </a:effectRef>
+          <a:fontRef idx="minor">
+            <a:schemeClr val="lt1"/>
+          </a:fontRef>
+        </p:style>
+        <p:txBody>
+          <a:bodyPr rtlCol="0" anchor="ctr"/>
+          <a:lstStyle/>
+          <a:p>
+            <a:pPr algn="ctr"/>
+            <a:r>
+              <a:rPr lang="fr-FR" sz="1200" dirty="0" smtClean="0">
+                <a:solidFill>
+                  <a:schemeClr val="tx1"/>
+                </a:solidFill>
+              </a:rPr>
+              <a:t>-Principe de fonctionnement -Architecture -Services de l’application -Diagramme des cas d’utilisation</a:t>
+            </a:r>
+          </a:p>
+          <a:p>
+            <a:pPr algn="ctr"/>
+            <a:r>
+              <a:rPr lang="fr-FR" sz="1200" dirty="0" smtClean="0">
+                <a:solidFill>
+                  <a:schemeClr val="tx1"/>
+                </a:solidFill>
+              </a:rPr>
+              <a:t>-Matérielle et logiciel -Réalisation </a:t>
+            </a:r>
+            <a:r>
+              <a:rPr lang="fr-FR" sz="1200" dirty="0" smtClean="0">
+                <a:solidFill>
+                  <a:schemeClr val="bg1"/>
+                </a:solidFill>
+              </a:rPr>
+              <a:t>-Model Vue Contrôleur </a:t>
+            </a:r>
+            <a:r>
+              <a:rPr lang="fr-FR" sz="1200" dirty="0" smtClean="0">
+                <a:solidFill>
+                  <a:schemeClr val="tx1"/>
+                </a:solidFill>
+              </a:rPr>
+              <a:t>-Avantages / inconvénients -Améliorations possibles</a:t>
+            </a:r>
+            <a:endParaRPr lang="fr-FR" sz="1200" dirty="0">
+              <a:solidFill>
+                <a:schemeClr val="tx1"/>
+              </a:solidFill>
+            </a:endParaRPr>
+          </a:p>
+        </p:txBody>
+      </p:sp>
+      <p:sp>
+        <p:nvSpPr>
+          <p:cNvPr id="4" name="Rectangle 3"/>
+          <p:cNvSpPr/>
+          <p:nvPr/>
+        </p:nvSpPr>
+        <p:spPr>
+          <a:xfrm>
+            <a:off x="647564" y="2564904"/>
+            <a:ext cx="1908212" cy="2376264"/>
+          </a:xfrm>
+          <a:prstGeom prst="rect">
+            <a:avLst/>
+          </a:prstGeom>
+        </p:spPr>
+        <p:style>
+          <a:lnRef idx="2">
+            <a:schemeClr val="accent1">
+              <a:shade val="50000"/>
+            </a:schemeClr>
+          </a:lnRef>
+          <a:fillRef idx="1">
+            <a:schemeClr val="accent1"/>
+          </a:fillRef>
+          <a:effectRef idx="0">
+            <a:schemeClr val="accent1"/>
+          </a:effectRef>
+          <a:fontRef idx="minor">
+            <a:schemeClr val="lt1"/>
+          </a:fontRef>
+        </p:style>
+        <p:txBody>
+          <a:bodyPr rtlCol="0" anchor="ctr"/>
+          <a:lstStyle/>
+          <a:p>
+            <a:pPr algn="ctr"/>
+            <a:r>
+              <a:rPr lang="fr-FR" dirty="0" smtClean="0"/>
+              <a:t>Model</a:t>
+            </a:r>
+          </a:p>
+          <a:p>
+            <a:pPr algn="ctr"/>
+            <a:endParaRPr lang="fr-FR" dirty="0"/>
+          </a:p>
+          <a:p>
+            <a:pPr algn="ctr"/>
+            <a:endParaRPr lang="fr-FR" dirty="0" smtClean="0"/>
+          </a:p>
+          <a:p>
+            <a:pPr algn="ctr"/>
+            <a:endParaRPr lang="fr-FR" dirty="0"/>
+          </a:p>
+          <a:p>
+            <a:pPr algn="ctr"/>
+            <a:endParaRPr lang="fr-FR" dirty="0" smtClean="0"/>
+          </a:p>
+          <a:p>
+            <a:pPr algn="ctr"/>
+            <a:endParaRPr lang="fr-FR" dirty="0"/>
+          </a:p>
+          <a:p>
+            <a:pPr algn="ctr"/>
+            <a:endParaRPr lang="fr-FR" dirty="0" smtClean="0"/>
+          </a:p>
+          <a:p>
+            <a:pPr algn="ctr"/>
+            <a:endParaRPr lang="fr-FR" dirty="0"/>
+          </a:p>
+        </p:txBody>
+      </p:sp>
+      <p:sp>
+        <p:nvSpPr>
+          <p:cNvPr id="13" name="Rectangle 12"/>
+          <p:cNvSpPr/>
+          <p:nvPr/>
+        </p:nvSpPr>
+        <p:spPr>
+          <a:xfrm>
+            <a:off x="3419872" y="2564904"/>
+            <a:ext cx="1908212" cy="2376264"/>
+          </a:xfrm>
+          <a:prstGeom prst="rect">
+            <a:avLst/>
+          </a:prstGeom>
+        </p:spPr>
+        <p:style>
+          <a:lnRef idx="2">
+            <a:schemeClr val="accent1">
+              <a:shade val="50000"/>
+            </a:schemeClr>
+          </a:lnRef>
+          <a:fillRef idx="1">
+            <a:schemeClr val="accent1"/>
+          </a:fillRef>
+          <a:effectRef idx="0">
+            <a:schemeClr val="accent1"/>
+          </a:effectRef>
+          <a:fontRef idx="minor">
+            <a:schemeClr val="lt1"/>
+          </a:fontRef>
+        </p:style>
+        <p:txBody>
+          <a:bodyPr rtlCol="0" anchor="ctr"/>
+          <a:lstStyle/>
+          <a:p>
+            <a:pPr algn="ctr"/>
+            <a:r>
+              <a:rPr lang="fr-FR" dirty="0" smtClean="0"/>
+              <a:t>Contrôleur</a:t>
+            </a:r>
+          </a:p>
+          <a:p>
+            <a:pPr algn="ctr"/>
+            <a:endParaRPr lang="fr-FR" dirty="0"/>
+          </a:p>
+          <a:p>
+            <a:pPr algn="ctr"/>
+            <a:endParaRPr lang="fr-FR" dirty="0" smtClean="0"/>
+          </a:p>
+          <a:p>
+            <a:pPr algn="ctr"/>
+            <a:endParaRPr lang="fr-FR" dirty="0"/>
+          </a:p>
+          <a:p>
+            <a:pPr algn="ctr"/>
+            <a:endParaRPr lang="fr-FR" dirty="0" smtClean="0"/>
+          </a:p>
+          <a:p>
+            <a:pPr algn="ctr"/>
+            <a:endParaRPr lang="fr-FR" dirty="0"/>
+          </a:p>
+          <a:p>
+            <a:pPr algn="ctr"/>
+            <a:endParaRPr lang="fr-FR" dirty="0" smtClean="0"/>
+          </a:p>
+          <a:p>
+            <a:pPr algn="ctr"/>
+            <a:endParaRPr lang="fr-FR" dirty="0"/>
+          </a:p>
+        </p:txBody>
+      </p:sp>
+      <p:sp>
+        <p:nvSpPr>
+          <p:cNvPr id="14" name="Rectangle 13"/>
+          <p:cNvSpPr/>
+          <p:nvPr/>
+        </p:nvSpPr>
+        <p:spPr>
+          <a:xfrm>
+            <a:off x="6372200" y="2564904"/>
+            <a:ext cx="1908212" cy="2376264"/>
+          </a:xfrm>
+          <a:prstGeom prst="rect">
+            <a:avLst/>
+          </a:prstGeom>
+        </p:spPr>
+        <p:style>
+          <a:lnRef idx="2">
+            <a:schemeClr val="accent1">
+              <a:shade val="50000"/>
+            </a:schemeClr>
+          </a:lnRef>
+          <a:fillRef idx="1">
+            <a:schemeClr val="accent1"/>
+          </a:fillRef>
+          <a:effectRef idx="0">
+            <a:schemeClr val="accent1"/>
+          </a:effectRef>
+          <a:fontRef idx="minor">
+            <a:schemeClr val="lt1"/>
+          </a:fontRef>
+        </p:style>
+        <p:txBody>
+          <a:bodyPr rtlCol="0" anchor="ctr"/>
+          <a:lstStyle/>
+          <a:p>
+            <a:pPr algn="ctr"/>
+            <a:r>
+              <a:rPr lang="fr-FR" dirty="0" smtClean="0"/>
+              <a:t>Vue</a:t>
+            </a:r>
+          </a:p>
+          <a:p>
+            <a:pPr algn="ctr"/>
+            <a:r>
+              <a:rPr lang="fr-FR" dirty="0" smtClean="0"/>
+              <a:t>TomCat7</a:t>
+            </a:r>
+          </a:p>
+          <a:p>
+            <a:pPr algn="ctr"/>
+            <a:endParaRPr lang="fr-FR" dirty="0" smtClean="0"/>
+          </a:p>
+          <a:p>
+            <a:pPr algn="ctr"/>
+            <a:endParaRPr lang="fr-FR" dirty="0"/>
+          </a:p>
+          <a:p>
+            <a:pPr algn="ctr"/>
+            <a:r>
+              <a:rPr lang="fr-FR" dirty="0" smtClean="0"/>
+              <a:t>IHM</a:t>
+            </a:r>
+          </a:p>
+          <a:p>
+            <a:pPr algn="ctr"/>
+            <a:endParaRPr lang="fr-FR" dirty="0"/>
+          </a:p>
+          <a:p>
+            <a:pPr algn="ctr"/>
+            <a:endParaRPr lang="fr-FR" dirty="0" smtClean="0"/>
+          </a:p>
+          <a:p>
+            <a:pPr algn="ctr"/>
+            <a:endParaRPr lang="fr-FR" dirty="0"/>
+          </a:p>
+        </p:txBody>
+      </p:sp>
+      <p:sp>
+        <p:nvSpPr>
+          <p:cNvPr id="5" name="Rectangle à coins arrondis 4"/>
+          <p:cNvSpPr/>
+          <p:nvPr/>
+        </p:nvSpPr>
+        <p:spPr>
+          <a:xfrm>
+            <a:off x="827584" y="2996952"/>
+            <a:ext cx="1584176" cy="360040"/>
+          </a:xfrm>
+          <a:prstGeom prst="roundRect">
+            <a:avLst/>
+          </a:prstGeom>
+        </p:spPr>
+        <p:style>
+          <a:lnRef idx="3">
+            <a:schemeClr val="lt1"/>
+          </a:lnRef>
+          <a:fillRef idx="1">
+            <a:schemeClr val="accent1"/>
+          </a:fillRef>
+          <a:effectRef idx="1">
+            <a:schemeClr val="accent1"/>
+          </a:effectRef>
+          <a:fontRef idx="minor">
+            <a:schemeClr val="lt1"/>
+          </a:fontRef>
+        </p:style>
+        <p:txBody>
+          <a:bodyPr rtlCol="0" anchor="ctr"/>
+          <a:lstStyle/>
+          <a:p>
+            <a:pPr algn="ctr"/>
+            <a:r>
+              <a:rPr lang="fr-FR" dirty="0" err="1" smtClean="0"/>
+              <a:t>Adherent</a:t>
+            </a:r>
+            <a:endParaRPr lang="fr-FR" dirty="0"/>
+          </a:p>
+        </p:txBody>
+      </p:sp>
+      <p:sp>
+        <p:nvSpPr>
+          <p:cNvPr id="15" name="Rectangle à coins arrondis 14"/>
+          <p:cNvSpPr/>
+          <p:nvPr/>
+        </p:nvSpPr>
+        <p:spPr>
+          <a:xfrm>
+            <a:off x="827584" y="3509392"/>
+            <a:ext cx="1584176" cy="360040"/>
+          </a:xfrm>
+          <a:prstGeom prst="roundRect">
+            <a:avLst/>
+          </a:prstGeom>
+        </p:spPr>
+        <p:style>
+          <a:lnRef idx="3">
+            <a:schemeClr val="lt1"/>
+          </a:lnRef>
+          <a:fillRef idx="1">
+            <a:schemeClr val="accent1"/>
+          </a:fillRef>
+          <a:effectRef idx="1">
+            <a:schemeClr val="accent1"/>
+          </a:effectRef>
+          <a:fontRef idx="minor">
+            <a:schemeClr val="lt1"/>
+          </a:fontRef>
+        </p:style>
+        <p:txBody>
+          <a:bodyPr rtlCol="0" anchor="ctr"/>
+          <a:lstStyle/>
+          <a:p>
+            <a:pPr algn="ctr"/>
+            <a:r>
+              <a:rPr lang="fr-FR" dirty="0" smtClean="0"/>
+              <a:t>Article</a:t>
+            </a:r>
+            <a:endParaRPr lang="fr-FR" dirty="0"/>
+          </a:p>
+        </p:txBody>
+      </p:sp>
+      <p:sp>
+        <p:nvSpPr>
+          <p:cNvPr id="16" name="Rectangle à coins arrondis 15"/>
+          <p:cNvSpPr/>
+          <p:nvPr/>
+        </p:nvSpPr>
+        <p:spPr>
+          <a:xfrm>
+            <a:off x="827584" y="4005064"/>
+            <a:ext cx="1584176" cy="360040"/>
+          </a:xfrm>
+          <a:prstGeom prst="roundRect">
+            <a:avLst/>
+          </a:prstGeom>
+        </p:spPr>
+        <p:style>
+          <a:lnRef idx="3">
+            <a:schemeClr val="lt1"/>
+          </a:lnRef>
+          <a:fillRef idx="1">
+            <a:schemeClr val="accent1"/>
+          </a:fillRef>
+          <a:effectRef idx="1">
+            <a:schemeClr val="accent1"/>
+          </a:effectRef>
+          <a:fontRef idx="minor">
+            <a:schemeClr val="lt1"/>
+          </a:fontRef>
+        </p:style>
+        <p:txBody>
+          <a:bodyPr rtlCol="0" anchor="ctr"/>
+          <a:lstStyle/>
+          <a:p>
+            <a:pPr algn="ctr"/>
+            <a:r>
+              <a:rPr lang="fr-FR" dirty="0" smtClean="0"/>
+              <a:t>Commande</a:t>
+            </a:r>
+            <a:endParaRPr lang="fr-FR" dirty="0"/>
+          </a:p>
+        </p:txBody>
+      </p:sp>
+      <p:sp>
+        <p:nvSpPr>
+          <p:cNvPr id="17" name="Rectangle à coins arrondis 16"/>
+          <p:cNvSpPr/>
+          <p:nvPr/>
+        </p:nvSpPr>
+        <p:spPr>
+          <a:xfrm>
+            <a:off x="3599892" y="2996952"/>
+            <a:ext cx="1584176" cy="360040"/>
+          </a:xfrm>
+          <a:prstGeom prst="roundRect">
+            <a:avLst/>
+          </a:prstGeom>
+        </p:spPr>
+        <p:style>
+          <a:lnRef idx="3">
+            <a:schemeClr val="lt1"/>
+          </a:lnRef>
+          <a:fillRef idx="1">
+            <a:schemeClr val="accent1"/>
+          </a:fillRef>
+          <a:effectRef idx="1">
+            <a:schemeClr val="accent1"/>
+          </a:effectRef>
+          <a:fontRef idx="minor">
+            <a:schemeClr val="lt1"/>
+          </a:fontRef>
+        </p:style>
+        <p:txBody>
+          <a:bodyPr rtlCol="0" anchor="ctr"/>
+          <a:lstStyle/>
+          <a:p>
+            <a:pPr algn="ctr"/>
+            <a:r>
+              <a:rPr lang="fr-FR" sz="1400" dirty="0" err="1" smtClean="0"/>
+              <a:t>AdherentService</a:t>
+            </a:r>
+            <a:endParaRPr lang="fr-FR" sz="1400" dirty="0"/>
+          </a:p>
+        </p:txBody>
+      </p:sp>
+      <p:sp>
+        <p:nvSpPr>
+          <p:cNvPr id="18" name="Rectangle à coins arrondis 17"/>
+          <p:cNvSpPr/>
+          <p:nvPr/>
+        </p:nvSpPr>
+        <p:spPr>
+          <a:xfrm>
+            <a:off x="3599892" y="3508824"/>
+            <a:ext cx="1584176" cy="360040"/>
+          </a:xfrm>
+          <a:prstGeom prst="roundRect">
+            <a:avLst/>
+          </a:prstGeom>
+        </p:spPr>
+        <p:style>
+          <a:lnRef idx="3">
+            <a:schemeClr val="lt1"/>
+          </a:lnRef>
+          <a:fillRef idx="1">
+            <a:schemeClr val="accent1"/>
+          </a:fillRef>
+          <a:effectRef idx="1">
+            <a:schemeClr val="accent1"/>
+          </a:effectRef>
+          <a:fontRef idx="minor">
+            <a:schemeClr val="lt1"/>
+          </a:fontRef>
+        </p:style>
+        <p:txBody>
+          <a:bodyPr rtlCol="0" anchor="ctr"/>
+          <a:lstStyle/>
+          <a:p>
+            <a:pPr algn="ctr"/>
+            <a:r>
+              <a:rPr lang="fr-FR" sz="1400" dirty="0" err="1" smtClean="0"/>
+              <a:t>ArticleService</a:t>
+            </a:r>
+            <a:endParaRPr lang="fr-FR" sz="1400" dirty="0"/>
+          </a:p>
+        </p:txBody>
+      </p:sp>
+      <p:sp>
+        <p:nvSpPr>
+          <p:cNvPr id="19" name="Rectangle à coins arrondis 18"/>
+          <p:cNvSpPr/>
+          <p:nvPr/>
+        </p:nvSpPr>
+        <p:spPr>
+          <a:xfrm>
+            <a:off x="3599892" y="4005064"/>
+            <a:ext cx="1584176" cy="360040"/>
+          </a:xfrm>
+          <a:prstGeom prst="roundRect">
+            <a:avLst/>
+          </a:prstGeom>
+        </p:spPr>
+        <p:style>
+          <a:lnRef idx="3">
+            <a:schemeClr val="lt1"/>
+          </a:lnRef>
+          <a:fillRef idx="1">
+            <a:schemeClr val="accent1"/>
+          </a:fillRef>
+          <a:effectRef idx="1">
+            <a:schemeClr val="accent1"/>
+          </a:effectRef>
+          <a:fontRef idx="minor">
+            <a:schemeClr val="lt1"/>
+          </a:fontRef>
+        </p:style>
+        <p:txBody>
+          <a:bodyPr rtlCol="0" anchor="ctr"/>
+          <a:lstStyle/>
+          <a:p>
+            <a:pPr algn="ctr"/>
+            <a:r>
+              <a:rPr lang="fr-FR" sz="1400" dirty="0" err="1" smtClean="0"/>
+              <a:t>CommandeService</a:t>
+            </a:r>
+            <a:endParaRPr lang="fr-FR" sz="1400" dirty="0"/>
+          </a:p>
+        </p:txBody>
+      </p:sp>
+      <p:pic>
+        <p:nvPicPr>
+          <p:cNvPr id="20" name="Image 19"/>
+          <p:cNvPicPr>
+            <a:picLocks noChangeAspect="1"/>
+          </p:cNvPicPr>
+          <p:nvPr/>
+        </p:nvPicPr>
+        <p:blipFill>
+          <a:blip r:embed="rId3" cstate="print">
+            <a:extLst>
+              <a:ext uri="{28A0092B-C50C-407E-A947-70E740481C1C}">
+                <a14:useLocalDpi xmlns:a14="http://schemas.microsoft.com/office/drawing/2010/main" val="0"/>
+              </a:ext>
+            </a:extLst>
+          </a:blip>
+          <a:stretch>
+            <a:fillRect/>
+          </a:stretch>
+        </p:blipFill>
+        <p:spPr>
+          <a:xfrm>
+            <a:off x="1083097" y="5445224"/>
+            <a:ext cx="896615" cy="864096"/>
+          </a:xfrm>
+          <a:prstGeom prst="rect">
+            <a:avLst/>
+          </a:prstGeom>
+        </p:spPr>
+      </p:pic>
+      <p:cxnSp>
+        <p:nvCxnSpPr>
+          <p:cNvPr id="7" name="Connecteur droit avec flèche 6"/>
+          <p:cNvCxnSpPr/>
+          <p:nvPr/>
+        </p:nvCxnSpPr>
+        <p:spPr>
+          <a:xfrm flipH="1" flipV="1">
+            <a:off x="1592669" y="4941168"/>
+            <a:ext cx="18002" cy="648072"/>
+          </a:xfrm>
+          <a:prstGeom prst="straightConnector1">
+            <a:avLst/>
+          </a:prstGeom>
+          <a:ln>
+            <a:headEnd type="arrow"/>
+            <a:tailEnd type="arrow"/>
+          </a:ln>
+        </p:spPr>
+        <p:style>
+          <a:lnRef idx="2">
+            <a:schemeClr val="dk1"/>
+          </a:lnRef>
+          <a:fillRef idx="0">
+            <a:schemeClr val="dk1"/>
+          </a:fillRef>
+          <a:effectRef idx="1">
+            <a:schemeClr val="dk1"/>
+          </a:effectRef>
+          <a:fontRef idx="minor">
+            <a:schemeClr val="tx1"/>
+          </a:fontRef>
+        </p:style>
+      </p:cxnSp>
+      <p:cxnSp>
+        <p:nvCxnSpPr>
+          <p:cNvPr id="21" name="Connecteur droit avec flèche 20"/>
+          <p:cNvCxnSpPr>
+            <a:stCxn id="5" idx="3"/>
+            <a:endCxn id="17" idx="1"/>
+          </p:cNvCxnSpPr>
+          <p:nvPr/>
+        </p:nvCxnSpPr>
+        <p:spPr>
+          <a:xfrm>
+            <a:off x="2411760" y="3176972"/>
+            <a:ext cx="1188132" cy="0"/>
+          </a:xfrm>
+          <a:prstGeom prst="straightConnector1">
+            <a:avLst/>
+          </a:prstGeom>
+          <a:ln>
+            <a:headEnd type="arrow"/>
+            <a:tailEnd type="arrow"/>
+          </a:ln>
+        </p:spPr>
+        <p:style>
+          <a:lnRef idx="2">
+            <a:schemeClr val="dk1"/>
+          </a:lnRef>
+          <a:fillRef idx="0">
+            <a:schemeClr val="dk1"/>
+          </a:fillRef>
+          <a:effectRef idx="1">
+            <a:schemeClr val="dk1"/>
+          </a:effectRef>
+          <a:fontRef idx="minor">
+            <a:schemeClr val="tx1"/>
+          </a:fontRef>
+        </p:style>
+      </p:cxnSp>
+      <p:cxnSp>
+        <p:nvCxnSpPr>
+          <p:cNvPr id="22" name="Connecteur droit avec flèche 21"/>
+          <p:cNvCxnSpPr/>
+          <p:nvPr/>
+        </p:nvCxnSpPr>
+        <p:spPr>
+          <a:xfrm>
+            <a:off x="2411760" y="3689412"/>
+            <a:ext cx="1188132" cy="0"/>
+          </a:xfrm>
+          <a:prstGeom prst="straightConnector1">
+            <a:avLst/>
+          </a:prstGeom>
+          <a:ln>
+            <a:headEnd type="arrow"/>
+            <a:tailEnd type="arrow"/>
+          </a:ln>
+        </p:spPr>
+        <p:style>
+          <a:lnRef idx="2">
+            <a:schemeClr val="dk1"/>
+          </a:lnRef>
+          <a:fillRef idx="0">
+            <a:schemeClr val="dk1"/>
+          </a:fillRef>
+          <a:effectRef idx="1">
+            <a:schemeClr val="dk1"/>
+          </a:effectRef>
+          <a:fontRef idx="minor">
+            <a:schemeClr val="tx1"/>
+          </a:fontRef>
+        </p:style>
+      </p:cxnSp>
+      <p:cxnSp>
+        <p:nvCxnSpPr>
+          <p:cNvPr id="23" name="Connecteur droit avec flèche 22"/>
+          <p:cNvCxnSpPr/>
+          <p:nvPr/>
+        </p:nvCxnSpPr>
+        <p:spPr>
+          <a:xfrm>
+            <a:off x="2415306" y="4185084"/>
+            <a:ext cx="1188132" cy="0"/>
+          </a:xfrm>
+          <a:prstGeom prst="straightConnector1">
+            <a:avLst/>
+          </a:prstGeom>
+          <a:ln>
+            <a:headEnd type="arrow"/>
+            <a:tailEnd type="arrow"/>
+          </a:ln>
+        </p:spPr>
+        <p:style>
+          <a:lnRef idx="2">
+            <a:schemeClr val="dk1"/>
+          </a:lnRef>
+          <a:fillRef idx="0">
+            <a:schemeClr val="dk1"/>
+          </a:fillRef>
+          <a:effectRef idx="1">
+            <a:schemeClr val="dk1"/>
+          </a:effectRef>
+          <a:fontRef idx="minor">
+            <a:schemeClr val="tx1"/>
+          </a:fontRef>
+        </p:style>
+      </p:cxnSp>
+      <p:cxnSp>
+        <p:nvCxnSpPr>
+          <p:cNvPr id="24" name="Connecteur droit avec flèche 23"/>
+          <p:cNvCxnSpPr>
+            <a:stCxn id="13" idx="3"/>
+            <a:endCxn id="14" idx="1"/>
+          </p:cNvCxnSpPr>
+          <p:nvPr/>
+        </p:nvCxnSpPr>
+        <p:spPr>
+          <a:xfrm>
+            <a:off x="5328084" y="3753036"/>
+            <a:ext cx="1044116" cy="0"/>
+          </a:xfrm>
+          <a:prstGeom prst="straightConnector1">
+            <a:avLst/>
+          </a:prstGeom>
+          <a:ln>
+            <a:headEnd type="arrow"/>
+            <a:tailEnd type="arrow"/>
+          </a:ln>
+        </p:spPr>
+        <p:style>
+          <a:lnRef idx="2">
+            <a:schemeClr val="dk1"/>
+          </a:lnRef>
+          <a:fillRef idx="0">
+            <a:schemeClr val="dk1"/>
+          </a:fillRef>
+          <a:effectRef idx="1">
+            <a:schemeClr val="dk1"/>
+          </a:effectRef>
+          <a:fontRef idx="minor">
+            <a:schemeClr val="tx1"/>
+          </a:fontRef>
+        </p:style>
+      </p:cxnSp>
+      <p:sp>
+        <p:nvSpPr>
+          <p:cNvPr id="29" name="Rectangle à coins arrondis 28"/>
+          <p:cNvSpPr/>
+          <p:nvPr/>
+        </p:nvSpPr>
+        <p:spPr>
+          <a:xfrm>
+            <a:off x="6660232" y="3356992"/>
+            <a:ext cx="1296144" cy="1224136"/>
+          </a:xfrm>
+          <a:prstGeom prst="roundRect">
+            <a:avLst/>
+          </a:prstGeom>
+        </p:spPr>
+        <p:style>
+          <a:lnRef idx="1">
+            <a:schemeClr val="accent1"/>
+          </a:lnRef>
+          <a:fillRef idx="2">
+            <a:schemeClr val="accent1"/>
+          </a:fillRef>
+          <a:effectRef idx="1">
+            <a:schemeClr val="accent1"/>
+          </a:effectRef>
+          <a:fontRef idx="minor">
+            <a:schemeClr val="dk1"/>
+          </a:fontRef>
+        </p:style>
+        <p:txBody>
+          <a:bodyPr rtlCol="0" anchor="ctr"/>
+          <a:lstStyle/>
+          <a:p>
+            <a:pPr algn="ctr"/>
+            <a:r>
+              <a:rPr lang="fr-FR" dirty="0" smtClean="0"/>
+              <a:t>IHM</a:t>
+            </a:r>
+            <a:endParaRPr lang="fr-FR" dirty="0"/>
+          </a:p>
+        </p:txBody>
+      </p:sp>
+      <p:grpSp>
+        <p:nvGrpSpPr>
+          <p:cNvPr id="34" name="Groupe 33"/>
+          <p:cNvGrpSpPr/>
+          <p:nvPr/>
+        </p:nvGrpSpPr>
+        <p:grpSpPr>
+          <a:xfrm>
+            <a:off x="1592669" y="2204864"/>
+            <a:ext cx="5746205" cy="371294"/>
+            <a:chOff x="1592669" y="2204864"/>
+            <a:chExt cx="5746205" cy="371294"/>
+          </a:xfrm>
+        </p:grpSpPr>
+        <p:cxnSp>
+          <p:nvCxnSpPr>
+            <p:cNvPr id="6" name="Connecteur droit 5"/>
+            <p:cNvCxnSpPr/>
+            <p:nvPr/>
+          </p:nvCxnSpPr>
+          <p:spPr>
+            <a:xfrm flipH="1">
+              <a:off x="1592670" y="2204864"/>
+              <a:ext cx="5746204" cy="0"/>
+            </a:xfrm>
+            <a:prstGeom prst="line">
+              <a:avLst/>
+            </a:prstGeom>
+          </p:spPr>
+          <p:style>
+            <a:lnRef idx="2">
+              <a:schemeClr val="dk1"/>
+            </a:lnRef>
+            <a:fillRef idx="0">
+              <a:schemeClr val="dk1"/>
+            </a:fillRef>
+            <a:effectRef idx="1">
+              <a:schemeClr val="dk1"/>
+            </a:effectRef>
+            <a:fontRef idx="minor">
+              <a:schemeClr val="tx1"/>
+            </a:fontRef>
+          </p:style>
+        </p:cxnSp>
+        <p:cxnSp>
+          <p:nvCxnSpPr>
+            <p:cNvPr id="25" name="Connecteur droit avec flèche 24"/>
+            <p:cNvCxnSpPr>
+              <a:endCxn id="4" idx="0"/>
+            </p:cNvCxnSpPr>
+            <p:nvPr/>
+          </p:nvCxnSpPr>
+          <p:spPr>
+            <a:xfrm>
+              <a:off x="1592669" y="2204864"/>
+              <a:ext cx="9001" cy="360040"/>
+            </a:xfrm>
+            <a:prstGeom prst="straightConnector1">
+              <a:avLst/>
+            </a:prstGeom>
+            <a:ln>
+              <a:tailEnd type="arrow"/>
+            </a:ln>
+          </p:spPr>
+          <p:style>
+            <a:lnRef idx="2">
+              <a:schemeClr val="dk1"/>
+            </a:lnRef>
+            <a:fillRef idx="0">
+              <a:schemeClr val="dk1"/>
+            </a:fillRef>
+            <a:effectRef idx="1">
+              <a:schemeClr val="dk1"/>
+            </a:effectRef>
+            <a:fontRef idx="minor">
+              <a:schemeClr val="tx1"/>
+            </a:fontRef>
+          </p:style>
+        </p:cxnSp>
+        <p:cxnSp>
+          <p:nvCxnSpPr>
+            <p:cNvPr id="31" name="Connecteur droit avec flèche 30"/>
+            <p:cNvCxnSpPr/>
+            <p:nvPr/>
+          </p:nvCxnSpPr>
+          <p:spPr>
+            <a:xfrm>
+              <a:off x="7329873" y="2216118"/>
+              <a:ext cx="9001" cy="360040"/>
+            </a:xfrm>
+            <a:prstGeom prst="straightConnector1">
+              <a:avLst/>
+            </a:prstGeom>
+            <a:ln>
+              <a:tailEnd type="arrow"/>
+            </a:ln>
+          </p:spPr>
+          <p:style>
+            <a:lnRef idx="2">
+              <a:schemeClr val="dk1"/>
+            </a:lnRef>
+            <a:fillRef idx="0">
+              <a:schemeClr val="dk1"/>
+            </a:fillRef>
+            <a:effectRef idx="1">
+              <a:schemeClr val="dk1"/>
+            </a:effectRef>
+            <a:fontRef idx="minor">
+              <a:schemeClr val="tx1"/>
+            </a:fontRef>
+          </p:style>
+        </p:cxnSp>
+      </p:grpSp>
+    </p:spTree>
+    <p:extLst>
+      <p:ext uri="{BB962C8B-B14F-4D97-AF65-F5344CB8AC3E}">
+        <p14:creationId xmlns:p14="http://schemas.microsoft.com/office/powerpoint/2010/main" val="218983957"/>
+      </p:ext>
+    </p:extLst>
+  </p:cSld>
+  <p:clrMapOvr>
+    <a:masterClrMapping/>
+  </p:clrMapOvr>
+  <p:timing>
+    <p:tnLst>
+      <p:par>
+        <p:cTn id="1" dur="indefinite" restart="never" nodeType="tmRoot"/>
+      </p:par>
+    </p:tnLst>
+  </p:timing>
+</p:sld>
+</file>
+
+<file path=ppt/slides/slide16.xml><?xml version="1.0" encoding="utf-8"?>
+<p:sld xmlns:a="http://schemas.openxmlformats.org/drawingml/2006/main" xmlns:r="http://schemas.openxmlformats.org/officeDocument/2006/relationships" xmlns:p="http://schemas.openxmlformats.org/presentationml/2006/main">
+  <p:cSld>
+    <p:spTree>
+      <p:nvGrpSpPr>
+        <p:cNvPr id="1" name=""/>
+        <p:cNvGrpSpPr/>
+        <p:nvPr/>
+      </p:nvGrpSpPr>
+      <p:grpSpPr>
+        <a:xfrm>
+          <a:off x="0" y="0"/>
+          <a:ext cx="0" cy="0"/>
+          <a:chOff x="0" y="0"/>
+          <a:chExt cx="0" cy="0"/>
+        </a:xfrm>
+      </p:grpSpPr>
+      <p:sp>
+        <p:nvSpPr>
+          <p:cNvPr id="2" name="Titre 1"/>
+          <p:cNvSpPr>
+            <a:spLocks noGrp="1"/>
+          </p:cNvSpPr>
+          <p:nvPr>
+            <p:ph type="ctrTitle"/>
+          </p:nvPr>
+        </p:nvSpPr>
+        <p:spPr>
+          <a:xfrm>
+            <a:off x="685800" y="806847"/>
+            <a:ext cx="7772400" cy="1470025"/>
+          </a:xfrm>
+        </p:spPr>
+        <p:txBody>
+          <a:bodyPr/>
+          <a:lstStyle/>
+          <a:p>
+            <a:r>
+              <a:rPr lang="fr-FR" dirty="0" smtClean="0"/>
+              <a:t>Avantages / Inconvénients</a:t>
+            </a:r>
+            <a:endParaRPr lang="fr-FR" dirty="0"/>
+          </a:p>
+        </p:txBody>
+      </p:sp>
+      <p:sp>
+        <p:nvSpPr>
+          <p:cNvPr id="3" name="Sous-titre 2"/>
+          <p:cNvSpPr>
+            <a:spLocks noGrp="1"/>
+          </p:cNvSpPr>
+          <p:nvPr>
+            <p:ph type="subTitle" idx="1"/>
+          </p:nvPr>
+        </p:nvSpPr>
+        <p:spPr>
+          <a:xfrm>
+            <a:off x="1371600" y="2276872"/>
+            <a:ext cx="6400800" cy="3361928"/>
+          </a:xfrm>
+        </p:spPr>
+        <p:txBody>
+          <a:bodyPr>
+            <a:normAutofit/>
+          </a:bodyPr>
+          <a:lstStyle/>
+          <a:p>
+            <a:r>
+              <a:rPr lang="fr-FR" dirty="0" smtClean="0">
+                <a:solidFill>
+                  <a:schemeClr val="tx1"/>
+                </a:solidFill>
+              </a:rPr>
+              <a:t>Structurée, facilement modifiable et testable.</a:t>
+            </a:r>
+          </a:p>
+          <a:p>
+            <a:r>
+              <a:rPr lang="fr-FR" dirty="0" smtClean="0">
+                <a:solidFill>
+                  <a:schemeClr val="tx1"/>
+                </a:solidFill>
+              </a:rPr>
+              <a:t>Ne permet pas la multi-connexion à la base de donnée</a:t>
+            </a:r>
+          </a:p>
+          <a:p>
+            <a:r>
+              <a:rPr lang="fr-FR" dirty="0" smtClean="0">
+                <a:solidFill>
+                  <a:schemeClr val="tx1"/>
+                </a:solidFill>
+              </a:rPr>
+              <a:t>Supporte peut de clients</a:t>
+            </a:r>
+            <a:endParaRPr lang="fr-FR" dirty="0">
+              <a:solidFill>
+                <a:schemeClr val="tx1"/>
+              </a:solidFill>
+            </a:endParaRPr>
+          </a:p>
+        </p:txBody>
+      </p:sp>
+      <p:sp>
+        <p:nvSpPr>
+          <p:cNvPr id="9" name="Espace réservé du pied de page 8"/>
+          <p:cNvSpPr>
+            <a:spLocks noGrp="1"/>
+          </p:cNvSpPr>
+          <p:nvPr>
+            <p:ph type="ftr" sz="quarter" idx="11"/>
+          </p:nvPr>
+        </p:nvSpPr>
+        <p:spPr>
+          <a:xfrm>
+            <a:off x="2843808" y="6356350"/>
+            <a:ext cx="3456384" cy="365125"/>
+          </a:xfrm>
+        </p:spPr>
+        <p:txBody>
+          <a:bodyPr/>
+          <a:lstStyle/>
+          <a:p>
+            <a:r>
+              <a:rPr lang="fr-FR" dirty="0" smtClean="0">
+                <a:solidFill>
+                  <a:schemeClr val="tx1"/>
+                </a:solidFill>
+              </a:rPr>
+              <a:t>Université de Nantes, Licence Professionnelle SIL</a:t>
+            </a:r>
+            <a:endParaRPr lang="fr-BE" dirty="0">
+              <a:solidFill>
+                <a:schemeClr val="tx1"/>
+              </a:solidFill>
+            </a:endParaRPr>
+          </a:p>
+        </p:txBody>
+      </p:sp>
+      <p:sp>
+        <p:nvSpPr>
+          <p:cNvPr id="10" name="Espace réservé du numéro de diapositive 9"/>
+          <p:cNvSpPr>
+            <a:spLocks noGrp="1"/>
+          </p:cNvSpPr>
+          <p:nvPr>
+            <p:ph type="sldNum" sz="quarter" idx="12"/>
+          </p:nvPr>
+        </p:nvSpPr>
+        <p:spPr>
+          <a:xfrm>
+            <a:off x="6553200" y="6356350"/>
+            <a:ext cx="2133600" cy="365125"/>
+          </a:xfrm>
+        </p:spPr>
+        <p:txBody>
+          <a:bodyPr/>
+          <a:lstStyle/>
+          <a:p>
+            <a:fld id="{CF4668DC-857F-487D-BFFA-8C0CA5037977}" type="slidenum">
+              <a:rPr lang="fr-BE" smtClean="0">
+                <a:solidFill>
+                  <a:schemeClr val="tx1"/>
+                </a:solidFill>
+              </a:rPr>
+              <a:t>16</a:t>
+            </a:fld>
+            <a:endParaRPr lang="fr-BE" dirty="0">
+              <a:solidFill>
+                <a:schemeClr val="tx1"/>
+              </a:solidFill>
+            </a:endParaRPr>
+          </a:p>
+        </p:txBody>
+      </p:sp>
+      <p:pic>
+        <p:nvPicPr>
+          <p:cNvPr id="11" name="Image 10"/>
+          <p:cNvPicPr>
+            <a:picLocks noChangeAspect="1"/>
+          </p:cNvPicPr>
+          <p:nvPr/>
+        </p:nvPicPr>
+        <p:blipFill>
+          <a:blip r:embed="rId2">
+            <a:extLst>
+              <a:ext uri="{28A0092B-C50C-407E-A947-70E740481C1C}">
+                <a14:useLocalDpi xmlns:a14="http://schemas.microsoft.com/office/drawing/2010/main" val="0"/>
+              </a:ext>
+            </a:extLst>
+          </a:blip>
+          <a:stretch>
+            <a:fillRect/>
+          </a:stretch>
+        </p:blipFill>
+        <p:spPr>
+          <a:xfrm>
+            <a:off x="107504" y="133118"/>
+            <a:ext cx="1080120" cy="469618"/>
+          </a:xfrm>
+          <a:prstGeom prst="rect">
+            <a:avLst/>
+          </a:prstGeom>
+        </p:spPr>
+      </p:pic>
+      <p:sp>
+        <p:nvSpPr>
+          <p:cNvPr id="12" name="Rogner un rectangle avec un coin diagonal 11"/>
+          <p:cNvSpPr/>
+          <p:nvPr/>
+        </p:nvSpPr>
+        <p:spPr>
+          <a:xfrm>
+            <a:off x="1259632" y="0"/>
+            <a:ext cx="7848872" cy="512676"/>
+          </a:xfrm>
+          <a:prstGeom prst="snip2DiagRect">
+            <a:avLst>
+              <a:gd name="adj1" fmla="val 24520"/>
+              <a:gd name="adj2" fmla="val 23038"/>
+            </a:avLst>
+          </a:prstGeom>
+        </p:spPr>
+        <p:style>
+          <a:lnRef idx="0">
+            <a:schemeClr val="accent5"/>
+          </a:lnRef>
+          <a:fillRef idx="3">
+            <a:schemeClr val="accent5"/>
+          </a:fillRef>
+          <a:effectRef idx="3">
+            <a:schemeClr val="accent5"/>
+          </a:effectRef>
+          <a:fontRef idx="minor">
+            <a:schemeClr val="lt1"/>
+          </a:fontRef>
+        </p:style>
+        <p:txBody>
+          <a:bodyPr rtlCol="0" anchor="ctr"/>
+          <a:lstStyle/>
+          <a:p>
+            <a:pPr algn="ctr"/>
+            <a:r>
+              <a:rPr lang="fr-FR" sz="1200" dirty="0" smtClean="0">
+                <a:solidFill>
+                  <a:schemeClr val="tx1"/>
+                </a:solidFill>
+              </a:rPr>
+              <a:t>-Principe de fonctionnement -Architecture -Services de l’application -Diagramme des cas d’utilisation</a:t>
+            </a:r>
+          </a:p>
+          <a:p>
+            <a:pPr algn="ctr"/>
+            <a:r>
+              <a:rPr lang="fr-FR" sz="1200" dirty="0" smtClean="0">
+                <a:solidFill>
+                  <a:schemeClr val="tx1"/>
+                </a:solidFill>
+              </a:rPr>
+              <a:t>-Matérielle et logiciel -Réalisation -Model Vue Contrôleur </a:t>
+            </a:r>
+            <a:r>
+              <a:rPr lang="fr-FR" sz="1200" dirty="0" smtClean="0">
+                <a:solidFill>
+                  <a:schemeClr val="bg1"/>
+                </a:solidFill>
+              </a:rPr>
+              <a:t>-Avantages / inconvénients </a:t>
+            </a:r>
+            <a:r>
+              <a:rPr lang="fr-FR" sz="1200" dirty="0" smtClean="0">
+                <a:solidFill>
+                  <a:schemeClr val="tx1"/>
+                </a:solidFill>
+              </a:rPr>
+              <a:t>-Améliorations possibles</a:t>
+            </a:r>
+            <a:endParaRPr lang="fr-FR" sz="1200" dirty="0">
+              <a:solidFill>
+                <a:schemeClr val="tx1"/>
+              </a:solidFill>
+            </a:endParaRPr>
+          </a:p>
+        </p:txBody>
+      </p:sp>
+    </p:spTree>
+    <p:extLst>
+      <p:ext uri="{BB962C8B-B14F-4D97-AF65-F5344CB8AC3E}">
+        <p14:creationId xmlns:p14="http://schemas.microsoft.com/office/powerpoint/2010/main" val="218983957"/>
+      </p:ext>
+    </p:extLst>
+  </p:cSld>
+  <p:clrMapOvr>
+    <a:masterClrMapping/>
+  </p:clrMapOvr>
+  <p:timing>
+    <p:tnLst>
+      <p:par>
+        <p:cTn id="1" dur="indefinite" restart="never" nodeType="tmRoot"/>
+      </p:par>
+    </p:tnLst>
+  </p:timing>
+</p:sld>
+</file>
+
+<file path=ppt/slides/slide17.xml><?xml version="1.0" encoding="utf-8"?>
+<p:sld xmlns:a="http://schemas.openxmlformats.org/drawingml/2006/main" xmlns:r="http://schemas.openxmlformats.org/officeDocument/2006/relationships" xmlns:p="http://schemas.openxmlformats.org/presentationml/2006/main">
+  <p:cSld>
+    <p:spTree>
+      <p:nvGrpSpPr>
+        <p:cNvPr id="1" name=""/>
+        <p:cNvGrpSpPr/>
+        <p:nvPr/>
+      </p:nvGrpSpPr>
+      <p:grpSpPr>
+        <a:xfrm>
+          <a:off x="0" y="0"/>
+          <a:ext cx="0" cy="0"/>
+          <a:chOff x="0" y="0"/>
+          <a:chExt cx="0" cy="0"/>
+        </a:xfrm>
+      </p:grpSpPr>
+      <p:sp>
+        <p:nvSpPr>
+          <p:cNvPr id="2" name="Titre 1"/>
+          <p:cNvSpPr>
+            <a:spLocks noGrp="1"/>
+          </p:cNvSpPr>
+          <p:nvPr>
+            <p:ph type="ctrTitle"/>
+          </p:nvPr>
+        </p:nvSpPr>
+        <p:spPr>
+          <a:xfrm>
+            <a:off x="685800" y="806847"/>
+            <a:ext cx="7772400" cy="1470025"/>
+          </a:xfrm>
+        </p:spPr>
+        <p:txBody>
+          <a:bodyPr/>
+          <a:lstStyle/>
+          <a:p>
+            <a:r>
+              <a:rPr lang="fr-FR" dirty="0" smtClean="0"/>
+              <a:t>Améliorations possibles</a:t>
+            </a:r>
+            <a:endParaRPr lang="fr-FR" dirty="0"/>
+          </a:p>
+        </p:txBody>
+      </p:sp>
+      <p:sp>
+        <p:nvSpPr>
+          <p:cNvPr id="3" name="Sous-titre 2"/>
+          <p:cNvSpPr>
+            <a:spLocks noGrp="1"/>
+          </p:cNvSpPr>
+          <p:nvPr>
+            <p:ph type="subTitle" idx="1"/>
+          </p:nvPr>
+        </p:nvSpPr>
+        <p:spPr/>
+        <p:txBody>
+          <a:bodyPr>
+            <a:normAutofit/>
+          </a:bodyPr>
+          <a:lstStyle/>
+          <a:p>
+            <a:r>
+              <a:rPr lang="fr-FR" dirty="0" smtClean="0">
+                <a:solidFill>
+                  <a:schemeClr val="tx1"/>
+                </a:solidFill>
+              </a:rPr>
+              <a:t>Externaliser la partie Contrôleur/model en services wso2</a:t>
+            </a:r>
+          </a:p>
+          <a:p>
+            <a:r>
+              <a:rPr lang="fr-FR" dirty="0" smtClean="0">
+                <a:solidFill>
+                  <a:schemeClr val="tx1"/>
+                </a:solidFill>
+              </a:rPr>
+              <a:t>Utiliser </a:t>
+            </a:r>
+            <a:r>
+              <a:rPr lang="fr-FR" dirty="0" err="1" smtClean="0">
+                <a:solidFill>
+                  <a:schemeClr val="tx1"/>
+                </a:solidFill>
+              </a:rPr>
+              <a:t>Mysql</a:t>
+            </a:r>
+            <a:r>
+              <a:rPr lang="fr-FR" dirty="0" smtClean="0">
+                <a:solidFill>
+                  <a:schemeClr val="tx1"/>
+                </a:solidFill>
+              </a:rPr>
+              <a:t> comme SGBD.</a:t>
+            </a:r>
+            <a:endParaRPr lang="fr-FR" dirty="0">
+              <a:solidFill>
+                <a:schemeClr val="tx1"/>
+              </a:solidFill>
+            </a:endParaRPr>
+          </a:p>
+        </p:txBody>
+      </p:sp>
+      <p:sp>
+        <p:nvSpPr>
+          <p:cNvPr id="9" name="Espace réservé du pied de page 8"/>
+          <p:cNvSpPr>
+            <a:spLocks noGrp="1"/>
+          </p:cNvSpPr>
+          <p:nvPr>
+            <p:ph type="ftr" sz="quarter" idx="11"/>
+          </p:nvPr>
+        </p:nvSpPr>
+        <p:spPr>
+          <a:xfrm>
+            <a:off x="2843808" y="6356350"/>
+            <a:ext cx="3456384" cy="365125"/>
+          </a:xfrm>
+        </p:spPr>
+        <p:txBody>
+          <a:bodyPr/>
+          <a:lstStyle/>
+          <a:p>
+            <a:r>
+              <a:rPr lang="fr-FR" dirty="0" smtClean="0">
+                <a:solidFill>
+                  <a:schemeClr val="tx1"/>
+                </a:solidFill>
+              </a:rPr>
+              <a:t>Université de Nantes, Licence Professionnelle SIL</a:t>
+            </a:r>
+            <a:endParaRPr lang="fr-BE" dirty="0">
+              <a:solidFill>
+                <a:schemeClr val="tx1"/>
+              </a:solidFill>
+            </a:endParaRPr>
+          </a:p>
+        </p:txBody>
+      </p:sp>
+      <p:sp>
+        <p:nvSpPr>
+          <p:cNvPr id="10" name="Espace réservé du numéro de diapositive 9"/>
+          <p:cNvSpPr>
+            <a:spLocks noGrp="1"/>
+          </p:cNvSpPr>
+          <p:nvPr>
+            <p:ph type="sldNum" sz="quarter" idx="12"/>
+          </p:nvPr>
+        </p:nvSpPr>
+        <p:spPr>
+          <a:xfrm>
+            <a:off x="6553200" y="6356350"/>
+            <a:ext cx="2133600" cy="365125"/>
+          </a:xfrm>
+        </p:spPr>
+        <p:txBody>
+          <a:bodyPr/>
+          <a:lstStyle/>
+          <a:p>
+            <a:fld id="{CF4668DC-857F-487D-BFFA-8C0CA5037977}" type="slidenum">
+              <a:rPr lang="fr-BE" smtClean="0">
+                <a:solidFill>
+                  <a:schemeClr val="tx1"/>
+                </a:solidFill>
+              </a:rPr>
+              <a:t>17</a:t>
             </a:fld>
             <a:endParaRPr lang="fr-BE" dirty="0">
               <a:solidFill>
@@ -6122,15 +10005,7 @@
                   <a:schemeClr val="tx1"/>
                 </a:solidFill>
               </a:rPr>
-              <a:t>ommander </a:t>
-            </a:r>
-            <a:r>
-              <a:rPr lang="fr-FR" sz="2800" dirty="0" smtClean="0">
-                <a:solidFill>
-                  <a:schemeClr val="tx1"/>
-                </a:solidFill>
-              </a:rPr>
-              <a:t>des articles</a:t>
+              <a:t>ommander des articles</a:t>
             </a:r>
           </a:p>
           <a:p>
@@ -9824,11 +13699,7 @@
                       </a:pPr>
                       <a:r>
                         <a:rPr lang="fr-FR" sz="1200" dirty="0" smtClean="0"/>
-                        <a:t>INTEGER NOT NULL </a:t>
-                      </a:r>
-                      <a:r>
-                        <a:rPr lang="fr-FR" sz="1200" dirty="0" smtClean="0"/>
-                        <a:t>PK</a:t>
+                        <a:t>INTEGER NOT NULL PK</a:t>
                       </a:r>
                       <a:r>
                         <a:rPr lang="fr-FR" sz="1200" baseline="0" dirty="0" smtClean="0"/>

--- a/Documentation/DiapoProg3/PresentationProg3.pptx
+++ b/Documentation/DiapoProg3/PresentationProg3.pptx
@@ -208,7 +208,7 @@
           <a:p>
             <a:fld id="{590AB086-9098-4FF0-889C-4660684A76AF}" type="datetimeFigureOut">
               <a:rPr lang="fr-FR" smtClean="0"/>
-              <a:t>13/02/2014</a:t>
+              <a:t>14/02/2014</a:t>
             </a:fld>
             <a:endParaRPr lang="fr-FR"/>
           </a:p>
@@ -741,7 +741,7 @@
           <a:p>
             <a:fld id="{C902A2D5-3413-48DE-8ECE-1C9F6F60C7B6}" type="datetime1">
               <a:rPr lang="fr-FR" smtClean="0"/>
-              <a:t>13/02/2014</a:t>
+              <a:t>14/02/2014</a:t>
             </a:fld>
             <a:endParaRPr lang="fr-BE"/>
           </a:p>
@@ -910,7 +910,7 @@
           <a:p>
             <a:fld id="{71C392D7-94FE-419D-BC9A-92D04AC65958}" type="datetime1">
               <a:rPr lang="fr-FR" smtClean="0"/>
-              <a:t>13/02/2014</a:t>
+              <a:t>14/02/2014</a:t>
             </a:fld>
             <a:endParaRPr lang="fr-BE"/>
           </a:p>
@@ -1089,7 +1089,7 @@
           <a:p>
             <a:fld id="{BC9C2D57-6320-420E-BC0B-FB96B1240827}" type="datetime1">
               <a:rPr lang="fr-FR" smtClean="0"/>
-              <a:t>13/02/2014</a:t>
+              <a:t>14/02/2014</a:t>
             </a:fld>
             <a:endParaRPr lang="fr-BE"/>
           </a:p>
@@ -1258,7 +1258,7 @@
           <a:p>
             <a:fld id="{A9A568EF-5B02-43D3-99A2-8E755C9E955B}" type="datetime1">
               <a:rPr lang="fr-FR" smtClean="0"/>
-              <a:t>13/02/2014</a:t>
+              <a:t>14/02/2014</a:t>
             </a:fld>
             <a:endParaRPr lang="fr-BE"/>
           </a:p>
@@ -1503,7 +1503,7 @@
           <a:p>
             <a:fld id="{32634D8A-A9F9-4825-A4DC-9BEC228D81F1}" type="datetime1">
               <a:rPr lang="fr-FR" smtClean="0"/>
-              <a:t>13/02/2014</a:t>
+              <a:t>14/02/2014</a:t>
             </a:fld>
             <a:endParaRPr lang="fr-BE"/>
           </a:p>
@@ -1790,7 +1790,7 @@
           <a:p>
             <a:fld id="{C6F4CAAA-F27E-4521-B17A-E23914568578}" type="datetime1">
               <a:rPr lang="fr-FR" smtClean="0"/>
-              <a:t>13/02/2014</a:t>
+              <a:t>14/02/2014</a:t>
             </a:fld>
             <a:endParaRPr lang="fr-BE"/>
           </a:p>
@@ -2211,7 +2211,7 @@
           <a:p>
             <a:fld id="{7D5FA12D-4B2C-451E-B245-5BBAB23B1D8E}" type="datetime1">
               <a:rPr lang="fr-FR" smtClean="0"/>
-              <a:t>13/02/2014</a:t>
+              <a:t>14/02/2014</a:t>
             </a:fld>
             <a:endParaRPr lang="fr-BE"/>
           </a:p>
@@ -2328,7 +2328,7 @@
           <a:p>
             <a:fld id="{03C308EC-7FA5-48A1-AC31-27C0B68E5FC1}" type="datetime1">
               <a:rPr lang="fr-FR" smtClean="0"/>
-              <a:t>13/02/2014</a:t>
+              <a:t>14/02/2014</a:t>
             </a:fld>
             <a:endParaRPr lang="fr-BE"/>
           </a:p>
@@ -2422,7 +2422,7 @@
           <a:p>
             <a:fld id="{FA6D7DC9-B261-4760-859C-335352DA4003}" type="datetime1">
               <a:rPr lang="fr-FR" smtClean="0"/>
-              <a:t>13/02/2014</a:t>
+              <a:t>14/02/2014</a:t>
             </a:fld>
             <a:endParaRPr lang="fr-BE"/>
           </a:p>
@@ -2698,7 +2698,7 @@
           <a:p>
             <a:fld id="{E655F826-0647-479B-95C0-75DA0751992E}" type="datetime1">
               <a:rPr lang="fr-FR" smtClean="0"/>
-              <a:t>13/02/2014</a:t>
+              <a:t>14/02/2014</a:t>
             </a:fld>
             <a:endParaRPr lang="fr-BE"/>
           </a:p>
@@ -2950,7 +2950,7 @@
           <a:p>
             <a:fld id="{18F1E8EA-B5CD-4FB2-B3EB-3F67E8EEAEDA}" type="datetime1">
               <a:rPr lang="fr-FR" smtClean="0"/>
-              <a:t>13/02/2014</a:t>
+              <a:t>14/02/2014</a:t>
             </a:fld>
             <a:endParaRPr lang="fr-BE"/>
           </a:p>
@@ -3194,7 +3194,7 @@
           <a:p>
             <a:fld id="{88E02C3B-D3D9-43B7-9A8A-C03EC265FE24}" type="datetime1">
               <a:rPr lang="fr-FR" smtClean="0"/>
-              <a:t>13/02/2014</a:t>
+              <a:t>14/02/2014</a:t>
             </a:fld>
             <a:endParaRPr lang="fr-BE"/>
           </a:p>
@@ -6045,7 +6045,25 @@
                   <a:schemeClr val="tx1"/>
                 </a:solidFill>
               </a:rPr>
-              <a:t>Chaque model à son service(contrôleur)</a:t>
+              <a:t>Chaque model à son </a:t>
+            </a:r>
+            <a:r>
+              <a:rPr lang="fr-FR" dirty="0" smtClean="0">
+                <a:solidFill>
+                  <a:schemeClr val="tx1"/>
+                </a:solidFill>
+              </a:rPr>
+              <a:t>service</a:t>
+            </a:r>
+          </a:p>
+          <a:p>
+            <a:r>
+              <a:rPr lang="fr-FR" dirty="0" smtClean="0">
+                <a:solidFill>
+                  <a:schemeClr val="tx1"/>
+                </a:solidFill>
+              </a:rPr>
+              <a:t>=&gt; contrôleur</a:t>
             </a:r>
             <a:endParaRPr lang="fr-FR" dirty="0">
               <a:solidFill>
@@ -7336,7 +7354,31 @@
                   <a:schemeClr val="tx1"/>
                 </a:solidFill>
               </a:rPr>
-              <a:t>La vue</a:t>
+              <a:t>Les données </a:t>
+            </a:r>
+            <a:r>
+              <a:rPr lang="fr-FR" dirty="0" smtClean="0">
+                <a:solidFill>
+                  <a:schemeClr val="tx1"/>
+                </a:solidFill>
+              </a:rPr>
+              <a:t>sont affichées sur les pages web =&gt; </a:t>
+            </a:r>
+            <a:r>
+              <a:rPr lang="fr-FR" dirty="0" smtClean="0">
+                <a:solidFill>
+                  <a:schemeClr val="tx1"/>
+                </a:solidFill>
+              </a:rPr>
+              <a:t>La </a:t>
+            </a:r>
+            <a:r>
+              <a:rPr lang="fr-FR" dirty="0" smtClean="0">
+                <a:solidFill>
+                  <a:schemeClr val="tx1"/>
+                </a:solidFill>
+              </a:rPr>
+              <a:t>vue</a:t>
             </a:r>
             <a:endParaRPr lang="fr-FR" dirty="0">
               <a:solidFill>
@@ -7525,6 +7567,128 @@
                 <a:schemeClr val="tx1"/>
               </a:solidFill>
             </a:endParaRPr>
+          </a:p>
+        </p:txBody>
+      </p:sp>
+      <p:pic>
+        <p:nvPicPr>
+          <p:cNvPr id="4" name="Image 3"/>
+          <p:cNvPicPr>
+            <a:picLocks noChangeAspect="1"/>
+          </p:cNvPicPr>
+          <p:nvPr/>
+        </p:nvPicPr>
+        <p:blipFill>
+          <a:blip r:embed="rId3">
+            <a:extLst>
+              <a:ext uri="{28A0092B-C50C-407E-A947-70E740481C1C}">
+                <a14:useLocalDpi xmlns:a14="http://schemas.microsoft.com/office/drawing/2010/main" val="0"/>
+              </a:ext>
+            </a:extLst>
+          </a:blip>
+          <a:stretch>
+            <a:fillRect/>
+          </a:stretch>
+        </p:blipFill>
+        <p:spPr>
+          <a:xfrm>
+            <a:off x="3059832" y="3284984"/>
+            <a:ext cx="5474963" cy="2224396"/>
+          </a:xfrm>
+          <a:prstGeom prst="roundRect">
+            <a:avLst>
+              <a:gd name="adj" fmla="val 16667"/>
+            </a:avLst>
+          </a:prstGeom>
+          <a:ln>
+            <a:noFill/>
+          </a:ln>
+          <a:effectLst>
+            <a:outerShdw blurRad="76200" dist="38100" dir="7800000" algn="tl" rotWithShape="0">
+              <a:srgbClr val="000000">
+                <a:alpha val="40000"/>
+              </a:srgbClr>
+            </a:outerShdw>
+          </a:effectLst>
+          <a:scene3d>
+            <a:camera prst="orthographicFront"/>
+            <a:lightRig rig="contrasting" dir="t">
+              <a:rot lat="0" lon="0" rev="4200000"/>
+            </a:lightRig>
+          </a:scene3d>
+          <a:sp3d prstMaterial="plastic">
+            <a:bevelT w="381000" h="114300" prst="relaxedInset"/>
+            <a:contourClr>
+              <a:srgbClr val="969696"/>
+            </a:contourClr>
+          </a:sp3d>
+        </p:spPr>
+      </p:pic>
+      <p:sp>
+        <p:nvSpPr>
+          <p:cNvPr id="5" name="ZoneTexte 4"/>
+          <p:cNvSpPr txBox="1"/>
+          <p:nvPr/>
+        </p:nvSpPr>
+        <p:spPr>
+          <a:xfrm>
+            <a:off x="174846" y="4212516"/>
+            <a:ext cx="2066207" cy="369332"/>
+          </a:xfrm>
+          <a:prstGeom prst="rect">
+            <a:avLst/>
+          </a:prstGeom>
+          <a:noFill/>
+        </p:spPr>
+        <p:txBody>
+          <a:bodyPr wrap="none" rtlCol="0">
+            <a:spAutoFit/>
+          </a:bodyPr>
+          <a:lstStyle/>
+          <a:p>
+            <a:r>
+              <a:rPr lang="fr-FR" b="1" dirty="0" err="1" smtClean="0"/>
+              <a:t>nouvelAdherent.jsp</a:t>
+            </a:r>
+            <a:endParaRPr lang="fr-FR" b="1" dirty="0"/>
+          </a:p>
+        </p:txBody>
+      </p:sp>
+      <p:sp>
+        <p:nvSpPr>
+          <p:cNvPr id="13" name="Double flèche horizontale 12"/>
+          <p:cNvSpPr/>
+          <p:nvPr/>
+        </p:nvSpPr>
+        <p:spPr>
+          <a:xfrm>
+            <a:off x="2112420" y="4218331"/>
+            <a:ext cx="900100" cy="432048"/>
+          </a:xfrm>
+          <a:prstGeom prst="leftRightArrow">
+            <a:avLst/>
+          </a:prstGeom>
+        </p:spPr>
+        <p:style>
+          <a:lnRef idx="3">
+            <a:schemeClr val="lt1"/>
+          </a:lnRef>
+          <a:fillRef idx="1">
+            <a:schemeClr val="accent1"/>
+          </a:fillRef>
+          <a:effectRef idx="1">
+            <a:schemeClr val="accent1"/>
+          </a:effectRef>
+          <a:fontRef idx="minor">
+            <a:schemeClr val="lt1"/>
+          </a:fontRef>
+        </p:style>
+        <p:txBody>
+          <a:bodyPr rtlCol="0" anchor="ctr"/>
+          <a:lstStyle/>
+          <a:p>
+            <a:pPr algn="ctr"/>
+            <a:endParaRPr lang="fr-FR"/>
           </a:p>
         </p:txBody>
       </p:sp>

--- a/Documentation/DiapoProg3/PresentationProg3.pptx
+++ b/Documentation/DiapoProg3/PresentationProg3.pptx
@@ -208,7 +208,7 @@
           <a:p>
             <a:fld id="{590AB086-9098-4FF0-889C-4660684A76AF}" type="datetimeFigureOut">
               <a:rPr lang="fr-FR" smtClean="0"/>
-              <a:t>14/02/2014</a:t>
+              <a:t>16/02/2014</a:t>
             </a:fld>
             <a:endParaRPr lang="fr-FR"/>
           </a:p>
@@ -741,7 +741,7 @@
           <a:p>
             <a:fld id="{C902A2D5-3413-48DE-8ECE-1C9F6F60C7B6}" type="datetime1">
               <a:rPr lang="fr-FR" smtClean="0"/>
-              <a:t>14/02/2014</a:t>
+              <a:t>16/02/2014</a:t>
             </a:fld>
             <a:endParaRPr lang="fr-BE"/>
           </a:p>
@@ -910,7 +910,7 @@
           <a:p>
             <a:fld id="{71C392D7-94FE-419D-BC9A-92D04AC65958}" type="datetime1">
               <a:rPr lang="fr-FR" smtClean="0"/>
-              <a:t>14/02/2014</a:t>
+              <a:t>16/02/2014</a:t>
             </a:fld>
             <a:endParaRPr lang="fr-BE"/>
           </a:p>
@@ -1089,7 +1089,7 @@
           <a:p>
             <a:fld id="{BC9C2D57-6320-420E-BC0B-FB96B1240827}" type="datetime1">
               <a:rPr lang="fr-FR" smtClean="0"/>
-              <a:t>14/02/2014</a:t>
+              <a:t>16/02/2014</a:t>
             </a:fld>
             <a:endParaRPr lang="fr-BE"/>
           </a:p>
@@ -1258,7 +1258,7 @@
           <a:p>
             <a:fld id="{A9A568EF-5B02-43D3-99A2-8E755C9E955B}" type="datetime1">
               <a:rPr lang="fr-FR" smtClean="0"/>
-              <a:t>14/02/2014</a:t>
+              <a:t>16/02/2014</a:t>
             </a:fld>
             <a:endParaRPr lang="fr-BE"/>
           </a:p>
@@ -1503,7 +1503,7 @@
           <a:p>
             <a:fld id="{32634D8A-A9F9-4825-A4DC-9BEC228D81F1}" type="datetime1">
               <a:rPr lang="fr-FR" smtClean="0"/>
-              <a:t>14/02/2014</a:t>
+              <a:t>16/02/2014</a:t>
             </a:fld>
             <a:endParaRPr lang="fr-BE"/>
           </a:p>
@@ -1790,7 +1790,7 @@
           <a:p>
             <a:fld id="{C6F4CAAA-F27E-4521-B17A-E23914568578}" type="datetime1">
               <a:rPr lang="fr-FR" smtClean="0"/>
-              <a:t>14/02/2014</a:t>
+              <a:t>16/02/2014</a:t>
             </a:fld>
             <a:endParaRPr lang="fr-BE"/>
           </a:p>
@@ -2211,7 +2211,7 @@
           <a:p>
             <a:fld id="{7D5FA12D-4B2C-451E-B245-5BBAB23B1D8E}" type="datetime1">
               <a:rPr lang="fr-FR" smtClean="0"/>
-              <a:t>14/02/2014</a:t>
+              <a:t>16/02/2014</a:t>
             </a:fld>
             <a:endParaRPr lang="fr-BE"/>
           </a:p>
@@ -2328,7 +2328,7 @@
           <a:p>
             <a:fld id="{03C308EC-7FA5-48A1-AC31-27C0B68E5FC1}" type="datetime1">
               <a:rPr lang="fr-FR" smtClean="0"/>
-              <a:t>14/02/2014</a:t>
+              <a:t>16/02/2014</a:t>
             </a:fld>
             <a:endParaRPr lang="fr-BE"/>
           </a:p>
@@ -2422,7 +2422,7 @@
           <a:p>
             <a:fld id="{FA6D7DC9-B261-4760-859C-335352DA4003}" type="datetime1">
               <a:rPr lang="fr-FR" smtClean="0"/>
-              <a:t>14/02/2014</a:t>
+              <a:t>16/02/2014</a:t>
             </a:fld>
             <a:endParaRPr lang="fr-BE"/>
           </a:p>
@@ -2698,7 +2698,7 @@
           <a:p>
             <a:fld id="{E655F826-0647-479B-95C0-75DA0751992E}" type="datetime1">
               <a:rPr lang="fr-FR" smtClean="0"/>
-              <a:t>14/02/2014</a:t>
+              <a:t>16/02/2014</a:t>
             </a:fld>
             <a:endParaRPr lang="fr-BE"/>
           </a:p>
@@ -2950,7 +2950,7 @@
           <a:p>
             <a:fld id="{18F1E8EA-B5CD-4FB2-B3EB-3F67E8EEAEDA}" type="datetime1">
               <a:rPr lang="fr-FR" smtClean="0"/>
-              <a:t>14/02/2014</a:t>
+              <a:t>16/02/2014</a:t>
             </a:fld>
             <a:endParaRPr lang="fr-BE"/>
           </a:p>
@@ -3194,7 +3194,7 @@
           <a:p>
             <a:fld id="{88E02C3B-D3D9-43B7-9A8A-C03EC265FE24}" type="datetime1">
               <a:rPr lang="fr-FR" smtClean="0"/>
-              <a:t>14/02/2014</a:t>
+              <a:t>16/02/2014</a:t>
             </a:fld>
             <a:endParaRPr lang="fr-BE"/>
           </a:p>
@@ -3750,6 +3750,180 @@
           </a:p>
         </p:txBody>
       </p:sp>
+      <p:sp>
+        <p:nvSpPr>
+          <p:cNvPr id="7" name="Espace réservé du pied de page 8"/>
+          <p:cNvSpPr txBox="1">
+            <a:spLocks/>
+          </p:cNvSpPr>
+          <p:nvPr/>
+        </p:nvSpPr>
+        <p:spPr>
+          <a:xfrm>
+            <a:off x="2843808" y="5154555"/>
+            <a:ext cx="3456384" cy="1154765"/>
+          </a:xfrm>
+          <a:prstGeom prst="rect">
+            <a:avLst/>
+          </a:prstGeom>
+        </p:spPr>
+        <p:txBody>
+          <a:bodyPr vert="horz" lIns="91440" tIns="45720" rIns="91440" bIns="45720" rtlCol="0" anchor="ctr"/>
+          <a:lstStyle>
+            <a:defPPr>
+              <a:defRPr lang="fr-FR"/>
+            </a:defPPr>
+            <a:lvl1pPr marL="0" algn="ctr" defTabSz="914400" rtl="0" eaLnBrk="1" latinLnBrk="0" hangingPunct="1">
+              <a:defRPr sz="1200" kern="1200">
+                <a:solidFill>
+                  <a:schemeClr val="tx1">
+                    <a:tint val="75000"/>
+                  </a:schemeClr>
+                </a:solidFill>
+                <a:latin typeface="+mn-lt"/>
+                <a:ea typeface="+mn-ea"/>
+                <a:cs typeface="+mn-cs"/>
+              </a:defRPr>
+            </a:lvl1pPr>
+            <a:lvl2pPr marL="457200" algn="l" defTabSz="914400" rtl="0" eaLnBrk="1" latinLnBrk="0" hangingPunct="1">
+              <a:defRPr sz="1800" kern="1200">
+                <a:solidFill>
+                  <a:schemeClr val="tx1"/>
+                </a:solidFill>
+                <a:latin typeface="+mn-lt"/>
+                <a:ea typeface="+mn-ea"/>
+                <a:cs typeface="+mn-cs"/>
+              </a:defRPr>
+            </a:lvl2pPr>
+            <a:lvl3pPr marL="914400" algn="l" defTabSz="914400" rtl="0" eaLnBrk="1" latinLnBrk="0" hangingPunct="1">
+              <a:defRPr sz="1800" kern="1200">
+                <a:solidFill>
+                  <a:schemeClr val="tx1"/>
+                </a:solidFill>
+                <a:latin typeface="+mn-lt"/>
+                <a:ea typeface="+mn-ea"/>
+                <a:cs typeface="+mn-cs"/>
+              </a:defRPr>
+            </a:lvl3pPr>
+            <a:lvl4pPr marL="1371600" algn="l" defTabSz="914400" rtl="0" eaLnBrk="1" latinLnBrk="0" hangingPunct="1">
+              <a:defRPr sz="1800" kern="1200">
+                <a:solidFill>
+                  <a:schemeClr val="tx1"/>
+                </a:solidFill>
+                <a:latin typeface="+mn-lt"/>
+                <a:ea typeface="+mn-ea"/>
+                <a:cs typeface="+mn-cs"/>
+              </a:defRPr>
+            </a:lvl4pPr>
+            <a:lvl5pPr marL="1828800" algn="l" defTabSz="914400" rtl="0" eaLnBrk="1" latinLnBrk="0" hangingPunct="1">
+              <a:defRPr sz="1800" kern="1200">
+                <a:solidFill>
+                  <a:schemeClr val="tx1"/>
+                </a:solidFill>
+                <a:latin typeface="+mn-lt"/>
+                <a:ea typeface="+mn-ea"/>
+                <a:cs typeface="+mn-cs"/>
+              </a:defRPr>
+            </a:lvl5pPr>
+            <a:lvl6pPr marL="2286000" algn="l" defTabSz="914400" rtl="0" eaLnBrk="1" latinLnBrk="0" hangingPunct="1">
+              <a:defRPr sz="1800" kern="1200">
+                <a:solidFill>
+                  <a:schemeClr val="tx1"/>
+                </a:solidFill>
+                <a:latin typeface="+mn-lt"/>
+                <a:ea typeface="+mn-ea"/>
+                <a:cs typeface="+mn-cs"/>
+              </a:defRPr>
+            </a:lvl6pPr>
+            <a:lvl7pPr marL="2743200" algn="l" defTabSz="914400" rtl="0" eaLnBrk="1" latinLnBrk="0" hangingPunct="1">
+              <a:defRPr sz="1800" kern="1200">
+                <a:solidFill>
+                  <a:schemeClr val="tx1"/>
+                </a:solidFill>
+                <a:latin typeface="+mn-lt"/>
+                <a:ea typeface="+mn-ea"/>
+                <a:cs typeface="+mn-cs"/>
+              </a:defRPr>
+            </a:lvl7pPr>
+            <a:lvl8pPr marL="3200400" algn="l" defTabSz="914400" rtl="0" eaLnBrk="1" latinLnBrk="0" hangingPunct="1">
+              <a:defRPr sz="1800" kern="1200">
+                <a:solidFill>
+                  <a:schemeClr val="tx1"/>
+                </a:solidFill>
+                <a:latin typeface="+mn-lt"/>
+                <a:ea typeface="+mn-ea"/>
+                <a:cs typeface="+mn-cs"/>
+              </a:defRPr>
+            </a:lvl8pPr>
+            <a:lvl9pPr marL="3657600" algn="l" defTabSz="914400" rtl="0" eaLnBrk="1" latinLnBrk="0" hangingPunct="1">
+              <a:defRPr sz="1800" kern="1200">
+                <a:solidFill>
+                  <a:schemeClr val="tx1"/>
+                </a:solidFill>
+                <a:latin typeface="+mn-lt"/>
+                <a:ea typeface="+mn-ea"/>
+                <a:cs typeface="+mn-cs"/>
+              </a:defRPr>
+            </a:lvl9pPr>
+          </a:lstStyle>
+          <a:p>
+            <a:r>
+              <a:rPr lang="fr-FR" dirty="0" smtClean="0">
+                <a:solidFill>
+                  <a:schemeClr val="tx1"/>
+                </a:solidFill>
+              </a:rPr>
+              <a:t>Leonardo Alarcon</a:t>
+            </a:r>
+          </a:p>
+          <a:p>
+            <a:r>
+              <a:rPr lang="fr-FR" dirty="0" smtClean="0">
+                <a:solidFill>
+                  <a:schemeClr val="tx1"/>
+                </a:solidFill>
+              </a:rPr>
+              <a:t>Miguel Morales </a:t>
+            </a:r>
+            <a:r>
+              <a:rPr lang="fr-FR" dirty="0" err="1">
+                <a:solidFill>
+                  <a:schemeClr val="tx1"/>
+                </a:solidFill>
+              </a:rPr>
+              <a:t>M</a:t>
+            </a:r>
+            <a:r>
+              <a:rPr lang="fr-FR" dirty="0" err="1" smtClean="0">
+                <a:solidFill>
+                  <a:schemeClr val="tx1"/>
+                </a:solidFill>
+              </a:rPr>
+              <a:t>arkez</a:t>
+            </a:r>
+            <a:endParaRPr lang="fr-FR" dirty="0" smtClean="0">
+              <a:solidFill>
+                <a:schemeClr val="tx1"/>
+              </a:solidFill>
+            </a:endParaRPr>
+          </a:p>
+          <a:p>
+            <a:r>
+              <a:rPr lang="fr-FR" dirty="0" smtClean="0">
+                <a:solidFill>
+                  <a:schemeClr val="tx1"/>
+                </a:solidFill>
+              </a:rPr>
+              <a:t>Gildas Le Coq</a:t>
+            </a:r>
+            <a:endParaRPr lang="fr-BE" dirty="0">
+              <a:solidFill>
+                <a:schemeClr val="tx1"/>
+              </a:solidFill>
+            </a:endParaRPr>
+          </a:p>
+        </p:txBody>
+      </p:sp>
     </p:spTree>
     <p:extLst>
       <p:ext uri="{BB962C8B-B14F-4D97-AF65-F5344CB8AC3E}">
@@ -6045,15 +6219,7 @@
                   <a:schemeClr val="tx1"/>
                 </a:solidFill>
               </a:rPr>
-              <a:t>Chaque model à son </a:t>
-            </a:r>
-            <a:r>
-              <a:rPr lang="fr-FR" dirty="0" smtClean="0">
-                <a:solidFill>
-                  <a:schemeClr val="tx1"/>
-                </a:solidFill>
-              </a:rPr>
-              <a:t>service</a:t>
+              <a:t>Chaque model à son service</a:t>
             </a:r>
           </a:p>
           <a:p>
@@ -7354,31 +7520,7 @@
                   <a:schemeClr val="tx1"/>
                 </a:solidFill>
               </a:rPr>
-              <a:t>Les données </a:t>
-            </a:r>
-            <a:r>
-              <a:rPr lang="fr-FR" dirty="0" smtClean="0">
-                <a:solidFill>
-                  <a:schemeClr val="tx1"/>
-                </a:solidFill>
-              </a:rPr>
-              <a:t>sont affichées sur les pages web =&gt; </a:t>
-            </a:r>
-            <a:r>
-              <a:rPr lang="fr-FR" dirty="0" smtClean="0">
-                <a:solidFill>
-                  <a:schemeClr val="tx1"/>
-                </a:solidFill>
-              </a:rPr>
-              <a:t>La </a:t>
-            </a:r>
-            <a:r>
-              <a:rPr lang="fr-FR" dirty="0" smtClean="0">
-                <a:solidFill>
-                  <a:schemeClr val="tx1"/>
-                </a:solidFill>
-              </a:rPr>
-              <a:t>vue</a:t>
+              <a:t>Les données sont affichées sur les pages web =&gt; La vue</a:t>
             </a:r>
             <a:endParaRPr lang="fr-FR" dirty="0">
               <a:solidFill>
@@ -10890,8 +11032,8 @@
           <a:p>
             <a:pPr algn="ctr"/>
             <a:r>
-              <a:rPr lang="fr-FR" sz="1400" dirty="0" err="1" smtClean="0"/>
-              <a:t>Percesistance</a:t>
+              <a:rPr lang="fr-FR" sz="1400" dirty="0" smtClean="0"/>
+              <a:t>Persistance</a:t>
             </a:r>
             <a:endParaRPr lang="fr-FR" sz="1400" dirty="0" smtClean="0"/>
           </a:p>
@@ -11221,7 +11363,7 @@
           <p:nvPr>
             <p:extLst>
               <p:ext uri="{D42A27DB-BD31-4B8C-83A1-F6EECF244321}">
-                <p14:modId xmlns:p14="http://schemas.microsoft.com/office/powerpoint/2010/main" val="865558860"/>
+                <p14:modId xmlns:p14="http://schemas.microsoft.com/office/powerpoint/2010/main" val="2925615068"/>
               </p:ext>
             </p:extLst>
           </p:nvPr>
@@ -11296,7 +11438,15 @@
                     <a:p>
                       <a:r>
                         <a:rPr lang="fr-FR" dirty="0" smtClean="0"/>
-                        <a:t>Pour se connecter l’adhérent doit rentrer son login et mot de passe. C’est la seul façon d’accéder aux</a:t>
+                        <a:t>Pour se connecter l’adhérent doit rentrer son login et mot de passe. C’est la </a:t>
+                      </a:r>
+                      <a:r>
+                        <a:rPr lang="fr-FR" dirty="0" smtClean="0"/>
+                        <a:t>seule </a:t>
+                      </a:r>
+                      <a:r>
+                        <a:rPr lang="fr-FR" dirty="0" smtClean="0"/>
+                        <a:t>façon d’accéder aux</a:t>
                       </a:r>
                       <a:r>
                         <a:rPr lang="fr-FR" baseline="0" dirty="0" smtClean="0"/>
@@ -11330,11 +11480,23 @@
                     <a:p>
                       <a:r>
                         <a:rPr lang="fr-FR" dirty="0" smtClean="0"/>
-                        <a:t>Liste tout les articles contenues dans la base, avec leur nom,</a:t>
+                        <a:t>Liste tout les articles </a:t>
+                      </a:r>
+                      <a:r>
+                        <a:rPr lang="fr-FR" dirty="0" smtClean="0"/>
+                        <a:t>contenus </a:t>
+                      </a:r>
+                      <a:r>
+                        <a:rPr lang="fr-FR" dirty="0" smtClean="0"/>
+                        <a:t>dans la base, avec leur nom,</a:t>
                       </a:r>
                       <a:r>
                         <a:rPr lang="fr-FR" baseline="0" dirty="0" smtClean="0"/>
-                        <a:t> prix et le nombre disponible.</a:t>
+                        <a:t> prix et </a:t>
+                      </a:r>
+                      <a:r>
+                        <a:rPr lang="fr-FR" baseline="0" smtClean="0"/>
+                        <a:t>leurs stocks.</a:t>
                       </a:r>
                       <a:endParaRPr lang="fr-FR" dirty="0"/>
                     </a:p>

--- a/Documentation/DiapoProg3/PresentationProg3.pptx
+++ b/Documentation/DiapoProg3/PresentationProg3.pptx
@@ -5,7 +5,7 @@
     <p:sldMasterId id="2147483648" r:id="rId1"/>
   </p:sldMasterIdLst>
   <p:notesMasterIdLst>
-    <p:notesMasterId r:id="rId19"/>
+    <p:notesMasterId r:id="rId22"/>
   </p:notesMasterIdLst>
   <p:sldIdLst>
     <p:sldId id="256" r:id="rId2"/>
@@ -22,9 +22,12 @@
     <p:sldId id="272" r:id="rId13"/>
     <p:sldId id="273" r:id="rId14"/>
     <p:sldId id="274" r:id="rId15"/>
-    <p:sldId id="266" r:id="rId16"/>
-    <p:sldId id="267" r:id="rId17"/>
-    <p:sldId id="268" r:id="rId18"/>
+    <p:sldId id="277" r:id="rId16"/>
+    <p:sldId id="276" r:id="rId17"/>
+    <p:sldId id="278" r:id="rId18"/>
+    <p:sldId id="266" r:id="rId19"/>
+    <p:sldId id="267" r:id="rId20"/>
+    <p:sldId id="268" r:id="rId21"/>
   </p:sldIdLst>
   <p:sldSz cx="9144000" cy="6858000" type="screen4x3"/>
   <p:notesSz cx="6858000" cy="9144000"/>
@@ -208,7 +211,7 @@
           <a:p>
             <a:fld id="{590AB086-9098-4FF0-889C-4660684A76AF}" type="datetimeFigureOut">
               <a:rPr lang="fr-FR" smtClean="0"/>
-              <a:t>16/02/2014</a:t>
+              <a:t>17/02/2014</a:t>
             </a:fld>
             <a:endParaRPr lang="fr-FR"/>
           </a:p>
@@ -741,7 +744,7 @@
           <a:p>
             <a:fld id="{C902A2D5-3413-48DE-8ECE-1C9F6F60C7B6}" type="datetime1">
               <a:rPr lang="fr-FR" smtClean="0"/>
-              <a:t>16/02/2014</a:t>
+              <a:t>17/02/2014</a:t>
             </a:fld>
             <a:endParaRPr lang="fr-BE"/>
           </a:p>
@@ -910,7 +913,7 @@
           <a:p>
             <a:fld id="{71C392D7-94FE-419D-BC9A-92D04AC65958}" type="datetime1">
               <a:rPr lang="fr-FR" smtClean="0"/>
-              <a:t>16/02/2014</a:t>
+              <a:t>17/02/2014</a:t>
             </a:fld>
             <a:endParaRPr lang="fr-BE"/>
           </a:p>
@@ -1089,7 +1092,7 @@
           <a:p>
             <a:fld id="{BC9C2D57-6320-420E-BC0B-FB96B1240827}" type="datetime1">
               <a:rPr lang="fr-FR" smtClean="0"/>
-              <a:t>16/02/2014</a:t>
+              <a:t>17/02/2014</a:t>
             </a:fld>
             <a:endParaRPr lang="fr-BE"/>
           </a:p>
@@ -1258,7 +1261,7 @@
           <a:p>
             <a:fld id="{A9A568EF-5B02-43D3-99A2-8E755C9E955B}" type="datetime1">
               <a:rPr lang="fr-FR" smtClean="0"/>
-              <a:t>16/02/2014</a:t>
+              <a:t>17/02/2014</a:t>
             </a:fld>
             <a:endParaRPr lang="fr-BE"/>
           </a:p>
@@ -1503,7 +1506,7 @@
           <a:p>
             <a:fld id="{32634D8A-A9F9-4825-A4DC-9BEC228D81F1}" type="datetime1">
               <a:rPr lang="fr-FR" smtClean="0"/>
-              <a:t>16/02/2014</a:t>
+              <a:t>17/02/2014</a:t>
             </a:fld>
             <a:endParaRPr lang="fr-BE"/>
           </a:p>
@@ -1790,7 +1793,7 @@
           <a:p>
             <a:fld id="{C6F4CAAA-F27E-4521-B17A-E23914568578}" type="datetime1">
               <a:rPr lang="fr-FR" smtClean="0"/>
-              <a:t>16/02/2014</a:t>
+              <a:t>17/02/2014</a:t>
             </a:fld>
             <a:endParaRPr lang="fr-BE"/>
           </a:p>
@@ -2211,7 +2214,7 @@
           <a:p>
             <a:fld id="{7D5FA12D-4B2C-451E-B245-5BBAB23B1D8E}" type="datetime1">
               <a:rPr lang="fr-FR" smtClean="0"/>
-              <a:t>16/02/2014</a:t>
+              <a:t>17/02/2014</a:t>
             </a:fld>
             <a:endParaRPr lang="fr-BE"/>
           </a:p>
@@ -2328,7 +2331,7 @@
           <a:p>
             <a:fld id="{03C308EC-7FA5-48A1-AC31-27C0B68E5FC1}" type="datetime1">
               <a:rPr lang="fr-FR" smtClean="0"/>
-              <a:t>16/02/2014</a:t>
+              <a:t>17/02/2014</a:t>
             </a:fld>
             <a:endParaRPr lang="fr-BE"/>
           </a:p>
@@ -2422,7 +2425,7 @@
           <a:p>
             <a:fld id="{FA6D7DC9-B261-4760-859C-335352DA4003}" type="datetime1">
               <a:rPr lang="fr-FR" smtClean="0"/>
-              <a:t>16/02/2014</a:t>
+              <a:t>17/02/2014</a:t>
             </a:fld>
             <a:endParaRPr lang="fr-BE"/>
           </a:p>
@@ -2698,7 +2701,7 @@
           <a:p>
             <a:fld id="{E655F826-0647-479B-95C0-75DA0751992E}" type="datetime1">
               <a:rPr lang="fr-FR" smtClean="0"/>
-              <a:t>16/02/2014</a:t>
+              <a:t>17/02/2014</a:t>
             </a:fld>
             <a:endParaRPr lang="fr-BE"/>
           </a:p>
@@ -2950,7 +2953,7 @@
           <a:p>
             <a:fld id="{18F1E8EA-B5CD-4FB2-B3EB-3F67E8EEAEDA}" type="datetime1">
               <a:rPr lang="fr-FR" smtClean="0"/>
-              <a:t>16/02/2014</a:t>
+              <a:t>17/02/2014</a:t>
             </a:fld>
             <a:endParaRPr lang="fr-BE"/>
           </a:p>
@@ -3194,7 +3197,7 @@
           <a:p>
             <a:fld id="{88E02C3B-D3D9-43B7-9A8A-C03EC265FE24}" type="datetime1">
               <a:rPr lang="fr-FR" smtClean="0"/>
-              <a:t>16/02/2014</a:t>
+              <a:t>17/02/2014</a:t>
             </a:fld>
             <a:endParaRPr lang="fr-BE"/>
           </a:p>
@@ -7893,9 +7896,53 @@
           <a:p>
             <a:r>
               <a:rPr lang="fr-FR" dirty="0" smtClean="0"/>
-              <a:t>Model Vue Contrôleur</a:t>
+              <a:t>Réalisation</a:t>
             </a:r>
             <a:endParaRPr lang="fr-FR" dirty="0"/>
+          </a:p>
+        </p:txBody>
+      </p:sp>
+      <p:sp>
+        <p:nvSpPr>
+          <p:cNvPr id="3" name="Sous-titre 2"/>
+          <p:cNvSpPr>
+            <a:spLocks noGrp="1"/>
+          </p:cNvSpPr>
+          <p:nvPr>
+            <p:ph type="subTitle" idx="1"/>
+          </p:nvPr>
+        </p:nvSpPr>
+        <p:spPr>
+          <a:xfrm>
+            <a:off x="1371600" y="1772816"/>
+            <a:ext cx="6400800" cy="1752600"/>
+          </a:xfrm>
+        </p:spPr>
+        <p:txBody>
+          <a:bodyPr/>
+          <a:lstStyle/>
+          <a:p>
+            <a:r>
+              <a:rPr lang="fr-FR" dirty="0" err="1" smtClean="0">
+                <a:solidFill>
+                  <a:schemeClr val="tx1"/>
+                </a:solidFill>
+              </a:rPr>
+              <a:t>Scenario:</a:t>
+            </a:r>
+            <a:r>
+              <a:rPr lang="fr-FR" dirty="0" err="1" smtClean="0">
+                <a:solidFill>
+                  <a:schemeClr val="tx1"/>
+                </a:solidFill>
+              </a:rPr>
+              <a:t>Login</a:t>
+            </a:r>
+            <a:endParaRPr lang="fr-FR" dirty="0">
+              <a:solidFill>
+                <a:schemeClr val="tx1"/>
+              </a:solidFill>
+            </a:endParaRPr>
           </a:p>
         </p:txBody>
       </p:sp>
@@ -7962,6 +8009,7135 @@
                 </a:solidFill>
               </a:rPr>
               <a:t>15</a:t>
+            </a:fld>
+            <a:endParaRPr lang="fr-BE" dirty="0">
+              <a:solidFill>
+                <a:schemeClr val="tx1"/>
+              </a:solidFill>
+            </a:endParaRPr>
+          </a:p>
+        </p:txBody>
+      </p:sp>
+      <p:pic>
+        <p:nvPicPr>
+          <p:cNvPr id="11" name="Image 10"/>
+          <p:cNvPicPr>
+            <a:picLocks noChangeAspect="1"/>
+          </p:cNvPicPr>
+          <p:nvPr/>
+        </p:nvPicPr>
+        <p:blipFill>
+          <a:blip r:embed="rId2">
+            <a:extLst>
+              <a:ext uri="{28A0092B-C50C-407E-A947-70E740481C1C}">
+                <a14:useLocalDpi xmlns:a14="http://schemas.microsoft.com/office/drawing/2010/main" val="0"/>
+              </a:ext>
+            </a:extLst>
+          </a:blip>
+          <a:stretch>
+            <a:fillRect/>
+          </a:stretch>
+        </p:blipFill>
+        <p:spPr>
+          <a:xfrm>
+            <a:off x="107504" y="133118"/>
+            <a:ext cx="1080120" cy="469618"/>
+          </a:xfrm>
+          <a:prstGeom prst="rect">
+            <a:avLst/>
+          </a:prstGeom>
+        </p:spPr>
+      </p:pic>
+      <p:sp>
+        <p:nvSpPr>
+          <p:cNvPr id="12" name="Rogner un rectangle avec un coin diagonal 11"/>
+          <p:cNvSpPr/>
+          <p:nvPr/>
+        </p:nvSpPr>
+        <p:spPr>
+          <a:xfrm>
+            <a:off x="1259632" y="0"/>
+            <a:ext cx="7848872" cy="512676"/>
+          </a:xfrm>
+          <a:prstGeom prst="snip2DiagRect">
+            <a:avLst>
+              <a:gd name="adj1" fmla="val 24520"/>
+              <a:gd name="adj2" fmla="val 23038"/>
+            </a:avLst>
+          </a:prstGeom>
+        </p:spPr>
+        <p:style>
+          <a:lnRef idx="0">
+            <a:schemeClr val="accent5"/>
+          </a:lnRef>
+          <a:fillRef idx="3">
+            <a:schemeClr val="accent5"/>
+          </a:fillRef>
+          <a:effectRef idx="3">
+            <a:schemeClr val="accent5"/>
+          </a:effectRef>
+          <a:fontRef idx="minor">
+            <a:schemeClr val="lt1"/>
+          </a:fontRef>
+        </p:style>
+        <p:txBody>
+          <a:bodyPr rtlCol="0" anchor="ctr"/>
+          <a:lstStyle/>
+          <a:p>
+            <a:pPr algn="ctr"/>
+            <a:r>
+              <a:rPr lang="fr-FR" sz="1200" dirty="0" smtClean="0">
+                <a:solidFill>
+                  <a:schemeClr val="tx1"/>
+                </a:solidFill>
+              </a:rPr>
+              <a:t>-Principe de fonctionnement -Architecture -Services de l’application -Diagramme des cas d’utilisation</a:t>
+            </a:r>
+          </a:p>
+          <a:p>
+            <a:pPr algn="ctr"/>
+            <a:r>
+              <a:rPr lang="fr-FR" sz="1200" dirty="0" smtClean="0">
+                <a:solidFill>
+                  <a:schemeClr val="tx1"/>
+                </a:solidFill>
+              </a:rPr>
+              <a:t>-Matérielle et logiciel </a:t>
+            </a:r>
+            <a:r>
+              <a:rPr lang="fr-FR" sz="1200" dirty="0" smtClean="0">
+                <a:solidFill>
+                  <a:schemeClr val="bg1"/>
+                </a:solidFill>
+              </a:rPr>
+              <a:t>-Réalisation </a:t>
+            </a:r>
+            <a:r>
+              <a:rPr lang="fr-FR" sz="1200" dirty="0" smtClean="0">
+                <a:solidFill>
+                  <a:schemeClr val="tx1"/>
+                </a:solidFill>
+              </a:rPr>
+              <a:t>-Model Vue Contrôleur -Avantages / inconvénients -Améliorations possibles</a:t>
+            </a:r>
+            <a:endParaRPr lang="fr-FR" sz="1200" dirty="0">
+              <a:solidFill>
+                <a:schemeClr val="tx1"/>
+              </a:solidFill>
+            </a:endParaRPr>
+          </a:p>
+        </p:txBody>
+      </p:sp>
+      <p:grpSp>
+        <p:nvGrpSpPr>
+          <p:cNvPr id="14" name="Groupe 13"/>
+          <p:cNvGrpSpPr/>
+          <p:nvPr/>
+        </p:nvGrpSpPr>
+        <p:grpSpPr>
+          <a:xfrm>
+            <a:off x="107504" y="2204864"/>
+            <a:ext cx="288032" cy="612068"/>
+            <a:chOff x="395536" y="2492896"/>
+            <a:chExt cx="576064" cy="1368152"/>
+          </a:xfrm>
+        </p:grpSpPr>
+        <p:sp>
+          <p:nvSpPr>
+            <p:cNvPr id="15" name="Émoticône 14"/>
+            <p:cNvSpPr/>
+            <p:nvPr/>
+          </p:nvSpPr>
+          <p:spPr>
+            <a:xfrm>
+              <a:off x="467544" y="2492896"/>
+              <a:ext cx="360040" cy="360040"/>
+            </a:xfrm>
+            <a:prstGeom prst="smileyFace">
+              <a:avLst/>
+            </a:prstGeom>
+          </p:spPr>
+          <p:style>
+            <a:lnRef idx="1">
+              <a:schemeClr val="accent6"/>
+            </a:lnRef>
+            <a:fillRef idx="2">
+              <a:schemeClr val="accent6"/>
+            </a:fillRef>
+            <a:effectRef idx="1">
+              <a:schemeClr val="accent6"/>
+            </a:effectRef>
+            <a:fontRef idx="minor">
+              <a:schemeClr val="dk1"/>
+            </a:fontRef>
+          </p:style>
+          <p:txBody>
+            <a:bodyPr rtlCol="0" anchor="ctr"/>
+            <a:lstStyle/>
+            <a:p>
+              <a:pPr algn="ctr"/>
+              <a:endParaRPr lang="fr-FR"/>
+            </a:p>
+          </p:txBody>
+        </p:sp>
+        <p:cxnSp>
+          <p:nvCxnSpPr>
+            <p:cNvPr id="16" name="Connecteur droit 15"/>
+            <p:cNvCxnSpPr>
+              <a:stCxn id="15" idx="4"/>
+            </p:cNvCxnSpPr>
+            <p:nvPr/>
+          </p:nvCxnSpPr>
+          <p:spPr>
+            <a:xfrm>
+              <a:off x="647564" y="2852936"/>
+              <a:ext cx="0" cy="504056"/>
+            </a:xfrm>
+            <a:prstGeom prst="line">
+              <a:avLst/>
+            </a:prstGeom>
+          </p:spPr>
+          <p:style>
+            <a:lnRef idx="2">
+              <a:schemeClr val="accent6"/>
+            </a:lnRef>
+            <a:fillRef idx="0">
+              <a:schemeClr val="accent6"/>
+            </a:fillRef>
+            <a:effectRef idx="1">
+              <a:schemeClr val="accent6"/>
+            </a:effectRef>
+            <a:fontRef idx="minor">
+              <a:schemeClr val="tx1"/>
+            </a:fontRef>
+          </p:style>
+        </p:cxnSp>
+        <p:cxnSp>
+          <p:nvCxnSpPr>
+            <p:cNvPr id="17" name="Connecteur droit 16"/>
+            <p:cNvCxnSpPr/>
+            <p:nvPr/>
+          </p:nvCxnSpPr>
+          <p:spPr>
+            <a:xfrm flipH="1">
+              <a:off x="395536" y="3356992"/>
+              <a:ext cx="252028" cy="504056"/>
+            </a:xfrm>
+            <a:prstGeom prst="line">
+              <a:avLst/>
+            </a:prstGeom>
+          </p:spPr>
+          <p:style>
+            <a:lnRef idx="2">
+              <a:schemeClr val="accent6"/>
+            </a:lnRef>
+            <a:fillRef idx="0">
+              <a:schemeClr val="accent6"/>
+            </a:fillRef>
+            <a:effectRef idx="1">
+              <a:schemeClr val="accent6"/>
+            </a:effectRef>
+            <a:fontRef idx="minor">
+              <a:schemeClr val="tx1"/>
+            </a:fontRef>
+          </p:style>
+        </p:cxnSp>
+        <p:cxnSp>
+          <p:nvCxnSpPr>
+            <p:cNvPr id="18" name="Connecteur droit 17"/>
+            <p:cNvCxnSpPr/>
+            <p:nvPr/>
+          </p:nvCxnSpPr>
+          <p:spPr>
+            <a:xfrm>
+              <a:off x="647564" y="3356992"/>
+              <a:ext cx="180020" cy="504056"/>
+            </a:xfrm>
+            <a:prstGeom prst="line">
+              <a:avLst/>
+            </a:prstGeom>
+          </p:spPr>
+          <p:style>
+            <a:lnRef idx="2">
+              <a:schemeClr val="accent6"/>
+            </a:lnRef>
+            <a:fillRef idx="0">
+              <a:schemeClr val="accent6"/>
+            </a:fillRef>
+            <a:effectRef idx="1">
+              <a:schemeClr val="accent6"/>
+            </a:effectRef>
+            <a:fontRef idx="minor">
+              <a:schemeClr val="tx1"/>
+            </a:fontRef>
+          </p:style>
+        </p:cxnSp>
+        <p:cxnSp>
+          <p:nvCxnSpPr>
+            <p:cNvPr id="19" name="Connecteur droit 18"/>
+            <p:cNvCxnSpPr/>
+            <p:nvPr/>
+          </p:nvCxnSpPr>
+          <p:spPr>
+            <a:xfrm>
+              <a:off x="395536" y="3081732"/>
+              <a:ext cx="576064" cy="0"/>
+            </a:xfrm>
+            <a:prstGeom prst="line">
+              <a:avLst/>
+            </a:prstGeom>
+          </p:spPr>
+          <p:style>
+            <a:lnRef idx="2">
+              <a:schemeClr val="accent6"/>
+            </a:lnRef>
+            <a:fillRef idx="0">
+              <a:schemeClr val="accent6"/>
+            </a:fillRef>
+            <a:effectRef idx="1">
+              <a:schemeClr val="accent6"/>
+            </a:effectRef>
+            <a:fontRef idx="minor">
+              <a:schemeClr val="tx1"/>
+            </a:fontRef>
+          </p:style>
+        </p:cxnSp>
+      </p:grpSp>
+      <p:cxnSp>
+        <p:nvCxnSpPr>
+          <p:cNvPr id="7" name="Connecteur droit 6"/>
+          <p:cNvCxnSpPr/>
+          <p:nvPr/>
+        </p:nvCxnSpPr>
+        <p:spPr>
+          <a:xfrm>
+            <a:off x="233518" y="2924936"/>
+            <a:ext cx="0" cy="3096352"/>
+          </a:xfrm>
+          <a:prstGeom prst="line">
+            <a:avLst/>
+          </a:prstGeom>
+        </p:spPr>
+        <p:style>
+          <a:lnRef idx="2">
+            <a:schemeClr val="dk1"/>
+          </a:lnRef>
+          <a:fillRef idx="0">
+            <a:schemeClr val="dk1"/>
+          </a:fillRef>
+          <a:effectRef idx="1">
+            <a:schemeClr val="dk1"/>
+          </a:effectRef>
+          <a:fontRef idx="minor">
+            <a:schemeClr val="tx1"/>
+          </a:fontRef>
+        </p:style>
+      </p:cxnSp>
+      <p:sp>
+        <p:nvSpPr>
+          <p:cNvPr id="8" name="Rectangle 7"/>
+          <p:cNvSpPr/>
+          <p:nvPr/>
+        </p:nvSpPr>
+        <p:spPr>
+          <a:xfrm>
+            <a:off x="683568" y="2629479"/>
+            <a:ext cx="936104" cy="273820"/>
+          </a:xfrm>
+          <a:prstGeom prst="rect">
+            <a:avLst/>
+          </a:prstGeom>
+        </p:spPr>
+        <p:style>
+          <a:lnRef idx="2">
+            <a:schemeClr val="accent3">
+              <a:shade val="50000"/>
+            </a:schemeClr>
+          </a:lnRef>
+          <a:fillRef idx="1">
+            <a:schemeClr val="accent3"/>
+          </a:fillRef>
+          <a:effectRef idx="0">
+            <a:schemeClr val="accent3"/>
+          </a:effectRef>
+          <a:fontRef idx="minor">
+            <a:schemeClr val="lt1"/>
+          </a:fontRef>
+        </p:style>
+        <p:txBody>
+          <a:bodyPr rtlCol="0" anchor="ctr"/>
+          <a:lstStyle/>
+          <a:p>
+            <a:pPr algn="ctr"/>
+            <a:r>
+              <a:rPr lang="fr-FR" dirty="0" smtClean="0"/>
+              <a:t>IHM</a:t>
+            </a:r>
+            <a:endParaRPr lang="fr-FR" dirty="0"/>
+          </a:p>
+        </p:txBody>
+      </p:sp>
+      <p:cxnSp>
+        <p:nvCxnSpPr>
+          <p:cNvPr id="20" name="Connecteur droit 19"/>
+          <p:cNvCxnSpPr/>
+          <p:nvPr/>
+        </p:nvCxnSpPr>
+        <p:spPr>
+          <a:xfrm>
+            <a:off x="1142619" y="2924936"/>
+            <a:ext cx="0" cy="3096352"/>
+          </a:xfrm>
+          <a:prstGeom prst="line">
+            <a:avLst/>
+          </a:prstGeom>
+        </p:spPr>
+        <p:style>
+          <a:lnRef idx="2">
+            <a:schemeClr val="dk1"/>
+          </a:lnRef>
+          <a:fillRef idx="0">
+            <a:schemeClr val="dk1"/>
+          </a:fillRef>
+          <a:effectRef idx="1">
+            <a:schemeClr val="dk1"/>
+          </a:effectRef>
+          <a:fontRef idx="minor">
+            <a:schemeClr val="tx1"/>
+          </a:fontRef>
+        </p:style>
+      </p:cxnSp>
+      <p:cxnSp>
+        <p:nvCxnSpPr>
+          <p:cNvPr id="25" name="Connecteur droit 24"/>
+          <p:cNvCxnSpPr/>
+          <p:nvPr/>
+        </p:nvCxnSpPr>
+        <p:spPr>
+          <a:xfrm flipH="1">
+            <a:off x="4817278" y="3193685"/>
+            <a:ext cx="1122" cy="2395555"/>
+          </a:xfrm>
+          <a:prstGeom prst="line">
+            <a:avLst/>
+          </a:prstGeom>
+        </p:spPr>
+        <p:style>
+          <a:lnRef idx="2">
+            <a:schemeClr val="dk1"/>
+          </a:lnRef>
+          <a:fillRef idx="0">
+            <a:schemeClr val="dk1"/>
+          </a:fillRef>
+          <a:effectRef idx="1">
+            <a:schemeClr val="dk1"/>
+          </a:effectRef>
+          <a:fontRef idx="minor">
+            <a:schemeClr val="tx1"/>
+          </a:fontRef>
+        </p:style>
+      </p:cxnSp>
+      <p:cxnSp>
+        <p:nvCxnSpPr>
+          <p:cNvPr id="37" name="Connecteur droit 36"/>
+          <p:cNvCxnSpPr/>
+          <p:nvPr/>
+        </p:nvCxnSpPr>
+        <p:spPr>
+          <a:xfrm>
+            <a:off x="8775467" y="2947451"/>
+            <a:ext cx="22502" cy="2641789"/>
+          </a:xfrm>
+          <a:prstGeom prst="line">
+            <a:avLst/>
+          </a:prstGeom>
+        </p:spPr>
+        <p:style>
+          <a:lnRef idx="2">
+            <a:schemeClr val="dk1"/>
+          </a:lnRef>
+          <a:fillRef idx="0">
+            <a:schemeClr val="dk1"/>
+          </a:fillRef>
+          <a:effectRef idx="1">
+            <a:schemeClr val="dk1"/>
+          </a:effectRef>
+          <a:fontRef idx="minor">
+            <a:schemeClr val="tx1"/>
+          </a:fontRef>
+        </p:style>
+      </p:cxnSp>
+      <p:pic>
+        <p:nvPicPr>
+          <p:cNvPr id="38" name="Image 37"/>
+          <p:cNvPicPr>
+            <a:picLocks noChangeAspect="1"/>
+          </p:cNvPicPr>
+          <p:nvPr/>
+        </p:nvPicPr>
+        <p:blipFill>
+          <a:blip r:embed="rId3" cstate="print">
+            <a:extLst>
+              <a:ext uri="{28A0092B-C50C-407E-A947-70E740481C1C}">
+                <a14:useLocalDpi xmlns:a14="http://schemas.microsoft.com/office/drawing/2010/main" val="0"/>
+              </a:ext>
+            </a:extLst>
+          </a:blip>
+          <a:stretch>
+            <a:fillRect/>
+          </a:stretch>
+        </p:blipFill>
+        <p:spPr>
+          <a:xfrm>
+            <a:off x="8526924" y="2532389"/>
+            <a:ext cx="509572" cy="491091"/>
+          </a:xfrm>
+          <a:prstGeom prst="rect">
+            <a:avLst/>
+          </a:prstGeom>
+        </p:spPr>
+      </p:pic>
+      <p:sp>
+        <p:nvSpPr>
+          <p:cNvPr id="44" name="ZoneTexte 43"/>
+          <p:cNvSpPr txBox="1"/>
+          <p:nvPr/>
+        </p:nvSpPr>
+        <p:spPr>
+          <a:xfrm>
+            <a:off x="-30382" y="1933247"/>
+            <a:ext cx="724878" cy="261610"/>
+          </a:xfrm>
+          <a:prstGeom prst="rect">
+            <a:avLst/>
+          </a:prstGeom>
+          <a:noFill/>
+        </p:spPr>
+        <p:txBody>
+          <a:bodyPr wrap="none" rtlCol="0">
+            <a:spAutoFit/>
+          </a:bodyPr>
+          <a:lstStyle/>
+          <a:p>
+            <a:r>
+              <a:rPr lang="fr-FR" sz="1100" dirty="0" err="1" smtClean="0"/>
+              <a:t>Adherent</a:t>
+            </a:r>
+            <a:endParaRPr lang="fr-FR" sz="1100" dirty="0"/>
+          </a:p>
+        </p:txBody>
+      </p:sp>
+      <p:sp>
+        <p:nvSpPr>
+          <p:cNvPr id="50" name="Rectangle 49"/>
+          <p:cNvSpPr/>
+          <p:nvPr/>
+        </p:nvSpPr>
+        <p:spPr>
+          <a:xfrm>
+            <a:off x="3275856" y="2619544"/>
+            <a:ext cx="936104" cy="273820"/>
+          </a:xfrm>
+          <a:prstGeom prst="rect">
+            <a:avLst/>
+          </a:prstGeom>
+        </p:spPr>
+        <p:style>
+          <a:lnRef idx="2">
+            <a:schemeClr val="accent6">
+              <a:shade val="50000"/>
+            </a:schemeClr>
+          </a:lnRef>
+          <a:fillRef idx="1">
+            <a:schemeClr val="accent6"/>
+          </a:fillRef>
+          <a:effectRef idx="0">
+            <a:schemeClr val="accent6"/>
+          </a:effectRef>
+          <a:fontRef idx="minor">
+            <a:schemeClr val="lt1"/>
+          </a:fontRef>
+        </p:style>
+        <p:txBody>
+          <a:bodyPr rtlCol="0" anchor="ctr"/>
+          <a:lstStyle/>
+          <a:p>
+            <a:pPr algn="ctr"/>
+            <a:r>
+              <a:rPr lang="fr-FR" sz="1000" dirty="0" smtClean="0"/>
+              <a:t>(servlet)</a:t>
+            </a:r>
+          </a:p>
+          <a:p>
+            <a:pPr algn="ctr"/>
+            <a:r>
+              <a:rPr lang="fr-FR" sz="1000" dirty="0"/>
+              <a:t>L</a:t>
+            </a:r>
+            <a:r>
+              <a:rPr lang="fr-FR" sz="1000" dirty="0" smtClean="0"/>
+              <a:t>ogin</a:t>
+            </a:r>
+            <a:endParaRPr lang="fr-FR" sz="1000" dirty="0"/>
+          </a:p>
+        </p:txBody>
+      </p:sp>
+      <p:cxnSp>
+        <p:nvCxnSpPr>
+          <p:cNvPr id="51" name="Connecteur droit 50"/>
+          <p:cNvCxnSpPr/>
+          <p:nvPr/>
+        </p:nvCxnSpPr>
+        <p:spPr>
+          <a:xfrm flipH="1">
+            <a:off x="3694402" y="2893364"/>
+            <a:ext cx="13503" cy="3127924"/>
+          </a:xfrm>
+          <a:prstGeom prst="line">
+            <a:avLst/>
+          </a:prstGeom>
+        </p:spPr>
+        <p:style>
+          <a:lnRef idx="2">
+            <a:schemeClr val="dk1"/>
+          </a:lnRef>
+          <a:fillRef idx="0">
+            <a:schemeClr val="dk1"/>
+          </a:fillRef>
+          <a:effectRef idx="1">
+            <a:schemeClr val="dk1"/>
+          </a:effectRef>
+          <a:fontRef idx="minor">
+            <a:schemeClr val="tx1"/>
+          </a:fontRef>
+        </p:style>
+      </p:cxnSp>
+      <p:sp>
+        <p:nvSpPr>
+          <p:cNvPr id="52" name="Rectangle 51"/>
+          <p:cNvSpPr/>
+          <p:nvPr/>
+        </p:nvSpPr>
+        <p:spPr>
+          <a:xfrm>
+            <a:off x="1979712" y="2630328"/>
+            <a:ext cx="936104" cy="273820"/>
+          </a:xfrm>
+          <a:prstGeom prst="rect">
+            <a:avLst/>
+          </a:prstGeom>
+        </p:spPr>
+        <p:style>
+          <a:lnRef idx="2">
+            <a:schemeClr val="accent1">
+              <a:shade val="50000"/>
+            </a:schemeClr>
+          </a:lnRef>
+          <a:fillRef idx="1">
+            <a:schemeClr val="accent1"/>
+          </a:fillRef>
+          <a:effectRef idx="0">
+            <a:schemeClr val="accent1"/>
+          </a:effectRef>
+          <a:fontRef idx="minor">
+            <a:schemeClr val="lt1"/>
+          </a:fontRef>
+        </p:style>
+        <p:txBody>
+          <a:bodyPr rtlCol="0" anchor="ctr"/>
+          <a:lstStyle/>
+          <a:p>
+            <a:pPr algn="ctr"/>
+            <a:r>
+              <a:rPr lang="fr-FR" sz="1000" dirty="0" err="1"/>
+              <a:t>C</a:t>
+            </a:r>
+            <a:r>
+              <a:rPr lang="fr-FR" sz="1000" dirty="0" err="1" smtClean="0"/>
+              <a:t>ontroleur</a:t>
+            </a:r>
+            <a:endParaRPr lang="fr-FR" sz="1000" dirty="0"/>
+          </a:p>
+        </p:txBody>
+      </p:sp>
+      <p:cxnSp>
+        <p:nvCxnSpPr>
+          <p:cNvPr id="53" name="Connecteur droit 52"/>
+          <p:cNvCxnSpPr/>
+          <p:nvPr/>
+        </p:nvCxnSpPr>
+        <p:spPr>
+          <a:xfrm>
+            <a:off x="2425261" y="2904148"/>
+            <a:ext cx="0" cy="3117140"/>
+          </a:xfrm>
+          <a:prstGeom prst="line">
+            <a:avLst/>
+          </a:prstGeom>
+        </p:spPr>
+        <p:style>
+          <a:lnRef idx="2">
+            <a:schemeClr val="dk1"/>
+          </a:lnRef>
+          <a:fillRef idx="0">
+            <a:schemeClr val="dk1"/>
+          </a:fillRef>
+          <a:effectRef idx="1">
+            <a:schemeClr val="dk1"/>
+          </a:effectRef>
+          <a:fontRef idx="minor">
+            <a:schemeClr val="tx1"/>
+          </a:fontRef>
+        </p:style>
+      </p:cxnSp>
+      <p:sp>
+        <p:nvSpPr>
+          <p:cNvPr id="101" name="Rectangle 100"/>
+          <p:cNvSpPr/>
+          <p:nvPr/>
+        </p:nvSpPr>
+        <p:spPr>
+          <a:xfrm>
+            <a:off x="179512" y="3021410"/>
+            <a:ext cx="144016" cy="2927870"/>
+          </a:xfrm>
+          <a:prstGeom prst="rect">
+            <a:avLst/>
+          </a:prstGeom>
+        </p:spPr>
+        <p:style>
+          <a:lnRef idx="2">
+            <a:schemeClr val="accent6">
+              <a:shade val="50000"/>
+            </a:schemeClr>
+          </a:lnRef>
+          <a:fillRef idx="1">
+            <a:schemeClr val="accent6"/>
+          </a:fillRef>
+          <a:effectRef idx="0">
+            <a:schemeClr val="accent6"/>
+          </a:effectRef>
+          <a:fontRef idx="minor">
+            <a:schemeClr val="lt1"/>
+          </a:fontRef>
+        </p:style>
+        <p:txBody>
+          <a:bodyPr rtlCol="0" anchor="ctr"/>
+          <a:lstStyle/>
+          <a:p>
+            <a:pPr algn="ctr"/>
+            <a:endParaRPr lang="fr-FR"/>
+          </a:p>
+        </p:txBody>
+      </p:sp>
+      <p:sp>
+        <p:nvSpPr>
+          <p:cNvPr id="108" name="Rectangle 107"/>
+          <p:cNvSpPr/>
+          <p:nvPr/>
+        </p:nvSpPr>
+        <p:spPr>
+          <a:xfrm>
+            <a:off x="1061610" y="3021410"/>
+            <a:ext cx="126014" cy="2927870"/>
+          </a:xfrm>
+          <a:prstGeom prst="rect">
+            <a:avLst/>
+          </a:prstGeom>
+        </p:spPr>
+        <p:style>
+          <a:lnRef idx="2">
+            <a:schemeClr val="accent3">
+              <a:shade val="50000"/>
+            </a:schemeClr>
+          </a:lnRef>
+          <a:fillRef idx="1">
+            <a:schemeClr val="accent3"/>
+          </a:fillRef>
+          <a:effectRef idx="0">
+            <a:schemeClr val="accent3"/>
+          </a:effectRef>
+          <a:fontRef idx="minor">
+            <a:schemeClr val="lt1"/>
+          </a:fontRef>
+        </p:style>
+        <p:txBody>
+          <a:bodyPr rtlCol="0" anchor="ctr"/>
+          <a:lstStyle/>
+          <a:p>
+            <a:pPr algn="ctr"/>
+            <a:endParaRPr lang="fr-FR"/>
+          </a:p>
+        </p:txBody>
+      </p:sp>
+      <p:sp>
+        <p:nvSpPr>
+          <p:cNvPr id="112" name="Rectangle 111"/>
+          <p:cNvSpPr/>
+          <p:nvPr/>
+        </p:nvSpPr>
+        <p:spPr>
+          <a:xfrm>
+            <a:off x="2369057" y="3044497"/>
+            <a:ext cx="126014" cy="240488"/>
+          </a:xfrm>
+          <a:prstGeom prst="rect">
+            <a:avLst/>
+          </a:prstGeom>
+        </p:spPr>
+        <p:style>
+          <a:lnRef idx="2">
+            <a:schemeClr val="accent1">
+              <a:shade val="50000"/>
+            </a:schemeClr>
+          </a:lnRef>
+          <a:fillRef idx="1">
+            <a:schemeClr val="accent1"/>
+          </a:fillRef>
+          <a:effectRef idx="0">
+            <a:schemeClr val="accent1"/>
+          </a:effectRef>
+          <a:fontRef idx="minor">
+            <a:schemeClr val="lt1"/>
+          </a:fontRef>
+        </p:style>
+        <p:txBody>
+          <a:bodyPr rtlCol="0" anchor="ctr"/>
+          <a:lstStyle/>
+          <a:p>
+            <a:pPr algn="ctr"/>
+            <a:endParaRPr lang="fr-FR"/>
+          </a:p>
+        </p:txBody>
+      </p:sp>
+      <p:sp>
+        <p:nvSpPr>
+          <p:cNvPr id="114" name="Rectangle 113"/>
+          <p:cNvSpPr/>
+          <p:nvPr/>
+        </p:nvSpPr>
+        <p:spPr>
+          <a:xfrm>
+            <a:off x="3635896" y="3060773"/>
+            <a:ext cx="94510" cy="2888506"/>
+          </a:xfrm>
+          <a:prstGeom prst="rect">
+            <a:avLst/>
+          </a:prstGeom>
+        </p:spPr>
+        <p:style>
+          <a:lnRef idx="2">
+            <a:schemeClr val="accent6">
+              <a:shade val="50000"/>
+            </a:schemeClr>
+          </a:lnRef>
+          <a:fillRef idx="1">
+            <a:schemeClr val="accent6"/>
+          </a:fillRef>
+          <a:effectRef idx="0">
+            <a:schemeClr val="accent6"/>
+          </a:effectRef>
+          <a:fontRef idx="minor">
+            <a:schemeClr val="lt1"/>
+          </a:fontRef>
+        </p:style>
+        <p:txBody>
+          <a:bodyPr rtlCol="0" anchor="ctr"/>
+          <a:lstStyle/>
+          <a:p>
+            <a:pPr algn="ctr"/>
+            <a:endParaRPr lang="fr-FR"/>
+          </a:p>
+        </p:txBody>
+      </p:sp>
+      <p:sp>
+        <p:nvSpPr>
+          <p:cNvPr id="127" name="Rectangle 126"/>
+          <p:cNvSpPr/>
+          <p:nvPr/>
+        </p:nvSpPr>
+        <p:spPr>
+          <a:xfrm>
+            <a:off x="4359222" y="2924936"/>
+            <a:ext cx="936104" cy="273820"/>
+          </a:xfrm>
+          <a:prstGeom prst="rect">
+            <a:avLst/>
+          </a:prstGeom>
+        </p:spPr>
+        <p:style>
+          <a:lnRef idx="2">
+            <a:schemeClr val="accent2">
+              <a:shade val="50000"/>
+            </a:schemeClr>
+          </a:lnRef>
+          <a:fillRef idx="1">
+            <a:schemeClr val="accent2"/>
+          </a:fillRef>
+          <a:effectRef idx="0">
+            <a:schemeClr val="accent2"/>
+          </a:effectRef>
+          <a:fontRef idx="minor">
+            <a:schemeClr val="lt1"/>
+          </a:fontRef>
+        </p:style>
+        <p:txBody>
+          <a:bodyPr rtlCol="0" anchor="ctr"/>
+          <a:lstStyle/>
+          <a:p>
+            <a:pPr algn="ctr"/>
+            <a:r>
+              <a:rPr lang="fr-FR" sz="1000" dirty="0" err="1" smtClean="0"/>
+              <a:t>as:Adherent</a:t>
+            </a:r>
+            <a:endParaRPr lang="fr-FR" sz="1000" dirty="0" smtClean="0"/>
+          </a:p>
+          <a:p>
+            <a:pPr algn="ctr"/>
+            <a:r>
+              <a:rPr lang="fr-FR" sz="1000" dirty="0" smtClean="0"/>
+              <a:t>Service</a:t>
+            </a:r>
+            <a:endParaRPr lang="fr-FR" sz="1000" dirty="0"/>
+          </a:p>
+        </p:txBody>
+      </p:sp>
+      <p:cxnSp>
+        <p:nvCxnSpPr>
+          <p:cNvPr id="129" name="Connecteur droit avec flèche 128"/>
+          <p:cNvCxnSpPr/>
+          <p:nvPr/>
+        </p:nvCxnSpPr>
+        <p:spPr>
+          <a:xfrm>
+            <a:off x="233518" y="3212976"/>
+            <a:ext cx="909101" cy="0"/>
+          </a:xfrm>
+          <a:prstGeom prst="straightConnector1">
+            <a:avLst/>
+          </a:prstGeom>
+          <a:ln>
+            <a:tailEnd type="arrow"/>
+          </a:ln>
+        </p:spPr>
+        <p:style>
+          <a:lnRef idx="2">
+            <a:schemeClr val="accent6"/>
+          </a:lnRef>
+          <a:fillRef idx="0">
+            <a:schemeClr val="accent6"/>
+          </a:fillRef>
+          <a:effectRef idx="1">
+            <a:schemeClr val="accent6"/>
+          </a:effectRef>
+          <a:fontRef idx="minor">
+            <a:schemeClr val="tx1"/>
+          </a:fontRef>
+        </p:style>
+      </p:cxnSp>
+      <p:sp>
+        <p:nvSpPr>
+          <p:cNvPr id="130" name="ZoneTexte 129"/>
+          <p:cNvSpPr txBox="1"/>
+          <p:nvPr/>
+        </p:nvSpPr>
+        <p:spPr>
+          <a:xfrm>
+            <a:off x="294685" y="2966755"/>
+            <a:ext cx="748923" cy="246221"/>
+          </a:xfrm>
+          <a:prstGeom prst="rect">
+            <a:avLst/>
+          </a:prstGeom>
+          <a:noFill/>
+        </p:spPr>
+        <p:txBody>
+          <a:bodyPr wrap="none" rtlCol="0">
+            <a:spAutoFit/>
+          </a:bodyPr>
+          <a:lstStyle/>
+          <a:p>
+            <a:r>
+              <a:rPr lang="fr-FR" sz="1000" dirty="0"/>
+              <a:t>l</a:t>
+            </a:r>
+            <a:r>
+              <a:rPr lang="fr-FR" sz="1000" dirty="0" smtClean="0"/>
+              <a:t>ogin ‘toto’</a:t>
+            </a:r>
+            <a:endParaRPr lang="fr-FR" sz="1000" dirty="0"/>
+          </a:p>
+        </p:txBody>
+      </p:sp>
+      <p:cxnSp>
+        <p:nvCxnSpPr>
+          <p:cNvPr id="131" name="Connecteur droit avec flèche 130"/>
+          <p:cNvCxnSpPr/>
+          <p:nvPr/>
+        </p:nvCxnSpPr>
+        <p:spPr>
+          <a:xfrm>
+            <a:off x="1142619" y="3212976"/>
+            <a:ext cx="1282642" cy="0"/>
+          </a:xfrm>
+          <a:prstGeom prst="straightConnector1">
+            <a:avLst/>
+          </a:prstGeom>
+          <a:ln>
+            <a:tailEnd type="arrow"/>
+          </a:ln>
+        </p:spPr>
+        <p:style>
+          <a:lnRef idx="2">
+            <a:schemeClr val="accent3"/>
+          </a:lnRef>
+          <a:fillRef idx="0">
+            <a:schemeClr val="accent3"/>
+          </a:fillRef>
+          <a:effectRef idx="1">
+            <a:schemeClr val="accent3"/>
+          </a:effectRef>
+          <a:fontRef idx="minor">
+            <a:schemeClr val="tx1"/>
+          </a:fontRef>
+        </p:style>
+      </p:cxnSp>
+      <p:sp>
+        <p:nvSpPr>
+          <p:cNvPr id="132" name="ZoneTexte 131"/>
+          <p:cNvSpPr txBox="1"/>
+          <p:nvPr/>
+        </p:nvSpPr>
+        <p:spPr>
+          <a:xfrm>
+            <a:off x="1374805" y="2966755"/>
+            <a:ext cx="748923" cy="246221"/>
+          </a:xfrm>
+          <a:prstGeom prst="rect">
+            <a:avLst/>
+          </a:prstGeom>
+          <a:noFill/>
+        </p:spPr>
+        <p:txBody>
+          <a:bodyPr wrap="none" rtlCol="0">
+            <a:spAutoFit/>
+          </a:bodyPr>
+          <a:lstStyle/>
+          <a:p>
+            <a:r>
+              <a:rPr lang="fr-FR" sz="1000" dirty="0" smtClean="0"/>
+              <a:t>login=toto</a:t>
+            </a:r>
+            <a:endParaRPr lang="fr-FR" sz="1000" dirty="0"/>
+          </a:p>
+        </p:txBody>
+      </p:sp>
+      <p:cxnSp>
+        <p:nvCxnSpPr>
+          <p:cNvPr id="133" name="Connecteur droit avec flèche 132"/>
+          <p:cNvCxnSpPr/>
+          <p:nvPr/>
+        </p:nvCxnSpPr>
+        <p:spPr>
+          <a:xfrm>
+            <a:off x="2411760" y="3212976"/>
+            <a:ext cx="1282642" cy="0"/>
+          </a:xfrm>
+          <a:prstGeom prst="straightConnector1">
+            <a:avLst/>
+          </a:prstGeom>
+          <a:ln>
+            <a:tailEnd type="arrow"/>
+          </a:ln>
+        </p:spPr>
+        <p:style>
+          <a:lnRef idx="2">
+            <a:schemeClr val="accent1"/>
+          </a:lnRef>
+          <a:fillRef idx="0">
+            <a:schemeClr val="accent1"/>
+          </a:fillRef>
+          <a:effectRef idx="1">
+            <a:schemeClr val="accent1"/>
+          </a:effectRef>
+          <a:fontRef idx="minor">
+            <a:schemeClr val="tx1"/>
+          </a:fontRef>
+        </p:style>
+      </p:cxnSp>
+      <p:sp>
+        <p:nvSpPr>
+          <p:cNvPr id="135" name="ZoneTexte 134"/>
+          <p:cNvSpPr txBox="1"/>
+          <p:nvPr/>
+        </p:nvSpPr>
+        <p:spPr>
+          <a:xfrm>
+            <a:off x="3986710" y="3254787"/>
+            <a:ext cx="745717" cy="246221"/>
+          </a:xfrm>
+          <a:prstGeom prst="rect">
+            <a:avLst/>
+          </a:prstGeom>
+          <a:noFill/>
+        </p:spPr>
+        <p:txBody>
+          <a:bodyPr wrap="none" rtlCol="0">
+            <a:spAutoFit/>
+          </a:bodyPr>
+          <a:lstStyle/>
+          <a:p>
+            <a:r>
+              <a:rPr lang="fr-FR" sz="1000" dirty="0"/>
+              <a:t>a</a:t>
+            </a:r>
+            <a:r>
+              <a:rPr lang="fr-FR" sz="1000" dirty="0" smtClean="0"/>
+              <a:t>s = new ()</a:t>
+            </a:r>
+            <a:endParaRPr lang="fr-FR" sz="1000" dirty="0"/>
+          </a:p>
+        </p:txBody>
+      </p:sp>
+      <p:sp>
+        <p:nvSpPr>
+          <p:cNvPr id="137" name="ZoneTexte 136"/>
+          <p:cNvSpPr txBox="1"/>
+          <p:nvPr/>
+        </p:nvSpPr>
+        <p:spPr>
+          <a:xfrm>
+            <a:off x="4860032" y="3284984"/>
+            <a:ext cx="684803" cy="246221"/>
+          </a:xfrm>
+          <a:prstGeom prst="rect">
+            <a:avLst/>
+          </a:prstGeom>
+          <a:noFill/>
+        </p:spPr>
+        <p:txBody>
+          <a:bodyPr wrap="none" rtlCol="0">
+            <a:spAutoFit/>
+          </a:bodyPr>
+          <a:lstStyle/>
+          <a:p>
+            <a:r>
+              <a:rPr lang="fr-FR" sz="1000" dirty="0" err="1" smtClean="0"/>
+              <a:t>find</a:t>
+            </a:r>
+            <a:r>
+              <a:rPr lang="fr-FR" sz="1000" dirty="0" smtClean="0"/>
+              <a:t>(toto)</a:t>
+            </a:r>
+            <a:endParaRPr lang="fr-FR" sz="1000" dirty="0"/>
+          </a:p>
+        </p:txBody>
+      </p:sp>
+      <p:cxnSp>
+        <p:nvCxnSpPr>
+          <p:cNvPr id="140" name="Connecteur droit avec flèche 139"/>
+          <p:cNvCxnSpPr/>
+          <p:nvPr/>
+        </p:nvCxnSpPr>
+        <p:spPr>
+          <a:xfrm>
+            <a:off x="6221771" y="3573016"/>
+            <a:ext cx="2598701" cy="16835"/>
+          </a:xfrm>
+          <a:prstGeom prst="straightConnector1">
+            <a:avLst/>
+          </a:prstGeom>
+          <a:ln>
+            <a:solidFill>
+              <a:srgbClr val="7030A0"/>
+            </a:solidFill>
+            <a:tailEnd type="arrow"/>
+          </a:ln>
+        </p:spPr>
+        <p:style>
+          <a:lnRef idx="2">
+            <a:schemeClr val="accent6"/>
+          </a:lnRef>
+          <a:fillRef idx="0">
+            <a:schemeClr val="accent6"/>
+          </a:fillRef>
+          <a:effectRef idx="1">
+            <a:schemeClr val="accent6"/>
+          </a:effectRef>
+          <a:fontRef idx="minor">
+            <a:schemeClr val="tx1"/>
+          </a:fontRef>
+        </p:style>
+      </p:cxnSp>
+      <p:sp>
+        <p:nvSpPr>
+          <p:cNvPr id="141" name="ZoneTexte 140"/>
+          <p:cNvSpPr txBox="1"/>
+          <p:nvPr/>
+        </p:nvSpPr>
+        <p:spPr>
+          <a:xfrm>
+            <a:off x="6915579" y="3284984"/>
+            <a:ext cx="1112805" cy="246221"/>
+          </a:xfrm>
+          <a:prstGeom prst="rect">
+            <a:avLst/>
+          </a:prstGeom>
+          <a:noFill/>
+        </p:spPr>
+        <p:txBody>
+          <a:bodyPr wrap="none" rtlCol="0">
+            <a:spAutoFit/>
+          </a:bodyPr>
+          <a:lstStyle/>
+          <a:p>
+            <a:r>
+              <a:rPr lang="fr-FR" sz="1000" dirty="0"/>
+              <a:t>s</a:t>
+            </a:r>
+            <a:r>
+              <a:rPr lang="fr-FR" sz="1000" dirty="0" smtClean="0"/>
+              <a:t>elect </a:t>
+            </a:r>
+            <a:r>
+              <a:rPr lang="fr-FR" sz="1000" dirty="0" err="1" smtClean="0"/>
+              <a:t>adh</a:t>
+            </a:r>
+            <a:r>
+              <a:rPr lang="fr-FR" sz="1000" dirty="0" smtClean="0"/>
+              <a:t> </a:t>
+            </a:r>
+            <a:r>
+              <a:rPr lang="fr-FR" sz="1000" dirty="0" err="1" smtClean="0"/>
+              <a:t>from</a:t>
+            </a:r>
+            <a:r>
+              <a:rPr lang="fr-FR" sz="1000" dirty="0" smtClean="0"/>
+              <a:t> …</a:t>
+            </a:r>
+            <a:endParaRPr lang="fr-FR" sz="1000" dirty="0"/>
+          </a:p>
+        </p:txBody>
+      </p:sp>
+      <p:sp>
+        <p:nvSpPr>
+          <p:cNvPr id="142" name="ZoneTexte 141"/>
+          <p:cNvSpPr txBox="1"/>
+          <p:nvPr/>
+        </p:nvSpPr>
+        <p:spPr>
+          <a:xfrm>
+            <a:off x="2487060" y="2966755"/>
+            <a:ext cx="1132041" cy="246221"/>
+          </a:xfrm>
+          <a:prstGeom prst="rect">
+            <a:avLst/>
+          </a:prstGeom>
+          <a:noFill/>
+        </p:spPr>
+        <p:txBody>
+          <a:bodyPr wrap="none" rtlCol="0">
+            <a:spAutoFit/>
+          </a:bodyPr>
+          <a:lstStyle/>
+          <a:p>
+            <a:r>
+              <a:rPr lang="fr-FR" sz="1000" dirty="0" smtClean="0"/>
+              <a:t>Demande de login</a:t>
+            </a:r>
+            <a:endParaRPr lang="fr-FR" sz="1000" dirty="0"/>
+          </a:p>
+        </p:txBody>
+      </p:sp>
+      <p:sp>
+        <p:nvSpPr>
+          <p:cNvPr id="144" name="ZoneTexte 143"/>
+          <p:cNvSpPr txBox="1"/>
+          <p:nvPr/>
+        </p:nvSpPr>
+        <p:spPr>
+          <a:xfrm>
+            <a:off x="6933212" y="3573016"/>
+            <a:ext cx="1095172" cy="246221"/>
+          </a:xfrm>
+          <a:prstGeom prst="rect">
+            <a:avLst/>
+          </a:prstGeom>
+          <a:noFill/>
+        </p:spPr>
+        <p:txBody>
+          <a:bodyPr wrap="none" rtlCol="0">
+            <a:spAutoFit/>
+          </a:bodyPr>
+          <a:lstStyle/>
+          <a:p>
+            <a:r>
+              <a:rPr lang="fr-FR" sz="1000" dirty="0" err="1"/>
+              <a:t>i</a:t>
+            </a:r>
+            <a:r>
+              <a:rPr lang="fr-FR" sz="1000" dirty="0" err="1" smtClean="0"/>
+              <a:t>d,nom,prenom</a:t>
+            </a:r>
+            <a:r>
+              <a:rPr lang="fr-FR" sz="1000" dirty="0" smtClean="0"/>
+              <a:t>…</a:t>
+            </a:r>
+            <a:endParaRPr lang="fr-FR" sz="1000" dirty="0"/>
+          </a:p>
+        </p:txBody>
+      </p:sp>
+      <p:sp>
+        <p:nvSpPr>
+          <p:cNvPr id="146" name="ZoneTexte 145"/>
+          <p:cNvSpPr txBox="1"/>
+          <p:nvPr/>
+        </p:nvSpPr>
+        <p:spPr>
+          <a:xfrm>
+            <a:off x="5199880" y="4694947"/>
+            <a:ext cx="380232" cy="246221"/>
+          </a:xfrm>
+          <a:prstGeom prst="rect">
+            <a:avLst/>
+          </a:prstGeom>
+          <a:noFill/>
+        </p:spPr>
+        <p:txBody>
+          <a:bodyPr wrap="none" rtlCol="0">
+            <a:spAutoFit/>
+          </a:bodyPr>
+          <a:lstStyle/>
+          <a:p>
+            <a:r>
+              <a:rPr lang="fr-FR" sz="1000" dirty="0" err="1" smtClean="0"/>
+              <a:t>adh</a:t>
+            </a:r>
+            <a:endParaRPr lang="fr-FR" sz="1000" dirty="0"/>
+          </a:p>
+        </p:txBody>
+      </p:sp>
+      <p:sp>
+        <p:nvSpPr>
+          <p:cNvPr id="149" name="Rectangle 148"/>
+          <p:cNvSpPr/>
+          <p:nvPr/>
+        </p:nvSpPr>
+        <p:spPr>
+          <a:xfrm>
+            <a:off x="4755393" y="3377897"/>
+            <a:ext cx="104639" cy="1600880"/>
+          </a:xfrm>
+          <a:prstGeom prst="rect">
+            <a:avLst/>
+          </a:prstGeom>
+        </p:spPr>
+        <p:style>
+          <a:lnRef idx="2">
+            <a:schemeClr val="accent2">
+              <a:shade val="50000"/>
+            </a:schemeClr>
+          </a:lnRef>
+          <a:fillRef idx="1">
+            <a:schemeClr val="accent2"/>
+          </a:fillRef>
+          <a:effectRef idx="0">
+            <a:schemeClr val="accent2"/>
+          </a:effectRef>
+          <a:fontRef idx="minor">
+            <a:schemeClr val="lt1"/>
+          </a:fontRef>
+        </p:style>
+        <p:txBody>
+          <a:bodyPr rtlCol="0" anchor="ctr"/>
+          <a:lstStyle/>
+          <a:p>
+            <a:pPr algn="ctr"/>
+            <a:endParaRPr lang="fr-FR"/>
+          </a:p>
+        </p:txBody>
+      </p:sp>
+      <p:cxnSp>
+        <p:nvCxnSpPr>
+          <p:cNvPr id="32" name="Connecteur droit 31"/>
+          <p:cNvCxnSpPr/>
+          <p:nvPr/>
+        </p:nvCxnSpPr>
+        <p:spPr>
+          <a:xfrm>
+            <a:off x="7704348" y="4278884"/>
+            <a:ext cx="0" cy="1310356"/>
+          </a:xfrm>
+          <a:prstGeom prst="line">
+            <a:avLst/>
+          </a:prstGeom>
+        </p:spPr>
+        <p:style>
+          <a:lnRef idx="2">
+            <a:schemeClr val="dk1"/>
+          </a:lnRef>
+          <a:fillRef idx="0">
+            <a:schemeClr val="dk1"/>
+          </a:fillRef>
+          <a:effectRef idx="1">
+            <a:schemeClr val="dk1"/>
+          </a:effectRef>
+          <a:fontRef idx="minor">
+            <a:schemeClr val="tx1"/>
+          </a:fontRef>
+        </p:style>
+      </p:cxnSp>
+      <p:sp>
+        <p:nvSpPr>
+          <p:cNvPr id="128" name="Rectangle 127"/>
+          <p:cNvSpPr/>
+          <p:nvPr/>
+        </p:nvSpPr>
+        <p:spPr>
+          <a:xfrm>
+            <a:off x="7236296" y="4005064"/>
+            <a:ext cx="936104" cy="273820"/>
+          </a:xfrm>
+          <a:prstGeom prst="rect">
+            <a:avLst/>
+          </a:prstGeom>
+        </p:spPr>
+        <p:style>
+          <a:lnRef idx="2">
+            <a:schemeClr val="accent1">
+              <a:shade val="50000"/>
+            </a:schemeClr>
+          </a:lnRef>
+          <a:fillRef idx="1">
+            <a:schemeClr val="accent1"/>
+          </a:fillRef>
+          <a:effectRef idx="0">
+            <a:schemeClr val="accent1"/>
+          </a:effectRef>
+          <a:fontRef idx="minor">
+            <a:schemeClr val="lt1"/>
+          </a:fontRef>
+        </p:style>
+        <p:txBody>
+          <a:bodyPr rtlCol="0" anchor="ctr"/>
+          <a:lstStyle/>
+          <a:p>
+            <a:pPr algn="ctr"/>
+            <a:r>
+              <a:rPr lang="fr-FR" sz="1000" dirty="0" err="1" smtClean="0"/>
+              <a:t>adh:Adherent</a:t>
+            </a:r>
+            <a:endParaRPr lang="fr-FR" sz="1000" dirty="0"/>
+          </a:p>
+        </p:txBody>
+      </p:sp>
+      <p:sp>
+        <p:nvSpPr>
+          <p:cNvPr id="150" name="Rectangle 149"/>
+          <p:cNvSpPr/>
+          <p:nvPr/>
+        </p:nvSpPr>
+        <p:spPr>
+          <a:xfrm>
+            <a:off x="7654410" y="4602033"/>
+            <a:ext cx="109206" cy="332030"/>
+          </a:xfrm>
+          <a:prstGeom prst="rect">
+            <a:avLst/>
+          </a:prstGeom>
+        </p:spPr>
+        <p:style>
+          <a:lnRef idx="2">
+            <a:schemeClr val="accent1">
+              <a:shade val="50000"/>
+            </a:schemeClr>
+          </a:lnRef>
+          <a:fillRef idx="1">
+            <a:schemeClr val="accent1"/>
+          </a:fillRef>
+          <a:effectRef idx="0">
+            <a:schemeClr val="accent1"/>
+          </a:effectRef>
+          <a:fontRef idx="minor">
+            <a:schemeClr val="lt1"/>
+          </a:fontRef>
+        </p:style>
+        <p:txBody>
+          <a:bodyPr rtlCol="0" anchor="ctr"/>
+          <a:lstStyle/>
+          <a:p>
+            <a:pPr algn="ctr"/>
+            <a:endParaRPr lang="fr-FR"/>
+          </a:p>
+        </p:txBody>
+      </p:sp>
+      <p:sp>
+        <p:nvSpPr>
+          <p:cNvPr id="64" name="Rectangle 63"/>
+          <p:cNvSpPr/>
+          <p:nvPr/>
+        </p:nvSpPr>
+        <p:spPr>
+          <a:xfrm>
+            <a:off x="5580112" y="2651124"/>
+            <a:ext cx="1080120" cy="273820"/>
+          </a:xfrm>
+          <a:prstGeom prst="rect">
+            <a:avLst/>
+          </a:prstGeom>
+        </p:spPr>
+        <p:style>
+          <a:lnRef idx="2">
+            <a:schemeClr val="accent4">
+              <a:shade val="50000"/>
+            </a:schemeClr>
+          </a:lnRef>
+          <a:fillRef idx="1">
+            <a:schemeClr val="accent4"/>
+          </a:fillRef>
+          <a:effectRef idx="0">
+            <a:schemeClr val="accent4"/>
+          </a:effectRef>
+          <a:fontRef idx="minor">
+            <a:schemeClr val="lt1"/>
+          </a:fontRef>
+        </p:style>
+        <p:txBody>
+          <a:bodyPr rtlCol="0" anchor="ctr"/>
+          <a:lstStyle/>
+          <a:p>
+            <a:pPr algn="ctr"/>
+            <a:r>
+              <a:rPr lang="fr-FR" sz="1000" dirty="0" smtClean="0"/>
+              <a:t>:</a:t>
+            </a:r>
+            <a:r>
+              <a:rPr lang="fr-FR" sz="1000" dirty="0" err="1" smtClean="0"/>
+              <a:t>EntityManager</a:t>
+            </a:r>
+            <a:endParaRPr lang="fr-FR" sz="1000" dirty="0"/>
+          </a:p>
+        </p:txBody>
+      </p:sp>
+      <p:cxnSp>
+        <p:nvCxnSpPr>
+          <p:cNvPr id="65" name="Connecteur droit 64"/>
+          <p:cNvCxnSpPr/>
+          <p:nvPr/>
+        </p:nvCxnSpPr>
+        <p:spPr>
+          <a:xfrm>
+            <a:off x="6120172" y="2914862"/>
+            <a:ext cx="22502" cy="2674378"/>
+          </a:xfrm>
+          <a:prstGeom prst="line">
+            <a:avLst/>
+          </a:prstGeom>
+        </p:spPr>
+        <p:style>
+          <a:lnRef idx="2">
+            <a:schemeClr val="dk1"/>
+          </a:lnRef>
+          <a:fillRef idx="0">
+            <a:schemeClr val="dk1"/>
+          </a:fillRef>
+          <a:effectRef idx="1">
+            <a:schemeClr val="dk1"/>
+          </a:effectRef>
+          <a:fontRef idx="minor">
+            <a:schemeClr val="tx1"/>
+          </a:fontRef>
+        </p:style>
+      </p:cxnSp>
+      <p:sp>
+        <p:nvSpPr>
+          <p:cNvPr id="151" name="Rectangle 150"/>
+          <p:cNvSpPr/>
+          <p:nvPr/>
+        </p:nvSpPr>
+        <p:spPr>
+          <a:xfrm>
+            <a:off x="6079666" y="3429000"/>
+            <a:ext cx="142105" cy="1505062"/>
+          </a:xfrm>
+          <a:prstGeom prst="rect">
+            <a:avLst/>
+          </a:prstGeom>
+        </p:spPr>
+        <p:style>
+          <a:lnRef idx="2">
+            <a:schemeClr val="accent4">
+              <a:shade val="50000"/>
+            </a:schemeClr>
+          </a:lnRef>
+          <a:fillRef idx="1">
+            <a:schemeClr val="accent4"/>
+          </a:fillRef>
+          <a:effectRef idx="0">
+            <a:schemeClr val="accent4"/>
+          </a:effectRef>
+          <a:fontRef idx="minor">
+            <a:schemeClr val="lt1"/>
+          </a:fontRef>
+        </p:style>
+        <p:txBody>
+          <a:bodyPr rtlCol="0" anchor="ctr"/>
+          <a:lstStyle/>
+          <a:p>
+            <a:pPr algn="ctr"/>
+            <a:endParaRPr lang="fr-FR"/>
+          </a:p>
+        </p:txBody>
+      </p:sp>
+      <p:cxnSp>
+        <p:nvCxnSpPr>
+          <p:cNvPr id="152" name="Connecteur droit avec flèche 151"/>
+          <p:cNvCxnSpPr/>
+          <p:nvPr/>
+        </p:nvCxnSpPr>
+        <p:spPr>
+          <a:xfrm flipH="1">
+            <a:off x="2487060" y="5775975"/>
+            <a:ext cx="1256849" cy="9489"/>
+          </a:xfrm>
+          <a:prstGeom prst="straightConnector1">
+            <a:avLst/>
+          </a:prstGeom>
+          <a:ln>
+            <a:prstDash val="dash"/>
+            <a:tailEnd type="arrow"/>
+          </a:ln>
+        </p:spPr>
+        <p:style>
+          <a:lnRef idx="2">
+            <a:schemeClr val="accent6"/>
+          </a:lnRef>
+          <a:fillRef idx="0">
+            <a:schemeClr val="accent6"/>
+          </a:fillRef>
+          <a:effectRef idx="1">
+            <a:schemeClr val="accent6"/>
+          </a:effectRef>
+          <a:fontRef idx="minor">
+            <a:schemeClr val="tx1"/>
+          </a:fontRef>
+        </p:style>
+      </p:cxnSp>
+      <p:sp>
+        <p:nvSpPr>
+          <p:cNvPr id="153" name="ZoneTexte 152"/>
+          <p:cNvSpPr txBox="1"/>
+          <p:nvPr/>
+        </p:nvSpPr>
+        <p:spPr>
+          <a:xfrm>
+            <a:off x="2699792" y="5529754"/>
+            <a:ext cx="861133" cy="246221"/>
+          </a:xfrm>
+          <a:prstGeom prst="rect">
+            <a:avLst/>
+          </a:prstGeom>
+          <a:noFill/>
+        </p:spPr>
+        <p:txBody>
+          <a:bodyPr wrap="none" rtlCol="0">
+            <a:spAutoFit/>
+          </a:bodyPr>
+          <a:lstStyle/>
+          <a:p>
+            <a:r>
+              <a:rPr lang="fr-FR" sz="1000" dirty="0"/>
+              <a:t>p</a:t>
+            </a:r>
+            <a:r>
+              <a:rPr lang="fr-FR" sz="1000" dirty="0" smtClean="0"/>
+              <a:t>age=accueil</a:t>
+            </a:r>
+            <a:endParaRPr lang="fr-FR" sz="1000" dirty="0"/>
+          </a:p>
+        </p:txBody>
+      </p:sp>
+      <p:cxnSp>
+        <p:nvCxnSpPr>
+          <p:cNvPr id="154" name="Connecteur droit avec flèche 153"/>
+          <p:cNvCxnSpPr/>
+          <p:nvPr/>
+        </p:nvCxnSpPr>
+        <p:spPr>
+          <a:xfrm flipH="1">
+            <a:off x="1187624" y="5785464"/>
+            <a:ext cx="1256849" cy="9489"/>
+          </a:xfrm>
+          <a:prstGeom prst="straightConnector1">
+            <a:avLst/>
+          </a:prstGeom>
+          <a:ln w="22225">
+            <a:prstDash val="dash"/>
+            <a:tailEnd type="arrow"/>
+          </a:ln>
+        </p:spPr>
+        <p:style>
+          <a:lnRef idx="2">
+            <a:schemeClr val="accent1"/>
+          </a:lnRef>
+          <a:fillRef idx="0">
+            <a:schemeClr val="accent1"/>
+          </a:fillRef>
+          <a:effectRef idx="1">
+            <a:schemeClr val="accent1"/>
+          </a:effectRef>
+          <a:fontRef idx="minor">
+            <a:schemeClr val="tx1"/>
+          </a:fontRef>
+        </p:style>
+      </p:cxnSp>
+      <p:sp>
+        <p:nvSpPr>
+          <p:cNvPr id="155" name="ZoneTexte 154"/>
+          <p:cNvSpPr txBox="1"/>
+          <p:nvPr/>
+        </p:nvSpPr>
+        <p:spPr>
+          <a:xfrm>
+            <a:off x="1259632" y="5559043"/>
+            <a:ext cx="1059906" cy="246221"/>
+          </a:xfrm>
+          <a:prstGeom prst="rect">
+            <a:avLst/>
+          </a:prstGeom>
+          <a:noFill/>
+        </p:spPr>
+        <p:txBody>
+          <a:bodyPr wrap="none" rtlCol="0">
+            <a:spAutoFit/>
+          </a:bodyPr>
+          <a:lstStyle/>
+          <a:p>
+            <a:r>
+              <a:rPr lang="fr-FR" sz="1000" dirty="0" smtClean="0"/>
+              <a:t>Affichage accueil</a:t>
+            </a:r>
+            <a:endParaRPr lang="fr-FR" sz="1000" dirty="0"/>
+          </a:p>
+        </p:txBody>
+      </p:sp>
+      <p:cxnSp>
+        <p:nvCxnSpPr>
+          <p:cNvPr id="156" name="Connecteur droit 155"/>
+          <p:cNvCxnSpPr/>
+          <p:nvPr/>
+        </p:nvCxnSpPr>
+        <p:spPr>
+          <a:xfrm flipV="1">
+            <a:off x="4098407" y="5107250"/>
+            <a:ext cx="0" cy="553998"/>
+          </a:xfrm>
+          <a:prstGeom prst="line">
+            <a:avLst/>
+          </a:prstGeom>
+          <a:ln>
+            <a:solidFill>
+              <a:schemeClr val="accent6"/>
+            </a:solidFill>
+          </a:ln>
+        </p:spPr>
+        <p:style>
+          <a:lnRef idx="2">
+            <a:schemeClr val="accent2"/>
+          </a:lnRef>
+          <a:fillRef idx="0">
+            <a:schemeClr val="accent2"/>
+          </a:fillRef>
+          <a:effectRef idx="1">
+            <a:schemeClr val="accent2"/>
+          </a:effectRef>
+          <a:fontRef idx="minor">
+            <a:schemeClr val="tx1"/>
+          </a:fontRef>
+        </p:style>
+      </p:cxnSp>
+      <p:cxnSp>
+        <p:nvCxnSpPr>
+          <p:cNvPr id="157" name="Connecteur droit avec flèche 156"/>
+          <p:cNvCxnSpPr/>
+          <p:nvPr/>
+        </p:nvCxnSpPr>
+        <p:spPr>
+          <a:xfrm flipH="1">
+            <a:off x="3707904" y="5676258"/>
+            <a:ext cx="390926" cy="0"/>
+          </a:xfrm>
+          <a:prstGeom prst="straightConnector1">
+            <a:avLst/>
+          </a:prstGeom>
+          <a:ln>
+            <a:solidFill>
+              <a:schemeClr val="accent6"/>
+            </a:solidFill>
+            <a:tailEnd type="arrow"/>
+          </a:ln>
+        </p:spPr>
+        <p:style>
+          <a:lnRef idx="2">
+            <a:schemeClr val="accent2"/>
+          </a:lnRef>
+          <a:fillRef idx="0">
+            <a:schemeClr val="accent2"/>
+          </a:fillRef>
+          <a:effectRef idx="1">
+            <a:schemeClr val="accent2"/>
+          </a:effectRef>
+          <a:fontRef idx="minor">
+            <a:schemeClr val="tx1"/>
+          </a:fontRef>
+        </p:style>
+      </p:cxnSp>
+      <p:sp>
+        <p:nvSpPr>
+          <p:cNvPr id="158" name="ZoneTexte 157"/>
+          <p:cNvSpPr txBox="1"/>
+          <p:nvPr/>
+        </p:nvSpPr>
+        <p:spPr>
+          <a:xfrm>
+            <a:off x="4104289" y="5128155"/>
+            <a:ext cx="659155" cy="553998"/>
+          </a:xfrm>
+          <a:prstGeom prst="rect">
+            <a:avLst/>
+          </a:prstGeom>
+          <a:noFill/>
+        </p:spPr>
+        <p:txBody>
+          <a:bodyPr wrap="none" rtlCol="0">
+            <a:spAutoFit/>
+          </a:bodyPr>
+          <a:lstStyle/>
+          <a:p>
+            <a:r>
+              <a:rPr lang="fr-FR" sz="1000" dirty="0" smtClean="0"/>
+              <a:t>Création </a:t>
+            </a:r>
+          </a:p>
+          <a:p>
+            <a:r>
+              <a:rPr lang="fr-FR" sz="1000" dirty="0" smtClean="0"/>
+              <a:t>d’une </a:t>
+            </a:r>
+          </a:p>
+          <a:p>
+            <a:r>
+              <a:rPr lang="fr-FR" sz="1000" dirty="0" smtClean="0"/>
+              <a:t>session</a:t>
+            </a:r>
+            <a:endParaRPr lang="fr-FR" sz="1000" dirty="0"/>
+          </a:p>
+        </p:txBody>
+      </p:sp>
+      <p:cxnSp>
+        <p:nvCxnSpPr>
+          <p:cNvPr id="159" name="Connecteur droit 158"/>
+          <p:cNvCxnSpPr/>
+          <p:nvPr/>
+        </p:nvCxnSpPr>
+        <p:spPr>
+          <a:xfrm>
+            <a:off x="3730406" y="5107250"/>
+            <a:ext cx="368001" cy="0"/>
+          </a:xfrm>
+          <a:prstGeom prst="line">
+            <a:avLst/>
+          </a:prstGeom>
+          <a:ln>
+            <a:solidFill>
+              <a:schemeClr val="accent6"/>
+            </a:solidFill>
+          </a:ln>
+        </p:spPr>
+        <p:style>
+          <a:lnRef idx="2">
+            <a:schemeClr val="accent2"/>
+          </a:lnRef>
+          <a:fillRef idx="0">
+            <a:schemeClr val="accent2"/>
+          </a:fillRef>
+          <a:effectRef idx="1">
+            <a:schemeClr val="accent2"/>
+          </a:effectRef>
+          <a:fontRef idx="minor">
+            <a:schemeClr val="tx1"/>
+          </a:fontRef>
+        </p:style>
+      </p:cxnSp>
+      <p:cxnSp>
+        <p:nvCxnSpPr>
+          <p:cNvPr id="161" name="Connecteur droit avec flèche 160"/>
+          <p:cNvCxnSpPr/>
+          <p:nvPr/>
+        </p:nvCxnSpPr>
+        <p:spPr>
+          <a:xfrm flipH="1">
+            <a:off x="6221771" y="3789040"/>
+            <a:ext cx="2559942" cy="0"/>
+          </a:xfrm>
+          <a:prstGeom prst="straightConnector1">
+            <a:avLst/>
+          </a:prstGeom>
+          <a:ln>
+            <a:solidFill>
+              <a:srgbClr val="7030A0"/>
+            </a:solidFill>
+            <a:prstDash val="dash"/>
+            <a:tailEnd type="arrow"/>
+          </a:ln>
+        </p:spPr>
+        <p:style>
+          <a:lnRef idx="2">
+            <a:schemeClr val="accent6"/>
+          </a:lnRef>
+          <a:fillRef idx="0">
+            <a:schemeClr val="accent6"/>
+          </a:fillRef>
+          <a:effectRef idx="1">
+            <a:schemeClr val="accent6"/>
+          </a:effectRef>
+          <a:fontRef idx="minor">
+            <a:schemeClr val="tx1"/>
+          </a:fontRef>
+        </p:style>
+      </p:cxnSp>
+      <p:cxnSp>
+        <p:nvCxnSpPr>
+          <p:cNvPr id="162" name="Connecteur droit avec flèche 161"/>
+          <p:cNvCxnSpPr/>
+          <p:nvPr/>
+        </p:nvCxnSpPr>
+        <p:spPr>
+          <a:xfrm>
+            <a:off x="4807712" y="3514370"/>
+            <a:ext cx="1271954" cy="0"/>
+          </a:xfrm>
+          <a:prstGeom prst="straightConnector1">
+            <a:avLst/>
+          </a:prstGeom>
+          <a:ln>
+            <a:solidFill>
+              <a:srgbClr val="C00000"/>
+            </a:solidFill>
+            <a:tailEnd type="arrow"/>
+          </a:ln>
+        </p:spPr>
+        <p:style>
+          <a:lnRef idx="2">
+            <a:schemeClr val="accent6"/>
+          </a:lnRef>
+          <a:fillRef idx="0">
+            <a:schemeClr val="accent6"/>
+          </a:fillRef>
+          <a:effectRef idx="1">
+            <a:schemeClr val="accent6"/>
+          </a:effectRef>
+          <a:fontRef idx="minor">
+            <a:schemeClr val="tx1"/>
+          </a:fontRef>
+        </p:style>
+      </p:cxnSp>
+      <p:sp>
+        <p:nvSpPr>
+          <p:cNvPr id="163" name="ZoneTexte 162"/>
+          <p:cNvSpPr txBox="1"/>
+          <p:nvPr/>
+        </p:nvSpPr>
+        <p:spPr>
+          <a:xfrm>
+            <a:off x="6130744" y="4478923"/>
+            <a:ext cx="1537600" cy="246221"/>
+          </a:xfrm>
+          <a:prstGeom prst="rect">
+            <a:avLst/>
+          </a:prstGeom>
+          <a:noFill/>
+        </p:spPr>
+        <p:txBody>
+          <a:bodyPr wrap="none" rtlCol="0">
+            <a:spAutoFit/>
+          </a:bodyPr>
+          <a:lstStyle/>
+          <a:p>
+            <a:r>
+              <a:rPr lang="fr-FR" sz="1000" dirty="0" err="1"/>
+              <a:t>a</a:t>
+            </a:r>
+            <a:r>
+              <a:rPr lang="fr-FR" sz="1000" dirty="0" err="1" smtClean="0"/>
+              <a:t>dh</a:t>
+            </a:r>
+            <a:r>
+              <a:rPr lang="fr-FR" sz="1000" dirty="0" smtClean="0"/>
+              <a:t>=new (</a:t>
+            </a:r>
+            <a:r>
+              <a:rPr lang="fr-FR" sz="1000" dirty="0" err="1" smtClean="0"/>
+              <a:t>nom,prenom</a:t>
+            </a:r>
+            <a:r>
+              <a:rPr lang="fr-FR" sz="1000" dirty="0" smtClean="0"/>
+              <a:t>,.)</a:t>
+            </a:r>
+            <a:endParaRPr lang="fr-FR" sz="1000" dirty="0"/>
+          </a:p>
+        </p:txBody>
+      </p:sp>
+      <p:cxnSp>
+        <p:nvCxnSpPr>
+          <p:cNvPr id="168" name="Connecteur droit avec flèche 167"/>
+          <p:cNvCxnSpPr/>
+          <p:nvPr/>
+        </p:nvCxnSpPr>
+        <p:spPr>
+          <a:xfrm>
+            <a:off x="3730406" y="3501008"/>
+            <a:ext cx="1096868" cy="0"/>
+          </a:xfrm>
+          <a:prstGeom prst="straightConnector1">
+            <a:avLst/>
+          </a:prstGeom>
+          <a:ln>
+            <a:tailEnd type="arrow"/>
+          </a:ln>
+        </p:spPr>
+        <p:style>
+          <a:lnRef idx="2">
+            <a:schemeClr val="accent6"/>
+          </a:lnRef>
+          <a:fillRef idx="0">
+            <a:schemeClr val="accent6"/>
+          </a:fillRef>
+          <a:effectRef idx="1">
+            <a:schemeClr val="accent6"/>
+          </a:effectRef>
+          <a:fontRef idx="minor">
+            <a:schemeClr val="tx1"/>
+          </a:fontRef>
+        </p:style>
+      </p:cxnSp>
+      <p:sp>
+        <p:nvSpPr>
+          <p:cNvPr id="169" name="ZoneTexte 168"/>
+          <p:cNvSpPr txBox="1"/>
+          <p:nvPr/>
+        </p:nvSpPr>
+        <p:spPr>
+          <a:xfrm>
+            <a:off x="4053381" y="4732556"/>
+            <a:ext cx="380232" cy="246221"/>
+          </a:xfrm>
+          <a:prstGeom prst="rect">
+            <a:avLst/>
+          </a:prstGeom>
+          <a:noFill/>
+        </p:spPr>
+        <p:txBody>
+          <a:bodyPr wrap="none" rtlCol="0">
+            <a:spAutoFit/>
+          </a:bodyPr>
+          <a:lstStyle/>
+          <a:p>
+            <a:r>
+              <a:rPr lang="fr-FR" sz="1000" dirty="0" err="1" smtClean="0"/>
+              <a:t>adh</a:t>
+            </a:r>
+            <a:endParaRPr lang="fr-FR" sz="1000" dirty="0"/>
+          </a:p>
+        </p:txBody>
+      </p:sp>
+      <p:cxnSp>
+        <p:nvCxnSpPr>
+          <p:cNvPr id="170" name="Connecteur droit avec flèche 169"/>
+          <p:cNvCxnSpPr/>
+          <p:nvPr/>
+        </p:nvCxnSpPr>
+        <p:spPr>
+          <a:xfrm flipH="1">
+            <a:off x="3743909" y="4941168"/>
+            <a:ext cx="1121752" cy="0"/>
+          </a:xfrm>
+          <a:prstGeom prst="straightConnector1">
+            <a:avLst/>
+          </a:prstGeom>
+          <a:ln>
+            <a:solidFill>
+              <a:srgbClr val="C00000"/>
+            </a:solidFill>
+            <a:prstDash val="dash"/>
+            <a:tailEnd type="arrow"/>
+          </a:ln>
+        </p:spPr>
+        <p:style>
+          <a:lnRef idx="2">
+            <a:schemeClr val="accent6"/>
+          </a:lnRef>
+          <a:fillRef idx="0">
+            <a:schemeClr val="accent6"/>
+          </a:fillRef>
+          <a:effectRef idx="1">
+            <a:schemeClr val="accent6"/>
+          </a:effectRef>
+          <a:fontRef idx="minor">
+            <a:schemeClr val="tx1"/>
+          </a:fontRef>
+        </p:style>
+      </p:cxnSp>
+      <p:cxnSp>
+        <p:nvCxnSpPr>
+          <p:cNvPr id="178" name="Connecteur droit avec flèche 177"/>
+          <p:cNvCxnSpPr/>
+          <p:nvPr/>
+        </p:nvCxnSpPr>
+        <p:spPr>
+          <a:xfrm>
+            <a:off x="6134627" y="4725144"/>
+            <a:ext cx="1519783" cy="0"/>
+          </a:xfrm>
+          <a:prstGeom prst="straightConnector1">
+            <a:avLst/>
+          </a:prstGeom>
+          <a:ln>
+            <a:solidFill>
+              <a:srgbClr val="7030A0"/>
+            </a:solidFill>
+            <a:tailEnd type="arrow"/>
+          </a:ln>
+        </p:spPr>
+        <p:style>
+          <a:lnRef idx="2">
+            <a:schemeClr val="accent6"/>
+          </a:lnRef>
+          <a:fillRef idx="0">
+            <a:schemeClr val="accent6"/>
+          </a:fillRef>
+          <a:effectRef idx="1">
+            <a:schemeClr val="accent6"/>
+          </a:effectRef>
+          <a:fontRef idx="minor">
+            <a:schemeClr val="tx1"/>
+          </a:fontRef>
+        </p:style>
+      </p:cxnSp>
+      <p:cxnSp>
+        <p:nvCxnSpPr>
+          <p:cNvPr id="180" name="Connecteur droit avec flèche 179"/>
+          <p:cNvCxnSpPr/>
+          <p:nvPr/>
+        </p:nvCxnSpPr>
+        <p:spPr>
+          <a:xfrm flipH="1">
+            <a:off x="4817278" y="4941168"/>
+            <a:ext cx="1313466" cy="0"/>
+          </a:xfrm>
+          <a:prstGeom prst="straightConnector1">
+            <a:avLst/>
+          </a:prstGeom>
+          <a:ln>
+            <a:solidFill>
+              <a:srgbClr val="7030A0"/>
+            </a:solidFill>
+            <a:prstDash val="dash"/>
+            <a:tailEnd type="arrow"/>
+          </a:ln>
+        </p:spPr>
+        <p:style>
+          <a:lnRef idx="2">
+            <a:schemeClr val="accent6"/>
+          </a:lnRef>
+          <a:fillRef idx="0">
+            <a:schemeClr val="accent6"/>
+          </a:fillRef>
+          <a:effectRef idx="1">
+            <a:schemeClr val="accent6"/>
+          </a:effectRef>
+          <a:fontRef idx="minor">
+            <a:schemeClr val="tx1"/>
+          </a:fontRef>
+        </p:style>
+      </p:cxnSp>
+      <p:sp>
+        <p:nvSpPr>
+          <p:cNvPr id="186" name="ZoneTexte 185"/>
+          <p:cNvSpPr txBox="1"/>
+          <p:nvPr/>
+        </p:nvSpPr>
+        <p:spPr>
+          <a:xfrm>
+            <a:off x="6625413" y="4687961"/>
+            <a:ext cx="380232" cy="246221"/>
+          </a:xfrm>
+          <a:prstGeom prst="rect">
+            <a:avLst/>
+          </a:prstGeom>
+          <a:noFill/>
+        </p:spPr>
+        <p:txBody>
+          <a:bodyPr wrap="none" rtlCol="0">
+            <a:spAutoFit/>
+          </a:bodyPr>
+          <a:lstStyle/>
+          <a:p>
+            <a:r>
+              <a:rPr lang="fr-FR" sz="1000" dirty="0" err="1" smtClean="0"/>
+              <a:t>adh</a:t>
+            </a:r>
+            <a:endParaRPr lang="fr-FR" sz="1000" dirty="0"/>
+          </a:p>
+        </p:txBody>
+      </p:sp>
+      <p:cxnSp>
+        <p:nvCxnSpPr>
+          <p:cNvPr id="187" name="Connecteur droit avec flèche 186"/>
+          <p:cNvCxnSpPr/>
+          <p:nvPr/>
+        </p:nvCxnSpPr>
+        <p:spPr>
+          <a:xfrm flipH="1">
+            <a:off x="6242811" y="4898449"/>
+            <a:ext cx="1313466" cy="0"/>
+          </a:xfrm>
+          <a:prstGeom prst="straightConnector1">
+            <a:avLst/>
+          </a:prstGeom>
+          <a:ln>
+            <a:solidFill>
+              <a:srgbClr val="0070C0"/>
+            </a:solidFill>
+            <a:prstDash val="dash"/>
+            <a:tailEnd type="arrow"/>
+          </a:ln>
+        </p:spPr>
+        <p:style>
+          <a:lnRef idx="2">
+            <a:schemeClr val="accent6"/>
+          </a:lnRef>
+          <a:fillRef idx="0">
+            <a:schemeClr val="accent6"/>
+          </a:fillRef>
+          <a:effectRef idx="1">
+            <a:schemeClr val="accent6"/>
+          </a:effectRef>
+          <a:fontRef idx="minor">
+            <a:schemeClr val="tx1"/>
+          </a:fontRef>
+        </p:style>
+      </p:cxnSp>
+      <p:sp>
+        <p:nvSpPr>
+          <p:cNvPr id="188" name="Rectangle 187"/>
+          <p:cNvSpPr/>
+          <p:nvPr/>
+        </p:nvSpPr>
+        <p:spPr>
+          <a:xfrm>
+            <a:off x="2357754" y="5661248"/>
+            <a:ext cx="126014" cy="240488"/>
+          </a:xfrm>
+          <a:prstGeom prst="rect">
+            <a:avLst/>
+          </a:prstGeom>
+        </p:spPr>
+        <p:style>
+          <a:lnRef idx="2">
+            <a:schemeClr val="accent1">
+              <a:shade val="50000"/>
+            </a:schemeClr>
+          </a:lnRef>
+          <a:fillRef idx="1">
+            <a:schemeClr val="accent1"/>
+          </a:fillRef>
+          <a:effectRef idx="0">
+            <a:schemeClr val="accent1"/>
+          </a:effectRef>
+          <a:fontRef idx="minor">
+            <a:schemeClr val="lt1"/>
+          </a:fontRef>
+        </p:style>
+        <p:txBody>
+          <a:bodyPr rtlCol="0" anchor="ctr"/>
+          <a:lstStyle/>
+          <a:p>
+            <a:pPr algn="ctr"/>
+            <a:endParaRPr lang="fr-FR"/>
+          </a:p>
+        </p:txBody>
+      </p:sp>
+    </p:spTree>
+    <p:extLst>
+      <p:ext uri="{BB962C8B-B14F-4D97-AF65-F5344CB8AC3E}">
+        <p14:creationId xmlns:p14="http://schemas.microsoft.com/office/powerpoint/2010/main" val="297677273"/>
+      </p:ext>
+    </p:extLst>
+  </p:cSld>
+  <p:clrMapOvr>
+    <a:masterClrMapping/>
+  </p:clrMapOvr>
+  <p:timing>
+    <p:tnLst>
+      <p:par>
+        <p:cTn id="1" dur="indefinite" restart="never" nodeType="tmRoot"/>
+      </p:par>
+    </p:tnLst>
+  </p:timing>
+</p:sld>
+</file>
+
+<file path=ppt/slides/slide16.xml><?xml version="1.0" encoding="utf-8"?>
+<p:sld xmlns:a="http://schemas.openxmlformats.org/drawingml/2006/main" xmlns:r="http://schemas.openxmlformats.org/officeDocument/2006/relationships" xmlns:p="http://schemas.openxmlformats.org/presentationml/2006/main">
+  <p:cSld>
+    <p:spTree>
+      <p:nvGrpSpPr>
+        <p:cNvPr id="1" name=""/>
+        <p:cNvGrpSpPr/>
+        <p:nvPr/>
+      </p:nvGrpSpPr>
+      <p:grpSpPr>
+        <a:xfrm>
+          <a:off x="0" y="0"/>
+          <a:ext cx="0" cy="0"/>
+          <a:chOff x="0" y="0"/>
+          <a:chExt cx="0" cy="0"/>
+        </a:xfrm>
+      </p:grpSpPr>
+      <p:sp>
+        <p:nvSpPr>
+          <p:cNvPr id="2" name="Titre 1"/>
+          <p:cNvSpPr>
+            <a:spLocks noGrp="1"/>
+          </p:cNvSpPr>
+          <p:nvPr>
+            <p:ph type="ctrTitle"/>
+          </p:nvPr>
+        </p:nvSpPr>
+        <p:spPr>
+          <a:xfrm>
+            <a:off x="685800" y="806847"/>
+            <a:ext cx="7772400" cy="1470025"/>
+          </a:xfrm>
+        </p:spPr>
+        <p:txBody>
+          <a:bodyPr/>
+          <a:lstStyle/>
+          <a:p>
+            <a:r>
+              <a:rPr lang="fr-FR" dirty="0" smtClean="0"/>
+              <a:t>Réalisation</a:t>
+            </a:r>
+            <a:endParaRPr lang="fr-FR" dirty="0"/>
+          </a:p>
+        </p:txBody>
+      </p:sp>
+      <p:sp>
+        <p:nvSpPr>
+          <p:cNvPr id="3" name="Sous-titre 2"/>
+          <p:cNvSpPr>
+            <a:spLocks noGrp="1"/>
+          </p:cNvSpPr>
+          <p:nvPr>
+            <p:ph type="subTitle" idx="1"/>
+          </p:nvPr>
+        </p:nvSpPr>
+        <p:spPr>
+          <a:xfrm>
+            <a:off x="1187624" y="1772816"/>
+            <a:ext cx="6840760" cy="1752600"/>
+          </a:xfrm>
+        </p:spPr>
+        <p:txBody>
+          <a:bodyPr/>
+          <a:lstStyle/>
+          <a:p>
+            <a:r>
+              <a:rPr lang="fr-FR" dirty="0">
+                <a:solidFill>
+                  <a:schemeClr val="tx1"/>
+                </a:solidFill>
+              </a:rPr>
+              <a:t>Scenario </a:t>
+            </a:r>
+            <a:r>
+              <a:rPr lang="fr-FR" dirty="0" smtClean="0">
+                <a:solidFill>
+                  <a:schemeClr val="tx1"/>
+                </a:solidFill>
+              </a:rPr>
+              <a:t>:Affichage du catalogue</a:t>
+            </a:r>
+            <a:endParaRPr lang="fr-FR" dirty="0">
+              <a:solidFill>
+                <a:schemeClr val="tx1"/>
+              </a:solidFill>
+            </a:endParaRPr>
+          </a:p>
+        </p:txBody>
+      </p:sp>
+      <p:sp>
+        <p:nvSpPr>
+          <p:cNvPr id="9" name="Espace réservé du pied de page 8"/>
+          <p:cNvSpPr>
+            <a:spLocks noGrp="1"/>
+          </p:cNvSpPr>
+          <p:nvPr>
+            <p:ph type="ftr" sz="quarter" idx="11"/>
+          </p:nvPr>
+        </p:nvSpPr>
+        <p:spPr>
+          <a:xfrm>
+            <a:off x="2843808" y="6356350"/>
+            <a:ext cx="3456384" cy="365125"/>
+          </a:xfrm>
+        </p:spPr>
+        <p:txBody>
+          <a:bodyPr/>
+          <a:lstStyle/>
+          <a:p>
+            <a:r>
+              <a:rPr lang="fr-FR" dirty="0" smtClean="0">
+                <a:solidFill>
+                  <a:schemeClr val="tx1"/>
+                </a:solidFill>
+              </a:rPr>
+              <a:t>Université de Nantes, Licence Professionnelle SIL</a:t>
+            </a:r>
+            <a:endParaRPr lang="fr-BE" dirty="0">
+              <a:solidFill>
+                <a:schemeClr val="tx1"/>
+              </a:solidFill>
+            </a:endParaRPr>
+          </a:p>
+        </p:txBody>
+      </p:sp>
+      <p:sp>
+        <p:nvSpPr>
+          <p:cNvPr id="10" name="Espace réservé du numéro de diapositive 9"/>
+          <p:cNvSpPr>
+            <a:spLocks noGrp="1"/>
+          </p:cNvSpPr>
+          <p:nvPr>
+            <p:ph type="sldNum" sz="quarter" idx="12"/>
+          </p:nvPr>
+        </p:nvSpPr>
+        <p:spPr>
+          <a:xfrm>
+            <a:off x="6553200" y="6356350"/>
+            <a:ext cx="2133600" cy="365125"/>
+          </a:xfrm>
+        </p:spPr>
+        <p:txBody>
+          <a:bodyPr/>
+          <a:lstStyle/>
+          <a:p>
+            <a:fld id="{CF4668DC-857F-487D-BFFA-8C0CA5037977}" type="slidenum">
+              <a:rPr lang="fr-BE" smtClean="0">
+                <a:solidFill>
+                  <a:schemeClr val="tx1"/>
+                </a:solidFill>
+              </a:rPr>
+              <a:t>16</a:t>
+            </a:fld>
+            <a:endParaRPr lang="fr-BE" dirty="0">
+              <a:solidFill>
+                <a:schemeClr val="tx1"/>
+              </a:solidFill>
+            </a:endParaRPr>
+          </a:p>
+        </p:txBody>
+      </p:sp>
+      <p:pic>
+        <p:nvPicPr>
+          <p:cNvPr id="11" name="Image 10"/>
+          <p:cNvPicPr>
+            <a:picLocks noChangeAspect="1"/>
+          </p:cNvPicPr>
+          <p:nvPr/>
+        </p:nvPicPr>
+        <p:blipFill>
+          <a:blip r:embed="rId2">
+            <a:extLst>
+              <a:ext uri="{28A0092B-C50C-407E-A947-70E740481C1C}">
+                <a14:useLocalDpi xmlns:a14="http://schemas.microsoft.com/office/drawing/2010/main" val="0"/>
+              </a:ext>
+            </a:extLst>
+          </a:blip>
+          <a:stretch>
+            <a:fillRect/>
+          </a:stretch>
+        </p:blipFill>
+        <p:spPr>
+          <a:xfrm>
+            <a:off x="107504" y="133118"/>
+            <a:ext cx="1080120" cy="469618"/>
+          </a:xfrm>
+          <a:prstGeom prst="rect">
+            <a:avLst/>
+          </a:prstGeom>
+        </p:spPr>
+      </p:pic>
+      <p:sp>
+        <p:nvSpPr>
+          <p:cNvPr id="12" name="Rogner un rectangle avec un coin diagonal 11"/>
+          <p:cNvSpPr/>
+          <p:nvPr/>
+        </p:nvSpPr>
+        <p:spPr>
+          <a:xfrm>
+            <a:off x="1259632" y="0"/>
+            <a:ext cx="7848872" cy="512676"/>
+          </a:xfrm>
+          <a:prstGeom prst="snip2DiagRect">
+            <a:avLst>
+              <a:gd name="adj1" fmla="val 24520"/>
+              <a:gd name="adj2" fmla="val 23038"/>
+            </a:avLst>
+          </a:prstGeom>
+        </p:spPr>
+        <p:style>
+          <a:lnRef idx="0">
+            <a:schemeClr val="accent5"/>
+          </a:lnRef>
+          <a:fillRef idx="3">
+            <a:schemeClr val="accent5"/>
+          </a:fillRef>
+          <a:effectRef idx="3">
+            <a:schemeClr val="accent5"/>
+          </a:effectRef>
+          <a:fontRef idx="minor">
+            <a:schemeClr val="lt1"/>
+          </a:fontRef>
+        </p:style>
+        <p:txBody>
+          <a:bodyPr rtlCol="0" anchor="ctr"/>
+          <a:lstStyle/>
+          <a:p>
+            <a:pPr algn="ctr"/>
+            <a:r>
+              <a:rPr lang="fr-FR" sz="1200" dirty="0" smtClean="0">
+                <a:solidFill>
+                  <a:schemeClr val="tx1"/>
+                </a:solidFill>
+              </a:rPr>
+              <a:t>-Principe de fonctionnement -Architecture -Services de l’application -Diagramme des cas d’utilisation</a:t>
+            </a:r>
+          </a:p>
+          <a:p>
+            <a:pPr algn="ctr"/>
+            <a:r>
+              <a:rPr lang="fr-FR" sz="1200" dirty="0" smtClean="0">
+                <a:solidFill>
+                  <a:schemeClr val="tx1"/>
+                </a:solidFill>
+              </a:rPr>
+              <a:t>-Matérielle et logiciel </a:t>
+            </a:r>
+            <a:r>
+              <a:rPr lang="fr-FR" sz="1200" dirty="0" smtClean="0">
+                <a:solidFill>
+                  <a:schemeClr val="bg1"/>
+                </a:solidFill>
+              </a:rPr>
+              <a:t>-Réalisation </a:t>
+            </a:r>
+            <a:r>
+              <a:rPr lang="fr-FR" sz="1200" dirty="0" smtClean="0">
+                <a:solidFill>
+                  <a:schemeClr val="tx1"/>
+                </a:solidFill>
+              </a:rPr>
+              <a:t>-Model Vue Contrôleur -Avantages / inconvénients -Améliorations possibles</a:t>
+            </a:r>
+            <a:endParaRPr lang="fr-FR" sz="1200" dirty="0">
+              <a:solidFill>
+                <a:schemeClr val="tx1"/>
+              </a:solidFill>
+            </a:endParaRPr>
+          </a:p>
+        </p:txBody>
+      </p:sp>
+      <p:grpSp>
+        <p:nvGrpSpPr>
+          <p:cNvPr id="50" name="Groupe 49"/>
+          <p:cNvGrpSpPr/>
+          <p:nvPr/>
+        </p:nvGrpSpPr>
+        <p:grpSpPr>
+          <a:xfrm>
+            <a:off x="107504" y="2204864"/>
+            <a:ext cx="288032" cy="612068"/>
+            <a:chOff x="395536" y="2492896"/>
+            <a:chExt cx="576064" cy="1368152"/>
+          </a:xfrm>
+        </p:grpSpPr>
+        <p:sp>
+          <p:nvSpPr>
+            <p:cNvPr id="51" name="Émoticône 50"/>
+            <p:cNvSpPr/>
+            <p:nvPr/>
+          </p:nvSpPr>
+          <p:spPr>
+            <a:xfrm>
+              <a:off x="467544" y="2492896"/>
+              <a:ext cx="360040" cy="360040"/>
+            </a:xfrm>
+            <a:prstGeom prst="smileyFace">
+              <a:avLst/>
+            </a:prstGeom>
+          </p:spPr>
+          <p:style>
+            <a:lnRef idx="1">
+              <a:schemeClr val="accent6"/>
+            </a:lnRef>
+            <a:fillRef idx="2">
+              <a:schemeClr val="accent6"/>
+            </a:fillRef>
+            <a:effectRef idx="1">
+              <a:schemeClr val="accent6"/>
+            </a:effectRef>
+            <a:fontRef idx="minor">
+              <a:schemeClr val="dk1"/>
+            </a:fontRef>
+          </p:style>
+          <p:txBody>
+            <a:bodyPr rtlCol="0" anchor="ctr"/>
+            <a:lstStyle/>
+            <a:p>
+              <a:pPr algn="ctr"/>
+              <a:endParaRPr lang="fr-FR"/>
+            </a:p>
+          </p:txBody>
+        </p:sp>
+        <p:cxnSp>
+          <p:nvCxnSpPr>
+            <p:cNvPr id="52" name="Connecteur droit 51"/>
+            <p:cNvCxnSpPr>
+              <a:stCxn id="51" idx="4"/>
+            </p:cNvCxnSpPr>
+            <p:nvPr/>
+          </p:nvCxnSpPr>
+          <p:spPr>
+            <a:xfrm>
+              <a:off x="647564" y="2852936"/>
+              <a:ext cx="0" cy="504056"/>
+            </a:xfrm>
+            <a:prstGeom prst="line">
+              <a:avLst/>
+            </a:prstGeom>
+          </p:spPr>
+          <p:style>
+            <a:lnRef idx="2">
+              <a:schemeClr val="accent6"/>
+            </a:lnRef>
+            <a:fillRef idx="0">
+              <a:schemeClr val="accent6"/>
+            </a:fillRef>
+            <a:effectRef idx="1">
+              <a:schemeClr val="accent6"/>
+            </a:effectRef>
+            <a:fontRef idx="minor">
+              <a:schemeClr val="tx1"/>
+            </a:fontRef>
+          </p:style>
+        </p:cxnSp>
+        <p:cxnSp>
+          <p:nvCxnSpPr>
+            <p:cNvPr id="53" name="Connecteur droit 52"/>
+            <p:cNvCxnSpPr/>
+            <p:nvPr/>
+          </p:nvCxnSpPr>
+          <p:spPr>
+            <a:xfrm flipH="1">
+              <a:off x="395536" y="3356992"/>
+              <a:ext cx="252028" cy="504056"/>
+            </a:xfrm>
+            <a:prstGeom prst="line">
+              <a:avLst/>
+            </a:prstGeom>
+          </p:spPr>
+          <p:style>
+            <a:lnRef idx="2">
+              <a:schemeClr val="accent6"/>
+            </a:lnRef>
+            <a:fillRef idx="0">
+              <a:schemeClr val="accent6"/>
+            </a:fillRef>
+            <a:effectRef idx="1">
+              <a:schemeClr val="accent6"/>
+            </a:effectRef>
+            <a:fontRef idx="minor">
+              <a:schemeClr val="tx1"/>
+            </a:fontRef>
+          </p:style>
+        </p:cxnSp>
+        <p:cxnSp>
+          <p:nvCxnSpPr>
+            <p:cNvPr id="54" name="Connecteur droit 53"/>
+            <p:cNvCxnSpPr/>
+            <p:nvPr/>
+          </p:nvCxnSpPr>
+          <p:spPr>
+            <a:xfrm>
+              <a:off x="647564" y="3356992"/>
+              <a:ext cx="180020" cy="504056"/>
+            </a:xfrm>
+            <a:prstGeom prst="line">
+              <a:avLst/>
+            </a:prstGeom>
+          </p:spPr>
+          <p:style>
+            <a:lnRef idx="2">
+              <a:schemeClr val="accent6"/>
+            </a:lnRef>
+            <a:fillRef idx="0">
+              <a:schemeClr val="accent6"/>
+            </a:fillRef>
+            <a:effectRef idx="1">
+              <a:schemeClr val="accent6"/>
+            </a:effectRef>
+            <a:fontRef idx="minor">
+              <a:schemeClr val="tx1"/>
+            </a:fontRef>
+          </p:style>
+        </p:cxnSp>
+        <p:cxnSp>
+          <p:nvCxnSpPr>
+            <p:cNvPr id="55" name="Connecteur droit 54"/>
+            <p:cNvCxnSpPr/>
+            <p:nvPr/>
+          </p:nvCxnSpPr>
+          <p:spPr>
+            <a:xfrm>
+              <a:off x="395536" y="3081732"/>
+              <a:ext cx="576064" cy="0"/>
+            </a:xfrm>
+            <a:prstGeom prst="line">
+              <a:avLst/>
+            </a:prstGeom>
+          </p:spPr>
+          <p:style>
+            <a:lnRef idx="2">
+              <a:schemeClr val="accent6"/>
+            </a:lnRef>
+            <a:fillRef idx="0">
+              <a:schemeClr val="accent6"/>
+            </a:fillRef>
+            <a:effectRef idx="1">
+              <a:schemeClr val="accent6"/>
+            </a:effectRef>
+            <a:fontRef idx="minor">
+              <a:schemeClr val="tx1"/>
+            </a:fontRef>
+          </p:style>
+        </p:cxnSp>
+      </p:grpSp>
+      <p:cxnSp>
+        <p:nvCxnSpPr>
+          <p:cNvPr id="56" name="Connecteur droit 55"/>
+          <p:cNvCxnSpPr/>
+          <p:nvPr/>
+        </p:nvCxnSpPr>
+        <p:spPr>
+          <a:xfrm>
+            <a:off x="233518" y="2924936"/>
+            <a:ext cx="0" cy="3096352"/>
+          </a:xfrm>
+          <a:prstGeom prst="line">
+            <a:avLst/>
+          </a:prstGeom>
+        </p:spPr>
+        <p:style>
+          <a:lnRef idx="2">
+            <a:schemeClr val="dk1"/>
+          </a:lnRef>
+          <a:fillRef idx="0">
+            <a:schemeClr val="dk1"/>
+          </a:fillRef>
+          <a:effectRef idx="1">
+            <a:schemeClr val="dk1"/>
+          </a:effectRef>
+          <a:fontRef idx="minor">
+            <a:schemeClr val="tx1"/>
+          </a:fontRef>
+        </p:style>
+      </p:cxnSp>
+      <p:sp>
+        <p:nvSpPr>
+          <p:cNvPr id="57" name="Rectangle 56"/>
+          <p:cNvSpPr/>
+          <p:nvPr/>
+        </p:nvSpPr>
+        <p:spPr>
+          <a:xfrm>
+            <a:off x="683568" y="2629479"/>
+            <a:ext cx="936104" cy="273820"/>
+          </a:xfrm>
+          <a:prstGeom prst="rect">
+            <a:avLst/>
+          </a:prstGeom>
+        </p:spPr>
+        <p:style>
+          <a:lnRef idx="2">
+            <a:schemeClr val="accent3">
+              <a:shade val="50000"/>
+            </a:schemeClr>
+          </a:lnRef>
+          <a:fillRef idx="1">
+            <a:schemeClr val="accent3"/>
+          </a:fillRef>
+          <a:effectRef idx="0">
+            <a:schemeClr val="accent3"/>
+          </a:effectRef>
+          <a:fontRef idx="minor">
+            <a:schemeClr val="lt1"/>
+          </a:fontRef>
+        </p:style>
+        <p:txBody>
+          <a:bodyPr rtlCol="0" anchor="ctr"/>
+          <a:lstStyle/>
+          <a:p>
+            <a:pPr algn="ctr"/>
+            <a:r>
+              <a:rPr lang="fr-FR" dirty="0" smtClean="0"/>
+              <a:t>IHM</a:t>
+            </a:r>
+            <a:endParaRPr lang="fr-FR" dirty="0"/>
+          </a:p>
+        </p:txBody>
+      </p:sp>
+      <p:cxnSp>
+        <p:nvCxnSpPr>
+          <p:cNvPr id="58" name="Connecteur droit 57"/>
+          <p:cNvCxnSpPr/>
+          <p:nvPr/>
+        </p:nvCxnSpPr>
+        <p:spPr>
+          <a:xfrm>
+            <a:off x="1142619" y="2924936"/>
+            <a:ext cx="0" cy="3096352"/>
+          </a:xfrm>
+          <a:prstGeom prst="line">
+            <a:avLst/>
+          </a:prstGeom>
+        </p:spPr>
+        <p:style>
+          <a:lnRef idx="2">
+            <a:schemeClr val="dk1"/>
+          </a:lnRef>
+          <a:fillRef idx="0">
+            <a:schemeClr val="dk1"/>
+          </a:fillRef>
+          <a:effectRef idx="1">
+            <a:schemeClr val="dk1"/>
+          </a:effectRef>
+          <a:fontRef idx="minor">
+            <a:schemeClr val="tx1"/>
+          </a:fontRef>
+        </p:style>
+      </p:cxnSp>
+      <p:cxnSp>
+        <p:nvCxnSpPr>
+          <p:cNvPr id="59" name="Connecteur droit 58"/>
+          <p:cNvCxnSpPr/>
+          <p:nvPr/>
+        </p:nvCxnSpPr>
+        <p:spPr>
+          <a:xfrm flipH="1">
+            <a:off x="4817278" y="3193685"/>
+            <a:ext cx="1122" cy="2395555"/>
+          </a:xfrm>
+          <a:prstGeom prst="line">
+            <a:avLst/>
+          </a:prstGeom>
+        </p:spPr>
+        <p:style>
+          <a:lnRef idx="2">
+            <a:schemeClr val="dk1"/>
+          </a:lnRef>
+          <a:fillRef idx="0">
+            <a:schemeClr val="dk1"/>
+          </a:fillRef>
+          <a:effectRef idx="1">
+            <a:schemeClr val="dk1"/>
+          </a:effectRef>
+          <a:fontRef idx="minor">
+            <a:schemeClr val="tx1"/>
+          </a:fontRef>
+        </p:style>
+      </p:cxnSp>
+      <p:cxnSp>
+        <p:nvCxnSpPr>
+          <p:cNvPr id="60" name="Connecteur droit 59"/>
+          <p:cNvCxnSpPr/>
+          <p:nvPr/>
+        </p:nvCxnSpPr>
+        <p:spPr>
+          <a:xfrm>
+            <a:off x="8775467" y="2947451"/>
+            <a:ext cx="22502" cy="2641789"/>
+          </a:xfrm>
+          <a:prstGeom prst="line">
+            <a:avLst/>
+          </a:prstGeom>
+        </p:spPr>
+        <p:style>
+          <a:lnRef idx="2">
+            <a:schemeClr val="dk1"/>
+          </a:lnRef>
+          <a:fillRef idx="0">
+            <a:schemeClr val="dk1"/>
+          </a:fillRef>
+          <a:effectRef idx="1">
+            <a:schemeClr val="dk1"/>
+          </a:effectRef>
+          <a:fontRef idx="minor">
+            <a:schemeClr val="tx1"/>
+          </a:fontRef>
+        </p:style>
+      </p:cxnSp>
+      <p:pic>
+        <p:nvPicPr>
+          <p:cNvPr id="61" name="Image 60"/>
+          <p:cNvPicPr>
+            <a:picLocks noChangeAspect="1"/>
+          </p:cNvPicPr>
+          <p:nvPr/>
+        </p:nvPicPr>
+        <p:blipFill>
+          <a:blip r:embed="rId3" cstate="print">
+            <a:extLst>
+              <a:ext uri="{28A0092B-C50C-407E-A947-70E740481C1C}">
+                <a14:useLocalDpi xmlns:a14="http://schemas.microsoft.com/office/drawing/2010/main" val="0"/>
+              </a:ext>
+            </a:extLst>
+          </a:blip>
+          <a:stretch>
+            <a:fillRect/>
+          </a:stretch>
+        </p:blipFill>
+        <p:spPr>
+          <a:xfrm>
+            <a:off x="8526924" y="2532389"/>
+            <a:ext cx="509572" cy="491091"/>
+          </a:xfrm>
+          <a:prstGeom prst="rect">
+            <a:avLst/>
+          </a:prstGeom>
+        </p:spPr>
+      </p:pic>
+      <p:sp>
+        <p:nvSpPr>
+          <p:cNvPr id="62" name="ZoneTexte 61"/>
+          <p:cNvSpPr txBox="1"/>
+          <p:nvPr/>
+        </p:nvSpPr>
+        <p:spPr>
+          <a:xfrm>
+            <a:off x="-30382" y="1933247"/>
+            <a:ext cx="724878" cy="261610"/>
+          </a:xfrm>
+          <a:prstGeom prst="rect">
+            <a:avLst/>
+          </a:prstGeom>
+          <a:noFill/>
+        </p:spPr>
+        <p:txBody>
+          <a:bodyPr wrap="none" rtlCol="0">
+            <a:spAutoFit/>
+          </a:bodyPr>
+          <a:lstStyle/>
+          <a:p>
+            <a:r>
+              <a:rPr lang="fr-FR" sz="1100" dirty="0" err="1" smtClean="0"/>
+              <a:t>Adherent</a:t>
+            </a:r>
+            <a:endParaRPr lang="fr-FR" sz="1100" dirty="0"/>
+          </a:p>
+        </p:txBody>
+      </p:sp>
+      <p:sp>
+        <p:nvSpPr>
+          <p:cNvPr id="65" name="Rectangle 64"/>
+          <p:cNvSpPr/>
+          <p:nvPr/>
+        </p:nvSpPr>
+        <p:spPr>
+          <a:xfrm>
+            <a:off x="1979712" y="2630328"/>
+            <a:ext cx="936104" cy="273820"/>
+          </a:xfrm>
+          <a:prstGeom prst="rect">
+            <a:avLst/>
+          </a:prstGeom>
+        </p:spPr>
+        <p:style>
+          <a:lnRef idx="2">
+            <a:schemeClr val="accent1">
+              <a:shade val="50000"/>
+            </a:schemeClr>
+          </a:lnRef>
+          <a:fillRef idx="1">
+            <a:schemeClr val="accent1"/>
+          </a:fillRef>
+          <a:effectRef idx="0">
+            <a:schemeClr val="accent1"/>
+          </a:effectRef>
+          <a:fontRef idx="minor">
+            <a:schemeClr val="lt1"/>
+          </a:fontRef>
+        </p:style>
+        <p:txBody>
+          <a:bodyPr rtlCol="0" anchor="ctr"/>
+          <a:lstStyle/>
+          <a:p>
+            <a:pPr algn="ctr"/>
+            <a:r>
+              <a:rPr lang="fr-FR" sz="1000" dirty="0" err="1"/>
+              <a:t>C</a:t>
+            </a:r>
+            <a:r>
+              <a:rPr lang="fr-FR" sz="1000" dirty="0" err="1" smtClean="0"/>
+              <a:t>ontroleur</a:t>
+            </a:r>
+            <a:endParaRPr lang="fr-FR" sz="1000" dirty="0"/>
+          </a:p>
+        </p:txBody>
+      </p:sp>
+      <p:cxnSp>
+        <p:nvCxnSpPr>
+          <p:cNvPr id="66" name="Connecteur droit 65"/>
+          <p:cNvCxnSpPr/>
+          <p:nvPr/>
+        </p:nvCxnSpPr>
+        <p:spPr>
+          <a:xfrm>
+            <a:off x="2425261" y="2904148"/>
+            <a:ext cx="0" cy="3117140"/>
+          </a:xfrm>
+          <a:prstGeom prst="line">
+            <a:avLst/>
+          </a:prstGeom>
+        </p:spPr>
+        <p:style>
+          <a:lnRef idx="2">
+            <a:schemeClr val="dk1"/>
+          </a:lnRef>
+          <a:fillRef idx="0">
+            <a:schemeClr val="dk1"/>
+          </a:fillRef>
+          <a:effectRef idx="1">
+            <a:schemeClr val="dk1"/>
+          </a:effectRef>
+          <a:fontRef idx="minor">
+            <a:schemeClr val="tx1"/>
+          </a:fontRef>
+        </p:style>
+      </p:cxnSp>
+      <p:sp>
+        <p:nvSpPr>
+          <p:cNvPr id="67" name="Rectangle 66"/>
+          <p:cNvSpPr/>
+          <p:nvPr/>
+        </p:nvSpPr>
+        <p:spPr>
+          <a:xfrm>
+            <a:off x="179512" y="3021410"/>
+            <a:ext cx="144016" cy="2927870"/>
+          </a:xfrm>
+          <a:prstGeom prst="rect">
+            <a:avLst/>
+          </a:prstGeom>
+        </p:spPr>
+        <p:style>
+          <a:lnRef idx="2">
+            <a:schemeClr val="accent6">
+              <a:shade val="50000"/>
+            </a:schemeClr>
+          </a:lnRef>
+          <a:fillRef idx="1">
+            <a:schemeClr val="accent6"/>
+          </a:fillRef>
+          <a:effectRef idx="0">
+            <a:schemeClr val="accent6"/>
+          </a:effectRef>
+          <a:fontRef idx="minor">
+            <a:schemeClr val="lt1"/>
+          </a:fontRef>
+        </p:style>
+        <p:txBody>
+          <a:bodyPr rtlCol="0" anchor="ctr"/>
+          <a:lstStyle/>
+          <a:p>
+            <a:pPr algn="ctr"/>
+            <a:endParaRPr lang="fr-FR"/>
+          </a:p>
+        </p:txBody>
+      </p:sp>
+      <p:sp>
+        <p:nvSpPr>
+          <p:cNvPr id="68" name="Rectangle 67"/>
+          <p:cNvSpPr/>
+          <p:nvPr/>
+        </p:nvSpPr>
+        <p:spPr>
+          <a:xfrm>
+            <a:off x="1061610" y="3021410"/>
+            <a:ext cx="126014" cy="2927870"/>
+          </a:xfrm>
+          <a:prstGeom prst="rect">
+            <a:avLst/>
+          </a:prstGeom>
+        </p:spPr>
+        <p:style>
+          <a:lnRef idx="2">
+            <a:schemeClr val="accent3">
+              <a:shade val="50000"/>
+            </a:schemeClr>
+          </a:lnRef>
+          <a:fillRef idx="1">
+            <a:schemeClr val="accent3"/>
+          </a:fillRef>
+          <a:effectRef idx="0">
+            <a:schemeClr val="accent3"/>
+          </a:effectRef>
+          <a:fontRef idx="minor">
+            <a:schemeClr val="lt1"/>
+          </a:fontRef>
+        </p:style>
+        <p:txBody>
+          <a:bodyPr rtlCol="0" anchor="ctr"/>
+          <a:lstStyle/>
+          <a:p>
+            <a:pPr algn="ctr"/>
+            <a:endParaRPr lang="fr-FR"/>
+          </a:p>
+        </p:txBody>
+      </p:sp>
+      <p:sp>
+        <p:nvSpPr>
+          <p:cNvPr id="69" name="Rectangle 68"/>
+          <p:cNvSpPr/>
+          <p:nvPr/>
+        </p:nvSpPr>
+        <p:spPr>
+          <a:xfrm>
+            <a:off x="2369057" y="3061845"/>
+            <a:ext cx="126014" cy="295147"/>
+          </a:xfrm>
+          <a:prstGeom prst="rect">
+            <a:avLst/>
+          </a:prstGeom>
+        </p:spPr>
+        <p:style>
+          <a:lnRef idx="2">
+            <a:schemeClr val="accent1">
+              <a:shade val="50000"/>
+            </a:schemeClr>
+          </a:lnRef>
+          <a:fillRef idx="1">
+            <a:schemeClr val="accent1"/>
+          </a:fillRef>
+          <a:effectRef idx="0">
+            <a:schemeClr val="accent1"/>
+          </a:effectRef>
+          <a:fontRef idx="minor">
+            <a:schemeClr val="lt1"/>
+          </a:fontRef>
+        </p:style>
+        <p:txBody>
+          <a:bodyPr rtlCol="0" anchor="ctr"/>
+          <a:lstStyle/>
+          <a:p>
+            <a:pPr algn="ctr"/>
+            <a:endParaRPr lang="fr-FR"/>
+          </a:p>
+        </p:txBody>
+      </p:sp>
+      <p:sp>
+        <p:nvSpPr>
+          <p:cNvPr id="71" name="Rectangle 70"/>
+          <p:cNvSpPr/>
+          <p:nvPr/>
+        </p:nvSpPr>
+        <p:spPr>
+          <a:xfrm>
+            <a:off x="4359222" y="2924936"/>
+            <a:ext cx="936104" cy="273820"/>
+          </a:xfrm>
+          <a:prstGeom prst="rect">
+            <a:avLst/>
+          </a:prstGeom>
+        </p:spPr>
+        <p:style>
+          <a:lnRef idx="2">
+            <a:schemeClr val="accent2">
+              <a:shade val="50000"/>
+            </a:schemeClr>
+          </a:lnRef>
+          <a:fillRef idx="1">
+            <a:schemeClr val="accent2"/>
+          </a:fillRef>
+          <a:effectRef idx="0">
+            <a:schemeClr val="accent2"/>
+          </a:effectRef>
+          <a:fontRef idx="minor">
+            <a:schemeClr val="lt1"/>
+          </a:fontRef>
+        </p:style>
+        <p:txBody>
+          <a:bodyPr rtlCol="0" anchor="ctr"/>
+          <a:lstStyle/>
+          <a:p>
+            <a:pPr algn="ctr"/>
+            <a:r>
+              <a:rPr lang="fr-FR" sz="1000" dirty="0" err="1" smtClean="0"/>
+              <a:t>as:Article</a:t>
+            </a:r>
+            <a:endParaRPr lang="fr-FR" sz="1000" dirty="0" smtClean="0"/>
+          </a:p>
+          <a:p>
+            <a:pPr algn="ctr"/>
+            <a:r>
+              <a:rPr lang="fr-FR" sz="1000" dirty="0" smtClean="0"/>
+              <a:t>Service</a:t>
+            </a:r>
+            <a:endParaRPr lang="fr-FR" sz="1000" dirty="0"/>
+          </a:p>
+        </p:txBody>
+      </p:sp>
+      <p:cxnSp>
+        <p:nvCxnSpPr>
+          <p:cNvPr id="72" name="Connecteur droit avec flèche 71"/>
+          <p:cNvCxnSpPr/>
+          <p:nvPr/>
+        </p:nvCxnSpPr>
+        <p:spPr>
+          <a:xfrm>
+            <a:off x="233518" y="3212976"/>
+            <a:ext cx="909101" cy="0"/>
+          </a:xfrm>
+          <a:prstGeom prst="straightConnector1">
+            <a:avLst/>
+          </a:prstGeom>
+          <a:ln>
+            <a:tailEnd type="arrow"/>
+          </a:ln>
+        </p:spPr>
+        <p:style>
+          <a:lnRef idx="2">
+            <a:schemeClr val="accent6"/>
+          </a:lnRef>
+          <a:fillRef idx="0">
+            <a:schemeClr val="accent6"/>
+          </a:fillRef>
+          <a:effectRef idx="1">
+            <a:schemeClr val="accent6"/>
+          </a:effectRef>
+          <a:fontRef idx="minor">
+            <a:schemeClr val="tx1"/>
+          </a:fontRef>
+        </p:style>
+      </p:cxnSp>
+      <p:sp>
+        <p:nvSpPr>
+          <p:cNvPr id="73" name="ZoneTexte 72"/>
+          <p:cNvSpPr txBox="1"/>
+          <p:nvPr/>
+        </p:nvSpPr>
+        <p:spPr>
+          <a:xfrm>
+            <a:off x="350790" y="2852936"/>
+            <a:ext cx="692818" cy="400110"/>
+          </a:xfrm>
+          <a:prstGeom prst="rect">
+            <a:avLst/>
+          </a:prstGeom>
+          <a:noFill/>
+        </p:spPr>
+        <p:txBody>
+          <a:bodyPr wrap="none" rtlCol="0">
+            <a:spAutoFit/>
+          </a:bodyPr>
+          <a:lstStyle/>
+          <a:p>
+            <a:r>
+              <a:rPr lang="fr-FR" sz="1000" dirty="0" smtClean="0"/>
+              <a:t>Affichage</a:t>
+            </a:r>
+          </a:p>
+          <a:p>
+            <a:r>
+              <a:rPr lang="fr-FR" sz="1000" dirty="0" smtClean="0"/>
+              <a:t>catalogue</a:t>
+            </a:r>
+            <a:endParaRPr lang="fr-FR" sz="1000" dirty="0"/>
+          </a:p>
+        </p:txBody>
+      </p:sp>
+      <p:cxnSp>
+        <p:nvCxnSpPr>
+          <p:cNvPr id="74" name="Connecteur droit avec flèche 73"/>
+          <p:cNvCxnSpPr/>
+          <p:nvPr/>
+        </p:nvCxnSpPr>
+        <p:spPr>
+          <a:xfrm>
+            <a:off x="1142619" y="3212976"/>
+            <a:ext cx="1282642" cy="0"/>
+          </a:xfrm>
+          <a:prstGeom prst="straightConnector1">
+            <a:avLst/>
+          </a:prstGeom>
+          <a:ln>
+            <a:tailEnd type="arrow"/>
+          </a:ln>
+        </p:spPr>
+        <p:style>
+          <a:lnRef idx="2">
+            <a:schemeClr val="accent3"/>
+          </a:lnRef>
+          <a:fillRef idx="0">
+            <a:schemeClr val="accent3"/>
+          </a:fillRef>
+          <a:effectRef idx="1">
+            <a:schemeClr val="accent3"/>
+          </a:effectRef>
+          <a:fontRef idx="minor">
+            <a:schemeClr val="tx1"/>
+          </a:fontRef>
+        </p:style>
+      </p:cxnSp>
+      <p:sp>
+        <p:nvSpPr>
+          <p:cNvPr id="75" name="ZoneTexte 74"/>
+          <p:cNvSpPr txBox="1"/>
+          <p:nvPr/>
+        </p:nvSpPr>
+        <p:spPr>
+          <a:xfrm>
+            <a:off x="1259632" y="2966755"/>
+            <a:ext cx="1008609" cy="246221"/>
+          </a:xfrm>
+          <a:prstGeom prst="rect">
+            <a:avLst/>
+          </a:prstGeom>
+          <a:noFill/>
+        </p:spPr>
+        <p:txBody>
+          <a:bodyPr wrap="none" rtlCol="0">
+            <a:spAutoFit/>
+          </a:bodyPr>
+          <a:lstStyle/>
+          <a:p>
+            <a:r>
+              <a:rPr lang="fr-FR" sz="1000" dirty="0" smtClean="0"/>
+              <a:t>Page=catalogue</a:t>
+            </a:r>
+            <a:endParaRPr lang="fr-FR" sz="1000" dirty="0"/>
+          </a:p>
+        </p:txBody>
+      </p:sp>
+      <p:cxnSp>
+        <p:nvCxnSpPr>
+          <p:cNvPr id="76" name="Connecteur droit avec flèche 75"/>
+          <p:cNvCxnSpPr/>
+          <p:nvPr/>
+        </p:nvCxnSpPr>
+        <p:spPr>
+          <a:xfrm>
+            <a:off x="2411760" y="3212976"/>
+            <a:ext cx="1282642" cy="0"/>
+          </a:xfrm>
+          <a:prstGeom prst="straightConnector1">
+            <a:avLst/>
+          </a:prstGeom>
+          <a:ln>
+            <a:tailEnd type="arrow"/>
+          </a:ln>
+        </p:spPr>
+        <p:style>
+          <a:lnRef idx="2">
+            <a:schemeClr val="accent1"/>
+          </a:lnRef>
+          <a:fillRef idx="0">
+            <a:schemeClr val="accent1"/>
+          </a:fillRef>
+          <a:effectRef idx="1">
+            <a:schemeClr val="accent1"/>
+          </a:effectRef>
+          <a:fontRef idx="minor">
+            <a:schemeClr val="tx1"/>
+          </a:fontRef>
+        </p:style>
+      </p:cxnSp>
+      <p:sp>
+        <p:nvSpPr>
+          <p:cNvPr id="77" name="ZoneTexte 76"/>
+          <p:cNvSpPr txBox="1"/>
+          <p:nvPr/>
+        </p:nvSpPr>
+        <p:spPr>
+          <a:xfrm>
+            <a:off x="3986710" y="3254787"/>
+            <a:ext cx="745717" cy="246221"/>
+          </a:xfrm>
+          <a:prstGeom prst="rect">
+            <a:avLst/>
+          </a:prstGeom>
+          <a:noFill/>
+        </p:spPr>
+        <p:txBody>
+          <a:bodyPr wrap="none" rtlCol="0">
+            <a:spAutoFit/>
+          </a:bodyPr>
+          <a:lstStyle/>
+          <a:p>
+            <a:r>
+              <a:rPr lang="fr-FR" sz="1000" dirty="0"/>
+              <a:t>a</a:t>
+            </a:r>
+            <a:r>
+              <a:rPr lang="fr-FR" sz="1000" dirty="0" smtClean="0"/>
+              <a:t>s = new ()</a:t>
+            </a:r>
+            <a:endParaRPr lang="fr-FR" sz="1000" dirty="0"/>
+          </a:p>
+        </p:txBody>
+      </p:sp>
+      <p:sp>
+        <p:nvSpPr>
+          <p:cNvPr id="78" name="ZoneTexte 77"/>
+          <p:cNvSpPr txBox="1"/>
+          <p:nvPr/>
+        </p:nvSpPr>
+        <p:spPr>
+          <a:xfrm>
+            <a:off x="4860032" y="3284984"/>
+            <a:ext cx="543739" cy="246221"/>
+          </a:xfrm>
+          <a:prstGeom prst="rect">
+            <a:avLst/>
+          </a:prstGeom>
+          <a:noFill/>
+        </p:spPr>
+        <p:txBody>
+          <a:bodyPr wrap="none" rtlCol="0">
+            <a:spAutoFit/>
+          </a:bodyPr>
+          <a:lstStyle/>
+          <a:p>
+            <a:r>
+              <a:rPr lang="fr-FR" sz="1000" dirty="0" err="1" smtClean="0"/>
+              <a:t>listAll</a:t>
+            </a:r>
+            <a:r>
+              <a:rPr lang="fr-FR" sz="1000" dirty="0" smtClean="0"/>
+              <a:t>()</a:t>
+            </a:r>
+            <a:endParaRPr lang="fr-FR" sz="1000" dirty="0"/>
+          </a:p>
+        </p:txBody>
+      </p:sp>
+      <p:cxnSp>
+        <p:nvCxnSpPr>
+          <p:cNvPr id="79" name="Connecteur droit avec flèche 78"/>
+          <p:cNvCxnSpPr/>
+          <p:nvPr/>
+        </p:nvCxnSpPr>
+        <p:spPr>
+          <a:xfrm>
+            <a:off x="6221771" y="3573016"/>
+            <a:ext cx="2598701" cy="16835"/>
+          </a:xfrm>
+          <a:prstGeom prst="straightConnector1">
+            <a:avLst/>
+          </a:prstGeom>
+          <a:ln>
+            <a:solidFill>
+              <a:srgbClr val="7030A0"/>
+            </a:solidFill>
+            <a:tailEnd type="arrow"/>
+          </a:ln>
+        </p:spPr>
+        <p:style>
+          <a:lnRef idx="2">
+            <a:schemeClr val="accent6"/>
+          </a:lnRef>
+          <a:fillRef idx="0">
+            <a:schemeClr val="accent6"/>
+          </a:fillRef>
+          <a:effectRef idx="1">
+            <a:schemeClr val="accent6"/>
+          </a:effectRef>
+          <a:fontRef idx="minor">
+            <a:schemeClr val="tx1"/>
+          </a:fontRef>
+        </p:style>
+      </p:cxnSp>
+      <p:sp>
+        <p:nvSpPr>
+          <p:cNvPr id="80" name="ZoneTexte 79"/>
+          <p:cNvSpPr txBox="1"/>
+          <p:nvPr/>
+        </p:nvSpPr>
+        <p:spPr>
+          <a:xfrm>
+            <a:off x="7005347" y="3284984"/>
+            <a:ext cx="1023037" cy="246221"/>
+          </a:xfrm>
+          <a:prstGeom prst="rect">
+            <a:avLst/>
+          </a:prstGeom>
+          <a:noFill/>
+        </p:spPr>
+        <p:txBody>
+          <a:bodyPr wrap="none" rtlCol="0">
+            <a:spAutoFit/>
+          </a:bodyPr>
+          <a:lstStyle/>
+          <a:p>
+            <a:r>
+              <a:rPr lang="fr-FR" sz="1000" dirty="0"/>
+              <a:t>s</a:t>
+            </a:r>
+            <a:r>
+              <a:rPr lang="fr-FR" sz="1000" dirty="0" smtClean="0"/>
+              <a:t>elect </a:t>
+            </a:r>
+            <a:r>
+              <a:rPr lang="fr-FR" sz="1000" dirty="0" err="1" smtClean="0"/>
+              <a:t>ar</a:t>
+            </a:r>
+            <a:r>
+              <a:rPr lang="fr-FR" sz="1000" dirty="0" smtClean="0"/>
+              <a:t> </a:t>
+            </a:r>
+            <a:r>
+              <a:rPr lang="fr-FR" sz="1000" dirty="0" err="1" smtClean="0"/>
+              <a:t>from</a:t>
+            </a:r>
+            <a:r>
+              <a:rPr lang="fr-FR" sz="1000" dirty="0" smtClean="0"/>
+              <a:t> …</a:t>
+            </a:r>
+            <a:endParaRPr lang="fr-FR" sz="1000" dirty="0"/>
+          </a:p>
+        </p:txBody>
+      </p:sp>
+      <p:sp>
+        <p:nvSpPr>
+          <p:cNvPr id="81" name="ZoneTexte 80"/>
+          <p:cNvSpPr txBox="1"/>
+          <p:nvPr/>
+        </p:nvSpPr>
+        <p:spPr>
+          <a:xfrm>
+            <a:off x="2411760" y="2966755"/>
+            <a:ext cx="1255472" cy="246221"/>
+          </a:xfrm>
+          <a:prstGeom prst="rect">
+            <a:avLst/>
+          </a:prstGeom>
+          <a:noFill/>
+        </p:spPr>
+        <p:txBody>
+          <a:bodyPr wrap="none" rtlCol="0">
+            <a:spAutoFit/>
+          </a:bodyPr>
+          <a:lstStyle/>
+          <a:p>
+            <a:r>
+              <a:rPr lang="fr-FR" sz="1000" dirty="0" smtClean="0"/>
+              <a:t>Demande  catalogue</a:t>
+            </a:r>
+            <a:endParaRPr lang="fr-FR" sz="1000" dirty="0"/>
+          </a:p>
+        </p:txBody>
+      </p:sp>
+      <p:sp>
+        <p:nvSpPr>
+          <p:cNvPr id="82" name="ZoneTexte 81"/>
+          <p:cNvSpPr txBox="1"/>
+          <p:nvPr/>
+        </p:nvSpPr>
+        <p:spPr>
+          <a:xfrm>
+            <a:off x="6861204" y="3573016"/>
+            <a:ext cx="1241045" cy="246221"/>
+          </a:xfrm>
+          <a:prstGeom prst="rect">
+            <a:avLst/>
+          </a:prstGeom>
+          <a:noFill/>
+        </p:spPr>
+        <p:txBody>
+          <a:bodyPr wrap="none" rtlCol="0">
+            <a:spAutoFit/>
+          </a:bodyPr>
+          <a:lstStyle/>
+          <a:p>
+            <a:r>
+              <a:rPr lang="fr-FR" sz="1000" dirty="0" err="1" smtClean="0"/>
+              <a:t>code,nom,prix,stock</a:t>
+            </a:r>
+            <a:endParaRPr lang="fr-FR" sz="1000" dirty="0"/>
+          </a:p>
+        </p:txBody>
+      </p:sp>
+      <p:sp>
+        <p:nvSpPr>
+          <p:cNvPr id="83" name="ZoneTexte 82"/>
+          <p:cNvSpPr txBox="1"/>
+          <p:nvPr/>
+        </p:nvSpPr>
+        <p:spPr>
+          <a:xfrm>
+            <a:off x="5076056" y="4910971"/>
+            <a:ext cx="827471" cy="246221"/>
+          </a:xfrm>
+          <a:prstGeom prst="rect">
+            <a:avLst/>
+          </a:prstGeom>
+          <a:noFill/>
+        </p:spPr>
+        <p:txBody>
+          <a:bodyPr wrap="none" rtlCol="0">
+            <a:spAutoFit/>
+          </a:bodyPr>
+          <a:lstStyle/>
+          <a:p>
+            <a:r>
+              <a:rPr lang="fr-FR" sz="1000" dirty="0" smtClean="0"/>
+              <a:t>List&lt;Article&gt;</a:t>
+            </a:r>
+            <a:endParaRPr lang="fr-FR" sz="1000" dirty="0"/>
+          </a:p>
+        </p:txBody>
+      </p:sp>
+      <p:sp>
+        <p:nvSpPr>
+          <p:cNvPr id="84" name="Rectangle 83"/>
+          <p:cNvSpPr/>
+          <p:nvPr/>
+        </p:nvSpPr>
+        <p:spPr>
+          <a:xfrm>
+            <a:off x="4755393" y="3377896"/>
+            <a:ext cx="104639" cy="1868569"/>
+          </a:xfrm>
+          <a:prstGeom prst="rect">
+            <a:avLst/>
+          </a:prstGeom>
+        </p:spPr>
+        <p:style>
+          <a:lnRef idx="2">
+            <a:schemeClr val="accent2">
+              <a:shade val="50000"/>
+            </a:schemeClr>
+          </a:lnRef>
+          <a:fillRef idx="1">
+            <a:schemeClr val="accent2"/>
+          </a:fillRef>
+          <a:effectRef idx="0">
+            <a:schemeClr val="accent2"/>
+          </a:effectRef>
+          <a:fontRef idx="minor">
+            <a:schemeClr val="lt1"/>
+          </a:fontRef>
+        </p:style>
+        <p:txBody>
+          <a:bodyPr rtlCol="0" anchor="ctr"/>
+          <a:lstStyle/>
+          <a:p>
+            <a:pPr algn="ctr"/>
+            <a:endParaRPr lang="fr-FR"/>
+          </a:p>
+        </p:txBody>
+      </p:sp>
+      <p:cxnSp>
+        <p:nvCxnSpPr>
+          <p:cNvPr id="85" name="Connecteur droit 84"/>
+          <p:cNvCxnSpPr/>
+          <p:nvPr/>
+        </p:nvCxnSpPr>
+        <p:spPr>
+          <a:xfrm>
+            <a:off x="7704348" y="4278884"/>
+            <a:ext cx="0" cy="1310356"/>
+          </a:xfrm>
+          <a:prstGeom prst="line">
+            <a:avLst/>
+          </a:prstGeom>
+        </p:spPr>
+        <p:style>
+          <a:lnRef idx="2">
+            <a:schemeClr val="dk1"/>
+          </a:lnRef>
+          <a:fillRef idx="0">
+            <a:schemeClr val="dk1"/>
+          </a:fillRef>
+          <a:effectRef idx="1">
+            <a:schemeClr val="dk1"/>
+          </a:effectRef>
+          <a:fontRef idx="minor">
+            <a:schemeClr val="tx1"/>
+          </a:fontRef>
+        </p:style>
+      </p:cxnSp>
+      <p:sp>
+        <p:nvSpPr>
+          <p:cNvPr id="86" name="Rectangle 85"/>
+          <p:cNvSpPr/>
+          <p:nvPr/>
+        </p:nvSpPr>
+        <p:spPr>
+          <a:xfrm>
+            <a:off x="7236296" y="4221088"/>
+            <a:ext cx="936104" cy="273820"/>
+          </a:xfrm>
+          <a:prstGeom prst="rect">
+            <a:avLst/>
+          </a:prstGeom>
+        </p:spPr>
+        <p:style>
+          <a:lnRef idx="2">
+            <a:schemeClr val="accent1">
+              <a:shade val="50000"/>
+            </a:schemeClr>
+          </a:lnRef>
+          <a:fillRef idx="1">
+            <a:schemeClr val="accent1"/>
+          </a:fillRef>
+          <a:effectRef idx="0">
+            <a:schemeClr val="accent1"/>
+          </a:effectRef>
+          <a:fontRef idx="minor">
+            <a:schemeClr val="lt1"/>
+          </a:fontRef>
+        </p:style>
+        <p:txBody>
+          <a:bodyPr rtlCol="0" anchor="ctr"/>
+          <a:lstStyle/>
+          <a:p>
+            <a:pPr algn="ctr"/>
+            <a:r>
+              <a:rPr lang="fr-FR" sz="1000" dirty="0" err="1" smtClean="0"/>
+              <a:t>ar:Article</a:t>
+            </a:r>
+            <a:endParaRPr lang="fr-FR" sz="1000" dirty="0"/>
+          </a:p>
+        </p:txBody>
+      </p:sp>
+      <p:sp>
+        <p:nvSpPr>
+          <p:cNvPr id="87" name="Rectangle 86"/>
+          <p:cNvSpPr/>
+          <p:nvPr/>
+        </p:nvSpPr>
+        <p:spPr>
+          <a:xfrm>
+            <a:off x="7654410" y="4818057"/>
+            <a:ext cx="109206" cy="332030"/>
+          </a:xfrm>
+          <a:prstGeom prst="rect">
+            <a:avLst/>
+          </a:prstGeom>
+        </p:spPr>
+        <p:style>
+          <a:lnRef idx="2">
+            <a:schemeClr val="accent1">
+              <a:shade val="50000"/>
+            </a:schemeClr>
+          </a:lnRef>
+          <a:fillRef idx="1">
+            <a:schemeClr val="accent1"/>
+          </a:fillRef>
+          <a:effectRef idx="0">
+            <a:schemeClr val="accent1"/>
+          </a:effectRef>
+          <a:fontRef idx="minor">
+            <a:schemeClr val="lt1"/>
+          </a:fontRef>
+        </p:style>
+        <p:txBody>
+          <a:bodyPr rtlCol="0" anchor="ctr"/>
+          <a:lstStyle/>
+          <a:p>
+            <a:pPr algn="ctr"/>
+            <a:endParaRPr lang="fr-FR"/>
+          </a:p>
+        </p:txBody>
+      </p:sp>
+      <p:sp>
+        <p:nvSpPr>
+          <p:cNvPr id="88" name="Rectangle 87"/>
+          <p:cNvSpPr/>
+          <p:nvPr/>
+        </p:nvSpPr>
+        <p:spPr>
+          <a:xfrm>
+            <a:off x="5580112" y="2651124"/>
+            <a:ext cx="1080120" cy="273820"/>
+          </a:xfrm>
+          <a:prstGeom prst="rect">
+            <a:avLst/>
+          </a:prstGeom>
+        </p:spPr>
+        <p:style>
+          <a:lnRef idx="2">
+            <a:schemeClr val="accent4">
+              <a:shade val="50000"/>
+            </a:schemeClr>
+          </a:lnRef>
+          <a:fillRef idx="1">
+            <a:schemeClr val="accent4"/>
+          </a:fillRef>
+          <a:effectRef idx="0">
+            <a:schemeClr val="accent4"/>
+          </a:effectRef>
+          <a:fontRef idx="minor">
+            <a:schemeClr val="lt1"/>
+          </a:fontRef>
+        </p:style>
+        <p:txBody>
+          <a:bodyPr rtlCol="0" anchor="ctr"/>
+          <a:lstStyle/>
+          <a:p>
+            <a:pPr algn="ctr"/>
+            <a:r>
+              <a:rPr lang="fr-FR" sz="1000" dirty="0" smtClean="0"/>
+              <a:t>:</a:t>
+            </a:r>
+            <a:r>
+              <a:rPr lang="fr-FR" sz="1000" dirty="0" err="1" smtClean="0"/>
+              <a:t>EntityManager</a:t>
+            </a:r>
+            <a:endParaRPr lang="fr-FR" sz="1000" dirty="0"/>
+          </a:p>
+        </p:txBody>
+      </p:sp>
+      <p:cxnSp>
+        <p:nvCxnSpPr>
+          <p:cNvPr id="89" name="Connecteur droit 88"/>
+          <p:cNvCxnSpPr/>
+          <p:nvPr/>
+        </p:nvCxnSpPr>
+        <p:spPr>
+          <a:xfrm>
+            <a:off x="6120172" y="2914862"/>
+            <a:ext cx="22502" cy="2674378"/>
+          </a:xfrm>
+          <a:prstGeom prst="line">
+            <a:avLst/>
+          </a:prstGeom>
+        </p:spPr>
+        <p:style>
+          <a:lnRef idx="2">
+            <a:schemeClr val="dk1"/>
+          </a:lnRef>
+          <a:fillRef idx="0">
+            <a:schemeClr val="dk1"/>
+          </a:fillRef>
+          <a:effectRef idx="1">
+            <a:schemeClr val="dk1"/>
+          </a:effectRef>
+          <a:fontRef idx="minor">
+            <a:schemeClr val="tx1"/>
+          </a:fontRef>
+        </p:style>
+      </p:cxnSp>
+      <p:sp>
+        <p:nvSpPr>
+          <p:cNvPr id="90" name="Rectangle 89"/>
+          <p:cNvSpPr/>
+          <p:nvPr/>
+        </p:nvSpPr>
+        <p:spPr>
+          <a:xfrm>
+            <a:off x="6079666" y="3429000"/>
+            <a:ext cx="142105" cy="1872208"/>
+          </a:xfrm>
+          <a:prstGeom prst="rect">
+            <a:avLst/>
+          </a:prstGeom>
+        </p:spPr>
+        <p:style>
+          <a:lnRef idx="2">
+            <a:schemeClr val="accent4">
+              <a:shade val="50000"/>
+            </a:schemeClr>
+          </a:lnRef>
+          <a:fillRef idx="1">
+            <a:schemeClr val="accent4"/>
+          </a:fillRef>
+          <a:effectRef idx="0">
+            <a:schemeClr val="accent4"/>
+          </a:effectRef>
+          <a:fontRef idx="minor">
+            <a:schemeClr val="lt1"/>
+          </a:fontRef>
+        </p:style>
+        <p:txBody>
+          <a:bodyPr rtlCol="0" anchor="ctr"/>
+          <a:lstStyle/>
+          <a:p>
+            <a:pPr algn="ctr"/>
+            <a:endParaRPr lang="fr-FR"/>
+          </a:p>
+        </p:txBody>
+      </p:sp>
+      <p:cxnSp>
+        <p:nvCxnSpPr>
+          <p:cNvPr id="93" name="Connecteur droit avec flèche 92"/>
+          <p:cNvCxnSpPr/>
+          <p:nvPr/>
+        </p:nvCxnSpPr>
+        <p:spPr>
+          <a:xfrm flipH="1">
+            <a:off x="1187624" y="5281408"/>
+            <a:ext cx="1256849" cy="9489"/>
+          </a:xfrm>
+          <a:prstGeom prst="straightConnector1">
+            <a:avLst/>
+          </a:prstGeom>
+          <a:ln w="22225">
+            <a:prstDash val="dash"/>
+            <a:tailEnd type="arrow"/>
+          </a:ln>
+        </p:spPr>
+        <p:style>
+          <a:lnRef idx="2">
+            <a:schemeClr val="accent1"/>
+          </a:lnRef>
+          <a:fillRef idx="0">
+            <a:schemeClr val="accent1"/>
+          </a:fillRef>
+          <a:effectRef idx="1">
+            <a:schemeClr val="accent1"/>
+          </a:effectRef>
+          <a:fontRef idx="minor">
+            <a:schemeClr val="tx1"/>
+          </a:fontRef>
+        </p:style>
+      </p:cxnSp>
+      <p:cxnSp>
+        <p:nvCxnSpPr>
+          <p:cNvPr id="99" name="Connecteur droit avec flèche 98"/>
+          <p:cNvCxnSpPr/>
+          <p:nvPr/>
+        </p:nvCxnSpPr>
+        <p:spPr>
+          <a:xfrm flipH="1">
+            <a:off x="6221771" y="3819237"/>
+            <a:ext cx="2559942" cy="0"/>
+          </a:xfrm>
+          <a:prstGeom prst="straightConnector1">
+            <a:avLst/>
+          </a:prstGeom>
+          <a:ln>
+            <a:solidFill>
+              <a:srgbClr val="7030A0"/>
+            </a:solidFill>
+            <a:prstDash val="dash"/>
+            <a:tailEnd type="arrow"/>
+          </a:ln>
+        </p:spPr>
+        <p:style>
+          <a:lnRef idx="2">
+            <a:schemeClr val="accent6"/>
+          </a:lnRef>
+          <a:fillRef idx="0">
+            <a:schemeClr val="accent6"/>
+          </a:fillRef>
+          <a:effectRef idx="1">
+            <a:schemeClr val="accent6"/>
+          </a:effectRef>
+          <a:fontRef idx="minor">
+            <a:schemeClr val="tx1"/>
+          </a:fontRef>
+        </p:style>
+      </p:cxnSp>
+      <p:cxnSp>
+        <p:nvCxnSpPr>
+          <p:cNvPr id="100" name="Connecteur droit avec flèche 99"/>
+          <p:cNvCxnSpPr/>
+          <p:nvPr/>
+        </p:nvCxnSpPr>
+        <p:spPr>
+          <a:xfrm>
+            <a:off x="4807712" y="3514370"/>
+            <a:ext cx="1271954" cy="0"/>
+          </a:xfrm>
+          <a:prstGeom prst="straightConnector1">
+            <a:avLst/>
+          </a:prstGeom>
+          <a:ln>
+            <a:solidFill>
+              <a:srgbClr val="C00000"/>
+            </a:solidFill>
+            <a:tailEnd type="arrow"/>
+          </a:ln>
+        </p:spPr>
+        <p:style>
+          <a:lnRef idx="2">
+            <a:schemeClr val="accent6"/>
+          </a:lnRef>
+          <a:fillRef idx="0">
+            <a:schemeClr val="accent6"/>
+          </a:fillRef>
+          <a:effectRef idx="1">
+            <a:schemeClr val="accent6"/>
+          </a:effectRef>
+          <a:fontRef idx="minor">
+            <a:schemeClr val="tx1"/>
+          </a:fontRef>
+        </p:style>
+      </p:cxnSp>
+      <p:sp>
+        <p:nvSpPr>
+          <p:cNvPr id="101" name="ZoneTexte 100"/>
+          <p:cNvSpPr txBox="1"/>
+          <p:nvPr/>
+        </p:nvSpPr>
+        <p:spPr>
+          <a:xfrm>
+            <a:off x="6326437" y="4694947"/>
+            <a:ext cx="1269899" cy="246221"/>
+          </a:xfrm>
+          <a:prstGeom prst="rect">
+            <a:avLst/>
+          </a:prstGeom>
+          <a:noFill/>
+        </p:spPr>
+        <p:txBody>
+          <a:bodyPr wrap="none" rtlCol="0">
+            <a:spAutoFit/>
+          </a:bodyPr>
+          <a:lstStyle/>
+          <a:p>
+            <a:r>
+              <a:rPr lang="fr-FR" sz="1000" dirty="0" err="1" smtClean="0"/>
+              <a:t>ar</a:t>
+            </a:r>
+            <a:r>
+              <a:rPr lang="fr-FR" sz="1000" dirty="0" smtClean="0"/>
+              <a:t>=new (</a:t>
+            </a:r>
+            <a:r>
+              <a:rPr lang="fr-FR" sz="1000" dirty="0" err="1" smtClean="0"/>
+              <a:t>code,nom</a:t>
+            </a:r>
+            <a:r>
+              <a:rPr lang="fr-FR" sz="1000" dirty="0" smtClean="0"/>
+              <a:t>,.)</a:t>
+            </a:r>
+            <a:endParaRPr lang="fr-FR" sz="1000" dirty="0"/>
+          </a:p>
+        </p:txBody>
+      </p:sp>
+      <p:cxnSp>
+        <p:nvCxnSpPr>
+          <p:cNvPr id="102" name="Connecteur droit avec flèche 101"/>
+          <p:cNvCxnSpPr/>
+          <p:nvPr/>
+        </p:nvCxnSpPr>
+        <p:spPr>
+          <a:xfrm>
+            <a:off x="3730406" y="3501008"/>
+            <a:ext cx="1096868" cy="0"/>
+          </a:xfrm>
+          <a:prstGeom prst="straightConnector1">
+            <a:avLst/>
+          </a:prstGeom>
+          <a:ln>
+            <a:tailEnd type="arrow"/>
+          </a:ln>
+        </p:spPr>
+        <p:style>
+          <a:lnRef idx="2">
+            <a:schemeClr val="accent6"/>
+          </a:lnRef>
+          <a:fillRef idx="0">
+            <a:schemeClr val="accent6"/>
+          </a:fillRef>
+          <a:effectRef idx="1">
+            <a:schemeClr val="accent6"/>
+          </a:effectRef>
+          <a:fontRef idx="minor">
+            <a:schemeClr val="tx1"/>
+          </a:fontRef>
+        </p:style>
+      </p:cxnSp>
+      <p:sp>
+        <p:nvSpPr>
+          <p:cNvPr id="103" name="ZoneTexte 102"/>
+          <p:cNvSpPr txBox="1"/>
+          <p:nvPr/>
+        </p:nvSpPr>
+        <p:spPr>
+          <a:xfrm>
+            <a:off x="3679949" y="4868252"/>
+            <a:ext cx="1305165" cy="246221"/>
+          </a:xfrm>
+          <a:prstGeom prst="rect">
+            <a:avLst/>
+          </a:prstGeom>
+          <a:noFill/>
+        </p:spPr>
+        <p:txBody>
+          <a:bodyPr wrap="none" rtlCol="0">
+            <a:spAutoFit/>
+          </a:bodyPr>
+          <a:lstStyle/>
+          <a:p>
+            <a:r>
+              <a:rPr lang="fr-FR" sz="1000" dirty="0" smtClean="0"/>
+              <a:t>List&lt;Article&gt; </a:t>
+            </a:r>
+            <a:r>
+              <a:rPr lang="fr-FR" sz="1000" dirty="0" err="1" smtClean="0"/>
+              <a:t>resultlist</a:t>
+            </a:r>
+            <a:endParaRPr lang="fr-FR" sz="1000" dirty="0"/>
+          </a:p>
+        </p:txBody>
+      </p:sp>
+      <p:cxnSp>
+        <p:nvCxnSpPr>
+          <p:cNvPr id="104" name="Connecteur droit avec flèche 103"/>
+          <p:cNvCxnSpPr/>
+          <p:nvPr/>
+        </p:nvCxnSpPr>
+        <p:spPr>
+          <a:xfrm flipH="1">
+            <a:off x="3743909" y="5157192"/>
+            <a:ext cx="1121752" cy="0"/>
+          </a:xfrm>
+          <a:prstGeom prst="straightConnector1">
+            <a:avLst/>
+          </a:prstGeom>
+          <a:ln>
+            <a:solidFill>
+              <a:srgbClr val="C00000"/>
+            </a:solidFill>
+            <a:prstDash val="dash"/>
+            <a:tailEnd type="arrow"/>
+          </a:ln>
+        </p:spPr>
+        <p:style>
+          <a:lnRef idx="2">
+            <a:schemeClr val="accent6"/>
+          </a:lnRef>
+          <a:fillRef idx="0">
+            <a:schemeClr val="accent6"/>
+          </a:fillRef>
+          <a:effectRef idx="1">
+            <a:schemeClr val="accent6"/>
+          </a:effectRef>
+          <a:fontRef idx="minor">
+            <a:schemeClr val="tx1"/>
+          </a:fontRef>
+        </p:style>
+      </p:cxnSp>
+      <p:cxnSp>
+        <p:nvCxnSpPr>
+          <p:cNvPr id="105" name="Connecteur droit avec flèche 104"/>
+          <p:cNvCxnSpPr/>
+          <p:nvPr/>
+        </p:nvCxnSpPr>
+        <p:spPr>
+          <a:xfrm>
+            <a:off x="6134627" y="4941168"/>
+            <a:ext cx="1519783" cy="0"/>
+          </a:xfrm>
+          <a:prstGeom prst="straightConnector1">
+            <a:avLst/>
+          </a:prstGeom>
+          <a:ln>
+            <a:solidFill>
+              <a:srgbClr val="7030A0"/>
+            </a:solidFill>
+            <a:tailEnd type="arrow"/>
+          </a:ln>
+        </p:spPr>
+        <p:style>
+          <a:lnRef idx="2">
+            <a:schemeClr val="accent6"/>
+          </a:lnRef>
+          <a:fillRef idx="0">
+            <a:schemeClr val="accent6"/>
+          </a:fillRef>
+          <a:effectRef idx="1">
+            <a:schemeClr val="accent6"/>
+          </a:effectRef>
+          <a:fontRef idx="minor">
+            <a:schemeClr val="tx1"/>
+          </a:fontRef>
+        </p:style>
+      </p:cxnSp>
+      <p:cxnSp>
+        <p:nvCxnSpPr>
+          <p:cNvPr id="106" name="Connecteur droit avec flèche 105"/>
+          <p:cNvCxnSpPr/>
+          <p:nvPr/>
+        </p:nvCxnSpPr>
+        <p:spPr>
+          <a:xfrm flipH="1">
+            <a:off x="4817278" y="5157192"/>
+            <a:ext cx="1313466" cy="0"/>
+          </a:xfrm>
+          <a:prstGeom prst="straightConnector1">
+            <a:avLst/>
+          </a:prstGeom>
+          <a:ln>
+            <a:solidFill>
+              <a:srgbClr val="7030A0"/>
+            </a:solidFill>
+            <a:prstDash val="dash"/>
+            <a:tailEnd type="arrow"/>
+          </a:ln>
+        </p:spPr>
+        <p:style>
+          <a:lnRef idx="2">
+            <a:schemeClr val="accent6"/>
+          </a:lnRef>
+          <a:fillRef idx="0">
+            <a:schemeClr val="accent6"/>
+          </a:fillRef>
+          <a:effectRef idx="1">
+            <a:schemeClr val="accent6"/>
+          </a:effectRef>
+          <a:fontRef idx="minor">
+            <a:schemeClr val="tx1"/>
+          </a:fontRef>
+        </p:style>
+      </p:cxnSp>
+      <p:sp>
+        <p:nvSpPr>
+          <p:cNvPr id="107" name="ZoneTexte 106"/>
+          <p:cNvSpPr txBox="1"/>
+          <p:nvPr/>
+        </p:nvSpPr>
+        <p:spPr>
+          <a:xfrm>
+            <a:off x="6625413" y="4903985"/>
+            <a:ext cx="290464" cy="246221"/>
+          </a:xfrm>
+          <a:prstGeom prst="rect">
+            <a:avLst/>
+          </a:prstGeom>
+          <a:noFill/>
+        </p:spPr>
+        <p:txBody>
+          <a:bodyPr wrap="none" rtlCol="0">
+            <a:spAutoFit/>
+          </a:bodyPr>
+          <a:lstStyle/>
+          <a:p>
+            <a:r>
+              <a:rPr lang="fr-FR" sz="1000" dirty="0" err="1" smtClean="0"/>
+              <a:t>ar</a:t>
+            </a:r>
+            <a:endParaRPr lang="fr-FR" sz="1000" dirty="0"/>
+          </a:p>
+        </p:txBody>
+      </p:sp>
+      <p:cxnSp>
+        <p:nvCxnSpPr>
+          <p:cNvPr id="108" name="Connecteur droit avec flèche 107"/>
+          <p:cNvCxnSpPr/>
+          <p:nvPr/>
+        </p:nvCxnSpPr>
+        <p:spPr>
+          <a:xfrm flipH="1">
+            <a:off x="6242811" y="5114473"/>
+            <a:ext cx="1313466" cy="0"/>
+          </a:xfrm>
+          <a:prstGeom prst="straightConnector1">
+            <a:avLst/>
+          </a:prstGeom>
+          <a:ln>
+            <a:solidFill>
+              <a:srgbClr val="0070C0"/>
+            </a:solidFill>
+            <a:prstDash val="dash"/>
+            <a:tailEnd type="arrow"/>
+          </a:ln>
+        </p:spPr>
+        <p:style>
+          <a:lnRef idx="2">
+            <a:schemeClr val="accent6"/>
+          </a:lnRef>
+          <a:fillRef idx="0">
+            <a:schemeClr val="accent6"/>
+          </a:fillRef>
+          <a:effectRef idx="1">
+            <a:schemeClr val="accent6"/>
+          </a:effectRef>
+          <a:fontRef idx="minor">
+            <a:schemeClr val="tx1"/>
+          </a:fontRef>
+        </p:style>
+      </p:cxnSp>
+      <p:sp>
+        <p:nvSpPr>
+          <p:cNvPr id="109" name="ZoneTexte 108"/>
+          <p:cNvSpPr txBox="1"/>
+          <p:nvPr/>
+        </p:nvSpPr>
+        <p:spPr>
+          <a:xfrm>
+            <a:off x="1259632" y="5054987"/>
+            <a:ext cx="1208985" cy="246221"/>
+          </a:xfrm>
+          <a:prstGeom prst="rect">
+            <a:avLst/>
+          </a:prstGeom>
+          <a:noFill/>
+        </p:spPr>
+        <p:txBody>
+          <a:bodyPr wrap="none" rtlCol="0">
+            <a:spAutoFit/>
+          </a:bodyPr>
+          <a:lstStyle/>
+          <a:p>
+            <a:r>
+              <a:rPr lang="fr-FR" sz="1000" dirty="0" smtClean="0"/>
+              <a:t>Affichage catalogue</a:t>
+            </a:r>
+            <a:endParaRPr lang="fr-FR" sz="1000" dirty="0"/>
+          </a:p>
+        </p:txBody>
+      </p:sp>
+      <p:sp>
+        <p:nvSpPr>
+          <p:cNvPr id="110" name="Rectangle 109"/>
+          <p:cNvSpPr/>
+          <p:nvPr/>
+        </p:nvSpPr>
+        <p:spPr>
+          <a:xfrm>
+            <a:off x="3275856" y="2619544"/>
+            <a:ext cx="936104" cy="273820"/>
+          </a:xfrm>
+          <a:prstGeom prst="rect">
+            <a:avLst/>
+          </a:prstGeom>
+        </p:spPr>
+        <p:style>
+          <a:lnRef idx="2">
+            <a:schemeClr val="accent6">
+              <a:shade val="50000"/>
+            </a:schemeClr>
+          </a:lnRef>
+          <a:fillRef idx="1">
+            <a:schemeClr val="accent6"/>
+          </a:fillRef>
+          <a:effectRef idx="0">
+            <a:schemeClr val="accent6"/>
+          </a:effectRef>
+          <a:fontRef idx="minor">
+            <a:schemeClr val="lt1"/>
+          </a:fontRef>
+        </p:style>
+        <p:txBody>
+          <a:bodyPr rtlCol="0" anchor="ctr"/>
+          <a:lstStyle/>
+          <a:p>
+            <a:pPr algn="ctr"/>
+            <a:r>
+              <a:rPr lang="fr-FR" sz="1000" dirty="0" smtClean="0"/>
+              <a:t>(servlet)</a:t>
+            </a:r>
+          </a:p>
+          <a:p>
+            <a:pPr algn="ctr"/>
+            <a:r>
+              <a:rPr lang="fr-FR" sz="1000" dirty="0"/>
+              <a:t>C</a:t>
+            </a:r>
+            <a:r>
+              <a:rPr lang="fr-FR" sz="1000" dirty="0" smtClean="0"/>
+              <a:t>atalogue</a:t>
+            </a:r>
+            <a:endParaRPr lang="fr-FR" sz="1000" dirty="0"/>
+          </a:p>
+        </p:txBody>
+      </p:sp>
+      <p:cxnSp>
+        <p:nvCxnSpPr>
+          <p:cNvPr id="111" name="Connecteur droit 110"/>
+          <p:cNvCxnSpPr/>
+          <p:nvPr/>
+        </p:nvCxnSpPr>
+        <p:spPr>
+          <a:xfrm flipH="1">
+            <a:off x="3694402" y="2893364"/>
+            <a:ext cx="13503" cy="3127924"/>
+          </a:xfrm>
+          <a:prstGeom prst="line">
+            <a:avLst/>
+          </a:prstGeom>
+        </p:spPr>
+        <p:style>
+          <a:lnRef idx="2">
+            <a:schemeClr val="dk1"/>
+          </a:lnRef>
+          <a:fillRef idx="0">
+            <a:schemeClr val="dk1"/>
+          </a:fillRef>
+          <a:effectRef idx="1">
+            <a:schemeClr val="dk1"/>
+          </a:effectRef>
+          <a:fontRef idx="minor">
+            <a:schemeClr val="tx1"/>
+          </a:fontRef>
+        </p:style>
+      </p:cxnSp>
+      <p:sp>
+        <p:nvSpPr>
+          <p:cNvPr id="112" name="Rectangle 111"/>
+          <p:cNvSpPr/>
+          <p:nvPr/>
+        </p:nvSpPr>
+        <p:spPr>
+          <a:xfrm>
+            <a:off x="3635896" y="3060773"/>
+            <a:ext cx="94510" cy="2240435"/>
+          </a:xfrm>
+          <a:prstGeom prst="rect">
+            <a:avLst/>
+          </a:prstGeom>
+        </p:spPr>
+        <p:style>
+          <a:lnRef idx="2">
+            <a:schemeClr val="accent6">
+              <a:shade val="50000"/>
+            </a:schemeClr>
+          </a:lnRef>
+          <a:fillRef idx="1">
+            <a:schemeClr val="accent6"/>
+          </a:fillRef>
+          <a:effectRef idx="0">
+            <a:schemeClr val="accent6"/>
+          </a:effectRef>
+          <a:fontRef idx="minor">
+            <a:schemeClr val="lt1"/>
+          </a:fontRef>
+        </p:style>
+        <p:txBody>
+          <a:bodyPr rtlCol="0" anchor="ctr"/>
+          <a:lstStyle/>
+          <a:p>
+            <a:pPr algn="ctr"/>
+            <a:endParaRPr lang="fr-FR"/>
+          </a:p>
+        </p:txBody>
+      </p:sp>
+      <p:sp>
+        <p:nvSpPr>
+          <p:cNvPr id="116" name="ZoneTexte 115"/>
+          <p:cNvSpPr txBox="1"/>
+          <p:nvPr/>
+        </p:nvSpPr>
+        <p:spPr>
+          <a:xfrm>
+            <a:off x="2555776" y="4995501"/>
+            <a:ext cx="1010213" cy="246221"/>
+          </a:xfrm>
+          <a:prstGeom prst="rect">
+            <a:avLst/>
+          </a:prstGeom>
+          <a:noFill/>
+        </p:spPr>
+        <p:txBody>
+          <a:bodyPr wrap="none" rtlCol="0">
+            <a:spAutoFit/>
+          </a:bodyPr>
+          <a:lstStyle/>
+          <a:p>
+            <a:r>
+              <a:rPr lang="fr-FR" sz="1000" dirty="0" smtClean="0"/>
+              <a:t>page=catalogue</a:t>
+            </a:r>
+            <a:endParaRPr lang="fr-FR" sz="1000" dirty="0"/>
+          </a:p>
+        </p:txBody>
+      </p:sp>
+      <p:cxnSp>
+        <p:nvCxnSpPr>
+          <p:cNvPr id="117" name="Connecteur droit avec flèche 116"/>
+          <p:cNvCxnSpPr/>
+          <p:nvPr/>
+        </p:nvCxnSpPr>
+        <p:spPr>
+          <a:xfrm flipH="1">
+            <a:off x="2487060" y="5241722"/>
+            <a:ext cx="1256849" cy="9489"/>
+          </a:xfrm>
+          <a:prstGeom prst="straightConnector1">
+            <a:avLst/>
+          </a:prstGeom>
+          <a:ln>
+            <a:prstDash val="dash"/>
+            <a:tailEnd type="arrow"/>
+          </a:ln>
+        </p:spPr>
+        <p:style>
+          <a:lnRef idx="2">
+            <a:schemeClr val="accent6"/>
+          </a:lnRef>
+          <a:fillRef idx="0">
+            <a:schemeClr val="accent6"/>
+          </a:fillRef>
+          <a:effectRef idx="1">
+            <a:schemeClr val="accent6"/>
+          </a:effectRef>
+          <a:fontRef idx="minor">
+            <a:schemeClr val="tx1"/>
+          </a:fontRef>
+        </p:style>
+      </p:cxnSp>
+      <p:sp>
+        <p:nvSpPr>
+          <p:cNvPr id="118" name="Rectangle 117"/>
+          <p:cNvSpPr/>
+          <p:nvPr/>
+        </p:nvSpPr>
+        <p:spPr>
+          <a:xfrm>
+            <a:off x="2381466" y="5098645"/>
+            <a:ext cx="126014" cy="384504"/>
+          </a:xfrm>
+          <a:prstGeom prst="rect">
+            <a:avLst/>
+          </a:prstGeom>
+        </p:spPr>
+        <p:style>
+          <a:lnRef idx="2">
+            <a:schemeClr val="accent1">
+              <a:shade val="50000"/>
+            </a:schemeClr>
+          </a:lnRef>
+          <a:fillRef idx="1">
+            <a:schemeClr val="accent1"/>
+          </a:fillRef>
+          <a:effectRef idx="0">
+            <a:schemeClr val="accent1"/>
+          </a:effectRef>
+          <a:fontRef idx="minor">
+            <a:schemeClr val="lt1"/>
+          </a:fontRef>
+        </p:style>
+        <p:txBody>
+          <a:bodyPr rtlCol="0" anchor="ctr"/>
+          <a:lstStyle/>
+          <a:p>
+            <a:pPr algn="ctr"/>
+            <a:endParaRPr lang="fr-FR"/>
+          </a:p>
+        </p:txBody>
+      </p:sp>
+    </p:spTree>
+    <p:extLst>
+      <p:ext uri="{BB962C8B-B14F-4D97-AF65-F5344CB8AC3E}">
+        <p14:creationId xmlns:p14="http://schemas.microsoft.com/office/powerpoint/2010/main" val="188322549"/>
+      </p:ext>
+    </p:extLst>
+  </p:cSld>
+  <p:clrMapOvr>
+    <a:masterClrMapping/>
+  </p:clrMapOvr>
+  <p:timing>
+    <p:tnLst>
+      <p:par>
+        <p:cTn id="1" dur="indefinite" restart="never" nodeType="tmRoot"/>
+      </p:par>
+    </p:tnLst>
+  </p:timing>
+</p:sld>
+</file>
+
+<file path=ppt/slides/slide17.xml><?xml version="1.0" encoding="utf-8"?>
+<p:sld xmlns:a="http://schemas.openxmlformats.org/drawingml/2006/main" xmlns:r="http://schemas.openxmlformats.org/officeDocument/2006/relationships" xmlns:p="http://schemas.openxmlformats.org/presentationml/2006/main">
+  <p:cSld>
+    <p:spTree>
+      <p:nvGrpSpPr>
+        <p:cNvPr id="1" name=""/>
+        <p:cNvGrpSpPr/>
+        <p:nvPr/>
+      </p:nvGrpSpPr>
+      <p:grpSpPr>
+        <a:xfrm>
+          <a:off x="0" y="0"/>
+          <a:ext cx="0" cy="0"/>
+          <a:chOff x="0" y="0"/>
+          <a:chExt cx="0" cy="0"/>
+        </a:xfrm>
+      </p:grpSpPr>
+      <p:sp>
+        <p:nvSpPr>
+          <p:cNvPr id="2" name="Titre 1"/>
+          <p:cNvSpPr>
+            <a:spLocks noGrp="1"/>
+          </p:cNvSpPr>
+          <p:nvPr>
+            <p:ph type="ctrTitle"/>
+          </p:nvPr>
+        </p:nvSpPr>
+        <p:spPr>
+          <a:xfrm>
+            <a:off x="685800" y="806847"/>
+            <a:ext cx="7772400" cy="1470025"/>
+          </a:xfrm>
+        </p:spPr>
+        <p:txBody>
+          <a:bodyPr/>
+          <a:lstStyle/>
+          <a:p>
+            <a:r>
+              <a:rPr lang="fr-FR" dirty="0" smtClean="0"/>
+              <a:t>Réalisation</a:t>
+            </a:r>
+            <a:endParaRPr lang="fr-FR" dirty="0"/>
+          </a:p>
+        </p:txBody>
+      </p:sp>
+      <p:sp>
+        <p:nvSpPr>
+          <p:cNvPr id="3" name="Sous-titre 2"/>
+          <p:cNvSpPr>
+            <a:spLocks noGrp="1"/>
+          </p:cNvSpPr>
+          <p:nvPr>
+            <p:ph type="subTitle" idx="1"/>
+          </p:nvPr>
+        </p:nvSpPr>
+        <p:spPr>
+          <a:xfrm>
+            <a:off x="1187624" y="1772816"/>
+            <a:ext cx="6840760" cy="1752600"/>
+          </a:xfrm>
+        </p:spPr>
+        <p:txBody>
+          <a:bodyPr/>
+          <a:lstStyle/>
+          <a:p>
+            <a:r>
+              <a:rPr lang="fr-FR" dirty="0">
+                <a:solidFill>
+                  <a:schemeClr val="tx1"/>
+                </a:solidFill>
+              </a:rPr>
+              <a:t>Scenario </a:t>
+            </a:r>
+            <a:r>
+              <a:rPr lang="fr-FR" dirty="0" smtClean="0">
+                <a:solidFill>
+                  <a:schemeClr val="tx1"/>
+                </a:solidFill>
+              </a:rPr>
+              <a:t>:Commande d’un article</a:t>
+            </a:r>
+            <a:endParaRPr lang="fr-FR" dirty="0">
+              <a:solidFill>
+                <a:schemeClr val="tx1"/>
+              </a:solidFill>
+            </a:endParaRPr>
+          </a:p>
+        </p:txBody>
+      </p:sp>
+      <p:sp>
+        <p:nvSpPr>
+          <p:cNvPr id="9" name="Espace réservé du pied de page 8"/>
+          <p:cNvSpPr>
+            <a:spLocks noGrp="1"/>
+          </p:cNvSpPr>
+          <p:nvPr>
+            <p:ph type="ftr" sz="quarter" idx="11"/>
+          </p:nvPr>
+        </p:nvSpPr>
+        <p:spPr>
+          <a:xfrm>
+            <a:off x="2843808" y="6356350"/>
+            <a:ext cx="3456384" cy="365125"/>
+          </a:xfrm>
+        </p:spPr>
+        <p:txBody>
+          <a:bodyPr/>
+          <a:lstStyle/>
+          <a:p>
+            <a:r>
+              <a:rPr lang="fr-FR" dirty="0" smtClean="0">
+                <a:solidFill>
+                  <a:schemeClr val="tx1"/>
+                </a:solidFill>
+              </a:rPr>
+              <a:t>Université de Nantes, Licence Professionnelle SIL</a:t>
+            </a:r>
+            <a:endParaRPr lang="fr-BE" dirty="0">
+              <a:solidFill>
+                <a:schemeClr val="tx1"/>
+              </a:solidFill>
+            </a:endParaRPr>
+          </a:p>
+        </p:txBody>
+      </p:sp>
+      <p:sp>
+        <p:nvSpPr>
+          <p:cNvPr id="10" name="Espace réservé du numéro de diapositive 9"/>
+          <p:cNvSpPr>
+            <a:spLocks noGrp="1"/>
+          </p:cNvSpPr>
+          <p:nvPr>
+            <p:ph type="sldNum" sz="quarter" idx="12"/>
+          </p:nvPr>
+        </p:nvSpPr>
+        <p:spPr>
+          <a:xfrm>
+            <a:off x="6553200" y="6356350"/>
+            <a:ext cx="2133600" cy="365125"/>
+          </a:xfrm>
+        </p:spPr>
+        <p:txBody>
+          <a:bodyPr/>
+          <a:lstStyle/>
+          <a:p>
+            <a:fld id="{CF4668DC-857F-487D-BFFA-8C0CA5037977}" type="slidenum">
+              <a:rPr lang="fr-BE" smtClean="0">
+                <a:solidFill>
+                  <a:schemeClr val="tx1"/>
+                </a:solidFill>
+              </a:rPr>
+              <a:t>17</a:t>
+            </a:fld>
+            <a:endParaRPr lang="fr-BE" dirty="0">
+              <a:solidFill>
+                <a:schemeClr val="tx1"/>
+              </a:solidFill>
+            </a:endParaRPr>
+          </a:p>
+        </p:txBody>
+      </p:sp>
+      <p:pic>
+        <p:nvPicPr>
+          <p:cNvPr id="11" name="Image 10"/>
+          <p:cNvPicPr>
+            <a:picLocks noChangeAspect="1"/>
+          </p:cNvPicPr>
+          <p:nvPr/>
+        </p:nvPicPr>
+        <p:blipFill>
+          <a:blip r:embed="rId2">
+            <a:extLst>
+              <a:ext uri="{28A0092B-C50C-407E-A947-70E740481C1C}">
+                <a14:useLocalDpi xmlns:a14="http://schemas.microsoft.com/office/drawing/2010/main" val="0"/>
+              </a:ext>
+            </a:extLst>
+          </a:blip>
+          <a:stretch>
+            <a:fillRect/>
+          </a:stretch>
+        </p:blipFill>
+        <p:spPr>
+          <a:xfrm>
+            <a:off x="107504" y="133118"/>
+            <a:ext cx="1080120" cy="469618"/>
+          </a:xfrm>
+          <a:prstGeom prst="rect">
+            <a:avLst/>
+          </a:prstGeom>
+        </p:spPr>
+      </p:pic>
+      <p:sp>
+        <p:nvSpPr>
+          <p:cNvPr id="12" name="Rogner un rectangle avec un coin diagonal 11"/>
+          <p:cNvSpPr/>
+          <p:nvPr/>
+        </p:nvSpPr>
+        <p:spPr>
+          <a:xfrm>
+            <a:off x="1259632" y="0"/>
+            <a:ext cx="7848872" cy="512676"/>
+          </a:xfrm>
+          <a:prstGeom prst="snip2DiagRect">
+            <a:avLst>
+              <a:gd name="adj1" fmla="val 24520"/>
+              <a:gd name="adj2" fmla="val 23038"/>
+            </a:avLst>
+          </a:prstGeom>
+        </p:spPr>
+        <p:style>
+          <a:lnRef idx="0">
+            <a:schemeClr val="accent5"/>
+          </a:lnRef>
+          <a:fillRef idx="3">
+            <a:schemeClr val="accent5"/>
+          </a:fillRef>
+          <a:effectRef idx="3">
+            <a:schemeClr val="accent5"/>
+          </a:effectRef>
+          <a:fontRef idx="minor">
+            <a:schemeClr val="lt1"/>
+          </a:fontRef>
+        </p:style>
+        <p:txBody>
+          <a:bodyPr rtlCol="0" anchor="ctr"/>
+          <a:lstStyle/>
+          <a:p>
+            <a:pPr algn="ctr"/>
+            <a:r>
+              <a:rPr lang="fr-FR" sz="1200" dirty="0" smtClean="0">
+                <a:solidFill>
+                  <a:schemeClr val="tx1"/>
+                </a:solidFill>
+              </a:rPr>
+              <a:t>-Principe de fonctionnement -Architecture -Services de l’application -Diagramme des cas d’utilisation</a:t>
+            </a:r>
+          </a:p>
+          <a:p>
+            <a:pPr algn="ctr"/>
+            <a:r>
+              <a:rPr lang="fr-FR" sz="1200" dirty="0" smtClean="0">
+                <a:solidFill>
+                  <a:schemeClr val="tx1"/>
+                </a:solidFill>
+              </a:rPr>
+              <a:t>-Matérielle et logiciel </a:t>
+            </a:r>
+            <a:r>
+              <a:rPr lang="fr-FR" sz="1200" dirty="0" smtClean="0">
+                <a:solidFill>
+                  <a:schemeClr val="bg1"/>
+                </a:solidFill>
+              </a:rPr>
+              <a:t>-Réalisation </a:t>
+            </a:r>
+            <a:r>
+              <a:rPr lang="fr-FR" sz="1200" dirty="0" smtClean="0">
+                <a:solidFill>
+                  <a:schemeClr val="tx1"/>
+                </a:solidFill>
+              </a:rPr>
+              <a:t>-Model Vue Contrôleur -Avantages / inconvénients -Améliorations possibles</a:t>
+            </a:r>
+            <a:endParaRPr lang="fr-FR" sz="1200" dirty="0">
+              <a:solidFill>
+                <a:schemeClr val="tx1"/>
+              </a:solidFill>
+            </a:endParaRPr>
+          </a:p>
+        </p:txBody>
+      </p:sp>
+      <p:grpSp>
+        <p:nvGrpSpPr>
+          <p:cNvPr id="50" name="Groupe 49"/>
+          <p:cNvGrpSpPr/>
+          <p:nvPr/>
+        </p:nvGrpSpPr>
+        <p:grpSpPr>
+          <a:xfrm>
+            <a:off x="107504" y="1916832"/>
+            <a:ext cx="288032" cy="612068"/>
+            <a:chOff x="395536" y="2492896"/>
+            <a:chExt cx="576064" cy="1368152"/>
+          </a:xfrm>
+        </p:grpSpPr>
+        <p:sp>
+          <p:nvSpPr>
+            <p:cNvPr id="51" name="Émoticône 50"/>
+            <p:cNvSpPr/>
+            <p:nvPr/>
+          </p:nvSpPr>
+          <p:spPr>
+            <a:xfrm>
+              <a:off x="467544" y="2492896"/>
+              <a:ext cx="360040" cy="360040"/>
+            </a:xfrm>
+            <a:prstGeom prst="smileyFace">
+              <a:avLst/>
+            </a:prstGeom>
+          </p:spPr>
+          <p:style>
+            <a:lnRef idx="1">
+              <a:schemeClr val="accent6"/>
+            </a:lnRef>
+            <a:fillRef idx="2">
+              <a:schemeClr val="accent6"/>
+            </a:fillRef>
+            <a:effectRef idx="1">
+              <a:schemeClr val="accent6"/>
+            </a:effectRef>
+            <a:fontRef idx="minor">
+              <a:schemeClr val="dk1"/>
+            </a:fontRef>
+          </p:style>
+          <p:txBody>
+            <a:bodyPr rtlCol="0" anchor="ctr"/>
+            <a:lstStyle/>
+            <a:p>
+              <a:pPr algn="ctr"/>
+              <a:endParaRPr lang="fr-FR"/>
+            </a:p>
+          </p:txBody>
+        </p:sp>
+        <p:cxnSp>
+          <p:nvCxnSpPr>
+            <p:cNvPr id="52" name="Connecteur droit 51"/>
+            <p:cNvCxnSpPr>
+              <a:stCxn id="51" idx="4"/>
+            </p:cNvCxnSpPr>
+            <p:nvPr/>
+          </p:nvCxnSpPr>
+          <p:spPr>
+            <a:xfrm>
+              <a:off x="647564" y="2852936"/>
+              <a:ext cx="0" cy="504056"/>
+            </a:xfrm>
+            <a:prstGeom prst="line">
+              <a:avLst/>
+            </a:prstGeom>
+          </p:spPr>
+          <p:style>
+            <a:lnRef idx="2">
+              <a:schemeClr val="accent6"/>
+            </a:lnRef>
+            <a:fillRef idx="0">
+              <a:schemeClr val="accent6"/>
+            </a:fillRef>
+            <a:effectRef idx="1">
+              <a:schemeClr val="accent6"/>
+            </a:effectRef>
+            <a:fontRef idx="minor">
+              <a:schemeClr val="tx1"/>
+            </a:fontRef>
+          </p:style>
+        </p:cxnSp>
+        <p:cxnSp>
+          <p:nvCxnSpPr>
+            <p:cNvPr id="53" name="Connecteur droit 52"/>
+            <p:cNvCxnSpPr/>
+            <p:nvPr/>
+          </p:nvCxnSpPr>
+          <p:spPr>
+            <a:xfrm flipH="1">
+              <a:off x="395536" y="3356992"/>
+              <a:ext cx="252028" cy="504056"/>
+            </a:xfrm>
+            <a:prstGeom prst="line">
+              <a:avLst/>
+            </a:prstGeom>
+          </p:spPr>
+          <p:style>
+            <a:lnRef idx="2">
+              <a:schemeClr val="accent6"/>
+            </a:lnRef>
+            <a:fillRef idx="0">
+              <a:schemeClr val="accent6"/>
+            </a:fillRef>
+            <a:effectRef idx="1">
+              <a:schemeClr val="accent6"/>
+            </a:effectRef>
+            <a:fontRef idx="minor">
+              <a:schemeClr val="tx1"/>
+            </a:fontRef>
+          </p:style>
+        </p:cxnSp>
+        <p:cxnSp>
+          <p:nvCxnSpPr>
+            <p:cNvPr id="54" name="Connecteur droit 53"/>
+            <p:cNvCxnSpPr/>
+            <p:nvPr/>
+          </p:nvCxnSpPr>
+          <p:spPr>
+            <a:xfrm>
+              <a:off x="647564" y="3356992"/>
+              <a:ext cx="180020" cy="504056"/>
+            </a:xfrm>
+            <a:prstGeom prst="line">
+              <a:avLst/>
+            </a:prstGeom>
+          </p:spPr>
+          <p:style>
+            <a:lnRef idx="2">
+              <a:schemeClr val="accent6"/>
+            </a:lnRef>
+            <a:fillRef idx="0">
+              <a:schemeClr val="accent6"/>
+            </a:fillRef>
+            <a:effectRef idx="1">
+              <a:schemeClr val="accent6"/>
+            </a:effectRef>
+            <a:fontRef idx="minor">
+              <a:schemeClr val="tx1"/>
+            </a:fontRef>
+          </p:style>
+        </p:cxnSp>
+        <p:cxnSp>
+          <p:nvCxnSpPr>
+            <p:cNvPr id="55" name="Connecteur droit 54"/>
+            <p:cNvCxnSpPr/>
+            <p:nvPr/>
+          </p:nvCxnSpPr>
+          <p:spPr>
+            <a:xfrm>
+              <a:off x="395536" y="3081732"/>
+              <a:ext cx="576064" cy="0"/>
+            </a:xfrm>
+            <a:prstGeom prst="line">
+              <a:avLst/>
+            </a:prstGeom>
+          </p:spPr>
+          <p:style>
+            <a:lnRef idx="2">
+              <a:schemeClr val="accent6"/>
+            </a:lnRef>
+            <a:fillRef idx="0">
+              <a:schemeClr val="accent6"/>
+            </a:fillRef>
+            <a:effectRef idx="1">
+              <a:schemeClr val="accent6"/>
+            </a:effectRef>
+            <a:fontRef idx="minor">
+              <a:schemeClr val="tx1"/>
+            </a:fontRef>
+          </p:style>
+        </p:cxnSp>
+      </p:grpSp>
+      <p:cxnSp>
+        <p:nvCxnSpPr>
+          <p:cNvPr id="56" name="Connecteur droit 55"/>
+          <p:cNvCxnSpPr/>
+          <p:nvPr/>
+        </p:nvCxnSpPr>
+        <p:spPr>
+          <a:xfrm>
+            <a:off x="233518" y="2636904"/>
+            <a:ext cx="0" cy="3096352"/>
+          </a:xfrm>
+          <a:prstGeom prst="line">
+            <a:avLst/>
+          </a:prstGeom>
+        </p:spPr>
+        <p:style>
+          <a:lnRef idx="2">
+            <a:schemeClr val="dk1"/>
+          </a:lnRef>
+          <a:fillRef idx="0">
+            <a:schemeClr val="dk1"/>
+          </a:fillRef>
+          <a:effectRef idx="1">
+            <a:schemeClr val="dk1"/>
+          </a:effectRef>
+          <a:fontRef idx="minor">
+            <a:schemeClr val="tx1"/>
+          </a:fontRef>
+        </p:style>
+      </p:cxnSp>
+      <p:sp>
+        <p:nvSpPr>
+          <p:cNvPr id="57" name="Rectangle 56"/>
+          <p:cNvSpPr/>
+          <p:nvPr/>
+        </p:nvSpPr>
+        <p:spPr>
+          <a:xfrm>
+            <a:off x="683568" y="2341447"/>
+            <a:ext cx="936104" cy="273820"/>
+          </a:xfrm>
+          <a:prstGeom prst="rect">
+            <a:avLst/>
+          </a:prstGeom>
+        </p:spPr>
+        <p:style>
+          <a:lnRef idx="2">
+            <a:schemeClr val="accent3">
+              <a:shade val="50000"/>
+            </a:schemeClr>
+          </a:lnRef>
+          <a:fillRef idx="1">
+            <a:schemeClr val="accent3"/>
+          </a:fillRef>
+          <a:effectRef idx="0">
+            <a:schemeClr val="accent3"/>
+          </a:effectRef>
+          <a:fontRef idx="minor">
+            <a:schemeClr val="lt1"/>
+          </a:fontRef>
+        </p:style>
+        <p:txBody>
+          <a:bodyPr rtlCol="0" anchor="ctr"/>
+          <a:lstStyle/>
+          <a:p>
+            <a:pPr algn="ctr"/>
+            <a:r>
+              <a:rPr lang="fr-FR" dirty="0" smtClean="0"/>
+              <a:t>IHM</a:t>
+            </a:r>
+            <a:endParaRPr lang="fr-FR" dirty="0"/>
+          </a:p>
+        </p:txBody>
+      </p:sp>
+      <p:cxnSp>
+        <p:nvCxnSpPr>
+          <p:cNvPr id="58" name="Connecteur droit 57"/>
+          <p:cNvCxnSpPr/>
+          <p:nvPr/>
+        </p:nvCxnSpPr>
+        <p:spPr>
+          <a:xfrm>
+            <a:off x="1142619" y="2636904"/>
+            <a:ext cx="0" cy="3096352"/>
+          </a:xfrm>
+          <a:prstGeom prst="line">
+            <a:avLst/>
+          </a:prstGeom>
+        </p:spPr>
+        <p:style>
+          <a:lnRef idx="2">
+            <a:schemeClr val="dk1"/>
+          </a:lnRef>
+          <a:fillRef idx="0">
+            <a:schemeClr val="dk1"/>
+          </a:fillRef>
+          <a:effectRef idx="1">
+            <a:schemeClr val="dk1"/>
+          </a:effectRef>
+          <a:fontRef idx="minor">
+            <a:schemeClr val="tx1"/>
+          </a:fontRef>
+        </p:style>
+      </p:cxnSp>
+      <p:cxnSp>
+        <p:nvCxnSpPr>
+          <p:cNvPr id="59" name="Connecteur droit 58"/>
+          <p:cNvCxnSpPr/>
+          <p:nvPr/>
+        </p:nvCxnSpPr>
+        <p:spPr>
+          <a:xfrm flipH="1">
+            <a:off x="4817278" y="2905653"/>
+            <a:ext cx="1122" cy="2395555"/>
+          </a:xfrm>
+          <a:prstGeom prst="line">
+            <a:avLst/>
+          </a:prstGeom>
+        </p:spPr>
+        <p:style>
+          <a:lnRef idx="2">
+            <a:schemeClr val="dk1"/>
+          </a:lnRef>
+          <a:fillRef idx="0">
+            <a:schemeClr val="dk1"/>
+          </a:fillRef>
+          <a:effectRef idx="1">
+            <a:schemeClr val="dk1"/>
+          </a:effectRef>
+          <a:fontRef idx="minor">
+            <a:schemeClr val="tx1"/>
+          </a:fontRef>
+        </p:style>
+      </p:cxnSp>
+      <p:cxnSp>
+        <p:nvCxnSpPr>
+          <p:cNvPr id="60" name="Connecteur droit 59"/>
+          <p:cNvCxnSpPr/>
+          <p:nvPr/>
+        </p:nvCxnSpPr>
+        <p:spPr>
+          <a:xfrm>
+            <a:off x="8775467" y="2659419"/>
+            <a:ext cx="45005" cy="3577893"/>
+          </a:xfrm>
+          <a:prstGeom prst="line">
+            <a:avLst/>
+          </a:prstGeom>
+        </p:spPr>
+        <p:style>
+          <a:lnRef idx="2">
+            <a:schemeClr val="dk1"/>
+          </a:lnRef>
+          <a:fillRef idx="0">
+            <a:schemeClr val="dk1"/>
+          </a:fillRef>
+          <a:effectRef idx="1">
+            <a:schemeClr val="dk1"/>
+          </a:effectRef>
+          <a:fontRef idx="minor">
+            <a:schemeClr val="tx1"/>
+          </a:fontRef>
+        </p:style>
+      </p:cxnSp>
+      <p:pic>
+        <p:nvPicPr>
+          <p:cNvPr id="61" name="Image 60"/>
+          <p:cNvPicPr>
+            <a:picLocks noChangeAspect="1"/>
+          </p:cNvPicPr>
+          <p:nvPr/>
+        </p:nvPicPr>
+        <p:blipFill>
+          <a:blip r:embed="rId3" cstate="print">
+            <a:extLst>
+              <a:ext uri="{28A0092B-C50C-407E-A947-70E740481C1C}">
+                <a14:useLocalDpi xmlns:a14="http://schemas.microsoft.com/office/drawing/2010/main" val="0"/>
+              </a:ext>
+            </a:extLst>
+          </a:blip>
+          <a:stretch>
+            <a:fillRect/>
+          </a:stretch>
+        </p:blipFill>
+        <p:spPr>
+          <a:xfrm>
+            <a:off x="8526924" y="2244357"/>
+            <a:ext cx="509572" cy="491091"/>
+          </a:xfrm>
+          <a:prstGeom prst="rect">
+            <a:avLst/>
+          </a:prstGeom>
+        </p:spPr>
+      </p:pic>
+      <p:sp>
+        <p:nvSpPr>
+          <p:cNvPr id="62" name="ZoneTexte 61"/>
+          <p:cNvSpPr txBox="1"/>
+          <p:nvPr/>
+        </p:nvSpPr>
+        <p:spPr>
+          <a:xfrm>
+            <a:off x="-30382" y="1700808"/>
+            <a:ext cx="724878" cy="261610"/>
+          </a:xfrm>
+          <a:prstGeom prst="rect">
+            <a:avLst/>
+          </a:prstGeom>
+          <a:noFill/>
+        </p:spPr>
+        <p:txBody>
+          <a:bodyPr wrap="none" rtlCol="0">
+            <a:spAutoFit/>
+          </a:bodyPr>
+          <a:lstStyle/>
+          <a:p>
+            <a:r>
+              <a:rPr lang="fr-FR" sz="1100" dirty="0" err="1" smtClean="0"/>
+              <a:t>Adherent</a:t>
+            </a:r>
+            <a:endParaRPr lang="fr-FR" sz="1100" dirty="0"/>
+          </a:p>
+        </p:txBody>
+      </p:sp>
+      <p:sp>
+        <p:nvSpPr>
+          <p:cNvPr id="65" name="Rectangle 64"/>
+          <p:cNvSpPr/>
+          <p:nvPr/>
+        </p:nvSpPr>
+        <p:spPr>
+          <a:xfrm>
+            <a:off x="1979712" y="2342296"/>
+            <a:ext cx="936104" cy="273820"/>
+          </a:xfrm>
+          <a:prstGeom prst="rect">
+            <a:avLst/>
+          </a:prstGeom>
+        </p:spPr>
+        <p:style>
+          <a:lnRef idx="2">
+            <a:schemeClr val="accent1">
+              <a:shade val="50000"/>
+            </a:schemeClr>
+          </a:lnRef>
+          <a:fillRef idx="1">
+            <a:schemeClr val="accent1"/>
+          </a:fillRef>
+          <a:effectRef idx="0">
+            <a:schemeClr val="accent1"/>
+          </a:effectRef>
+          <a:fontRef idx="minor">
+            <a:schemeClr val="lt1"/>
+          </a:fontRef>
+        </p:style>
+        <p:txBody>
+          <a:bodyPr rtlCol="0" anchor="ctr"/>
+          <a:lstStyle/>
+          <a:p>
+            <a:pPr algn="ctr"/>
+            <a:r>
+              <a:rPr lang="fr-FR" sz="1000" dirty="0" err="1" smtClean="0"/>
+              <a:t>Controleur</a:t>
+            </a:r>
+            <a:endParaRPr lang="fr-FR" sz="1000" dirty="0"/>
+          </a:p>
+        </p:txBody>
+      </p:sp>
+      <p:cxnSp>
+        <p:nvCxnSpPr>
+          <p:cNvPr id="66" name="Connecteur droit 65"/>
+          <p:cNvCxnSpPr/>
+          <p:nvPr/>
+        </p:nvCxnSpPr>
+        <p:spPr>
+          <a:xfrm>
+            <a:off x="2425261" y="2616116"/>
+            <a:ext cx="0" cy="3117140"/>
+          </a:xfrm>
+          <a:prstGeom prst="line">
+            <a:avLst/>
+          </a:prstGeom>
+        </p:spPr>
+        <p:style>
+          <a:lnRef idx="2">
+            <a:schemeClr val="dk1"/>
+          </a:lnRef>
+          <a:fillRef idx="0">
+            <a:schemeClr val="dk1"/>
+          </a:fillRef>
+          <a:effectRef idx="1">
+            <a:schemeClr val="dk1"/>
+          </a:effectRef>
+          <a:fontRef idx="minor">
+            <a:schemeClr val="tx1"/>
+          </a:fontRef>
+        </p:style>
+      </p:cxnSp>
+      <p:sp>
+        <p:nvSpPr>
+          <p:cNvPr id="67" name="Rectangle 66"/>
+          <p:cNvSpPr/>
+          <p:nvPr/>
+        </p:nvSpPr>
+        <p:spPr>
+          <a:xfrm>
+            <a:off x="179512" y="2733378"/>
+            <a:ext cx="144016" cy="2927870"/>
+          </a:xfrm>
+          <a:prstGeom prst="rect">
+            <a:avLst/>
+          </a:prstGeom>
+        </p:spPr>
+        <p:style>
+          <a:lnRef idx="2">
+            <a:schemeClr val="accent6">
+              <a:shade val="50000"/>
+            </a:schemeClr>
+          </a:lnRef>
+          <a:fillRef idx="1">
+            <a:schemeClr val="accent6"/>
+          </a:fillRef>
+          <a:effectRef idx="0">
+            <a:schemeClr val="accent6"/>
+          </a:effectRef>
+          <a:fontRef idx="minor">
+            <a:schemeClr val="lt1"/>
+          </a:fontRef>
+        </p:style>
+        <p:txBody>
+          <a:bodyPr rtlCol="0" anchor="ctr"/>
+          <a:lstStyle/>
+          <a:p>
+            <a:pPr algn="ctr"/>
+            <a:endParaRPr lang="fr-FR"/>
+          </a:p>
+        </p:txBody>
+      </p:sp>
+      <p:sp>
+        <p:nvSpPr>
+          <p:cNvPr id="68" name="Rectangle 67"/>
+          <p:cNvSpPr/>
+          <p:nvPr/>
+        </p:nvSpPr>
+        <p:spPr>
+          <a:xfrm>
+            <a:off x="1061610" y="2733378"/>
+            <a:ext cx="126014" cy="2927870"/>
+          </a:xfrm>
+          <a:prstGeom prst="rect">
+            <a:avLst/>
+          </a:prstGeom>
+        </p:spPr>
+        <p:style>
+          <a:lnRef idx="2">
+            <a:schemeClr val="accent3">
+              <a:shade val="50000"/>
+            </a:schemeClr>
+          </a:lnRef>
+          <a:fillRef idx="1">
+            <a:schemeClr val="accent3"/>
+          </a:fillRef>
+          <a:effectRef idx="0">
+            <a:schemeClr val="accent3"/>
+          </a:effectRef>
+          <a:fontRef idx="minor">
+            <a:schemeClr val="lt1"/>
+          </a:fontRef>
+        </p:style>
+        <p:txBody>
+          <a:bodyPr rtlCol="0" anchor="ctr"/>
+          <a:lstStyle/>
+          <a:p>
+            <a:pPr algn="ctr"/>
+            <a:endParaRPr lang="fr-FR"/>
+          </a:p>
+        </p:txBody>
+      </p:sp>
+      <p:sp>
+        <p:nvSpPr>
+          <p:cNvPr id="69" name="Rectangle 68"/>
+          <p:cNvSpPr/>
+          <p:nvPr/>
+        </p:nvSpPr>
+        <p:spPr>
+          <a:xfrm>
+            <a:off x="2369057" y="2900480"/>
+            <a:ext cx="126014" cy="384504"/>
+          </a:xfrm>
+          <a:prstGeom prst="rect">
+            <a:avLst/>
+          </a:prstGeom>
+        </p:spPr>
+        <p:style>
+          <a:lnRef idx="2">
+            <a:schemeClr val="accent1">
+              <a:shade val="50000"/>
+            </a:schemeClr>
+          </a:lnRef>
+          <a:fillRef idx="1">
+            <a:schemeClr val="accent1"/>
+          </a:fillRef>
+          <a:effectRef idx="0">
+            <a:schemeClr val="accent1"/>
+          </a:effectRef>
+          <a:fontRef idx="minor">
+            <a:schemeClr val="lt1"/>
+          </a:fontRef>
+        </p:style>
+        <p:txBody>
+          <a:bodyPr rtlCol="0" anchor="ctr"/>
+          <a:lstStyle/>
+          <a:p>
+            <a:pPr algn="ctr"/>
+            <a:endParaRPr lang="fr-FR"/>
+          </a:p>
+        </p:txBody>
+      </p:sp>
+      <p:sp>
+        <p:nvSpPr>
+          <p:cNvPr id="71" name="Rectangle 70"/>
+          <p:cNvSpPr/>
+          <p:nvPr/>
+        </p:nvSpPr>
+        <p:spPr>
+          <a:xfrm>
+            <a:off x="4359222" y="2636904"/>
+            <a:ext cx="936104" cy="273820"/>
+          </a:xfrm>
+          <a:prstGeom prst="rect">
+            <a:avLst/>
+          </a:prstGeom>
+        </p:spPr>
+        <p:style>
+          <a:lnRef idx="2">
+            <a:schemeClr val="accent2">
+              <a:shade val="50000"/>
+            </a:schemeClr>
+          </a:lnRef>
+          <a:fillRef idx="1">
+            <a:schemeClr val="accent2"/>
+          </a:fillRef>
+          <a:effectRef idx="0">
+            <a:schemeClr val="accent2"/>
+          </a:effectRef>
+          <a:fontRef idx="minor">
+            <a:schemeClr val="lt1"/>
+          </a:fontRef>
+        </p:style>
+        <p:txBody>
+          <a:bodyPr rtlCol="0" anchor="ctr"/>
+          <a:lstStyle/>
+          <a:p>
+            <a:pPr algn="ctr"/>
+            <a:r>
+              <a:rPr lang="fr-FR" sz="1000" dirty="0" err="1" smtClean="0"/>
+              <a:t>cs:Commande</a:t>
+            </a:r>
+            <a:endParaRPr lang="fr-FR" sz="1000" dirty="0" smtClean="0"/>
+          </a:p>
+          <a:p>
+            <a:pPr algn="ctr"/>
+            <a:r>
+              <a:rPr lang="fr-FR" sz="1000" dirty="0" smtClean="0"/>
+              <a:t>Service</a:t>
+            </a:r>
+            <a:endParaRPr lang="fr-FR" sz="1000" dirty="0"/>
+          </a:p>
+        </p:txBody>
+      </p:sp>
+      <p:cxnSp>
+        <p:nvCxnSpPr>
+          <p:cNvPr id="72" name="Connecteur droit avec flèche 71"/>
+          <p:cNvCxnSpPr/>
+          <p:nvPr/>
+        </p:nvCxnSpPr>
+        <p:spPr>
+          <a:xfrm>
+            <a:off x="233518" y="2924944"/>
+            <a:ext cx="909101" cy="0"/>
+          </a:xfrm>
+          <a:prstGeom prst="straightConnector1">
+            <a:avLst/>
+          </a:prstGeom>
+          <a:ln>
+            <a:tailEnd type="arrow"/>
+          </a:ln>
+        </p:spPr>
+        <p:style>
+          <a:lnRef idx="2">
+            <a:schemeClr val="accent6"/>
+          </a:lnRef>
+          <a:fillRef idx="0">
+            <a:schemeClr val="accent6"/>
+          </a:fillRef>
+          <a:effectRef idx="1">
+            <a:schemeClr val="accent6"/>
+          </a:effectRef>
+          <a:fontRef idx="minor">
+            <a:schemeClr val="tx1"/>
+          </a:fontRef>
+        </p:style>
+      </p:cxnSp>
+      <p:sp>
+        <p:nvSpPr>
+          <p:cNvPr id="73" name="ZoneTexte 72"/>
+          <p:cNvSpPr txBox="1"/>
+          <p:nvPr/>
+        </p:nvSpPr>
+        <p:spPr>
+          <a:xfrm>
+            <a:off x="251520" y="2636912"/>
+            <a:ext cx="785793" cy="246221"/>
+          </a:xfrm>
+          <a:prstGeom prst="rect">
+            <a:avLst/>
+          </a:prstGeom>
+          <a:noFill/>
+        </p:spPr>
+        <p:txBody>
+          <a:bodyPr wrap="none" rtlCol="0">
+            <a:spAutoFit/>
+          </a:bodyPr>
+          <a:lstStyle/>
+          <a:p>
+            <a:r>
+              <a:rPr lang="fr-FR" sz="1000" dirty="0" smtClean="0"/>
+              <a:t>Commande</a:t>
+            </a:r>
+            <a:endParaRPr lang="fr-FR" sz="1000" dirty="0"/>
+          </a:p>
+        </p:txBody>
+      </p:sp>
+      <p:cxnSp>
+        <p:nvCxnSpPr>
+          <p:cNvPr id="74" name="Connecteur droit avec flèche 73"/>
+          <p:cNvCxnSpPr/>
+          <p:nvPr/>
+        </p:nvCxnSpPr>
+        <p:spPr>
+          <a:xfrm>
+            <a:off x="1142619" y="3068959"/>
+            <a:ext cx="1282642" cy="0"/>
+          </a:xfrm>
+          <a:prstGeom prst="straightConnector1">
+            <a:avLst/>
+          </a:prstGeom>
+          <a:ln>
+            <a:tailEnd type="arrow"/>
+          </a:ln>
+        </p:spPr>
+        <p:style>
+          <a:lnRef idx="2">
+            <a:schemeClr val="accent3"/>
+          </a:lnRef>
+          <a:fillRef idx="0">
+            <a:schemeClr val="accent3"/>
+          </a:fillRef>
+          <a:effectRef idx="1">
+            <a:schemeClr val="accent3"/>
+          </a:effectRef>
+          <a:fontRef idx="minor">
+            <a:schemeClr val="tx1"/>
+          </a:fontRef>
+        </p:style>
+      </p:cxnSp>
+      <p:sp>
+        <p:nvSpPr>
+          <p:cNvPr id="75" name="ZoneTexte 74"/>
+          <p:cNvSpPr txBox="1"/>
+          <p:nvPr/>
+        </p:nvSpPr>
+        <p:spPr>
+          <a:xfrm>
+            <a:off x="1115616" y="2636912"/>
+            <a:ext cx="1249060" cy="400110"/>
+          </a:xfrm>
+          <a:prstGeom prst="rect">
+            <a:avLst/>
+          </a:prstGeom>
+          <a:noFill/>
+        </p:spPr>
+        <p:txBody>
+          <a:bodyPr wrap="none" rtlCol="0">
+            <a:spAutoFit/>
+          </a:bodyPr>
+          <a:lstStyle/>
+          <a:p>
+            <a:r>
+              <a:rPr lang="fr-FR" sz="1000" dirty="0" err="1" smtClean="0"/>
+              <a:t>Commande?article</a:t>
+            </a:r>
+            <a:r>
+              <a:rPr lang="fr-FR" sz="1000" dirty="0" smtClean="0"/>
+              <a:t>=</a:t>
+            </a:r>
+          </a:p>
+          <a:p>
+            <a:r>
+              <a:rPr lang="fr-FR" sz="1000" dirty="0" err="1" smtClean="0"/>
+              <a:t>pomme&amp;quantite</a:t>
+            </a:r>
+            <a:r>
+              <a:rPr lang="fr-FR" sz="1000" dirty="0" smtClean="0"/>
+              <a:t>=2</a:t>
+            </a:r>
+            <a:endParaRPr lang="fr-FR" sz="1000" dirty="0"/>
+          </a:p>
+        </p:txBody>
+      </p:sp>
+      <p:cxnSp>
+        <p:nvCxnSpPr>
+          <p:cNvPr id="76" name="Connecteur droit avec flèche 75"/>
+          <p:cNvCxnSpPr/>
+          <p:nvPr/>
+        </p:nvCxnSpPr>
+        <p:spPr>
+          <a:xfrm>
+            <a:off x="2411760" y="3068959"/>
+            <a:ext cx="1282642" cy="0"/>
+          </a:xfrm>
+          <a:prstGeom prst="straightConnector1">
+            <a:avLst/>
+          </a:prstGeom>
+          <a:ln>
+            <a:tailEnd type="arrow"/>
+          </a:ln>
+        </p:spPr>
+        <p:style>
+          <a:lnRef idx="2">
+            <a:schemeClr val="accent1"/>
+          </a:lnRef>
+          <a:fillRef idx="0">
+            <a:schemeClr val="accent1"/>
+          </a:fillRef>
+          <a:effectRef idx="1">
+            <a:schemeClr val="accent1"/>
+          </a:effectRef>
+          <a:fontRef idx="minor">
+            <a:schemeClr val="tx1"/>
+          </a:fontRef>
+        </p:style>
+      </p:cxnSp>
+      <p:sp>
+        <p:nvSpPr>
+          <p:cNvPr id="77" name="ZoneTexte 76"/>
+          <p:cNvSpPr txBox="1"/>
+          <p:nvPr/>
+        </p:nvSpPr>
+        <p:spPr>
+          <a:xfrm>
+            <a:off x="3986710" y="2966755"/>
+            <a:ext cx="745717" cy="246221"/>
+          </a:xfrm>
+          <a:prstGeom prst="rect">
+            <a:avLst/>
+          </a:prstGeom>
+          <a:noFill/>
+        </p:spPr>
+        <p:txBody>
+          <a:bodyPr wrap="none" rtlCol="0">
+            <a:spAutoFit/>
+          </a:bodyPr>
+          <a:lstStyle/>
+          <a:p>
+            <a:r>
+              <a:rPr lang="fr-FR" sz="1000" dirty="0" err="1" smtClean="0"/>
+              <a:t>cs</a:t>
+            </a:r>
+            <a:r>
+              <a:rPr lang="fr-FR" sz="1000" dirty="0" smtClean="0"/>
+              <a:t> = new ()</a:t>
+            </a:r>
+            <a:endParaRPr lang="fr-FR" sz="1000" dirty="0"/>
+          </a:p>
+        </p:txBody>
+      </p:sp>
+      <p:sp>
+        <p:nvSpPr>
+          <p:cNvPr id="78" name="ZoneTexte 77"/>
+          <p:cNvSpPr txBox="1"/>
+          <p:nvPr/>
+        </p:nvSpPr>
+        <p:spPr>
+          <a:xfrm>
+            <a:off x="4860032" y="2996952"/>
+            <a:ext cx="543739" cy="246221"/>
+          </a:xfrm>
+          <a:prstGeom prst="rect">
+            <a:avLst/>
+          </a:prstGeom>
+          <a:noFill/>
+        </p:spPr>
+        <p:txBody>
+          <a:bodyPr wrap="none" rtlCol="0">
+            <a:spAutoFit/>
+          </a:bodyPr>
+          <a:lstStyle/>
+          <a:p>
+            <a:r>
+              <a:rPr lang="fr-FR" sz="1000" dirty="0" err="1" smtClean="0"/>
+              <a:t>listAll</a:t>
+            </a:r>
+            <a:r>
+              <a:rPr lang="fr-FR" sz="1000" dirty="0" smtClean="0"/>
+              <a:t>()</a:t>
+            </a:r>
+            <a:endParaRPr lang="fr-FR" sz="1000" dirty="0"/>
+          </a:p>
+        </p:txBody>
+      </p:sp>
+      <p:cxnSp>
+        <p:nvCxnSpPr>
+          <p:cNvPr id="79" name="Connecteur droit avec flèche 78"/>
+          <p:cNvCxnSpPr/>
+          <p:nvPr/>
+        </p:nvCxnSpPr>
+        <p:spPr>
+          <a:xfrm>
+            <a:off x="6221771" y="5487035"/>
+            <a:ext cx="2598701" cy="16835"/>
+          </a:xfrm>
+          <a:prstGeom prst="straightConnector1">
+            <a:avLst/>
+          </a:prstGeom>
+          <a:ln>
+            <a:solidFill>
+              <a:srgbClr val="7030A0"/>
+            </a:solidFill>
+            <a:tailEnd type="arrow"/>
+          </a:ln>
+        </p:spPr>
+        <p:style>
+          <a:lnRef idx="2">
+            <a:schemeClr val="accent6"/>
+          </a:lnRef>
+          <a:fillRef idx="0">
+            <a:schemeClr val="accent6"/>
+          </a:fillRef>
+          <a:effectRef idx="1">
+            <a:schemeClr val="accent6"/>
+          </a:effectRef>
+          <a:fontRef idx="minor">
+            <a:schemeClr val="tx1"/>
+          </a:fontRef>
+        </p:style>
+      </p:cxnSp>
+      <p:sp>
+        <p:nvSpPr>
+          <p:cNvPr id="80" name="ZoneTexte 79"/>
+          <p:cNvSpPr txBox="1"/>
+          <p:nvPr/>
+        </p:nvSpPr>
+        <p:spPr>
+          <a:xfrm>
+            <a:off x="7005347" y="5271011"/>
+            <a:ext cx="486030" cy="246221"/>
+          </a:xfrm>
+          <a:prstGeom prst="rect">
+            <a:avLst/>
+          </a:prstGeom>
+          <a:noFill/>
+        </p:spPr>
+        <p:txBody>
+          <a:bodyPr wrap="none" rtlCol="0">
+            <a:spAutoFit/>
+          </a:bodyPr>
+          <a:lstStyle/>
+          <a:p>
+            <a:r>
+              <a:rPr lang="fr-FR" sz="1000" dirty="0" smtClean="0"/>
+              <a:t>Insert</a:t>
+            </a:r>
+            <a:endParaRPr lang="fr-FR" sz="1000" dirty="0"/>
+          </a:p>
+        </p:txBody>
+      </p:sp>
+      <p:sp>
+        <p:nvSpPr>
+          <p:cNvPr id="81" name="ZoneTexte 80"/>
+          <p:cNvSpPr txBox="1"/>
+          <p:nvPr/>
+        </p:nvSpPr>
+        <p:spPr>
+          <a:xfrm>
+            <a:off x="2487060" y="2780927"/>
+            <a:ext cx="771365" cy="246221"/>
+          </a:xfrm>
+          <a:prstGeom prst="rect">
+            <a:avLst/>
+          </a:prstGeom>
+          <a:noFill/>
+        </p:spPr>
+        <p:txBody>
+          <a:bodyPr wrap="none" rtlCol="0">
+            <a:spAutoFit/>
+          </a:bodyPr>
+          <a:lstStyle/>
+          <a:p>
+            <a:r>
+              <a:rPr lang="fr-FR" sz="1000" dirty="0" smtClean="0"/>
+              <a:t>commande</a:t>
+            </a:r>
+            <a:endParaRPr lang="fr-FR" sz="1000" dirty="0"/>
+          </a:p>
+        </p:txBody>
+      </p:sp>
+      <p:sp>
+        <p:nvSpPr>
+          <p:cNvPr id="82" name="ZoneTexte 81"/>
+          <p:cNvSpPr txBox="1"/>
+          <p:nvPr/>
+        </p:nvSpPr>
+        <p:spPr>
+          <a:xfrm>
+            <a:off x="6948264" y="5487035"/>
+            <a:ext cx="696024" cy="246221"/>
+          </a:xfrm>
+          <a:prstGeom prst="rect">
+            <a:avLst/>
+          </a:prstGeom>
+          <a:noFill/>
+        </p:spPr>
+        <p:txBody>
+          <a:bodyPr wrap="none" rtlCol="0">
+            <a:spAutoFit/>
+          </a:bodyPr>
+          <a:lstStyle/>
+          <a:p>
+            <a:r>
+              <a:rPr lang="fr-FR" sz="1000" dirty="0" err="1" smtClean="0"/>
+              <a:t>true</a:t>
+            </a:r>
+            <a:r>
+              <a:rPr lang="fr-FR" sz="1000" dirty="0" smtClean="0"/>
+              <a:t>/false</a:t>
+            </a:r>
+            <a:endParaRPr lang="fr-FR" sz="1000" dirty="0"/>
+          </a:p>
+        </p:txBody>
+      </p:sp>
+      <p:sp>
+        <p:nvSpPr>
+          <p:cNvPr id="84" name="Rectangle 83"/>
+          <p:cNvSpPr/>
+          <p:nvPr/>
+        </p:nvSpPr>
+        <p:spPr>
+          <a:xfrm>
+            <a:off x="4755393" y="3089865"/>
+            <a:ext cx="104639" cy="326614"/>
+          </a:xfrm>
+          <a:prstGeom prst="rect">
+            <a:avLst/>
+          </a:prstGeom>
+        </p:spPr>
+        <p:style>
+          <a:lnRef idx="2">
+            <a:schemeClr val="accent2">
+              <a:shade val="50000"/>
+            </a:schemeClr>
+          </a:lnRef>
+          <a:fillRef idx="1">
+            <a:schemeClr val="accent2"/>
+          </a:fillRef>
+          <a:effectRef idx="0">
+            <a:schemeClr val="accent2"/>
+          </a:effectRef>
+          <a:fontRef idx="minor">
+            <a:schemeClr val="lt1"/>
+          </a:fontRef>
+        </p:style>
+        <p:txBody>
+          <a:bodyPr rtlCol="0" anchor="ctr"/>
+          <a:lstStyle/>
+          <a:p>
+            <a:pPr algn="ctr"/>
+            <a:endParaRPr lang="fr-FR"/>
+          </a:p>
+        </p:txBody>
+      </p:sp>
+      <p:cxnSp>
+        <p:nvCxnSpPr>
+          <p:cNvPr id="85" name="Connecteur droit 84"/>
+          <p:cNvCxnSpPr/>
+          <p:nvPr/>
+        </p:nvCxnSpPr>
+        <p:spPr>
+          <a:xfrm>
+            <a:off x="7704348" y="2838724"/>
+            <a:ext cx="2332" cy="734292"/>
+          </a:xfrm>
+          <a:prstGeom prst="line">
+            <a:avLst/>
+          </a:prstGeom>
+        </p:spPr>
+        <p:style>
+          <a:lnRef idx="2">
+            <a:schemeClr val="dk1"/>
+          </a:lnRef>
+          <a:fillRef idx="0">
+            <a:schemeClr val="dk1"/>
+          </a:fillRef>
+          <a:effectRef idx="1">
+            <a:schemeClr val="dk1"/>
+          </a:effectRef>
+          <a:fontRef idx="minor">
+            <a:schemeClr val="tx1"/>
+          </a:fontRef>
+        </p:style>
+      </p:cxnSp>
+      <p:sp>
+        <p:nvSpPr>
+          <p:cNvPr id="86" name="Rectangle 85"/>
+          <p:cNvSpPr/>
+          <p:nvPr/>
+        </p:nvSpPr>
+        <p:spPr>
+          <a:xfrm>
+            <a:off x="7236296" y="2780928"/>
+            <a:ext cx="936104" cy="273820"/>
+          </a:xfrm>
+          <a:prstGeom prst="rect">
+            <a:avLst/>
+          </a:prstGeom>
+        </p:spPr>
+        <p:style>
+          <a:lnRef idx="2">
+            <a:schemeClr val="accent1">
+              <a:shade val="50000"/>
+            </a:schemeClr>
+          </a:lnRef>
+          <a:fillRef idx="1">
+            <a:schemeClr val="accent1"/>
+          </a:fillRef>
+          <a:effectRef idx="0">
+            <a:schemeClr val="accent1"/>
+          </a:effectRef>
+          <a:fontRef idx="minor">
+            <a:schemeClr val="lt1"/>
+          </a:fontRef>
+        </p:style>
+        <p:txBody>
+          <a:bodyPr rtlCol="0" anchor="ctr"/>
+          <a:lstStyle/>
+          <a:p>
+            <a:pPr algn="ctr"/>
+            <a:r>
+              <a:rPr lang="fr-FR" sz="1000" dirty="0" err="1" smtClean="0"/>
+              <a:t>ar:Article</a:t>
+            </a:r>
+            <a:endParaRPr lang="fr-FR" sz="1000" dirty="0"/>
+          </a:p>
+        </p:txBody>
+      </p:sp>
+      <p:sp>
+        <p:nvSpPr>
+          <p:cNvPr id="87" name="Rectangle 86"/>
+          <p:cNvSpPr/>
+          <p:nvPr/>
+        </p:nvSpPr>
+        <p:spPr>
+          <a:xfrm>
+            <a:off x="7654410" y="3140968"/>
+            <a:ext cx="109206" cy="332030"/>
+          </a:xfrm>
+          <a:prstGeom prst="rect">
+            <a:avLst/>
+          </a:prstGeom>
+        </p:spPr>
+        <p:style>
+          <a:lnRef idx="2">
+            <a:schemeClr val="accent1">
+              <a:shade val="50000"/>
+            </a:schemeClr>
+          </a:lnRef>
+          <a:fillRef idx="1">
+            <a:schemeClr val="accent1"/>
+          </a:fillRef>
+          <a:effectRef idx="0">
+            <a:schemeClr val="accent1"/>
+          </a:effectRef>
+          <a:fontRef idx="minor">
+            <a:schemeClr val="lt1"/>
+          </a:fontRef>
+        </p:style>
+        <p:txBody>
+          <a:bodyPr rtlCol="0" anchor="ctr"/>
+          <a:lstStyle/>
+          <a:p>
+            <a:pPr algn="ctr"/>
+            <a:endParaRPr lang="fr-FR"/>
+          </a:p>
+        </p:txBody>
+      </p:sp>
+      <p:sp>
+        <p:nvSpPr>
+          <p:cNvPr id="88" name="Rectangle 87"/>
+          <p:cNvSpPr/>
+          <p:nvPr/>
+        </p:nvSpPr>
+        <p:spPr>
+          <a:xfrm>
+            <a:off x="5580112" y="2363092"/>
+            <a:ext cx="1080120" cy="273820"/>
+          </a:xfrm>
+          <a:prstGeom prst="rect">
+            <a:avLst/>
+          </a:prstGeom>
+        </p:spPr>
+        <p:style>
+          <a:lnRef idx="2">
+            <a:schemeClr val="accent4">
+              <a:shade val="50000"/>
+            </a:schemeClr>
+          </a:lnRef>
+          <a:fillRef idx="1">
+            <a:schemeClr val="accent4"/>
+          </a:fillRef>
+          <a:effectRef idx="0">
+            <a:schemeClr val="accent4"/>
+          </a:effectRef>
+          <a:fontRef idx="minor">
+            <a:schemeClr val="lt1"/>
+          </a:fontRef>
+        </p:style>
+        <p:txBody>
+          <a:bodyPr rtlCol="0" anchor="ctr"/>
+          <a:lstStyle/>
+          <a:p>
+            <a:pPr algn="ctr"/>
+            <a:r>
+              <a:rPr lang="fr-FR" sz="1000" dirty="0" smtClean="0"/>
+              <a:t>:</a:t>
+            </a:r>
+            <a:r>
+              <a:rPr lang="fr-FR" sz="1000" dirty="0" err="1" smtClean="0"/>
+              <a:t>EntityManager</a:t>
+            </a:r>
+            <a:endParaRPr lang="fr-FR" sz="1000" dirty="0"/>
+          </a:p>
+        </p:txBody>
+      </p:sp>
+      <p:cxnSp>
+        <p:nvCxnSpPr>
+          <p:cNvPr id="89" name="Connecteur droit 88"/>
+          <p:cNvCxnSpPr/>
+          <p:nvPr/>
+        </p:nvCxnSpPr>
+        <p:spPr>
+          <a:xfrm>
+            <a:off x="6120172" y="2626830"/>
+            <a:ext cx="36004" cy="3322450"/>
+          </a:xfrm>
+          <a:prstGeom prst="line">
+            <a:avLst/>
+          </a:prstGeom>
+        </p:spPr>
+        <p:style>
+          <a:lnRef idx="2">
+            <a:schemeClr val="dk1"/>
+          </a:lnRef>
+          <a:fillRef idx="0">
+            <a:schemeClr val="dk1"/>
+          </a:fillRef>
+          <a:effectRef idx="1">
+            <a:schemeClr val="dk1"/>
+          </a:effectRef>
+          <a:fontRef idx="minor">
+            <a:schemeClr val="tx1"/>
+          </a:fontRef>
+        </p:style>
+      </p:cxnSp>
+      <p:sp>
+        <p:nvSpPr>
+          <p:cNvPr id="90" name="Rectangle 89"/>
+          <p:cNvSpPr/>
+          <p:nvPr/>
+        </p:nvSpPr>
+        <p:spPr>
+          <a:xfrm>
+            <a:off x="6079666" y="3140968"/>
+            <a:ext cx="142105" cy="2736304"/>
+          </a:xfrm>
+          <a:prstGeom prst="rect">
+            <a:avLst/>
+          </a:prstGeom>
+        </p:spPr>
+        <p:style>
+          <a:lnRef idx="2">
+            <a:schemeClr val="accent4">
+              <a:shade val="50000"/>
+            </a:schemeClr>
+          </a:lnRef>
+          <a:fillRef idx="1">
+            <a:schemeClr val="accent4"/>
+          </a:fillRef>
+          <a:effectRef idx="0">
+            <a:schemeClr val="accent4"/>
+          </a:effectRef>
+          <a:fontRef idx="minor">
+            <a:schemeClr val="lt1"/>
+          </a:fontRef>
+        </p:style>
+        <p:txBody>
+          <a:bodyPr rtlCol="0" anchor="ctr"/>
+          <a:lstStyle/>
+          <a:p>
+            <a:pPr algn="ctr"/>
+            <a:endParaRPr lang="fr-FR"/>
+          </a:p>
+        </p:txBody>
+      </p:sp>
+      <p:cxnSp>
+        <p:nvCxnSpPr>
+          <p:cNvPr id="99" name="Connecteur droit avec flèche 98"/>
+          <p:cNvCxnSpPr/>
+          <p:nvPr/>
+        </p:nvCxnSpPr>
+        <p:spPr>
+          <a:xfrm flipH="1">
+            <a:off x="6221771" y="5733256"/>
+            <a:ext cx="2559942" cy="0"/>
+          </a:xfrm>
+          <a:prstGeom prst="straightConnector1">
+            <a:avLst/>
+          </a:prstGeom>
+          <a:ln>
+            <a:solidFill>
+              <a:srgbClr val="7030A0"/>
+            </a:solidFill>
+            <a:prstDash val="dash"/>
+            <a:tailEnd type="arrow"/>
+          </a:ln>
+        </p:spPr>
+        <p:style>
+          <a:lnRef idx="2">
+            <a:schemeClr val="accent6"/>
+          </a:lnRef>
+          <a:fillRef idx="0">
+            <a:schemeClr val="accent6"/>
+          </a:fillRef>
+          <a:effectRef idx="1">
+            <a:schemeClr val="accent6"/>
+          </a:effectRef>
+          <a:fontRef idx="minor">
+            <a:schemeClr val="tx1"/>
+          </a:fontRef>
+        </p:style>
+      </p:cxnSp>
+      <p:cxnSp>
+        <p:nvCxnSpPr>
+          <p:cNvPr id="100" name="Connecteur droit avec flèche 99"/>
+          <p:cNvCxnSpPr/>
+          <p:nvPr/>
+        </p:nvCxnSpPr>
+        <p:spPr>
+          <a:xfrm>
+            <a:off x="4807712" y="3226338"/>
+            <a:ext cx="1271954" cy="0"/>
+          </a:xfrm>
+          <a:prstGeom prst="straightConnector1">
+            <a:avLst/>
+          </a:prstGeom>
+          <a:ln>
+            <a:solidFill>
+              <a:srgbClr val="C00000"/>
+            </a:solidFill>
+            <a:tailEnd type="arrow"/>
+          </a:ln>
+        </p:spPr>
+        <p:style>
+          <a:lnRef idx="2">
+            <a:schemeClr val="accent6"/>
+          </a:lnRef>
+          <a:fillRef idx="0">
+            <a:schemeClr val="accent6"/>
+          </a:fillRef>
+          <a:effectRef idx="1">
+            <a:schemeClr val="accent6"/>
+          </a:effectRef>
+          <a:fontRef idx="minor">
+            <a:schemeClr val="tx1"/>
+          </a:fontRef>
+        </p:style>
+      </p:cxnSp>
+      <p:sp>
+        <p:nvSpPr>
+          <p:cNvPr id="101" name="ZoneTexte 100"/>
+          <p:cNvSpPr txBox="1"/>
+          <p:nvPr/>
+        </p:nvSpPr>
+        <p:spPr>
+          <a:xfrm>
+            <a:off x="6326437" y="2996952"/>
+            <a:ext cx="1269899" cy="246221"/>
+          </a:xfrm>
+          <a:prstGeom prst="rect">
+            <a:avLst/>
+          </a:prstGeom>
+          <a:noFill/>
+        </p:spPr>
+        <p:txBody>
+          <a:bodyPr wrap="none" rtlCol="0">
+            <a:spAutoFit/>
+          </a:bodyPr>
+          <a:lstStyle/>
+          <a:p>
+            <a:r>
+              <a:rPr lang="fr-FR" sz="1000" dirty="0" err="1" smtClean="0"/>
+              <a:t>ar</a:t>
+            </a:r>
+            <a:r>
+              <a:rPr lang="fr-FR" sz="1000" dirty="0" smtClean="0"/>
+              <a:t>=new (</a:t>
+            </a:r>
+            <a:r>
+              <a:rPr lang="fr-FR" sz="1000" dirty="0" err="1" smtClean="0"/>
+              <a:t>code,nom</a:t>
+            </a:r>
+            <a:r>
+              <a:rPr lang="fr-FR" sz="1000" dirty="0" smtClean="0"/>
+              <a:t>,.)</a:t>
+            </a:r>
+            <a:endParaRPr lang="fr-FR" sz="1000" dirty="0"/>
+          </a:p>
+        </p:txBody>
+      </p:sp>
+      <p:cxnSp>
+        <p:nvCxnSpPr>
+          <p:cNvPr id="102" name="Connecteur droit avec flèche 101"/>
+          <p:cNvCxnSpPr/>
+          <p:nvPr/>
+        </p:nvCxnSpPr>
+        <p:spPr>
+          <a:xfrm>
+            <a:off x="3730406" y="3212976"/>
+            <a:ext cx="1096868" cy="0"/>
+          </a:xfrm>
+          <a:prstGeom prst="straightConnector1">
+            <a:avLst/>
+          </a:prstGeom>
+          <a:ln>
+            <a:tailEnd type="arrow"/>
+          </a:ln>
+        </p:spPr>
+        <p:style>
+          <a:lnRef idx="2">
+            <a:schemeClr val="accent6"/>
+          </a:lnRef>
+          <a:fillRef idx="0">
+            <a:schemeClr val="accent6"/>
+          </a:fillRef>
+          <a:effectRef idx="1">
+            <a:schemeClr val="accent6"/>
+          </a:effectRef>
+          <a:fontRef idx="minor">
+            <a:schemeClr val="tx1"/>
+          </a:fontRef>
+        </p:style>
+      </p:cxnSp>
+      <p:cxnSp>
+        <p:nvCxnSpPr>
+          <p:cNvPr id="105" name="Connecteur droit avec flèche 104"/>
+          <p:cNvCxnSpPr/>
+          <p:nvPr/>
+        </p:nvCxnSpPr>
+        <p:spPr>
+          <a:xfrm>
+            <a:off x="6134627" y="3243173"/>
+            <a:ext cx="1519783" cy="0"/>
+          </a:xfrm>
+          <a:prstGeom prst="straightConnector1">
+            <a:avLst/>
+          </a:prstGeom>
+          <a:ln>
+            <a:solidFill>
+              <a:srgbClr val="7030A0"/>
+            </a:solidFill>
+            <a:tailEnd type="arrow"/>
+          </a:ln>
+        </p:spPr>
+        <p:style>
+          <a:lnRef idx="2">
+            <a:schemeClr val="accent6"/>
+          </a:lnRef>
+          <a:fillRef idx="0">
+            <a:schemeClr val="accent6"/>
+          </a:fillRef>
+          <a:effectRef idx="1">
+            <a:schemeClr val="accent6"/>
+          </a:effectRef>
+          <a:fontRef idx="minor">
+            <a:schemeClr val="tx1"/>
+          </a:fontRef>
+        </p:style>
+      </p:cxnSp>
+      <p:sp>
+        <p:nvSpPr>
+          <p:cNvPr id="107" name="ZoneTexte 106"/>
+          <p:cNvSpPr txBox="1"/>
+          <p:nvPr/>
+        </p:nvSpPr>
+        <p:spPr>
+          <a:xfrm>
+            <a:off x="6625413" y="3205990"/>
+            <a:ext cx="290464" cy="246221"/>
+          </a:xfrm>
+          <a:prstGeom prst="rect">
+            <a:avLst/>
+          </a:prstGeom>
+          <a:noFill/>
+        </p:spPr>
+        <p:txBody>
+          <a:bodyPr wrap="none" rtlCol="0">
+            <a:spAutoFit/>
+          </a:bodyPr>
+          <a:lstStyle/>
+          <a:p>
+            <a:r>
+              <a:rPr lang="fr-FR" sz="1000" dirty="0" err="1" smtClean="0"/>
+              <a:t>ar</a:t>
+            </a:r>
+            <a:endParaRPr lang="fr-FR" sz="1000" dirty="0"/>
+          </a:p>
+        </p:txBody>
+      </p:sp>
+      <p:cxnSp>
+        <p:nvCxnSpPr>
+          <p:cNvPr id="108" name="Connecteur droit avec flèche 107"/>
+          <p:cNvCxnSpPr/>
+          <p:nvPr/>
+        </p:nvCxnSpPr>
+        <p:spPr>
+          <a:xfrm flipH="1">
+            <a:off x="6242811" y="3416478"/>
+            <a:ext cx="1313466" cy="0"/>
+          </a:xfrm>
+          <a:prstGeom prst="straightConnector1">
+            <a:avLst/>
+          </a:prstGeom>
+          <a:ln>
+            <a:solidFill>
+              <a:srgbClr val="0070C0"/>
+            </a:solidFill>
+            <a:prstDash val="dash"/>
+            <a:tailEnd type="arrow"/>
+          </a:ln>
+        </p:spPr>
+        <p:style>
+          <a:lnRef idx="2">
+            <a:schemeClr val="accent6"/>
+          </a:lnRef>
+          <a:fillRef idx="0">
+            <a:schemeClr val="accent6"/>
+          </a:fillRef>
+          <a:effectRef idx="1">
+            <a:schemeClr val="accent6"/>
+          </a:effectRef>
+          <a:fontRef idx="minor">
+            <a:schemeClr val="tx1"/>
+          </a:fontRef>
+        </p:style>
+      </p:cxnSp>
+      <p:sp>
+        <p:nvSpPr>
+          <p:cNvPr id="110" name="Rectangle 109"/>
+          <p:cNvSpPr/>
+          <p:nvPr/>
+        </p:nvSpPr>
+        <p:spPr>
+          <a:xfrm>
+            <a:off x="3275856" y="2331512"/>
+            <a:ext cx="936104" cy="273820"/>
+          </a:xfrm>
+          <a:prstGeom prst="rect">
+            <a:avLst/>
+          </a:prstGeom>
+        </p:spPr>
+        <p:style>
+          <a:lnRef idx="2">
+            <a:schemeClr val="accent6">
+              <a:shade val="50000"/>
+            </a:schemeClr>
+          </a:lnRef>
+          <a:fillRef idx="1">
+            <a:schemeClr val="accent6"/>
+          </a:fillRef>
+          <a:effectRef idx="0">
+            <a:schemeClr val="accent6"/>
+          </a:effectRef>
+          <a:fontRef idx="minor">
+            <a:schemeClr val="lt1"/>
+          </a:fontRef>
+        </p:style>
+        <p:txBody>
+          <a:bodyPr rtlCol="0" anchor="ctr"/>
+          <a:lstStyle/>
+          <a:p>
+            <a:pPr algn="ctr"/>
+            <a:r>
+              <a:rPr lang="fr-FR" sz="1000" dirty="0" smtClean="0"/>
+              <a:t>(servlet)</a:t>
+            </a:r>
+          </a:p>
+          <a:p>
+            <a:pPr algn="ctr"/>
+            <a:r>
+              <a:rPr lang="fr-FR" sz="1000" dirty="0"/>
+              <a:t>C</a:t>
+            </a:r>
+            <a:r>
+              <a:rPr lang="fr-FR" sz="1000" dirty="0" smtClean="0"/>
+              <a:t>ommande</a:t>
+            </a:r>
+            <a:endParaRPr lang="fr-FR" sz="1000" dirty="0"/>
+          </a:p>
+        </p:txBody>
+      </p:sp>
+      <p:cxnSp>
+        <p:nvCxnSpPr>
+          <p:cNvPr id="111" name="Connecteur droit 110"/>
+          <p:cNvCxnSpPr/>
+          <p:nvPr/>
+        </p:nvCxnSpPr>
+        <p:spPr>
+          <a:xfrm flipH="1">
+            <a:off x="3694402" y="2605332"/>
+            <a:ext cx="13503" cy="3127924"/>
+          </a:xfrm>
+          <a:prstGeom prst="line">
+            <a:avLst/>
+          </a:prstGeom>
+        </p:spPr>
+        <p:style>
+          <a:lnRef idx="2">
+            <a:schemeClr val="dk1"/>
+          </a:lnRef>
+          <a:fillRef idx="0">
+            <a:schemeClr val="dk1"/>
+          </a:fillRef>
+          <a:effectRef idx="1">
+            <a:schemeClr val="dk1"/>
+          </a:effectRef>
+          <a:fontRef idx="minor">
+            <a:schemeClr val="tx1"/>
+          </a:fontRef>
+        </p:style>
+      </p:cxnSp>
+      <p:sp>
+        <p:nvSpPr>
+          <p:cNvPr id="112" name="Rectangle 111"/>
+          <p:cNvSpPr/>
+          <p:nvPr/>
+        </p:nvSpPr>
+        <p:spPr>
+          <a:xfrm>
+            <a:off x="3635896" y="2772741"/>
+            <a:ext cx="94510" cy="556359"/>
+          </a:xfrm>
+          <a:prstGeom prst="rect">
+            <a:avLst/>
+          </a:prstGeom>
+        </p:spPr>
+        <p:style>
+          <a:lnRef idx="2">
+            <a:schemeClr val="accent6">
+              <a:shade val="50000"/>
+            </a:schemeClr>
+          </a:lnRef>
+          <a:fillRef idx="1">
+            <a:schemeClr val="accent6"/>
+          </a:fillRef>
+          <a:effectRef idx="0">
+            <a:schemeClr val="accent6"/>
+          </a:effectRef>
+          <a:fontRef idx="minor">
+            <a:schemeClr val="lt1"/>
+          </a:fontRef>
+        </p:style>
+        <p:txBody>
+          <a:bodyPr rtlCol="0" anchor="ctr"/>
+          <a:lstStyle/>
+          <a:p>
+            <a:pPr algn="ctr"/>
+            <a:endParaRPr lang="fr-FR"/>
+          </a:p>
+        </p:txBody>
+      </p:sp>
+      <p:cxnSp>
+        <p:nvCxnSpPr>
+          <p:cNvPr id="70" name="Connecteur droit 69"/>
+          <p:cNvCxnSpPr/>
+          <p:nvPr/>
+        </p:nvCxnSpPr>
+        <p:spPr>
+          <a:xfrm>
+            <a:off x="7709014" y="3801186"/>
+            <a:ext cx="14701" cy="635926"/>
+          </a:xfrm>
+          <a:prstGeom prst="line">
+            <a:avLst/>
+          </a:prstGeom>
+        </p:spPr>
+        <p:style>
+          <a:lnRef idx="2">
+            <a:schemeClr val="dk1"/>
+          </a:lnRef>
+          <a:fillRef idx="0">
+            <a:schemeClr val="dk1"/>
+          </a:fillRef>
+          <a:effectRef idx="1">
+            <a:schemeClr val="dk1"/>
+          </a:effectRef>
+          <a:fontRef idx="minor">
+            <a:schemeClr val="tx1"/>
+          </a:fontRef>
+        </p:style>
+      </p:cxnSp>
+      <p:sp>
+        <p:nvSpPr>
+          <p:cNvPr id="91" name="Rectangle 90"/>
+          <p:cNvSpPr/>
+          <p:nvPr/>
+        </p:nvSpPr>
+        <p:spPr>
+          <a:xfrm>
+            <a:off x="7236296" y="3645024"/>
+            <a:ext cx="936104" cy="273820"/>
+          </a:xfrm>
+          <a:prstGeom prst="rect">
+            <a:avLst/>
+          </a:prstGeom>
+        </p:spPr>
+        <p:style>
+          <a:lnRef idx="2">
+            <a:schemeClr val="accent1">
+              <a:shade val="50000"/>
+            </a:schemeClr>
+          </a:lnRef>
+          <a:fillRef idx="1">
+            <a:schemeClr val="accent1"/>
+          </a:fillRef>
+          <a:effectRef idx="0">
+            <a:schemeClr val="accent1"/>
+          </a:effectRef>
+          <a:fontRef idx="minor">
+            <a:schemeClr val="lt1"/>
+          </a:fontRef>
+        </p:style>
+        <p:txBody>
+          <a:bodyPr rtlCol="0" anchor="ctr"/>
+          <a:lstStyle/>
+          <a:p>
+            <a:pPr algn="ctr"/>
+            <a:r>
+              <a:rPr lang="fr-FR" sz="1000" dirty="0" err="1" smtClean="0"/>
+              <a:t>adh:Adherent</a:t>
+            </a:r>
+            <a:endParaRPr lang="fr-FR" sz="1000" dirty="0"/>
+          </a:p>
+        </p:txBody>
+      </p:sp>
+      <p:sp>
+        <p:nvSpPr>
+          <p:cNvPr id="92" name="Rectangle 91"/>
+          <p:cNvSpPr/>
+          <p:nvPr/>
+        </p:nvSpPr>
+        <p:spPr>
+          <a:xfrm>
+            <a:off x="7654410" y="4011757"/>
+            <a:ext cx="109206" cy="332030"/>
+          </a:xfrm>
+          <a:prstGeom prst="rect">
+            <a:avLst/>
+          </a:prstGeom>
+        </p:spPr>
+        <p:style>
+          <a:lnRef idx="2">
+            <a:schemeClr val="accent1">
+              <a:shade val="50000"/>
+            </a:schemeClr>
+          </a:lnRef>
+          <a:fillRef idx="1">
+            <a:schemeClr val="accent1"/>
+          </a:fillRef>
+          <a:effectRef idx="0">
+            <a:schemeClr val="accent1"/>
+          </a:effectRef>
+          <a:fontRef idx="minor">
+            <a:schemeClr val="lt1"/>
+          </a:fontRef>
+        </p:style>
+        <p:txBody>
+          <a:bodyPr rtlCol="0" anchor="ctr"/>
+          <a:lstStyle/>
+          <a:p>
+            <a:pPr algn="ctr"/>
+            <a:endParaRPr lang="fr-FR"/>
+          </a:p>
+        </p:txBody>
+      </p:sp>
+      <p:sp>
+        <p:nvSpPr>
+          <p:cNvPr id="94" name="ZoneTexte 93"/>
+          <p:cNvSpPr txBox="1"/>
+          <p:nvPr/>
+        </p:nvSpPr>
+        <p:spPr>
+          <a:xfrm>
+            <a:off x="6156176" y="3888647"/>
+            <a:ext cx="1537600" cy="246221"/>
+          </a:xfrm>
+          <a:prstGeom prst="rect">
+            <a:avLst/>
+          </a:prstGeom>
+          <a:noFill/>
+        </p:spPr>
+        <p:txBody>
+          <a:bodyPr wrap="none" rtlCol="0">
+            <a:spAutoFit/>
+          </a:bodyPr>
+          <a:lstStyle/>
+          <a:p>
+            <a:r>
+              <a:rPr lang="fr-FR" sz="1000" dirty="0" err="1"/>
+              <a:t>a</a:t>
+            </a:r>
+            <a:r>
+              <a:rPr lang="fr-FR" sz="1000" dirty="0" err="1" smtClean="0"/>
+              <a:t>dh</a:t>
+            </a:r>
+            <a:r>
+              <a:rPr lang="fr-FR" sz="1000" dirty="0" smtClean="0"/>
+              <a:t>=new (</a:t>
+            </a:r>
+            <a:r>
+              <a:rPr lang="fr-FR" sz="1000" dirty="0" err="1" smtClean="0"/>
+              <a:t>nom,prenom</a:t>
+            </a:r>
+            <a:r>
+              <a:rPr lang="fr-FR" sz="1000" dirty="0" smtClean="0"/>
+              <a:t>,.)</a:t>
+            </a:r>
+            <a:endParaRPr lang="fr-FR" sz="1000" dirty="0"/>
+          </a:p>
+        </p:txBody>
+      </p:sp>
+      <p:cxnSp>
+        <p:nvCxnSpPr>
+          <p:cNvPr id="95" name="Connecteur droit avec flèche 94"/>
+          <p:cNvCxnSpPr/>
+          <p:nvPr/>
+        </p:nvCxnSpPr>
+        <p:spPr>
+          <a:xfrm>
+            <a:off x="6134627" y="4134868"/>
+            <a:ext cx="1519783" cy="0"/>
+          </a:xfrm>
+          <a:prstGeom prst="straightConnector1">
+            <a:avLst/>
+          </a:prstGeom>
+          <a:ln>
+            <a:solidFill>
+              <a:srgbClr val="7030A0"/>
+            </a:solidFill>
+            <a:tailEnd type="arrow"/>
+          </a:ln>
+        </p:spPr>
+        <p:style>
+          <a:lnRef idx="2">
+            <a:schemeClr val="accent6"/>
+          </a:lnRef>
+          <a:fillRef idx="0">
+            <a:schemeClr val="accent6"/>
+          </a:fillRef>
+          <a:effectRef idx="1">
+            <a:schemeClr val="accent6"/>
+          </a:effectRef>
+          <a:fontRef idx="minor">
+            <a:schemeClr val="tx1"/>
+          </a:fontRef>
+        </p:style>
+      </p:cxnSp>
+      <p:cxnSp>
+        <p:nvCxnSpPr>
+          <p:cNvPr id="97" name="Connecteur droit avec flèche 96"/>
+          <p:cNvCxnSpPr/>
+          <p:nvPr/>
+        </p:nvCxnSpPr>
+        <p:spPr>
+          <a:xfrm flipH="1">
+            <a:off x="6242811" y="4308173"/>
+            <a:ext cx="1313466" cy="0"/>
+          </a:xfrm>
+          <a:prstGeom prst="straightConnector1">
+            <a:avLst/>
+          </a:prstGeom>
+          <a:ln>
+            <a:solidFill>
+              <a:srgbClr val="0070C0"/>
+            </a:solidFill>
+            <a:prstDash val="dash"/>
+            <a:tailEnd type="arrow"/>
+          </a:ln>
+        </p:spPr>
+        <p:style>
+          <a:lnRef idx="2">
+            <a:schemeClr val="accent6"/>
+          </a:lnRef>
+          <a:fillRef idx="0">
+            <a:schemeClr val="accent6"/>
+          </a:fillRef>
+          <a:effectRef idx="1">
+            <a:schemeClr val="accent6"/>
+          </a:effectRef>
+          <a:fontRef idx="minor">
+            <a:schemeClr val="tx1"/>
+          </a:fontRef>
+        </p:style>
+      </p:cxnSp>
+      <p:cxnSp>
+        <p:nvCxnSpPr>
+          <p:cNvPr id="98" name="Connecteur droit 97"/>
+          <p:cNvCxnSpPr/>
+          <p:nvPr/>
+        </p:nvCxnSpPr>
+        <p:spPr>
+          <a:xfrm flipH="1">
+            <a:off x="7721381" y="4665282"/>
+            <a:ext cx="2334" cy="707183"/>
+          </a:xfrm>
+          <a:prstGeom prst="line">
+            <a:avLst/>
+          </a:prstGeom>
+        </p:spPr>
+        <p:style>
+          <a:lnRef idx="2">
+            <a:schemeClr val="dk1"/>
+          </a:lnRef>
+          <a:fillRef idx="0">
+            <a:schemeClr val="dk1"/>
+          </a:fillRef>
+          <a:effectRef idx="1">
+            <a:schemeClr val="dk1"/>
+          </a:effectRef>
+          <a:fontRef idx="minor">
+            <a:schemeClr val="tx1"/>
+          </a:fontRef>
+        </p:style>
+      </p:cxnSp>
+      <p:sp>
+        <p:nvSpPr>
+          <p:cNvPr id="113" name="Rectangle 112"/>
+          <p:cNvSpPr/>
+          <p:nvPr/>
+        </p:nvSpPr>
+        <p:spPr>
+          <a:xfrm>
+            <a:off x="7250997" y="4509120"/>
+            <a:ext cx="936104" cy="273820"/>
+          </a:xfrm>
+          <a:prstGeom prst="rect">
+            <a:avLst/>
+          </a:prstGeom>
+        </p:spPr>
+        <p:style>
+          <a:lnRef idx="2">
+            <a:schemeClr val="accent1">
+              <a:shade val="50000"/>
+            </a:schemeClr>
+          </a:lnRef>
+          <a:fillRef idx="1">
+            <a:schemeClr val="accent1"/>
+          </a:fillRef>
+          <a:effectRef idx="0">
+            <a:schemeClr val="accent1"/>
+          </a:effectRef>
+          <a:fontRef idx="minor">
+            <a:schemeClr val="lt1"/>
+          </a:fontRef>
+        </p:style>
+        <p:txBody>
+          <a:bodyPr rtlCol="0" anchor="ctr"/>
+          <a:lstStyle/>
+          <a:p>
+            <a:pPr algn="ctr"/>
+            <a:r>
+              <a:rPr lang="fr-FR" sz="1000" dirty="0" err="1" smtClean="0"/>
+              <a:t>co:Commande</a:t>
+            </a:r>
+            <a:endParaRPr lang="fr-FR" sz="1000" dirty="0"/>
+          </a:p>
+        </p:txBody>
+      </p:sp>
+      <p:sp>
+        <p:nvSpPr>
+          <p:cNvPr id="114" name="Rectangle 113"/>
+          <p:cNvSpPr/>
+          <p:nvPr/>
+        </p:nvSpPr>
+        <p:spPr>
+          <a:xfrm>
+            <a:off x="7669111" y="4875853"/>
+            <a:ext cx="109206" cy="332030"/>
+          </a:xfrm>
+          <a:prstGeom prst="rect">
+            <a:avLst/>
+          </a:prstGeom>
+        </p:spPr>
+        <p:style>
+          <a:lnRef idx="2">
+            <a:schemeClr val="accent1">
+              <a:shade val="50000"/>
+            </a:schemeClr>
+          </a:lnRef>
+          <a:fillRef idx="1">
+            <a:schemeClr val="accent1"/>
+          </a:fillRef>
+          <a:effectRef idx="0">
+            <a:schemeClr val="accent1"/>
+          </a:effectRef>
+          <a:fontRef idx="minor">
+            <a:schemeClr val="lt1"/>
+          </a:fontRef>
+        </p:style>
+        <p:txBody>
+          <a:bodyPr rtlCol="0" anchor="ctr"/>
+          <a:lstStyle/>
+          <a:p>
+            <a:pPr algn="ctr"/>
+            <a:endParaRPr lang="fr-FR"/>
+          </a:p>
+        </p:txBody>
+      </p:sp>
+      <p:sp>
+        <p:nvSpPr>
+          <p:cNvPr id="115" name="ZoneTexte 114"/>
+          <p:cNvSpPr txBox="1"/>
+          <p:nvPr/>
+        </p:nvSpPr>
+        <p:spPr>
+          <a:xfrm>
+            <a:off x="6145445" y="4752743"/>
+            <a:ext cx="1316386" cy="246221"/>
+          </a:xfrm>
+          <a:prstGeom prst="rect">
+            <a:avLst/>
+          </a:prstGeom>
+          <a:noFill/>
+        </p:spPr>
+        <p:txBody>
+          <a:bodyPr wrap="none" rtlCol="0">
+            <a:spAutoFit/>
+          </a:bodyPr>
+          <a:lstStyle/>
+          <a:p>
+            <a:r>
+              <a:rPr lang="fr-FR" sz="1000" dirty="0" err="1" smtClean="0"/>
+              <a:t>co</a:t>
+            </a:r>
+            <a:r>
+              <a:rPr lang="fr-FR" sz="1000" dirty="0" smtClean="0"/>
+              <a:t>=new (1,ad,adh,12)</a:t>
+            </a:r>
+            <a:endParaRPr lang="fr-FR" sz="1000" dirty="0"/>
+          </a:p>
+        </p:txBody>
+      </p:sp>
+      <p:cxnSp>
+        <p:nvCxnSpPr>
+          <p:cNvPr id="119" name="Connecteur droit avec flèche 118"/>
+          <p:cNvCxnSpPr/>
+          <p:nvPr/>
+        </p:nvCxnSpPr>
+        <p:spPr>
+          <a:xfrm>
+            <a:off x="6149328" y="5013176"/>
+            <a:ext cx="1519783" cy="0"/>
+          </a:xfrm>
+          <a:prstGeom prst="straightConnector1">
+            <a:avLst/>
+          </a:prstGeom>
+          <a:ln>
+            <a:solidFill>
+              <a:srgbClr val="7030A0"/>
+            </a:solidFill>
+            <a:tailEnd type="arrow"/>
+          </a:ln>
+        </p:spPr>
+        <p:style>
+          <a:lnRef idx="2">
+            <a:schemeClr val="accent6"/>
+          </a:lnRef>
+          <a:fillRef idx="0">
+            <a:schemeClr val="accent6"/>
+          </a:fillRef>
+          <a:effectRef idx="1">
+            <a:schemeClr val="accent6"/>
+          </a:effectRef>
+          <a:fontRef idx="minor">
+            <a:schemeClr val="tx1"/>
+          </a:fontRef>
+        </p:style>
+      </p:cxnSp>
+      <p:cxnSp>
+        <p:nvCxnSpPr>
+          <p:cNvPr id="121" name="Connecteur droit avec flèche 120"/>
+          <p:cNvCxnSpPr/>
+          <p:nvPr/>
+        </p:nvCxnSpPr>
+        <p:spPr>
+          <a:xfrm flipH="1">
+            <a:off x="6257512" y="5157192"/>
+            <a:ext cx="1313466" cy="0"/>
+          </a:xfrm>
+          <a:prstGeom prst="straightConnector1">
+            <a:avLst/>
+          </a:prstGeom>
+          <a:ln>
+            <a:solidFill>
+              <a:srgbClr val="0070C0"/>
+            </a:solidFill>
+            <a:prstDash val="dash"/>
+            <a:tailEnd type="arrow"/>
+          </a:ln>
+        </p:spPr>
+        <p:style>
+          <a:lnRef idx="2">
+            <a:schemeClr val="accent6"/>
+          </a:lnRef>
+          <a:fillRef idx="0">
+            <a:schemeClr val="accent6"/>
+          </a:fillRef>
+          <a:effectRef idx="1">
+            <a:schemeClr val="accent6"/>
+          </a:effectRef>
+          <a:fontRef idx="minor">
+            <a:schemeClr val="tx1"/>
+          </a:fontRef>
+        </p:style>
+      </p:cxnSp>
+      <p:sp>
+        <p:nvSpPr>
+          <p:cNvPr id="122" name="ZoneTexte 121"/>
+          <p:cNvSpPr txBox="1"/>
+          <p:nvPr/>
+        </p:nvSpPr>
+        <p:spPr>
+          <a:xfrm>
+            <a:off x="6660232" y="4046875"/>
+            <a:ext cx="380232" cy="246221"/>
+          </a:xfrm>
+          <a:prstGeom prst="rect">
+            <a:avLst/>
+          </a:prstGeom>
+          <a:noFill/>
+        </p:spPr>
+        <p:txBody>
+          <a:bodyPr wrap="none" rtlCol="0">
+            <a:spAutoFit/>
+          </a:bodyPr>
+          <a:lstStyle/>
+          <a:p>
+            <a:r>
+              <a:rPr lang="fr-FR" sz="1000" dirty="0" err="1" smtClean="0"/>
+              <a:t>adh</a:t>
+            </a:r>
+            <a:endParaRPr lang="fr-FR" sz="1000" dirty="0"/>
+          </a:p>
+        </p:txBody>
+      </p:sp>
+      <p:sp>
+        <p:nvSpPr>
+          <p:cNvPr id="123" name="ZoneTexte 122"/>
+          <p:cNvSpPr txBox="1"/>
+          <p:nvPr/>
+        </p:nvSpPr>
+        <p:spPr>
+          <a:xfrm>
+            <a:off x="6658406" y="4993376"/>
+            <a:ext cx="306494" cy="246221"/>
+          </a:xfrm>
+          <a:prstGeom prst="rect">
+            <a:avLst/>
+          </a:prstGeom>
+          <a:noFill/>
+        </p:spPr>
+        <p:txBody>
+          <a:bodyPr wrap="none" rtlCol="0">
+            <a:spAutoFit/>
+          </a:bodyPr>
+          <a:lstStyle/>
+          <a:p>
+            <a:r>
+              <a:rPr lang="fr-FR" sz="1000" dirty="0" err="1" smtClean="0"/>
+              <a:t>co</a:t>
+            </a:r>
+            <a:endParaRPr lang="fr-FR" sz="1000" dirty="0"/>
+          </a:p>
+        </p:txBody>
+      </p:sp>
+    </p:spTree>
+    <p:extLst>
+      <p:ext uri="{BB962C8B-B14F-4D97-AF65-F5344CB8AC3E}">
+        <p14:creationId xmlns:p14="http://schemas.microsoft.com/office/powerpoint/2010/main" val="2505708821"/>
+      </p:ext>
+    </p:extLst>
+  </p:cSld>
+  <p:clrMapOvr>
+    <a:masterClrMapping/>
+  </p:clrMapOvr>
+  <p:timing>
+    <p:tnLst>
+      <p:par>
+        <p:cTn id="1" dur="indefinite" restart="never" nodeType="tmRoot"/>
+      </p:par>
+    </p:tnLst>
+  </p:timing>
+</p:sld>
+</file>
+
+<file path=ppt/slides/slide18.xml><?xml version="1.0" encoding="utf-8"?>
+<p:sld xmlns:a="http://schemas.openxmlformats.org/drawingml/2006/main" xmlns:r="http://schemas.openxmlformats.org/officeDocument/2006/relationships" xmlns:p="http://schemas.openxmlformats.org/presentationml/2006/main">
+  <p:cSld>
+    <p:spTree>
+      <p:nvGrpSpPr>
+        <p:cNvPr id="1" name=""/>
+        <p:cNvGrpSpPr/>
+        <p:nvPr/>
+      </p:nvGrpSpPr>
+      <p:grpSpPr>
+        <a:xfrm>
+          <a:off x="0" y="0"/>
+          <a:ext cx="0" cy="0"/>
+          <a:chOff x="0" y="0"/>
+          <a:chExt cx="0" cy="0"/>
+        </a:xfrm>
+      </p:grpSpPr>
+      <p:sp>
+        <p:nvSpPr>
+          <p:cNvPr id="2" name="Titre 1"/>
+          <p:cNvSpPr>
+            <a:spLocks noGrp="1"/>
+          </p:cNvSpPr>
+          <p:nvPr>
+            <p:ph type="ctrTitle"/>
+          </p:nvPr>
+        </p:nvSpPr>
+        <p:spPr>
+          <a:xfrm>
+            <a:off x="685800" y="806847"/>
+            <a:ext cx="7772400" cy="1470025"/>
+          </a:xfrm>
+        </p:spPr>
+        <p:txBody>
+          <a:bodyPr/>
+          <a:lstStyle/>
+          <a:p>
+            <a:r>
+              <a:rPr lang="fr-FR" dirty="0" smtClean="0"/>
+              <a:t>Model Vue Contrôleur</a:t>
+            </a:r>
+            <a:endParaRPr lang="fr-FR" dirty="0"/>
+          </a:p>
+        </p:txBody>
+      </p:sp>
+      <p:sp>
+        <p:nvSpPr>
+          <p:cNvPr id="9" name="Espace réservé du pied de page 8"/>
+          <p:cNvSpPr>
+            <a:spLocks noGrp="1"/>
+          </p:cNvSpPr>
+          <p:nvPr>
+            <p:ph type="ftr" sz="quarter" idx="11"/>
+          </p:nvPr>
+        </p:nvSpPr>
+        <p:spPr>
+          <a:xfrm>
+            <a:off x="2843808" y="6356350"/>
+            <a:ext cx="3456384" cy="365125"/>
+          </a:xfrm>
+        </p:spPr>
+        <p:txBody>
+          <a:bodyPr/>
+          <a:lstStyle/>
+          <a:p>
+            <a:r>
+              <a:rPr lang="fr-FR" dirty="0" smtClean="0">
+                <a:solidFill>
+                  <a:schemeClr val="tx1"/>
+                </a:solidFill>
+              </a:rPr>
+              <a:t>Université de Nantes, Licence Professionnelle SIL</a:t>
+            </a:r>
+            <a:endParaRPr lang="fr-BE" dirty="0">
+              <a:solidFill>
+                <a:schemeClr val="tx1"/>
+              </a:solidFill>
+            </a:endParaRPr>
+          </a:p>
+        </p:txBody>
+      </p:sp>
+      <p:sp>
+        <p:nvSpPr>
+          <p:cNvPr id="10" name="Espace réservé du numéro de diapositive 9"/>
+          <p:cNvSpPr>
+            <a:spLocks noGrp="1"/>
+          </p:cNvSpPr>
+          <p:nvPr>
+            <p:ph type="sldNum" sz="quarter" idx="12"/>
+          </p:nvPr>
+        </p:nvSpPr>
+        <p:spPr>
+          <a:xfrm>
+            <a:off x="6553200" y="6356350"/>
+            <a:ext cx="2133600" cy="365125"/>
+          </a:xfrm>
+        </p:spPr>
+        <p:txBody>
+          <a:bodyPr/>
+          <a:lstStyle/>
+          <a:p>
+            <a:fld id="{CF4668DC-857F-487D-BFFA-8C0CA5037977}" type="slidenum">
+              <a:rPr lang="fr-BE" smtClean="0">
+                <a:solidFill>
+                  <a:schemeClr val="tx1"/>
+                </a:solidFill>
+              </a:rPr>
+              <a:t>18</a:t>
             </a:fld>
             <a:endParaRPr lang="fr-BE" dirty="0">
               <a:solidFill>
@@ -8933,7 +16109,7 @@
 </p:sld>
 </file>
 
-<file path=ppt/slides/slide16.xml><?xml version="1.0" encoding="utf-8"?>
+<file path=ppt/slides/slide19.xml><?xml version="1.0" encoding="utf-8"?>
 <p:sld xmlns:a="http://schemas.openxmlformats.org/drawingml/2006/main" xmlns:r="http://schemas.openxmlformats.org/officeDocument/2006/relationships" xmlns:p="http://schemas.openxmlformats.org/presentationml/2006/main">
   <p:cSld>
     <p:spTree>
@@ -9098,7 +16274,7 @@
                   <a:schemeClr val="tx1"/>
                 </a:solidFill>
               </a:rPr>
-              <a:t>16</a:t>
+              <a:t>19</a:t>
             </a:fld>
             <a:endParaRPr lang="fr-BE" dirty="0">
               <a:solidFill>
@@ -9213,304 +16389,6 @@
             <a:endParaRPr lang="fr-FR" sz="1200" dirty="0">
               <a:solidFill>
                 <a:schemeClr val="tx1"/>
-              </a:solidFill>
-            </a:endParaRPr>
-          </a:p>
-        </p:txBody>
-      </p:sp>
-    </p:spTree>
-    <p:extLst>
-      <p:ext uri="{BB962C8B-B14F-4D97-AF65-F5344CB8AC3E}">
-        <p14:creationId xmlns:p14="http://schemas.microsoft.com/office/powerpoint/2010/main" val="218983957"/>
-      </p:ext>
-    </p:extLst>
-  </p:cSld>
-  <p:clrMapOvr>
-    <a:masterClrMapping/>
-  </p:clrMapOvr>
-  <p:timing>
-    <p:tnLst>
-      <p:par>
-        <p:cTn id="1" dur="indefinite" restart="never" nodeType="tmRoot"/>
-      </p:par>
-    </p:tnLst>
-  </p:timing>
-</p:sld>
-</file>
-
-<file path=ppt/slides/slide17.xml><?xml version="1.0" encoding="utf-8"?>
-<p:sld xmlns:a="http://schemas.openxmlformats.org/drawingml/2006/main" xmlns:r="http://schemas.openxmlformats.org/officeDocument/2006/relationships" xmlns:p="http://schemas.openxmlformats.org/presentationml/2006/main">
-  <p:cSld>
-    <p:spTree>
-      <p:nvGrpSpPr>
-        <p:cNvPr id="1" name=""/>
-        <p:cNvGrpSpPr/>
-        <p:nvPr/>
-      </p:nvGrpSpPr>
-      <p:grpSpPr>
-        <a:xfrm>
-          <a:off x="0" y="0"/>
-          <a:ext cx="0" cy="0"/>
-          <a:chOff x="0" y="0"/>
-          <a:chExt cx="0" cy="0"/>
-        </a:xfrm>
-      </p:grpSpPr>
-      <p:sp>
-        <p:nvSpPr>
-          <p:cNvPr id="2" name="Titre 1"/>
-          <p:cNvSpPr>
-            <a:spLocks noGrp="1"/>
-          </p:cNvSpPr>
-          <p:nvPr>
-            <p:ph type="ctrTitle"/>
-          </p:nvPr>
-        </p:nvSpPr>
-        <p:spPr>
-          <a:xfrm>
-            <a:off x="685800" y="806847"/>
-            <a:ext cx="7772400" cy="1470025"/>
-          </a:xfrm>
-        </p:spPr>
-        <p:txBody>
-          <a:bodyPr/>
-          <a:lstStyle/>
-          <a:p>
-            <a:r>
-              <a:rPr lang="fr-FR" dirty="0" smtClean="0"/>
-              <a:t>Améliorations possibles</a:t>
-            </a:r>
-            <a:endParaRPr lang="fr-FR" dirty="0"/>
-          </a:p>
-        </p:txBody>
-      </p:sp>
-      <p:sp>
-        <p:nvSpPr>
-          <p:cNvPr id="3" name="Sous-titre 2"/>
-          <p:cNvSpPr>
-            <a:spLocks noGrp="1"/>
-          </p:cNvSpPr>
-          <p:nvPr>
-            <p:ph type="subTitle" idx="1"/>
-          </p:nvPr>
-        </p:nvSpPr>
-        <p:spPr/>
-        <p:txBody>
-          <a:bodyPr>
-            <a:normAutofit/>
-          </a:bodyPr>
-          <a:lstStyle/>
-          <a:p>
-            <a:r>
-              <a:rPr lang="fr-FR" dirty="0" smtClean="0">
-                <a:solidFill>
-                  <a:schemeClr val="tx1"/>
-                </a:solidFill>
-              </a:rPr>
-              <a:t>Externaliser la partie Contrôleur/model en services wso2</a:t>
-            </a:r>
-          </a:p>
-          <a:p>
-            <a:r>
-              <a:rPr lang="fr-FR" dirty="0" smtClean="0">
-                <a:solidFill>
-                  <a:schemeClr val="tx1"/>
-                </a:solidFill>
-              </a:rPr>
-              <a:t>Utiliser </a:t>
-            </a:r>
-            <a:r>
-              <a:rPr lang="fr-FR" dirty="0" err="1" smtClean="0">
-                <a:solidFill>
-                  <a:schemeClr val="tx1"/>
-                </a:solidFill>
-              </a:rPr>
-              <a:t>Mysql</a:t>
-            </a:r>
-            <a:r>
-              <a:rPr lang="fr-FR" dirty="0" smtClean="0">
-                <a:solidFill>
-                  <a:schemeClr val="tx1"/>
-                </a:solidFill>
-              </a:rPr>
-              <a:t> comme SGBD.</a:t>
-            </a:r>
-            <a:endParaRPr lang="fr-FR" dirty="0">
-              <a:solidFill>
-                <a:schemeClr val="tx1"/>
-              </a:solidFill>
-            </a:endParaRPr>
-          </a:p>
-        </p:txBody>
-      </p:sp>
-      <p:sp>
-        <p:nvSpPr>
-          <p:cNvPr id="9" name="Espace réservé du pied de page 8"/>
-          <p:cNvSpPr>
-            <a:spLocks noGrp="1"/>
-          </p:cNvSpPr>
-          <p:nvPr>
-            <p:ph type="ftr" sz="quarter" idx="11"/>
-          </p:nvPr>
-        </p:nvSpPr>
-        <p:spPr>
-          <a:xfrm>
-            <a:off x="2843808" y="6356350"/>
-            <a:ext cx="3456384" cy="365125"/>
-          </a:xfrm>
-        </p:spPr>
-        <p:txBody>
-          <a:bodyPr/>
-          <a:lstStyle/>
-          <a:p>
-            <a:r>
-              <a:rPr lang="fr-FR" dirty="0" smtClean="0">
-                <a:solidFill>
-                  <a:schemeClr val="tx1"/>
-                </a:solidFill>
-              </a:rPr>
-              <a:t>Université de Nantes, Licence Professionnelle SIL</a:t>
-            </a:r>
-            <a:endParaRPr lang="fr-BE" dirty="0">
-              <a:solidFill>
-                <a:schemeClr val="tx1"/>
-              </a:solidFill>
-            </a:endParaRPr>
-          </a:p>
-        </p:txBody>
-      </p:sp>
-      <p:sp>
-        <p:nvSpPr>
-          <p:cNvPr id="10" name="Espace réservé du numéro de diapositive 9"/>
-          <p:cNvSpPr>
-            <a:spLocks noGrp="1"/>
-          </p:cNvSpPr>
-          <p:nvPr>
-            <p:ph type="sldNum" sz="quarter" idx="12"/>
-          </p:nvPr>
-        </p:nvSpPr>
-        <p:spPr>
-          <a:xfrm>
-            <a:off x="6553200" y="6356350"/>
-            <a:ext cx="2133600" cy="365125"/>
-          </a:xfrm>
-        </p:spPr>
-        <p:txBody>
-          <a:bodyPr/>
-          <a:lstStyle/>
-          <a:p>
-            <a:fld id="{CF4668DC-857F-487D-BFFA-8C0CA5037977}" type="slidenum">
-              <a:rPr lang="fr-BE" smtClean="0">
-                <a:solidFill>
-                  <a:schemeClr val="tx1"/>
-                </a:solidFill>
-              </a:rPr>
-              <a:t>17</a:t>
-            </a:fld>
-            <a:endParaRPr lang="fr-BE" dirty="0">
-              <a:solidFill>
-                <a:schemeClr val="tx1"/>
-              </a:solidFill>
-            </a:endParaRPr>
-          </a:p>
-        </p:txBody>
-      </p:sp>
-      <p:pic>
-        <p:nvPicPr>
-          <p:cNvPr id="11" name="Image 10"/>
-          <p:cNvPicPr>
-            <a:picLocks noChangeAspect="1"/>
-          </p:cNvPicPr>
-          <p:nvPr/>
-        </p:nvPicPr>
-        <p:blipFill>
-          <a:blip r:embed="rId2">
-            <a:extLst>
-              <a:ext uri="{28A0092B-C50C-407E-A947-70E740481C1C}">
-                <a14:useLocalDpi xmlns:a14="http://schemas.microsoft.com/office/drawing/2010/main" val="0"/>
-              </a:ext>
-            </a:extLst>
-          </a:blip>
-          <a:stretch>
-            <a:fillRect/>
-          </a:stretch>
-        </p:blipFill>
-        <p:spPr>
-          <a:xfrm>
-            <a:off x="107504" y="133118"/>
-            <a:ext cx="1080120" cy="469618"/>
-          </a:xfrm>
-          <a:prstGeom prst="rect">
-            <a:avLst/>
-          </a:prstGeom>
-        </p:spPr>
-      </p:pic>
-      <p:sp>
-        <p:nvSpPr>
-          <p:cNvPr id="12" name="Rogner un rectangle avec un coin diagonal 11"/>
-          <p:cNvSpPr/>
-          <p:nvPr/>
-        </p:nvSpPr>
-        <p:spPr>
-          <a:xfrm>
-            <a:off x="1259632" y="0"/>
-            <a:ext cx="7848872" cy="512676"/>
-          </a:xfrm>
-          <a:prstGeom prst="snip2DiagRect">
-            <a:avLst>
-              <a:gd name="adj1" fmla="val 24520"/>
-              <a:gd name="adj2" fmla="val 23038"/>
-            </a:avLst>
-          </a:prstGeom>
-        </p:spPr>
-        <p:style>
-          <a:lnRef idx="0">
-            <a:schemeClr val="accent5"/>
-          </a:lnRef>
-          <a:fillRef idx="3">
-            <a:schemeClr val="accent5"/>
-          </a:fillRef>
-          <a:effectRef idx="3">
-            <a:schemeClr val="accent5"/>
-          </a:effectRef>
-          <a:fontRef idx="minor">
-            <a:schemeClr val="lt1"/>
-          </a:fontRef>
-        </p:style>
-        <p:txBody>
-          <a:bodyPr rtlCol="0" anchor="ctr"/>
-          <a:lstStyle/>
-          <a:p>
-            <a:pPr algn="ctr"/>
-            <a:r>
-              <a:rPr lang="fr-FR" sz="1200" dirty="0" smtClean="0">
-                <a:solidFill>
-                  <a:schemeClr val="tx1"/>
-                </a:solidFill>
-              </a:rPr>
-              <a:t>-Principe de fonctionnement -Architecture -Services de l’application -Diagramme des cas d’utilisation</a:t>
-            </a:r>
-          </a:p>
-          <a:p>
-            <a:pPr algn="ctr"/>
-            <a:r>
-              <a:rPr lang="fr-FR" sz="1200" dirty="0" smtClean="0">
-                <a:solidFill>
-                  <a:schemeClr val="tx1"/>
-                </a:solidFill>
-              </a:rPr>
-              <a:t>-Matérielle et logiciel -Réalisation -Model Vue Contrôleur -Avantages / inconvénients </a:t>
-            </a:r>
-            <a:r>
-              <a:rPr lang="fr-FR" sz="1200" dirty="0" smtClean="0">
-                <a:solidFill>
-                  <a:schemeClr val="bg1"/>
-                </a:solidFill>
-              </a:rPr>
-              <a:t>-Améliorations possibles</a:t>
-            </a:r>
-            <a:endParaRPr lang="fr-FR" sz="1200" dirty="0">
-              <a:solidFill>
-                <a:schemeClr val="bg1"/>
               </a:solidFill>
             </a:endParaRPr>
           </a:p>
@@ -9843,6 +16721,304 @@
     <p:extLst>
       <p:ext uri="{BB962C8B-B14F-4D97-AF65-F5344CB8AC3E}">
         <p14:creationId xmlns:p14="http://schemas.microsoft.com/office/powerpoint/2010/main" val="2995508724"/>
+      </p:ext>
+    </p:extLst>
+  </p:cSld>
+  <p:clrMapOvr>
+    <a:masterClrMapping/>
+  </p:clrMapOvr>
+  <p:timing>
+    <p:tnLst>
+      <p:par>
+        <p:cTn id="1" dur="indefinite" restart="never" nodeType="tmRoot"/>
+      </p:par>
+    </p:tnLst>
+  </p:timing>
+</p:sld>
+</file>
+
+<file path=ppt/slides/slide20.xml><?xml version="1.0" encoding="utf-8"?>
+<p:sld xmlns:a="http://schemas.openxmlformats.org/drawingml/2006/main" xmlns:r="http://schemas.openxmlformats.org/officeDocument/2006/relationships" xmlns:p="http://schemas.openxmlformats.org/presentationml/2006/main">
+  <p:cSld>
+    <p:spTree>
+      <p:nvGrpSpPr>
+        <p:cNvPr id="1" name=""/>
+        <p:cNvGrpSpPr/>
+        <p:nvPr/>
+      </p:nvGrpSpPr>
+      <p:grpSpPr>
+        <a:xfrm>
+          <a:off x="0" y="0"/>
+          <a:ext cx="0" cy="0"/>
+          <a:chOff x="0" y="0"/>
+          <a:chExt cx="0" cy="0"/>
+        </a:xfrm>
+      </p:grpSpPr>
+      <p:sp>
+        <p:nvSpPr>
+          <p:cNvPr id="2" name="Titre 1"/>
+          <p:cNvSpPr>
+            <a:spLocks noGrp="1"/>
+          </p:cNvSpPr>
+          <p:nvPr>
+            <p:ph type="ctrTitle"/>
+          </p:nvPr>
+        </p:nvSpPr>
+        <p:spPr>
+          <a:xfrm>
+            <a:off x="685800" y="806847"/>
+            <a:ext cx="7772400" cy="1470025"/>
+          </a:xfrm>
+        </p:spPr>
+        <p:txBody>
+          <a:bodyPr/>
+          <a:lstStyle/>
+          <a:p>
+            <a:r>
+              <a:rPr lang="fr-FR" dirty="0" smtClean="0"/>
+              <a:t>Améliorations possibles</a:t>
+            </a:r>
+            <a:endParaRPr lang="fr-FR" dirty="0"/>
+          </a:p>
+        </p:txBody>
+      </p:sp>
+      <p:sp>
+        <p:nvSpPr>
+          <p:cNvPr id="3" name="Sous-titre 2"/>
+          <p:cNvSpPr>
+            <a:spLocks noGrp="1"/>
+          </p:cNvSpPr>
+          <p:nvPr>
+            <p:ph type="subTitle" idx="1"/>
+          </p:nvPr>
+        </p:nvSpPr>
+        <p:spPr/>
+        <p:txBody>
+          <a:bodyPr>
+            <a:normAutofit/>
+          </a:bodyPr>
+          <a:lstStyle/>
+          <a:p>
+            <a:r>
+              <a:rPr lang="fr-FR" dirty="0" smtClean="0">
+                <a:solidFill>
+                  <a:schemeClr val="tx1"/>
+                </a:solidFill>
+              </a:rPr>
+              <a:t>Externaliser la partie Contrôleur/model en services wso2</a:t>
+            </a:r>
+          </a:p>
+          <a:p>
+            <a:r>
+              <a:rPr lang="fr-FR" dirty="0" smtClean="0">
+                <a:solidFill>
+                  <a:schemeClr val="tx1"/>
+                </a:solidFill>
+              </a:rPr>
+              <a:t>Utiliser </a:t>
+            </a:r>
+            <a:r>
+              <a:rPr lang="fr-FR" dirty="0" err="1" smtClean="0">
+                <a:solidFill>
+                  <a:schemeClr val="tx1"/>
+                </a:solidFill>
+              </a:rPr>
+              <a:t>Mysql</a:t>
+            </a:r>
+            <a:r>
+              <a:rPr lang="fr-FR" dirty="0" smtClean="0">
+                <a:solidFill>
+                  <a:schemeClr val="tx1"/>
+                </a:solidFill>
+              </a:rPr>
+              <a:t> comme SGBD.</a:t>
+            </a:r>
+            <a:endParaRPr lang="fr-FR" dirty="0">
+              <a:solidFill>
+                <a:schemeClr val="tx1"/>
+              </a:solidFill>
+            </a:endParaRPr>
+          </a:p>
+        </p:txBody>
+      </p:sp>
+      <p:sp>
+        <p:nvSpPr>
+          <p:cNvPr id="9" name="Espace réservé du pied de page 8"/>
+          <p:cNvSpPr>
+            <a:spLocks noGrp="1"/>
+          </p:cNvSpPr>
+          <p:nvPr>
+            <p:ph type="ftr" sz="quarter" idx="11"/>
+          </p:nvPr>
+        </p:nvSpPr>
+        <p:spPr>
+          <a:xfrm>
+            <a:off x="2843808" y="6356350"/>
+            <a:ext cx="3456384" cy="365125"/>
+          </a:xfrm>
+        </p:spPr>
+        <p:txBody>
+          <a:bodyPr/>
+          <a:lstStyle/>
+          <a:p>
+            <a:r>
+              <a:rPr lang="fr-FR" dirty="0" smtClean="0">
+                <a:solidFill>
+                  <a:schemeClr val="tx1"/>
+                </a:solidFill>
+              </a:rPr>
+              <a:t>Université de Nantes, Licence Professionnelle SIL</a:t>
+            </a:r>
+            <a:endParaRPr lang="fr-BE" dirty="0">
+              <a:solidFill>
+                <a:schemeClr val="tx1"/>
+              </a:solidFill>
+            </a:endParaRPr>
+          </a:p>
+        </p:txBody>
+      </p:sp>
+      <p:sp>
+        <p:nvSpPr>
+          <p:cNvPr id="10" name="Espace réservé du numéro de diapositive 9"/>
+          <p:cNvSpPr>
+            <a:spLocks noGrp="1"/>
+          </p:cNvSpPr>
+          <p:nvPr>
+            <p:ph type="sldNum" sz="quarter" idx="12"/>
+          </p:nvPr>
+        </p:nvSpPr>
+        <p:spPr>
+          <a:xfrm>
+            <a:off x="6553200" y="6356350"/>
+            <a:ext cx="2133600" cy="365125"/>
+          </a:xfrm>
+        </p:spPr>
+        <p:txBody>
+          <a:bodyPr/>
+          <a:lstStyle/>
+          <a:p>
+            <a:fld id="{CF4668DC-857F-487D-BFFA-8C0CA5037977}" type="slidenum">
+              <a:rPr lang="fr-BE" smtClean="0">
+                <a:solidFill>
+                  <a:schemeClr val="tx1"/>
+                </a:solidFill>
+              </a:rPr>
+              <a:t>20</a:t>
+            </a:fld>
+            <a:endParaRPr lang="fr-BE" dirty="0">
+              <a:solidFill>
+                <a:schemeClr val="tx1"/>
+              </a:solidFill>
+            </a:endParaRPr>
+          </a:p>
+        </p:txBody>
+      </p:sp>
+      <p:pic>
+        <p:nvPicPr>
+          <p:cNvPr id="11" name="Image 10"/>
+          <p:cNvPicPr>
+            <a:picLocks noChangeAspect="1"/>
+          </p:cNvPicPr>
+          <p:nvPr/>
+        </p:nvPicPr>
+        <p:blipFill>
+          <a:blip r:embed="rId2">
+            <a:extLst>
+              <a:ext uri="{28A0092B-C50C-407E-A947-70E740481C1C}">
+                <a14:useLocalDpi xmlns:a14="http://schemas.microsoft.com/office/drawing/2010/main" val="0"/>
+              </a:ext>
+            </a:extLst>
+          </a:blip>
+          <a:stretch>
+            <a:fillRect/>
+          </a:stretch>
+        </p:blipFill>
+        <p:spPr>
+          <a:xfrm>
+            <a:off x="107504" y="133118"/>
+            <a:ext cx="1080120" cy="469618"/>
+          </a:xfrm>
+          <a:prstGeom prst="rect">
+            <a:avLst/>
+          </a:prstGeom>
+        </p:spPr>
+      </p:pic>
+      <p:sp>
+        <p:nvSpPr>
+          <p:cNvPr id="12" name="Rogner un rectangle avec un coin diagonal 11"/>
+          <p:cNvSpPr/>
+          <p:nvPr/>
+        </p:nvSpPr>
+        <p:spPr>
+          <a:xfrm>
+            <a:off x="1259632" y="0"/>
+            <a:ext cx="7848872" cy="512676"/>
+          </a:xfrm>
+          <a:prstGeom prst="snip2DiagRect">
+            <a:avLst>
+              <a:gd name="adj1" fmla="val 24520"/>
+              <a:gd name="adj2" fmla="val 23038"/>
+            </a:avLst>
+          </a:prstGeom>
+        </p:spPr>
+        <p:style>
+          <a:lnRef idx="0">
+            <a:schemeClr val="accent5"/>
+          </a:lnRef>
+          <a:fillRef idx="3">
+            <a:schemeClr val="accent5"/>
+          </a:fillRef>
+          <a:effectRef idx="3">
+            <a:schemeClr val="accent5"/>
+          </a:effectRef>
+          <a:fontRef idx="minor">
+            <a:schemeClr val="lt1"/>
+          </a:fontRef>
+        </p:style>
+        <p:txBody>
+          <a:bodyPr rtlCol="0" anchor="ctr"/>
+          <a:lstStyle/>
+          <a:p>
+            <a:pPr algn="ctr"/>
+            <a:r>
+              <a:rPr lang="fr-FR" sz="1200" dirty="0" smtClean="0">
+                <a:solidFill>
+                  <a:schemeClr val="tx1"/>
+                </a:solidFill>
+              </a:rPr>
+              <a:t>-Principe de fonctionnement -Architecture -Services de l’application -Diagramme des cas d’utilisation</a:t>
+            </a:r>
+          </a:p>
+          <a:p>
+            <a:pPr algn="ctr"/>
+            <a:r>
+              <a:rPr lang="fr-FR" sz="1200" dirty="0" smtClean="0">
+                <a:solidFill>
+                  <a:schemeClr val="tx1"/>
+                </a:solidFill>
+              </a:rPr>
+              <a:t>-Matérielle et logiciel -Réalisation -Model Vue Contrôleur -Avantages / inconvénients </a:t>
+            </a:r>
+            <a:r>
+              <a:rPr lang="fr-FR" sz="1200" dirty="0" smtClean="0">
+                <a:solidFill>
+                  <a:schemeClr val="bg1"/>
+                </a:solidFill>
+              </a:rPr>
+              <a:t>-Améliorations possibles</a:t>
+            </a:r>
+            <a:endParaRPr lang="fr-FR" sz="1200" dirty="0">
+              <a:solidFill>
+                <a:schemeClr val="bg1"/>
+              </a:solidFill>
+            </a:endParaRPr>
+          </a:p>
+        </p:txBody>
+      </p:sp>
+    </p:spTree>
+    <p:extLst>
+      <p:ext uri="{BB962C8B-B14F-4D97-AF65-F5344CB8AC3E}">
+        <p14:creationId xmlns:p14="http://schemas.microsoft.com/office/powerpoint/2010/main" val="218983957"/>
       </p:ext>
     </p:extLst>
   </p:cSld>
@@ -11035,7 +18211,6 @@
               <a:rPr lang="fr-FR" sz="1400" dirty="0" smtClean="0"/>
               <a:t>Persistance</a:t>
             </a:r>
-            <a:endParaRPr lang="fr-FR" sz="1400" dirty="0" smtClean="0"/>
           </a:p>
           <a:p>
             <a:pPr algn="ctr"/>
@@ -11438,15 +18613,7 @@
                     <a:p>
                       <a:r>
                         <a:rPr lang="fr-FR" dirty="0" smtClean="0"/>
-                        <a:t>Pour se connecter l’adhérent doit rentrer son login et mot de passe. C’est la </a:t>
-                      </a:r>
-                      <a:r>
-                        <a:rPr lang="fr-FR" dirty="0" smtClean="0"/>
-                        <a:t>seule </a:t>
-                      </a:r>
-                      <a:r>
-                        <a:rPr lang="fr-FR" dirty="0" smtClean="0"/>
-                        <a:t>façon d’accéder aux</a:t>
+                        <a:t>Pour se connecter l’adhérent doit rentrer son login et mot de passe. C’est la seule façon d’accéder aux</a:t>
                       </a:r>
                       <a:r>
                         <a:rPr lang="fr-FR" baseline="0" dirty="0" smtClean="0"/>
@@ -11480,15 +18647,7 @@
                     <a:p>
                       <a:r>
                         <a:rPr lang="fr-FR" dirty="0" smtClean="0"/>
-                        <a:t>Liste tout les articles </a:t>
-                      </a:r>
-                      <a:r>
-                        <a:rPr lang="fr-FR" dirty="0" smtClean="0"/>
-                        <a:t>contenus </a:t>
-                      </a:r>
-                      <a:r>
-                        <a:rPr lang="fr-FR" dirty="0" smtClean="0"/>
-                        <a:t>dans la base, avec leur nom,</a:t>
+                        <a:t>Liste tout les articles contenus dans la base, avec leur nom,</a:t>
                       </a:r>
                       <a:r>
                         <a:rPr lang="fr-FR" baseline="0" dirty="0" smtClean="0"/>
